--- a/Presentation1.pptx
+++ b/Presentation1.pptx
@@ -3958,9 +3958,10 @@
               <a:t>@</a:t>
             </a:r>
             <a:r>
-              <a:rPr lang="en-US"/>
+              <a:rPr lang="en-US" dirty="0" err="1"/>
               <a:t>tiberio</a:t>
             </a:r>
+            <a:endParaRPr lang="en-US" dirty="0"/>
           </a:p>
         </p:txBody>
       </p:sp>

--- a/Presentation1.pptx
+++ b/Presentation1.pptx
@@ -5,26 +5,29 @@
     <p:sldMasterId id="2147483648" r:id="rId1"/>
   </p:sldMasterIdLst>
   <p:notesMasterIdLst>
-    <p:notesMasterId r:id="rId13"/>
+    <p:notesMasterId r:id="rId16"/>
   </p:notesMasterIdLst>
   <p:sldIdLst>
     <p:sldId id="256" r:id="rId2"/>
     <p:sldId id="257" r:id="rId3"/>
     <p:sldId id="259" r:id="rId4"/>
     <p:sldId id="260" r:id="rId5"/>
-    <p:sldId id="262" r:id="rId6"/>
-    <p:sldId id="263" r:id="rId7"/>
-    <p:sldId id="261" r:id="rId8"/>
-    <p:sldId id="258" r:id="rId9"/>
-    <p:sldId id="264" r:id="rId10"/>
-    <p:sldId id="265" r:id="rId11"/>
-    <p:sldId id="266" r:id="rId12"/>
+    <p:sldId id="267" r:id="rId6"/>
+    <p:sldId id="262" r:id="rId7"/>
+    <p:sldId id="263" r:id="rId8"/>
+    <p:sldId id="261" r:id="rId9"/>
+    <p:sldId id="268" r:id="rId10"/>
+    <p:sldId id="269" r:id="rId11"/>
+    <p:sldId id="258" r:id="rId12"/>
+    <p:sldId id="264" r:id="rId13"/>
+    <p:sldId id="265" r:id="rId14"/>
+    <p:sldId id="266" r:id="rId15"/>
   </p:sldIdLst>
   <p:sldSz cx="12192000" cy="6858000"/>
   <p:notesSz cx="6858000" cy="9144000"/>
   <p:defaultTextStyle>
     <a:defPPr>
-      <a:defRPr lang="en-IT"/>
+      <a:defRPr lang="x-none"/>
     </a:defPPr>
     <a:lvl1pPr marL="0" algn="l" defTabSz="914400" rtl="0" eaLnBrk="1" latinLnBrk="0" hangingPunct="1">
       <a:defRPr sz="1800" kern="1200">
@@ -117,6 +120,11 @@
       </a:defRPr>
     </a:lvl9pPr>
   </p:defaultTextStyle>
+  <p:extLst>
+    <p:ext uri="{EFAFB233-063F-42B5-8137-9DF3F51BA10A}">
+      <p15:sldGuideLst xmlns:p15="http://schemas.microsoft.com/office/powerpoint/2012/main"/>
+    </p:ext>
+  </p:extLst>
 </p:presentation>
 </file>
 
@@ -202,7 +210,7 @@
           <a:p>
             <a:fld id="{C160D168-104E-BB47-BCD9-23CA9B55B2CD}" type="datetimeFigureOut">
               <a:rPr lang="en-US" smtClean="0"/>
-              <a:t>2/3/20</a:t>
+              <a:t>2/7/2020</a:t>
             </a:fld>
             <a:endParaRPr lang="en-US"/>
           </a:p>
@@ -557,6 +565,93 @@
 </p:notes>
 </file>
 
+<file path=ppt/notesSlides/notesSlide2.xml><?xml version="1.0" encoding="utf-8"?>
+<p:notes xmlns:a="http://schemas.openxmlformats.org/drawingml/2006/main" xmlns:r="http://schemas.openxmlformats.org/officeDocument/2006/relationships" xmlns:p="http://schemas.openxmlformats.org/presentationml/2006/main">
+  <p:cSld>
+    <p:spTree>
+      <p:nvGrpSpPr>
+        <p:cNvPr id="1" name=""/>
+        <p:cNvGrpSpPr/>
+        <p:nvPr/>
+      </p:nvGrpSpPr>
+      <p:grpSpPr>
+        <a:xfrm>
+          <a:off x="0" y="0"/>
+          <a:ext cx="0" cy="0"/>
+          <a:chOff x="0" y="0"/>
+          <a:chExt cx="0" cy="0"/>
+        </a:xfrm>
+      </p:grpSpPr>
+      <p:sp>
+        <p:nvSpPr>
+          <p:cNvPr id="2" name="Slide Image Placeholder 1"/>
+          <p:cNvSpPr>
+            <a:spLocks noGrp="1" noRot="1" noChangeAspect="1"/>
+          </p:cNvSpPr>
+          <p:nvPr>
+            <p:ph type="sldImg"/>
+          </p:nvPr>
+        </p:nvSpPr>
+        <p:spPr/>
+      </p:sp>
+      <p:sp>
+        <p:nvSpPr>
+          <p:cNvPr id="3" name="Notes Placeholder 2"/>
+          <p:cNvSpPr>
+            <a:spLocks noGrp="1"/>
+          </p:cNvSpPr>
+          <p:nvPr>
+            <p:ph type="body" idx="1"/>
+          </p:nvPr>
+        </p:nvSpPr>
+        <p:spPr/>
+        <p:txBody>
+          <a:bodyPr/>
+          <a:lstStyle/>
+          <a:p>
+            <a:r>
+              <a:rPr lang="en-US" dirty="0"/>
+              <a:t>Key decision not letting user to manually write the plate to have only consistent data</a:t>
+            </a:r>
+          </a:p>
+        </p:txBody>
+      </p:sp>
+      <p:sp>
+        <p:nvSpPr>
+          <p:cNvPr id="4" name="Slide Number Placeholder 3"/>
+          <p:cNvSpPr>
+            <a:spLocks noGrp="1"/>
+          </p:cNvSpPr>
+          <p:nvPr>
+            <p:ph type="sldNum" sz="quarter" idx="5"/>
+          </p:nvPr>
+        </p:nvSpPr>
+        <p:spPr/>
+        <p:txBody>
+          <a:bodyPr/>
+          <a:lstStyle/>
+          <a:p>
+            <a:fld id="{65B24ED1-CF1D-8B45-A933-F8F043BDFA80}" type="slidenum">
+              <a:rPr lang="en-US" smtClean="0"/>
+              <a:t>5</a:t>
+            </a:fld>
+            <a:endParaRPr lang="en-US"/>
+          </a:p>
+        </p:txBody>
+      </p:sp>
+    </p:spTree>
+    <p:extLst>
+      <p:ext uri="{BB962C8B-B14F-4D97-AF65-F5344CB8AC3E}">
+        <p14:creationId xmlns:p14="http://schemas.microsoft.com/office/powerpoint/2010/main" val="2463468558"/>
+      </p:ext>
+    </p:extLst>
+  </p:cSld>
+  <p:clrMapOvr>
+    <a:masterClrMapping/>
+  </p:clrMapOvr>
+</p:notes>
+</file>
+
 <file path=ppt/slideLayouts/slideLayout1.xml><?xml version="1.0" encoding="utf-8"?>
 <p:sldLayout xmlns:a="http://schemas.openxmlformats.org/drawingml/2006/main" xmlns:r="http://schemas.openxmlformats.org/officeDocument/2006/relationships" xmlns:p="http://schemas.openxmlformats.org/presentationml/2006/main" type="title" preserve="1">
   <p:cSld name="Title Slide">
@@ -579,7 +674,7 @@
           <p:cNvPr id="2" name="Title 1">
             <a:extLst>
               <a:ext uri="{FF2B5EF4-FFF2-40B4-BE49-F238E27FC236}">
-                <a16:creationId xmlns:a16="http://schemas.microsoft.com/office/drawing/2014/main" id="{32B50E20-7976-DD43-8C4C-66917611FDC9}"/>
+                <a16:creationId xmlns:a16="http://schemas.microsoft.com/office/drawing/2014/main" xmlns="" id="{32B50E20-7976-DD43-8C4C-66917611FDC9}"/>
               </a:ext>
             </a:extLst>
           </p:cNvPr>
@@ -617,7 +712,7 @@
           <p:cNvPr id="3" name="Subtitle 2">
             <a:extLst>
               <a:ext uri="{FF2B5EF4-FFF2-40B4-BE49-F238E27FC236}">
-                <a16:creationId xmlns:a16="http://schemas.microsoft.com/office/drawing/2014/main" id="{817655F9-A056-1B41-A86D-E69340A199C8}"/>
+                <a16:creationId xmlns:a16="http://schemas.microsoft.com/office/drawing/2014/main" xmlns="" id="{817655F9-A056-1B41-A86D-E69340A199C8}"/>
               </a:ext>
             </a:extLst>
           </p:cNvPr>
@@ -688,7 +783,7 @@
           <p:cNvPr id="4" name="Date Placeholder 3">
             <a:extLst>
               <a:ext uri="{FF2B5EF4-FFF2-40B4-BE49-F238E27FC236}">
-                <a16:creationId xmlns:a16="http://schemas.microsoft.com/office/drawing/2014/main" id="{711B4759-BD1B-8348-88C7-A11B2FDDD148}"/>
+                <a16:creationId xmlns:a16="http://schemas.microsoft.com/office/drawing/2014/main" xmlns="" id="{711B4759-BD1B-8348-88C7-A11B2FDDD148}"/>
               </a:ext>
             </a:extLst>
           </p:cNvPr>
@@ -706,7 +801,7 @@
           <a:p>
             <a:fld id="{11FEC548-63AB-9B43-9519-48F21B3F6E07}" type="datetimeFigureOut">
               <a:rPr lang="en-US" smtClean="0"/>
-              <a:t>2/3/20</a:t>
+              <a:t>2/7/2020</a:t>
             </a:fld>
             <a:endParaRPr lang="en-US"/>
           </a:p>
@@ -717,7 +812,7 @@
           <p:cNvPr id="5" name="Footer Placeholder 4">
             <a:extLst>
               <a:ext uri="{FF2B5EF4-FFF2-40B4-BE49-F238E27FC236}">
-                <a16:creationId xmlns:a16="http://schemas.microsoft.com/office/drawing/2014/main" id="{EED829D1-1949-B145-AC2F-66DEA4C521CA}"/>
+                <a16:creationId xmlns:a16="http://schemas.microsoft.com/office/drawing/2014/main" xmlns="" id="{EED829D1-1949-B145-AC2F-66DEA4C521CA}"/>
               </a:ext>
             </a:extLst>
           </p:cNvPr>
@@ -742,7 +837,7 @@
           <p:cNvPr id="6" name="Slide Number Placeholder 5">
             <a:extLst>
               <a:ext uri="{FF2B5EF4-FFF2-40B4-BE49-F238E27FC236}">
-                <a16:creationId xmlns:a16="http://schemas.microsoft.com/office/drawing/2014/main" id="{9283F92E-5D2F-EF40-975F-C0B6A6148D80}"/>
+                <a16:creationId xmlns:a16="http://schemas.microsoft.com/office/drawing/2014/main" xmlns="" id="{9283F92E-5D2F-EF40-975F-C0B6A6148D80}"/>
               </a:ext>
             </a:extLst>
           </p:cNvPr>
@@ -801,7 +896,7 @@
           <p:cNvPr id="2" name="Title 1">
             <a:extLst>
               <a:ext uri="{FF2B5EF4-FFF2-40B4-BE49-F238E27FC236}">
-                <a16:creationId xmlns:a16="http://schemas.microsoft.com/office/drawing/2014/main" id="{41FBBAC3-76E1-8048-B936-A9C3D1E0592B}"/>
+                <a16:creationId xmlns:a16="http://schemas.microsoft.com/office/drawing/2014/main" xmlns="" id="{41FBBAC3-76E1-8048-B936-A9C3D1E0592B}"/>
               </a:ext>
             </a:extLst>
           </p:cNvPr>
@@ -830,7 +925,7 @@
           <p:cNvPr id="3" name="Vertical Text Placeholder 2">
             <a:extLst>
               <a:ext uri="{FF2B5EF4-FFF2-40B4-BE49-F238E27FC236}">
-                <a16:creationId xmlns:a16="http://schemas.microsoft.com/office/drawing/2014/main" id="{ED059161-03EF-EF40-AFAB-DF25B05D851A}"/>
+                <a16:creationId xmlns:a16="http://schemas.microsoft.com/office/drawing/2014/main" xmlns="" id="{ED059161-03EF-EF40-AFAB-DF25B05D851A}"/>
               </a:ext>
             </a:extLst>
           </p:cNvPr>
@@ -888,7 +983,7 @@
           <p:cNvPr id="4" name="Date Placeholder 3">
             <a:extLst>
               <a:ext uri="{FF2B5EF4-FFF2-40B4-BE49-F238E27FC236}">
-                <a16:creationId xmlns:a16="http://schemas.microsoft.com/office/drawing/2014/main" id="{345A8411-A082-E142-B47B-266285B69DE9}"/>
+                <a16:creationId xmlns:a16="http://schemas.microsoft.com/office/drawing/2014/main" xmlns="" id="{345A8411-A082-E142-B47B-266285B69DE9}"/>
               </a:ext>
             </a:extLst>
           </p:cNvPr>
@@ -906,7 +1001,7 @@
           <a:p>
             <a:fld id="{11FEC548-63AB-9B43-9519-48F21B3F6E07}" type="datetimeFigureOut">
               <a:rPr lang="en-US" smtClean="0"/>
-              <a:t>2/3/20</a:t>
+              <a:t>2/7/2020</a:t>
             </a:fld>
             <a:endParaRPr lang="en-US"/>
           </a:p>
@@ -917,7 +1012,7 @@
           <p:cNvPr id="5" name="Footer Placeholder 4">
             <a:extLst>
               <a:ext uri="{FF2B5EF4-FFF2-40B4-BE49-F238E27FC236}">
-                <a16:creationId xmlns:a16="http://schemas.microsoft.com/office/drawing/2014/main" id="{1A9107CA-5874-2043-B68B-1852DB077C3A}"/>
+                <a16:creationId xmlns:a16="http://schemas.microsoft.com/office/drawing/2014/main" xmlns="" id="{1A9107CA-5874-2043-B68B-1852DB077C3A}"/>
               </a:ext>
             </a:extLst>
           </p:cNvPr>
@@ -942,7 +1037,7 @@
           <p:cNvPr id="6" name="Slide Number Placeholder 5">
             <a:extLst>
               <a:ext uri="{FF2B5EF4-FFF2-40B4-BE49-F238E27FC236}">
-                <a16:creationId xmlns:a16="http://schemas.microsoft.com/office/drawing/2014/main" id="{8BA0C559-2418-FE4B-9FC2-CF17438D730D}"/>
+                <a16:creationId xmlns:a16="http://schemas.microsoft.com/office/drawing/2014/main" xmlns="" id="{8BA0C559-2418-FE4B-9FC2-CF17438D730D}"/>
               </a:ext>
             </a:extLst>
           </p:cNvPr>
@@ -1001,7 +1096,7 @@
           <p:cNvPr id="2" name="Vertical Title 1">
             <a:extLst>
               <a:ext uri="{FF2B5EF4-FFF2-40B4-BE49-F238E27FC236}">
-                <a16:creationId xmlns:a16="http://schemas.microsoft.com/office/drawing/2014/main" id="{D4520311-3BFF-5F4B-8A8A-E3533544A49B}"/>
+                <a16:creationId xmlns:a16="http://schemas.microsoft.com/office/drawing/2014/main" xmlns="" id="{D4520311-3BFF-5F4B-8A8A-E3533544A49B}"/>
               </a:ext>
             </a:extLst>
           </p:cNvPr>
@@ -1035,7 +1130,7 @@
           <p:cNvPr id="3" name="Vertical Text Placeholder 2">
             <a:extLst>
               <a:ext uri="{FF2B5EF4-FFF2-40B4-BE49-F238E27FC236}">
-                <a16:creationId xmlns:a16="http://schemas.microsoft.com/office/drawing/2014/main" id="{9A179FD8-8E36-4A45-95BC-10D57C0A5F7D}"/>
+                <a16:creationId xmlns:a16="http://schemas.microsoft.com/office/drawing/2014/main" xmlns="" id="{9A179FD8-8E36-4A45-95BC-10D57C0A5F7D}"/>
               </a:ext>
             </a:extLst>
           </p:cNvPr>
@@ -1098,7 +1193,7 @@
           <p:cNvPr id="4" name="Date Placeholder 3">
             <a:extLst>
               <a:ext uri="{FF2B5EF4-FFF2-40B4-BE49-F238E27FC236}">
-                <a16:creationId xmlns:a16="http://schemas.microsoft.com/office/drawing/2014/main" id="{C093FAA2-57F7-2C4D-83D8-FE600B2F7256}"/>
+                <a16:creationId xmlns:a16="http://schemas.microsoft.com/office/drawing/2014/main" xmlns="" id="{C093FAA2-57F7-2C4D-83D8-FE600B2F7256}"/>
               </a:ext>
             </a:extLst>
           </p:cNvPr>
@@ -1116,7 +1211,7 @@
           <a:p>
             <a:fld id="{11FEC548-63AB-9B43-9519-48F21B3F6E07}" type="datetimeFigureOut">
               <a:rPr lang="en-US" smtClean="0"/>
-              <a:t>2/3/20</a:t>
+              <a:t>2/7/2020</a:t>
             </a:fld>
             <a:endParaRPr lang="en-US"/>
           </a:p>
@@ -1127,7 +1222,7 @@
           <p:cNvPr id="5" name="Footer Placeholder 4">
             <a:extLst>
               <a:ext uri="{FF2B5EF4-FFF2-40B4-BE49-F238E27FC236}">
-                <a16:creationId xmlns:a16="http://schemas.microsoft.com/office/drawing/2014/main" id="{FBD88FB3-AD98-534E-9BB2-C67478EB4B25}"/>
+                <a16:creationId xmlns:a16="http://schemas.microsoft.com/office/drawing/2014/main" xmlns="" id="{FBD88FB3-AD98-534E-9BB2-C67478EB4B25}"/>
               </a:ext>
             </a:extLst>
           </p:cNvPr>
@@ -1152,7 +1247,7 @@
           <p:cNvPr id="6" name="Slide Number Placeholder 5">
             <a:extLst>
               <a:ext uri="{FF2B5EF4-FFF2-40B4-BE49-F238E27FC236}">
-                <a16:creationId xmlns:a16="http://schemas.microsoft.com/office/drawing/2014/main" id="{F18EDF81-FE84-7A48-9688-CAD026FFD361}"/>
+                <a16:creationId xmlns:a16="http://schemas.microsoft.com/office/drawing/2014/main" xmlns="" id="{F18EDF81-FE84-7A48-9688-CAD026FFD361}"/>
               </a:ext>
             </a:extLst>
           </p:cNvPr>
@@ -1211,7 +1306,7 @@
           <p:cNvPr id="2" name="Title 1">
             <a:extLst>
               <a:ext uri="{FF2B5EF4-FFF2-40B4-BE49-F238E27FC236}">
-                <a16:creationId xmlns:a16="http://schemas.microsoft.com/office/drawing/2014/main" id="{A783C1C4-C534-214B-8B47-CFE34D42CF1F}"/>
+                <a16:creationId xmlns:a16="http://schemas.microsoft.com/office/drawing/2014/main" xmlns="" id="{A783C1C4-C534-214B-8B47-CFE34D42CF1F}"/>
               </a:ext>
             </a:extLst>
           </p:cNvPr>
@@ -1240,7 +1335,7 @@
           <p:cNvPr id="3" name="Content Placeholder 2">
             <a:extLst>
               <a:ext uri="{FF2B5EF4-FFF2-40B4-BE49-F238E27FC236}">
-                <a16:creationId xmlns:a16="http://schemas.microsoft.com/office/drawing/2014/main" id="{4C9340D3-44B8-A644-B2D2-9E59677ED050}"/>
+                <a16:creationId xmlns:a16="http://schemas.microsoft.com/office/drawing/2014/main" xmlns="" id="{4C9340D3-44B8-A644-B2D2-9E59677ED050}"/>
               </a:ext>
             </a:extLst>
           </p:cNvPr>
@@ -1298,7 +1393,7 @@
           <p:cNvPr id="4" name="Date Placeholder 3">
             <a:extLst>
               <a:ext uri="{FF2B5EF4-FFF2-40B4-BE49-F238E27FC236}">
-                <a16:creationId xmlns:a16="http://schemas.microsoft.com/office/drawing/2014/main" id="{24686536-66C2-2444-9D60-0E8323A5BF15}"/>
+                <a16:creationId xmlns:a16="http://schemas.microsoft.com/office/drawing/2014/main" xmlns="" id="{24686536-66C2-2444-9D60-0E8323A5BF15}"/>
               </a:ext>
             </a:extLst>
           </p:cNvPr>
@@ -1316,7 +1411,7 @@
           <a:p>
             <a:fld id="{11FEC548-63AB-9B43-9519-48F21B3F6E07}" type="datetimeFigureOut">
               <a:rPr lang="en-US" smtClean="0"/>
-              <a:t>2/3/20</a:t>
+              <a:t>2/7/2020</a:t>
             </a:fld>
             <a:endParaRPr lang="en-US"/>
           </a:p>
@@ -1327,7 +1422,7 @@
           <p:cNvPr id="5" name="Footer Placeholder 4">
             <a:extLst>
               <a:ext uri="{FF2B5EF4-FFF2-40B4-BE49-F238E27FC236}">
-                <a16:creationId xmlns:a16="http://schemas.microsoft.com/office/drawing/2014/main" id="{4B0C8D58-1406-CD49-AEC2-7965A7731A5F}"/>
+                <a16:creationId xmlns:a16="http://schemas.microsoft.com/office/drawing/2014/main" xmlns="" id="{4B0C8D58-1406-CD49-AEC2-7965A7731A5F}"/>
               </a:ext>
             </a:extLst>
           </p:cNvPr>
@@ -1352,7 +1447,7 @@
           <p:cNvPr id="6" name="Slide Number Placeholder 5">
             <a:extLst>
               <a:ext uri="{FF2B5EF4-FFF2-40B4-BE49-F238E27FC236}">
-                <a16:creationId xmlns:a16="http://schemas.microsoft.com/office/drawing/2014/main" id="{F3258B32-6420-1044-AD66-F75B81100C03}"/>
+                <a16:creationId xmlns:a16="http://schemas.microsoft.com/office/drawing/2014/main" xmlns="" id="{F3258B32-6420-1044-AD66-F75B81100C03}"/>
               </a:ext>
             </a:extLst>
           </p:cNvPr>
@@ -1411,7 +1506,7 @@
           <p:cNvPr id="2" name="Title 1">
             <a:extLst>
               <a:ext uri="{FF2B5EF4-FFF2-40B4-BE49-F238E27FC236}">
-                <a16:creationId xmlns:a16="http://schemas.microsoft.com/office/drawing/2014/main" id="{1880836E-9666-0140-AF54-AE39C92D55B4}"/>
+                <a16:creationId xmlns:a16="http://schemas.microsoft.com/office/drawing/2014/main" xmlns="" id="{1880836E-9666-0140-AF54-AE39C92D55B4}"/>
               </a:ext>
             </a:extLst>
           </p:cNvPr>
@@ -1449,7 +1544,7 @@
           <p:cNvPr id="3" name="Text Placeholder 2">
             <a:extLst>
               <a:ext uri="{FF2B5EF4-FFF2-40B4-BE49-F238E27FC236}">
-                <a16:creationId xmlns:a16="http://schemas.microsoft.com/office/drawing/2014/main" id="{855AC682-F4B4-084C-B7AA-E9C1659422D9}"/>
+                <a16:creationId xmlns:a16="http://schemas.microsoft.com/office/drawing/2014/main" xmlns="" id="{855AC682-F4B4-084C-B7AA-E9C1659422D9}"/>
               </a:ext>
             </a:extLst>
           </p:cNvPr>
@@ -1574,7 +1669,7 @@
           <p:cNvPr id="4" name="Date Placeholder 3">
             <a:extLst>
               <a:ext uri="{FF2B5EF4-FFF2-40B4-BE49-F238E27FC236}">
-                <a16:creationId xmlns:a16="http://schemas.microsoft.com/office/drawing/2014/main" id="{7F1C9DB4-098B-2E44-81F8-65BB2E720267}"/>
+                <a16:creationId xmlns:a16="http://schemas.microsoft.com/office/drawing/2014/main" xmlns="" id="{7F1C9DB4-098B-2E44-81F8-65BB2E720267}"/>
               </a:ext>
             </a:extLst>
           </p:cNvPr>
@@ -1592,7 +1687,7 @@
           <a:p>
             <a:fld id="{11FEC548-63AB-9B43-9519-48F21B3F6E07}" type="datetimeFigureOut">
               <a:rPr lang="en-US" smtClean="0"/>
-              <a:t>2/3/20</a:t>
+              <a:t>2/7/2020</a:t>
             </a:fld>
             <a:endParaRPr lang="en-US"/>
           </a:p>
@@ -1603,7 +1698,7 @@
           <p:cNvPr id="5" name="Footer Placeholder 4">
             <a:extLst>
               <a:ext uri="{FF2B5EF4-FFF2-40B4-BE49-F238E27FC236}">
-                <a16:creationId xmlns:a16="http://schemas.microsoft.com/office/drawing/2014/main" id="{4ADCBE44-18BB-1744-9018-75155F1120ED}"/>
+                <a16:creationId xmlns:a16="http://schemas.microsoft.com/office/drawing/2014/main" xmlns="" id="{4ADCBE44-18BB-1744-9018-75155F1120ED}"/>
               </a:ext>
             </a:extLst>
           </p:cNvPr>
@@ -1628,7 +1723,7 @@
           <p:cNvPr id="6" name="Slide Number Placeholder 5">
             <a:extLst>
               <a:ext uri="{FF2B5EF4-FFF2-40B4-BE49-F238E27FC236}">
-                <a16:creationId xmlns:a16="http://schemas.microsoft.com/office/drawing/2014/main" id="{3032323F-6B05-BA4C-9EA1-E871BE0E05A9}"/>
+                <a16:creationId xmlns:a16="http://schemas.microsoft.com/office/drawing/2014/main" xmlns="" id="{3032323F-6B05-BA4C-9EA1-E871BE0E05A9}"/>
               </a:ext>
             </a:extLst>
           </p:cNvPr>
@@ -1687,7 +1782,7 @@
           <p:cNvPr id="2" name="Title 1">
             <a:extLst>
               <a:ext uri="{FF2B5EF4-FFF2-40B4-BE49-F238E27FC236}">
-                <a16:creationId xmlns:a16="http://schemas.microsoft.com/office/drawing/2014/main" id="{9D8B1BB0-03E0-EC49-89C6-61AD4C97F734}"/>
+                <a16:creationId xmlns:a16="http://schemas.microsoft.com/office/drawing/2014/main" xmlns="" id="{9D8B1BB0-03E0-EC49-89C6-61AD4C97F734}"/>
               </a:ext>
             </a:extLst>
           </p:cNvPr>
@@ -1716,7 +1811,7 @@
           <p:cNvPr id="3" name="Content Placeholder 2">
             <a:extLst>
               <a:ext uri="{FF2B5EF4-FFF2-40B4-BE49-F238E27FC236}">
-                <a16:creationId xmlns:a16="http://schemas.microsoft.com/office/drawing/2014/main" id="{F6285CAB-2054-ED4B-8843-C45085EEE50C}"/>
+                <a16:creationId xmlns:a16="http://schemas.microsoft.com/office/drawing/2014/main" xmlns="" id="{F6285CAB-2054-ED4B-8843-C45085EEE50C}"/>
               </a:ext>
             </a:extLst>
           </p:cNvPr>
@@ -1779,7 +1874,7 @@
           <p:cNvPr id="4" name="Content Placeholder 3">
             <a:extLst>
               <a:ext uri="{FF2B5EF4-FFF2-40B4-BE49-F238E27FC236}">
-                <a16:creationId xmlns:a16="http://schemas.microsoft.com/office/drawing/2014/main" id="{94AC0EA0-C377-BA40-A6F2-6E067AC238AF}"/>
+                <a16:creationId xmlns:a16="http://schemas.microsoft.com/office/drawing/2014/main" xmlns="" id="{94AC0EA0-C377-BA40-A6F2-6E067AC238AF}"/>
               </a:ext>
             </a:extLst>
           </p:cNvPr>
@@ -1842,7 +1937,7 @@
           <p:cNvPr id="5" name="Date Placeholder 4">
             <a:extLst>
               <a:ext uri="{FF2B5EF4-FFF2-40B4-BE49-F238E27FC236}">
-                <a16:creationId xmlns:a16="http://schemas.microsoft.com/office/drawing/2014/main" id="{FD57F39C-4961-464D-8868-22E8888ED057}"/>
+                <a16:creationId xmlns:a16="http://schemas.microsoft.com/office/drawing/2014/main" xmlns="" id="{FD57F39C-4961-464D-8868-22E8888ED057}"/>
               </a:ext>
             </a:extLst>
           </p:cNvPr>
@@ -1860,7 +1955,7 @@
           <a:p>
             <a:fld id="{11FEC548-63AB-9B43-9519-48F21B3F6E07}" type="datetimeFigureOut">
               <a:rPr lang="en-US" smtClean="0"/>
-              <a:t>2/3/20</a:t>
+              <a:t>2/7/2020</a:t>
             </a:fld>
             <a:endParaRPr lang="en-US"/>
           </a:p>
@@ -1871,7 +1966,7 @@
           <p:cNvPr id="6" name="Footer Placeholder 5">
             <a:extLst>
               <a:ext uri="{FF2B5EF4-FFF2-40B4-BE49-F238E27FC236}">
-                <a16:creationId xmlns:a16="http://schemas.microsoft.com/office/drawing/2014/main" id="{7CB6D737-25FB-144E-B9ED-14387B45DE51}"/>
+                <a16:creationId xmlns:a16="http://schemas.microsoft.com/office/drawing/2014/main" xmlns="" id="{7CB6D737-25FB-144E-B9ED-14387B45DE51}"/>
               </a:ext>
             </a:extLst>
           </p:cNvPr>
@@ -1896,7 +1991,7 @@
           <p:cNvPr id="7" name="Slide Number Placeholder 6">
             <a:extLst>
               <a:ext uri="{FF2B5EF4-FFF2-40B4-BE49-F238E27FC236}">
-                <a16:creationId xmlns:a16="http://schemas.microsoft.com/office/drawing/2014/main" id="{DE8E1DD5-B73D-3F40-8B7E-C4DD7627C63C}"/>
+                <a16:creationId xmlns:a16="http://schemas.microsoft.com/office/drawing/2014/main" xmlns="" id="{DE8E1DD5-B73D-3F40-8B7E-C4DD7627C63C}"/>
               </a:ext>
             </a:extLst>
           </p:cNvPr>
@@ -1955,7 +2050,7 @@
           <p:cNvPr id="2" name="Title 1">
             <a:extLst>
               <a:ext uri="{FF2B5EF4-FFF2-40B4-BE49-F238E27FC236}">
-                <a16:creationId xmlns:a16="http://schemas.microsoft.com/office/drawing/2014/main" id="{A609B87D-5136-2F40-A111-9E208293E095}"/>
+                <a16:creationId xmlns:a16="http://schemas.microsoft.com/office/drawing/2014/main" xmlns="" id="{A609B87D-5136-2F40-A111-9E208293E095}"/>
               </a:ext>
             </a:extLst>
           </p:cNvPr>
@@ -1989,7 +2084,7 @@
           <p:cNvPr id="3" name="Text Placeholder 2">
             <a:extLst>
               <a:ext uri="{FF2B5EF4-FFF2-40B4-BE49-F238E27FC236}">
-                <a16:creationId xmlns:a16="http://schemas.microsoft.com/office/drawing/2014/main" id="{95DBBBDD-ED72-BF49-9AFD-582D9072FE30}"/>
+                <a16:creationId xmlns:a16="http://schemas.microsoft.com/office/drawing/2014/main" xmlns="" id="{95DBBBDD-ED72-BF49-9AFD-582D9072FE30}"/>
               </a:ext>
             </a:extLst>
           </p:cNvPr>
@@ -2060,7 +2155,7 @@
           <p:cNvPr id="4" name="Content Placeholder 3">
             <a:extLst>
               <a:ext uri="{FF2B5EF4-FFF2-40B4-BE49-F238E27FC236}">
-                <a16:creationId xmlns:a16="http://schemas.microsoft.com/office/drawing/2014/main" id="{78E1AA51-BAE7-BA44-A8BA-409DB753F9D2}"/>
+                <a16:creationId xmlns:a16="http://schemas.microsoft.com/office/drawing/2014/main" xmlns="" id="{78E1AA51-BAE7-BA44-A8BA-409DB753F9D2}"/>
               </a:ext>
             </a:extLst>
           </p:cNvPr>
@@ -2123,7 +2218,7 @@
           <p:cNvPr id="5" name="Text Placeholder 4">
             <a:extLst>
               <a:ext uri="{FF2B5EF4-FFF2-40B4-BE49-F238E27FC236}">
-                <a16:creationId xmlns:a16="http://schemas.microsoft.com/office/drawing/2014/main" id="{80A53D3C-A0B4-B64F-9D6A-D7297105990F}"/>
+                <a16:creationId xmlns:a16="http://schemas.microsoft.com/office/drawing/2014/main" xmlns="" id="{80A53D3C-A0B4-B64F-9D6A-D7297105990F}"/>
               </a:ext>
             </a:extLst>
           </p:cNvPr>
@@ -2194,7 +2289,7 @@
           <p:cNvPr id="6" name="Content Placeholder 5">
             <a:extLst>
               <a:ext uri="{FF2B5EF4-FFF2-40B4-BE49-F238E27FC236}">
-                <a16:creationId xmlns:a16="http://schemas.microsoft.com/office/drawing/2014/main" id="{984F74D9-0DE1-C848-8221-73C3B3CFC7A1}"/>
+                <a16:creationId xmlns:a16="http://schemas.microsoft.com/office/drawing/2014/main" xmlns="" id="{984F74D9-0DE1-C848-8221-73C3B3CFC7A1}"/>
               </a:ext>
             </a:extLst>
           </p:cNvPr>
@@ -2257,7 +2352,7 @@
           <p:cNvPr id="7" name="Date Placeholder 6">
             <a:extLst>
               <a:ext uri="{FF2B5EF4-FFF2-40B4-BE49-F238E27FC236}">
-                <a16:creationId xmlns:a16="http://schemas.microsoft.com/office/drawing/2014/main" id="{8C7C3299-57DA-4D41-8A86-F0CBE217BEF5}"/>
+                <a16:creationId xmlns:a16="http://schemas.microsoft.com/office/drawing/2014/main" xmlns="" id="{8C7C3299-57DA-4D41-8A86-F0CBE217BEF5}"/>
               </a:ext>
             </a:extLst>
           </p:cNvPr>
@@ -2275,7 +2370,7 @@
           <a:p>
             <a:fld id="{11FEC548-63AB-9B43-9519-48F21B3F6E07}" type="datetimeFigureOut">
               <a:rPr lang="en-US" smtClean="0"/>
-              <a:t>2/3/20</a:t>
+              <a:t>2/7/2020</a:t>
             </a:fld>
             <a:endParaRPr lang="en-US"/>
           </a:p>
@@ -2286,7 +2381,7 @@
           <p:cNvPr id="8" name="Footer Placeholder 7">
             <a:extLst>
               <a:ext uri="{FF2B5EF4-FFF2-40B4-BE49-F238E27FC236}">
-                <a16:creationId xmlns:a16="http://schemas.microsoft.com/office/drawing/2014/main" id="{26FFC192-5E5D-A840-B928-B0D99C44EA04}"/>
+                <a16:creationId xmlns:a16="http://schemas.microsoft.com/office/drawing/2014/main" xmlns="" id="{26FFC192-5E5D-A840-B928-B0D99C44EA04}"/>
               </a:ext>
             </a:extLst>
           </p:cNvPr>
@@ -2311,7 +2406,7 @@
           <p:cNvPr id="9" name="Slide Number Placeholder 8">
             <a:extLst>
               <a:ext uri="{FF2B5EF4-FFF2-40B4-BE49-F238E27FC236}">
-                <a16:creationId xmlns:a16="http://schemas.microsoft.com/office/drawing/2014/main" id="{5DCF491D-7641-744F-B61A-065D690BCF79}"/>
+                <a16:creationId xmlns:a16="http://schemas.microsoft.com/office/drawing/2014/main" xmlns="" id="{5DCF491D-7641-744F-B61A-065D690BCF79}"/>
               </a:ext>
             </a:extLst>
           </p:cNvPr>
@@ -2370,7 +2465,7 @@
           <p:cNvPr id="2" name="Title 1">
             <a:extLst>
               <a:ext uri="{FF2B5EF4-FFF2-40B4-BE49-F238E27FC236}">
-                <a16:creationId xmlns:a16="http://schemas.microsoft.com/office/drawing/2014/main" id="{AA640281-8822-964A-B237-C24FCCC86B75}"/>
+                <a16:creationId xmlns:a16="http://schemas.microsoft.com/office/drawing/2014/main" xmlns="" id="{AA640281-8822-964A-B237-C24FCCC86B75}"/>
               </a:ext>
             </a:extLst>
           </p:cNvPr>
@@ -2399,7 +2494,7 @@
           <p:cNvPr id="3" name="Date Placeholder 2">
             <a:extLst>
               <a:ext uri="{FF2B5EF4-FFF2-40B4-BE49-F238E27FC236}">
-                <a16:creationId xmlns:a16="http://schemas.microsoft.com/office/drawing/2014/main" id="{BDB0DFDC-0B05-C34A-8791-09F77B4AEBBD}"/>
+                <a16:creationId xmlns:a16="http://schemas.microsoft.com/office/drawing/2014/main" xmlns="" id="{BDB0DFDC-0B05-C34A-8791-09F77B4AEBBD}"/>
               </a:ext>
             </a:extLst>
           </p:cNvPr>
@@ -2417,7 +2512,7 @@
           <a:p>
             <a:fld id="{11FEC548-63AB-9B43-9519-48F21B3F6E07}" type="datetimeFigureOut">
               <a:rPr lang="en-US" smtClean="0"/>
-              <a:t>2/3/20</a:t>
+              <a:t>2/7/2020</a:t>
             </a:fld>
             <a:endParaRPr lang="en-US"/>
           </a:p>
@@ -2428,7 +2523,7 @@
           <p:cNvPr id="4" name="Footer Placeholder 3">
             <a:extLst>
               <a:ext uri="{FF2B5EF4-FFF2-40B4-BE49-F238E27FC236}">
-                <a16:creationId xmlns:a16="http://schemas.microsoft.com/office/drawing/2014/main" id="{F96AA063-B602-B447-8329-7897747A8E4B}"/>
+                <a16:creationId xmlns:a16="http://schemas.microsoft.com/office/drawing/2014/main" xmlns="" id="{F96AA063-B602-B447-8329-7897747A8E4B}"/>
               </a:ext>
             </a:extLst>
           </p:cNvPr>
@@ -2453,7 +2548,7 @@
           <p:cNvPr id="5" name="Slide Number Placeholder 4">
             <a:extLst>
               <a:ext uri="{FF2B5EF4-FFF2-40B4-BE49-F238E27FC236}">
-                <a16:creationId xmlns:a16="http://schemas.microsoft.com/office/drawing/2014/main" id="{AD159A9E-4DF2-3042-84A3-3B173F52F15A}"/>
+                <a16:creationId xmlns:a16="http://schemas.microsoft.com/office/drawing/2014/main" xmlns="" id="{AD159A9E-4DF2-3042-84A3-3B173F52F15A}"/>
               </a:ext>
             </a:extLst>
           </p:cNvPr>
@@ -2512,7 +2607,7 @@
           <p:cNvPr id="2" name="Date Placeholder 1">
             <a:extLst>
               <a:ext uri="{FF2B5EF4-FFF2-40B4-BE49-F238E27FC236}">
-                <a16:creationId xmlns:a16="http://schemas.microsoft.com/office/drawing/2014/main" id="{9A1FAF97-9F84-534B-A78A-C49D51AB8669}"/>
+                <a16:creationId xmlns:a16="http://schemas.microsoft.com/office/drawing/2014/main" xmlns="" id="{9A1FAF97-9F84-534B-A78A-C49D51AB8669}"/>
               </a:ext>
             </a:extLst>
           </p:cNvPr>
@@ -2530,7 +2625,7 @@
           <a:p>
             <a:fld id="{11FEC548-63AB-9B43-9519-48F21B3F6E07}" type="datetimeFigureOut">
               <a:rPr lang="en-US" smtClean="0"/>
-              <a:t>2/3/20</a:t>
+              <a:t>2/7/2020</a:t>
             </a:fld>
             <a:endParaRPr lang="en-US"/>
           </a:p>
@@ -2541,7 +2636,7 @@
           <p:cNvPr id="3" name="Footer Placeholder 2">
             <a:extLst>
               <a:ext uri="{FF2B5EF4-FFF2-40B4-BE49-F238E27FC236}">
-                <a16:creationId xmlns:a16="http://schemas.microsoft.com/office/drawing/2014/main" id="{163787EC-8666-3444-ACEA-2E6840B75A51}"/>
+                <a16:creationId xmlns:a16="http://schemas.microsoft.com/office/drawing/2014/main" xmlns="" id="{163787EC-8666-3444-ACEA-2E6840B75A51}"/>
               </a:ext>
             </a:extLst>
           </p:cNvPr>
@@ -2566,7 +2661,7 @@
           <p:cNvPr id="4" name="Slide Number Placeholder 3">
             <a:extLst>
               <a:ext uri="{FF2B5EF4-FFF2-40B4-BE49-F238E27FC236}">
-                <a16:creationId xmlns:a16="http://schemas.microsoft.com/office/drawing/2014/main" id="{20C08BB5-6149-CF49-9C01-025E30FA2A58}"/>
+                <a16:creationId xmlns:a16="http://schemas.microsoft.com/office/drawing/2014/main" xmlns="" id="{20C08BB5-6149-CF49-9C01-025E30FA2A58}"/>
               </a:ext>
             </a:extLst>
           </p:cNvPr>
@@ -2625,7 +2720,7 @@
           <p:cNvPr id="2" name="Title 1">
             <a:extLst>
               <a:ext uri="{FF2B5EF4-FFF2-40B4-BE49-F238E27FC236}">
-                <a16:creationId xmlns:a16="http://schemas.microsoft.com/office/drawing/2014/main" id="{4BF0FFCA-AF1D-A14D-9E26-0386238793C9}"/>
+                <a16:creationId xmlns:a16="http://schemas.microsoft.com/office/drawing/2014/main" xmlns="" id="{4BF0FFCA-AF1D-A14D-9E26-0386238793C9}"/>
               </a:ext>
             </a:extLst>
           </p:cNvPr>
@@ -2663,7 +2758,7 @@
           <p:cNvPr id="3" name="Content Placeholder 2">
             <a:extLst>
               <a:ext uri="{FF2B5EF4-FFF2-40B4-BE49-F238E27FC236}">
-                <a16:creationId xmlns:a16="http://schemas.microsoft.com/office/drawing/2014/main" id="{2A799945-DEC7-404E-AF33-CB3F6D37B74E}"/>
+                <a16:creationId xmlns:a16="http://schemas.microsoft.com/office/drawing/2014/main" xmlns="" id="{2A799945-DEC7-404E-AF33-CB3F6D37B74E}"/>
               </a:ext>
             </a:extLst>
           </p:cNvPr>
@@ -2754,7 +2849,7 @@
           <p:cNvPr id="4" name="Text Placeholder 3">
             <a:extLst>
               <a:ext uri="{FF2B5EF4-FFF2-40B4-BE49-F238E27FC236}">
-                <a16:creationId xmlns:a16="http://schemas.microsoft.com/office/drawing/2014/main" id="{F57CC1E4-0FE1-CB41-B1BB-50E9EE045FB1}"/>
+                <a16:creationId xmlns:a16="http://schemas.microsoft.com/office/drawing/2014/main" xmlns="" id="{F57CC1E4-0FE1-CB41-B1BB-50E9EE045FB1}"/>
               </a:ext>
             </a:extLst>
           </p:cNvPr>
@@ -2825,7 +2920,7 @@
           <p:cNvPr id="5" name="Date Placeholder 4">
             <a:extLst>
               <a:ext uri="{FF2B5EF4-FFF2-40B4-BE49-F238E27FC236}">
-                <a16:creationId xmlns:a16="http://schemas.microsoft.com/office/drawing/2014/main" id="{92881214-BDD9-3247-A5CA-CF966B21DFDF}"/>
+                <a16:creationId xmlns:a16="http://schemas.microsoft.com/office/drawing/2014/main" xmlns="" id="{92881214-BDD9-3247-A5CA-CF966B21DFDF}"/>
               </a:ext>
             </a:extLst>
           </p:cNvPr>
@@ -2843,7 +2938,7 @@
           <a:p>
             <a:fld id="{11FEC548-63AB-9B43-9519-48F21B3F6E07}" type="datetimeFigureOut">
               <a:rPr lang="en-US" smtClean="0"/>
-              <a:t>2/3/20</a:t>
+              <a:t>2/7/2020</a:t>
             </a:fld>
             <a:endParaRPr lang="en-US"/>
           </a:p>
@@ -2854,7 +2949,7 @@
           <p:cNvPr id="6" name="Footer Placeholder 5">
             <a:extLst>
               <a:ext uri="{FF2B5EF4-FFF2-40B4-BE49-F238E27FC236}">
-                <a16:creationId xmlns:a16="http://schemas.microsoft.com/office/drawing/2014/main" id="{A33CC4A6-F23C-EA4E-BE40-2B992808AE04}"/>
+                <a16:creationId xmlns:a16="http://schemas.microsoft.com/office/drawing/2014/main" xmlns="" id="{A33CC4A6-F23C-EA4E-BE40-2B992808AE04}"/>
               </a:ext>
             </a:extLst>
           </p:cNvPr>
@@ -2879,7 +2974,7 @@
           <p:cNvPr id="7" name="Slide Number Placeholder 6">
             <a:extLst>
               <a:ext uri="{FF2B5EF4-FFF2-40B4-BE49-F238E27FC236}">
-                <a16:creationId xmlns:a16="http://schemas.microsoft.com/office/drawing/2014/main" id="{F3E4B8B6-6397-9F46-BEAB-D7007431D513}"/>
+                <a16:creationId xmlns:a16="http://schemas.microsoft.com/office/drawing/2014/main" xmlns="" id="{F3E4B8B6-6397-9F46-BEAB-D7007431D513}"/>
               </a:ext>
             </a:extLst>
           </p:cNvPr>
@@ -2938,7 +3033,7 @@
           <p:cNvPr id="2" name="Title 1">
             <a:extLst>
               <a:ext uri="{FF2B5EF4-FFF2-40B4-BE49-F238E27FC236}">
-                <a16:creationId xmlns:a16="http://schemas.microsoft.com/office/drawing/2014/main" id="{071D0F94-D5D7-1941-A9F4-F1BBB7183426}"/>
+                <a16:creationId xmlns:a16="http://schemas.microsoft.com/office/drawing/2014/main" xmlns="" id="{071D0F94-D5D7-1941-A9F4-F1BBB7183426}"/>
               </a:ext>
             </a:extLst>
           </p:cNvPr>
@@ -2976,7 +3071,7 @@
           <p:cNvPr id="3" name="Picture Placeholder 2">
             <a:extLst>
               <a:ext uri="{FF2B5EF4-FFF2-40B4-BE49-F238E27FC236}">
-                <a16:creationId xmlns:a16="http://schemas.microsoft.com/office/drawing/2014/main" id="{7097FC74-A3CF-F24B-8D16-560383E4FC62}"/>
+                <a16:creationId xmlns:a16="http://schemas.microsoft.com/office/drawing/2014/main" xmlns="" id="{7097FC74-A3CF-F24B-8D16-560383E4FC62}"/>
               </a:ext>
             </a:extLst>
           </p:cNvPr>
@@ -3043,7 +3138,7 @@
           <p:cNvPr id="4" name="Text Placeholder 3">
             <a:extLst>
               <a:ext uri="{FF2B5EF4-FFF2-40B4-BE49-F238E27FC236}">
-                <a16:creationId xmlns:a16="http://schemas.microsoft.com/office/drawing/2014/main" id="{299F89D8-1260-274E-BB3C-7AE677032796}"/>
+                <a16:creationId xmlns:a16="http://schemas.microsoft.com/office/drawing/2014/main" xmlns="" id="{299F89D8-1260-274E-BB3C-7AE677032796}"/>
               </a:ext>
             </a:extLst>
           </p:cNvPr>
@@ -3114,7 +3209,7 @@
           <p:cNvPr id="5" name="Date Placeholder 4">
             <a:extLst>
               <a:ext uri="{FF2B5EF4-FFF2-40B4-BE49-F238E27FC236}">
-                <a16:creationId xmlns:a16="http://schemas.microsoft.com/office/drawing/2014/main" id="{FC2368EF-1FD1-9C40-B459-5983FF41FB14}"/>
+                <a16:creationId xmlns:a16="http://schemas.microsoft.com/office/drawing/2014/main" xmlns="" id="{FC2368EF-1FD1-9C40-B459-5983FF41FB14}"/>
               </a:ext>
             </a:extLst>
           </p:cNvPr>
@@ -3132,7 +3227,7 @@
           <a:p>
             <a:fld id="{11FEC548-63AB-9B43-9519-48F21B3F6E07}" type="datetimeFigureOut">
               <a:rPr lang="en-US" smtClean="0"/>
-              <a:t>2/3/20</a:t>
+              <a:t>2/7/2020</a:t>
             </a:fld>
             <a:endParaRPr lang="en-US"/>
           </a:p>
@@ -3143,7 +3238,7 @@
           <p:cNvPr id="6" name="Footer Placeholder 5">
             <a:extLst>
               <a:ext uri="{FF2B5EF4-FFF2-40B4-BE49-F238E27FC236}">
-                <a16:creationId xmlns:a16="http://schemas.microsoft.com/office/drawing/2014/main" id="{58B798BF-0EF5-C841-A6AB-7E6A8101CAE6}"/>
+                <a16:creationId xmlns:a16="http://schemas.microsoft.com/office/drawing/2014/main" xmlns="" id="{58B798BF-0EF5-C841-A6AB-7E6A8101CAE6}"/>
               </a:ext>
             </a:extLst>
           </p:cNvPr>
@@ -3168,7 +3263,7 @@
           <p:cNvPr id="7" name="Slide Number Placeholder 6">
             <a:extLst>
               <a:ext uri="{FF2B5EF4-FFF2-40B4-BE49-F238E27FC236}">
-                <a16:creationId xmlns:a16="http://schemas.microsoft.com/office/drawing/2014/main" id="{01CCC26D-3F4A-EE47-A4D2-8FD7A6F6F216}"/>
+                <a16:creationId xmlns:a16="http://schemas.microsoft.com/office/drawing/2014/main" xmlns="" id="{01CCC26D-3F4A-EE47-A4D2-8FD7A6F6F216}"/>
               </a:ext>
             </a:extLst>
           </p:cNvPr>
@@ -3232,7 +3327,7 @@
           <p:cNvPr id="2" name="Title Placeholder 1">
             <a:extLst>
               <a:ext uri="{FF2B5EF4-FFF2-40B4-BE49-F238E27FC236}">
-                <a16:creationId xmlns:a16="http://schemas.microsoft.com/office/drawing/2014/main" id="{5608520A-4E69-3B47-9B06-4891CEEA5050}"/>
+                <a16:creationId xmlns:a16="http://schemas.microsoft.com/office/drawing/2014/main" xmlns="" id="{5608520A-4E69-3B47-9B06-4891CEEA5050}"/>
               </a:ext>
             </a:extLst>
           </p:cNvPr>
@@ -3271,7 +3366,7 @@
           <p:cNvPr id="3" name="Text Placeholder 2">
             <a:extLst>
               <a:ext uri="{FF2B5EF4-FFF2-40B4-BE49-F238E27FC236}">
-                <a16:creationId xmlns:a16="http://schemas.microsoft.com/office/drawing/2014/main" id="{2DEFF16C-7C72-814A-A9E9-D92AF8A63BDC}"/>
+                <a16:creationId xmlns:a16="http://schemas.microsoft.com/office/drawing/2014/main" xmlns="" id="{2DEFF16C-7C72-814A-A9E9-D92AF8A63BDC}"/>
               </a:ext>
             </a:extLst>
           </p:cNvPr>
@@ -3339,7 +3434,7 @@
           <p:cNvPr id="4" name="Date Placeholder 3">
             <a:extLst>
               <a:ext uri="{FF2B5EF4-FFF2-40B4-BE49-F238E27FC236}">
-                <a16:creationId xmlns:a16="http://schemas.microsoft.com/office/drawing/2014/main" id="{64BA5B09-3D15-B649-A1C7-54872A7CF964}"/>
+                <a16:creationId xmlns:a16="http://schemas.microsoft.com/office/drawing/2014/main" xmlns="" id="{64BA5B09-3D15-B649-A1C7-54872A7CF964}"/>
               </a:ext>
             </a:extLst>
           </p:cNvPr>
@@ -3377,7 +3472,7 @@
             <a:fld id="{11FEC548-63AB-9B43-9519-48F21B3F6E07}" type="datetimeFigureOut">
               <a:rPr lang="en-US" smtClean="0"/>
               <a:pPr/>
-              <a:t>2/3/20</a:t>
+              <a:t>2/7/2020</a:t>
             </a:fld>
             <a:endParaRPr lang="en-US" dirty="0"/>
           </a:p>
@@ -3388,7 +3483,7 @@
           <p:cNvPr id="5" name="Footer Placeholder 4">
             <a:extLst>
               <a:ext uri="{FF2B5EF4-FFF2-40B4-BE49-F238E27FC236}">
-                <a16:creationId xmlns:a16="http://schemas.microsoft.com/office/drawing/2014/main" id="{1C625431-DA62-2A4F-AF3F-778AF1B4919E}"/>
+                <a16:creationId xmlns:a16="http://schemas.microsoft.com/office/drawing/2014/main" xmlns="" id="{1C625431-DA62-2A4F-AF3F-778AF1B4919E}"/>
               </a:ext>
             </a:extLst>
           </p:cNvPr>
@@ -3432,7 +3527,7 @@
           <p:cNvPr id="6" name="Slide Number Placeholder 5">
             <a:extLst>
               <a:ext uri="{FF2B5EF4-FFF2-40B4-BE49-F238E27FC236}">
-                <a16:creationId xmlns:a16="http://schemas.microsoft.com/office/drawing/2014/main" id="{D9396B23-855C-4148-830B-7F82A1C34200}"/>
+                <a16:creationId xmlns:a16="http://schemas.microsoft.com/office/drawing/2014/main" xmlns="" id="{D9396B23-855C-4148-830B-7F82A1C34200}"/>
               </a:ext>
             </a:extLst>
           </p:cNvPr>
@@ -3683,7 +3778,7 @@
     </p:bodyStyle>
     <p:otherStyle>
       <a:defPPr>
-        <a:defRPr lang="en-IT"/>
+        <a:defRPr lang="x-none"/>
       </a:defPPr>
       <a:lvl1pPr marL="0" algn="l" defTabSz="914400" rtl="0" eaLnBrk="1" latinLnBrk="0" hangingPunct="1">
         <a:defRPr sz="1800" kern="1200">
@@ -3802,7 +3897,7 @@
           <p:cNvPr id="2" name="Title 1">
             <a:extLst>
               <a:ext uri="{FF2B5EF4-FFF2-40B4-BE49-F238E27FC236}">
-                <a16:creationId xmlns:a16="http://schemas.microsoft.com/office/drawing/2014/main" id="{787133F6-61C4-9C4C-B0D3-E7ACAB59E4CB}"/>
+                <a16:creationId xmlns:a16="http://schemas.microsoft.com/office/drawing/2014/main" xmlns="" id="{787133F6-61C4-9C4C-B0D3-E7ACAB59E4CB}"/>
               </a:ext>
             </a:extLst>
           </p:cNvPr>
@@ -3831,7 +3926,7 @@
           <p:cNvPr id="3" name="Subtitle 2">
             <a:extLst>
               <a:ext uri="{FF2B5EF4-FFF2-40B4-BE49-F238E27FC236}">
-                <a16:creationId xmlns:a16="http://schemas.microsoft.com/office/drawing/2014/main" id="{2AD8C353-FDA8-BA42-AFBC-651B7D3BAEC4}"/>
+                <a16:creationId xmlns:a16="http://schemas.microsoft.com/office/drawing/2014/main" xmlns="" id="{2AD8C353-FDA8-BA42-AFBC-651B7D3BAEC4}"/>
               </a:ext>
             </a:extLst>
           </p:cNvPr>
@@ -3909,7 +4004,7 @@
           <p:cNvPr id="2" name="Title 1">
             <a:extLst>
               <a:ext uri="{FF2B5EF4-FFF2-40B4-BE49-F238E27FC236}">
-                <a16:creationId xmlns:a16="http://schemas.microsoft.com/office/drawing/2014/main" id="{14BB26A9-F1B6-FB46-8486-2718F871DA9F}"/>
+                <a16:creationId xmlns:a16="http://schemas.microsoft.com/office/drawing/2014/main" xmlns="" id="{FC1E31BE-EA2F-6E4F-AAEC-A8EE2C8102F1}"/>
               </a:ext>
             </a:extLst>
           </p:cNvPr>
@@ -3920,61 +4015,646 @@
             <p:ph type="title"/>
           </p:nvPr>
         </p:nvSpPr>
-        <p:spPr/>
+        <p:spPr>
+          <a:xfrm>
+            <a:off x="637478" y="328806"/>
+            <a:ext cx="10515600" cy="1325563"/>
+          </a:xfrm>
+        </p:spPr>
         <p:txBody>
           <a:bodyPr/>
           <a:lstStyle/>
           <a:p>
             <a:r>
-              <a:rPr lang="en-US" dirty="0"/>
-              <a:t>components</a:t>
-            </a:r>
-          </a:p>
-        </p:txBody>
-      </p:sp>
-      <p:sp>
-        <p:nvSpPr>
-          <p:cNvPr id="3" name="Content Placeholder 2">
-            <a:extLst>
-              <a:ext uri="{FF2B5EF4-FFF2-40B4-BE49-F238E27FC236}">
-                <a16:creationId xmlns:a16="http://schemas.microsoft.com/office/drawing/2014/main" id="{189697FC-AE8F-E547-9152-6962C12FDBE8}"/>
-              </a:ext>
-            </a:extLst>
-          </p:cNvPr>
-          <p:cNvSpPr>
+              <a:rPr lang="en-US" dirty="0" smtClean="0"/>
+              <a:t>Alloy (3)</a:t>
+            </a:r>
+            <a:endParaRPr lang="en-US" dirty="0"/>
+          </a:p>
+        </p:txBody>
+      </p:sp>
+      <p:sp>
+        <p:nvSpPr>
+          <p:cNvPr id="5" name="Content Placeholder 4">
+            <a:extLst>
+              <a:ext uri="{FF2B5EF4-FFF2-40B4-BE49-F238E27FC236}">
+                <a16:creationId xmlns:a16="http://schemas.microsoft.com/office/drawing/2014/main" xmlns="" id="{BE076C2E-DC46-4055-9905-FEA2960D8A5B}"/>
+              </a:ext>
+            </a:extLst>
+          </p:cNvPr>
+          <p:cNvSpPr txBox="1">
             <a:spLocks noGrp="1"/>
           </p:cNvSpPr>
           <p:nvPr>
             <p:ph idx="1"/>
           </p:nvPr>
         </p:nvSpPr>
-        <p:spPr/>
-        <p:txBody>
-          <a:bodyPr/>
-          <a:lstStyle/>
-          <a:p>
-            <a:r>
-              <a:rPr lang="en-US" dirty="0"/>
-              <a:t>@</a:t>
-            </a:r>
-            <a:r>
-              <a:rPr lang="en-US" dirty="0" err="1"/>
-              <a:t>tiberio</a:t>
-            </a:r>
-            <a:endParaRPr lang="en-US" dirty="0"/>
+        <p:spPr>
+          <a:xfrm>
+            <a:off x="838200" y="1825625"/>
+            <a:ext cx="1239635" cy="535531"/>
+          </a:xfrm>
+          <a:prstGeom prst="rect">
+            <a:avLst/>
+          </a:prstGeom>
+          <a:noFill/>
+        </p:spPr>
+        <p:txBody>
+          <a:bodyPr wrap="none" rtlCol="0">
+            <a:spAutoFit/>
+          </a:bodyPr>
+          <a:lstStyle/>
+          <a:p>
+            <a:r>
+              <a:rPr lang="en-US" sz="3200" b="1" dirty="0" smtClean="0">
+                <a:solidFill>
+                  <a:srgbClr val="00B050"/>
+                </a:solidFill>
+                <a:latin typeface="+mj-lt"/>
+                <a:cs typeface="Arial" panose="020B0604020202020204" pitchFamily="34" charset="0"/>
+              </a:rPr>
+              <a:t>Facts</a:t>
+            </a:r>
+            <a:endParaRPr lang="en-US" sz="2000" b="1" dirty="0">
+              <a:solidFill>
+                <a:srgbClr val="00B050"/>
+              </a:solidFill>
+              <a:latin typeface="+mj-lt"/>
+              <a:cs typeface="Arial" panose="020B0604020202020204" pitchFamily="34" charset="0"/>
+            </a:endParaRPr>
+          </a:p>
+        </p:txBody>
+      </p:sp>
+      <p:sp>
+        <p:nvSpPr>
+          <p:cNvPr id="12" name="Rectangle 11">
+            <a:extLst>
+              <a:ext uri="{FF2B5EF4-FFF2-40B4-BE49-F238E27FC236}">
+                <a16:creationId xmlns:a16="http://schemas.microsoft.com/office/drawing/2014/main" xmlns="" id="{B43AD4F0-D322-4438-B65A-591365D3C586}"/>
+              </a:ext>
+            </a:extLst>
+          </p:cNvPr>
+          <p:cNvSpPr/>
+          <p:nvPr/>
+        </p:nvSpPr>
+        <p:spPr>
+          <a:xfrm>
+            <a:off x="3777648" y="976629"/>
+            <a:ext cx="3096344" cy="4401205"/>
+          </a:xfrm>
+          <a:prstGeom prst="rect">
+            <a:avLst/>
+          </a:prstGeom>
+        </p:spPr>
+        <p:txBody>
+          <a:bodyPr wrap="square">
+            <a:spAutoFit/>
+          </a:bodyPr>
+          <a:lstStyle/>
+          <a:p>
+            <a:r>
+              <a:rPr lang="en-US" sz="1400" dirty="0">
+                <a:latin typeface="Arial" panose="020B0604020202020204" pitchFamily="34" charset="0"/>
+                <a:cs typeface="Arial" panose="020B0604020202020204" pitchFamily="34" charset="0"/>
+              </a:rPr>
+              <a:t>// Every Costumer Has </a:t>
+            </a:r>
+            <a:r>
+              <a:rPr lang="en-US" sz="1400" dirty="0" err="1">
+                <a:latin typeface="Arial" panose="020B0604020202020204" pitchFamily="34" charset="0"/>
+                <a:cs typeface="Arial" panose="020B0604020202020204" pitchFamily="34" charset="0"/>
+              </a:rPr>
+              <a:t>Espesific</a:t>
+            </a:r>
+            <a:r>
+              <a:rPr lang="en-US" sz="1400" dirty="0">
+                <a:latin typeface="Arial" panose="020B0604020202020204" pitchFamily="34" charset="0"/>
+                <a:cs typeface="Arial" panose="020B0604020202020204" pitchFamily="34" charset="0"/>
+              </a:rPr>
+              <a:t> Location</a:t>
+            </a:r>
+          </a:p>
+          <a:p>
+            <a:endParaRPr lang="en-US" sz="1400" dirty="0">
+              <a:latin typeface="Arial" panose="020B0604020202020204" pitchFamily="34" charset="0"/>
+              <a:cs typeface="Arial" panose="020B0604020202020204" pitchFamily="34" charset="0"/>
+            </a:endParaRPr>
+          </a:p>
+          <a:p>
+            <a:r>
+              <a:rPr lang="en-US" sz="1400" dirty="0">
+                <a:latin typeface="Arial" panose="020B0604020202020204" pitchFamily="34" charset="0"/>
+                <a:cs typeface="Arial" panose="020B0604020202020204" pitchFamily="34" charset="0"/>
+              </a:rPr>
+              <a:t>Fact {</a:t>
+            </a:r>
+            <a:br>
+              <a:rPr lang="en-US" sz="1400" dirty="0">
+                <a:latin typeface="Arial" panose="020B0604020202020204" pitchFamily="34" charset="0"/>
+                <a:cs typeface="Arial" panose="020B0604020202020204" pitchFamily="34" charset="0"/>
+              </a:rPr>
+            </a:br>
+            <a:r>
+              <a:rPr lang="en-US" sz="1400" dirty="0">
+                <a:latin typeface="Arial" panose="020B0604020202020204" pitchFamily="34" charset="0"/>
+                <a:cs typeface="Arial" panose="020B0604020202020204" pitchFamily="34" charset="0"/>
+              </a:rPr>
+              <a:t>   no disjoint c1, c2 : Costumer |</a:t>
+            </a:r>
+            <a:br>
+              <a:rPr lang="en-US" sz="1400" dirty="0">
+                <a:latin typeface="Arial" panose="020B0604020202020204" pitchFamily="34" charset="0"/>
+                <a:cs typeface="Arial" panose="020B0604020202020204" pitchFamily="34" charset="0"/>
+              </a:rPr>
+            </a:br>
+            <a:r>
+              <a:rPr lang="en-US" sz="1400" dirty="0">
+                <a:latin typeface="Arial" panose="020B0604020202020204" pitchFamily="34" charset="0"/>
+                <a:cs typeface="Arial" panose="020B0604020202020204" pitchFamily="34" charset="0"/>
+              </a:rPr>
+              <a:t>   c1.costumerLocation = c2.costumerLocation </a:t>
+            </a:r>
+            <a:br>
+              <a:rPr lang="en-US" sz="1400" dirty="0">
+                <a:latin typeface="Arial" panose="020B0604020202020204" pitchFamily="34" charset="0"/>
+                <a:cs typeface="Arial" panose="020B0604020202020204" pitchFamily="34" charset="0"/>
+              </a:rPr>
+            </a:br>
+            <a:r>
+              <a:rPr lang="en-US" sz="1400" dirty="0">
+                <a:latin typeface="Arial" panose="020B0604020202020204" pitchFamily="34" charset="0"/>
+                <a:cs typeface="Arial" panose="020B0604020202020204" pitchFamily="34" charset="0"/>
+              </a:rPr>
+              <a:t>}</a:t>
+            </a:r>
+          </a:p>
+          <a:p>
+            <a:endParaRPr lang="en-US" sz="1400" dirty="0">
+              <a:latin typeface="Arial" panose="020B0604020202020204" pitchFamily="34" charset="0"/>
+              <a:cs typeface="Arial" panose="020B0604020202020204" pitchFamily="34" charset="0"/>
+            </a:endParaRPr>
+          </a:p>
+          <a:p>
+            <a:r>
+              <a:rPr lang="en-US" sz="1400" dirty="0">
+                <a:latin typeface="Arial" panose="020B0604020202020204" pitchFamily="34" charset="0"/>
+                <a:cs typeface="Arial" panose="020B0604020202020204" pitchFamily="34" charset="0"/>
+              </a:rPr>
+              <a:t>Also for Email, Violation, photo</a:t>
+            </a:r>
+          </a:p>
+          <a:p>
+            <a:endParaRPr lang="en-US" sz="1400" dirty="0">
+              <a:latin typeface="Arial" panose="020B0604020202020204" pitchFamily="34" charset="0"/>
+              <a:cs typeface="Arial" panose="020B0604020202020204" pitchFamily="34" charset="0"/>
+            </a:endParaRPr>
+          </a:p>
+          <a:p>
+            <a:r>
+              <a:rPr lang="en-US" sz="1400" dirty="0">
+                <a:latin typeface="Arial" panose="020B0604020202020204" pitchFamily="34" charset="0"/>
+                <a:cs typeface="Arial" panose="020B0604020202020204" pitchFamily="34" charset="0"/>
+              </a:rPr>
+              <a:t>// Each Ticket Issued by One Third Party</a:t>
+            </a:r>
+          </a:p>
+          <a:p>
+            <a:r>
+              <a:rPr lang="en-US" sz="1400" dirty="0">
+                <a:latin typeface="Arial" panose="020B0604020202020204" pitchFamily="34" charset="0"/>
+                <a:cs typeface="Arial" panose="020B0604020202020204" pitchFamily="34" charset="0"/>
+              </a:rPr>
+              <a:t/>
+            </a:r>
+            <a:br>
+              <a:rPr lang="en-US" sz="1400" dirty="0">
+                <a:latin typeface="Arial" panose="020B0604020202020204" pitchFamily="34" charset="0"/>
+                <a:cs typeface="Arial" panose="020B0604020202020204" pitchFamily="34" charset="0"/>
+              </a:rPr>
+            </a:br>
+            <a:r>
+              <a:rPr lang="en-US" sz="1400" dirty="0">
+                <a:latin typeface="Arial" panose="020B0604020202020204" pitchFamily="34" charset="0"/>
+                <a:cs typeface="Arial" panose="020B0604020202020204" pitchFamily="34" charset="0"/>
+              </a:rPr>
+              <a:t>Fact {</a:t>
+            </a:r>
+            <a:br>
+              <a:rPr lang="en-US" sz="1400" dirty="0">
+                <a:latin typeface="Arial" panose="020B0604020202020204" pitchFamily="34" charset="0"/>
+                <a:cs typeface="Arial" panose="020B0604020202020204" pitchFamily="34" charset="0"/>
+              </a:rPr>
+            </a:br>
+            <a:r>
+              <a:rPr lang="en-US" sz="1400" dirty="0">
+                <a:latin typeface="Arial" panose="020B0604020202020204" pitchFamily="34" charset="0"/>
+                <a:cs typeface="Arial" panose="020B0604020202020204" pitchFamily="34" charset="0"/>
+              </a:rPr>
+              <a:t>   all t: Ticket |</a:t>
+            </a:r>
+            <a:br>
+              <a:rPr lang="en-US" sz="1400" dirty="0">
+                <a:latin typeface="Arial" panose="020B0604020202020204" pitchFamily="34" charset="0"/>
+                <a:cs typeface="Arial" panose="020B0604020202020204" pitchFamily="34" charset="0"/>
+              </a:rPr>
+            </a:br>
+            <a:r>
+              <a:rPr lang="en-US" sz="1400" dirty="0">
+                <a:latin typeface="Arial" panose="020B0604020202020204" pitchFamily="34" charset="0"/>
+                <a:cs typeface="Arial" panose="020B0604020202020204" pitchFamily="34" charset="0"/>
+              </a:rPr>
+              <a:t>   one </a:t>
+            </a:r>
+            <a:r>
+              <a:rPr lang="en-US" sz="1400" dirty="0" err="1">
+                <a:latin typeface="Arial" panose="020B0604020202020204" pitchFamily="34" charset="0"/>
+                <a:cs typeface="Arial" panose="020B0604020202020204" pitchFamily="34" charset="0"/>
+              </a:rPr>
+              <a:t>tp</a:t>
+            </a:r>
+            <a:r>
+              <a:rPr lang="en-US" sz="1400" dirty="0">
+                <a:latin typeface="Arial" panose="020B0604020202020204" pitchFamily="34" charset="0"/>
+                <a:cs typeface="Arial" panose="020B0604020202020204" pitchFamily="34" charset="0"/>
+              </a:rPr>
+              <a:t>: </a:t>
+            </a:r>
+            <a:r>
+              <a:rPr lang="en-US" sz="1400" dirty="0" err="1">
+                <a:latin typeface="Arial" panose="020B0604020202020204" pitchFamily="34" charset="0"/>
+                <a:cs typeface="Arial" panose="020B0604020202020204" pitchFamily="34" charset="0"/>
+              </a:rPr>
+              <a:t>ThirdParty</a:t>
+            </a:r>
+            <a:r>
+              <a:rPr lang="en-US" sz="1400" dirty="0">
+                <a:latin typeface="Arial" panose="020B0604020202020204" pitchFamily="34" charset="0"/>
+                <a:cs typeface="Arial" panose="020B0604020202020204" pitchFamily="34" charset="0"/>
+              </a:rPr>
+              <a:t> |</a:t>
+            </a:r>
+            <a:br>
+              <a:rPr lang="en-US" sz="1400" dirty="0">
+                <a:latin typeface="Arial" panose="020B0604020202020204" pitchFamily="34" charset="0"/>
+                <a:cs typeface="Arial" panose="020B0604020202020204" pitchFamily="34" charset="0"/>
+              </a:rPr>
+            </a:br>
+            <a:r>
+              <a:rPr lang="en-US" sz="1400" dirty="0">
+                <a:latin typeface="Arial" panose="020B0604020202020204" pitchFamily="34" charset="0"/>
+                <a:cs typeface="Arial" panose="020B0604020202020204" pitchFamily="34" charset="0"/>
+              </a:rPr>
+              <a:t>   </a:t>
+            </a:r>
+            <a:r>
+              <a:rPr lang="en-US" sz="1400" dirty="0" err="1">
+                <a:latin typeface="Arial" panose="020B0604020202020204" pitchFamily="34" charset="0"/>
+                <a:cs typeface="Arial" panose="020B0604020202020204" pitchFamily="34" charset="0"/>
+              </a:rPr>
+              <a:t>tp.tickets</a:t>
+            </a:r>
+            <a:r>
+              <a:rPr lang="en-US" sz="1400" dirty="0">
+                <a:latin typeface="Arial" panose="020B0604020202020204" pitchFamily="34" charset="0"/>
+                <a:cs typeface="Arial" panose="020B0604020202020204" pitchFamily="34" charset="0"/>
+              </a:rPr>
+              <a:t> = t </a:t>
+            </a:r>
+            <a:br>
+              <a:rPr lang="en-US" sz="1400" dirty="0">
+                <a:latin typeface="Arial" panose="020B0604020202020204" pitchFamily="34" charset="0"/>
+                <a:cs typeface="Arial" panose="020B0604020202020204" pitchFamily="34" charset="0"/>
+              </a:rPr>
+            </a:br>
+            <a:r>
+              <a:rPr lang="en-US" sz="1400" dirty="0">
+                <a:latin typeface="Arial" panose="020B0604020202020204" pitchFamily="34" charset="0"/>
+                <a:cs typeface="Arial" panose="020B0604020202020204" pitchFamily="34" charset="0"/>
+              </a:rPr>
+              <a:t>}</a:t>
+            </a:r>
+          </a:p>
+          <a:p>
+            <a:endParaRPr lang="en-US" sz="1400" dirty="0">
+              <a:latin typeface="Arial" panose="020B0604020202020204" pitchFamily="34" charset="0"/>
+              <a:cs typeface="Arial" panose="020B0604020202020204" pitchFamily="34" charset="0"/>
+            </a:endParaRPr>
+          </a:p>
+        </p:txBody>
+      </p:sp>
+      <p:sp>
+        <p:nvSpPr>
+          <p:cNvPr id="13" name="Rectangle 12">
+            <a:extLst>
+              <a:ext uri="{FF2B5EF4-FFF2-40B4-BE49-F238E27FC236}">
+                <a16:creationId xmlns:a16="http://schemas.microsoft.com/office/drawing/2014/main" xmlns="" id="{A7FB5CA4-B2E5-455A-AFEE-82507FE9222D}"/>
+              </a:ext>
+            </a:extLst>
+          </p:cNvPr>
+          <p:cNvSpPr/>
+          <p:nvPr/>
+        </p:nvSpPr>
+        <p:spPr>
+          <a:xfrm>
+            <a:off x="7321347" y="976629"/>
+            <a:ext cx="3384376" cy="5909310"/>
+          </a:xfrm>
+          <a:prstGeom prst="rect">
+            <a:avLst/>
+          </a:prstGeom>
+        </p:spPr>
+        <p:txBody>
+          <a:bodyPr wrap="square">
+            <a:spAutoFit/>
+          </a:bodyPr>
+          <a:lstStyle/>
+          <a:p>
+            <a:r>
+              <a:rPr lang="en-US" sz="1400" dirty="0">
+                <a:latin typeface="Arial" panose="020B0604020202020204" pitchFamily="34" charset="0"/>
+                <a:cs typeface="Arial" panose="020B0604020202020204" pitchFamily="34" charset="0"/>
+              </a:rPr>
+              <a:t>// Every User Just Can Use No.1 Service Of Mining Module, </a:t>
+            </a:r>
+            <a:r>
+              <a:rPr lang="en-US" sz="1400" dirty="0" err="1">
+                <a:latin typeface="Arial" panose="020B0604020202020204" pitchFamily="34" charset="0"/>
+                <a:cs typeface="Arial" panose="020B0604020202020204" pitchFamily="34" charset="0"/>
+              </a:rPr>
+              <a:t>AverageViolations</a:t>
+            </a:r>
+            <a:endParaRPr lang="en-US" sz="1400" dirty="0">
+              <a:latin typeface="Arial" panose="020B0604020202020204" pitchFamily="34" charset="0"/>
+              <a:cs typeface="Arial" panose="020B0604020202020204" pitchFamily="34" charset="0"/>
+            </a:endParaRPr>
+          </a:p>
+          <a:p>
+            <a:r>
+              <a:rPr lang="en-US" sz="1400" dirty="0">
+                <a:latin typeface="Arial" panose="020B0604020202020204" pitchFamily="34" charset="0"/>
+                <a:cs typeface="Arial" panose="020B0604020202020204" pitchFamily="34" charset="0"/>
+              </a:rPr>
+              <a:t>Fact {</a:t>
+            </a:r>
+          </a:p>
+          <a:p>
+            <a:r>
+              <a:rPr lang="en-US" sz="1400" dirty="0">
+                <a:latin typeface="Arial" panose="020B0604020202020204" pitchFamily="34" charset="0"/>
+                <a:cs typeface="Arial" panose="020B0604020202020204" pitchFamily="34" charset="0"/>
+              </a:rPr>
+              <a:t>   all c: Costumer |</a:t>
+            </a:r>
+          </a:p>
+          <a:p>
+            <a:r>
+              <a:rPr lang="en-US" sz="1400" dirty="0">
+                <a:latin typeface="Arial" panose="020B0604020202020204" pitchFamily="34" charset="0"/>
+                <a:cs typeface="Arial" panose="020B0604020202020204" pitchFamily="34" charset="0"/>
+              </a:rPr>
+              <a:t>   </a:t>
+            </a:r>
+            <a:r>
+              <a:rPr lang="en-US" sz="1400" dirty="0" err="1">
+                <a:latin typeface="Arial" panose="020B0604020202020204" pitchFamily="34" charset="0"/>
+                <a:cs typeface="Arial" panose="020B0604020202020204" pitchFamily="34" charset="0"/>
+              </a:rPr>
+              <a:t>c.minedInfo</a:t>
+            </a:r>
+            <a:r>
+              <a:rPr lang="en-US" sz="1400" dirty="0">
+                <a:latin typeface="Arial" panose="020B0604020202020204" pitchFamily="34" charset="0"/>
+                <a:cs typeface="Arial" panose="020B0604020202020204" pitchFamily="34" charset="0"/>
+              </a:rPr>
+              <a:t> = </a:t>
+            </a:r>
+            <a:r>
+              <a:rPr lang="en-US" sz="1400" dirty="0" err="1">
+                <a:latin typeface="Arial" panose="020B0604020202020204" pitchFamily="34" charset="0"/>
+                <a:cs typeface="Arial" panose="020B0604020202020204" pitchFamily="34" charset="0"/>
+              </a:rPr>
+              <a:t>AverageViolations</a:t>
+            </a:r>
+            <a:endParaRPr lang="en-US" sz="1400" dirty="0">
+              <a:latin typeface="Arial" panose="020B0604020202020204" pitchFamily="34" charset="0"/>
+              <a:cs typeface="Arial" panose="020B0604020202020204" pitchFamily="34" charset="0"/>
+            </a:endParaRPr>
+          </a:p>
+          <a:p>
+            <a:r>
+              <a:rPr lang="en-US" sz="1400" dirty="0">
+                <a:latin typeface="Arial" panose="020B0604020202020204" pitchFamily="34" charset="0"/>
+                <a:cs typeface="Arial" panose="020B0604020202020204" pitchFamily="34" charset="0"/>
+              </a:rPr>
+              <a:t>}</a:t>
+            </a:r>
+          </a:p>
+          <a:p>
+            <a:endParaRPr lang="en-US" sz="1400" dirty="0">
+              <a:latin typeface="Arial" panose="020B0604020202020204" pitchFamily="34" charset="0"/>
+              <a:cs typeface="Arial" panose="020B0604020202020204" pitchFamily="34" charset="0"/>
+            </a:endParaRPr>
+          </a:p>
+          <a:p>
+            <a:r>
+              <a:rPr lang="en-US" sz="1400" dirty="0">
+                <a:latin typeface="Arial" panose="020B0604020202020204" pitchFamily="34" charset="0"/>
+                <a:cs typeface="Arial" panose="020B0604020202020204" pitchFamily="34" charset="0"/>
+              </a:rPr>
+              <a:t>// Each Date Belongs to one Violation</a:t>
+            </a:r>
+          </a:p>
+          <a:p>
+            <a:r>
+              <a:rPr lang="en-US" sz="1400" dirty="0">
+                <a:latin typeface="Arial" panose="020B0604020202020204" pitchFamily="34" charset="0"/>
+                <a:cs typeface="Arial" panose="020B0604020202020204" pitchFamily="34" charset="0"/>
+              </a:rPr>
+              <a:t>Fact {</a:t>
+            </a:r>
+          </a:p>
+          <a:p>
+            <a:r>
+              <a:rPr lang="en-US" sz="1400" dirty="0">
+                <a:latin typeface="Arial" panose="020B0604020202020204" pitchFamily="34" charset="0"/>
+                <a:cs typeface="Arial" panose="020B0604020202020204" pitchFamily="34" charset="0"/>
+              </a:rPr>
+              <a:t>   all d: Date, viol: Violation |</a:t>
+            </a:r>
+          </a:p>
+          <a:p>
+            <a:r>
+              <a:rPr lang="en-US" sz="1400" dirty="0">
+                <a:latin typeface="Arial" panose="020B0604020202020204" pitchFamily="34" charset="0"/>
+                <a:cs typeface="Arial" panose="020B0604020202020204" pitchFamily="34" charset="0"/>
+              </a:rPr>
+              <a:t>   </a:t>
+            </a:r>
+            <a:r>
+              <a:rPr lang="en-US" sz="1400" dirty="0" err="1">
+                <a:latin typeface="Arial" panose="020B0604020202020204" pitchFamily="34" charset="0"/>
+                <a:cs typeface="Arial" panose="020B0604020202020204" pitchFamily="34" charset="0"/>
+              </a:rPr>
+              <a:t>viol.date</a:t>
+            </a:r>
+            <a:r>
+              <a:rPr lang="en-US" sz="1400" dirty="0">
+                <a:latin typeface="Arial" panose="020B0604020202020204" pitchFamily="34" charset="0"/>
+                <a:cs typeface="Arial" panose="020B0604020202020204" pitchFamily="34" charset="0"/>
+              </a:rPr>
+              <a:t> = d</a:t>
+            </a:r>
+          </a:p>
+          <a:p>
+            <a:r>
+              <a:rPr lang="en-US" sz="1400" dirty="0">
+                <a:latin typeface="Arial" panose="020B0604020202020204" pitchFamily="34" charset="0"/>
+                <a:cs typeface="Arial" panose="020B0604020202020204" pitchFamily="34" charset="0"/>
+              </a:rPr>
+              <a:t>}</a:t>
+            </a:r>
+          </a:p>
+          <a:p>
+            <a:endParaRPr lang="en-US" sz="1400" dirty="0">
+              <a:latin typeface="Arial" panose="020B0604020202020204" pitchFamily="34" charset="0"/>
+              <a:cs typeface="Arial" panose="020B0604020202020204" pitchFamily="34" charset="0"/>
+            </a:endParaRPr>
+          </a:p>
+          <a:p>
+            <a:r>
+              <a:rPr lang="en-US" sz="1400" dirty="0">
+                <a:latin typeface="Arial" panose="020B0604020202020204" pitchFamily="34" charset="0"/>
+                <a:cs typeface="Arial" panose="020B0604020202020204" pitchFamily="34" charset="0"/>
+              </a:rPr>
+              <a:t>// if a ticket exist, it belongs to one violation</a:t>
+            </a:r>
+          </a:p>
+          <a:p>
+            <a:r>
+              <a:rPr lang="en-US" sz="1400" dirty="0">
+                <a:latin typeface="Arial" panose="020B0604020202020204" pitchFamily="34" charset="0"/>
+                <a:cs typeface="Arial" panose="020B0604020202020204" pitchFamily="34" charset="0"/>
+              </a:rPr>
+              <a:t>Fact {</a:t>
+            </a:r>
+          </a:p>
+          <a:p>
+            <a:r>
+              <a:rPr lang="en-US" sz="1400" dirty="0">
+                <a:latin typeface="Arial" panose="020B0604020202020204" pitchFamily="34" charset="0"/>
+                <a:cs typeface="Arial" panose="020B0604020202020204" pitchFamily="34" charset="0"/>
+              </a:rPr>
+              <a:t>   one t: Ticket , v:Violation |</a:t>
+            </a:r>
+          </a:p>
+          <a:p>
+            <a:r>
+              <a:rPr lang="en-US" sz="1400" dirty="0">
+                <a:latin typeface="Arial" panose="020B0604020202020204" pitchFamily="34" charset="0"/>
+                <a:cs typeface="Arial" panose="020B0604020202020204" pitchFamily="34" charset="0"/>
+              </a:rPr>
+              <a:t>   </a:t>
+            </a:r>
+            <a:r>
+              <a:rPr lang="en-US" sz="1400" dirty="0" err="1">
+                <a:latin typeface="Arial" panose="020B0604020202020204" pitchFamily="34" charset="0"/>
+                <a:cs typeface="Arial" panose="020B0604020202020204" pitchFamily="34" charset="0"/>
+              </a:rPr>
+              <a:t>t.violations</a:t>
+            </a:r>
+            <a:r>
+              <a:rPr lang="en-US" sz="1400" dirty="0">
+                <a:latin typeface="Arial" panose="020B0604020202020204" pitchFamily="34" charset="0"/>
+                <a:cs typeface="Arial" panose="020B0604020202020204" pitchFamily="34" charset="0"/>
+              </a:rPr>
+              <a:t> = v</a:t>
+            </a:r>
+          </a:p>
+          <a:p>
+            <a:r>
+              <a:rPr lang="en-US" sz="1400" dirty="0">
+                <a:latin typeface="Arial" panose="020B0604020202020204" pitchFamily="34" charset="0"/>
+                <a:cs typeface="Arial" panose="020B0604020202020204" pitchFamily="34" charset="0"/>
+              </a:rPr>
+              <a:t>}</a:t>
+            </a:r>
+          </a:p>
+          <a:p>
+            <a:endParaRPr lang="en-US" sz="1400" dirty="0">
+              <a:latin typeface="Arial" panose="020B0604020202020204" pitchFamily="34" charset="0"/>
+              <a:cs typeface="Arial" panose="020B0604020202020204" pitchFamily="34" charset="0"/>
+            </a:endParaRPr>
+          </a:p>
+          <a:p>
+            <a:r>
+              <a:rPr lang="en-US" sz="1400" dirty="0"/>
+              <a:t>// Each Date Belongs to one Violation </a:t>
+            </a:r>
+            <a:endParaRPr lang="en-US" sz="1400" dirty="0">
+              <a:latin typeface="Arial" panose="020B0604020202020204" pitchFamily="34" charset="0"/>
+              <a:cs typeface="Arial" panose="020B0604020202020204" pitchFamily="34" charset="0"/>
+            </a:endParaRPr>
+          </a:p>
+          <a:p>
+            <a:r>
+              <a:rPr lang="en-US" sz="1400" dirty="0"/>
+              <a:t>Fact {</a:t>
+            </a:r>
+            <a:br>
+              <a:rPr lang="en-US" sz="1400" dirty="0"/>
+            </a:br>
+            <a:r>
+              <a:rPr lang="en-US" sz="1400" dirty="0"/>
+              <a:t>   all d: Date, viol: Violation |</a:t>
+            </a:r>
+            <a:br>
+              <a:rPr lang="en-US" sz="1400" dirty="0"/>
+            </a:br>
+            <a:r>
+              <a:rPr lang="en-US" sz="1400" dirty="0"/>
+              <a:t>   </a:t>
+            </a:r>
+            <a:r>
+              <a:rPr lang="en-US" sz="1400" dirty="0" err="1"/>
+              <a:t>viol.date</a:t>
+            </a:r>
+            <a:r>
+              <a:rPr lang="en-US" sz="1400" dirty="0"/>
+              <a:t> = d </a:t>
+            </a:r>
+          </a:p>
+          <a:p>
+            <a:r>
+              <a:rPr lang="en-US" sz="1400" dirty="0"/>
+              <a:t>}</a:t>
+            </a:r>
+            <a:br>
+              <a:rPr lang="en-US" sz="1400" dirty="0"/>
+            </a:br>
+            <a:endParaRPr lang="en-US" sz="1400" dirty="0">
+              <a:latin typeface="Arial" panose="020B0604020202020204" pitchFamily="34" charset="0"/>
+              <a:cs typeface="Arial" panose="020B0604020202020204" pitchFamily="34" charset="0"/>
+            </a:endParaRPr>
           </a:p>
         </p:txBody>
       </p:sp>
     </p:spTree>
     <p:extLst>
       <p:ext uri="{BB962C8B-B14F-4D97-AF65-F5344CB8AC3E}">
-        <p14:creationId xmlns:p14="http://schemas.microsoft.com/office/powerpoint/2010/main" val="3145140421"/>
+        <p14:creationId xmlns:p14="http://schemas.microsoft.com/office/powerpoint/2010/main" val="2566843666"/>
       </p:ext>
     </p:extLst>
   </p:cSld>
   <p:clrMapOvr>
     <a:masterClrMapping/>
   </p:clrMapOvr>
+  <p:timing>
+    <p:tnLst>
+      <p:par>
+        <p:cTn id="1" dur="indefinite" restart="never" nodeType="tmRoot"/>
+      </p:par>
+    </p:tnLst>
+  </p:timing>
 </p:sld>
 </file>
 
@@ -4000,7 +4680,310 @@
           <p:cNvPr id="2" name="Title 1">
             <a:extLst>
               <a:ext uri="{FF2B5EF4-FFF2-40B4-BE49-F238E27FC236}">
-                <a16:creationId xmlns:a16="http://schemas.microsoft.com/office/drawing/2014/main" id="{276FA0D4-C954-984C-9472-2285DDA32842}"/>
+                <a16:creationId xmlns:a16="http://schemas.microsoft.com/office/drawing/2014/main" xmlns="" id="{8F77F555-6932-5C49-85DE-6162CBAF0AF3}"/>
+              </a:ext>
+            </a:extLst>
+          </p:cNvPr>
+          <p:cNvSpPr>
+            <a:spLocks noGrp="1"/>
+          </p:cNvSpPr>
+          <p:nvPr>
+            <p:ph type="title"/>
+          </p:nvPr>
+        </p:nvSpPr>
+        <p:spPr/>
+        <p:txBody>
+          <a:bodyPr/>
+          <a:lstStyle/>
+          <a:p>
+            <a:r>
+              <a:rPr lang="en-GB" dirty="0"/>
+              <a:t>For the DD part:</a:t>
+            </a:r>
+            <a:endParaRPr lang="en-US" dirty="0"/>
+          </a:p>
+        </p:txBody>
+      </p:sp>
+      <p:sp>
+        <p:nvSpPr>
+          <p:cNvPr id="3" name="Content Placeholder 2">
+            <a:extLst>
+              <a:ext uri="{FF2B5EF4-FFF2-40B4-BE49-F238E27FC236}">
+                <a16:creationId xmlns:a16="http://schemas.microsoft.com/office/drawing/2014/main" xmlns="" id="{7D30F065-BFFF-6644-A66D-BBF9A6292C02}"/>
+              </a:ext>
+            </a:extLst>
+          </p:cNvPr>
+          <p:cNvSpPr>
+            <a:spLocks noGrp="1"/>
+          </p:cNvSpPr>
+          <p:nvPr>
+            <p:ph idx="1"/>
+          </p:nvPr>
+        </p:nvSpPr>
+        <p:spPr/>
+        <p:txBody>
+          <a:bodyPr/>
+          <a:lstStyle/>
+          <a:p>
+            <a:r>
+              <a:rPr lang="en-GB" dirty="0"/>
+              <a:t>The components of your system</a:t>
+            </a:r>
+          </a:p>
+          <a:p>
+            <a:r>
+              <a:rPr lang="en-GB" dirty="0"/>
+              <a:t>Their interfaces</a:t>
+            </a:r>
+          </a:p>
+          <a:p>
+            <a:r>
+              <a:rPr lang="en-GB" dirty="0"/>
+              <a:t>Meaningful interactions</a:t>
+            </a:r>
+          </a:p>
+          <a:p>
+            <a:r>
+              <a:rPr lang="en-GB" dirty="0"/>
+              <a:t>The architectural styles/patterns and important design decisions</a:t>
+            </a:r>
+          </a:p>
+          <a:p>
+            <a:r>
+              <a:rPr lang="en-GB" dirty="0"/>
+              <a:t>The strategy you plan to use to carry the implementation, integration and testing of your system and how this is strategy mapped on your components</a:t>
+            </a:r>
+          </a:p>
+          <a:p>
+            <a:endParaRPr lang="en-US" dirty="0"/>
+          </a:p>
+        </p:txBody>
+      </p:sp>
+    </p:spTree>
+    <p:extLst>
+      <p:ext uri="{BB962C8B-B14F-4D97-AF65-F5344CB8AC3E}">
+        <p14:creationId xmlns:p14="http://schemas.microsoft.com/office/powerpoint/2010/main" val="4149502394"/>
+      </p:ext>
+    </p:extLst>
+  </p:cSld>
+  <p:clrMapOvr>
+    <a:masterClrMapping/>
+  </p:clrMapOvr>
+  <p:timing>
+    <p:tnLst>
+      <p:par>
+        <p:cTn id="1" dur="indefinite" restart="never" nodeType="tmRoot"/>
+      </p:par>
+    </p:tnLst>
+  </p:timing>
+</p:sld>
+</file>
+
+<file path=ppt/slides/slide12.xml><?xml version="1.0" encoding="utf-8"?>
+<p:sld xmlns:a="http://schemas.openxmlformats.org/drawingml/2006/main" xmlns:r="http://schemas.openxmlformats.org/officeDocument/2006/relationships" xmlns:p="http://schemas.openxmlformats.org/presentationml/2006/main">
+  <p:cSld>
+    <p:spTree>
+      <p:nvGrpSpPr>
+        <p:cNvPr id="1" name=""/>
+        <p:cNvGrpSpPr/>
+        <p:nvPr/>
+      </p:nvGrpSpPr>
+      <p:grpSpPr>
+        <a:xfrm>
+          <a:off x="0" y="0"/>
+          <a:ext cx="0" cy="0"/>
+          <a:chOff x="0" y="0"/>
+          <a:chExt cx="0" cy="0"/>
+        </a:xfrm>
+      </p:grpSpPr>
+      <p:sp>
+        <p:nvSpPr>
+          <p:cNvPr id="2" name="Title 1">
+            <a:extLst>
+              <a:ext uri="{FF2B5EF4-FFF2-40B4-BE49-F238E27FC236}">
+                <a16:creationId xmlns:a16="http://schemas.microsoft.com/office/drawing/2014/main" xmlns="" id="{3820A429-5ECD-EC4A-B430-BC96EE2088AE}"/>
+              </a:ext>
+            </a:extLst>
+          </p:cNvPr>
+          <p:cNvSpPr>
+            <a:spLocks noGrp="1"/>
+          </p:cNvSpPr>
+          <p:nvPr>
+            <p:ph type="title"/>
+          </p:nvPr>
+        </p:nvSpPr>
+        <p:spPr/>
+        <p:txBody>
+          <a:bodyPr/>
+          <a:lstStyle/>
+          <a:p>
+            <a:r>
+              <a:rPr lang="en-US" dirty="0"/>
+              <a:t>architecture</a:t>
+            </a:r>
+          </a:p>
+        </p:txBody>
+      </p:sp>
+      <p:sp>
+        <p:nvSpPr>
+          <p:cNvPr id="3" name="Content Placeholder 2">
+            <a:extLst>
+              <a:ext uri="{FF2B5EF4-FFF2-40B4-BE49-F238E27FC236}">
+                <a16:creationId xmlns:a16="http://schemas.microsoft.com/office/drawing/2014/main" xmlns="" id="{E88026F1-460D-8549-BE38-50B93D330773}"/>
+              </a:ext>
+            </a:extLst>
+          </p:cNvPr>
+          <p:cNvSpPr>
+            <a:spLocks noGrp="1"/>
+          </p:cNvSpPr>
+          <p:nvPr>
+            <p:ph idx="1"/>
+          </p:nvPr>
+        </p:nvSpPr>
+        <p:spPr/>
+        <p:txBody>
+          <a:bodyPr/>
+          <a:lstStyle/>
+          <a:p>
+            <a:r>
+              <a:rPr lang="en-US" dirty="0"/>
+              <a:t>@</a:t>
+            </a:r>
+            <a:r>
+              <a:rPr lang="en-US" dirty="0" err="1"/>
+              <a:t>tiberio</a:t>
+            </a:r>
+            <a:endParaRPr lang="en-US" dirty="0"/>
+          </a:p>
+        </p:txBody>
+      </p:sp>
+    </p:spTree>
+    <p:extLst>
+      <p:ext uri="{BB962C8B-B14F-4D97-AF65-F5344CB8AC3E}">
+        <p14:creationId xmlns:p14="http://schemas.microsoft.com/office/powerpoint/2010/main" val="3795005552"/>
+      </p:ext>
+    </p:extLst>
+  </p:cSld>
+  <p:clrMapOvr>
+    <a:masterClrMapping/>
+  </p:clrMapOvr>
+</p:sld>
+</file>
+
+<file path=ppt/slides/slide13.xml><?xml version="1.0" encoding="utf-8"?>
+<p:sld xmlns:a="http://schemas.openxmlformats.org/drawingml/2006/main" xmlns:r="http://schemas.openxmlformats.org/officeDocument/2006/relationships" xmlns:p="http://schemas.openxmlformats.org/presentationml/2006/main">
+  <p:cSld>
+    <p:spTree>
+      <p:nvGrpSpPr>
+        <p:cNvPr id="1" name=""/>
+        <p:cNvGrpSpPr/>
+        <p:nvPr/>
+      </p:nvGrpSpPr>
+      <p:grpSpPr>
+        <a:xfrm>
+          <a:off x="0" y="0"/>
+          <a:ext cx="0" cy="0"/>
+          <a:chOff x="0" y="0"/>
+          <a:chExt cx="0" cy="0"/>
+        </a:xfrm>
+      </p:grpSpPr>
+      <p:sp>
+        <p:nvSpPr>
+          <p:cNvPr id="2" name="Title 1">
+            <a:extLst>
+              <a:ext uri="{FF2B5EF4-FFF2-40B4-BE49-F238E27FC236}">
+                <a16:creationId xmlns:a16="http://schemas.microsoft.com/office/drawing/2014/main" xmlns="" id="{14BB26A9-F1B6-FB46-8486-2718F871DA9F}"/>
+              </a:ext>
+            </a:extLst>
+          </p:cNvPr>
+          <p:cNvSpPr>
+            <a:spLocks noGrp="1"/>
+          </p:cNvSpPr>
+          <p:nvPr>
+            <p:ph type="title"/>
+          </p:nvPr>
+        </p:nvSpPr>
+        <p:spPr/>
+        <p:txBody>
+          <a:bodyPr/>
+          <a:lstStyle/>
+          <a:p>
+            <a:r>
+              <a:rPr lang="en-US" dirty="0"/>
+              <a:t>components</a:t>
+            </a:r>
+          </a:p>
+        </p:txBody>
+      </p:sp>
+      <p:sp>
+        <p:nvSpPr>
+          <p:cNvPr id="3" name="Content Placeholder 2">
+            <a:extLst>
+              <a:ext uri="{FF2B5EF4-FFF2-40B4-BE49-F238E27FC236}">
+                <a16:creationId xmlns:a16="http://schemas.microsoft.com/office/drawing/2014/main" xmlns="" id="{189697FC-AE8F-E547-9152-6962C12FDBE8}"/>
+              </a:ext>
+            </a:extLst>
+          </p:cNvPr>
+          <p:cNvSpPr>
+            <a:spLocks noGrp="1"/>
+          </p:cNvSpPr>
+          <p:nvPr>
+            <p:ph idx="1"/>
+          </p:nvPr>
+        </p:nvSpPr>
+        <p:spPr/>
+        <p:txBody>
+          <a:bodyPr/>
+          <a:lstStyle/>
+          <a:p>
+            <a:r>
+              <a:rPr lang="en-US" dirty="0"/>
+              <a:t>@</a:t>
+            </a:r>
+            <a:r>
+              <a:rPr lang="en-US" dirty="0" err="1"/>
+              <a:t>tiberio</a:t>
+            </a:r>
+            <a:endParaRPr lang="en-US" dirty="0"/>
+          </a:p>
+        </p:txBody>
+      </p:sp>
+    </p:spTree>
+    <p:extLst>
+      <p:ext uri="{BB962C8B-B14F-4D97-AF65-F5344CB8AC3E}">
+        <p14:creationId xmlns:p14="http://schemas.microsoft.com/office/powerpoint/2010/main" val="3145140421"/>
+      </p:ext>
+    </p:extLst>
+  </p:cSld>
+  <p:clrMapOvr>
+    <a:masterClrMapping/>
+  </p:clrMapOvr>
+</p:sld>
+</file>
+
+<file path=ppt/slides/slide14.xml><?xml version="1.0" encoding="utf-8"?>
+<p:sld xmlns:a="http://schemas.openxmlformats.org/drawingml/2006/main" xmlns:r="http://schemas.openxmlformats.org/officeDocument/2006/relationships" xmlns:p="http://schemas.openxmlformats.org/presentationml/2006/main">
+  <p:cSld>
+    <p:spTree>
+      <p:nvGrpSpPr>
+        <p:cNvPr id="1" name=""/>
+        <p:cNvGrpSpPr/>
+        <p:nvPr/>
+      </p:nvGrpSpPr>
+      <p:grpSpPr>
+        <a:xfrm>
+          <a:off x="0" y="0"/>
+          <a:ext cx="0" cy="0"/>
+          <a:chOff x="0" y="0"/>
+          <a:chExt cx="0" cy="0"/>
+        </a:xfrm>
+      </p:grpSpPr>
+      <p:sp>
+        <p:nvSpPr>
+          <p:cNvPr id="2" name="Title 1">
+            <a:extLst>
+              <a:ext uri="{FF2B5EF4-FFF2-40B4-BE49-F238E27FC236}">
+                <a16:creationId xmlns:a16="http://schemas.microsoft.com/office/drawing/2014/main" xmlns="" id="{276FA0D4-C954-984C-9472-2285DDA32842}"/>
               </a:ext>
             </a:extLst>
           </p:cNvPr>
@@ -4028,7 +5011,7 @@
           <p:cNvPr id="3" name="Content Placeholder 2">
             <a:extLst>
               <a:ext uri="{FF2B5EF4-FFF2-40B4-BE49-F238E27FC236}">
-                <a16:creationId xmlns:a16="http://schemas.microsoft.com/office/drawing/2014/main" id="{51695C54-73DE-964B-9238-1CFB2DED017E}"/>
+                <a16:creationId xmlns:a16="http://schemas.microsoft.com/office/drawing/2014/main" xmlns="" id="{51695C54-73DE-964B-9238-1CFB2DED017E}"/>
               </a:ext>
             </a:extLst>
           </p:cNvPr>
@@ -4091,7 +5074,7 @@
           <p:cNvPr id="2" name="Title 1">
             <a:extLst>
               <a:ext uri="{FF2B5EF4-FFF2-40B4-BE49-F238E27FC236}">
-                <a16:creationId xmlns:a16="http://schemas.microsoft.com/office/drawing/2014/main" id="{F5D24B61-0279-D44D-BD75-4E5262DCC8DF}"/>
+                <a16:creationId xmlns:a16="http://schemas.microsoft.com/office/drawing/2014/main" xmlns="" id="{F5D24B61-0279-D44D-BD75-4E5262DCC8DF}"/>
               </a:ext>
             </a:extLst>
           </p:cNvPr>
@@ -4120,7 +5103,7 @@
           <p:cNvPr id="3" name="Content Placeholder 2">
             <a:extLst>
               <a:ext uri="{FF2B5EF4-FFF2-40B4-BE49-F238E27FC236}">
-                <a16:creationId xmlns:a16="http://schemas.microsoft.com/office/drawing/2014/main" id="{18AF6001-A8E4-AD48-B55E-744D0D786BBE}"/>
+                <a16:creationId xmlns:a16="http://schemas.microsoft.com/office/drawing/2014/main" xmlns="" id="{18AF6001-A8E4-AD48-B55E-744D0D786BBE}"/>
               </a:ext>
             </a:extLst>
           </p:cNvPr>
@@ -4211,7 +5194,7 @@
           <p:cNvPr id="2" name="Title 1">
             <a:extLst>
               <a:ext uri="{FF2B5EF4-FFF2-40B4-BE49-F238E27FC236}">
-                <a16:creationId xmlns:a16="http://schemas.microsoft.com/office/drawing/2014/main" id="{842B374F-7FD0-004B-BE04-564927B941ED}"/>
+                <a16:creationId xmlns:a16="http://schemas.microsoft.com/office/drawing/2014/main" xmlns="" id="{842B374F-7FD0-004B-BE04-564927B941ED}"/>
               </a:ext>
             </a:extLst>
           </p:cNvPr>
@@ -4240,7 +5223,7 @@
           <p:cNvPr id="3" name="Content Placeholder 2">
             <a:extLst>
               <a:ext uri="{FF2B5EF4-FFF2-40B4-BE49-F238E27FC236}">
-                <a16:creationId xmlns:a16="http://schemas.microsoft.com/office/drawing/2014/main" id="{D977E4BE-F1C9-9D42-B289-39E0F68683B3}"/>
+                <a16:creationId xmlns:a16="http://schemas.microsoft.com/office/drawing/2014/main" xmlns="" id="{D977E4BE-F1C9-9D42-B289-39E0F68683B3}"/>
               </a:ext>
             </a:extLst>
           </p:cNvPr>
@@ -4255,6 +5238,188 @@
         <p:txBody>
           <a:bodyPr/>
           <a:lstStyle/>
+          <a:p>
+            <a:r>
+              <a:rPr lang="en-US" dirty="0" smtClean="0"/>
+              <a:t>[G1]</a:t>
+            </a:r>
+            <a:r>
+              <a:rPr lang="fa-IR" dirty="0" smtClean="0"/>
+              <a:t> </a:t>
+            </a:r>
+            <a:r>
+              <a:rPr lang="en-US" dirty="0"/>
+              <a:t>Allow users to notify authorities about traffic violations</a:t>
+            </a:r>
+            <a:endParaRPr lang="fa-IR" dirty="0" smtClean="0"/>
+          </a:p>
+          <a:p>
+            <a:r>
+              <a:rPr lang="en-US" dirty="0"/>
+              <a:t>[</a:t>
+            </a:r>
+            <a:r>
+              <a:rPr lang="en-US" dirty="0" smtClean="0"/>
+              <a:t>G</a:t>
+            </a:r>
+            <a:r>
+              <a:rPr lang="fa-IR" dirty="0" smtClean="0"/>
+              <a:t>2</a:t>
+            </a:r>
+            <a:r>
+              <a:rPr lang="en-US" dirty="0" smtClean="0"/>
+              <a:t>]</a:t>
+            </a:r>
+            <a:r>
+              <a:rPr lang="fa-IR" dirty="0" smtClean="0"/>
+              <a:t> </a:t>
+            </a:r>
+            <a:r>
+              <a:rPr lang="en-US" dirty="0"/>
+              <a:t>Allow users to send pictures with metadata of violations</a:t>
+            </a:r>
+          </a:p>
+          <a:p>
+            <a:r>
+              <a:rPr lang="en-US" dirty="0"/>
+              <a:t>[</a:t>
+            </a:r>
+            <a:r>
+              <a:rPr lang="en-US" dirty="0" smtClean="0"/>
+              <a:t>G</a:t>
+            </a:r>
+            <a:r>
+              <a:rPr lang="fa-IR" dirty="0" smtClean="0"/>
+              <a:t>3</a:t>
+            </a:r>
+            <a:r>
+              <a:rPr lang="en-US" dirty="0" smtClean="0"/>
+              <a:t>]</a:t>
+            </a:r>
+            <a:r>
+              <a:rPr lang="fa-IR" dirty="0" smtClean="0"/>
+              <a:t> </a:t>
+            </a:r>
+            <a:r>
+              <a:rPr lang="en-US" dirty="0"/>
+              <a:t>Allow users to mine information recorded</a:t>
+            </a:r>
+          </a:p>
+          <a:p>
+            <a:r>
+              <a:rPr lang="en-US" dirty="0"/>
+              <a:t>[</a:t>
+            </a:r>
+            <a:r>
+              <a:rPr lang="en-US" dirty="0" smtClean="0"/>
+              <a:t>G</a:t>
+            </a:r>
+            <a:r>
+              <a:rPr lang="fa-IR" dirty="0" smtClean="0"/>
+              <a:t>4</a:t>
+            </a:r>
+            <a:r>
+              <a:rPr lang="en-US" dirty="0" smtClean="0"/>
+              <a:t>]</a:t>
+            </a:r>
+            <a:r>
+              <a:rPr lang="fa-IR" dirty="0" smtClean="0"/>
+              <a:t> </a:t>
+            </a:r>
+            <a:r>
+              <a:rPr lang="en-US" dirty="0"/>
+              <a:t>Have at least two different </a:t>
+            </a:r>
+            <a:r>
+              <a:rPr lang="en-US" dirty="0" err="1"/>
+              <a:t>priviledge</a:t>
+            </a:r>
+            <a:r>
+              <a:rPr lang="en-US" dirty="0"/>
+              <a:t> for mining data</a:t>
+            </a:r>
+          </a:p>
+          <a:p>
+            <a:r>
+              <a:rPr lang="en-US" dirty="0"/>
+              <a:t>[</a:t>
+            </a:r>
+            <a:r>
+              <a:rPr lang="en-US" dirty="0" smtClean="0"/>
+              <a:t>G</a:t>
+            </a:r>
+            <a:r>
+              <a:rPr lang="fa-IR" dirty="0" smtClean="0"/>
+              <a:t>5</a:t>
+            </a:r>
+            <a:r>
+              <a:rPr lang="en-US" dirty="0" smtClean="0"/>
+              <a:t>]</a:t>
+            </a:r>
+            <a:r>
+              <a:rPr lang="fa-IR" dirty="0" smtClean="0"/>
+              <a:t> </a:t>
+            </a:r>
+            <a:r>
+              <a:rPr lang="en-US" dirty="0"/>
+              <a:t>Generate traffic tickets</a:t>
+            </a:r>
+          </a:p>
+          <a:p>
+            <a:r>
+              <a:rPr lang="en-US" dirty="0"/>
+              <a:t>[</a:t>
+            </a:r>
+            <a:r>
+              <a:rPr lang="en-US" dirty="0" smtClean="0"/>
+              <a:t>G</a:t>
+            </a:r>
+            <a:r>
+              <a:rPr lang="fa-IR" dirty="0" smtClean="0"/>
+              <a:t>6</a:t>
+            </a:r>
+            <a:r>
+              <a:rPr lang="en-US" dirty="0" smtClean="0"/>
+              <a:t>]</a:t>
+            </a:r>
+            <a:r>
+              <a:rPr lang="fa-IR" dirty="0" smtClean="0"/>
+              <a:t> </a:t>
+            </a:r>
+            <a:r>
+              <a:rPr lang="en-US" dirty="0"/>
+              <a:t>Generate statistics about issued tickets</a:t>
+            </a:r>
+          </a:p>
+          <a:p>
+            <a:r>
+              <a:rPr lang="en-US" dirty="0"/>
+              <a:t>[</a:t>
+            </a:r>
+            <a:r>
+              <a:rPr lang="en-US" dirty="0" smtClean="0"/>
+              <a:t>G</a:t>
+            </a:r>
+            <a:r>
+              <a:rPr lang="fa-IR" dirty="0" smtClean="0"/>
+              <a:t>7</a:t>
+            </a:r>
+            <a:r>
+              <a:rPr lang="en-US" dirty="0" smtClean="0"/>
+              <a:t>]</a:t>
+            </a:r>
+            <a:r>
+              <a:rPr lang="fa-IR" dirty="0" smtClean="0"/>
+              <a:t> </a:t>
+            </a:r>
+            <a:r>
+              <a:rPr lang="en-US" dirty="0"/>
+              <a:t>Be sure every information uploaded is never altered</a:t>
+            </a:r>
+          </a:p>
+          <a:p>
+            <a:endParaRPr lang="fa-IR" dirty="0" smtClean="0"/>
+          </a:p>
           <a:p>
             <a:endParaRPr lang="en-US" dirty="0"/>
           </a:p>
@@ -4295,7 +5460,7 @@
           <p:cNvPr id="2" name="Title 1">
             <a:extLst>
               <a:ext uri="{FF2B5EF4-FFF2-40B4-BE49-F238E27FC236}">
-                <a16:creationId xmlns:a16="http://schemas.microsoft.com/office/drawing/2014/main" id="{FC1E31BE-EA2F-6E4F-AAEC-A8EE2C8102F1}"/>
+                <a16:creationId xmlns:a16="http://schemas.microsoft.com/office/drawing/2014/main" xmlns="" id="{FC1E31BE-EA2F-6E4F-AAEC-A8EE2C8102F1}"/>
               </a:ext>
             </a:extLst>
           </p:cNvPr>
@@ -4313,8 +5478,13 @@
           <a:p>
             <a:r>
               <a:rPr lang="en-US" dirty="0"/>
-              <a:t>Assumptions</a:t>
-            </a:r>
+              <a:t>Domain </a:t>
+            </a:r>
+            <a:r>
+              <a:rPr lang="en-US" dirty="0" smtClean="0"/>
+              <a:t> Assumptions</a:t>
+            </a:r>
+            <a:endParaRPr lang="en-US" dirty="0"/>
           </a:p>
         </p:txBody>
       </p:sp>
@@ -4323,7 +5493,7 @@
           <p:cNvPr id="3" name="Content Placeholder 2">
             <a:extLst>
               <a:ext uri="{FF2B5EF4-FFF2-40B4-BE49-F238E27FC236}">
-                <a16:creationId xmlns:a16="http://schemas.microsoft.com/office/drawing/2014/main" id="{A13AB3B3-B3B0-984A-B68F-827C5DD22881}"/>
+                <a16:creationId xmlns:a16="http://schemas.microsoft.com/office/drawing/2014/main" xmlns="" id="{A13AB3B3-B3B0-984A-B68F-827C5DD22881}"/>
               </a:ext>
             </a:extLst>
           </p:cNvPr>
@@ -4334,18 +5504,115 @@
             <p:ph idx="1"/>
           </p:nvPr>
         </p:nvSpPr>
-        <p:spPr/>
-        <p:txBody>
-          <a:bodyPr/>
-          <a:lstStyle/>
-          <a:p>
+        <p:spPr>
+          <a:xfrm>
+            <a:off x="838200" y="1690688"/>
+            <a:ext cx="10515600" cy="4351338"/>
+          </a:xfrm>
+        </p:spPr>
+        <p:txBody>
+          <a:bodyPr>
+            <a:normAutofit fontScale="92500" lnSpcReduction="10000"/>
+          </a:bodyPr>
+          <a:lstStyle/>
+          <a:p>
+            <a:r>
+              <a:rPr lang="en-US" dirty="0" smtClean="0"/>
+              <a:t>[</a:t>
+            </a:r>
             <a:r>
               <a:rPr lang="en-US" dirty="0"/>
-              <a:t>@</a:t>
-            </a:r>
-            <a:r>
-              <a:rPr lang="en-US" dirty="0" err="1"/>
-              <a:t>saeid</a:t>
+              <a:t>D1] Device has a working internet </a:t>
+            </a:r>
+            <a:r>
+              <a:rPr lang="en-US" dirty="0" smtClean="0"/>
+              <a:t>connection.</a:t>
+            </a:r>
+          </a:p>
+          <a:p>
+            <a:r>
+              <a:rPr lang="en-US" dirty="0"/>
+              <a:t>[</a:t>
+            </a:r>
+            <a:r>
+              <a:rPr lang="en-US" dirty="0" smtClean="0"/>
+              <a:t>D2] </a:t>
+            </a:r>
+            <a:r>
+              <a:rPr lang="it-IT" dirty="0"/>
+              <a:t>Device has a camera accessible via </a:t>
+            </a:r>
+            <a:r>
+              <a:rPr lang="it-IT" dirty="0" smtClean="0"/>
+              <a:t>software.</a:t>
+            </a:r>
+            <a:endParaRPr lang="en-US" dirty="0" smtClean="0"/>
+          </a:p>
+          <a:p>
+            <a:r>
+              <a:rPr lang="en-US" dirty="0"/>
+              <a:t>[D3] The device should acquire position with an accuracy of enough meters in order to </a:t>
+            </a:r>
+            <a:r>
+              <a:rPr lang="en-US" dirty="0" smtClean="0"/>
+              <a:t>univocally determine </a:t>
+            </a:r>
+            <a:r>
+              <a:rPr lang="en-US" dirty="0"/>
+              <a:t>the road (e.g. 5 meters)</a:t>
+            </a:r>
+            <a:endParaRPr lang="en-US" dirty="0" smtClean="0"/>
+          </a:p>
+          <a:p>
+            <a:r>
+              <a:rPr lang="en-US" dirty="0"/>
+              <a:t>[D4] We have access to an ALPR service which is able to read every </a:t>
+            </a:r>
+            <a:r>
+              <a:rPr lang="en-US" dirty="0" smtClean="0"/>
+              <a:t>license </a:t>
+            </a:r>
+            <a:r>
+              <a:rPr lang="en-US" dirty="0"/>
+              <a:t>plate in a picture </a:t>
+            </a:r>
+            <a:r>
+              <a:rPr lang="en-US" dirty="0" smtClean="0"/>
+              <a:t>and return </a:t>
+            </a:r>
+            <a:r>
+              <a:rPr lang="en-US" dirty="0"/>
+              <a:t>each of them as a string</a:t>
+            </a:r>
+            <a:endParaRPr lang="en-US" dirty="0" smtClean="0"/>
+          </a:p>
+          <a:p>
+            <a:r>
+              <a:rPr lang="en-US" dirty="0" smtClean="0"/>
+              <a:t>[</a:t>
+            </a:r>
+            <a:r>
+              <a:rPr lang="en-US" dirty="0"/>
+              <a:t>D5] ALPR service has an accuracy of more than 95%</a:t>
+            </a:r>
+            <a:endParaRPr lang="en-US" dirty="0" smtClean="0"/>
+          </a:p>
+          <a:p>
+            <a:r>
+              <a:rPr lang="en-US" dirty="0" smtClean="0"/>
+              <a:t>[</a:t>
+            </a:r>
+            <a:r>
+              <a:rPr lang="en-US" dirty="0"/>
+              <a:t>D6] The device should take pictures with enough resolution to be able to read them with </a:t>
+            </a:r>
+            <a:r>
+              <a:rPr lang="en-US" dirty="0" smtClean="0"/>
+              <a:t>the ALPR </a:t>
+            </a:r>
+            <a:r>
+              <a:rPr lang="en-US" dirty="0"/>
+              <a:t>service</a:t>
             </a:r>
             <a:endParaRPr lang="en-US" dirty="0"/>
           </a:p>
@@ -4386,7 +5653,7 @@
           <p:cNvPr id="2" name="Title 1">
             <a:extLst>
               <a:ext uri="{FF2B5EF4-FFF2-40B4-BE49-F238E27FC236}">
-                <a16:creationId xmlns:a16="http://schemas.microsoft.com/office/drawing/2014/main" id="{7C639A83-1180-5A4A-95BC-FD482325E4BC}"/>
+                <a16:creationId xmlns:a16="http://schemas.microsoft.com/office/drawing/2014/main" xmlns="" id="{FC1E31BE-EA2F-6E4F-AAEC-A8EE2C8102F1}"/>
               </a:ext>
             </a:extLst>
           </p:cNvPr>
@@ -4397,15 +5664,25 @@
             <p:ph type="title"/>
           </p:nvPr>
         </p:nvSpPr>
-        <p:spPr/>
+        <p:spPr>
+          <a:xfrm>
+            <a:off x="838200" y="75193"/>
+            <a:ext cx="10515600" cy="1325563"/>
+          </a:xfrm>
+        </p:spPr>
         <p:txBody>
           <a:bodyPr/>
           <a:lstStyle/>
           <a:p>
             <a:r>
               <a:rPr lang="en-US" dirty="0"/>
-              <a:t>Requirements</a:t>
-            </a:r>
+              <a:t>Domain </a:t>
+            </a:r>
+            <a:r>
+              <a:rPr lang="en-US" dirty="0" smtClean="0"/>
+              <a:t> Assumptions</a:t>
+            </a:r>
+            <a:endParaRPr lang="en-US" dirty="0"/>
           </a:p>
         </p:txBody>
       </p:sp>
@@ -4414,7 +5691,7 @@
           <p:cNvPr id="3" name="Content Placeholder 2">
             <a:extLst>
               <a:ext uri="{FF2B5EF4-FFF2-40B4-BE49-F238E27FC236}">
-                <a16:creationId xmlns:a16="http://schemas.microsoft.com/office/drawing/2014/main" id="{25937838-9C44-944E-9A47-EBCF11749129}"/>
+                <a16:creationId xmlns:a16="http://schemas.microsoft.com/office/drawing/2014/main" xmlns="" id="{A13AB3B3-B3B0-984A-B68F-827C5DD22881}"/>
               </a:ext>
             </a:extLst>
           </p:cNvPr>
@@ -4425,35 +5702,94 @@
             <p:ph idx="1"/>
           </p:nvPr>
         </p:nvSpPr>
-        <p:spPr/>
-        <p:txBody>
-          <a:bodyPr/>
-          <a:lstStyle/>
-          <a:p>
-            <a:r>
-              <a:rPr lang="en-GB" dirty="0"/>
-              <a:t>The user must be able to select the vehicle to report in case there are other vehicles in picture </a:t>
-            </a:r>
-          </a:p>
-          <a:p>
-            <a:endParaRPr lang="en-GB" dirty="0">
-              <a:effectLst/>
-            </a:endParaRPr>
-          </a:p>
-          <a:p>
-            <a:r>
-              <a:rPr lang="en-GB" dirty="0"/>
-              <a:t>@</a:t>
-            </a:r>
-            <a:r>
-              <a:rPr lang="en-GB" dirty="0" err="1"/>
-              <a:t>tiberio</a:t>
-            </a:r>
-            <a:endParaRPr lang="en-GB" dirty="0">
-              <a:effectLst/>
-            </a:endParaRPr>
-          </a:p>
-          <a:p>
+        <p:spPr>
+          <a:xfrm>
+            <a:off x="838200" y="1400756"/>
+            <a:ext cx="10515600" cy="4641270"/>
+          </a:xfrm>
+        </p:spPr>
+        <p:txBody>
+          <a:bodyPr>
+            <a:normAutofit fontScale="92500" lnSpcReduction="10000"/>
+          </a:bodyPr>
+          <a:lstStyle/>
+          <a:p>
+            <a:r>
+              <a:rPr lang="en-US" dirty="0" smtClean="0"/>
+              <a:t>[D7</a:t>
+            </a:r>
+            <a:r>
+              <a:rPr lang="en-US" dirty="0"/>
+              <a:t>] Every vehicle that can be reported should have a </a:t>
+            </a:r>
+            <a:r>
+              <a:rPr lang="en-US" dirty="0" smtClean="0"/>
+              <a:t>license </a:t>
+            </a:r>
+            <a:r>
+              <a:rPr lang="en-US" dirty="0"/>
+              <a:t>plate visible</a:t>
+            </a:r>
+            <a:endParaRPr lang="en-US" dirty="0" smtClean="0"/>
+          </a:p>
+          <a:p>
+            <a:r>
+              <a:rPr lang="en-US" dirty="0"/>
+              <a:t>[D8] The number and kind of violations should be finite </a:t>
+            </a:r>
+            <a:endParaRPr lang="en-US" dirty="0" smtClean="0"/>
+          </a:p>
+          <a:p>
+            <a:r>
+              <a:rPr lang="en-US" dirty="0"/>
+              <a:t>[D9] Every authority account is verified and it’s not possible to be created using the front </a:t>
+            </a:r>
+            <a:r>
+              <a:rPr lang="en-US" dirty="0" smtClean="0"/>
+              <a:t>end.</a:t>
+            </a:r>
+          </a:p>
+          <a:p>
+            <a:r>
+              <a:rPr lang="en-US" dirty="0"/>
+              <a:t>[D10] Each vehicle has one and </a:t>
+            </a:r>
+            <a:r>
+              <a:rPr lang="en-US" dirty="0" smtClean="0"/>
+              <a:t>only one </a:t>
+            </a:r>
+            <a:r>
+              <a:rPr lang="en-US" dirty="0"/>
+              <a:t>main </a:t>
+            </a:r>
+            <a:r>
+              <a:rPr lang="en-US" dirty="0" smtClean="0"/>
+              <a:t>owner, and we can extract his/her information like name, address and … from vehicle registration database</a:t>
+            </a:r>
+          </a:p>
+          <a:p>
+            <a:r>
+              <a:rPr lang="en-US" dirty="0"/>
+              <a:t>[D11] The only way to upload pictures of violation is through the </a:t>
+            </a:r>
+            <a:r>
+              <a:rPr lang="en-US" dirty="0" smtClean="0"/>
+              <a:t>application</a:t>
+            </a:r>
+          </a:p>
+          <a:p>
+            <a:r>
+              <a:rPr lang="en-US" dirty="0"/>
+              <a:t>[</a:t>
+            </a:r>
+            <a:r>
+              <a:rPr lang="en-US" dirty="0" smtClean="0"/>
+              <a:t>D12]  Each license </a:t>
+            </a:r>
+            <a:r>
+              <a:rPr lang="en-US" dirty="0"/>
+              <a:t>plate is unique, there are no vehicles with the same plate</a:t>
+            </a:r>
             <a:endParaRPr lang="en-US" dirty="0"/>
           </a:p>
         </p:txBody>
@@ -4461,7 +5797,7 @@
     </p:spTree>
     <p:extLst>
       <p:ext uri="{BB962C8B-B14F-4D97-AF65-F5344CB8AC3E}">
-        <p14:creationId xmlns:p14="http://schemas.microsoft.com/office/powerpoint/2010/main" val="3297492682"/>
+        <p14:creationId xmlns:p14="http://schemas.microsoft.com/office/powerpoint/2010/main" val="188239805"/>
       </p:ext>
     </p:extLst>
   </p:cSld>
@@ -4493,7 +5829,7 @@
           <p:cNvPr id="2" name="Title 1">
             <a:extLst>
               <a:ext uri="{FF2B5EF4-FFF2-40B4-BE49-F238E27FC236}">
-                <a16:creationId xmlns:a16="http://schemas.microsoft.com/office/drawing/2014/main" id="{EC2F1E34-FDC7-3C48-9422-FFDBCF372703}"/>
+                <a16:creationId xmlns:a16="http://schemas.microsoft.com/office/drawing/2014/main" xmlns="" id="{7C639A83-1180-5A4A-95BC-FD482325E4BC}"/>
               </a:ext>
             </a:extLst>
           </p:cNvPr>
@@ -4510,10 +5846,9 @@
           <a:lstStyle/>
           <a:p>
             <a:r>
-              <a:rPr lang="en-US" dirty="0" err="1"/>
-              <a:t>Usecases</a:t>
-            </a:r>
-            <a:endParaRPr lang="en-US" dirty="0"/>
+              <a:rPr lang="en-US" dirty="0"/>
+              <a:t>Requirements</a:t>
+            </a:r>
           </a:p>
         </p:txBody>
       </p:sp>
@@ -4522,7 +5857,7 @@
           <p:cNvPr id="3" name="Content Placeholder 2">
             <a:extLst>
               <a:ext uri="{FF2B5EF4-FFF2-40B4-BE49-F238E27FC236}">
-                <a16:creationId xmlns:a16="http://schemas.microsoft.com/office/drawing/2014/main" id="{F076A78F-0AF1-774D-9D28-4D7266186B71}"/>
+                <a16:creationId xmlns:a16="http://schemas.microsoft.com/office/drawing/2014/main" xmlns="" id="{25937838-9C44-944E-9A47-EBCF11749129}"/>
               </a:ext>
             </a:extLst>
           </p:cNvPr>
@@ -4539,40 +5874,29 @@
           <a:lstStyle/>
           <a:p>
             <a:r>
-              <a:rPr lang="en-US" dirty="0"/>
-              <a:t>Reporting </a:t>
-            </a:r>
-          </a:p>
-          <a:p>
-            <a:r>
-              <a:rPr lang="en-US" dirty="0"/>
-              <a:t>Mining</a:t>
-            </a:r>
-          </a:p>
-          <a:p>
-            <a:r>
-              <a:rPr lang="en-US" dirty="0"/>
-              <a:t>Tickets</a:t>
-            </a:r>
-          </a:p>
-          <a:p>
-            <a:endParaRPr lang="en-US" dirty="0"/>
-          </a:p>
-          <a:p>
-            <a:r>
-              <a:rPr lang="en-US" dirty="0"/>
+              <a:rPr lang="en-GB" dirty="0"/>
+              <a:t>The user must be able to select the vehicle to report in case there are other vehicles in picture </a:t>
+            </a:r>
+          </a:p>
+          <a:p>
+            <a:endParaRPr lang="en-GB" dirty="0">
+              <a:effectLst/>
+            </a:endParaRPr>
+          </a:p>
+          <a:p>
+            <a:r>
+              <a:rPr lang="en-GB" dirty="0"/>
               <a:t>@</a:t>
             </a:r>
             <a:r>
-              <a:rPr lang="en-US" dirty="0" err="1"/>
+              <a:rPr lang="en-GB" dirty="0" err="1"/>
               <a:t>tiberio</a:t>
             </a:r>
-            <a:endParaRPr lang="en-US" dirty="0"/>
-          </a:p>
-          <a:p>
-            <a:pPr marL="0" indent="0">
-              <a:buNone/>
-            </a:pPr>
+            <a:endParaRPr lang="en-GB" dirty="0">
+              <a:effectLst/>
+            </a:endParaRPr>
+          </a:p>
+          <a:p>
             <a:endParaRPr lang="en-US" dirty="0"/>
           </a:p>
         </p:txBody>
@@ -4580,7 +5904,7 @@
     </p:spTree>
     <p:extLst>
       <p:ext uri="{BB962C8B-B14F-4D97-AF65-F5344CB8AC3E}">
-        <p14:creationId xmlns:p14="http://schemas.microsoft.com/office/powerpoint/2010/main" val="4088396445"/>
+        <p14:creationId xmlns:p14="http://schemas.microsoft.com/office/powerpoint/2010/main" val="3297492682"/>
       </p:ext>
     </p:extLst>
   </p:cSld>
@@ -4612,7 +5936,7 @@
           <p:cNvPr id="2" name="Title 1">
             <a:extLst>
               <a:ext uri="{FF2B5EF4-FFF2-40B4-BE49-F238E27FC236}">
-                <a16:creationId xmlns:a16="http://schemas.microsoft.com/office/drawing/2014/main" id="{FC1E31BE-EA2F-6E4F-AAEC-A8EE2C8102F1}"/>
+                <a16:creationId xmlns:a16="http://schemas.microsoft.com/office/drawing/2014/main" xmlns="" id="{EC2F1E34-FDC7-3C48-9422-FFDBCF372703}"/>
               </a:ext>
             </a:extLst>
           </p:cNvPr>
@@ -4629,32 +5953,54 @@
           <a:lstStyle/>
           <a:p>
             <a:r>
+              <a:rPr lang="en-US" dirty="0" err="1"/>
+              <a:t>Usecases</a:t>
+            </a:r>
+            <a:endParaRPr lang="en-US" dirty="0"/>
+          </a:p>
+        </p:txBody>
+      </p:sp>
+      <p:sp>
+        <p:nvSpPr>
+          <p:cNvPr id="3" name="Content Placeholder 2">
+            <a:extLst>
+              <a:ext uri="{FF2B5EF4-FFF2-40B4-BE49-F238E27FC236}">
+                <a16:creationId xmlns:a16="http://schemas.microsoft.com/office/drawing/2014/main" xmlns="" id="{F076A78F-0AF1-774D-9D28-4D7266186B71}"/>
+              </a:ext>
+            </a:extLst>
+          </p:cNvPr>
+          <p:cNvSpPr>
+            <a:spLocks noGrp="1"/>
+          </p:cNvSpPr>
+          <p:nvPr>
+            <p:ph idx="1"/>
+          </p:nvPr>
+        </p:nvSpPr>
+        <p:spPr/>
+        <p:txBody>
+          <a:bodyPr/>
+          <a:lstStyle/>
+          <a:p>
+            <a:r>
               <a:rPr lang="en-US" dirty="0"/>
-              <a:t>Alloy</a:t>
-            </a:r>
-          </a:p>
-        </p:txBody>
-      </p:sp>
-      <p:sp>
-        <p:nvSpPr>
-          <p:cNvPr id="3" name="Content Placeholder 2">
-            <a:extLst>
-              <a:ext uri="{FF2B5EF4-FFF2-40B4-BE49-F238E27FC236}">
-                <a16:creationId xmlns:a16="http://schemas.microsoft.com/office/drawing/2014/main" id="{A13AB3B3-B3B0-984A-B68F-827C5DD22881}"/>
-              </a:ext>
-            </a:extLst>
-          </p:cNvPr>
-          <p:cNvSpPr>
-            <a:spLocks noGrp="1"/>
-          </p:cNvSpPr>
-          <p:nvPr>
-            <p:ph idx="1"/>
-          </p:nvPr>
-        </p:nvSpPr>
-        <p:spPr/>
-        <p:txBody>
-          <a:bodyPr/>
-          <a:lstStyle/>
+              <a:t>Reporting </a:t>
+            </a:r>
+          </a:p>
+          <a:p>
+            <a:r>
+              <a:rPr lang="en-US" dirty="0"/>
+              <a:t>Mining</a:t>
+            </a:r>
+          </a:p>
+          <a:p>
+            <a:r>
+              <a:rPr lang="en-US" dirty="0"/>
+              <a:t>Tickets</a:t>
+            </a:r>
+          </a:p>
+          <a:p>
+            <a:endParaRPr lang="en-US" dirty="0"/>
+          </a:p>
           <a:p>
             <a:r>
               <a:rPr lang="en-US" dirty="0"/>
@@ -4662,8 +6008,14 @@
             </a:r>
             <a:r>
               <a:rPr lang="en-US" dirty="0" err="1"/>
-              <a:t>saeid</a:t>
-            </a:r>
+              <a:t>tiberio</a:t>
+            </a:r>
+            <a:endParaRPr lang="en-US" dirty="0"/>
+          </a:p>
+          <a:p>
+            <a:pPr marL="0" indent="0">
+              <a:buNone/>
+            </a:pPr>
             <a:endParaRPr lang="en-US" dirty="0"/>
           </a:p>
         </p:txBody>
@@ -4671,13 +6023,20 @@
     </p:spTree>
     <p:extLst>
       <p:ext uri="{BB962C8B-B14F-4D97-AF65-F5344CB8AC3E}">
-        <p14:creationId xmlns:p14="http://schemas.microsoft.com/office/powerpoint/2010/main" val="2831200722"/>
+        <p14:creationId xmlns:p14="http://schemas.microsoft.com/office/powerpoint/2010/main" val="4088396445"/>
       </p:ext>
     </p:extLst>
   </p:cSld>
   <p:clrMapOvr>
     <a:masterClrMapping/>
   </p:clrMapOvr>
+  <p:timing>
+    <p:tnLst>
+      <p:par>
+        <p:cTn id="1" dur="indefinite" restart="never" nodeType="tmRoot"/>
+      </p:par>
+    </p:tnLst>
+  </p:timing>
 </p:sld>
 </file>
 
@@ -4703,7 +6062,7 @@
           <p:cNvPr id="2" name="Title 1">
             <a:extLst>
               <a:ext uri="{FF2B5EF4-FFF2-40B4-BE49-F238E27FC236}">
-                <a16:creationId xmlns:a16="http://schemas.microsoft.com/office/drawing/2014/main" id="{8F77F555-6932-5C49-85DE-6162CBAF0AF3}"/>
+                <a16:creationId xmlns:a16="http://schemas.microsoft.com/office/drawing/2014/main" xmlns="" id="{FC1E31BE-EA2F-6E4F-AAEC-A8EE2C8102F1}"/>
               </a:ext>
             </a:extLst>
           </p:cNvPr>
@@ -4714,84 +6073,74 @@
             <p:ph type="title"/>
           </p:nvPr>
         </p:nvSpPr>
-        <p:spPr/>
+        <p:spPr>
+          <a:xfrm>
+            <a:off x="637478" y="328806"/>
+            <a:ext cx="10515600" cy="1325563"/>
+          </a:xfrm>
+        </p:spPr>
         <p:txBody>
           <a:bodyPr/>
           <a:lstStyle/>
           <a:p>
             <a:r>
-              <a:rPr lang="en-GB" dirty="0"/>
-              <a:t>For the DD part:</a:t>
+              <a:rPr lang="en-US" dirty="0"/>
+              <a:t>Alloy </a:t>
+            </a:r>
+            <a:r>
+              <a:rPr lang="en-US" dirty="0" smtClean="0"/>
+              <a:t>(1)</a:t>
             </a:r>
             <a:endParaRPr lang="en-US" dirty="0"/>
           </a:p>
         </p:txBody>
       </p:sp>
-      <p:sp>
-        <p:nvSpPr>
-          <p:cNvPr id="3" name="Content Placeholder 2">
-            <a:extLst>
-              <a:ext uri="{FF2B5EF4-FFF2-40B4-BE49-F238E27FC236}">
-                <a16:creationId xmlns:a16="http://schemas.microsoft.com/office/drawing/2014/main" id="{7D30F065-BFFF-6644-A66D-BBF9A6292C02}"/>
-              </a:ext>
-            </a:extLst>
-          </p:cNvPr>
-          <p:cNvSpPr>
-            <a:spLocks noGrp="1"/>
-          </p:cNvSpPr>
+      <p:pic>
+        <p:nvPicPr>
+          <p:cNvPr id="6" name="Content Placeholder 5"/>
+          <p:cNvPicPr>
+            <a:picLocks noGrp="1" noChangeAspect="1"/>
+          </p:cNvPicPr>
           <p:nvPr>
             <p:ph idx="1"/>
           </p:nvPr>
-        </p:nvSpPr>
-        <p:spPr/>
-        <p:txBody>
-          <a:bodyPr/>
-          <a:lstStyle/>
-          <a:p>
-            <a:r>
-              <a:rPr lang="en-GB" dirty="0"/>
-              <a:t>The components of your system</a:t>
-            </a:r>
-          </a:p>
-          <a:p>
-            <a:r>
-              <a:rPr lang="en-GB" dirty="0"/>
-              <a:t>Their interfaces</a:t>
-            </a:r>
-          </a:p>
-          <a:p>
-            <a:r>
-              <a:rPr lang="en-GB" dirty="0"/>
-              <a:t>Meaningful interactions</a:t>
-            </a:r>
-          </a:p>
-          <a:p>
-            <a:r>
-              <a:rPr lang="en-GB" dirty="0"/>
-              <a:t>The architectural styles/patterns and important design decisions</a:t>
-            </a:r>
-          </a:p>
-          <a:p>
-            <a:r>
-              <a:rPr lang="en-GB" dirty="0"/>
-              <a:t>The strategy you plan to use to carry the implementation, integration and testing of your system and how this is strategy mapped on your components</a:t>
-            </a:r>
-          </a:p>
-          <a:p>
-            <a:endParaRPr lang="en-US" dirty="0"/>
-          </a:p>
-        </p:txBody>
-      </p:sp>
+        </p:nvPicPr>
+        <p:blipFill>
+          <a:blip r:embed="rId2">
+            <a:extLst>
+              <a:ext uri="{28A0092B-C50C-407E-A947-70E740481C1C}">
+                <a14:useLocalDpi xmlns:a14="http://schemas.microsoft.com/office/drawing/2010/main" val="0"/>
+              </a:ext>
+            </a:extLst>
+          </a:blip>
+          <a:stretch>
+            <a:fillRect/>
+          </a:stretch>
+        </p:blipFill>
+        <p:spPr>
+          <a:xfrm>
+            <a:off x="3456878" y="328805"/>
+            <a:ext cx="6982522" cy="6440545"/>
+          </a:xfrm>
+        </p:spPr>
+      </p:pic>
     </p:spTree>
     <p:extLst>
       <p:ext uri="{BB962C8B-B14F-4D97-AF65-F5344CB8AC3E}">
-        <p14:creationId xmlns:p14="http://schemas.microsoft.com/office/powerpoint/2010/main" val="4149502394"/>
+        <p14:creationId xmlns:p14="http://schemas.microsoft.com/office/powerpoint/2010/main" val="2831200722"/>
       </p:ext>
     </p:extLst>
   </p:cSld>
   <p:clrMapOvr>
     <a:masterClrMapping/>
   </p:clrMapOvr>
+  <p:timing>
+    <p:tnLst>
+      <p:par>
+        <p:cTn id="1" dur="indefinite" restart="never" nodeType="tmRoot"/>
+      </p:par>
+    </p:tnLst>
+  </p:timing>
 </p:sld>
 </file>
 
@@ -4817,7 +6166,7 @@
           <p:cNvPr id="2" name="Title 1">
             <a:extLst>
               <a:ext uri="{FF2B5EF4-FFF2-40B4-BE49-F238E27FC236}">
-                <a16:creationId xmlns:a16="http://schemas.microsoft.com/office/drawing/2014/main" id="{3820A429-5ECD-EC4A-B430-BC96EE2088AE}"/>
+                <a16:creationId xmlns:a16="http://schemas.microsoft.com/office/drawing/2014/main" xmlns="" id="{FC1E31BE-EA2F-6E4F-AAEC-A8EE2C8102F1}"/>
               </a:ext>
             </a:extLst>
           </p:cNvPr>
@@ -4828,61 +6177,936 @@
             <p:ph type="title"/>
           </p:nvPr>
         </p:nvSpPr>
-        <p:spPr/>
+        <p:spPr>
+          <a:xfrm>
+            <a:off x="637478" y="328806"/>
+            <a:ext cx="10515600" cy="1325563"/>
+          </a:xfrm>
+        </p:spPr>
         <p:txBody>
           <a:bodyPr/>
           <a:lstStyle/>
           <a:p>
             <a:r>
-              <a:rPr lang="en-US" dirty="0"/>
-              <a:t>architecture</a:t>
-            </a:r>
-          </a:p>
-        </p:txBody>
-      </p:sp>
-      <p:sp>
-        <p:nvSpPr>
-          <p:cNvPr id="3" name="Content Placeholder 2">
-            <a:extLst>
-              <a:ext uri="{FF2B5EF4-FFF2-40B4-BE49-F238E27FC236}">
-                <a16:creationId xmlns:a16="http://schemas.microsoft.com/office/drawing/2014/main" id="{E88026F1-460D-8549-BE38-50B93D330773}"/>
-              </a:ext>
-            </a:extLst>
-          </p:cNvPr>
-          <p:cNvSpPr>
+              <a:rPr lang="en-US" dirty="0" smtClean="0"/>
+              <a:t>Alloy (2)</a:t>
+            </a:r>
+            <a:endParaRPr lang="en-US" dirty="0"/>
+          </a:p>
+        </p:txBody>
+      </p:sp>
+      <p:sp>
+        <p:nvSpPr>
+          <p:cNvPr id="5" name="Content Placeholder 4">
+            <a:extLst>
+              <a:ext uri="{FF2B5EF4-FFF2-40B4-BE49-F238E27FC236}">
+                <a16:creationId xmlns:a16="http://schemas.microsoft.com/office/drawing/2014/main" xmlns="" id="{BE076C2E-DC46-4055-9905-FEA2960D8A5B}"/>
+              </a:ext>
+            </a:extLst>
+          </p:cNvPr>
+          <p:cNvSpPr txBox="1">
             <a:spLocks noGrp="1"/>
           </p:cNvSpPr>
           <p:nvPr>
             <p:ph idx="1"/>
           </p:nvPr>
         </p:nvSpPr>
-        <p:spPr/>
-        <p:txBody>
-          <a:bodyPr/>
-          <a:lstStyle/>
-          <a:p>
-            <a:r>
-              <a:rPr lang="en-US" dirty="0"/>
-              <a:t>@</a:t>
-            </a:r>
-            <a:r>
-              <a:rPr lang="en-US" dirty="0" err="1"/>
-              <a:t>tiberio</a:t>
-            </a:r>
-            <a:endParaRPr lang="en-US" dirty="0"/>
+        <p:spPr>
+          <a:prstGeom prst="rect">
+            <a:avLst/>
+          </a:prstGeom>
+          <a:noFill/>
+        </p:spPr>
+        <p:txBody>
+          <a:bodyPr wrap="none" rtlCol="0">
+            <a:spAutoFit/>
+          </a:bodyPr>
+          <a:lstStyle/>
+          <a:p>
+            <a:r>
+              <a:rPr lang="en-US" sz="2000" b="1" dirty="0">
+                <a:solidFill>
+                  <a:srgbClr val="00B050"/>
+                </a:solidFill>
+                <a:latin typeface="Arial" panose="020B0604020202020204" pitchFamily="34" charset="0"/>
+                <a:cs typeface="Arial" panose="020B0604020202020204" pitchFamily="34" charset="0"/>
+              </a:rPr>
+              <a:t>Signatures</a:t>
+            </a:r>
+          </a:p>
+        </p:txBody>
+      </p:sp>
+      <p:sp>
+        <p:nvSpPr>
+          <p:cNvPr id="7" name="TextBox 6">
+            <a:extLst>
+              <a:ext uri="{FF2B5EF4-FFF2-40B4-BE49-F238E27FC236}">
+                <a16:creationId xmlns:a16="http://schemas.microsoft.com/office/drawing/2014/main" xmlns="" id="{AE49466C-B5AE-4B6B-8916-DFAB777A37B0}"/>
+              </a:ext>
+            </a:extLst>
+          </p:cNvPr>
+          <p:cNvSpPr txBox="1"/>
+          <p:nvPr/>
+        </p:nvSpPr>
+        <p:spPr>
+          <a:xfrm>
+            <a:off x="3369662" y="1353564"/>
+            <a:ext cx="3756102" cy="1815882"/>
+          </a:xfrm>
+          <a:prstGeom prst="rect">
+            <a:avLst/>
+          </a:prstGeom>
+          <a:noFill/>
+        </p:spPr>
+        <p:txBody>
+          <a:bodyPr wrap="square" rtlCol="0">
+            <a:spAutoFit/>
+          </a:bodyPr>
+          <a:lstStyle/>
+          <a:p>
+            <a:r>
+              <a:rPr lang="en-US" sz="1400" dirty="0">
+                <a:latin typeface="Arial" panose="020B0604020202020204" pitchFamily="34" charset="0"/>
+                <a:cs typeface="Arial" panose="020B0604020202020204" pitchFamily="34" charset="0"/>
+              </a:rPr>
+              <a:t>abstract sig </a:t>
+            </a:r>
+            <a:r>
+              <a:rPr lang="en-US" sz="1400" dirty="0">
+                <a:solidFill>
+                  <a:srgbClr val="00B050"/>
+                </a:solidFill>
+                <a:latin typeface="Arial" panose="020B0604020202020204" pitchFamily="34" charset="0"/>
+                <a:cs typeface="Arial" panose="020B0604020202020204" pitchFamily="34" charset="0"/>
+              </a:rPr>
+              <a:t>User</a:t>
+            </a:r>
+            <a:r>
+              <a:rPr lang="en-US" sz="1400" dirty="0">
+                <a:latin typeface="Arial" panose="020B0604020202020204" pitchFamily="34" charset="0"/>
+                <a:cs typeface="Arial" panose="020B0604020202020204" pitchFamily="34" charset="0"/>
+              </a:rPr>
+              <a:t> {</a:t>
+            </a:r>
+            <a:br>
+              <a:rPr lang="en-US" sz="1400" dirty="0">
+                <a:latin typeface="Arial" panose="020B0604020202020204" pitchFamily="34" charset="0"/>
+                <a:cs typeface="Arial" panose="020B0604020202020204" pitchFamily="34" charset="0"/>
+              </a:rPr>
+            </a:br>
+            <a:r>
+              <a:rPr lang="en-US" sz="1400" dirty="0">
+                <a:latin typeface="Arial" panose="020B0604020202020204" pitchFamily="34" charset="0"/>
+                <a:cs typeface="Arial" panose="020B0604020202020204" pitchFamily="34" charset="0"/>
+              </a:rPr>
+              <a:t>   name: one Name,</a:t>
+            </a:r>
+            <a:br>
+              <a:rPr lang="en-US" sz="1400" dirty="0">
+                <a:latin typeface="Arial" panose="020B0604020202020204" pitchFamily="34" charset="0"/>
+                <a:cs typeface="Arial" panose="020B0604020202020204" pitchFamily="34" charset="0"/>
+              </a:rPr>
+            </a:br>
+            <a:r>
+              <a:rPr lang="en-US" sz="1400" dirty="0">
+                <a:latin typeface="Arial" panose="020B0604020202020204" pitchFamily="34" charset="0"/>
+                <a:cs typeface="Arial" panose="020B0604020202020204" pitchFamily="34" charset="0"/>
+              </a:rPr>
+              <a:t>   surname: one Surname,</a:t>
+            </a:r>
+            <a:br>
+              <a:rPr lang="en-US" sz="1400" dirty="0">
+                <a:latin typeface="Arial" panose="020B0604020202020204" pitchFamily="34" charset="0"/>
+                <a:cs typeface="Arial" panose="020B0604020202020204" pitchFamily="34" charset="0"/>
+              </a:rPr>
+            </a:br>
+            <a:r>
+              <a:rPr lang="en-US" sz="1400" dirty="0">
+                <a:latin typeface="Arial" panose="020B0604020202020204" pitchFamily="34" charset="0"/>
+                <a:cs typeface="Arial" panose="020B0604020202020204" pitchFamily="34" charset="0"/>
+              </a:rPr>
+              <a:t>   email: one Email,</a:t>
+            </a:r>
+            <a:br>
+              <a:rPr lang="en-US" sz="1400" dirty="0">
+                <a:latin typeface="Arial" panose="020B0604020202020204" pitchFamily="34" charset="0"/>
+                <a:cs typeface="Arial" panose="020B0604020202020204" pitchFamily="34" charset="0"/>
+              </a:rPr>
+            </a:br>
+            <a:r>
+              <a:rPr lang="en-US" sz="1400" dirty="0">
+                <a:latin typeface="Arial" panose="020B0604020202020204" pitchFamily="34" charset="0"/>
+                <a:cs typeface="Arial" panose="020B0604020202020204" pitchFamily="34" charset="0"/>
+              </a:rPr>
+              <a:t>   password: one Password,</a:t>
+            </a:r>
+            <a:br>
+              <a:rPr lang="en-US" sz="1400" dirty="0">
+                <a:latin typeface="Arial" panose="020B0604020202020204" pitchFamily="34" charset="0"/>
+                <a:cs typeface="Arial" panose="020B0604020202020204" pitchFamily="34" charset="0"/>
+              </a:rPr>
+            </a:br>
+            <a:r>
+              <a:rPr lang="en-US" sz="1400" dirty="0">
+                <a:latin typeface="Arial" panose="020B0604020202020204" pitchFamily="34" charset="0"/>
+                <a:cs typeface="Arial" panose="020B0604020202020204" pitchFamily="34" charset="0"/>
+              </a:rPr>
+              <a:t>   </a:t>
+            </a:r>
+            <a:r>
+              <a:rPr lang="en-US" sz="1400" dirty="0" err="1">
+                <a:latin typeface="Arial" panose="020B0604020202020204" pitchFamily="34" charset="0"/>
+                <a:cs typeface="Arial" panose="020B0604020202020204" pitchFamily="34" charset="0"/>
+              </a:rPr>
+              <a:t>accessLevel</a:t>
+            </a:r>
+            <a:r>
+              <a:rPr lang="en-US" sz="1400" dirty="0">
+                <a:latin typeface="Arial" panose="020B0604020202020204" pitchFamily="34" charset="0"/>
+                <a:cs typeface="Arial" panose="020B0604020202020204" pitchFamily="34" charset="0"/>
+              </a:rPr>
+              <a:t>: one Bool,</a:t>
+            </a:r>
+            <a:br>
+              <a:rPr lang="en-US" sz="1400" dirty="0">
+                <a:latin typeface="Arial" panose="020B0604020202020204" pitchFamily="34" charset="0"/>
+                <a:cs typeface="Arial" panose="020B0604020202020204" pitchFamily="34" charset="0"/>
+              </a:rPr>
+            </a:br>
+            <a:r>
+              <a:rPr lang="en-US" sz="1400" dirty="0">
+                <a:latin typeface="Arial" panose="020B0604020202020204" pitchFamily="34" charset="0"/>
+                <a:cs typeface="Arial" panose="020B0604020202020204" pitchFamily="34" charset="0"/>
+              </a:rPr>
+              <a:t>   </a:t>
+            </a:r>
+            <a:r>
+              <a:rPr lang="en-US" sz="1400" dirty="0" err="1">
+                <a:latin typeface="Arial" panose="020B0604020202020204" pitchFamily="34" charset="0"/>
+                <a:cs typeface="Arial" panose="020B0604020202020204" pitchFamily="34" charset="0"/>
+              </a:rPr>
+              <a:t>minedInfo</a:t>
+            </a:r>
+            <a:r>
+              <a:rPr lang="en-US" sz="1400" dirty="0">
+                <a:latin typeface="Arial" panose="020B0604020202020204" pitchFamily="34" charset="0"/>
+                <a:cs typeface="Arial" panose="020B0604020202020204" pitchFamily="34" charset="0"/>
+              </a:rPr>
+              <a:t>: some </a:t>
+            </a:r>
+            <a:r>
+              <a:rPr lang="en-US" sz="1400" dirty="0" err="1">
+                <a:latin typeface="Arial" panose="020B0604020202020204" pitchFamily="34" charset="0"/>
+                <a:cs typeface="Arial" panose="020B0604020202020204" pitchFamily="34" charset="0"/>
+              </a:rPr>
+              <a:t>MiningModule</a:t>
+            </a:r>
+            <a:r>
+              <a:rPr lang="en-US" sz="1400" dirty="0">
+                <a:latin typeface="Arial" panose="020B0604020202020204" pitchFamily="34" charset="0"/>
+                <a:cs typeface="Arial" panose="020B0604020202020204" pitchFamily="34" charset="0"/>
+              </a:rPr>
+              <a:t>, </a:t>
+            </a:r>
+            <a:br>
+              <a:rPr lang="en-US" sz="1400" dirty="0">
+                <a:latin typeface="Arial" panose="020B0604020202020204" pitchFamily="34" charset="0"/>
+                <a:cs typeface="Arial" panose="020B0604020202020204" pitchFamily="34" charset="0"/>
+              </a:rPr>
+            </a:br>
+            <a:r>
+              <a:rPr lang="en-US" sz="1400" dirty="0">
+                <a:latin typeface="Arial" panose="020B0604020202020204" pitchFamily="34" charset="0"/>
+                <a:cs typeface="Arial" panose="020B0604020202020204" pitchFamily="34" charset="0"/>
+              </a:rPr>
+              <a:t>}</a:t>
+            </a:r>
+          </a:p>
+        </p:txBody>
+      </p:sp>
+      <p:sp>
+        <p:nvSpPr>
+          <p:cNvPr id="8" name="TextBox 7">
+            <a:extLst>
+              <a:ext uri="{FF2B5EF4-FFF2-40B4-BE49-F238E27FC236}">
+                <a16:creationId xmlns:a16="http://schemas.microsoft.com/office/drawing/2014/main" xmlns="" id="{AE334569-08BD-4002-82CA-D9D76BFF18C3}"/>
+              </a:ext>
+            </a:extLst>
+          </p:cNvPr>
+          <p:cNvSpPr txBox="1"/>
+          <p:nvPr/>
+        </p:nvSpPr>
+        <p:spPr>
+          <a:xfrm>
+            <a:off x="3369662" y="3431907"/>
+            <a:ext cx="2919389" cy="1169551"/>
+          </a:xfrm>
+          <a:prstGeom prst="rect">
+            <a:avLst/>
+          </a:prstGeom>
+          <a:noFill/>
+        </p:spPr>
+        <p:txBody>
+          <a:bodyPr wrap="none" rtlCol="0">
+            <a:spAutoFit/>
+          </a:bodyPr>
+          <a:lstStyle/>
+          <a:p>
+            <a:r>
+              <a:rPr lang="en-US" sz="1400" dirty="0">
+                <a:latin typeface="Arial" panose="020B0604020202020204" pitchFamily="34" charset="0"/>
+                <a:cs typeface="Arial" panose="020B0604020202020204" pitchFamily="34" charset="0"/>
+              </a:rPr>
+              <a:t>sig </a:t>
+            </a:r>
+            <a:r>
+              <a:rPr lang="en-US" sz="1400" dirty="0">
+                <a:solidFill>
+                  <a:srgbClr val="00B050"/>
+                </a:solidFill>
+                <a:latin typeface="Arial" panose="020B0604020202020204" pitchFamily="34" charset="0"/>
+                <a:cs typeface="Arial" panose="020B0604020202020204" pitchFamily="34" charset="0"/>
+              </a:rPr>
+              <a:t>Costumer</a:t>
+            </a:r>
+            <a:r>
+              <a:rPr lang="en-US" sz="1400" dirty="0">
+                <a:latin typeface="Arial" panose="020B0604020202020204" pitchFamily="34" charset="0"/>
+                <a:cs typeface="Arial" panose="020B0604020202020204" pitchFamily="34" charset="0"/>
+              </a:rPr>
+              <a:t> extends User {</a:t>
+            </a:r>
+            <a:br>
+              <a:rPr lang="en-US" sz="1400" dirty="0">
+                <a:latin typeface="Arial" panose="020B0604020202020204" pitchFamily="34" charset="0"/>
+                <a:cs typeface="Arial" panose="020B0604020202020204" pitchFamily="34" charset="0"/>
+              </a:rPr>
+            </a:br>
+            <a:r>
+              <a:rPr lang="en-US" sz="1400" dirty="0">
+                <a:latin typeface="Arial" panose="020B0604020202020204" pitchFamily="34" charset="0"/>
+                <a:cs typeface="Arial" panose="020B0604020202020204" pitchFamily="34" charset="0"/>
+              </a:rPr>
+              <a:t>   </a:t>
+            </a:r>
+            <a:r>
+              <a:rPr lang="en-US" sz="1400" dirty="0" err="1">
+                <a:latin typeface="Arial" panose="020B0604020202020204" pitchFamily="34" charset="0"/>
+                <a:cs typeface="Arial" panose="020B0604020202020204" pitchFamily="34" charset="0"/>
+              </a:rPr>
+              <a:t>costumerLocation</a:t>
+            </a:r>
+            <a:r>
+              <a:rPr lang="en-US" sz="1400" dirty="0">
+                <a:latin typeface="Arial" panose="020B0604020202020204" pitchFamily="34" charset="0"/>
+                <a:cs typeface="Arial" panose="020B0604020202020204" pitchFamily="34" charset="0"/>
+              </a:rPr>
+              <a:t>: one Location,</a:t>
+            </a:r>
+            <a:br>
+              <a:rPr lang="en-US" sz="1400" dirty="0">
+                <a:latin typeface="Arial" panose="020B0604020202020204" pitchFamily="34" charset="0"/>
+                <a:cs typeface="Arial" panose="020B0604020202020204" pitchFamily="34" charset="0"/>
+              </a:rPr>
+            </a:br>
+            <a:r>
+              <a:rPr lang="en-US" sz="1400" dirty="0">
+                <a:latin typeface="Arial" panose="020B0604020202020204" pitchFamily="34" charset="0"/>
+                <a:cs typeface="Arial" panose="020B0604020202020204" pitchFamily="34" charset="0"/>
+              </a:rPr>
+              <a:t>   </a:t>
+            </a:r>
+            <a:r>
+              <a:rPr lang="en-US" sz="1400" dirty="0" err="1">
+                <a:latin typeface="Arial" panose="020B0604020202020204" pitchFamily="34" charset="0"/>
+                <a:cs typeface="Arial" panose="020B0604020202020204" pitchFamily="34" charset="0"/>
+              </a:rPr>
+              <a:t>accessLevel</a:t>
+            </a:r>
+            <a:r>
+              <a:rPr lang="en-US" sz="1400" dirty="0">
+                <a:latin typeface="Arial" panose="020B0604020202020204" pitchFamily="34" charset="0"/>
+                <a:cs typeface="Arial" panose="020B0604020202020204" pitchFamily="34" charset="0"/>
+              </a:rPr>
+              <a:t> = False </a:t>
+            </a:r>
+          </a:p>
+          <a:p>
+            <a:r>
+              <a:rPr lang="en-US" sz="1400" dirty="0">
+                <a:latin typeface="Arial" panose="020B0604020202020204" pitchFamily="34" charset="0"/>
+                <a:cs typeface="Arial" panose="020B0604020202020204" pitchFamily="34" charset="0"/>
+              </a:rPr>
+              <a:t>}</a:t>
+            </a:r>
+            <a:br>
+              <a:rPr lang="en-US" sz="1400" dirty="0">
+                <a:latin typeface="Arial" panose="020B0604020202020204" pitchFamily="34" charset="0"/>
+                <a:cs typeface="Arial" panose="020B0604020202020204" pitchFamily="34" charset="0"/>
+              </a:rPr>
+            </a:br>
+            <a:endParaRPr lang="en-US" sz="1400" dirty="0">
+              <a:latin typeface="Arial" panose="020B0604020202020204" pitchFamily="34" charset="0"/>
+              <a:cs typeface="Arial" panose="020B0604020202020204" pitchFamily="34" charset="0"/>
+            </a:endParaRPr>
+          </a:p>
+        </p:txBody>
+      </p:sp>
+      <p:sp>
+        <p:nvSpPr>
+          <p:cNvPr id="9" name="Rectangle 8">
+            <a:extLst>
+              <a:ext uri="{FF2B5EF4-FFF2-40B4-BE49-F238E27FC236}">
+                <a16:creationId xmlns:a16="http://schemas.microsoft.com/office/drawing/2014/main" xmlns="" id="{65FF3B07-6D30-430E-8342-FF910AE28FE1}"/>
+              </a:ext>
+            </a:extLst>
+          </p:cNvPr>
+          <p:cNvSpPr/>
+          <p:nvPr/>
+        </p:nvSpPr>
+        <p:spPr>
+          <a:xfrm>
+            <a:off x="3369662" y="4601458"/>
+            <a:ext cx="2246128" cy="1384995"/>
+          </a:xfrm>
+          <a:prstGeom prst="rect">
+            <a:avLst/>
+          </a:prstGeom>
+        </p:spPr>
+        <p:txBody>
+          <a:bodyPr wrap="square">
+            <a:spAutoFit/>
+          </a:bodyPr>
+          <a:lstStyle/>
+          <a:p>
+            <a:r>
+              <a:rPr lang="en-US" sz="1400" dirty="0">
+                <a:solidFill>
+                  <a:srgbClr val="000000"/>
+                </a:solidFill>
+                <a:latin typeface="Arial" panose="020B0604020202020204" pitchFamily="34" charset="0"/>
+                <a:cs typeface="Arial" panose="020B0604020202020204" pitchFamily="34" charset="0"/>
+              </a:rPr>
+              <a:t>sig </a:t>
+            </a:r>
+            <a:r>
+              <a:rPr lang="en-US" sz="1400" dirty="0" err="1">
+                <a:solidFill>
+                  <a:srgbClr val="00B050"/>
+                </a:solidFill>
+                <a:latin typeface="Arial" panose="020B0604020202020204" pitchFamily="34" charset="0"/>
+                <a:cs typeface="Arial" panose="020B0604020202020204" pitchFamily="34" charset="0"/>
+              </a:rPr>
+              <a:t>ThirdParty</a:t>
+            </a:r>
+            <a:r>
+              <a:rPr lang="en-US" sz="1400" dirty="0">
+                <a:solidFill>
+                  <a:srgbClr val="000000"/>
+                </a:solidFill>
+                <a:latin typeface="Arial" panose="020B0604020202020204" pitchFamily="34" charset="0"/>
+                <a:cs typeface="Arial" panose="020B0604020202020204" pitchFamily="34" charset="0"/>
+              </a:rPr>
+              <a:t> extends User {</a:t>
+            </a:r>
+            <a:br>
+              <a:rPr lang="en-US" sz="1400" dirty="0">
+                <a:solidFill>
+                  <a:srgbClr val="000000"/>
+                </a:solidFill>
+                <a:latin typeface="Arial" panose="020B0604020202020204" pitchFamily="34" charset="0"/>
+                <a:cs typeface="Arial" panose="020B0604020202020204" pitchFamily="34" charset="0"/>
+              </a:rPr>
+            </a:br>
+            <a:r>
+              <a:rPr lang="en-US" sz="1400" dirty="0">
+                <a:solidFill>
+                  <a:srgbClr val="000000"/>
+                </a:solidFill>
+                <a:latin typeface="Arial" panose="020B0604020202020204" pitchFamily="34" charset="0"/>
+                <a:cs typeface="Arial" panose="020B0604020202020204" pitchFamily="34" charset="0"/>
+              </a:rPr>
+              <a:t>   tickets: some Ticket,</a:t>
+            </a:r>
+            <a:br>
+              <a:rPr lang="en-US" sz="1400" dirty="0">
+                <a:solidFill>
+                  <a:srgbClr val="000000"/>
+                </a:solidFill>
+                <a:latin typeface="Arial" panose="020B0604020202020204" pitchFamily="34" charset="0"/>
+                <a:cs typeface="Arial" panose="020B0604020202020204" pitchFamily="34" charset="0"/>
+              </a:rPr>
+            </a:br>
+            <a:r>
+              <a:rPr lang="en-US" sz="1400" dirty="0">
+                <a:solidFill>
+                  <a:srgbClr val="000000"/>
+                </a:solidFill>
+                <a:latin typeface="Arial" panose="020B0604020202020204" pitchFamily="34" charset="0"/>
+                <a:cs typeface="Arial" panose="020B0604020202020204" pitchFamily="34" charset="0"/>
+              </a:rPr>
+              <a:t>   #tickets &gt;= 0</a:t>
+            </a:r>
+            <a:br>
+              <a:rPr lang="en-US" sz="1400" dirty="0">
+                <a:solidFill>
+                  <a:srgbClr val="000000"/>
+                </a:solidFill>
+                <a:latin typeface="Arial" panose="020B0604020202020204" pitchFamily="34" charset="0"/>
+                <a:cs typeface="Arial" panose="020B0604020202020204" pitchFamily="34" charset="0"/>
+              </a:rPr>
+            </a:br>
+            <a:r>
+              <a:rPr lang="en-US" sz="1400" dirty="0">
+                <a:solidFill>
+                  <a:srgbClr val="000000"/>
+                </a:solidFill>
+                <a:latin typeface="Arial" panose="020B0604020202020204" pitchFamily="34" charset="0"/>
+                <a:cs typeface="Arial" panose="020B0604020202020204" pitchFamily="34" charset="0"/>
+              </a:rPr>
+              <a:t>   </a:t>
+            </a:r>
+            <a:r>
+              <a:rPr lang="en-US" sz="1400" dirty="0" err="1">
+                <a:solidFill>
+                  <a:srgbClr val="000000"/>
+                </a:solidFill>
+                <a:latin typeface="Arial" panose="020B0604020202020204" pitchFamily="34" charset="0"/>
+                <a:cs typeface="Arial" panose="020B0604020202020204" pitchFamily="34" charset="0"/>
+              </a:rPr>
+              <a:t>accessLevel</a:t>
+            </a:r>
+            <a:r>
+              <a:rPr lang="en-US" sz="1400" dirty="0">
+                <a:solidFill>
+                  <a:srgbClr val="000000"/>
+                </a:solidFill>
+                <a:latin typeface="Arial" panose="020B0604020202020204" pitchFamily="34" charset="0"/>
+                <a:cs typeface="Arial" panose="020B0604020202020204" pitchFamily="34" charset="0"/>
+              </a:rPr>
+              <a:t> = True</a:t>
+            </a:r>
+            <a:r>
+              <a:rPr lang="en-US" sz="1400" dirty="0">
+                <a:latin typeface="Arial" panose="020B0604020202020204" pitchFamily="34" charset="0"/>
+                <a:cs typeface="Arial" panose="020B0604020202020204" pitchFamily="34" charset="0"/>
+              </a:rPr>
+              <a:t> </a:t>
+            </a:r>
+            <a:br>
+              <a:rPr lang="en-US" sz="1400" dirty="0">
+                <a:latin typeface="Arial" panose="020B0604020202020204" pitchFamily="34" charset="0"/>
+                <a:cs typeface="Arial" panose="020B0604020202020204" pitchFamily="34" charset="0"/>
+              </a:rPr>
+            </a:br>
+            <a:r>
+              <a:rPr lang="en-US" sz="1400" dirty="0">
+                <a:latin typeface="Arial" panose="020B0604020202020204" pitchFamily="34" charset="0"/>
+                <a:cs typeface="Arial" panose="020B0604020202020204" pitchFamily="34" charset="0"/>
+              </a:rPr>
+              <a:t>}</a:t>
+            </a:r>
+          </a:p>
+        </p:txBody>
+      </p:sp>
+      <p:sp>
+        <p:nvSpPr>
+          <p:cNvPr id="10" name="TextBox 9">
+            <a:extLst>
+              <a:ext uri="{FF2B5EF4-FFF2-40B4-BE49-F238E27FC236}">
+                <a16:creationId xmlns:a16="http://schemas.microsoft.com/office/drawing/2014/main" xmlns="" id="{A9761976-A3BE-4009-96A3-CFD8078F5894}"/>
+              </a:ext>
+            </a:extLst>
+          </p:cNvPr>
+          <p:cNvSpPr txBox="1"/>
+          <p:nvPr/>
+        </p:nvSpPr>
+        <p:spPr>
+          <a:xfrm>
+            <a:off x="7122051" y="3741778"/>
+            <a:ext cx="3900042" cy="1815882"/>
+          </a:xfrm>
+          <a:prstGeom prst="rect">
+            <a:avLst/>
+          </a:prstGeom>
+          <a:noFill/>
+        </p:spPr>
+        <p:txBody>
+          <a:bodyPr wrap="none" rtlCol="0">
+            <a:spAutoFit/>
+          </a:bodyPr>
+          <a:lstStyle/>
+          <a:p>
+            <a:r>
+              <a:rPr lang="en-US" sz="1400" dirty="0">
+                <a:latin typeface="Arial" panose="020B0604020202020204" pitchFamily="34" charset="0"/>
+                <a:cs typeface="Arial" panose="020B0604020202020204" pitchFamily="34" charset="0"/>
+              </a:rPr>
+              <a:t>abstract sig </a:t>
+            </a:r>
+            <a:r>
+              <a:rPr lang="en-US" sz="1400" dirty="0" err="1">
+                <a:solidFill>
+                  <a:srgbClr val="00B050"/>
+                </a:solidFill>
+                <a:latin typeface="Arial" panose="020B0604020202020204" pitchFamily="34" charset="0"/>
+                <a:cs typeface="Arial" panose="020B0604020202020204" pitchFamily="34" charset="0"/>
+              </a:rPr>
+              <a:t>MiningModule</a:t>
+            </a:r>
+            <a:r>
+              <a:rPr lang="en-US" sz="1400" dirty="0">
+                <a:latin typeface="Arial" panose="020B0604020202020204" pitchFamily="34" charset="0"/>
+                <a:cs typeface="Arial" panose="020B0604020202020204" pitchFamily="34" charset="0"/>
+              </a:rPr>
+              <a:t> {</a:t>
+            </a:r>
+            <a:br>
+              <a:rPr lang="en-US" sz="1400" dirty="0">
+                <a:latin typeface="Arial" panose="020B0604020202020204" pitchFamily="34" charset="0"/>
+                <a:cs typeface="Arial" panose="020B0604020202020204" pitchFamily="34" charset="0"/>
+              </a:rPr>
+            </a:br>
+            <a:r>
+              <a:rPr lang="en-US" sz="1400" dirty="0">
+                <a:latin typeface="Arial" panose="020B0604020202020204" pitchFamily="34" charset="0"/>
+                <a:cs typeface="Arial" panose="020B0604020202020204" pitchFamily="34" charset="0"/>
+              </a:rPr>
+              <a:t>   violations: some Violation, </a:t>
+            </a:r>
+          </a:p>
+          <a:p>
+            <a:r>
+              <a:rPr lang="en-US" sz="1400" dirty="0">
+                <a:latin typeface="Arial" panose="020B0604020202020204" pitchFamily="34" charset="0"/>
+                <a:cs typeface="Arial" panose="020B0604020202020204" pitchFamily="34" charset="0"/>
+              </a:rPr>
+              <a:t>}</a:t>
+            </a:r>
+          </a:p>
+          <a:p>
+            <a:r>
+              <a:rPr lang="en-US" sz="1400" dirty="0">
+                <a:latin typeface="Arial" panose="020B0604020202020204" pitchFamily="34" charset="0"/>
+                <a:cs typeface="Arial" panose="020B0604020202020204" pitchFamily="34" charset="0"/>
+              </a:rPr>
+              <a:t/>
+            </a:r>
+            <a:br>
+              <a:rPr lang="en-US" sz="1400" dirty="0">
+                <a:latin typeface="Arial" panose="020B0604020202020204" pitchFamily="34" charset="0"/>
+                <a:cs typeface="Arial" panose="020B0604020202020204" pitchFamily="34" charset="0"/>
+              </a:rPr>
+            </a:br>
+            <a:r>
+              <a:rPr lang="en-US" sz="1400" dirty="0">
+                <a:latin typeface="Arial" panose="020B0604020202020204" pitchFamily="34" charset="0"/>
+                <a:cs typeface="Arial" panose="020B0604020202020204" pitchFamily="34" charset="0"/>
+              </a:rPr>
+              <a:t>sig </a:t>
+            </a:r>
+            <a:r>
+              <a:rPr lang="en-US" sz="1400" dirty="0" err="1">
+                <a:solidFill>
+                  <a:srgbClr val="00B050"/>
+                </a:solidFill>
+                <a:latin typeface="Arial" panose="020B0604020202020204" pitchFamily="34" charset="0"/>
+                <a:cs typeface="Arial" panose="020B0604020202020204" pitchFamily="34" charset="0"/>
+              </a:rPr>
+              <a:t>AverageViolations</a:t>
+            </a:r>
+            <a:r>
+              <a:rPr lang="en-US" sz="1400" dirty="0">
+                <a:latin typeface="Arial" panose="020B0604020202020204" pitchFamily="34" charset="0"/>
+                <a:cs typeface="Arial" panose="020B0604020202020204" pitchFamily="34" charset="0"/>
+              </a:rPr>
+              <a:t> extends </a:t>
+            </a:r>
+            <a:r>
+              <a:rPr lang="en-US" sz="1400" dirty="0" err="1">
+                <a:latin typeface="Arial" panose="020B0604020202020204" pitchFamily="34" charset="0"/>
+                <a:cs typeface="Arial" panose="020B0604020202020204" pitchFamily="34" charset="0"/>
+              </a:rPr>
+              <a:t>MiningModule</a:t>
+            </a:r>
+            <a:r>
+              <a:rPr lang="en-US" sz="1400" dirty="0">
+                <a:latin typeface="Arial" panose="020B0604020202020204" pitchFamily="34" charset="0"/>
+                <a:cs typeface="Arial" panose="020B0604020202020204" pitchFamily="34" charset="0"/>
+              </a:rPr>
+              <a:t> {}</a:t>
+            </a:r>
+          </a:p>
+          <a:p>
+            <a:r>
+              <a:rPr lang="en-US" sz="1400" dirty="0">
+                <a:latin typeface="Arial" panose="020B0604020202020204" pitchFamily="34" charset="0"/>
+                <a:cs typeface="Arial" panose="020B0604020202020204" pitchFamily="34" charset="0"/>
+              </a:rPr>
+              <a:t/>
+            </a:r>
+            <a:br>
+              <a:rPr lang="en-US" sz="1400" dirty="0">
+                <a:latin typeface="Arial" panose="020B0604020202020204" pitchFamily="34" charset="0"/>
+                <a:cs typeface="Arial" panose="020B0604020202020204" pitchFamily="34" charset="0"/>
+              </a:rPr>
+            </a:br>
+            <a:r>
+              <a:rPr lang="en-US" sz="1400" dirty="0">
+                <a:latin typeface="Arial" panose="020B0604020202020204" pitchFamily="34" charset="0"/>
+                <a:cs typeface="Arial" panose="020B0604020202020204" pitchFamily="34" charset="0"/>
+              </a:rPr>
+              <a:t>sig </a:t>
+            </a:r>
+            <a:r>
+              <a:rPr lang="en-US" sz="1400" dirty="0" err="1">
+                <a:solidFill>
+                  <a:srgbClr val="00B050"/>
+                </a:solidFill>
+                <a:latin typeface="Arial" panose="020B0604020202020204" pitchFamily="34" charset="0"/>
+                <a:cs typeface="Arial" panose="020B0604020202020204" pitchFamily="34" charset="0"/>
+              </a:rPr>
+              <a:t>OffenderFinder</a:t>
+            </a:r>
+            <a:r>
+              <a:rPr lang="en-US" sz="1400" dirty="0">
+                <a:latin typeface="Arial" panose="020B0604020202020204" pitchFamily="34" charset="0"/>
+                <a:cs typeface="Arial" panose="020B0604020202020204" pitchFamily="34" charset="0"/>
+              </a:rPr>
+              <a:t> extends </a:t>
+            </a:r>
+            <a:r>
+              <a:rPr lang="en-US" sz="1400" dirty="0" err="1">
+                <a:latin typeface="Arial" panose="020B0604020202020204" pitchFamily="34" charset="0"/>
+                <a:cs typeface="Arial" panose="020B0604020202020204" pitchFamily="34" charset="0"/>
+              </a:rPr>
+              <a:t>MiningModule</a:t>
+            </a:r>
+            <a:r>
+              <a:rPr lang="en-US" sz="1400" dirty="0">
+                <a:latin typeface="Arial" panose="020B0604020202020204" pitchFamily="34" charset="0"/>
+                <a:cs typeface="Arial" panose="020B0604020202020204" pitchFamily="34" charset="0"/>
+              </a:rPr>
+              <a:t> {}</a:t>
+            </a:r>
+            <a:br>
+              <a:rPr lang="en-US" sz="1400" dirty="0">
+                <a:latin typeface="Arial" panose="020B0604020202020204" pitchFamily="34" charset="0"/>
+                <a:cs typeface="Arial" panose="020B0604020202020204" pitchFamily="34" charset="0"/>
+              </a:rPr>
+            </a:br>
+            <a:endParaRPr lang="en-US" sz="1400" dirty="0">
+              <a:latin typeface="Arial" panose="020B0604020202020204" pitchFamily="34" charset="0"/>
+              <a:cs typeface="Arial" panose="020B0604020202020204" pitchFamily="34" charset="0"/>
+            </a:endParaRPr>
+          </a:p>
+        </p:txBody>
+      </p:sp>
+      <p:sp>
+        <p:nvSpPr>
+          <p:cNvPr id="11" name="TextBox 10">
+            <a:extLst>
+              <a:ext uri="{FF2B5EF4-FFF2-40B4-BE49-F238E27FC236}">
+                <a16:creationId xmlns:a16="http://schemas.microsoft.com/office/drawing/2014/main" xmlns="" id="{4C96BA33-2B0B-4165-B3E3-4D22882BF0D4}"/>
+              </a:ext>
+            </a:extLst>
+          </p:cNvPr>
+          <p:cNvSpPr txBox="1"/>
+          <p:nvPr/>
+        </p:nvSpPr>
+        <p:spPr>
+          <a:xfrm>
+            <a:off x="7122051" y="1476674"/>
+            <a:ext cx="2443041" cy="1815882"/>
+          </a:xfrm>
+          <a:prstGeom prst="rect">
+            <a:avLst/>
+          </a:prstGeom>
+          <a:noFill/>
+        </p:spPr>
+        <p:txBody>
+          <a:bodyPr wrap="none" rtlCol="0">
+            <a:spAutoFit/>
+          </a:bodyPr>
+          <a:lstStyle/>
+          <a:p>
+            <a:r>
+              <a:rPr lang="en-US" sz="1400" dirty="0">
+                <a:latin typeface="Arial" panose="020B0604020202020204" pitchFamily="34" charset="0"/>
+                <a:cs typeface="Arial" panose="020B0604020202020204" pitchFamily="34" charset="0"/>
+              </a:rPr>
+              <a:t>sig </a:t>
+            </a:r>
+            <a:r>
+              <a:rPr lang="en-US" sz="1400" dirty="0">
+                <a:solidFill>
+                  <a:srgbClr val="00B050"/>
+                </a:solidFill>
+                <a:latin typeface="Arial" panose="020B0604020202020204" pitchFamily="34" charset="0"/>
+                <a:cs typeface="Arial" panose="020B0604020202020204" pitchFamily="34" charset="0"/>
+              </a:rPr>
+              <a:t>Violation</a:t>
+            </a:r>
+            <a:r>
+              <a:rPr lang="en-US" sz="1400" dirty="0">
+                <a:latin typeface="Arial" panose="020B0604020202020204" pitchFamily="34" charset="0"/>
+                <a:cs typeface="Arial" panose="020B0604020202020204" pitchFamily="34" charset="0"/>
+              </a:rPr>
+              <a:t> {</a:t>
+            </a:r>
+            <a:br>
+              <a:rPr lang="en-US" sz="1400" dirty="0">
+                <a:latin typeface="Arial" panose="020B0604020202020204" pitchFamily="34" charset="0"/>
+                <a:cs typeface="Arial" panose="020B0604020202020204" pitchFamily="34" charset="0"/>
+              </a:rPr>
+            </a:br>
+            <a:r>
+              <a:rPr lang="en-US" sz="1400" dirty="0">
+                <a:latin typeface="Arial" panose="020B0604020202020204" pitchFamily="34" charset="0"/>
+                <a:cs typeface="Arial" panose="020B0604020202020204" pitchFamily="34" charset="0"/>
+              </a:rPr>
+              <a:t>   location: one Location,</a:t>
+            </a:r>
+            <a:br>
+              <a:rPr lang="en-US" sz="1400" dirty="0">
+                <a:latin typeface="Arial" panose="020B0604020202020204" pitchFamily="34" charset="0"/>
+                <a:cs typeface="Arial" panose="020B0604020202020204" pitchFamily="34" charset="0"/>
+              </a:rPr>
+            </a:br>
+            <a:r>
+              <a:rPr lang="en-US" sz="1400" dirty="0">
+                <a:latin typeface="Arial" panose="020B0604020202020204" pitchFamily="34" charset="0"/>
+                <a:cs typeface="Arial" panose="020B0604020202020204" pitchFamily="34" charset="0"/>
+              </a:rPr>
+              <a:t>   </a:t>
+            </a:r>
+            <a:r>
+              <a:rPr lang="en-US" sz="1400" dirty="0" err="1">
+                <a:latin typeface="Arial" panose="020B0604020202020204" pitchFamily="34" charset="0"/>
+                <a:cs typeface="Arial" panose="020B0604020202020204" pitchFamily="34" charset="0"/>
+              </a:rPr>
+              <a:t>addr</a:t>
+            </a:r>
+            <a:r>
+              <a:rPr lang="en-US" sz="1400" dirty="0">
+                <a:latin typeface="Arial" panose="020B0604020202020204" pitchFamily="34" charset="0"/>
+                <a:cs typeface="Arial" panose="020B0604020202020204" pitchFamily="34" charset="0"/>
+              </a:rPr>
+              <a:t>: some </a:t>
+            </a:r>
+            <a:r>
+              <a:rPr lang="en-US" sz="1400" dirty="0" err="1">
+                <a:latin typeface="Arial" panose="020B0604020202020204" pitchFamily="34" charset="0"/>
+                <a:cs typeface="Arial" panose="020B0604020202020204" pitchFamily="34" charset="0"/>
+              </a:rPr>
+              <a:t>GPSconvertor</a:t>
+            </a:r>
+            <a:r>
+              <a:rPr lang="en-US" sz="1400" dirty="0">
+                <a:latin typeface="Arial" panose="020B0604020202020204" pitchFamily="34" charset="0"/>
+                <a:cs typeface="Arial" panose="020B0604020202020204" pitchFamily="34" charset="0"/>
+              </a:rPr>
+              <a:t>,</a:t>
+            </a:r>
+            <a:br>
+              <a:rPr lang="en-US" sz="1400" dirty="0">
+                <a:latin typeface="Arial" panose="020B0604020202020204" pitchFamily="34" charset="0"/>
+                <a:cs typeface="Arial" panose="020B0604020202020204" pitchFamily="34" charset="0"/>
+              </a:rPr>
+            </a:br>
+            <a:r>
+              <a:rPr lang="en-US" sz="1400" dirty="0">
+                <a:latin typeface="Arial" panose="020B0604020202020204" pitchFamily="34" charset="0"/>
+                <a:cs typeface="Arial" panose="020B0604020202020204" pitchFamily="34" charset="0"/>
+              </a:rPr>
+              <a:t>   reporter: one Costumer,</a:t>
+            </a:r>
+            <a:br>
+              <a:rPr lang="en-US" sz="1400" dirty="0">
+                <a:latin typeface="Arial" panose="020B0604020202020204" pitchFamily="34" charset="0"/>
+                <a:cs typeface="Arial" panose="020B0604020202020204" pitchFamily="34" charset="0"/>
+              </a:rPr>
+            </a:br>
+            <a:r>
+              <a:rPr lang="en-US" sz="1400" dirty="0">
+                <a:latin typeface="Arial" panose="020B0604020202020204" pitchFamily="34" charset="0"/>
+                <a:cs typeface="Arial" panose="020B0604020202020204" pitchFamily="34" charset="0"/>
+              </a:rPr>
+              <a:t>   photo: one Photo,</a:t>
+            </a:r>
+            <a:br>
+              <a:rPr lang="en-US" sz="1400" dirty="0">
+                <a:latin typeface="Arial" panose="020B0604020202020204" pitchFamily="34" charset="0"/>
+                <a:cs typeface="Arial" panose="020B0604020202020204" pitchFamily="34" charset="0"/>
+              </a:rPr>
+            </a:br>
+            <a:r>
+              <a:rPr lang="en-US" sz="1400" dirty="0">
+                <a:latin typeface="Arial" panose="020B0604020202020204" pitchFamily="34" charset="0"/>
+                <a:cs typeface="Arial" panose="020B0604020202020204" pitchFamily="34" charset="0"/>
+              </a:rPr>
+              <a:t>   </a:t>
+            </a:r>
+            <a:r>
+              <a:rPr lang="en-US" sz="1400" dirty="0" err="1">
+                <a:latin typeface="Arial" panose="020B0604020202020204" pitchFamily="34" charset="0"/>
+                <a:cs typeface="Arial" panose="020B0604020202020204" pitchFamily="34" charset="0"/>
+              </a:rPr>
+              <a:t>licensePlate</a:t>
+            </a:r>
+            <a:r>
+              <a:rPr lang="en-US" sz="1400" dirty="0">
+                <a:latin typeface="Arial" panose="020B0604020202020204" pitchFamily="34" charset="0"/>
+                <a:cs typeface="Arial" panose="020B0604020202020204" pitchFamily="34" charset="0"/>
+              </a:rPr>
+              <a:t>: one ALPR,</a:t>
+            </a:r>
+            <a:br>
+              <a:rPr lang="en-US" sz="1400" dirty="0">
+                <a:latin typeface="Arial" panose="020B0604020202020204" pitchFamily="34" charset="0"/>
+                <a:cs typeface="Arial" panose="020B0604020202020204" pitchFamily="34" charset="0"/>
+              </a:rPr>
+            </a:br>
+            <a:r>
+              <a:rPr lang="en-US" sz="1400" dirty="0">
+                <a:latin typeface="Arial" panose="020B0604020202020204" pitchFamily="34" charset="0"/>
+                <a:cs typeface="Arial" panose="020B0604020202020204" pitchFamily="34" charset="0"/>
+              </a:rPr>
+              <a:t>   date: one Date </a:t>
+            </a:r>
+            <a:br>
+              <a:rPr lang="en-US" sz="1400" dirty="0">
+                <a:latin typeface="Arial" panose="020B0604020202020204" pitchFamily="34" charset="0"/>
+                <a:cs typeface="Arial" panose="020B0604020202020204" pitchFamily="34" charset="0"/>
+              </a:rPr>
+            </a:br>
+            <a:r>
+              <a:rPr lang="en-US" sz="1400" dirty="0">
+                <a:latin typeface="Arial" panose="020B0604020202020204" pitchFamily="34" charset="0"/>
+                <a:cs typeface="Arial" panose="020B0604020202020204" pitchFamily="34" charset="0"/>
+              </a:rPr>
+              <a:t>}</a:t>
+            </a:r>
           </a:p>
         </p:txBody>
       </p:sp>
     </p:spTree>
     <p:extLst>
       <p:ext uri="{BB962C8B-B14F-4D97-AF65-F5344CB8AC3E}">
-        <p14:creationId xmlns:p14="http://schemas.microsoft.com/office/powerpoint/2010/main" val="3795005552"/>
+        <p14:creationId xmlns:p14="http://schemas.microsoft.com/office/powerpoint/2010/main" val="1342515695"/>
       </p:ext>
     </p:extLst>
   </p:cSld>
   <p:clrMapOvr>
     <a:masterClrMapping/>
   </p:clrMapOvr>
+  <p:timing>
+    <p:tnLst>
+      <p:par>
+        <p:cTn id="1" dur="indefinite" restart="never" nodeType="tmRoot"/>
+      </p:par>
+    </p:tnLst>
+  </p:timing>
 </p:sld>
 </file>
 

--- a/Presentation1.pptx
+++ b/Presentation1.pptx
@@ -11,16 +11,16 @@
     <p:sldId id="256" r:id="rId2"/>
     <p:sldId id="257" r:id="rId3"/>
     <p:sldId id="259" r:id="rId4"/>
-    <p:sldId id="260" r:id="rId5"/>
-    <p:sldId id="267" r:id="rId6"/>
-    <p:sldId id="262" r:id="rId7"/>
-    <p:sldId id="263" r:id="rId8"/>
-    <p:sldId id="261" r:id="rId9"/>
-    <p:sldId id="268" r:id="rId10"/>
-    <p:sldId id="269" r:id="rId11"/>
-    <p:sldId id="258" r:id="rId12"/>
-    <p:sldId id="264" r:id="rId13"/>
-    <p:sldId id="265" r:id="rId14"/>
+    <p:sldId id="262" r:id="rId5"/>
+    <p:sldId id="260" r:id="rId6"/>
+    <p:sldId id="274" r:id="rId7"/>
+    <p:sldId id="261" r:id="rId8"/>
+    <p:sldId id="268" r:id="rId9"/>
+    <p:sldId id="269" r:id="rId10"/>
+    <p:sldId id="275" r:id="rId11"/>
+    <p:sldId id="264" r:id="rId12"/>
+    <p:sldId id="265" r:id="rId13"/>
+    <p:sldId id="272" r:id="rId14"/>
     <p:sldId id="266" r:id="rId15"/>
   </p:sldIdLst>
   <p:sldSz cx="12192000" cy="6858000"/>
@@ -210,7 +210,7 @@
           <a:p>
             <a:fld id="{C160D168-104E-BB47-BCD9-23CA9B55B2CD}" type="datetimeFigureOut">
               <a:rPr lang="en-US" smtClean="0"/>
-              <a:t>2/7/2020</a:t>
+              <a:t>2/11/20</a:t>
             </a:fld>
             <a:endParaRPr lang="en-US"/>
           </a:p>
@@ -546,7 +546,7 @@
           <a:p>
             <a:fld id="{65B24ED1-CF1D-8B45-A933-F8F043BDFA80}" type="slidenum">
               <a:rPr lang="en-US" smtClean="0"/>
-              <a:t>4</a:t>
+              <a:t>5</a:t>
             </a:fld>
             <a:endParaRPr lang="en-US"/>
           </a:p>
@@ -609,10 +609,7 @@
           <a:bodyPr/>
           <a:lstStyle/>
           <a:p>
-            <a:r>
-              <a:rPr lang="en-US" dirty="0"/>
-              <a:t>Key decision not letting user to manually write the plate to have only consistent data</a:t>
-            </a:r>
+            <a:endParaRPr lang="en-US" dirty="0"/>
           </a:p>
         </p:txBody>
       </p:sp>
@@ -633,7 +630,7 @@
           <a:p>
             <a:fld id="{65B24ED1-CF1D-8B45-A933-F8F043BDFA80}" type="slidenum">
               <a:rPr lang="en-US" smtClean="0"/>
-              <a:t>5</a:t>
+              <a:t>11</a:t>
             </a:fld>
             <a:endParaRPr lang="en-US"/>
           </a:p>
@@ -642,7 +639,7 @@
     </p:spTree>
     <p:extLst>
       <p:ext uri="{BB962C8B-B14F-4D97-AF65-F5344CB8AC3E}">
-        <p14:creationId xmlns:p14="http://schemas.microsoft.com/office/powerpoint/2010/main" val="2463468558"/>
+        <p14:creationId xmlns:p14="http://schemas.microsoft.com/office/powerpoint/2010/main" val="3141071023"/>
       </p:ext>
     </p:extLst>
   </p:cSld>
@@ -674,7 +671,7 @@
           <p:cNvPr id="2" name="Title 1">
             <a:extLst>
               <a:ext uri="{FF2B5EF4-FFF2-40B4-BE49-F238E27FC236}">
-                <a16:creationId xmlns:a16="http://schemas.microsoft.com/office/drawing/2014/main" xmlns="" id="{32B50E20-7976-DD43-8C4C-66917611FDC9}"/>
+                <a16:creationId xmlns:a16="http://schemas.microsoft.com/office/drawing/2014/main" id="{32B50E20-7976-DD43-8C4C-66917611FDC9}"/>
               </a:ext>
             </a:extLst>
           </p:cNvPr>
@@ -712,7 +709,7 @@
           <p:cNvPr id="3" name="Subtitle 2">
             <a:extLst>
               <a:ext uri="{FF2B5EF4-FFF2-40B4-BE49-F238E27FC236}">
-                <a16:creationId xmlns:a16="http://schemas.microsoft.com/office/drawing/2014/main" xmlns="" id="{817655F9-A056-1B41-A86D-E69340A199C8}"/>
+                <a16:creationId xmlns:a16="http://schemas.microsoft.com/office/drawing/2014/main" id="{817655F9-A056-1B41-A86D-E69340A199C8}"/>
               </a:ext>
             </a:extLst>
           </p:cNvPr>
@@ -783,7 +780,7 @@
           <p:cNvPr id="4" name="Date Placeholder 3">
             <a:extLst>
               <a:ext uri="{FF2B5EF4-FFF2-40B4-BE49-F238E27FC236}">
-                <a16:creationId xmlns:a16="http://schemas.microsoft.com/office/drawing/2014/main" xmlns="" id="{711B4759-BD1B-8348-88C7-A11B2FDDD148}"/>
+                <a16:creationId xmlns:a16="http://schemas.microsoft.com/office/drawing/2014/main" id="{711B4759-BD1B-8348-88C7-A11B2FDDD148}"/>
               </a:ext>
             </a:extLst>
           </p:cNvPr>
@@ -801,7 +798,7 @@
           <a:p>
             <a:fld id="{11FEC548-63AB-9B43-9519-48F21B3F6E07}" type="datetimeFigureOut">
               <a:rPr lang="en-US" smtClean="0"/>
-              <a:t>2/7/2020</a:t>
+              <a:t>2/11/20</a:t>
             </a:fld>
             <a:endParaRPr lang="en-US"/>
           </a:p>
@@ -812,7 +809,7 @@
           <p:cNvPr id="5" name="Footer Placeholder 4">
             <a:extLst>
               <a:ext uri="{FF2B5EF4-FFF2-40B4-BE49-F238E27FC236}">
-                <a16:creationId xmlns:a16="http://schemas.microsoft.com/office/drawing/2014/main" xmlns="" id="{EED829D1-1949-B145-AC2F-66DEA4C521CA}"/>
+                <a16:creationId xmlns:a16="http://schemas.microsoft.com/office/drawing/2014/main" id="{EED829D1-1949-B145-AC2F-66DEA4C521CA}"/>
               </a:ext>
             </a:extLst>
           </p:cNvPr>
@@ -837,7 +834,7 @@
           <p:cNvPr id="6" name="Slide Number Placeholder 5">
             <a:extLst>
               <a:ext uri="{FF2B5EF4-FFF2-40B4-BE49-F238E27FC236}">
-                <a16:creationId xmlns:a16="http://schemas.microsoft.com/office/drawing/2014/main" xmlns="" id="{9283F92E-5D2F-EF40-975F-C0B6A6148D80}"/>
+                <a16:creationId xmlns:a16="http://schemas.microsoft.com/office/drawing/2014/main" id="{9283F92E-5D2F-EF40-975F-C0B6A6148D80}"/>
               </a:ext>
             </a:extLst>
           </p:cNvPr>
@@ -896,7 +893,7 @@
           <p:cNvPr id="2" name="Title 1">
             <a:extLst>
               <a:ext uri="{FF2B5EF4-FFF2-40B4-BE49-F238E27FC236}">
-                <a16:creationId xmlns:a16="http://schemas.microsoft.com/office/drawing/2014/main" xmlns="" id="{41FBBAC3-76E1-8048-B936-A9C3D1E0592B}"/>
+                <a16:creationId xmlns:a16="http://schemas.microsoft.com/office/drawing/2014/main" id="{41FBBAC3-76E1-8048-B936-A9C3D1E0592B}"/>
               </a:ext>
             </a:extLst>
           </p:cNvPr>
@@ -925,7 +922,7 @@
           <p:cNvPr id="3" name="Vertical Text Placeholder 2">
             <a:extLst>
               <a:ext uri="{FF2B5EF4-FFF2-40B4-BE49-F238E27FC236}">
-                <a16:creationId xmlns:a16="http://schemas.microsoft.com/office/drawing/2014/main" xmlns="" id="{ED059161-03EF-EF40-AFAB-DF25B05D851A}"/>
+                <a16:creationId xmlns:a16="http://schemas.microsoft.com/office/drawing/2014/main" id="{ED059161-03EF-EF40-AFAB-DF25B05D851A}"/>
               </a:ext>
             </a:extLst>
           </p:cNvPr>
@@ -983,7 +980,7 @@
           <p:cNvPr id="4" name="Date Placeholder 3">
             <a:extLst>
               <a:ext uri="{FF2B5EF4-FFF2-40B4-BE49-F238E27FC236}">
-                <a16:creationId xmlns:a16="http://schemas.microsoft.com/office/drawing/2014/main" xmlns="" id="{345A8411-A082-E142-B47B-266285B69DE9}"/>
+                <a16:creationId xmlns:a16="http://schemas.microsoft.com/office/drawing/2014/main" id="{345A8411-A082-E142-B47B-266285B69DE9}"/>
               </a:ext>
             </a:extLst>
           </p:cNvPr>
@@ -1001,7 +998,7 @@
           <a:p>
             <a:fld id="{11FEC548-63AB-9B43-9519-48F21B3F6E07}" type="datetimeFigureOut">
               <a:rPr lang="en-US" smtClean="0"/>
-              <a:t>2/7/2020</a:t>
+              <a:t>2/11/20</a:t>
             </a:fld>
             <a:endParaRPr lang="en-US"/>
           </a:p>
@@ -1012,7 +1009,7 @@
           <p:cNvPr id="5" name="Footer Placeholder 4">
             <a:extLst>
               <a:ext uri="{FF2B5EF4-FFF2-40B4-BE49-F238E27FC236}">
-                <a16:creationId xmlns:a16="http://schemas.microsoft.com/office/drawing/2014/main" xmlns="" id="{1A9107CA-5874-2043-B68B-1852DB077C3A}"/>
+                <a16:creationId xmlns:a16="http://schemas.microsoft.com/office/drawing/2014/main" id="{1A9107CA-5874-2043-B68B-1852DB077C3A}"/>
               </a:ext>
             </a:extLst>
           </p:cNvPr>
@@ -1037,7 +1034,7 @@
           <p:cNvPr id="6" name="Slide Number Placeholder 5">
             <a:extLst>
               <a:ext uri="{FF2B5EF4-FFF2-40B4-BE49-F238E27FC236}">
-                <a16:creationId xmlns:a16="http://schemas.microsoft.com/office/drawing/2014/main" xmlns="" id="{8BA0C559-2418-FE4B-9FC2-CF17438D730D}"/>
+                <a16:creationId xmlns:a16="http://schemas.microsoft.com/office/drawing/2014/main" id="{8BA0C559-2418-FE4B-9FC2-CF17438D730D}"/>
               </a:ext>
             </a:extLst>
           </p:cNvPr>
@@ -1096,7 +1093,7 @@
           <p:cNvPr id="2" name="Vertical Title 1">
             <a:extLst>
               <a:ext uri="{FF2B5EF4-FFF2-40B4-BE49-F238E27FC236}">
-                <a16:creationId xmlns:a16="http://schemas.microsoft.com/office/drawing/2014/main" xmlns="" id="{D4520311-3BFF-5F4B-8A8A-E3533544A49B}"/>
+                <a16:creationId xmlns:a16="http://schemas.microsoft.com/office/drawing/2014/main" id="{D4520311-3BFF-5F4B-8A8A-E3533544A49B}"/>
               </a:ext>
             </a:extLst>
           </p:cNvPr>
@@ -1130,7 +1127,7 @@
           <p:cNvPr id="3" name="Vertical Text Placeholder 2">
             <a:extLst>
               <a:ext uri="{FF2B5EF4-FFF2-40B4-BE49-F238E27FC236}">
-                <a16:creationId xmlns:a16="http://schemas.microsoft.com/office/drawing/2014/main" xmlns="" id="{9A179FD8-8E36-4A45-95BC-10D57C0A5F7D}"/>
+                <a16:creationId xmlns:a16="http://schemas.microsoft.com/office/drawing/2014/main" id="{9A179FD8-8E36-4A45-95BC-10D57C0A5F7D}"/>
               </a:ext>
             </a:extLst>
           </p:cNvPr>
@@ -1193,7 +1190,7 @@
           <p:cNvPr id="4" name="Date Placeholder 3">
             <a:extLst>
               <a:ext uri="{FF2B5EF4-FFF2-40B4-BE49-F238E27FC236}">
-                <a16:creationId xmlns:a16="http://schemas.microsoft.com/office/drawing/2014/main" xmlns="" id="{C093FAA2-57F7-2C4D-83D8-FE600B2F7256}"/>
+                <a16:creationId xmlns:a16="http://schemas.microsoft.com/office/drawing/2014/main" id="{C093FAA2-57F7-2C4D-83D8-FE600B2F7256}"/>
               </a:ext>
             </a:extLst>
           </p:cNvPr>
@@ -1211,7 +1208,7 @@
           <a:p>
             <a:fld id="{11FEC548-63AB-9B43-9519-48F21B3F6E07}" type="datetimeFigureOut">
               <a:rPr lang="en-US" smtClean="0"/>
-              <a:t>2/7/2020</a:t>
+              <a:t>2/11/20</a:t>
             </a:fld>
             <a:endParaRPr lang="en-US"/>
           </a:p>
@@ -1222,7 +1219,7 @@
           <p:cNvPr id="5" name="Footer Placeholder 4">
             <a:extLst>
               <a:ext uri="{FF2B5EF4-FFF2-40B4-BE49-F238E27FC236}">
-                <a16:creationId xmlns:a16="http://schemas.microsoft.com/office/drawing/2014/main" xmlns="" id="{FBD88FB3-AD98-534E-9BB2-C67478EB4B25}"/>
+                <a16:creationId xmlns:a16="http://schemas.microsoft.com/office/drawing/2014/main" id="{FBD88FB3-AD98-534E-9BB2-C67478EB4B25}"/>
               </a:ext>
             </a:extLst>
           </p:cNvPr>
@@ -1247,7 +1244,7 @@
           <p:cNvPr id="6" name="Slide Number Placeholder 5">
             <a:extLst>
               <a:ext uri="{FF2B5EF4-FFF2-40B4-BE49-F238E27FC236}">
-                <a16:creationId xmlns:a16="http://schemas.microsoft.com/office/drawing/2014/main" xmlns="" id="{F18EDF81-FE84-7A48-9688-CAD026FFD361}"/>
+                <a16:creationId xmlns:a16="http://schemas.microsoft.com/office/drawing/2014/main" id="{F18EDF81-FE84-7A48-9688-CAD026FFD361}"/>
               </a:ext>
             </a:extLst>
           </p:cNvPr>
@@ -1306,7 +1303,7 @@
           <p:cNvPr id="2" name="Title 1">
             <a:extLst>
               <a:ext uri="{FF2B5EF4-FFF2-40B4-BE49-F238E27FC236}">
-                <a16:creationId xmlns:a16="http://schemas.microsoft.com/office/drawing/2014/main" xmlns="" id="{A783C1C4-C534-214B-8B47-CFE34D42CF1F}"/>
+                <a16:creationId xmlns:a16="http://schemas.microsoft.com/office/drawing/2014/main" id="{A783C1C4-C534-214B-8B47-CFE34D42CF1F}"/>
               </a:ext>
             </a:extLst>
           </p:cNvPr>
@@ -1335,7 +1332,7 @@
           <p:cNvPr id="3" name="Content Placeholder 2">
             <a:extLst>
               <a:ext uri="{FF2B5EF4-FFF2-40B4-BE49-F238E27FC236}">
-                <a16:creationId xmlns:a16="http://schemas.microsoft.com/office/drawing/2014/main" xmlns="" id="{4C9340D3-44B8-A644-B2D2-9E59677ED050}"/>
+                <a16:creationId xmlns:a16="http://schemas.microsoft.com/office/drawing/2014/main" id="{4C9340D3-44B8-A644-B2D2-9E59677ED050}"/>
               </a:ext>
             </a:extLst>
           </p:cNvPr>
@@ -1393,7 +1390,7 @@
           <p:cNvPr id="4" name="Date Placeholder 3">
             <a:extLst>
               <a:ext uri="{FF2B5EF4-FFF2-40B4-BE49-F238E27FC236}">
-                <a16:creationId xmlns:a16="http://schemas.microsoft.com/office/drawing/2014/main" xmlns="" id="{24686536-66C2-2444-9D60-0E8323A5BF15}"/>
+                <a16:creationId xmlns:a16="http://schemas.microsoft.com/office/drawing/2014/main" id="{24686536-66C2-2444-9D60-0E8323A5BF15}"/>
               </a:ext>
             </a:extLst>
           </p:cNvPr>
@@ -1411,7 +1408,7 @@
           <a:p>
             <a:fld id="{11FEC548-63AB-9B43-9519-48F21B3F6E07}" type="datetimeFigureOut">
               <a:rPr lang="en-US" smtClean="0"/>
-              <a:t>2/7/2020</a:t>
+              <a:t>2/11/20</a:t>
             </a:fld>
             <a:endParaRPr lang="en-US"/>
           </a:p>
@@ -1422,7 +1419,7 @@
           <p:cNvPr id="5" name="Footer Placeholder 4">
             <a:extLst>
               <a:ext uri="{FF2B5EF4-FFF2-40B4-BE49-F238E27FC236}">
-                <a16:creationId xmlns:a16="http://schemas.microsoft.com/office/drawing/2014/main" xmlns="" id="{4B0C8D58-1406-CD49-AEC2-7965A7731A5F}"/>
+                <a16:creationId xmlns:a16="http://schemas.microsoft.com/office/drawing/2014/main" id="{4B0C8D58-1406-CD49-AEC2-7965A7731A5F}"/>
               </a:ext>
             </a:extLst>
           </p:cNvPr>
@@ -1447,7 +1444,7 @@
           <p:cNvPr id="6" name="Slide Number Placeholder 5">
             <a:extLst>
               <a:ext uri="{FF2B5EF4-FFF2-40B4-BE49-F238E27FC236}">
-                <a16:creationId xmlns:a16="http://schemas.microsoft.com/office/drawing/2014/main" xmlns="" id="{F3258B32-6420-1044-AD66-F75B81100C03}"/>
+                <a16:creationId xmlns:a16="http://schemas.microsoft.com/office/drawing/2014/main" id="{F3258B32-6420-1044-AD66-F75B81100C03}"/>
               </a:ext>
             </a:extLst>
           </p:cNvPr>
@@ -1506,7 +1503,7 @@
           <p:cNvPr id="2" name="Title 1">
             <a:extLst>
               <a:ext uri="{FF2B5EF4-FFF2-40B4-BE49-F238E27FC236}">
-                <a16:creationId xmlns:a16="http://schemas.microsoft.com/office/drawing/2014/main" xmlns="" id="{1880836E-9666-0140-AF54-AE39C92D55B4}"/>
+                <a16:creationId xmlns:a16="http://schemas.microsoft.com/office/drawing/2014/main" id="{1880836E-9666-0140-AF54-AE39C92D55B4}"/>
               </a:ext>
             </a:extLst>
           </p:cNvPr>
@@ -1544,7 +1541,7 @@
           <p:cNvPr id="3" name="Text Placeholder 2">
             <a:extLst>
               <a:ext uri="{FF2B5EF4-FFF2-40B4-BE49-F238E27FC236}">
-                <a16:creationId xmlns:a16="http://schemas.microsoft.com/office/drawing/2014/main" xmlns="" id="{855AC682-F4B4-084C-B7AA-E9C1659422D9}"/>
+                <a16:creationId xmlns:a16="http://schemas.microsoft.com/office/drawing/2014/main" id="{855AC682-F4B4-084C-B7AA-E9C1659422D9}"/>
               </a:ext>
             </a:extLst>
           </p:cNvPr>
@@ -1669,7 +1666,7 @@
           <p:cNvPr id="4" name="Date Placeholder 3">
             <a:extLst>
               <a:ext uri="{FF2B5EF4-FFF2-40B4-BE49-F238E27FC236}">
-                <a16:creationId xmlns:a16="http://schemas.microsoft.com/office/drawing/2014/main" xmlns="" id="{7F1C9DB4-098B-2E44-81F8-65BB2E720267}"/>
+                <a16:creationId xmlns:a16="http://schemas.microsoft.com/office/drawing/2014/main" id="{7F1C9DB4-098B-2E44-81F8-65BB2E720267}"/>
               </a:ext>
             </a:extLst>
           </p:cNvPr>
@@ -1687,7 +1684,7 @@
           <a:p>
             <a:fld id="{11FEC548-63AB-9B43-9519-48F21B3F6E07}" type="datetimeFigureOut">
               <a:rPr lang="en-US" smtClean="0"/>
-              <a:t>2/7/2020</a:t>
+              <a:t>2/11/20</a:t>
             </a:fld>
             <a:endParaRPr lang="en-US"/>
           </a:p>
@@ -1698,7 +1695,7 @@
           <p:cNvPr id="5" name="Footer Placeholder 4">
             <a:extLst>
               <a:ext uri="{FF2B5EF4-FFF2-40B4-BE49-F238E27FC236}">
-                <a16:creationId xmlns:a16="http://schemas.microsoft.com/office/drawing/2014/main" xmlns="" id="{4ADCBE44-18BB-1744-9018-75155F1120ED}"/>
+                <a16:creationId xmlns:a16="http://schemas.microsoft.com/office/drawing/2014/main" id="{4ADCBE44-18BB-1744-9018-75155F1120ED}"/>
               </a:ext>
             </a:extLst>
           </p:cNvPr>
@@ -1723,7 +1720,7 @@
           <p:cNvPr id="6" name="Slide Number Placeholder 5">
             <a:extLst>
               <a:ext uri="{FF2B5EF4-FFF2-40B4-BE49-F238E27FC236}">
-                <a16:creationId xmlns:a16="http://schemas.microsoft.com/office/drawing/2014/main" xmlns="" id="{3032323F-6B05-BA4C-9EA1-E871BE0E05A9}"/>
+                <a16:creationId xmlns:a16="http://schemas.microsoft.com/office/drawing/2014/main" id="{3032323F-6B05-BA4C-9EA1-E871BE0E05A9}"/>
               </a:ext>
             </a:extLst>
           </p:cNvPr>
@@ -1782,7 +1779,7 @@
           <p:cNvPr id="2" name="Title 1">
             <a:extLst>
               <a:ext uri="{FF2B5EF4-FFF2-40B4-BE49-F238E27FC236}">
-                <a16:creationId xmlns:a16="http://schemas.microsoft.com/office/drawing/2014/main" xmlns="" id="{9D8B1BB0-03E0-EC49-89C6-61AD4C97F734}"/>
+                <a16:creationId xmlns:a16="http://schemas.microsoft.com/office/drawing/2014/main" id="{9D8B1BB0-03E0-EC49-89C6-61AD4C97F734}"/>
               </a:ext>
             </a:extLst>
           </p:cNvPr>
@@ -1811,7 +1808,7 @@
           <p:cNvPr id="3" name="Content Placeholder 2">
             <a:extLst>
               <a:ext uri="{FF2B5EF4-FFF2-40B4-BE49-F238E27FC236}">
-                <a16:creationId xmlns:a16="http://schemas.microsoft.com/office/drawing/2014/main" xmlns="" id="{F6285CAB-2054-ED4B-8843-C45085EEE50C}"/>
+                <a16:creationId xmlns:a16="http://schemas.microsoft.com/office/drawing/2014/main" id="{F6285CAB-2054-ED4B-8843-C45085EEE50C}"/>
               </a:ext>
             </a:extLst>
           </p:cNvPr>
@@ -1874,7 +1871,7 @@
           <p:cNvPr id="4" name="Content Placeholder 3">
             <a:extLst>
               <a:ext uri="{FF2B5EF4-FFF2-40B4-BE49-F238E27FC236}">
-                <a16:creationId xmlns:a16="http://schemas.microsoft.com/office/drawing/2014/main" xmlns="" id="{94AC0EA0-C377-BA40-A6F2-6E067AC238AF}"/>
+                <a16:creationId xmlns:a16="http://schemas.microsoft.com/office/drawing/2014/main" id="{94AC0EA0-C377-BA40-A6F2-6E067AC238AF}"/>
               </a:ext>
             </a:extLst>
           </p:cNvPr>
@@ -1937,7 +1934,7 @@
           <p:cNvPr id="5" name="Date Placeholder 4">
             <a:extLst>
               <a:ext uri="{FF2B5EF4-FFF2-40B4-BE49-F238E27FC236}">
-                <a16:creationId xmlns:a16="http://schemas.microsoft.com/office/drawing/2014/main" xmlns="" id="{FD57F39C-4961-464D-8868-22E8888ED057}"/>
+                <a16:creationId xmlns:a16="http://schemas.microsoft.com/office/drawing/2014/main" id="{FD57F39C-4961-464D-8868-22E8888ED057}"/>
               </a:ext>
             </a:extLst>
           </p:cNvPr>
@@ -1955,7 +1952,7 @@
           <a:p>
             <a:fld id="{11FEC548-63AB-9B43-9519-48F21B3F6E07}" type="datetimeFigureOut">
               <a:rPr lang="en-US" smtClean="0"/>
-              <a:t>2/7/2020</a:t>
+              <a:t>2/11/20</a:t>
             </a:fld>
             <a:endParaRPr lang="en-US"/>
           </a:p>
@@ -1966,7 +1963,7 @@
           <p:cNvPr id="6" name="Footer Placeholder 5">
             <a:extLst>
               <a:ext uri="{FF2B5EF4-FFF2-40B4-BE49-F238E27FC236}">
-                <a16:creationId xmlns:a16="http://schemas.microsoft.com/office/drawing/2014/main" xmlns="" id="{7CB6D737-25FB-144E-B9ED-14387B45DE51}"/>
+                <a16:creationId xmlns:a16="http://schemas.microsoft.com/office/drawing/2014/main" id="{7CB6D737-25FB-144E-B9ED-14387B45DE51}"/>
               </a:ext>
             </a:extLst>
           </p:cNvPr>
@@ -1991,7 +1988,7 @@
           <p:cNvPr id="7" name="Slide Number Placeholder 6">
             <a:extLst>
               <a:ext uri="{FF2B5EF4-FFF2-40B4-BE49-F238E27FC236}">
-                <a16:creationId xmlns:a16="http://schemas.microsoft.com/office/drawing/2014/main" xmlns="" id="{DE8E1DD5-B73D-3F40-8B7E-C4DD7627C63C}"/>
+                <a16:creationId xmlns:a16="http://schemas.microsoft.com/office/drawing/2014/main" id="{DE8E1DD5-B73D-3F40-8B7E-C4DD7627C63C}"/>
               </a:ext>
             </a:extLst>
           </p:cNvPr>
@@ -2050,7 +2047,7 @@
           <p:cNvPr id="2" name="Title 1">
             <a:extLst>
               <a:ext uri="{FF2B5EF4-FFF2-40B4-BE49-F238E27FC236}">
-                <a16:creationId xmlns:a16="http://schemas.microsoft.com/office/drawing/2014/main" xmlns="" id="{A609B87D-5136-2F40-A111-9E208293E095}"/>
+                <a16:creationId xmlns:a16="http://schemas.microsoft.com/office/drawing/2014/main" id="{A609B87D-5136-2F40-A111-9E208293E095}"/>
               </a:ext>
             </a:extLst>
           </p:cNvPr>
@@ -2084,7 +2081,7 @@
           <p:cNvPr id="3" name="Text Placeholder 2">
             <a:extLst>
               <a:ext uri="{FF2B5EF4-FFF2-40B4-BE49-F238E27FC236}">
-                <a16:creationId xmlns:a16="http://schemas.microsoft.com/office/drawing/2014/main" xmlns="" id="{95DBBBDD-ED72-BF49-9AFD-582D9072FE30}"/>
+                <a16:creationId xmlns:a16="http://schemas.microsoft.com/office/drawing/2014/main" id="{95DBBBDD-ED72-BF49-9AFD-582D9072FE30}"/>
               </a:ext>
             </a:extLst>
           </p:cNvPr>
@@ -2155,7 +2152,7 @@
           <p:cNvPr id="4" name="Content Placeholder 3">
             <a:extLst>
               <a:ext uri="{FF2B5EF4-FFF2-40B4-BE49-F238E27FC236}">
-                <a16:creationId xmlns:a16="http://schemas.microsoft.com/office/drawing/2014/main" xmlns="" id="{78E1AA51-BAE7-BA44-A8BA-409DB753F9D2}"/>
+                <a16:creationId xmlns:a16="http://schemas.microsoft.com/office/drawing/2014/main" id="{78E1AA51-BAE7-BA44-A8BA-409DB753F9D2}"/>
               </a:ext>
             </a:extLst>
           </p:cNvPr>
@@ -2218,7 +2215,7 @@
           <p:cNvPr id="5" name="Text Placeholder 4">
             <a:extLst>
               <a:ext uri="{FF2B5EF4-FFF2-40B4-BE49-F238E27FC236}">
-                <a16:creationId xmlns:a16="http://schemas.microsoft.com/office/drawing/2014/main" xmlns="" id="{80A53D3C-A0B4-B64F-9D6A-D7297105990F}"/>
+                <a16:creationId xmlns:a16="http://schemas.microsoft.com/office/drawing/2014/main" id="{80A53D3C-A0B4-B64F-9D6A-D7297105990F}"/>
               </a:ext>
             </a:extLst>
           </p:cNvPr>
@@ -2289,7 +2286,7 @@
           <p:cNvPr id="6" name="Content Placeholder 5">
             <a:extLst>
               <a:ext uri="{FF2B5EF4-FFF2-40B4-BE49-F238E27FC236}">
-                <a16:creationId xmlns:a16="http://schemas.microsoft.com/office/drawing/2014/main" xmlns="" id="{984F74D9-0DE1-C848-8221-73C3B3CFC7A1}"/>
+                <a16:creationId xmlns:a16="http://schemas.microsoft.com/office/drawing/2014/main" id="{984F74D9-0DE1-C848-8221-73C3B3CFC7A1}"/>
               </a:ext>
             </a:extLst>
           </p:cNvPr>
@@ -2352,7 +2349,7 @@
           <p:cNvPr id="7" name="Date Placeholder 6">
             <a:extLst>
               <a:ext uri="{FF2B5EF4-FFF2-40B4-BE49-F238E27FC236}">
-                <a16:creationId xmlns:a16="http://schemas.microsoft.com/office/drawing/2014/main" xmlns="" id="{8C7C3299-57DA-4D41-8A86-F0CBE217BEF5}"/>
+                <a16:creationId xmlns:a16="http://schemas.microsoft.com/office/drawing/2014/main" id="{8C7C3299-57DA-4D41-8A86-F0CBE217BEF5}"/>
               </a:ext>
             </a:extLst>
           </p:cNvPr>
@@ -2370,7 +2367,7 @@
           <a:p>
             <a:fld id="{11FEC548-63AB-9B43-9519-48F21B3F6E07}" type="datetimeFigureOut">
               <a:rPr lang="en-US" smtClean="0"/>
-              <a:t>2/7/2020</a:t>
+              <a:t>2/11/20</a:t>
             </a:fld>
             <a:endParaRPr lang="en-US"/>
           </a:p>
@@ -2381,7 +2378,7 @@
           <p:cNvPr id="8" name="Footer Placeholder 7">
             <a:extLst>
               <a:ext uri="{FF2B5EF4-FFF2-40B4-BE49-F238E27FC236}">
-                <a16:creationId xmlns:a16="http://schemas.microsoft.com/office/drawing/2014/main" xmlns="" id="{26FFC192-5E5D-A840-B928-B0D99C44EA04}"/>
+                <a16:creationId xmlns:a16="http://schemas.microsoft.com/office/drawing/2014/main" id="{26FFC192-5E5D-A840-B928-B0D99C44EA04}"/>
               </a:ext>
             </a:extLst>
           </p:cNvPr>
@@ -2406,7 +2403,7 @@
           <p:cNvPr id="9" name="Slide Number Placeholder 8">
             <a:extLst>
               <a:ext uri="{FF2B5EF4-FFF2-40B4-BE49-F238E27FC236}">
-                <a16:creationId xmlns:a16="http://schemas.microsoft.com/office/drawing/2014/main" xmlns="" id="{5DCF491D-7641-744F-B61A-065D690BCF79}"/>
+                <a16:creationId xmlns:a16="http://schemas.microsoft.com/office/drawing/2014/main" id="{5DCF491D-7641-744F-B61A-065D690BCF79}"/>
               </a:ext>
             </a:extLst>
           </p:cNvPr>
@@ -2465,7 +2462,7 @@
           <p:cNvPr id="2" name="Title 1">
             <a:extLst>
               <a:ext uri="{FF2B5EF4-FFF2-40B4-BE49-F238E27FC236}">
-                <a16:creationId xmlns:a16="http://schemas.microsoft.com/office/drawing/2014/main" xmlns="" id="{AA640281-8822-964A-B237-C24FCCC86B75}"/>
+                <a16:creationId xmlns:a16="http://schemas.microsoft.com/office/drawing/2014/main" id="{AA640281-8822-964A-B237-C24FCCC86B75}"/>
               </a:ext>
             </a:extLst>
           </p:cNvPr>
@@ -2494,7 +2491,7 @@
           <p:cNvPr id="3" name="Date Placeholder 2">
             <a:extLst>
               <a:ext uri="{FF2B5EF4-FFF2-40B4-BE49-F238E27FC236}">
-                <a16:creationId xmlns:a16="http://schemas.microsoft.com/office/drawing/2014/main" xmlns="" id="{BDB0DFDC-0B05-C34A-8791-09F77B4AEBBD}"/>
+                <a16:creationId xmlns:a16="http://schemas.microsoft.com/office/drawing/2014/main" id="{BDB0DFDC-0B05-C34A-8791-09F77B4AEBBD}"/>
               </a:ext>
             </a:extLst>
           </p:cNvPr>
@@ -2512,7 +2509,7 @@
           <a:p>
             <a:fld id="{11FEC548-63AB-9B43-9519-48F21B3F6E07}" type="datetimeFigureOut">
               <a:rPr lang="en-US" smtClean="0"/>
-              <a:t>2/7/2020</a:t>
+              <a:t>2/11/20</a:t>
             </a:fld>
             <a:endParaRPr lang="en-US"/>
           </a:p>
@@ -2523,7 +2520,7 @@
           <p:cNvPr id="4" name="Footer Placeholder 3">
             <a:extLst>
               <a:ext uri="{FF2B5EF4-FFF2-40B4-BE49-F238E27FC236}">
-                <a16:creationId xmlns:a16="http://schemas.microsoft.com/office/drawing/2014/main" xmlns="" id="{F96AA063-B602-B447-8329-7897747A8E4B}"/>
+                <a16:creationId xmlns:a16="http://schemas.microsoft.com/office/drawing/2014/main" id="{F96AA063-B602-B447-8329-7897747A8E4B}"/>
               </a:ext>
             </a:extLst>
           </p:cNvPr>
@@ -2548,7 +2545,7 @@
           <p:cNvPr id="5" name="Slide Number Placeholder 4">
             <a:extLst>
               <a:ext uri="{FF2B5EF4-FFF2-40B4-BE49-F238E27FC236}">
-                <a16:creationId xmlns:a16="http://schemas.microsoft.com/office/drawing/2014/main" xmlns="" id="{AD159A9E-4DF2-3042-84A3-3B173F52F15A}"/>
+                <a16:creationId xmlns:a16="http://schemas.microsoft.com/office/drawing/2014/main" id="{AD159A9E-4DF2-3042-84A3-3B173F52F15A}"/>
               </a:ext>
             </a:extLst>
           </p:cNvPr>
@@ -2607,7 +2604,7 @@
           <p:cNvPr id="2" name="Date Placeholder 1">
             <a:extLst>
               <a:ext uri="{FF2B5EF4-FFF2-40B4-BE49-F238E27FC236}">
-                <a16:creationId xmlns:a16="http://schemas.microsoft.com/office/drawing/2014/main" xmlns="" id="{9A1FAF97-9F84-534B-A78A-C49D51AB8669}"/>
+                <a16:creationId xmlns:a16="http://schemas.microsoft.com/office/drawing/2014/main" id="{9A1FAF97-9F84-534B-A78A-C49D51AB8669}"/>
               </a:ext>
             </a:extLst>
           </p:cNvPr>
@@ -2625,7 +2622,7 @@
           <a:p>
             <a:fld id="{11FEC548-63AB-9B43-9519-48F21B3F6E07}" type="datetimeFigureOut">
               <a:rPr lang="en-US" smtClean="0"/>
-              <a:t>2/7/2020</a:t>
+              <a:t>2/11/20</a:t>
             </a:fld>
             <a:endParaRPr lang="en-US"/>
           </a:p>
@@ -2636,7 +2633,7 @@
           <p:cNvPr id="3" name="Footer Placeholder 2">
             <a:extLst>
               <a:ext uri="{FF2B5EF4-FFF2-40B4-BE49-F238E27FC236}">
-                <a16:creationId xmlns:a16="http://schemas.microsoft.com/office/drawing/2014/main" xmlns="" id="{163787EC-8666-3444-ACEA-2E6840B75A51}"/>
+                <a16:creationId xmlns:a16="http://schemas.microsoft.com/office/drawing/2014/main" id="{163787EC-8666-3444-ACEA-2E6840B75A51}"/>
               </a:ext>
             </a:extLst>
           </p:cNvPr>
@@ -2661,7 +2658,7 @@
           <p:cNvPr id="4" name="Slide Number Placeholder 3">
             <a:extLst>
               <a:ext uri="{FF2B5EF4-FFF2-40B4-BE49-F238E27FC236}">
-                <a16:creationId xmlns:a16="http://schemas.microsoft.com/office/drawing/2014/main" xmlns="" id="{20C08BB5-6149-CF49-9C01-025E30FA2A58}"/>
+                <a16:creationId xmlns:a16="http://schemas.microsoft.com/office/drawing/2014/main" id="{20C08BB5-6149-CF49-9C01-025E30FA2A58}"/>
               </a:ext>
             </a:extLst>
           </p:cNvPr>
@@ -2720,7 +2717,7 @@
           <p:cNvPr id="2" name="Title 1">
             <a:extLst>
               <a:ext uri="{FF2B5EF4-FFF2-40B4-BE49-F238E27FC236}">
-                <a16:creationId xmlns:a16="http://schemas.microsoft.com/office/drawing/2014/main" xmlns="" id="{4BF0FFCA-AF1D-A14D-9E26-0386238793C9}"/>
+                <a16:creationId xmlns:a16="http://schemas.microsoft.com/office/drawing/2014/main" id="{4BF0FFCA-AF1D-A14D-9E26-0386238793C9}"/>
               </a:ext>
             </a:extLst>
           </p:cNvPr>
@@ -2758,7 +2755,7 @@
           <p:cNvPr id="3" name="Content Placeholder 2">
             <a:extLst>
               <a:ext uri="{FF2B5EF4-FFF2-40B4-BE49-F238E27FC236}">
-                <a16:creationId xmlns:a16="http://schemas.microsoft.com/office/drawing/2014/main" xmlns="" id="{2A799945-DEC7-404E-AF33-CB3F6D37B74E}"/>
+                <a16:creationId xmlns:a16="http://schemas.microsoft.com/office/drawing/2014/main" id="{2A799945-DEC7-404E-AF33-CB3F6D37B74E}"/>
               </a:ext>
             </a:extLst>
           </p:cNvPr>
@@ -2849,7 +2846,7 @@
           <p:cNvPr id="4" name="Text Placeholder 3">
             <a:extLst>
               <a:ext uri="{FF2B5EF4-FFF2-40B4-BE49-F238E27FC236}">
-                <a16:creationId xmlns:a16="http://schemas.microsoft.com/office/drawing/2014/main" xmlns="" id="{F57CC1E4-0FE1-CB41-B1BB-50E9EE045FB1}"/>
+                <a16:creationId xmlns:a16="http://schemas.microsoft.com/office/drawing/2014/main" id="{F57CC1E4-0FE1-CB41-B1BB-50E9EE045FB1}"/>
               </a:ext>
             </a:extLst>
           </p:cNvPr>
@@ -2920,7 +2917,7 @@
           <p:cNvPr id="5" name="Date Placeholder 4">
             <a:extLst>
               <a:ext uri="{FF2B5EF4-FFF2-40B4-BE49-F238E27FC236}">
-                <a16:creationId xmlns:a16="http://schemas.microsoft.com/office/drawing/2014/main" xmlns="" id="{92881214-BDD9-3247-A5CA-CF966B21DFDF}"/>
+                <a16:creationId xmlns:a16="http://schemas.microsoft.com/office/drawing/2014/main" id="{92881214-BDD9-3247-A5CA-CF966B21DFDF}"/>
               </a:ext>
             </a:extLst>
           </p:cNvPr>
@@ -2938,7 +2935,7 @@
           <a:p>
             <a:fld id="{11FEC548-63AB-9B43-9519-48F21B3F6E07}" type="datetimeFigureOut">
               <a:rPr lang="en-US" smtClean="0"/>
-              <a:t>2/7/2020</a:t>
+              <a:t>2/11/20</a:t>
             </a:fld>
             <a:endParaRPr lang="en-US"/>
           </a:p>
@@ -2949,7 +2946,7 @@
           <p:cNvPr id="6" name="Footer Placeholder 5">
             <a:extLst>
               <a:ext uri="{FF2B5EF4-FFF2-40B4-BE49-F238E27FC236}">
-                <a16:creationId xmlns:a16="http://schemas.microsoft.com/office/drawing/2014/main" xmlns="" id="{A33CC4A6-F23C-EA4E-BE40-2B992808AE04}"/>
+                <a16:creationId xmlns:a16="http://schemas.microsoft.com/office/drawing/2014/main" id="{A33CC4A6-F23C-EA4E-BE40-2B992808AE04}"/>
               </a:ext>
             </a:extLst>
           </p:cNvPr>
@@ -2974,7 +2971,7 @@
           <p:cNvPr id="7" name="Slide Number Placeholder 6">
             <a:extLst>
               <a:ext uri="{FF2B5EF4-FFF2-40B4-BE49-F238E27FC236}">
-                <a16:creationId xmlns:a16="http://schemas.microsoft.com/office/drawing/2014/main" xmlns="" id="{F3E4B8B6-6397-9F46-BEAB-D7007431D513}"/>
+                <a16:creationId xmlns:a16="http://schemas.microsoft.com/office/drawing/2014/main" id="{F3E4B8B6-6397-9F46-BEAB-D7007431D513}"/>
               </a:ext>
             </a:extLst>
           </p:cNvPr>
@@ -3033,7 +3030,7 @@
           <p:cNvPr id="2" name="Title 1">
             <a:extLst>
               <a:ext uri="{FF2B5EF4-FFF2-40B4-BE49-F238E27FC236}">
-                <a16:creationId xmlns:a16="http://schemas.microsoft.com/office/drawing/2014/main" xmlns="" id="{071D0F94-D5D7-1941-A9F4-F1BBB7183426}"/>
+                <a16:creationId xmlns:a16="http://schemas.microsoft.com/office/drawing/2014/main" id="{071D0F94-D5D7-1941-A9F4-F1BBB7183426}"/>
               </a:ext>
             </a:extLst>
           </p:cNvPr>
@@ -3071,7 +3068,7 @@
           <p:cNvPr id="3" name="Picture Placeholder 2">
             <a:extLst>
               <a:ext uri="{FF2B5EF4-FFF2-40B4-BE49-F238E27FC236}">
-                <a16:creationId xmlns:a16="http://schemas.microsoft.com/office/drawing/2014/main" xmlns="" id="{7097FC74-A3CF-F24B-8D16-560383E4FC62}"/>
+                <a16:creationId xmlns:a16="http://schemas.microsoft.com/office/drawing/2014/main" id="{7097FC74-A3CF-F24B-8D16-560383E4FC62}"/>
               </a:ext>
             </a:extLst>
           </p:cNvPr>
@@ -3138,7 +3135,7 @@
           <p:cNvPr id="4" name="Text Placeholder 3">
             <a:extLst>
               <a:ext uri="{FF2B5EF4-FFF2-40B4-BE49-F238E27FC236}">
-                <a16:creationId xmlns:a16="http://schemas.microsoft.com/office/drawing/2014/main" xmlns="" id="{299F89D8-1260-274E-BB3C-7AE677032796}"/>
+                <a16:creationId xmlns:a16="http://schemas.microsoft.com/office/drawing/2014/main" id="{299F89D8-1260-274E-BB3C-7AE677032796}"/>
               </a:ext>
             </a:extLst>
           </p:cNvPr>
@@ -3209,7 +3206,7 @@
           <p:cNvPr id="5" name="Date Placeholder 4">
             <a:extLst>
               <a:ext uri="{FF2B5EF4-FFF2-40B4-BE49-F238E27FC236}">
-                <a16:creationId xmlns:a16="http://schemas.microsoft.com/office/drawing/2014/main" xmlns="" id="{FC2368EF-1FD1-9C40-B459-5983FF41FB14}"/>
+                <a16:creationId xmlns:a16="http://schemas.microsoft.com/office/drawing/2014/main" id="{FC2368EF-1FD1-9C40-B459-5983FF41FB14}"/>
               </a:ext>
             </a:extLst>
           </p:cNvPr>
@@ -3227,7 +3224,7 @@
           <a:p>
             <a:fld id="{11FEC548-63AB-9B43-9519-48F21B3F6E07}" type="datetimeFigureOut">
               <a:rPr lang="en-US" smtClean="0"/>
-              <a:t>2/7/2020</a:t>
+              <a:t>2/11/20</a:t>
             </a:fld>
             <a:endParaRPr lang="en-US"/>
           </a:p>
@@ -3238,7 +3235,7 @@
           <p:cNvPr id="6" name="Footer Placeholder 5">
             <a:extLst>
               <a:ext uri="{FF2B5EF4-FFF2-40B4-BE49-F238E27FC236}">
-                <a16:creationId xmlns:a16="http://schemas.microsoft.com/office/drawing/2014/main" xmlns="" id="{58B798BF-0EF5-C841-A6AB-7E6A8101CAE6}"/>
+                <a16:creationId xmlns:a16="http://schemas.microsoft.com/office/drawing/2014/main" id="{58B798BF-0EF5-C841-A6AB-7E6A8101CAE6}"/>
               </a:ext>
             </a:extLst>
           </p:cNvPr>
@@ -3263,7 +3260,7 @@
           <p:cNvPr id="7" name="Slide Number Placeholder 6">
             <a:extLst>
               <a:ext uri="{FF2B5EF4-FFF2-40B4-BE49-F238E27FC236}">
-                <a16:creationId xmlns:a16="http://schemas.microsoft.com/office/drawing/2014/main" xmlns="" id="{01CCC26D-3F4A-EE47-A4D2-8FD7A6F6F216}"/>
+                <a16:creationId xmlns:a16="http://schemas.microsoft.com/office/drawing/2014/main" id="{01CCC26D-3F4A-EE47-A4D2-8FD7A6F6F216}"/>
               </a:ext>
             </a:extLst>
           </p:cNvPr>
@@ -3327,7 +3324,7 @@
           <p:cNvPr id="2" name="Title Placeholder 1">
             <a:extLst>
               <a:ext uri="{FF2B5EF4-FFF2-40B4-BE49-F238E27FC236}">
-                <a16:creationId xmlns:a16="http://schemas.microsoft.com/office/drawing/2014/main" xmlns="" id="{5608520A-4E69-3B47-9B06-4891CEEA5050}"/>
+                <a16:creationId xmlns:a16="http://schemas.microsoft.com/office/drawing/2014/main" id="{5608520A-4E69-3B47-9B06-4891CEEA5050}"/>
               </a:ext>
             </a:extLst>
           </p:cNvPr>
@@ -3366,7 +3363,7 @@
           <p:cNvPr id="3" name="Text Placeholder 2">
             <a:extLst>
               <a:ext uri="{FF2B5EF4-FFF2-40B4-BE49-F238E27FC236}">
-                <a16:creationId xmlns:a16="http://schemas.microsoft.com/office/drawing/2014/main" xmlns="" id="{2DEFF16C-7C72-814A-A9E9-D92AF8A63BDC}"/>
+                <a16:creationId xmlns:a16="http://schemas.microsoft.com/office/drawing/2014/main" id="{2DEFF16C-7C72-814A-A9E9-D92AF8A63BDC}"/>
               </a:ext>
             </a:extLst>
           </p:cNvPr>
@@ -3434,7 +3431,7 @@
           <p:cNvPr id="4" name="Date Placeholder 3">
             <a:extLst>
               <a:ext uri="{FF2B5EF4-FFF2-40B4-BE49-F238E27FC236}">
-                <a16:creationId xmlns:a16="http://schemas.microsoft.com/office/drawing/2014/main" xmlns="" id="{64BA5B09-3D15-B649-A1C7-54872A7CF964}"/>
+                <a16:creationId xmlns:a16="http://schemas.microsoft.com/office/drawing/2014/main" id="{64BA5B09-3D15-B649-A1C7-54872A7CF964}"/>
               </a:ext>
             </a:extLst>
           </p:cNvPr>
@@ -3472,7 +3469,7 @@
             <a:fld id="{11FEC548-63AB-9B43-9519-48F21B3F6E07}" type="datetimeFigureOut">
               <a:rPr lang="en-US" smtClean="0"/>
               <a:pPr/>
-              <a:t>2/7/2020</a:t>
+              <a:t>2/11/20</a:t>
             </a:fld>
             <a:endParaRPr lang="en-US" dirty="0"/>
           </a:p>
@@ -3483,7 +3480,7 @@
           <p:cNvPr id="5" name="Footer Placeholder 4">
             <a:extLst>
               <a:ext uri="{FF2B5EF4-FFF2-40B4-BE49-F238E27FC236}">
-                <a16:creationId xmlns:a16="http://schemas.microsoft.com/office/drawing/2014/main" xmlns="" id="{1C625431-DA62-2A4F-AF3F-778AF1B4919E}"/>
+                <a16:creationId xmlns:a16="http://schemas.microsoft.com/office/drawing/2014/main" id="{1C625431-DA62-2A4F-AF3F-778AF1B4919E}"/>
               </a:ext>
             </a:extLst>
           </p:cNvPr>
@@ -3527,7 +3524,7 @@
           <p:cNvPr id="6" name="Slide Number Placeholder 5">
             <a:extLst>
               <a:ext uri="{FF2B5EF4-FFF2-40B4-BE49-F238E27FC236}">
-                <a16:creationId xmlns:a16="http://schemas.microsoft.com/office/drawing/2014/main" xmlns="" id="{D9396B23-855C-4148-830B-7F82A1C34200}"/>
+                <a16:creationId xmlns:a16="http://schemas.microsoft.com/office/drawing/2014/main" id="{D9396B23-855C-4148-830B-7F82A1C34200}"/>
               </a:ext>
             </a:extLst>
           </p:cNvPr>
@@ -3894,10 +3891,62 @@
       </p:grpSpPr>
       <p:sp>
         <p:nvSpPr>
+          <p:cNvPr id="4" name="Rectangle 3">
+            <a:extLst>
+              <a:ext uri="{FF2B5EF4-FFF2-40B4-BE49-F238E27FC236}">
+                <a16:creationId xmlns:a16="http://schemas.microsoft.com/office/drawing/2014/main" id="{52399E25-A602-9041-B288-6B53FD2743D4}"/>
+              </a:ext>
+            </a:extLst>
+          </p:cNvPr>
+          <p:cNvSpPr/>
+          <p:nvPr/>
+        </p:nvSpPr>
+        <p:spPr>
+          <a:xfrm>
+            <a:off x="0" y="0"/>
+            <a:ext cx="12192000" cy="5631255"/>
+          </a:xfrm>
+          <a:prstGeom prst="rect">
+            <a:avLst/>
+          </a:prstGeom>
+          <a:solidFill>
+            <a:srgbClr val="728FA5"/>
+          </a:solidFill>
+          <a:ln>
+            <a:noFill/>
+          </a:ln>
+        </p:spPr>
+        <p:style>
+          <a:lnRef idx="2">
+            <a:schemeClr val="accent1">
+              <a:shade val="50000"/>
+            </a:schemeClr>
+          </a:lnRef>
+          <a:fillRef idx="1">
+            <a:schemeClr val="accent1"/>
+          </a:fillRef>
+          <a:effectRef idx="0">
+            <a:schemeClr val="accent1"/>
+          </a:effectRef>
+          <a:fontRef idx="minor">
+            <a:schemeClr val="lt1"/>
+          </a:fontRef>
+        </p:style>
+        <p:txBody>
+          <a:bodyPr rtlCol="0" anchor="ctr"/>
+          <a:lstStyle/>
+          <a:p>
+            <a:pPr algn="ctr"/>
+            <a:endParaRPr lang="en-US"/>
+          </a:p>
+        </p:txBody>
+      </p:sp>
+      <p:sp>
+        <p:nvSpPr>
           <p:cNvPr id="2" name="Title 1">
             <a:extLst>
               <a:ext uri="{FF2B5EF4-FFF2-40B4-BE49-F238E27FC236}">
-                <a16:creationId xmlns:a16="http://schemas.microsoft.com/office/drawing/2014/main" xmlns="" id="{787133F6-61C4-9C4C-B0D3-E7ACAB59E4CB}"/>
+                <a16:creationId xmlns:a16="http://schemas.microsoft.com/office/drawing/2014/main" id="{787133F6-61C4-9C4C-B0D3-E7ACAB59E4CB}"/>
               </a:ext>
             </a:extLst>
           </p:cNvPr>
@@ -3908,16 +3957,35 @@
             <p:ph type="ctrTitle"/>
           </p:nvPr>
         </p:nvSpPr>
-        <p:spPr/>
-        <p:txBody>
-          <a:bodyPr/>
+        <p:spPr>
+          <a:xfrm>
+            <a:off x="1524000" y="1291376"/>
+            <a:ext cx="9144000" cy="2387600"/>
+          </a:xfrm>
+        </p:spPr>
+        <p:txBody>
+          <a:bodyPr>
+            <a:normAutofit/>
+          </a:bodyPr>
           <a:lstStyle/>
           <a:p>
             <a:r>
-              <a:rPr lang="en-US" dirty="0" err="1"/>
+              <a:rPr lang="en-US" sz="9600" dirty="0" err="1">
+                <a:solidFill>
+                  <a:schemeClr val="bg1"/>
+                </a:solidFill>
+                <a:latin typeface="Futura" panose="020B0602020204020303" pitchFamily="34" charset="-79"/>
+                <a:cs typeface="Futura" panose="020B0602020204020303" pitchFamily="34" charset="-79"/>
+              </a:rPr>
               <a:t>SafeStreets</a:t>
             </a:r>
-            <a:endParaRPr lang="en-US" dirty="0"/>
+            <a:endParaRPr lang="en-US" sz="9600" dirty="0">
+              <a:solidFill>
+                <a:schemeClr val="bg1"/>
+              </a:solidFill>
+              <a:latin typeface="Futura" panose="020B0602020204020303" pitchFamily="34" charset="-79"/>
+              <a:cs typeface="Futura" panose="020B0602020204020303" pitchFamily="34" charset="-79"/>
+            </a:endParaRPr>
           </a:p>
         </p:txBody>
       </p:sp>
@@ -3926,7 +3994,7 @@
           <p:cNvPr id="3" name="Subtitle 2">
             <a:extLst>
               <a:ext uri="{FF2B5EF4-FFF2-40B4-BE49-F238E27FC236}">
-                <a16:creationId xmlns:a16="http://schemas.microsoft.com/office/drawing/2014/main" xmlns="" id="{2AD8C353-FDA8-BA42-AFBC-651B7D3BAEC4}"/>
+                <a16:creationId xmlns:a16="http://schemas.microsoft.com/office/drawing/2014/main" id="{2AD8C353-FDA8-BA42-AFBC-651B7D3BAEC4}"/>
               </a:ext>
             </a:extLst>
           </p:cNvPr>
@@ -3937,33 +4005,40 @@
             <p:ph type="subTitle" idx="1"/>
           </p:nvPr>
         </p:nvSpPr>
-        <p:spPr/>
-        <p:txBody>
-          <a:bodyPr/>
+        <p:spPr>
+          <a:xfrm>
+            <a:off x="1524000" y="6030119"/>
+            <a:ext cx="9144000" cy="1655762"/>
+          </a:xfrm>
+        </p:spPr>
+        <p:txBody>
+          <a:bodyPr>
+            <a:normAutofit/>
+          </a:bodyPr>
           <a:lstStyle/>
           <a:p>
             <a:r>
-              <a:rPr lang="en-US" dirty="0" err="1"/>
+              <a:rPr lang="en-US" sz="3200" dirty="0" err="1"/>
               <a:t>Tiberio</a:t>
             </a:r>
             <a:r>
-              <a:rPr lang="en-US" dirty="0"/>
+              <a:rPr lang="en-US" sz="3200" dirty="0"/>
               <a:t> </a:t>
             </a:r>
             <a:r>
-              <a:rPr lang="en-US" dirty="0" err="1"/>
+              <a:rPr lang="en-US" sz="3200" dirty="0" err="1"/>
               <a:t>Galbiati</a:t>
             </a:r>
             <a:r>
-              <a:rPr lang="en-US" dirty="0"/>
+              <a:rPr lang="en-US" sz="3200" dirty="0"/>
               <a:t> – </a:t>
             </a:r>
             <a:r>
-              <a:rPr lang="en-US" dirty="0" err="1"/>
+              <a:rPr lang="en-US" sz="3200" dirty="0" err="1"/>
               <a:t>Saeid</a:t>
             </a:r>
             <a:r>
-              <a:rPr lang="en-US" dirty="0"/>
+              <a:rPr lang="en-US" sz="3200" dirty="0"/>
               <a:t> Rezaei </a:t>
             </a:r>
           </a:p>
@@ -4001,639 +4076,127 @@
       </p:grpSpPr>
       <p:sp>
         <p:nvSpPr>
-          <p:cNvPr id="2" name="Title 1">
-            <a:extLst>
-              <a:ext uri="{FF2B5EF4-FFF2-40B4-BE49-F238E27FC236}">
-                <a16:creationId xmlns:a16="http://schemas.microsoft.com/office/drawing/2014/main" xmlns="" id="{FC1E31BE-EA2F-6E4F-AAEC-A8EE2C8102F1}"/>
-              </a:ext>
-            </a:extLst>
-          </p:cNvPr>
-          <p:cNvSpPr>
-            <a:spLocks noGrp="1"/>
-          </p:cNvSpPr>
-          <p:nvPr>
-            <p:ph type="title"/>
-          </p:nvPr>
+          <p:cNvPr id="9" name="Rectangle 8">
+            <a:extLst>
+              <a:ext uri="{FF2B5EF4-FFF2-40B4-BE49-F238E27FC236}">
+                <a16:creationId xmlns:a16="http://schemas.microsoft.com/office/drawing/2014/main" id="{94788CB8-F337-3D4A-96A2-15975A9682C1}"/>
+              </a:ext>
+            </a:extLst>
+          </p:cNvPr>
+          <p:cNvSpPr/>
+          <p:nvPr/>
         </p:nvSpPr>
         <p:spPr>
           <a:xfrm>
-            <a:off x="637478" y="328806"/>
-            <a:ext cx="10515600" cy="1325563"/>
-          </a:xfrm>
-        </p:spPr>
-        <p:txBody>
-          <a:bodyPr/>
-          <a:lstStyle/>
-          <a:p>
-            <a:r>
-              <a:rPr lang="en-US" dirty="0" smtClean="0"/>
-              <a:t>Alloy (3)</a:t>
-            </a:r>
-            <a:endParaRPr lang="en-US" dirty="0"/>
-          </a:p>
-        </p:txBody>
-      </p:sp>
-      <p:sp>
-        <p:nvSpPr>
-          <p:cNvPr id="5" name="Content Placeholder 4">
-            <a:extLst>
-              <a:ext uri="{FF2B5EF4-FFF2-40B4-BE49-F238E27FC236}">
-                <a16:creationId xmlns:a16="http://schemas.microsoft.com/office/drawing/2014/main" xmlns="" id="{BE076C2E-DC46-4055-9905-FEA2960D8A5B}"/>
-              </a:ext>
-            </a:extLst>
-          </p:cNvPr>
-          <p:cNvSpPr txBox="1">
-            <a:spLocks noGrp="1"/>
-          </p:cNvSpPr>
-          <p:nvPr>
-            <p:ph idx="1"/>
-          </p:nvPr>
-        </p:nvSpPr>
-        <p:spPr>
-          <a:xfrm>
-            <a:off x="838200" y="1825625"/>
-            <a:ext cx="1239635" cy="535531"/>
+            <a:off x="0" y="-1"/>
+            <a:ext cx="12192000" cy="6858001"/>
           </a:xfrm>
           <a:prstGeom prst="rect">
             <a:avLst/>
           </a:prstGeom>
-          <a:noFill/>
+          <a:solidFill>
+            <a:srgbClr val="728FA5"/>
+          </a:solidFill>
+          <a:ln>
+            <a:noFill/>
+          </a:ln>
         </p:spPr>
-        <p:txBody>
-          <a:bodyPr wrap="none" rtlCol="0">
-            <a:spAutoFit/>
-          </a:bodyPr>
+        <p:style>
+          <a:lnRef idx="2">
+            <a:schemeClr val="accent1">
+              <a:shade val="50000"/>
+            </a:schemeClr>
+          </a:lnRef>
+          <a:fillRef idx="1">
+            <a:schemeClr val="accent1"/>
+          </a:fillRef>
+          <a:effectRef idx="0">
+            <a:schemeClr val="accent1"/>
+          </a:effectRef>
+          <a:fontRef idx="minor">
+            <a:schemeClr val="lt1"/>
+          </a:fontRef>
+        </p:style>
+        <p:txBody>
+          <a:bodyPr rtlCol="0" anchor="ctr"/>
           <a:lstStyle/>
           <a:p>
-            <a:r>
-              <a:rPr lang="en-US" sz="3200" b="1" dirty="0" smtClean="0">
-                <a:solidFill>
-                  <a:srgbClr val="00B050"/>
-                </a:solidFill>
-                <a:latin typeface="+mj-lt"/>
-                <a:cs typeface="Arial" panose="020B0604020202020204" pitchFamily="34" charset="0"/>
-              </a:rPr>
-              <a:t>Facts</a:t>
-            </a:r>
-            <a:endParaRPr lang="en-US" sz="2000" b="1" dirty="0">
-              <a:solidFill>
-                <a:srgbClr val="00B050"/>
-              </a:solidFill>
-              <a:latin typeface="+mj-lt"/>
-              <a:cs typeface="Arial" panose="020B0604020202020204" pitchFamily="34" charset="0"/>
-            </a:endParaRPr>
-          </a:p>
-        </p:txBody>
-      </p:sp>
-      <p:sp>
-        <p:nvSpPr>
-          <p:cNvPr id="12" name="Rectangle 11">
-            <a:extLst>
-              <a:ext uri="{FF2B5EF4-FFF2-40B4-BE49-F238E27FC236}">
-                <a16:creationId xmlns:a16="http://schemas.microsoft.com/office/drawing/2014/main" xmlns="" id="{B43AD4F0-D322-4438-B65A-591365D3C586}"/>
-              </a:ext>
-            </a:extLst>
-          </p:cNvPr>
-          <p:cNvSpPr/>
+            <a:pPr algn="ctr"/>
+            <a:endParaRPr lang="en-US"/>
+          </a:p>
+        </p:txBody>
+      </p:sp>
+      <p:sp>
+        <p:nvSpPr>
+          <p:cNvPr id="6" name="Title 1">
+            <a:extLst>
+              <a:ext uri="{FF2B5EF4-FFF2-40B4-BE49-F238E27FC236}">
+                <a16:creationId xmlns:a16="http://schemas.microsoft.com/office/drawing/2014/main" id="{FE570DEB-EC52-0942-858A-C58059A724DE}"/>
+              </a:ext>
+            </a:extLst>
+          </p:cNvPr>
+          <p:cNvSpPr txBox="1">
+            <a:spLocks/>
+          </p:cNvSpPr>
           <p:nvPr/>
         </p:nvSpPr>
         <p:spPr>
           <a:xfrm>
-            <a:off x="3777648" y="976629"/>
-            <a:ext cx="3096344" cy="4401205"/>
+            <a:off x="0" y="0"/>
+            <a:ext cx="12192000" cy="6858000"/>
           </a:xfrm>
           <a:prstGeom prst="rect">
             <a:avLst/>
           </a:prstGeom>
         </p:spPr>
         <p:txBody>
-          <a:bodyPr wrap="square">
-            <a:spAutoFit/>
+          <a:bodyPr vert="horz" lIns="91440" tIns="45720" rIns="91440" bIns="45720" rtlCol="0" anchor="ctr">
+            <a:noAutofit/>
           </a:bodyPr>
-          <a:lstStyle/>
-          <a:p>
-            <a:r>
-              <a:rPr lang="en-US" sz="1400" dirty="0">
-                <a:latin typeface="Arial" panose="020B0604020202020204" pitchFamily="34" charset="0"/>
-                <a:cs typeface="Arial" panose="020B0604020202020204" pitchFamily="34" charset="0"/>
-              </a:rPr>
-              <a:t>// Every Costumer Has </a:t>
-            </a:r>
-            <a:r>
-              <a:rPr lang="en-US" sz="1400" dirty="0" err="1">
-                <a:latin typeface="Arial" panose="020B0604020202020204" pitchFamily="34" charset="0"/>
-                <a:cs typeface="Arial" panose="020B0604020202020204" pitchFamily="34" charset="0"/>
-              </a:rPr>
-              <a:t>Espesific</a:t>
-            </a:r>
-            <a:r>
-              <a:rPr lang="en-US" sz="1400" dirty="0">
-                <a:latin typeface="Arial" panose="020B0604020202020204" pitchFamily="34" charset="0"/>
-                <a:cs typeface="Arial" panose="020B0604020202020204" pitchFamily="34" charset="0"/>
-              </a:rPr>
-              <a:t> Location</a:t>
-            </a:r>
-          </a:p>
-          <a:p>
-            <a:endParaRPr lang="en-US" sz="1400" dirty="0">
-              <a:latin typeface="Arial" panose="020B0604020202020204" pitchFamily="34" charset="0"/>
-              <a:cs typeface="Arial" panose="020B0604020202020204" pitchFamily="34" charset="0"/>
-            </a:endParaRPr>
-          </a:p>
-          <a:p>
-            <a:r>
-              <a:rPr lang="en-US" sz="1400" dirty="0">
-                <a:latin typeface="Arial" panose="020B0604020202020204" pitchFamily="34" charset="0"/>
-                <a:cs typeface="Arial" panose="020B0604020202020204" pitchFamily="34" charset="0"/>
-              </a:rPr>
-              <a:t>Fact {</a:t>
-            </a:r>
-            <a:br>
-              <a:rPr lang="en-US" sz="1400" dirty="0">
-                <a:latin typeface="Arial" panose="020B0604020202020204" pitchFamily="34" charset="0"/>
-                <a:cs typeface="Arial" panose="020B0604020202020204" pitchFamily="34" charset="0"/>
-              </a:rPr>
-            </a:br>
-            <a:r>
-              <a:rPr lang="en-US" sz="1400" dirty="0">
-                <a:latin typeface="Arial" panose="020B0604020202020204" pitchFamily="34" charset="0"/>
-                <a:cs typeface="Arial" panose="020B0604020202020204" pitchFamily="34" charset="0"/>
-              </a:rPr>
-              <a:t>   no disjoint c1, c2 : Costumer |</a:t>
-            </a:r>
-            <a:br>
-              <a:rPr lang="en-US" sz="1400" dirty="0">
-                <a:latin typeface="Arial" panose="020B0604020202020204" pitchFamily="34" charset="0"/>
-                <a:cs typeface="Arial" panose="020B0604020202020204" pitchFamily="34" charset="0"/>
-              </a:rPr>
-            </a:br>
-            <a:r>
-              <a:rPr lang="en-US" sz="1400" dirty="0">
-                <a:latin typeface="Arial" panose="020B0604020202020204" pitchFamily="34" charset="0"/>
-                <a:cs typeface="Arial" panose="020B0604020202020204" pitchFamily="34" charset="0"/>
-              </a:rPr>
-              <a:t>   c1.costumerLocation = c2.costumerLocation </a:t>
-            </a:r>
-            <a:br>
-              <a:rPr lang="en-US" sz="1400" dirty="0">
-                <a:latin typeface="Arial" panose="020B0604020202020204" pitchFamily="34" charset="0"/>
-                <a:cs typeface="Arial" panose="020B0604020202020204" pitchFamily="34" charset="0"/>
-              </a:rPr>
-            </a:br>
-            <a:r>
-              <a:rPr lang="en-US" sz="1400" dirty="0">
-                <a:latin typeface="Arial" panose="020B0604020202020204" pitchFamily="34" charset="0"/>
-                <a:cs typeface="Arial" panose="020B0604020202020204" pitchFamily="34" charset="0"/>
-              </a:rPr>
-              <a:t>}</a:t>
-            </a:r>
-          </a:p>
-          <a:p>
-            <a:endParaRPr lang="en-US" sz="1400" dirty="0">
-              <a:latin typeface="Arial" panose="020B0604020202020204" pitchFamily="34" charset="0"/>
-              <a:cs typeface="Arial" panose="020B0604020202020204" pitchFamily="34" charset="0"/>
-            </a:endParaRPr>
-          </a:p>
-          <a:p>
-            <a:r>
-              <a:rPr lang="en-US" sz="1400" dirty="0">
-                <a:latin typeface="Arial" panose="020B0604020202020204" pitchFamily="34" charset="0"/>
-                <a:cs typeface="Arial" panose="020B0604020202020204" pitchFamily="34" charset="0"/>
-              </a:rPr>
-              <a:t>Also for Email, Violation, photo</a:t>
-            </a:r>
-          </a:p>
-          <a:p>
-            <a:endParaRPr lang="en-US" sz="1400" dirty="0">
-              <a:latin typeface="Arial" panose="020B0604020202020204" pitchFamily="34" charset="0"/>
-              <a:cs typeface="Arial" panose="020B0604020202020204" pitchFamily="34" charset="0"/>
-            </a:endParaRPr>
-          </a:p>
-          <a:p>
-            <a:r>
-              <a:rPr lang="en-US" sz="1400" dirty="0">
-                <a:latin typeface="Arial" panose="020B0604020202020204" pitchFamily="34" charset="0"/>
-                <a:cs typeface="Arial" panose="020B0604020202020204" pitchFamily="34" charset="0"/>
-              </a:rPr>
-              <a:t>// Each Ticket Issued by One Third Party</a:t>
-            </a:r>
-          </a:p>
-          <a:p>
-            <a:r>
-              <a:rPr lang="en-US" sz="1400" dirty="0">
-                <a:latin typeface="Arial" panose="020B0604020202020204" pitchFamily="34" charset="0"/>
-                <a:cs typeface="Arial" panose="020B0604020202020204" pitchFamily="34" charset="0"/>
-              </a:rPr>
-              <a:t/>
-            </a:r>
-            <a:br>
-              <a:rPr lang="en-US" sz="1400" dirty="0">
-                <a:latin typeface="Arial" panose="020B0604020202020204" pitchFamily="34" charset="0"/>
-                <a:cs typeface="Arial" panose="020B0604020202020204" pitchFamily="34" charset="0"/>
-              </a:rPr>
-            </a:br>
-            <a:r>
-              <a:rPr lang="en-US" sz="1400" dirty="0">
-                <a:latin typeface="Arial" panose="020B0604020202020204" pitchFamily="34" charset="0"/>
-                <a:cs typeface="Arial" panose="020B0604020202020204" pitchFamily="34" charset="0"/>
-              </a:rPr>
-              <a:t>Fact {</a:t>
-            </a:r>
-            <a:br>
-              <a:rPr lang="en-US" sz="1400" dirty="0">
-                <a:latin typeface="Arial" panose="020B0604020202020204" pitchFamily="34" charset="0"/>
-                <a:cs typeface="Arial" panose="020B0604020202020204" pitchFamily="34" charset="0"/>
-              </a:rPr>
-            </a:br>
-            <a:r>
-              <a:rPr lang="en-US" sz="1400" dirty="0">
-                <a:latin typeface="Arial" panose="020B0604020202020204" pitchFamily="34" charset="0"/>
-                <a:cs typeface="Arial" panose="020B0604020202020204" pitchFamily="34" charset="0"/>
-              </a:rPr>
-              <a:t>   all t: Ticket |</a:t>
-            </a:r>
-            <a:br>
-              <a:rPr lang="en-US" sz="1400" dirty="0">
-                <a:latin typeface="Arial" panose="020B0604020202020204" pitchFamily="34" charset="0"/>
-                <a:cs typeface="Arial" panose="020B0604020202020204" pitchFamily="34" charset="0"/>
-              </a:rPr>
-            </a:br>
-            <a:r>
-              <a:rPr lang="en-US" sz="1400" dirty="0">
-                <a:latin typeface="Arial" panose="020B0604020202020204" pitchFamily="34" charset="0"/>
-                <a:cs typeface="Arial" panose="020B0604020202020204" pitchFamily="34" charset="0"/>
-              </a:rPr>
-              <a:t>   one </a:t>
-            </a:r>
-            <a:r>
-              <a:rPr lang="en-US" sz="1400" dirty="0" err="1">
-                <a:latin typeface="Arial" panose="020B0604020202020204" pitchFamily="34" charset="0"/>
-                <a:cs typeface="Arial" panose="020B0604020202020204" pitchFamily="34" charset="0"/>
-              </a:rPr>
-              <a:t>tp</a:t>
-            </a:r>
-            <a:r>
-              <a:rPr lang="en-US" sz="1400" dirty="0">
-                <a:latin typeface="Arial" panose="020B0604020202020204" pitchFamily="34" charset="0"/>
-                <a:cs typeface="Arial" panose="020B0604020202020204" pitchFamily="34" charset="0"/>
-              </a:rPr>
-              <a:t>: </a:t>
-            </a:r>
-            <a:r>
-              <a:rPr lang="en-US" sz="1400" dirty="0" err="1">
-                <a:latin typeface="Arial" panose="020B0604020202020204" pitchFamily="34" charset="0"/>
-                <a:cs typeface="Arial" panose="020B0604020202020204" pitchFamily="34" charset="0"/>
-              </a:rPr>
-              <a:t>ThirdParty</a:t>
-            </a:r>
-            <a:r>
-              <a:rPr lang="en-US" sz="1400" dirty="0">
-                <a:latin typeface="Arial" panose="020B0604020202020204" pitchFamily="34" charset="0"/>
-                <a:cs typeface="Arial" panose="020B0604020202020204" pitchFamily="34" charset="0"/>
-              </a:rPr>
-              <a:t> |</a:t>
-            </a:r>
-            <a:br>
-              <a:rPr lang="en-US" sz="1400" dirty="0">
-                <a:latin typeface="Arial" panose="020B0604020202020204" pitchFamily="34" charset="0"/>
-                <a:cs typeface="Arial" panose="020B0604020202020204" pitchFamily="34" charset="0"/>
-              </a:rPr>
-            </a:br>
-            <a:r>
-              <a:rPr lang="en-US" sz="1400" dirty="0">
-                <a:latin typeface="Arial" panose="020B0604020202020204" pitchFamily="34" charset="0"/>
-                <a:cs typeface="Arial" panose="020B0604020202020204" pitchFamily="34" charset="0"/>
-              </a:rPr>
-              <a:t>   </a:t>
-            </a:r>
-            <a:r>
-              <a:rPr lang="en-US" sz="1400" dirty="0" err="1">
-                <a:latin typeface="Arial" panose="020B0604020202020204" pitchFamily="34" charset="0"/>
-                <a:cs typeface="Arial" panose="020B0604020202020204" pitchFamily="34" charset="0"/>
-              </a:rPr>
-              <a:t>tp.tickets</a:t>
-            </a:r>
-            <a:r>
-              <a:rPr lang="en-US" sz="1400" dirty="0">
-                <a:latin typeface="Arial" panose="020B0604020202020204" pitchFamily="34" charset="0"/>
-                <a:cs typeface="Arial" panose="020B0604020202020204" pitchFamily="34" charset="0"/>
-              </a:rPr>
-              <a:t> = t </a:t>
-            </a:r>
-            <a:br>
-              <a:rPr lang="en-US" sz="1400" dirty="0">
-                <a:latin typeface="Arial" panose="020B0604020202020204" pitchFamily="34" charset="0"/>
-                <a:cs typeface="Arial" panose="020B0604020202020204" pitchFamily="34" charset="0"/>
-              </a:rPr>
-            </a:br>
-            <a:r>
-              <a:rPr lang="en-US" sz="1400" dirty="0">
-                <a:latin typeface="Arial" panose="020B0604020202020204" pitchFamily="34" charset="0"/>
-                <a:cs typeface="Arial" panose="020B0604020202020204" pitchFamily="34" charset="0"/>
-              </a:rPr>
-              <a:t>}</a:t>
-            </a:r>
-          </a:p>
-          <a:p>
-            <a:endParaRPr lang="en-US" sz="1400" dirty="0">
-              <a:latin typeface="Arial" panose="020B0604020202020204" pitchFamily="34" charset="0"/>
-              <a:cs typeface="Arial" panose="020B0604020202020204" pitchFamily="34" charset="0"/>
-            </a:endParaRPr>
-          </a:p>
-        </p:txBody>
-      </p:sp>
-      <p:sp>
-        <p:nvSpPr>
-          <p:cNvPr id="13" name="Rectangle 12">
-            <a:extLst>
-              <a:ext uri="{FF2B5EF4-FFF2-40B4-BE49-F238E27FC236}">
-                <a16:creationId xmlns:a16="http://schemas.microsoft.com/office/drawing/2014/main" xmlns="" id="{A7FB5CA4-B2E5-455A-AFEE-82507FE9222D}"/>
-              </a:ext>
-            </a:extLst>
-          </p:cNvPr>
-          <p:cNvSpPr/>
-          <p:nvPr/>
-        </p:nvSpPr>
-        <p:spPr>
-          <a:xfrm>
-            <a:off x="7321347" y="976629"/>
-            <a:ext cx="3384376" cy="5909310"/>
-          </a:xfrm>
-          <a:prstGeom prst="rect">
-            <a:avLst/>
-          </a:prstGeom>
-        </p:spPr>
-        <p:txBody>
-          <a:bodyPr wrap="square">
-            <a:spAutoFit/>
-          </a:bodyPr>
-          <a:lstStyle/>
-          <a:p>
-            <a:r>
-              <a:rPr lang="en-US" sz="1400" dirty="0">
-                <a:latin typeface="Arial" panose="020B0604020202020204" pitchFamily="34" charset="0"/>
-                <a:cs typeface="Arial" panose="020B0604020202020204" pitchFamily="34" charset="0"/>
-              </a:rPr>
-              <a:t>// Every User Just Can Use No.1 Service Of Mining Module, </a:t>
-            </a:r>
-            <a:r>
-              <a:rPr lang="en-US" sz="1400" dirty="0" err="1">
-                <a:latin typeface="Arial" panose="020B0604020202020204" pitchFamily="34" charset="0"/>
-                <a:cs typeface="Arial" panose="020B0604020202020204" pitchFamily="34" charset="0"/>
-              </a:rPr>
-              <a:t>AverageViolations</a:t>
-            </a:r>
-            <a:endParaRPr lang="en-US" sz="1400" dirty="0">
-              <a:latin typeface="Arial" panose="020B0604020202020204" pitchFamily="34" charset="0"/>
-              <a:cs typeface="Arial" panose="020B0604020202020204" pitchFamily="34" charset="0"/>
-            </a:endParaRPr>
-          </a:p>
-          <a:p>
-            <a:r>
-              <a:rPr lang="en-US" sz="1400" dirty="0">
-                <a:latin typeface="Arial" panose="020B0604020202020204" pitchFamily="34" charset="0"/>
-                <a:cs typeface="Arial" panose="020B0604020202020204" pitchFamily="34" charset="0"/>
-              </a:rPr>
-              <a:t>Fact {</a:t>
-            </a:r>
-          </a:p>
-          <a:p>
-            <a:r>
-              <a:rPr lang="en-US" sz="1400" dirty="0">
-                <a:latin typeface="Arial" panose="020B0604020202020204" pitchFamily="34" charset="0"/>
-                <a:cs typeface="Arial" panose="020B0604020202020204" pitchFamily="34" charset="0"/>
-              </a:rPr>
-              <a:t>   all c: Costumer |</a:t>
-            </a:r>
-          </a:p>
-          <a:p>
-            <a:r>
-              <a:rPr lang="en-US" sz="1400" dirty="0">
-                <a:latin typeface="Arial" panose="020B0604020202020204" pitchFamily="34" charset="0"/>
-                <a:cs typeface="Arial" panose="020B0604020202020204" pitchFamily="34" charset="0"/>
-              </a:rPr>
-              <a:t>   </a:t>
-            </a:r>
-            <a:r>
-              <a:rPr lang="en-US" sz="1400" dirty="0" err="1">
-                <a:latin typeface="Arial" panose="020B0604020202020204" pitchFamily="34" charset="0"/>
-                <a:cs typeface="Arial" panose="020B0604020202020204" pitchFamily="34" charset="0"/>
-              </a:rPr>
-              <a:t>c.minedInfo</a:t>
-            </a:r>
-            <a:r>
-              <a:rPr lang="en-US" sz="1400" dirty="0">
-                <a:latin typeface="Arial" panose="020B0604020202020204" pitchFamily="34" charset="0"/>
-                <a:cs typeface="Arial" panose="020B0604020202020204" pitchFamily="34" charset="0"/>
-              </a:rPr>
-              <a:t> = </a:t>
-            </a:r>
-            <a:r>
-              <a:rPr lang="en-US" sz="1400" dirty="0" err="1">
-                <a:latin typeface="Arial" panose="020B0604020202020204" pitchFamily="34" charset="0"/>
-                <a:cs typeface="Arial" panose="020B0604020202020204" pitchFamily="34" charset="0"/>
-              </a:rPr>
-              <a:t>AverageViolations</a:t>
-            </a:r>
-            <a:endParaRPr lang="en-US" sz="1400" dirty="0">
-              <a:latin typeface="Arial" panose="020B0604020202020204" pitchFamily="34" charset="0"/>
-              <a:cs typeface="Arial" panose="020B0604020202020204" pitchFamily="34" charset="0"/>
-            </a:endParaRPr>
-          </a:p>
-          <a:p>
-            <a:r>
-              <a:rPr lang="en-US" sz="1400" dirty="0">
-                <a:latin typeface="Arial" panose="020B0604020202020204" pitchFamily="34" charset="0"/>
-                <a:cs typeface="Arial" panose="020B0604020202020204" pitchFamily="34" charset="0"/>
-              </a:rPr>
-              <a:t>}</a:t>
-            </a:r>
-          </a:p>
-          <a:p>
-            <a:endParaRPr lang="en-US" sz="1400" dirty="0">
-              <a:latin typeface="Arial" panose="020B0604020202020204" pitchFamily="34" charset="0"/>
-              <a:cs typeface="Arial" panose="020B0604020202020204" pitchFamily="34" charset="0"/>
-            </a:endParaRPr>
-          </a:p>
-          <a:p>
-            <a:r>
-              <a:rPr lang="en-US" sz="1400" dirty="0">
-                <a:latin typeface="Arial" panose="020B0604020202020204" pitchFamily="34" charset="0"/>
-                <a:cs typeface="Arial" panose="020B0604020202020204" pitchFamily="34" charset="0"/>
-              </a:rPr>
-              <a:t>// Each Date Belongs to one Violation</a:t>
-            </a:r>
-          </a:p>
-          <a:p>
-            <a:r>
-              <a:rPr lang="en-US" sz="1400" dirty="0">
-                <a:latin typeface="Arial" panose="020B0604020202020204" pitchFamily="34" charset="0"/>
-                <a:cs typeface="Arial" panose="020B0604020202020204" pitchFamily="34" charset="0"/>
-              </a:rPr>
-              <a:t>Fact {</a:t>
-            </a:r>
-          </a:p>
-          <a:p>
-            <a:r>
-              <a:rPr lang="en-US" sz="1400" dirty="0">
-                <a:latin typeface="Arial" panose="020B0604020202020204" pitchFamily="34" charset="0"/>
-                <a:cs typeface="Arial" panose="020B0604020202020204" pitchFamily="34" charset="0"/>
-              </a:rPr>
-              <a:t>   all d: Date, viol: Violation |</a:t>
-            </a:r>
-          </a:p>
-          <a:p>
-            <a:r>
-              <a:rPr lang="en-US" sz="1400" dirty="0">
-                <a:latin typeface="Arial" panose="020B0604020202020204" pitchFamily="34" charset="0"/>
-                <a:cs typeface="Arial" panose="020B0604020202020204" pitchFamily="34" charset="0"/>
-              </a:rPr>
-              <a:t>   </a:t>
-            </a:r>
-            <a:r>
-              <a:rPr lang="en-US" sz="1400" dirty="0" err="1">
-                <a:latin typeface="Arial" panose="020B0604020202020204" pitchFamily="34" charset="0"/>
-                <a:cs typeface="Arial" panose="020B0604020202020204" pitchFamily="34" charset="0"/>
-              </a:rPr>
-              <a:t>viol.date</a:t>
-            </a:r>
-            <a:r>
-              <a:rPr lang="en-US" sz="1400" dirty="0">
-                <a:latin typeface="Arial" panose="020B0604020202020204" pitchFamily="34" charset="0"/>
-                <a:cs typeface="Arial" panose="020B0604020202020204" pitchFamily="34" charset="0"/>
-              </a:rPr>
-              <a:t> = d</a:t>
-            </a:r>
-          </a:p>
-          <a:p>
-            <a:r>
-              <a:rPr lang="en-US" sz="1400" dirty="0">
-                <a:latin typeface="Arial" panose="020B0604020202020204" pitchFamily="34" charset="0"/>
-                <a:cs typeface="Arial" panose="020B0604020202020204" pitchFamily="34" charset="0"/>
-              </a:rPr>
-              <a:t>}</a:t>
-            </a:r>
-          </a:p>
-          <a:p>
-            <a:endParaRPr lang="en-US" sz="1400" dirty="0">
-              <a:latin typeface="Arial" panose="020B0604020202020204" pitchFamily="34" charset="0"/>
-              <a:cs typeface="Arial" panose="020B0604020202020204" pitchFamily="34" charset="0"/>
-            </a:endParaRPr>
-          </a:p>
-          <a:p>
-            <a:r>
-              <a:rPr lang="en-US" sz="1400" dirty="0">
-                <a:latin typeface="Arial" panose="020B0604020202020204" pitchFamily="34" charset="0"/>
-                <a:cs typeface="Arial" panose="020B0604020202020204" pitchFamily="34" charset="0"/>
-              </a:rPr>
-              <a:t>// if a ticket exist, it belongs to one violation</a:t>
-            </a:r>
-          </a:p>
-          <a:p>
-            <a:r>
-              <a:rPr lang="en-US" sz="1400" dirty="0">
-                <a:latin typeface="Arial" panose="020B0604020202020204" pitchFamily="34" charset="0"/>
-                <a:cs typeface="Arial" panose="020B0604020202020204" pitchFamily="34" charset="0"/>
-              </a:rPr>
-              <a:t>Fact {</a:t>
-            </a:r>
-          </a:p>
-          <a:p>
-            <a:r>
-              <a:rPr lang="en-US" sz="1400" dirty="0">
-                <a:latin typeface="Arial" panose="020B0604020202020204" pitchFamily="34" charset="0"/>
-                <a:cs typeface="Arial" panose="020B0604020202020204" pitchFamily="34" charset="0"/>
-              </a:rPr>
-              <a:t>   one t: Ticket , v:Violation |</a:t>
-            </a:r>
-          </a:p>
-          <a:p>
-            <a:r>
-              <a:rPr lang="en-US" sz="1400" dirty="0">
-                <a:latin typeface="Arial" panose="020B0604020202020204" pitchFamily="34" charset="0"/>
-                <a:cs typeface="Arial" panose="020B0604020202020204" pitchFamily="34" charset="0"/>
-              </a:rPr>
-              <a:t>   </a:t>
-            </a:r>
-            <a:r>
-              <a:rPr lang="en-US" sz="1400" dirty="0" err="1">
-                <a:latin typeface="Arial" panose="020B0604020202020204" pitchFamily="34" charset="0"/>
-                <a:cs typeface="Arial" panose="020B0604020202020204" pitchFamily="34" charset="0"/>
-              </a:rPr>
-              <a:t>t.violations</a:t>
-            </a:r>
-            <a:r>
-              <a:rPr lang="en-US" sz="1400" dirty="0">
-                <a:latin typeface="Arial" panose="020B0604020202020204" pitchFamily="34" charset="0"/>
-                <a:cs typeface="Arial" panose="020B0604020202020204" pitchFamily="34" charset="0"/>
-              </a:rPr>
-              <a:t> = v</a:t>
-            </a:r>
-          </a:p>
-          <a:p>
-            <a:r>
-              <a:rPr lang="en-US" sz="1400" dirty="0">
-                <a:latin typeface="Arial" panose="020B0604020202020204" pitchFamily="34" charset="0"/>
-                <a:cs typeface="Arial" panose="020B0604020202020204" pitchFamily="34" charset="0"/>
-              </a:rPr>
-              <a:t>}</a:t>
-            </a:r>
-          </a:p>
-          <a:p>
-            <a:endParaRPr lang="en-US" sz="1400" dirty="0">
-              <a:latin typeface="Arial" panose="020B0604020202020204" pitchFamily="34" charset="0"/>
-              <a:cs typeface="Arial" panose="020B0604020202020204" pitchFamily="34" charset="0"/>
-            </a:endParaRPr>
-          </a:p>
-          <a:p>
-            <a:r>
-              <a:rPr lang="en-US" sz="1400" dirty="0"/>
-              <a:t>// Each Date Belongs to one Violation </a:t>
-            </a:r>
-            <a:endParaRPr lang="en-US" sz="1400" dirty="0">
-              <a:latin typeface="Arial" panose="020B0604020202020204" pitchFamily="34" charset="0"/>
-              <a:cs typeface="Arial" panose="020B0604020202020204" pitchFamily="34" charset="0"/>
-            </a:endParaRPr>
-          </a:p>
-          <a:p>
-            <a:r>
-              <a:rPr lang="en-US" sz="1400" dirty="0"/>
-              <a:t>Fact {</a:t>
-            </a:r>
-            <a:br>
-              <a:rPr lang="en-US" sz="1400" dirty="0"/>
-            </a:br>
-            <a:r>
-              <a:rPr lang="en-US" sz="1400" dirty="0"/>
-              <a:t>   all d: Date, viol: Violation |</a:t>
-            </a:r>
-            <a:br>
-              <a:rPr lang="en-US" sz="1400" dirty="0"/>
-            </a:br>
-            <a:r>
-              <a:rPr lang="en-US" sz="1400" dirty="0"/>
-              <a:t>   </a:t>
-            </a:r>
-            <a:r>
-              <a:rPr lang="en-US" sz="1400" dirty="0" err="1"/>
-              <a:t>viol.date</a:t>
-            </a:r>
-            <a:r>
-              <a:rPr lang="en-US" sz="1400" dirty="0"/>
-              <a:t> = d </a:t>
-            </a:r>
-          </a:p>
-          <a:p>
-            <a:r>
-              <a:rPr lang="en-US" sz="1400" dirty="0"/>
-              <a:t>}</a:t>
-            </a:r>
-            <a:br>
-              <a:rPr lang="en-US" sz="1400" dirty="0"/>
-            </a:br>
-            <a:endParaRPr lang="en-US" sz="1400" dirty="0">
-              <a:latin typeface="Arial" panose="020B0604020202020204" pitchFamily="34" charset="0"/>
-              <a:cs typeface="Arial" panose="020B0604020202020204" pitchFamily="34" charset="0"/>
+          <a:lstStyle>
+            <a:lvl1pPr algn="l" defTabSz="914400" rtl="0" eaLnBrk="1" latinLnBrk="0" hangingPunct="1">
+              <a:lnSpc>
+                <a:spcPct val="90000"/>
+              </a:lnSpc>
+              <a:spcBef>
+                <a:spcPct val="0"/>
+              </a:spcBef>
+              <a:buNone/>
+              <a:defRPr sz="4400" b="0" i="0" kern="1200">
+                <a:solidFill>
+                  <a:schemeClr val="tx1"/>
+                </a:solidFill>
+                <a:latin typeface="Futura Light" pitchFamily="2" charset="77"/>
+                <a:ea typeface="+mj-ea"/>
+                <a:cs typeface="+mj-cs"/>
+              </a:defRPr>
+            </a:lvl1pPr>
+          </a:lstStyle>
+          <a:p>
+            <a:pPr algn="ctr"/>
+            <a:r>
+              <a:rPr lang="en-GB" sz="5400" b="1" dirty="0">
+                <a:solidFill>
+                  <a:schemeClr val="bg1"/>
+                </a:solidFill>
+              </a:rPr>
+              <a:t>Design Document</a:t>
+            </a:r>
+          </a:p>
+          <a:p>
+            <a:pPr algn="ctr"/>
+            <a:r>
+              <a:rPr lang="en-GB" sz="5400" b="1" dirty="0">
+                <a:solidFill>
+                  <a:schemeClr val="bg1"/>
+                </a:solidFill>
+              </a:rPr>
+              <a:t>(DD) </a:t>
+            </a:r>
+            <a:endParaRPr lang="en-US" sz="5400" b="1" dirty="0">
+              <a:solidFill>
+                <a:schemeClr val="bg1"/>
+              </a:solidFill>
             </a:endParaRPr>
           </a:p>
         </p:txBody>
@@ -4641,20 +4204,13 @@
     </p:spTree>
     <p:extLst>
       <p:ext uri="{BB962C8B-B14F-4D97-AF65-F5344CB8AC3E}">
-        <p14:creationId xmlns:p14="http://schemas.microsoft.com/office/powerpoint/2010/main" val="2566843666"/>
+        <p14:creationId xmlns:p14="http://schemas.microsoft.com/office/powerpoint/2010/main" val="2112944223"/>
       </p:ext>
     </p:extLst>
   </p:cSld>
   <p:clrMapOvr>
     <a:masterClrMapping/>
   </p:clrMapOvr>
-  <p:timing>
-    <p:tnLst>
-      <p:par>
-        <p:cTn id="1" dur="indefinite" restart="never" nodeType="tmRoot"/>
-      </p:par>
-    </p:tnLst>
-  </p:timing>
 </p:sld>
 </file>
 
@@ -4680,7 +4236,7 @@
           <p:cNvPr id="2" name="Title 1">
             <a:extLst>
               <a:ext uri="{FF2B5EF4-FFF2-40B4-BE49-F238E27FC236}">
-                <a16:creationId xmlns:a16="http://schemas.microsoft.com/office/drawing/2014/main" xmlns="" id="{8F77F555-6932-5C49-85DE-6162CBAF0AF3}"/>
+                <a16:creationId xmlns:a16="http://schemas.microsoft.com/office/drawing/2014/main" id="{3820A429-5ECD-EC4A-B430-BC96EE2088AE}"/>
               </a:ext>
             </a:extLst>
           </p:cNvPr>
@@ -4697,72 +4253,477 @@
           <a:lstStyle/>
           <a:p>
             <a:r>
-              <a:rPr lang="en-GB" dirty="0"/>
-              <a:t>For the DD part:</a:t>
-            </a:r>
-            <a:endParaRPr lang="en-US" dirty="0"/>
-          </a:p>
-        </p:txBody>
-      </p:sp>
-      <p:sp>
-        <p:nvSpPr>
-          <p:cNvPr id="3" name="Content Placeholder 2">
-            <a:extLst>
-              <a:ext uri="{FF2B5EF4-FFF2-40B4-BE49-F238E27FC236}">
-                <a16:creationId xmlns:a16="http://schemas.microsoft.com/office/drawing/2014/main" xmlns="" id="{7D30F065-BFFF-6644-A66D-BBF9A6292C02}"/>
-              </a:ext>
-            </a:extLst>
-          </p:cNvPr>
-          <p:cNvSpPr>
-            <a:spLocks noGrp="1"/>
+              <a:rPr lang="en-US" dirty="0"/>
+              <a:t>Deployment architecture</a:t>
+            </a:r>
+          </a:p>
+        </p:txBody>
+      </p:sp>
+      <p:sp>
+        <p:nvSpPr>
+          <p:cNvPr id="14" name="TextBox 13">
+            <a:extLst>
+              <a:ext uri="{FF2B5EF4-FFF2-40B4-BE49-F238E27FC236}">
+                <a16:creationId xmlns:a16="http://schemas.microsoft.com/office/drawing/2014/main" id="{0FBAC7A0-B2CA-A947-B2C8-6424AA7C138A}"/>
+              </a:ext>
+            </a:extLst>
+          </p:cNvPr>
+          <p:cNvSpPr txBox="1"/>
+          <p:nvPr/>
+        </p:nvSpPr>
+        <p:spPr>
+          <a:xfrm>
+            <a:off x="2784344" y="3987309"/>
+            <a:ext cx="776175" cy="369332"/>
+          </a:xfrm>
+          <a:prstGeom prst="rect">
+            <a:avLst/>
+          </a:prstGeom>
+          <a:noFill/>
+        </p:spPr>
+        <p:txBody>
+          <a:bodyPr wrap="none" rtlCol="0">
+            <a:spAutoFit/>
+          </a:bodyPr>
+          <a:lstStyle/>
+          <a:p>
+            <a:r>
+              <a:rPr lang="en-US" dirty="0"/>
+              <a:t>--API--</a:t>
+            </a:r>
+          </a:p>
+        </p:txBody>
+      </p:sp>
+      <p:sp>
+        <p:nvSpPr>
+          <p:cNvPr id="15" name="TextBox 14">
+            <a:extLst>
+              <a:ext uri="{FF2B5EF4-FFF2-40B4-BE49-F238E27FC236}">
+                <a16:creationId xmlns:a16="http://schemas.microsoft.com/office/drawing/2014/main" id="{0A3C0122-EA80-8247-A031-566A6A8C7CB6}"/>
+              </a:ext>
+            </a:extLst>
+          </p:cNvPr>
+          <p:cNvSpPr txBox="1"/>
+          <p:nvPr/>
+        </p:nvSpPr>
+        <p:spPr>
+          <a:xfrm>
+            <a:off x="8669938" y="4059737"/>
+            <a:ext cx="776175" cy="369332"/>
+          </a:xfrm>
+          <a:prstGeom prst="rect">
+            <a:avLst/>
+          </a:prstGeom>
+          <a:noFill/>
+        </p:spPr>
+        <p:txBody>
+          <a:bodyPr wrap="none" rtlCol="0">
+            <a:spAutoFit/>
+          </a:bodyPr>
+          <a:lstStyle/>
+          <a:p>
+            <a:r>
+              <a:rPr lang="en-US" dirty="0"/>
+              <a:t>--SSL--</a:t>
+            </a:r>
+          </a:p>
+        </p:txBody>
+      </p:sp>
+      <p:sp>
+        <p:nvSpPr>
+          <p:cNvPr id="16" name="Rectangle 15">
+            <a:extLst>
+              <a:ext uri="{FF2B5EF4-FFF2-40B4-BE49-F238E27FC236}">
+                <a16:creationId xmlns:a16="http://schemas.microsoft.com/office/drawing/2014/main" id="{D36ED0B8-3843-444A-802E-5438D1F2020A}"/>
+              </a:ext>
+            </a:extLst>
+          </p:cNvPr>
+          <p:cNvSpPr/>
+          <p:nvPr/>
+        </p:nvSpPr>
+        <p:spPr>
+          <a:xfrm>
+            <a:off x="0" y="0"/>
+            <a:ext cx="12192000" cy="1690688"/>
+          </a:xfrm>
+          <a:prstGeom prst="rect">
+            <a:avLst/>
+          </a:prstGeom>
+          <a:solidFill>
+            <a:srgbClr val="728FA5"/>
+          </a:solidFill>
+          <a:ln>
+            <a:noFill/>
+          </a:ln>
+        </p:spPr>
+        <p:style>
+          <a:lnRef idx="2">
+            <a:schemeClr val="accent1">
+              <a:shade val="50000"/>
+            </a:schemeClr>
+          </a:lnRef>
+          <a:fillRef idx="1">
+            <a:schemeClr val="accent1"/>
+          </a:fillRef>
+          <a:effectRef idx="0">
+            <a:schemeClr val="accent1"/>
+          </a:effectRef>
+          <a:fontRef idx="minor">
+            <a:schemeClr val="lt1"/>
+          </a:fontRef>
+        </p:style>
+        <p:txBody>
+          <a:bodyPr rtlCol="0" anchor="ctr"/>
+          <a:lstStyle/>
+          <a:p>
+            <a:pPr algn="ctr"/>
+            <a:endParaRPr lang="en-US"/>
+          </a:p>
+        </p:txBody>
+      </p:sp>
+      <p:sp>
+        <p:nvSpPr>
+          <p:cNvPr id="17" name="Title 1">
+            <a:extLst>
+              <a:ext uri="{FF2B5EF4-FFF2-40B4-BE49-F238E27FC236}">
+                <a16:creationId xmlns:a16="http://schemas.microsoft.com/office/drawing/2014/main" id="{014DF31C-EDBD-BF46-B682-2F64B833DAA9}"/>
+              </a:ext>
+            </a:extLst>
+          </p:cNvPr>
+          <p:cNvSpPr txBox="1">
+            <a:spLocks/>
           </p:cNvSpPr>
-          <p:nvPr>
-            <p:ph idx="1"/>
-          </p:nvPr>
-        </p:nvSpPr>
-        <p:spPr/>
-        <p:txBody>
-          <a:bodyPr/>
-          <a:lstStyle/>
-          <a:p>
-            <a:r>
-              <a:rPr lang="en-GB" dirty="0"/>
-              <a:t>The components of your system</a:t>
-            </a:r>
-          </a:p>
-          <a:p>
-            <a:r>
-              <a:rPr lang="en-GB" dirty="0"/>
-              <a:t>Their interfaces</a:t>
-            </a:r>
-          </a:p>
-          <a:p>
-            <a:r>
-              <a:rPr lang="en-GB" dirty="0"/>
-              <a:t>Meaningful interactions</a:t>
-            </a:r>
-          </a:p>
-          <a:p>
-            <a:r>
-              <a:rPr lang="en-GB" dirty="0"/>
-              <a:t>The architectural styles/patterns and important design decisions</a:t>
-            </a:r>
-          </a:p>
-          <a:p>
-            <a:r>
-              <a:rPr lang="en-GB" dirty="0"/>
-              <a:t>The strategy you plan to use to carry the implementation, integration and testing of your system and how this is strategy mapped on your components</a:t>
-            </a:r>
-          </a:p>
-          <a:p>
-            <a:endParaRPr lang="en-US" dirty="0"/>
-          </a:p>
-        </p:txBody>
-      </p:sp>
+          <p:nvPr/>
+        </p:nvSpPr>
+        <p:spPr>
+          <a:xfrm>
+            <a:off x="285939" y="202179"/>
+            <a:ext cx="10515600" cy="1325563"/>
+          </a:xfrm>
+          <a:prstGeom prst="rect">
+            <a:avLst/>
+          </a:prstGeom>
+        </p:spPr>
+        <p:txBody>
+          <a:bodyPr vert="horz" lIns="91440" tIns="45720" rIns="91440" bIns="45720" rtlCol="0" anchor="ctr">
+            <a:normAutofit/>
+          </a:bodyPr>
+          <a:lstStyle>
+            <a:lvl1pPr algn="l" defTabSz="914400" rtl="0" eaLnBrk="1" latinLnBrk="0" hangingPunct="1">
+              <a:lnSpc>
+                <a:spcPct val="90000"/>
+              </a:lnSpc>
+              <a:spcBef>
+                <a:spcPct val="0"/>
+              </a:spcBef>
+              <a:buNone/>
+              <a:defRPr sz="4400" b="0" i="0" kern="1200">
+                <a:solidFill>
+                  <a:schemeClr val="tx1"/>
+                </a:solidFill>
+                <a:latin typeface="Futura Light" pitchFamily="2" charset="77"/>
+                <a:ea typeface="+mj-ea"/>
+                <a:cs typeface="+mj-cs"/>
+              </a:defRPr>
+            </a:lvl1pPr>
+          </a:lstStyle>
+          <a:p>
+            <a:r>
+              <a:rPr lang="en-GB" sz="5400" b="1" dirty="0">
+                <a:solidFill>
+                  <a:schemeClr val="bg1"/>
+                </a:solidFill>
+              </a:rPr>
+              <a:t>Deployment</a:t>
+            </a:r>
+            <a:endParaRPr lang="en-US" sz="5400" b="1" dirty="0">
+              <a:solidFill>
+                <a:schemeClr val="bg1"/>
+              </a:solidFill>
+            </a:endParaRPr>
+          </a:p>
+        </p:txBody>
+      </p:sp>
+      <p:grpSp>
+        <p:nvGrpSpPr>
+          <p:cNvPr id="28" name="Group 27">
+            <a:extLst>
+              <a:ext uri="{FF2B5EF4-FFF2-40B4-BE49-F238E27FC236}">
+                <a16:creationId xmlns:a16="http://schemas.microsoft.com/office/drawing/2014/main" id="{FD04F676-AA3D-DB4B-91C5-4DDE8101F6AB}"/>
+              </a:ext>
+            </a:extLst>
+          </p:cNvPr>
+          <p:cNvGrpSpPr/>
+          <p:nvPr/>
+        </p:nvGrpSpPr>
+        <p:grpSpPr>
+          <a:xfrm>
+            <a:off x="394978" y="2520759"/>
+            <a:ext cx="2208563" cy="3447288"/>
+            <a:chOff x="639412" y="2221992"/>
+            <a:chExt cx="2208563" cy="3447288"/>
+          </a:xfrm>
+        </p:grpSpPr>
+        <p:pic>
+          <p:nvPicPr>
+            <p:cNvPr id="11" name="Picture 10">
+              <a:extLst>
+                <a:ext uri="{FF2B5EF4-FFF2-40B4-BE49-F238E27FC236}">
+                  <a16:creationId xmlns:a16="http://schemas.microsoft.com/office/drawing/2014/main" id="{BC6A7968-73F5-AF4A-B15A-2288A4536090}"/>
+                </a:ext>
+              </a:extLst>
+            </p:cNvPr>
+            <p:cNvPicPr>
+              <a:picLocks noChangeAspect="1"/>
+            </p:cNvPicPr>
+            <p:nvPr/>
+          </p:nvPicPr>
+          <p:blipFill rotWithShape="1">
+            <a:blip r:embed="rId3"/>
+            <a:srcRect r="80050"/>
+            <a:stretch/>
+          </p:blipFill>
+          <p:spPr>
+            <a:xfrm>
+              <a:off x="639412" y="2221992"/>
+              <a:ext cx="2208563" cy="3447288"/>
+            </a:xfrm>
+            <a:prstGeom prst="rect">
+              <a:avLst/>
+            </a:prstGeom>
+          </p:spPr>
+        </p:pic>
+        <p:pic>
+          <p:nvPicPr>
+            <p:cNvPr id="19" name="Graphic 18">
+              <a:extLst>
+                <a:ext uri="{FF2B5EF4-FFF2-40B4-BE49-F238E27FC236}">
+                  <a16:creationId xmlns:a16="http://schemas.microsoft.com/office/drawing/2014/main" id="{C6498123-492D-FF49-8AE5-0AB54D8D0B4D}"/>
+                </a:ext>
+              </a:extLst>
+            </p:cNvPr>
+            <p:cNvPicPr>
+              <a:picLocks noChangeAspect="1"/>
+            </p:cNvPicPr>
+            <p:nvPr/>
+          </p:nvPicPr>
+          <p:blipFill>
+            <a:blip r:embed="rId4">
+              <a:extLst>
+                <a:ext uri="{96DAC541-7B7A-43D3-8B79-37D633B846F1}">
+                  <asvg:svgBlip xmlns:asvg="http://schemas.microsoft.com/office/drawing/2016/SVG/main" r:embed="rId5"/>
+                </a:ext>
+              </a:extLst>
+            </a:blip>
+            <a:stretch>
+              <a:fillRect/>
+            </a:stretch>
+          </p:blipFill>
+          <p:spPr>
+            <a:xfrm>
+              <a:off x="1148122" y="3873208"/>
+              <a:ext cx="745583" cy="925807"/>
+            </a:xfrm>
+            <a:prstGeom prst="rect">
+              <a:avLst/>
+            </a:prstGeom>
+          </p:spPr>
+        </p:pic>
+      </p:grpSp>
+      <p:grpSp>
+        <p:nvGrpSpPr>
+          <p:cNvPr id="32" name="Group 31">
+            <a:extLst>
+              <a:ext uri="{FF2B5EF4-FFF2-40B4-BE49-F238E27FC236}">
+                <a16:creationId xmlns:a16="http://schemas.microsoft.com/office/drawing/2014/main" id="{DE567354-8BE1-494A-84B5-51FF580E39FA}"/>
+              </a:ext>
+            </a:extLst>
+          </p:cNvPr>
+          <p:cNvGrpSpPr/>
+          <p:nvPr/>
+        </p:nvGrpSpPr>
+        <p:grpSpPr>
+          <a:xfrm>
+            <a:off x="9643129" y="2448331"/>
+            <a:ext cx="2045270" cy="3447288"/>
+            <a:chOff x="9887563" y="2149564"/>
+            <a:chExt cx="2045270" cy="3447288"/>
+          </a:xfrm>
+        </p:grpSpPr>
+        <p:pic>
+          <p:nvPicPr>
+            <p:cNvPr id="13" name="Picture 12">
+              <a:extLst>
+                <a:ext uri="{FF2B5EF4-FFF2-40B4-BE49-F238E27FC236}">
+                  <a16:creationId xmlns:a16="http://schemas.microsoft.com/office/drawing/2014/main" id="{776395B6-F895-1D40-9A72-25DEA79932BF}"/>
+                </a:ext>
+              </a:extLst>
+            </p:cNvPr>
+            <p:cNvPicPr>
+              <a:picLocks noChangeAspect="1"/>
+            </p:cNvPicPr>
+            <p:nvPr/>
+          </p:nvPicPr>
+          <p:blipFill rotWithShape="1">
+            <a:blip r:embed="rId3"/>
+            <a:srcRect l="81525"/>
+            <a:stretch/>
+          </p:blipFill>
+          <p:spPr>
+            <a:xfrm>
+              <a:off x="9887563" y="2149564"/>
+              <a:ext cx="2045270" cy="3447288"/>
+            </a:xfrm>
+            <a:prstGeom prst="rect">
+              <a:avLst/>
+            </a:prstGeom>
+          </p:spPr>
+        </p:pic>
+        <p:pic>
+          <p:nvPicPr>
+            <p:cNvPr id="27" name="Picture 26" descr="A picture containing food&#10;&#10;Description automatically generated">
+              <a:extLst>
+                <a:ext uri="{FF2B5EF4-FFF2-40B4-BE49-F238E27FC236}">
+                  <a16:creationId xmlns:a16="http://schemas.microsoft.com/office/drawing/2014/main" id="{2225B208-87C2-E04A-B85C-8E3009682660}"/>
+                </a:ext>
+              </a:extLst>
+            </p:cNvPr>
+            <p:cNvPicPr>
+              <a:picLocks noChangeAspect="1"/>
+            </p:cNvPicPr>
+            <p:nvPr/>
+          </p:nvPicPr>
+          <p:blipFill>
+            <a:blip r:embed="rId6"/>
+            <a:stretch>
+              <a:fillRect/>
+            </a:stretch>
+          </p:blipFill>
+          <p:spPr>
+            <a:xfrm>
+              <a:off x="10167042" y="3641262"/>
+              <a:ext cx="1062462" cy="1062462"/>
+            </a:xfrm>
+            <a:prstGeom prst="rect">
+              <a:avLst/>
+            </a:prstGeom>
+          </p:spPr>
+        </p:pic>
+      </p:grpSp>
+      <p:grpSp>
+        <p:nvGrpSpPr>
+          <p:cNvPr id="31" name="Group 30">
+            <a:extLst>
+              <a:ext uri="{FF2B5EF4-FFF2-40B4-BE49-F238E27FC236}">
+                <a16:creationId xmlns:a16="http://schemas.microsoft.com/office/drawing/2014/main" id="{B140EA06-C085-7E41-B264-05EEF62A006E}"/>
+              </a:ext>
+            </a:extLst>
+          </p:cNvPr>
+          <p:cNvGrpSpPr/>
+          <p:nvPr/>
+        </p:nvGrpSpPr>
+        <p:grpSpPr>
+          <a:xfrm>
+            <a:off x="3642814" y="2448331"/>
+            <a:ext cx="4928616" cy="3447288"/>
+            <a:chOff x="3887248" y="2149564"/>
+            <a:chExt cx="4928616" cy="3447288"/>
+          </a:xfrm>
+        </p:grpSpPr>
+        <p:pic>
+          <p:nvPicPr>
+            <p:cNvPr id="12" name="Picture 11">
+              <a:extLst>
+                <a:ext uri="{FF2B5EF4-FFF2-40B4-BE49-F238E27FC236}">
+                  <a16:creationId xmlns:a16="http://schemas.microsoft.com/office/drawing/2014/main" id="{825B0B4F-8B29-F444-8176-4E47A248A66E}"/>
+                </a:ext>
+              </a:extLst>
+            </p:cNvPr>
+            <p:cNvPicPr>
+              <a:picLocks noChangeAspect="1"/>
+            </p:cNvPicPr>
+            <p:nvPr/>
+          </p:nvPicPr>
+          <p:blipFill rotWithShape="1">
+            <a:blip r:embed="rId3"/>
+            <a:srcRect l="28034" r="27446"/>
+            <a:stretch/>
+          </p:blipFill>
+          <p:spPr>
+            <a:xfrm>
+              <a:off x="3887248" y="2149564"/>
+              <a:ext cx="4928616" cy="3447288"/>
+            </a:xfrm>
+            <a:prstGeom prst="rect">
+              <a:avLst/>
+            </a:prstGeom>
+          </p:spPr>
+        </p:pic>
+        <p:pic>
+          <p:nvPicPr>
+            <p:cNvPr id="23" name="Picture 22" descr="A close up of a sign&#10;&#10;Description automatically generated">
+              <a:extLst>
+                <a:ext uri="{FF2B5EF4-FFF2-40B4-BE49-F238E27FC236}">
+                  <a16:creationId xmlns:a16="http://schemas.microsoft.com/office/drawing/2014/main" id="{BF85C593-FB8F-0E4F-8050-4BFD6F988F9E}"/>
+                </a:ext>
+              </a:extLst>
+            </p:cNvPr>
+            <p:cNvPicPr>
+              <a:picLocks noChangeAspect="1"/>
+            </p:cNvPicPr>
+            <p:nvPr/>
+          </p:nvPicPr>
+          <p:blipFill>
+            <a:blip r:embed="rId7"/>
+            <a:stretch>
+              <a:fillRect/>
+            </a:stretch>
+          </p:blipFill>
+          <p:spPr>
+            <a:xfrm>
+              <a:off x="4526733" y="3429000"/>
+              <a:ext cx="1711356" cy="1711356"/>
+            </a:xfrm>
+            <a:prstGeom prst="rect">
+              <a:avLst/>
+            </a:prstGeom>
+          </p:spPr>
+        </p:pic>
+        <p:pic>
+          <p:nvPicPr>
+            <p:cNvPr id="30" name="Picture 29" descr="A picture containing drawing&#10;&#10;Description automatically generated">
+              <a:extLst>
+                <a:ext uri="{FF2B5EF4-FFF2-40B4-BE49-F238E27FC236}">
+                  <a16:creationId xmlns:a16="http://schemas.microsoft.com/office/drawing/2014/main" id="{0585BE38-7EE1-A54F-831E-4DE0169B7D3C}"/>
+                </a:ext>
+              </a:extLst>
+            </p:cNvPr>
+            <p:cNvPicPr>
+              <a:picLocks noChangeAspect="1"/>
+            </p:cNvPicPr>
+            <p:nvPr/>
+          </p:nvPicPr>
+          <p:blipFill>
+            <a:blip r:embed="rId8"/>
+            <a:stretch>
+              <a:fillRect/>
+            </a:stretch>
+          </p:blipFill>
+          <p:spPr>
+            <a:xfrm>
+              <a:off x="6667762" y="4057874"/>
+              <a:ext cx="1219200" cy="1219200"/>
+            </a:xfrm>
+            <a:prstGeom prst="rect">
+              <a:avLst/>
+            </a:prstGeom>
+          </p:spPr>
+        </p:pic>
+      </p:grpSp>
     </p:spTree>
     <p:extLst>
       <p:ext uri="{BB962C8B-B14F-4D97-AF65-F5344CB8AC3E}">
-        <p14:creationId xmlns:p14="http://schemas.microsoft.com/office/powerpoint/2010/main" val="4149502394"/>
+        <p14:creationId xmlns:p14="http://schemas.microsoft.com/office/powerpoint/2010/main" val="3795005552"/>
       </p:ext>
     </p:extLst>
   </p:cSld>
@@ -4772,9 +4733,261 @@
   <p:timing>
     <p:tnLst>
       <p:par>
-        <p:cTn id="1" dur="indefinite" restart="never" nodeType="tmRoot"/>
+        <p:cTn id="1" dur="indefinite" restart="never" nodeType="tmRoot">
+          <p:childTnLst>
+            <p:seq concurrent="1" nextAc="seek">
+              <p:cTn id="2" dur="indefinite" nodeType="mainSeq">
+                <p:childTnLst>
+                  <p:par>
+                    <p:cTn id="3" fill="hold">
+                      <p:stCondLst>
+                        <p:cond delay="indefinite"/>
+                      </p:stCondLst>
+                      <p:childTnLst>
+                        <p:par>
+                          <p:cTn id="4" fill="hold">
+                            <p:stCondLst>
+                              <p:cond delay="0"/>
+                            </p:stCondLst>
+                            <p:childTnLst>
+                              <p:par>
+                                <p:cTn id="5" presetID="1" presetClass="entr" presetSubtype="0" fill="hold" nodeType="clickEffect">
+                                  <p:stCondLst>
+                                    <p:cond delay="0"/>
+                                  </p:stCondLst>
+                                  <p:childTnLst>
+                                    <p:set>
+                                      <p:cBhvr>
+                                        <p:cTn id="6" dur="1" fill="hold">
+                                          <p:stCondLst>
+                                            <p:cond delay="0"/>
+                                          </p:stCondLst>
+                                        </p:cTn>
+                                        <p:tgtEl>
+                                          <p:spTgt spid="28"/>
+                                        </p:tgtEl>
+                                        <p:attrNameLst>
+                                          <p:attrName>style.visibility</p:attrName>
+                                        </p:attrNameLst>
+                                      </p:cBhvr>
+                                      <p:to>
+                                        <p:strVal val="visible"/>
+                                      </p:to>
+                                    </p:set>
+                                  </p:childTnLst>
+                                </p:cTn>
+                              </p:par>
+                            </p:childTnLst>
+                          </p:cTn>
+                        </p:par>
+                      </p:childTnLst>
+                    </p:cTn>
+                  </p:par>
+                  <p:par>
+                    <p:cTn id="7" fill="hold">
+                      <p:stCondLst>
+                        <p:cond delay="indefinite"/>
+                      </p:stCondLst>
+                      <p:childTnLst>
+                        <p:par>
+                          <p:cTn id="8" fill="hold">
+                            <p:stCondLst>
+                              <p:cond delay="0"/>
+                            </p:stCondLst>
+                            <p:childTnLst>
+                              <p:par>
+                                <p:cTn id="9" presetID="1" presetClass="entr" presetSubtype="0" fill="hold" grpId="0" nodeType="clickEffect">
+                                  <p:stCondLst>
+                                    <p:cond delay="0"/>
+                                  </p:stCondLst>
+                                  <p:childTnLst>
+                                    <p:set>
+                                      <p:cBhvr>
+                                        <p:cTn id="10" dur="1" fill="hold">
+                                          <p:stCondLst>
+                                            <p:cond delay="0"/>
+                                          </p:stCondLst>
+                                        </p:cTn>
+                                        <p:tgtEl>
+                                          <p:spTgt spid="14"/>
+                                        </p:tgtEl>
+                                        <p:attrNameLst>
+                                          <p:attrName>style.visibility</p:attrName>
+                                        </p:attrNameLst>
+                                      </p:cBhvr>
+                                      <p:to>
+                                        <p:strVal val="visible"/>
+                                      </p:to>
+                                    </p:set>
+                                  </p:childTnLst>
+                                </p:cTn>
+                              </p:par>
+                            </p:childTnLst>
+                          </p:cTn>
+                        </p:par>
+                      </p:childTnLst>
+                    </p:cTn>
+                  </p:par>
+                  <p:par>
+                    <p:cTn id="11" fill="hold">
+                      <p:stCondLst>
+                        <p:cond delay="indefinite"/>
+                      </p:stCondLst>
+                      <p:childTnLst>
+                        <p:par>
+                          <p:cTn id="12" fill="hold">
+                            <p:stCondLst>
+                              <p:cond delay="0"/>
+                            </p:stCondLst>
+                            <p:childTnLst>
+                              <p:par>
+                                <p:cTn id="13" presetID="1" presetClass="entr" presetSubtype="0" fill="hold" nodeType="clickEffect">
+                                  <p:stCondLst>
+                                    <p:cond delay="0"/>
+                                  </p:stCondLst>
+                                  <p:childTnLst>
+                                    <p:set>
+                                      <p:cBhvr>
+                                        <p:cTn id="14" dur="1" fill="hold">
+                                          <p:stCondLst>
+                                            <p:cond delay="0"/>
+                                          </p:stCondLst>
+                                        </p:cTn>
+                                        <p:tgtEl>
+                                          <p:spTgt spid="31"/>
+                                        </p:tgtEl>
+                                        <p:attrNameLst>
+                                          <p:attrName>style.visibility</p:attrName>
+                                        </p:attrNameLst>
+                                      </p:cBhvr>
+                                      <p:to>
+                                        <p:strVal val="visible"/>
+                                      </p:to>
+                                    </p:set>
+                                  </p:childTnLst>
+                                </p:cTn>
+                              </p:par>
+                            </p:childTnLst>
+                          </p:cTn>
+                        </p:par>
+                      </p:childTnLst>
+                    </p:cTn>
+                  </p:par>
+                  <p:par>
+                    <p:cTn id="15" fill="hold">
+                      <p:stCondLst>
+                        <p:cond delay="indefinite"/>
+                      </p:stCondLst>
+                      <p:childTnLst>
+                        <p:par>
+                          <p:cTn id="16" fill="hold">
+                            <p:stCondLst>
+                              <p:cond delay="0"/>
+                            </p:stCondLst>
+                            <p:childTnLst>
+                              <p:par>
+                                <p:cTn id="17" presetID="1" presetClass="entr" presetSubtype="0" fill="hold" grpId="0" nodeType="clickEffect">
+                                  <p:stCondLst>
+                                    <p:cond delay="0"/>
+                                  </p:stCondLst>
+                                  <p:childTnLst>
+                                    <p:set>
+                                      <p:cBhvr>
+                                        <p:cTn id="18" dur="1" fill="hold">
+                                          <p:stCondLst>
+                                            <p:cond delay="0"/>
+                                          </p:stCondLst>
+                                        </p:cTn>
+                                        <p:tgtEl>
+                                          <p:spTgt spid="15"/>
+                                        </p:tgtEl>
+                                        <p:attrNameLst>
+                                          <p:attrName>style.visibility</p:attrName>
+                                        </p:attrNameLst>
+                                      </p:cBhvr>
+                                      <p:to>
+                                        <p:strVal val="visible"/>
+                                      </p:to>
+                                    </p:set>
+                                  </p:childTnLst>
+                                </p:cTn>
+                              </p:par>
+                            </p:childTnLst>
+                          </p:cTn>
+                        </p:par>
+                      </p:childTnLst>
+                    </p:cTn>
+                  </p:par>
+                  <p:par>
+                    <p:cTn id="19" fill="hold">
+                      <p:stCondLst>
+                        <p:cond delay="indefinite"/>
+                      </p:stCondLst>
+                      <p:childTnLst>
+                        <p:par>
+                          <p:cTn id="20" fill="hold">
+                            <p:stCondLst>
+                              <p:cond delay="0"/>
+                            </p:stCondLst>
+                            <p:childTnLst>
+                              <p:par>
+                                <p:cTn id="21" presetID="1" presetClass="entr" presetSubtype="0" fill="hold" nodeType="clickEffect">
+                                  <p:stCondLst>
+                                    <p:cond delay="0"/>
+                                  </p:stCondLst>
+                                  <p:childTnLst>
+                                    <p:set>
+                                      <p:cBhvr>
+                                        <p:cTn id="22" dur="1" fill="hold">
+                                          <p:stCondLst>
+                                            <p:cond delay="0"/>
+                                          </p:stCondLst>
+                                        </p:cTn>
+                                        <p:tgtEl>
+                                          <p:spTgt spid="32"/>
+                                        </p:tgtEl>
+                                        <p:attrNameLst>
+                                          <p:attrName>style.visibility</p:attrName>
+                                        </p:attrNameLst>
+                                      </p:cBhvr>
+                                      <p:to>
+                                        <p:strVal val="visible"/>
+                                      </p:to>
+                                    </p:set>
+                                  </p:childTnLst>
+                                </p:cTn>
+                              </p:par>
+                            </p:childTnLst>
+                          </p:cTn>
+                        </p:par>
+                      </p:childTnLst>
+                    </p:cTn>
+                  </p:par>
+                </p:childTnLst>
+              </p:cTn>
+              <p:prevCondLst>
+                <p:cond evt="onPrev" delay="0">
+                  <p:tgtEl>
+                    <p:sldTgt/>
+                  </p:tgtEl>
+                </p:cond>
+              </p:prevCondLst>
+              <p:nextCondLst>
+                <p:cond evt="onNext" delay="0">
+                  <p:tgtEl>
+                    <p:sldTgt/>
+                  </p:tgtEl>
+                </p:cond>
+              </p:nextCondLst>
+            </p:seq>
+          </p:childTnLst>
+        </p:cTn>
       </p:par>
     </p:tnLst>
+    <p:bldLst>
+      <p:bldP spid="14" grpId="0"/>
+      <p:bldP spid="15" grpId="0"/>
+    </p:bldLst>
   </p:timing>
 </p:sld>
 </file>
@@ -4801,7 +5014,7 @@
           <p:cNvPr id="2" name="Title 1">
             <a:extLst>
               <a:ext uri="{FF2B5EF4-FFF2-40B4-BE49-F238E27FC236}">
-                <a16:creationId xmlns:a16="http://schemas.microsoft.com/office/drawing/2014/main" xmlns="" id="{3820A429-5ECD-EC4A-B430-BC96EE2088AE}"/>
+                <a16:creationId xmlns:a16="http://schemas.microsoft.com/office/drawing/2014/main" id="{14BB26A9-F1B6-FB46-8486-2718F871DA9F}"/>
               </a:ext>
             </a:extLst>
           </p:cNvPr>
@@ -4819,48 +5032,155 @@
           <a:p>
             <a:r>
               <a:rPr lang="en-US" dirty="0"/>
-              <a:t>architecture</a:t>
-            </a:r>
-          </a:p>
-        </p:txBody>
-      </p:sp>
-      <p:sp>
-        <p:nvSpPr>
-          <p:cNvPr id="3" name="Content Placeholder 2">
-            <a:extLst>
-              <a:ext uri="{FF2B5EF4-FFF2-40B4-BE49-F238E27FC236}">
-                <a16:creationId xmlns:a16="http://schemas.microsoft.com/office/drawing/2014/main" xmlns="" id="{E88026F1-460D-8549-BE38-50B93D330773}"/>
-              </a:ext>
-            </a:extLst>
-          </p:cNvPr>
-          <p:cNvSpPr>
-            <a:spLocks noGrp="1"/>
+              <a:t>Components &amp; clean architecture</a:t>
+            </a:r>
+          </a:p>
+        </p:txBody>
+      </p:sp>
+      <p:pic>
+        <p:nvPicPr>
+          <p:cNvPr id="15" name="Picture 14" descr="A screenshot of a cell phone&#10;&#10;Description automatically generated">
+            <a:extLst>
+              <a:ext uri="{FF2B5EF4-FFF2-40B4-BE49-F238E27FC236}">
+                <a16:creationId xmlns:a16="http://schemas.microsoft.com/office/drawing/2014/main" id="{7B9824A7-7DAA-3C42-88A7-A81C0C4FC6A1}"/>
+              </a:ext>
+            </a:extLst>
+          </p:cNvPr>
+          <p:cNvPicPr>
+            <a:picLocks noChangeAspect="1"/>
+          </p:cNvPicPr>
+          <p:nvPr/>
+        </p:nvPicPr>
+        <p:blipFill>
+          <a:blip r:embed="rId2"/>
+          <a:stretch>
+            <a:fillRect/>
+          </a:stretch>
+        </p:blipFill>
+        <p:spPr>
+          <a:xfrm>
+            <a:off x="1106424" y="1788501"/>
+            <a:ext cx="10247376" cy="4823454"/>
+          </a:xfrm>
+          <a:prstGeom prst="rect">
+            <a:avLst/>
+          </a:prstGeom>
+        </p:spPr>
+      </p:pic>
+      <p:sp>
+        <p:nvSpPr>
+          <p:cNvPr id="16" name="Rectangle 15">
+            <a:extLst>
+              <a:ext uri="{FF2B5EF4-FFF2-40B4-BE49-F238E27FC236}">
+                <a16:creationId xmlns:a16="http://schemas.microsoft.com/office/drawing/2014/main" id="{015F3742-CE40-2049-BF43-741ABA6DB166}"/>
+              </a:ext>
+            </a:extLst>
+          </p:cNvPr>
+          <p:cNvSpPr/>
+          <p:nvPr/>
+        </p:nvSpPr>
+        <p:spPr>
+          <a:xfrm>
+            <a:off x="0" y="0"/>
+            <a:ext cx="12192000" cy="1690688"/>
+          </a:xfrm>
+          <a:prstGeom prst="rect">
+            <a:avLst/>
+          </a:prstGeom>
+          <a:solidFill>
+            <a:srgbClr val="728FA5"/>
+          </a:solidFill>
+          <a:ln>
+            <a:noFill/>
+          </a:ln>
+        </p:spPr>
+        <p:style>
+          <a:lnRef idx="2">
+            <a:schemeClr val="accent1">
+              <a:shade val="50000"/>
+            </a:schemeClr>
+          </a:lnRef>
+          <a:fillRef idx="1">
+            <a:schemeClr val="accent1"/>
+          </a:fillRef>
+          <a:effectRef idx="0">
+            <a:schemeClr val="accent1"/>
+          </a:effectRef>
+          <a:fontRef idx="minor">
+            <a:schemeClr val="lt1"/>
+          </a:fontRef>
+        </p:style>
+        <p:txBody>
+          <a:bodyPr rtlCol="0" anchor="ctr"/>
+          <a:lstStyle/>
+          <a:p>
+            <a:pPr algn="ctr"/>
+            <a:endParaRPr lang="en-US"/>
+          </a:p>
+        </p:txBody>
+      </p:sp>
+      <p:sp>
+        <p:nvSpPr>
+          <p:cNvPr id="17" name="Title 1">
+            <a:extLst>
+              <a:ext uri="{FF2B5EF4-FFF2-40B4-BE49-F238E27FC236}">
+                <a16:creationId xmlns:a16="http://schemas.microsoft.com/office/drawing/2014/main" id="{72A9C31B-351F-3B41-A668-76B6C28EB75A}"/>
+              </a:ext>
+            </a:extLst>
+          </p:cNvPr>
+          <p:cNvSpPr txBox="1">
+            <a:spLocks/>
           </p:cNvSpPr>
-          <p:nvPr>
-            <p:ph idx="1"/>
-          </p:nvPr>
-        </p:nvSpPr>
-        <p:spPr/>
-        <p:txBody>
-          <a:bodyPr/>
-          <a:lstStyle/>
-          <a:p>
-            <a:r>
-              <a:rPr lang="en-US" dirty="0"/>
-              <a:t>@</a:t>
-            </a:r>
-            <a:r>
-              <a:rPr lang="en-US" dirty="0" err="1"/>
-              <a:t>tiberio</a:t>
-            </a:r>
-            <a:endParaRPr lang="en-US" dirty="0"/>
+          <p:nvPr/>
+        </p:nvSpPr>
+        <p:spPr>
+          <a:xfrm>
+            <a:off x="285939" y="202179"/>
+            <a:ext cx="10515600" cy="1325563"/>
+          </a:xfrm>
+          <a:prstGeom prst="rect">
+            <a:avLst/>
+          </a:prstGeom>
+        </p:spPr>
+        <p:txBody>
+          <a:bodyPr vert="horz" lIns="91440" tIns="45720" rIns="91440" bIns="45720" rtlCol="0" anchor="ctr">
+            <a:normAutofit/>
+          </a:bodyPr>
+          <a:lstStyle>
+            <a:lvl1pPr algn="l" defTabSz="914400" rtl="0" eaLnBrk="1" latinLnBrk="0" hangingPunct="1">
+              <a:lnSpc>
+                <a:spcPct val="90000"/>
+              </a:lnSpc>
+              <a:spcBef>
+                <a:spcPct val="0"/>
+              </a:spcBef>
+              <a:buNone/>
+              <a:defRPr sz="4400" b="0" i="0" kern="1200">
+                <a:solidFill>
+                  <a:schemeClr val="tx1"/>
+                </a:solidFill>
+                <a:latin typeface="Futura Light" pitchFamily="2" charset="77"/>
+                <a:ea typeface="+mj-ea"/>
+                <a:cs typeface="+mj-cs"/>
+              </a:defRPr>
+            </a:lvl1pPr>
+          </a:lstStyle>
+          <a:p>
+            <a:r>
+              <a:rPr lang="en-US" sz="5400" b="1" dirty="0">
+                <a:solidFill>
+                  <a:schemeClr val="bg1"/>
+                </a:solidFill>
+              </a:rPr>
+              <a:t>Mobile App components</a:t>
+            </a:r>
           </a:p>
         </p:txBody>
       </p:sp>
     </p:spTree>
     <p:extLst>
       <p:ext uri="{BB962C8B-B14F-4D97-AF65-F5344CB8AC3E}">
-        <p14:creationId xmlns:p14="http://schemas.microsoft.com/office/powerpoint/2010/main" val="3795005552"/>
+        <p14:creationId xmlns:p14="http://schemas.microsoft.com/office/powerpoint/2010/main" val="3145140421"/>
       </p:ext>
     </p:extLst>
   </p:cSld>
@@ -4892,7 +5212,7 @@
           <p:cNvPr id="2" name="Title 1">
             <a:extLst>
               <a:ext uri="{FF2B5EF4-FFF2-40B4-BE49-F238E27FC236}">
-                <a16:creationId xmlns:a16="http://schemas.microsoft.com/office/drawing/2014/main" xmlns="" id="{14BB26A9-F1B6-FB46-8486-2718F871DA9F}"/>
+                <a16:creationId xmlns:a16="http://schemas.microsoft.com/office/drawing/2014/main" id="{14BB26A9-F1B6-FB46-8486-2718F871DA9F}"/>
               </a:ext>
             </a:extLst>
           </p:cNvPr>
@@ -4910,48 +5230,160 @@
           <a:p>
             <a:r>
               <a:rPr lang="en-US" dirty="0"/>
-              <a:t>components</a:t>
-            </a:r>
-          </a:p>
-        </p:txBody>
-      </p:sp>
-      <p:sp>
-        <p:nvSpPr>
-          <p:cNvPr id="3" name="Content Placeholder 2">
-            <a:extLst>
-              <a:ext uri="{FF2B5EF4-FFF2-40B4-BE49-F238E27FC236}">
-                <a16:creationId xmlns:a16="http://schemas.microsoft.com/office/drawing/2014/main" xmlns="" id="{189697FC-AE8F-E547-9152-6962C12FDBE8}"/>
-              </a:ext>
-            </a:extLst>
-          </p:cNvPr>
-          <p:cNvSpPr>
-            <a:spLocks noGrp="1"/>
+              <a:t>Components &amp; clean architecture</a:t>
+            </a:r>
+          </a:p>
+        </p:txBody>
+      </p:sp>
+      <p:pic>
+        <p:nvPicPr>
+          <p:cNvPr id="4" name="Picture 3" descr="A screenshot of a cell phone&#10;&#10;Description automatically generated">
+            <a:extLst>
+              <a:ext uri="{FF2B5EF4-FFF2-40B4-BE49-F238E27FC236}">
+                <a16:creationId xmlns:a16="http://schemas.microsoft.com/office/drawing/2014/main" id="{A9E9CD81-5508-D64A-8E38-DC4EF6DE3320}"/>
+              </a:ext>
+            </a:extLst>
+          </p:cNvPr>
+          <p:cNvPicPr>
+            <a:picLocks noChangeAspect="1"/>
+          </p:cNvPicPr>
+          <p:nvPr/>
+        </p:nvPicPr>
+        <p:blipFill>
+          <a:blip r:embed="rId2"/>
+          <a:stretch>
+            <a:fillRect/>
+          </a:stretch>
+        </p:blipFill>
+        <p:spPr>
+          <a:xfrm>
+            <a:off x="927806" y="2055813"/>
+            <a:ext cx="9689706" cy="4585821"/>
+          </a:xfrm>
+          <a:prstGeom prst="rect">
+            <a:avLst/>
+          </a:prstGeom>
+        </p:spPr>
+      </p:pic>
+      <p:sp>
+        <p:nvSpPr>
+          <p:cNvPr id="6" name="Rectangle 5">
+            <a:extLst>
+              <a:ext uri="{FF2B5EF4-FFF2-40B4-BE49-F238E27FC236}">
+                <a16:creationId xmlns:a16="http://schemas.microsoft.com/office/drawing/2014/main" id="{85BC34CC-7E49-C242-8ECE-9880297D2998}"/>
+              </a:ext>
+            </a:extLst>
+          </p:cNvPr>
+          <p:cNvSpPr/>
+          <p:nvPr/>
+        </p:nvSpPr>
+        <p:spPr>
+          <a:xfrm>
+            <a:off x="0" y="0"/>
+            <a:ext cx="12192000" cy="1690688"/>
+          </a:xfrm>
+          <a:prstGeom prst="rect">
+            <a:avLst/>
+          </a:prstGeom>
+          <a:solidFill>
+            <a:srgbClr val="728FA5"/>
+          </a:solidFill>
+          <a:ln>
+            <a:noFill/>
+          </a:ln>
+        </p:spPr>
+        <p:style>
+          <a:lnRef idx="2">
+            <a:schemeClr val="accent1">
+              <a:shade val="50000"/>
+            </a:schemeClr>
+          </a:lnRef>
+          <a:fillRef idx="1">
+            <a:schemeClr val="accent1"/>
+          </a:fillRef>
+          <a:effectRef idx="0">
+            <a:schemeClr val="accent1"/>
+          </a:effectRef>
+          <a:fontRef idx="minor">
+            <a:schemeClr val="lt1"/>
+          </a:fontRef>
+        </p:style>
+        <p:txBody>
+          <a:bodyPr rtlCol="0" anchor="ctr"/>
+          <a:lstStyle/>
+          <a:p>
+            <a:pPr algn="ctr"/>
+            <a:endParaRPr lang="en-US"/>
+          </a:p>
+        </p:txBody>
+      </p:sp>
+      <p:sp>
+        <p:nvSpPr>
+          <p:cNvPr id="7" name="Title 1">
+            <a:extLst>
+              <a:ext uri="{FF2B5EF4-FFF2-40B4-BE49-F238E27FC236}">
+                <a16:creationId xmlns:a16="http://schemas.microsoft.com/office/drawing/2014/main" id="{A1DFBAC2-657F-8746-9F98-3FABC49E4EE7}"/>
+              </a:ext>
+            </a:extLst>
+          </p:cNvPr>
+          <p:cNvSpPr txBox="1">
+            <a:spLocks/>
           </p:cNvSpPr>
-          <p:nvPr>
-            <p:ph idx="1"/>
-          </p:nvPr>
-        </p:nvSpPr>
-        <p:spPr/>
-        <p:txBody>
-          <a:bodyPr/>
-          <a:lstStyle/>
-          <a:p>
-            <a:r>
-              <a:rPr lang="en-US" dirty="0"/>
-              <a:t>@</a:t>
-            </a:r>
-            <a:r>
-              <a:rPr lang="en-US" dirty="0" err="1"/>
-              <a:t>tiberio</a:t>
-            </a:r>
-            <a:endParaRPr lang="en-US" dirty="0"/>
+          <p:nvPr/>
+        </p:nvSpPr>
+        <p:spPr>
+          <a:xfrm>
+            <a:off x="285939" y="202179"/>
+            <a:ext cx="10515600" cy="1325563"/>
+          </a:xfrm>
+          <a:prstGeom prst="rect">
+            <a:avLst/>
+          </a:prstGeom>
+        </p:spPr>
+        <p:txBody>
+          <a:bodyPr vert="horz" lIns="91440" tIns="45720" rIns="91440" bIns="45720" rtlCol="0" anchor="ctr">
+            <a:normAutofit/>
+          </a:bodyPr>
+          <a:lstStyle>
+            <a:lvl1pPr algn="l" defTabSz="914400" rtl="0" eaLnBrk="1" latinLnBrk="0" hangingPunct="1">
+              <a:lnSpc>
+                <a:spcPct val="90000"/>
+              </a:lnSpc>
+              <a:spcBef>
+                <a:spcPct val="0"/>
+              </a:spcBef>
+              <a:buNone/>
+              <a:defRPr sz="4400" b="0" i="0" kern="1200">
+                <a:solidFill>
+                  <a:schemeClr val="tx1"/>
+                </a:solidFill>
+                <a:latin typeface="Futura Light" pitchFamily="2" charset="77"/>
+                <a:ea typeface="+mj-ea"/>
+                <a:cs typeface="+mj-cs"/>
+              </a:defRPr>
+            </a:lvl1pPr>
+          </a:lstStyle>
+          <a:p>
+            <a:r>
+              <a:rPr lang="en-GB" sz="5400" b="1" dirty="0">
+                <a:solidFill>
+                  <a:schemeClr val="bg1"/>
+                </a:solidFill>
+              </a:rPr>
+              <a:t>Server Components</a:t>
+            </a:r>
+            <a:endParaRPr lang="en-US" sz="5400" b="1" dirty="0">
+              <a:solidFill>
+                <a:schemeClr val="bg1"/>
+              </a:solidFill>
+            </a:endParaRPr>
           </a:p>
         </p:txBody>
       </p:sp>
     </p:spTree>
     <p:extLst>
       <p:ext uri="{BB962C8B-B14F-4D97-AF65-F5344CB8AC3E}">
-        <p14:creationId xmlns:p14="http://schemas.microsoft.com/office/powerpoint/2010/main" val="3145140421"/>
+        <p14:creationId xmlns:p14="http://schemas.microsoft.com/office/powerpoint/2010/main" val="2377942193"/>
       </p:ext>
     </p:extLst>
   </p:cSld>
@@ -4983,7 +5415,7 @@
           <p:cNvPr id="2" name="Title 1">
             <a:extLst>
               <a:ext uri="{FF2B5EF4-FFF2-40B4-BE49-F238E27FC236}">
-                <a16:creationId xmlns:a16="http://schemas.microsoft.com/office/drawing/2014/main" xmlns="" id="{276FA0D4-C954-984C-9472-2285DDA32842}"/>
+                <a16:creationId xmlns:a16="http://schemas.microsoft.com/office/drawing/2014/main" id="{276FA0D4-C954-984C-9472-2285DDA32842}"/>
               </a:ext>
             </a:extLst>
           </p:cNvPr>
@@ -5006,36 +5438,148 @@
           </a:p>
         </p:txBody>
       </p:sp>
-      <p:sp>
-        <p:nvSpPr>
-          <p:cNvPr id="3" name="Content Placeholder 2">
-            <a:extLst>
-              <a:ext uri="{FF2B5EF4-FFF2-40B4-BE49-F238E27FC236}">
-                <a16:creationId xmlns:a16="http://schemas.microsoft.com/office/drawing/2014/main" xmlns="" id="{51695C54-73DE-964B-9238-1CFB2DED017E}"/>
-              </a:ext>
-            </a:extLst>
-          </p:cNvPr>
-          <p:cNvSpPr>
-            <a:spLocks noGrp="1"/>
+      <p:pic>
+        <p:nvPicPr>
+          <p:cNvPr id="5" name="Picture 4" descr="A picture containing text, map&#10;&#10;Description automatically generated">
+            <a:extLst>
+              <a:ext uri="{FF2B5EF4-FFF2-40B4-BE49-F238E27FC236}">
+                <a16:creationId xmlns:a16="http://schemas.microsoft.com/office/drawing/2014/main" id="{D60205EE-4646-3B46-8932-AE42D7FCEFDE}"/>
+              </a:ext>
+            </a:extLst>
+          </p:cNvPr>
+          <p:cNvPicPr>
+            <a:picLocks noChangeAspect="1"/>
+          </p:cNvPicPr>
+          <p:nvPr/>
+        </p:nvPicPr>
+        <p:blipFill>
+          <a:blip r:embed="rId2"/>
+          <a:stretch>
+            <a:fillRect/>
+          </a:stretch>
+        </p:blipFill>
+        <p:spPr>
+          <a:xfrm>
+            <a:off x="1447799" y="1533805"/>
+            <a:ext cx="8507506" cy="4785472"/>
+          </a:xfrm>
+          <a:prstGeom prst="rect">
+            <a:avLst/>
+          </a:prstGeom>
+        </p:spPr>
+      </p:pic>
+      <p:sp>
+        <p:nvSpPr>
+          <p:cNvPr id="6" name="Rectangle 5">
+            <a:extLst>
+              <a:ext uri="{FF2B5EF4-FFF2-40B4-BE49-F238E27FC236}">
+                <a16:creationId xmlns:a16="http://schemas.microsoft.com/office/drawing/2014/main" id="{C1DD5CDD-B43C-F746-A4D9-8E7588D26370}"/>
+              </a:ext>
+            </a:extLst>
+          </p:cNvPr>
+          <p:cNvSpPr/>
+          <p:nvPr/>
+        </p:nvSpPr>
+        <p:spPr>
+          <a:xfrm>
+            <a:off x="0" y="0"/>
+            <a:ext cx="12192000" cy="1690688"/>
+          </a:xfrm>
+          <a:prstGeom prst="rect">
+            <a:avLst/>
+          </a:prstGeom>
+          <a:solidFill>
+            <a:srgbClr val="728FA5"/>
+          </a:solidFill>
+          <a:ln>
+            <a:noFill/>
+          </a:ln>
+        </p:spPr>
+        <p:style>
+          <a:lnRef idx="2">
+            <a:schemeClr val="accent1">
+              <a:shade val="50000"/>
+            </a:schemeClr>
+          </a:lnRef>
+          <a:fillRef idx="1">
+            <a:schemeClr val="accent1"/>
+          </a:fillRef>
+          <a:effectRef idx="0">
+            <a:schemeClr val="accent1"/>
+          </a:effectRef>
+          <a:fontRef idx="minor">
+            <a:schemeClr val="lt1"/>
+          </a:fontRef>
+        </p:style>
+        <p:txBody>
+          <a:bodyPr rtlCol="0" anchor="ctr"/>
+          <a:lstStyle/>
+          <a:p>
+            <a:pPr algn="ctr"/>
+            <a:endParaRPr lang="en-US"/>
+          </a:p>
+        </p:txBody>
+      </p:sp>
+      <p:sp>
+        <p:nvSpPr>
+          <p:cNvPr id="7" name="Title 1">
+            <a:extLst>
+              <a:ext uri="{FF2B5EF4-FFF2-40B4-BE49-F238E27FC236}">
+                <a16:creationId xmlns:a16="http://schemas.microsoft.com/office/drawing/2014/main" id="{998287BD-0D49-5948-AB02-29F63E0691ED}"/>
+              </a:ext>
+            </a:extLst>
+          </p:cNvPr>
+          <p:cNvSpPr txBox="1">
+            <a:spLocks/>
           </p:cNvSpPr>
-          <p:nvPr>
-            <p:ph idx="1"/>
-          </p:nvPr>
-        </p:nvSpPr>
-        <p:spPr/>
-        <p:txBody>
-          <a:bodyPr/>
-          <a:lstStyle/>
-          <a:p>
-            <a:r>
-              <a:rPr lang="en-US" dirty="0"/>
-              <a:t>@</a:t>
-            </a:r>
-            <a:r>
-              <a:rPr lang="en-US" dirty="0" err="1"/>
-              <a:t>saeid</a:t>
-            </a:r>
-            <a:endParaRPr lang="en-US" dirty="0"/>
+          <p:nvPr/>
+        </p:nvSpPr>
+        <p:spPr>
+          <a:xfrm>
+            <a:off x="285939" y="202179"/>
+            <a:ext cx="10515600" cy="1325563"/>
+          </a:xfrm>
+          <a:prstGeom prst="rect">
+            <a:avLst/>
+          </a:prstGeom>
+        </p:spPr>
+        <p:txBody>
+          <a:bodyPr vert="horz" lIns="91440" tIns="45720" rIns="91440" bIns="45720" rtlCol="0" anchor="ctr">
+            <a:normAutofit/>
+          </a:bodyPr>
+          <a:lstStyle>
+            <a:lvl1pPr algn="l" defTabSz="914400" rtl="0" eaLnBrk="1" latinLnBrk="0" hangingPunct="1">
+              <a:lnSpc>
+                <a:spcPct val="90000"/>
+              </a:lnSpc>
+              <a:spcBef>
+                <a:spcPct val="0"/>
+              </a:spcBef>
+              <a:buNone/>
+              <a:defRPr sz="4400" b="0" i="0" kern="1200">
+                <a:solidFill>
+                  <a:schemeClr val="tx1"/>
+                </a:solidFill>
+                <a:latin typeface="Futura Light" pitchFamily="2" charset="77"/>
+                <a:ea typeface="+mj-ea"/>
+                <a:cs typeface="+mj-cs"/>
+              </a:defRPr>
+            </a:lvl1pPr>
+          </a:lstStyle>
+          <a:p>
+            <a:r>
+              <a:rPr lang="en-GB" sz="5400" b="1" dirty="0">
+                <a:solidFill>
+                  <a:schemeClr val="bg1"/>
+                </a:solidFill>
+              </a:rPr>
+              <a:t>Implementation &amp; Testing</a:t>
+            </a:r>
+            <a:endParaRPr lang="en-US" sz="5400" b="1" dirty="0">
+              <a:solidFill>
+                <a:schemeClr val="bg1"/>
+              </a:solidFill>
+            </a:endParaRPr>
           </a:p>
         </p:txBody>
       </p:sp>
@@ -5071,91 +5615,139 @@
       </p:grpSpPr>
       <p:sp>
         <p:nvSpPr>
-          <p:cNvPr id="2" name="Title 1">
-            <a:extLst>
-              <a:ext uri="{FF2B5EF4-FFF2-40B4-BE49-F238E27FC236}">
-                <a16:creationId xmlns:a16="http://schemas.microsoft.com/office/drawing/2014/main" xmlns="" id="{F5D24B61-0279-D44D-BD75-4E5262DCC8DF}"/>
-              </a:ext>
-            </a:extLst>
-          </p:cNvPr>
-          <p:cNvSpPr>
-            <a:spLocks noGrp="1"/>
+          <p:cNvPr id="9" name="Rectangle 8">
+            <a:extLst>
+              <a:ext uri="{FF2B5EF4-FFF2-40B4-BE49-F238E27FC236}">
+                <a16:creationId xmlns:a16="http://schemas.microsoft.com/office/drawing/2014/main" id="{94788CB8-F337-3D4A-96A2-15975A9682C1}"/>
+              </a:ext>
+            </a:extLst>
+          </p:cNvPr>
+          <p:cNvSpPr/>
+          <p:nvPr/>
+        </p:nvSpPr>
+        <p:spPr>
+          <a:xfrm>
+            <a:off x="0" y="-1"/>
+            <a:ext cx="12192000" cy="6858001"/>
+          </a:xfrm>
+          <a:prstGeom prst="rect">
+            <a:avLst/>
+          </a:prstGeom>
+          <a:solidFill>
+            <a:srgbClr val="728FA5"/>
+          </a:solidFill>
+          <a:ln>
+            <a:noFill/>
+          </a:ln>
+        </p:spPr>
+        <p:style>
+          <a:lnRef idx="2">
+            <a:schemeClr val="accent1">
+              <a:shade val="50000"/>
+            </a:schemeClr>
+          </a:lnRef>
+          <a:fillRef idx="1">
+            <a:schemeClr val="accent1"/>
+          </a:fillRef>
+          <a:effectRef idx="0">
+            <a:schemeClr val="accent1"/>
+          </a:effectRef>
+          <a:fontRef idx="minor">
+            <a:schemeClr val="lt1"/>
+          </a:fontRef>
+        </p:style>
+        <p:txBody>
+          <a:bodyPr rtlCol="0" anchor="ctr"/>
+          <a:lstStyle/>
+          <a:p>
+            <a:pPr algn="ctr"/>
+            <a:endParaRPr lang="en-US"/>
+          </a:p>
+        </p:txBody>
+      </p:sp>
+      <p:sp>
+        <p:nvSpPr>
+          <p:cNvPr id="6" name="Title 1">
+            <a:extLst>
+              <a:ext uri="{FF2B5EF4-FFF2-40B4-BE49-F238E27FC236}">
+                <a16:creationId xmlns:a16="http://schemas.microsoft.com/office/drawing/2014/main" id="{FE570DEB-EC52-0942-858A-C58059A724DE}"/>
+              </a:ext>
+            </a:extLst>
+          </p:cNvPr>
+          <p:cNvSpPr txBox="1">
+            <a:spLocks/>
           </p:cNvSpPr>
-          <p:nvPr>
-            <p:ph type="title"/>
-          </p:nvPr>
-        </p:nvSpPr>
-        <p:spPr/>
-        <p:txBody>
-          <a:bodyPr/>
-          <a:lstStyle/>
-          <a:p>
-            <a:r>
-              <a:rPr lang="en-GB" dirty="0"/>
-              <a:t>For the RASD part:</a:t>
-            </a:r>
-            <a:endParaRPr lang="en-US" dirty="0"/>
-          </a:p>
-        </p:txBody>
-      </p:sp>
-      <p:sp>
-        <p:nvSpPr>
-          <p:cNvPr id="3" name="Content Placeholder 2">
-            <a:extLst>
-              <a:ext uri="{FF2B5EF4-FFF2-40B4-BE49-F238E27FC236}">
-                <a16:creationId xmlns:a16="http://schemas.microsoft.com/office/drawing/2014/main" xmlns="" id="{18AF6001-A8E4-AD48-B55E-744D0D786BBE}"/>
-              </a:ext>
-            </a:extLst>
-          </p:cNvPr>
-          <p:cNvSpPr>
-            <a:spLocks noGrp="1"/>
-          </p:cNvSpPr>
-          <p:nvPr>
-            <p:ph idx="1"/>
-          </p:nvPr>
-        </p:nvSpPr>
-        <p:spPr/>
-        <p:txBody>
-          <a:bodyPr/>
-          <a:lstStyle/>
-          <a:p>
-            <a:r>
-              <a:rPr lang="en-GB" dirty="0"/>
-              <a:t>Goals of the system   </a:t>
-            </a:r>
-          </a:p>
-          <a:p>
-            <a:r>
-              <a:rPr lang="en-GB" dirty="0"/>
-              <a:t>Boundaries, for example describe some world and machine phenomena to highlight such boundaries</a:t>
-            </a:r>
-          </a:p>
-          <a:p>
-            <a:r>
-              <a:rPr lang="en-GB" dirty="0"/>
-              <a:t>Meaningful use cases   </a:t>
-            </a:r>
-          </a:p>
-          <a:p>
-            <a:r>
-              <a:rPr lang="en-GB" dirty="0"/>
-              <a:t>The most important three to five requirements   </a:t>
-            </a:r>
-          </a:p>
-          <a:p>
-            <a:r>
-              <a:rPr lang="en-GB" dirty="0"/>
-              <a:t>The most important assumptions   </a:t>
-            </a:r>
-          </a:p>
-          <a:p>
-            <a:r>
-              <a:rPr lang="en-GB" dirty="0"/>
-              <a:t>What you aim to analyse and prove through the Alloy model</a:t>
-            </a:r>
-          </a:p>
-          <a:p>
-            <a:endParaRPr lang="en-US" dirty="0"/>
+          <p:nvPr/>
+        </p:nvSpPr>
+        <p:spPr>
+          <a:xfrm>
+            <a:off x="0" y="0"/>
+            <a:ext cx="12192000" cy="6858000"/>
+          </a:xfrm>
+          <a:prstGeom prst="rect">
+            <a:avLst/>
+          </a:prstGeom>
+        </p:spPr>
+        <p:txBody>
+          <a:bodyPr vert="horz" lIns="91440" tIns="45720" rIns="91440" bIns="45720" rtlCol="0" anchor="ctr">
+            <a:noAutofit/>
+          </a:bodyPr>
+          <a:lstStyle>
+            <a:lvl1pPr algn="l" defTabSz="914400" rtl="0" eaLnBrk="1" latinLnBrk="0" hangingPunct="1">
+              <a:lnSpc>
+                <a:spcPct val="90000"/>
+              </a:lnSpc>
+              <a:spcBef>
+                <a:spcPct val="0"/>
+              </a:spcBef>
+              <a:buNone/>
+              <a:defRPr sz="4400" b="0" i="0" kern="1200">
+                <a:solidFill>
+                  <a:schemeClr val="tx1"/>
+                </a:solidFill>
+                <a:latin typeface="Futura Light" pitchFamily="2" charset="77"/>
+                <a:ea typeface="+mj-ea"/>
+                <a:cs typeface="+mj-cs"/>
+              </a:defRPr>
+            </a:lvl1pPr>
+          </a:lstStyle>
+          <a:p>
+            <a:pPr algn="ctr"/>
+            <a:r>
+              <a:rPr lang="en-GB" sz="5400" b="1" dirty="0">
+                <a:solidFill>
+                  <a:schemeClr val="bg1"/>
+                </a:solidFill>
+              </a:rPr>
+              <a:t>Requirement Analysis </a:t>
+            </a:r>
+          </a:p>
+          <a:p>
+            <a:pPr algn="ctr"/>
+            <a:r>
+              <a:rPr lang="en-GB" sz="5400" b="1" dirty="0">
+                <a:solidFill>
+                  <a:schemeClr val="bg1"/>
+                </a:solidFill>
+              </a:rPr>
+              <a:t>and Specification Document </a:t>
+            </a:r>
+          </a:p>
+          <a:p>
+            <a:pPr algn="ctr"/>
+            <a:r>
+              <a:rPr lang="en-GB" sz="5400" b="1" dirty="0">
+                <a:solidFill>
+                  <a:schemeClr val="bg1"/>
+                </a:solidFill>
+              </a:rPr>
+              <a:t>(RASD) </a:t>
+            </a:r>
+            <a:endParaRPr lang="en-US" sz="5400" b="1" dirty="0">
+              <a:solidFill>
+                <a:schemeClr val="bg1"/>
+              </a:solidFill>
+            </a:endParaRPr>
           </a:p>
         </p:txBody>
       </p:sp>
@@ -5191,10 +5783,62 @@
       </p:grpSpPr>
       <p:sp>
         <p:nvSpPr>
+          <p:cNvPr id="10" name="Rectangle 9">
+            <a:extLst>
+              <a:ext uri="{FF2B5EF4-FFF2-40B4-BE49-F238E27FC236}">
+                <a16:creationId xmlns:a16="http://schemas.microsoft.com/office/drawing/2014/main" id="{E5A0BE87-8DCB-E844-B7E2-69EB4215E06D}"/>
+              </a:ext>
+            </a:extLst>
+          </p:cNvPr>
+          <p:cNvSpPr/>
+          <p:nvPr/>
+        </p:nvSpPr>
+        <p:spPr>
+          <a:xfrm>
+            <a:off x="0" y="0"/>
+            <a:ext cx="12192000" cy="1690688"/>
+          </a:xfrm>
+          <a:prstGeom prst="rect">
+            <a:avLst/>
+          </a:prstGeom>
+          <a:solidFill>
+            <a:srgbClr val="728FA5"/>
+          </a:solidFill>
+          <a:ln>
+            <a:noFill/>
+          </a:ln>
+        </p:spPr>
+        <p:style>
+          <a:lnRef idx="2">
+            <a:schemeClr val="accent1">
+              <a:shade val="50000"/>
+            </a:schemeClr>
+          </a:lnRef>
+          <a:fillRef idx="1">
+            <a:schemeClr val="accent1"/>
+          </a:fillRef>
+          <a:effectRef idx="0">
+            <a:schemeClr val="accent1"/>
+          </a:effectRef>
+          <a:fontRef idx="minor">
+            <a:schemeClr val="lt1"/>
+          </a:fontRef>
+        </p:style>
+        <p:txBody>
+          <a:bodyPr rtlCol="0" anchor="ctr"/>
+          <a:lstStyle/>
+          <a:p>
+            <a:pPr algn="ctr"/>
+            <a:endParaRPr lang="en-US"/>
+          </a:p>
+        </p:txBody>
+      </p:sp>
+      <p:sp>
+        <p:nvSpPr>
           <p:cNvPr id="2" name="Title 1">
             <a:extLst>
               <a:ext uri="{FF2B5EF4-FFF2-40B4-BE49-F238E27FC236}">
-                <a16:creationId xmlns:a16="http://schemas.microsoft.com/office/drawing/2014/main" xmlns="" id="{842B374F-7FD0-004B-BE04-564927B941ED}"/>
+                <a16:creationId xmlns:a16="http://schemas.microsoft.com/office/drawing/2014/main" id="{842B374F-7FD0-004B-BE04-564927B941ED}"/>
               </a:ext>
             </a:extLst>
           </p:cNvPr>
@@ -5205,25 +5849,40 @@
             <p:ph type="title"/>
           </p:nvPr>
         </p:nvSpPr>
-        <p:spPr/>
-        <p:txBody>
-          <a:bodyPr/>
+        <p:spPr>
+          <a:xfrm>
+            <a:off x="285939" y="202179"/>
+            <a:ext cx="10515600" cy="1325563"/>
+          </a:xfrm>
+        </p:spPr>
+        <p:txBody>
+          <a:bodyPr>
+            <a:normAutofit/>
+          </a:bodyPr>
           <a:lstStyle/>
           <a:p>
             <a:r>
-              <a:rPr lang="en-GB" dirty="0"/>
-              <a:t>Goals of the system   </a:t>
-            </a:r>
-            <a:endParaRPr lang="en-US" dirty="0"/>
-          </a:p>
-        </p:txBody>
-      </p:sp>
-      <p:sp>
-        <p:nvSpPr>
-          <p:cNvPr id="3" name="Content Placeholder 2">
-            <a:extLst>
-              <a:ext uri="{FF2B5EF4-FFF2-40B4-BE49-F238E27FC236}">
-                <a16:creationId xmlns:a16="http://schemas.microsoft.com/office/drawing/2014/main" xmlns="" id="{D977E4BE-F1C9-9D42-B289-39E0F68683B3}"/>
+              <a:rPr lang="en-GB" sz="5400" b="1" dirty="0">
+                <a:solidFill>
+                  <a:schemeClr val="bg1"/>
+                </a:solidFill>
+              </a:rPr>
+              <a:t>Goals &amp; use-cases of the system   </a:t>
+            </a:r>
+            <a:endParaRPr lang="en-US" sz="5400" b="1" dirty="0">
+              <a:solidFill>
+                <a:schemeClr val="bg1"/>
+              </a:solidFill>
+            </a:endParaRPr>
+          </a:p>
+        </p:txBody>
+      </p:sp>
+      <p:sp>
+        <p:nvSpPr>
+          <p:cNvPr id="5" name="Content Placeholder 4">
+            <a:extLst>
+              <a:ext uri="{FF2B5EF4-FFF2-40B4-BE49-F238E27FC236}">
+                <a16:creationId xmlns:a16="http://schemas.microsoft.com/office/drawing/2014/main" id="{E0184F76-F400-2E46-8FCA-67D26AAF9722}"/>
               </a:ext>
             </a:extLst>
           </p:cNvPr>
@@ -5234,194 +5893,520 @@
             <p:ph idx="1"/>
           </p:nvPr>
         </p:nvSpPr>
-        <p:spPr/>
-        <p:txBody>
-          <a:bodyPr/>
+        <p:spPr>
+          <a:xfrm>
+            <a:off x="521208" y="2364124"/>
+            <a:ext cx="3877056" cy="4297680"/>
+          </a:xfrm>
+        </p:spPr>
+        <p:txBody>
+          <a:bodyPr>
+            <a:normAutofit/>
+          </a:bodyPr>
           <a:lstStyle/>
           <a:p>
-            <a:r>
-              <a:rPr lang="en-US" dirty="0" smtClean="0"/>
-              <a:t>[G1]</a:t>
-            </a:r>
-            <a:r>
-              <a:rPr lang="fa-IR" dirty="0" smtClean="0"/>
-              <a:t> </a:t>
-            </a:r>
+            <a:pPr marL="0" indent="0">
+              <a:buNone/>
+            </a:pPr>
             <a:r>
               <a:rPr lang="en-US" dirty="0"/>
-              <a:t>Allow users to notify authorities about traffic violations</a:t>
-            </a:r>
-            <a:endParaRPr lang="fa-IR" dirty="0" smtClean="0"/>
-          </a:p>
-          <a:p>
+              <a:t>Reporting</a:t>
+            </a:r>
+          </a:p>
+          <a:p>
+            <a:pPr marL="0" indent="0">
+              <a:buNone/>
+            </a:pPr>
+            <a:endParaRPr lang="en-US" dirty="0"/>
+          </a:p>
+          <a:p>
+            <a:r>
+              <a:rPr lang="en-US" dirty="0">
+                <a:latin typeface="Futura Light" pitchFamily="2" charset="77"/>
+              </a:rPr>
+              <a:t>Picture</a:t>
+            </a:r>
+          </a:p>
+          <a:p>
+            <a:r>
+              <a:rPr lang="en-US" dirty="0">
+                <a:latin typeface="Futura Light" pitchFamily="2" charset="77"/>
+              </a:rPr>
+              <a:t>Location</a:t>
+            </a:r>
+          </a:p>
+          <a:p>
+            <a:r>
+              <a:rPr lang="en-US" dirty="0">
+                <a:latin typeface="Futura Light" pitchFamily="2" charset="77"/>
+              </a:rPr>
+              <a:t>Kind of violation</a:t>
+            </a:r>
+          </a:p>
+          <a:p>
+            <a:endParaRPr lang="en-US" dirty="0"/>
+          </a:p>
+        </p:txBody>
+      </p:sp>
+      <p:sp>
+        <p:nvSpPr>
+          <p:cNvPr id="8" name="Content Placeholder 4">
+            <a:extLst>
+              <a:ext uri="{FF2B5EF4-FFF2-40B4-BE49-F238E27FC236}">
+                <a16:creationId xmlns:a16="http://schemas.microsoft.com/office/drawing/2014/main" id="{A93FF91E-546F-6048-8911-B6C418986BB5}"/>
+              </a:ext>
+            </a:extLst>
+          </p:cNvPr>
+          <p:cNvSpPr txBox="1">
+            <a:spLocks/>
+          </p:cNvSpPr>
+          <p:nvPr/>
+        </p:nvSpPr>
+        <p:spPr>
+          <a:xfrm>
+            <a:off x="8159496" y="2373268"/>
+            <a:ext cx="3877056" cy="4297680"/>
+          </a:xfrm>
+          <a:prstGeom prst="rect">
+            <a:avLst/>
+          </a:prstGeom>
+        </p:spPr>
+        <p:txBody>
+          <a:bodyPr vert="horz" lIns="91440" tIns="45720" rIns="91440" bIns="45720" rtlCol="0">
+            <a:normAutofit/>
+          </a:bodyPr>
+          <a:lstStyle>
+            <a:lvl1pPr marL="228600" indent="-228600" algn="l" defTabSz="914400" rtl="0" eaLnBrk="1" latinLnBrk="0" hangingPunct="1">
+              <a:lnSpc>
+                <a:spcPct val="90000"/>
+              </a:lnSpc>
+              <a:spcBef>
+                <a:spcPts val="1000"/>
+              </a:spcBef>
+              <a:buFont typeface="Arial" panose="020B0604020202020204" pitchFamily="34" charset="0"/>
+              <a:buChar char="•"/>
+              <a:defRPr sz="2800" b="0" i="0" kern="1200">
+                <a:solidFill>
+                  <a:schemeClr val="tx1"/>
+                </a:solidFill>
+                <a:latin typeface="Futura Medium" panose="020B0602020204020303" pitchFamily="34" charset="-79"/>
+                <a:ea typeface="+mn-ea"/>
+                <a:cs typeface="+mn-cs"/>
+              </a:defRPr>
+            </a:lvl1pPr>
+            <a:lvl2pPr marL="685800" indent="-228600" algn="l" defTabSz="914400" rtl="0" eaLnBrk="1" latinLnBrk="0" hangingPunct="1">
+              <a:lnSpc>
+                <a:spcPct val="90000"/>
+              </a:lnSpc>
+              <a:spcBef>
+                <a:spcPts val="500"/>
+              </a:spcBef>
+              <a:buFont typeface="Arial" panose="020B0604020202020204" pitchFamily="34" charset="0"/>
+              <a:buChar char="•"/>
+              <a:defRPr sz="2400" b="0" i="0" kern="1200">
+                <a:solidFill>
+                  <a:schemeClr val="tx1"/>
+                </a:solidFill>
+                <a:latin typeface="Futura Medium" panose="020B0602020204020303" pitchFamily="34" charset="-79"/>
+                <a:ea typeface="+mn-ea"/>
+                <a:cs typeface="+mn-cs"/>
+              </a:defRPr>
+            </a:lvl2pPr>
+            <a:lvl3pPr marL="1143000" indent="-228600" algn="l" defTabSz="914400" rtl="0" eaLnBrk="1" latinLnBrk="0" hangingPunct="1">
+              <a:lnSpc>
+                <a:spcPct val="90000"/>
+              </a:lnSpc>
+              <a:spcBef>
+                <a:spcPts val="500"/>
+              </a:spcBef>
+              <a:buFont typeface="Arial" panose="020B0604020202020204" pitchFamily="34" charset="0"/>
+              <a:buChar char="•"/>
+              <a:defRPr sz="2000" b="0" i="0" kern="1200">
+                <a:solidFill>
+                  <a:schemeClr val="tx1"/>
+                </a:solidFill>
+                <a:latin typeface="Futura Medium" panose="020B0602020204020303" pitchFamily="34" charset="-79"/>
+                <a:ea typeface="+mn-ea"/>
+                <a:cs typeface="+mn-cs"/>
+              </a:defRPr>
+            </a:lvl3pPr>
+            <a:lvl4pPr marL="1600200" indent="-228600" algn="l" defTabSz="914400" rtl="0" eaLnBrk="1" latinLnBrk="0" hangingPunct="1">
+              <a:lnSpc>
+                <a:spcPct val="90000"/>
+              </a:lnSpc>
+              <a:spcBef>
+                <a:spcPts val="500"/>
+              </a:spcBef>
+              <a:buFont typeface="Arial" panose="020B0604020202020204" pitchFamily="34" charset="0"/>
+              <a:buChar char="•"/>
+              <a:defRPr sz="1800" b="0" i="0" kern="1200">
+                <a:solidFill>
+                  <a:schemeClr val="tx1"/>
+                </a:solidFill>
+                <a:latin typeface="Futura Medium" panose="020B0602020204020303" pitchFamily="34" charset="-79"/>
+                <a:ea typeface="+mn-ea"/>
+                <a:cs typeface="+mn-cs"/>
+              </a:defRPr>
+            </a:lvl4pPr>
+            <a:lvl5pPr marL="2057400" indent="-228600" algn="l" defTabSz="914400" rtl="0" eaLnBrk="1" latinLnBrk="0" hangingPunct="1">
+              <a:lnSpc>
+                <a:spcPct val="90000"/>
+              </a:lnSpc>
+              <a:spcBef>
+                <a:spcPts val="500"/>
+              </a:spcBef>
+              <a:buFont typeface="Arial" panose="020B0604020202020204" pitchFamily="34" charset="0"/>
+              <a:buChar char="•"/>
+              <a:defRPr sz="1800" b="0" i="0" kern="1200">
+                <a:solidFill>
+                  <a:schemeClr val="tx1"/>
+                </a:solidFill>
+                <a:latin typeface="Futura Medium" panose="020B0602020204020303" pitchFamily="34" charset="-79"/>
+                <a:ea typeface="+mn-ea"/>
+                <a:cs typeface="+mn-cs"/>
+              </a:defRPr>
+            </a:lvl5pPr>
+            <a:lvl6pPr marL="2514600" indent="-228600" algn="l" defTabSz="914400" rtl="0" eaLnBrk="1" latinLnBrk="0" hangingPunct="1">
+              <a:lnSpc>
+                <a:spcPct val="90000"/>
+              </a:lnSpc>
+              <a:spcBef>
+                <a:spcPts val="500"/>
+              </a:spcBef>
+              <a:buFont typeface="Arial" panose="020B0604020202020204" pitchFamily="34" charset="0"/>
+              <a:buChar char="•"/>
+              <a:defRPr sz="1800" kern="1200">
+                <a:solidFill>
+                  <a:schemeClr val="tx1"/>
+                </a:solidFill>
+                <a:latin typeface="+mn-lt"/>
+                <a:ea typeface="+mn-ea"/>
+                <a:cs typeface="+mn-cs"/>
+              </a:defRPr>
+            </a:lvl6pPr>
+            <a:lvl7pPr marL="2971800" indent="-228600" algn="l" defTabSz="914400" rtl="0" eaLnBrk="1" latinLnBrk="0" hangingPunct="1">
+              <a:lnSpc>
+                <a:spcPct val="90000"/>
+              </a:lnSpc>
+              <a:spcBef>
+                <a:spcPts val="500"/>
+              </a:spcBef>
+              <a:buFont typeface="Arial" panose="020B0604020202020204" pitchFamily="34" charset="0"/>
+              <a:buChar char="•"/>
+              <a:defRPr sz="1800" kern="1200">
+                <a:solidFill>
+                  <a:schemeClr val="tx1"/>
+                </a:solidFill>
+                <a:latin typeface="+mn-lt"/>
+                <a:ea typeface="+mn-ea"/>
+                <a:cs typeface="+mn-cs"/>
+              </a:defRPr>
+            </a:lvl7pPr>
+            <a:lvl8pPr marL="3429000" indent="-228600" algn="l" defTabSz="914400" rtl="0" eaLnBrk="1" latinLnBrk="0" hangingPunct="1">
+              <a:lnSpc>
+                <a:spcPct val="90000"/>
+              </a:lnSpc>
+              <a:spcBef>
+                <a:spcPts val="500"/>
+              </a:spcBef>
+              <a:buFont typeface="Arial" panose="020B0604020202020204" pitchFamily="34" charset="0"/>
+              <a:buChar char="•"/>
+              <a:defRPr sz="1800" kern="1200">
+                <a:solidFill>
+                  <a:schemeClr val="tx1"/>
+                </a:solidFill>
+                <a:latin typeface="+mn-lt"/>
+                <a:ea typeface="+mn-ea"/>
+                <a:cs typeface="+mn-cs"/>
+              </a:defRPr>
+            </a:lvl8pPr>
+            <a:lvl9pPr marL="3886200" indent="-228600" algn="l" defTabSz="914400" rtl="0" eaLnBrk="1" latinLnBrk="0" hangingPunct="1">
+              <a:lnSpc>
+                <a:spcPct val="90000"/>
+              </a:lnSpc>
+              <a:spcBef>
+                <a:spcPts val="500"/>
+              </a:spcBef>
+              <a:buFont typeface="Arial" panose="020B0604020202020204" pitchFamily="34" charset="0"/>
+              <a:buChar char="•"/>
+              <a:defRPr sz="1800" kern="1200">
+                <a:solidFill>
+                  <a:schemeClr val="tx1"/>
+                </a:solidFill>
+                <a:latin typeface="+mn-lt"/>
+                <a:ea typeface="+mn-ea"/>
+                <a:cs typeface="+mn-cs"/>
+              </a:defRPr>
+            </a:lvl9pPr>
+          </a:lstStyle>
+          <a:p>
+            <a:pPr marL="0" indent="0">
+              <a:buFont typeface="Arial" panose="020B0604020202020204" pitchFamily="34" charset="0"/>
+              <a:buNone/>
+            </a:pPr>
             <a:r>
               <a:rPr lang="en-US" dirty="0"/>
-              <a:t>[</a:t>
-            </a:r>
-            <a:r>
-              <a:rPr lang="en-US" dirty="0" smtClean="0"/>
-              <a:t>G</a:t>
-            </a:r>
-            <a:r>
-              <a:rPr lang="fa-IR" dirty="0" smtClean="0"/>
-              <a:t>2</a:t>
-            </a:r>
-            <a:r>
-              <a:rPr lang="en-US" dirty="0" smtClean="0"/>
-              <a:t>]</a:t>
-            </a:r>
-            <a:r>
-              <a:rPr lang="fa-IR" dirty="0" smtClean="0"/>
-              <a:t> </a:t>
-            </a:r>
+              <a:t>Tickets</a:t>
+            </a:r>
+          </a:p>
+          <a:p>
+            <a:pPr marL="0" indent="0">
+              <a:buFont typeface="Arial" panose="020B0604020202020204" pitchFamily="34" charset="0"/>
+              <a:buNone/>
+            </a:pPr>
+            <a:endParaRPr lang="en-US" dirty="0"/>
+          </a:p>
+          <a:p>
+            <a:r>
+              <a:rPr lang="en-US" dirty="0">
+                <a:latin typeface="Futura Light" pitchFamily="2" charset="77"/>
+              </a:rPr>
+              <a:t>Automatic generation</a:t>
+            </a:r>
+          </a:p>
+          <a:p>
+            <a:r>
+              <a:rPr lang="en-US" dirty="0">
+                <a:latin typeface="Futura Light" pitchFamily="2" charset="77"/>
+              </a:rPr>
+              <a:t>Approval by policemen</a:t>
+            </a:r>
+          </a:p>
+          <a:p>
+            <a:endParaRPr lang="en-US" dirty="0">
+              <a:latin typeface="Futura Light" pitchFamily="2" charset="77"/>
+            </a:endParaRPr>
+          </a:p>
+        </p:txBody>
+      </p:sp>
+      <p:sp>
+        <p:nvSpPr>
+          <p:cNvPr id="9" name="Content Placeholder 4">
+            <a:extLst>
+              <a:ext uri="{FF2B5EF4-FFF2-40B4-BE49-F238E27FC236}">
+                <a16:creationId xmlns:a16="http://schemas.microsoft.com/office/drawing/2014/main" id="{1A371AB5-CD42-E54B-9EDC-D6D8D0560D7B}"/>
+              </a:ext>
+            </a:extLst>
+          </p:cNvPr>
+          <p:cNvSpPr txBox="1">
+            <a:spLocks/>
+          </p:cNvSpPr>
+          <p:nvPr/>
+        </p:nvSpPr>
+        <p:spPr>
+          <a:xfrm>
+            <a:off x="4157472" y="2364124"/>
+            <a:ext cx="3877056" cy="4297680"/>
+          </a:xfrm>
+          <a:prstGeom prst="rect">
+            <a:avLst/>
+          </a:prstGeom>
+        </p:spPr>
+        <p:txBody>
+          <a:bodyPr vert="horz" lIns="91440" tIns="45720" rIns="91440" bIns="45720" rtlCol="0">
+            <a:normAutofit/>
+          </a:bodyPr>
+          <a:lstStyle>
+            <a:lvl1pPr marL="228600" indent="-228600" algn="l" defTabSz="914400" rtl="0" eaLnBrk="1" latinLnBrk="0" hangingPunct="1">
+              <a:lnSpc>
+                <a:spcPct val="90000"/>
+              </a:lnSpc>
+              <a:spcBef>
+                <a:spcPts val="1000"/>
+              </a:spcBef>
+              <a:buFont typeface="Arial" panose="020B0604020202020204" pitchFamily="34" charset="0"/>
+              <a:buChar char="•"/>
+              <a:defRPr sz="2800" b="0" i="0" kern="1200">
+                <a:solidFill>
+                  <a:schemeClr val="tx1"/>
+                </a:solidFill>
+                <a:latin typeface="Futura Medium" panose="020B0602020204020303" pitchFamily="34" charset="-79"/>
+                <a:ea typeface="+mn-ea"/>
+                <a:cs typeface="+mn-cs"/>
+              </a:defRPr>
+            </a:lvl1pPr>
+            <a:lvl2pPr marL="685800" indent="-228600" algn="l" defTabSz="914400" rtl="0" eaLnBrk="1" latinLnBrk="0" hangingPunct="1">
+              <a:lnSpc>
+                <a:spcPct val="90000"/>
+              </a:lnSpc>
+              <a:spcBef>
+                <a:spcPts val="500"/>
+              </a:spcBef>
+              <a:buFont typeface="Arial" panose="020B0604020202020204" pitchFamily="34" charset="0"/>
+              <a:buChar char="•"/>
+              <a:defRPr sz="2400" b="0" i="0" kern="1200">
+                <a:solidFill>
+                  <a:schemeClr val="tx1"/>
+                </a:solidFill>
+                <a:latin typeface="Futura Medium" panose="020B0602020204020303" pitchFamily="34" charset="-79"/>
+                <a:ea typeface="+mn-ea"/>
+                <a:cs typeface="+mn-cs"/>
+              </a:defRPr>
+            </a:lvl2pPr>
+            <a:lvl3pPr marL="1143000" indent="-228600" algn="l" defTabSz="914400" rtl="0" eaLnBrk="1" latinLnBrk="0" hangingPunct="1">
+              <a:lnSpc>
+                <a:spcPct val="90000"/>
+              </a:lnSpc>
+              <a:spcBef>
+                <a:spcPts val="500"/>
+              </a:spcBef>
+              <a:buFont typeface="Arial" panose="020B0604020202020204" pitchFamily="34" charset="0"/>
+              <a:buChar char="•"/>
+              <a:defRPr sz="2000" b="0" i="0" kern="1200">
+                <a:solidFill>
+                  <a:schemeClr val="tx1"/>
+                </a:solidFill>
+                <a:latin typeface="Futura Medium" panose="020B0602020204020303" pitchFamily="34" charset="-79"/>
+                <a:ea typeface="+mn-ea"/>
+                <a:cs typeface="+mn-cs"/>
+              </a:defRPr>
+            </a:lvl3pPr>
+            <a:lvl4pPr marL="1600200" indent="-228600" algn="l" defTabSz="914400" rtl="0" eaLnBrk="1" latinLnBrk="0" hangingPunct="1">
+              <a:lnSpc>
+                <a:spcPct val="90000"/>
+              </a:lnSpc>
+              <a:spcBef>
+                <a:spcPts val="500"/>
+              </a:spcBef>
+              <a:buFont typeface="Arial" panose="020B0604020202020204" pitchFamily="34" charset="0"/>
+              <a:buChar char="•"/>
+              <a:defRPr sz="1800" b="0" i="0" kern="1200">
+                <a:solidFill>
+                  <a:schemeClr val="tx1"/>
+                </a:solidFill>
+                <a:latin typeface="Futura Medium" panose="020B0602020204020303" pitchFamily="34" charset="-79"/>
+                <a:ea typeface="+mn-ea"/>
+                <a:cs typeface="+mn-cs"/>
+              </a:defRPr>
+            </a:lvl4pPr>
+            <a:lvl5pPr marL="2057400" indent="-228600" algn="l" defTabSz="914400" rtl="0" eaLnBrk="1" latinLnBrk="0" hangingPunct="1">
+              <a:lnSpc>
+                <a:spcPct val="90000"/>
+              </a:lnSpc>
+              <a:spcBef>
+                <a:spcPts val="500"/>
+              </a:spcBef>
+              <a:buFont typeface="Arial" panose="020B0604020202020204" pitchFamily="34" charset="0"/>
+              <a:buChar char="•"/>
+              <a:defRPr sz="1800" b="0" i="0" kern="1200">
+                <a:solidFill>
+                  <a:schemeClr val="tx1"/>
+                </a:solidFill>
+                <a:latin typeface="Futura Medium" panose="020B0602020204020303" pitchFamily="34" charset="-79"/>
+                <a:ea typeface="+mn-ea"/>
+                <a:cs typeface="+mn-cs"/>
+              </a:defRPr>
+            </a:lvl5pPr>
+            <a:lvl6pPr marL="2514600" indent="-228600" algn="l" defTabSz="914400" rtl="0" eaLnBrk="1" latinLnBrk="0" hangingPunct="1">
+              <a:lnSpc>
+                <a:spcPct val="90000"/>
+              </a:lnSpc>
+              <a:spcBef>
+                <a:spcPts val="500"/>
+              </a:spcBef>
+              <a:buFont typeface="Arial" panose="020B0604020202020204" pitchFamily="34" charset="0"/>
+              <a:buChar char="•"/>
+              <a:defRPr sz="1800" kern="1200">
+                <a:solidFill>
+                  <a:schemeClr val="tx1"/>
+                </a:solidFill>
+                <a:latin typeface="+mn-lt"/>
+                <a:ea typeface="+mn-ea"/>
+                <a:cs typeface="+mn-cs"/>
+              </a:defRPr>
+            </a:lvl6pPr>
+            <a:lvl7pPr marL="2971800" indent="-228600" algn="l" defTabSz="914400" rtl="0" eaLnBrk="1" latinLnBrk="0" hangingPunct="1">
+              <a:lnSpc>
+                <a:spcPct val="90000"/>
+              </a:lnSpc>
+              <a:spcBef>
+                <a:spcPts val="500"/>
+              </a:spcBef>
+              <a:buFont typeface="Arial" panose="020B0604020202020204" pitchFamily="34" charset="0"/>
+              <a:buChar char="•"/>
+              <a:defRPr sz="1800" kern="1200">
+                <a:solidFill>
+                  <a:schemeClr val="tx1"/>
+                </a:solidFill>
+                <a:latin typeface="+mn-lt"/>
+                <a:ea typeface="+mn-ea"/>
+                <a:cs typeface="+mn-cs"/>
+              </a:defRPr>
+            </a:lvl7pPr>
+            <a:lvl8pPr marL="3429000" indent="-228600" algn="l" defTabSz="914400" rtl="0" eaLnBrk="1" latinLnBrk="0" hangingPunct="1">
+              <a:lnSpc>
+                <a:spcPct val="90000"/>
+              </a:lnSpc>
+              <a:spcBef>
+                <a:spcPts val="500"/>
+              </a:spcBef>
+              <a:buFont typeface="Arial" panose="020B0604020202020204" pitchFamily="34" charset="0"/>
+              <a:buChar char="•"/>
+              <a:defRPr sz="1800" kern="1200">
+                <a:solidFill>
+                  <a:schemeClr val="tx1"/>
+                </a:solidFill>
+                <a:latin typeface="+mn-lt"/>
+                <a:ea typeface="+mn-ea"/>
+                <a:cs typeface="+mn-cs"/>
+              </a:defRPr>
+            </a:lvl8pPr>
+            <a:lvl9pPr marL="3886200" indent="-228600" algn="l" defTabSz="914400" rtl="0" eaLnBrk="1" latinLnBrk="0" hangingPunct="1">
+              <a:lnSpc>
+                <a:spcPct val="90000"/>
+              </a:lnSpc>
+              <a:spcBef>
+                <a:spcPts val="500"/>
+              </a:spcBef>
+              <a:buFont typeface="Arial" panose="020B0604020202020204" pitchFamily="34" charset="0"/>
+              <a:buChar char="•"/>
+              <a:defRPr sz="1800" kern="1200">
+                <a:solidFill>
+                  <a:schemeClr val="tx1"/>
+                </a:solidFill>
+                <a:latin typeface="+mn-lt"/>
+                <a:ea typeface="+mn-ea"/>
+                <a:cs typeface="+mn-cs"/>
+              </a:defRPr>
+            </a:lvl9pPr>
+          </a:lstStyle>
+          <a:p>
+            <a:pPr marL="0" indent="0">
+              <a:buFont typeface="Arial" panose="020B0604020202020204" pitchFamily="34" charset="0"/>
+              <a:buNone/>
+            </a:pPr>
             <a:r>
               <a:rPr lang="en-US" dirty="0"/>
-              <a:t>Allow users to send pictures with metadata of violations</a:t>
-            </a:r>
-          </a:p>
-          <a:p>
-            <a:r>
-              <a:rPr lang="en-US" dirty="0"/>
-              <a:t>[</a:t>
-            </a:r>
-            <a:r>
-              <a:rPr lang="en-US" dirty="0" smtClean="0"/>
-              <a:t>G</a:t>
-            </a:r>
-            <a:r>
-              <a:rPr lang="fa-IR" dirty="0" smtClean="0"/>
-              <a:t>3</a:t>
-            </a:r>
-            <a:r>
-              <a:rPr lang="en-US" dirty="0" smtClean="0"/>
-              <a:t>]</a:t>
-            </a:r>
-            <a:r>
-              <a:rPr lang="fa-IR" dirty="0" smtClean="0"/>
-              <a:t> </a:t>
-            </a:r>
-            <a:r>
-              <a:rPr lang="en-US" dirty="0"/>
-              <a:t>Allow users to mine information recorded</a:t>
-            </a:r>
-          </a:p>
-          <a:p>
-            <a:r>
-              <a:rPr lang="en-US" dirty="0"/>
-              <a:t>[</a:t>
-            </a:r>
-            <a:r>
-              <a:rPr lang="en-US" dirty="0" smtClean="0"/>
-              <a:t>G</a:t>
-            </a:r>
-            <a:r>
-              <a:rPr lang="fa-IR" dirty="0" smtClean="0"/>
-              <a:t>4</a:t>
-            </a:r>
-            <a:r>
-              <a:rPr lang="en-US" dirty="0" smtClean="0"/>
-              <a:t>]</a:t>
-            </a:r>
-            <a:r>
-              <a:rPr lang="fa-IR" dirty="0" smtClean="0"/>
-              <a:t> </a:t>
-            </a:r>
-            <a:r>
-              <a:rPr lang="en-US" dirty="0"/>
-              <a:t>Have at least two different </a:t>
-            </a:r>
-            <a:r>
-              <a:rPr lang="en-US" dirty="0" err="1"/>
-              <a:t>priviledge</a:t>
-            </a:r>
-            <a:r>
-              <a:rPr lang="en-US" dirty="0"/>
-              <a:t> for mining data</a:t>
-            </a:r>
-          </a:p>
-          <a:p>
-            <a:r>
-              <a:rPr lang="en-US" dirty="0"/>
-              <a:t>[</a:t>
-            </a:r>
-            <a:r>
-              <a:rPr lang="en-US" dirty="0" smtClean="0"/>
-              <a:t>G</a:t>
-            </a:r>
-            <a:r>
-              <a:rPr lang="fa-IR" dirty="0" smtClean="0"/>
-              <a:t>5</a:t>
-            </a:r>
-            <a:r>
-              <a:rPr lang="en-US" dirty="0" smtClean="0"/>
-              <a:t>]</a:t>
-            </a:r>
-            <a:r>
-              <a:rPr lang="fa-IR" dirty="0" smtClean="0"/>
-              <a:t> </a:t>
-            </a:r>
-            <a:r>
-              <a:rPr lang="en-US" dirty="0"/>
-              <a:t>Generate traffic tickets</a:t>
-            </a:r>
-          </a:p>
-          <a:p>
-            <a:r>
-              <a:rPr lang="en-US" dirty="0"/>
-              <a:t>[</a:t>
-            </a:r>
-            <a:r>
-              <a:rPr lang="en-US" dirty="0" smtClean="0"/>
-              <a:t>G</a:t>
-            </a:r>
-            <a:r>
-              <a:rPr lang="fa-IR" dirty="0" smtClean="0"/>
-              <a:t>6</a:t>
-            </a:r>
-            <a:r>
-              <a:rPr lang="en-US" dirty="0" smtClean="0"/>
-              <a:t>]</a:t>
-            </a:r>
-            <a:r>
-              <a:rPr lang="fa-IR" dirty="0" smtClean="0"/>
-              <a:t> </a:t>
-            </a:r>
-            <a:r>
-              <a:rPr lang="en-US" dirty="0"/>
-              <a:t>Generate statistics about issued tickets</a:t>
-            </a:r>
-          </a:p>
-          <a:p>
-            <a:r>
-              <a:rPr lang="en-US" dirty="0"/>
-              <a:t>[</a:t>
-            </a:r>
-            <a:r>
-              <a:rPr lang="en-US" dirty="0" smtClean="0"/>
-              <a:t>G</a:t>
-            </a:r>
-            <a:r>
-              <a:rPr lang="fa-IR" dirty="0" smtClean="0"/>
-              <a:t>7</a:t>
-            </a:r>
-            <a:r>
-              <a:rPr lang="en-US" dirty="0" smtClean="0"/>
-              <a:t>]</a:t>
-            </a:r>
-            <a:r>
-              <a:rPr lang="fa-IR" dirty="0" smtClean="0"/>
-              <a:t> </a:t>
-            </a:r>
-            <a:r>
-              <a:rPr lang="en-US" dirty="0"/>
-              <a:t>Be sure every information uploaded is never altered</a:t>
-            </a:r>
-          </a:p>
-          <a:p>
-            <a:endParaRPr lang="fa-IR" dirty="0" smtClean="0"/>
-          </a:p>
-          <a:p>
+              <a:t>Mining information</a:t>
+            </a:r>
+          </a:p>
+          <a:p>
+            <a:pPr marL="0" indent="0">
+              <a:buFont typeface="Arial" panose="020B0604020202020204" pitchFamily="34" charset="0"/>
+              <a:buNone/>
+            </a:pPr>
             <a:endParaRPr lang="en-US" dirty="0"/>
+          </a:p>
+          <a:p>
+            <a:r>
+              <a:rPr lang="en-US" dirty="0">
+                <a:latin typeface="Futura Light" pitchFamily="2" charset="77"/>
+              </a:rPr>
+              <a:t>Heatmap</a:t>
+            </a:r>
+          </a:p>
+          <a:p>
+            <a:r>
+              <a:rPr lang="en-US" dirty="0">
+                <a:latin typeface="Futura Light" pitchFamily="2" charset="77"/>
+              </a:rPr>
+              <a:t>Statistics</a:t>
+            </a:r>
+          </a:p>
+          <a:p>
+            <a:endParaRPr lang="en-US" dirty="0">
+              <a:latin typeface="Futura Light" pitchFamily="2" charset="77"/>
+            </a:endParaRPr>
           </a:p>
         </p:txBody>
       </p:sp>
@@ -5435,6 +6420,531 @@
   <p:clrMapOvr>
     <a:masterClrMapping/>
   </p:clrMapOvr>
+  <p:timing>
+    <p:tnLst>
+      <p:par>
+        <p:cTn id="1" dur="indefinite" restart="never" nodeType="tmRoot">
+          <p:childTnLst>
+            <p:seq concurrent="1" nextAc="seek">
+              <p:cTn id="2" dur="indefinite" nodeType="mainSeq">
+                <p:childTnLst>
+                  <p:par>
+                    <p:cTn id="3" fill="hold">
+                      <p:stCondLst>
+                        <p:cond delay="indefinite"/>
+                      </p:stCondLst>
+                      <p:childTnLst>
+                        <p:par>
+                          <p:cTn id="4" fill="hold">
+                            <p:stCondLst>
+                              <p:cond delay="0"/>
+                            </p:stCondLst>
+                            <p:childTnLst>
+                              <p:par>
+                                <p:cTn id="5" presetID="1" presetClass="entr" presetSubtype="0" fill="hold" grpId="0" nodeType="clickEffect">
+                                  <p:stCondLst>
+                                    <p:cond delay="0"/>
+                                  </p:stCondLst>
+                                  <p:childTnLst>
+                                    <p:set>
+                                      <p:cBhvr>
+                                        <p:cTn id="6" dur="1" fill="hold">
+                                          <p:stCondLst>
+                                            <p:cond delay="0"/>
+                                          </p:stCondLst>
+                                        </p:cTn>
+                                        <p:tgtEl>
+                                          <p:spTgt spid="5">
+                                            <p:txEl>
+                                              <p:pRg st="0" end="0"/>
+                                            </p:txEl>
+                                          </p:spTgt>
+                                        </p:tgtEl>
+                                        <p:attrNameLst>
+                                          <p:attrName>style.visibility</p:attrName>
+                                        </p:attrNameLst>
+                                      </p:cBhvr>
+                                      <p:to>
+                                        <p:strVal val="visible"/>
+                                      </p:to>
+                                    </p:set>
+                                  </p:childTnLst>
+                                </p:cTn>
+                              </p:par>
+                            </p:childTnLst>
+                          </p:cTn>
+                        </p:par>
+                      </p:childTnLst>
+                    </p:cTn>
+                  </p:par>
+                  <p:par>
+                    <p:cTn id="7" fill="hold">
+                      <p:stCondLst>
+                        <p:cond delay="indefinite"/>
+                      </p:stCondLst>
+                      <p:childTnLst>
+                        <p:par>
+                          <p:cTn id="8" fill="hold">
+                            <p:stCondLst>
+                              <p:cond delay="0"/>
+                            </p:stCondLst>
+                            <p:childTnLst>
+                              <p:par>
+                                <p:cTn id="9" presetID="1" presetClass="entr" presetSubtype="0" fill="hold" grpId="0" nodeType="clickEffect">
+                                  <p:stCondLst>
+                                    <p:cond delay="0"/>
+                                  </p:stCondLst>
+                                  <p:childTnLst>
+                                    <p:set>
+                                      <p:cBhvr>
+                                        <p:cTn id="10" dur="1" fill="hold">
+                                          <p:stCondLst>
+                                            <p:cond delay="0"/>
+                                          </p:stCondLst>
+                                        </p:cTn>
+                                        <p:tgtEl>
+                                          <p:spTgt spid="5">
+                                            <p:txEl>
+                                              <p:pRg st="2" end="2"/>
+                                            </p:txEl>
+                                          </p:spTgt>
+                                        </p:tgtEl>
+                                        <p:attrNameLst>
+                                          <p:attrName>style.visibility</p:attrName>
+                                        </p:attrNameLst>
+                                      </p:cBhvr>
+                                      <p:to>
+                                        <p:strVal val="visible"/>
+                                      </p:to>
+                                    </p:set>
+                                  </p:childTnLst>
+                                </p:cTn>
+                              </p:par>
+                            </p:childTnLst>
+                          </p:cTn>
+                        </p:par>
+                      </p:childTnLst>
+                    </p:cTn>
+                  </p:par>
+                  <p:par>
+                    <p:cTn id="11" fill="hold">
+                      <p:stCondLst>
+                        <p:cond delay="indefinite"/>
+                      </p:stCondLst>
+                      <p:childTnLst>
+                        <p:par>
+                          <p:cTn id="12" fill="hold">
+                            <p:stCondLst>
+                              <p:cond delay="0"/>
+                            </p:stCondLst>
+                            <p:childTnLst>
+                              <p:par>
+                                <p:cTn id="13" presetID="1" presetClass="entr" presetSubtype="0" fill="hold" grpId="0" nodeType="clickEffect">
+                                  <p:stCondLst>
+                                    <p:cond delay="0"/>
+                                  </p:stCondLst>
+                                  <p:childTnLst>
+                                    <p:set>
+                                      <p:cBhvr>
+                                        <p:cTn id="14" dur="1" fill="hold">
+                                          <p:stCondLst>
+                                            <p:cond delay="0"/>
+                                          </p:stCondLst>
+                                        </p:cTn>
+                                        <p:tgtEl>
+                                          <p:spTgt spid="5">
+                                            <p:txEl>
+                                              <p:pRg st="3" end="3"/>
+                                            </p:txEl>
+                                          </p:spTgt>
+                                        </p:tgtEl>
+                                        <p:attrNameLst>
+                                          <p:attrName>style.visibility</p:attrName>
+                                        </p:attrNameLst>
+                                      </p:cBhvr>
+                                      <p:to>
+                                        <p:strVal val="visible"/>
+                                      </p:to>
+                                    </p:set>
+                                  </p:childTnLst>
+                                </p:cTn>
+                              </p:par>
+                            </p:childTnLst>
+                          </p:cTn>
+                        </p:par>
+                      </p:childTnLst>
+                    </p:cTn>
+                  </p:par>
+                  <p:par>
+                    <p:cTn id="15" fill="hold">
+                      <p:stCondLst>
+                        <p:cond delay="indefinite"/>
+                      </p:stCondLst>
+                      <p:childTnLst>
+                        <p:par>
+                          <p:cTn id="16" fill="hold">
+                            <p:stCondLst>
+                              <p:cond delay="0"/>
+                            </p:stCondLst>
+                            <p:childTnLst>
+                              <p:par>
+                                <p:cTn id="17" presetID="1" presetClass="entr" presetSubtype="0" fill="hold" grpId="0" nodeType="clickEffect">
+                                  <p:stCondLst>
+                                    <p:cond delay="0"/>
+                                  </p:stCondLst>
+                                  <p:childTnLst>
+                                    <p:set>
+                                      <p:cBhvr>
+                                        <p:cTn id="18" dur="1" fill="hold">
+                                          <p:stCondLst>
+                                            <p:cond delay="0"/>
+                                          </p:stCondLst>
+                                        </p:cTn>
+                                        <p:tgtEl>
+                                          <p:spTgt spid="5">
+                                            <p:txEl>
+                                              <p:pRg st="4" end="4"/>
+                                            </p:txEl>
+                                          </p:spTgt>
+                                        </p:tgtEl>
+                                        <p:attrNameLst>
+                                          <p:attrName>style.visibility</p:attrName>
+                                        </p:attrNameLst>
+                                      </p:cBhvr>
+                                      <p:to>
+                                        <p:strVal val="visible"/>
+                                      </p:to>
+                                    </p:set>
+                                  </p:childTnLst>
+                                </p:cTn>
+                              </p:par>
+                            </p:childTnLst>
+                          </p:cTn>
+                        </p:par>
+                      </p:childTnLst>
+                    </p:cTn>
+                  </p:par>
+                  <p:par>
+                    <p:cTn id="19" fill="hold">
+                      <p:stCondLst>
+                        <p:cond delay="indefinite"/>
+                      </p:stCondLst>
+                      <p:childTnLst>
+                        <p:par>
+                          <p:cTn id="20" fill="hold">
+                            <p:stCondLst>
+                              <p:cond delay="0"/>
+                            </p:stCondLst>
+                            <p:childTnLst>
+                              <p:par>
+                                <p:cTn id="21" presetID="1" presetClass="entr" presetSubtype="0" fill="hold" grpId="0" nodeType="clickEffect">
+                                  <p:stCondLst>
+                                    <p:cond delay="0"/>
+                                  </p:stCondLst>
+                                  <p:childTnLst>
+                                    <p:set>
+                                      <p:cBhvr>
+                                        <p:cTn id="22" dur="1" fill="hold">
+                                          <p:stCondLst>
+                                            <p:cond delay="0"/>
+                                          </p:stCondLst>
+                                        </p:cTn>
+                                        <p:tgtEl>
+                                          <p:spTgt spid="9">
+                                            <p:txEl>
+                                              <p:pRg st="0" end="0"/>
+                                            </p:txEl>
+                                          </p:spTgt>
+                                        </p:tgtEl>
+                                        <p:attrNameLst>
+                                          <p:attrName>style.visibility</p:attrName>
+                                        </p:attrNameLst>
+                                      </p:cBhvr>
+                                      <p:to>
+                                        <p:strVal val="visible"/>
+                                      </p:to>
+                                    </p:set>
+                                  </p:childTnLst>
+                                </p:cTn>
+                              </p:par>
+                            </p:childTnLst>
+                          </p:cTn>
+                        </p:par>
+                      </p:childTnLst>
+                    </p:cTn>
+                  </p:par>
+                  <p:par>
+                    <p:cTn id="23" fill="hold">
+                      <p:stCondLst>
+                        <p:cond delay="indefinite"/>
+                      </p:stCondLst>
+                      <p:childTnLst>
+                        <p:par>
+                          <p:cTn id="24" fill="hold">
+                            <p:stCondLst>
+                              <p:cond delay="0"/>
+                            </p:stCondLst>
+                            <p:childTnLst>
+                              <p:par>
+                                <p:cTn id="25" presetID="1" presetClass="entr" presetSubtype="0" fill="hold" grpId="0" nodeType="clickEffect">
+                                  <p:stCondLst>
+                                    <p:cond delay="0"/>
+                                  </p:stCondLst>
+                                  <p:childTnLst>
+                                    <p:set>
+                                      <p:cBhvr>
+                                        <p:cTn id="26" dur="1" fill="hold">
+                                          <p:stCondLst>
+                                            <p:cond delay="0"/>
+                                          </p:stCondLst>
+                                        </p:cTn>
+                                        <p:tgtEl>
+                                          <p:spTgt spid="9">
+                                            <p:txEl>
+                                              <p:pRg st="2" end="2"/>
+                                            </p:txEl>
+                                          </p:spTgt>
+                                        </p:tgtEl>
+                                        <p:attrNameLst>
+                                          <p:attrName>style.visibility</p:attrName>
+                                        </p:attrNameLst>
+                                      </p:cBhvr>
+                                      <p:to>
+                                        <p:strVal val="visible"/>
+                                      </p:to>
+                                    </p:set>
+                                  </p:childTnLst>
+                                </p:cTn>
+                              </p:par>
+                            </p:childTnLst>
+                          </p:cTn>
+                        </p:par>
+                      </p:childTnLst>
+                    </p:cTn>
+                  </p:par>
+                  <p:par>
+                    <p:cTn id="27" fill="hold">
+                      <p:stCondLst>
+                        <p:cond delay="indefinite"/>
+                      </p:stCondLst>
+                      <p:childTnLst>
+                        <p:par>
+                          <p:cTn id="28" fill="hold">
+                            <p:stCondLst>
+                              <p:cond delay="0"/>
+                            </p:stCondLst>
+                            <p:childTnLst>
+                              <p:par>
+                                <p:cTn id="29" presetID="1" presetClass="entr" presetSubtype="0" fill="hold" grpId="0" nodeType="clickEffect">
+                                  <p:stCondLst>
+                                    <p:cond delay="0"/>
+                                  </p:stCondLst>
+                                  <p:childTnLst>
+                                    <p:set>
+                                      <p:cBhvr>
+                                        <p:cTn id="30" dur="1" fill="hold">
+                                          <p:stCondLst>
+                                            <p:cond delay="0"/>
+                                          </p:stCondLst>
+                                        </p:cTn>
+                                        <p:tgtEl>
+                                          <p:spTgt spid="9">
+                                            <p:txEl>
+                                              <p:pRg st="3" end="3"/>
+                                            </p:txEl>
+                                          </p:spTgt>
+                                        </p:tgtEl>
+                                        <p:attrNameLst>
+                                          <p:attrName>style.visibility</p:attrName>
+                                        </p:attrNameLst>
+                                      </p:cBhvr>
+                                      <p:to>
+                                        <p:strVal val="visible"/>
+                                      </p:to>
+                                    </p:set>
+                                  </p:childTnLst>
+                                </p:cTn>
+                              </p:par>
+                            </p:childTnLst>
+                          </p:cTn>
+                        </p:par>
+                      </p:childTnLst>
+                    </p:cTn>
+                  </p:par>
+                  <p:par>
+                    <p:cTn id="31" fill="hold">
+                      <p:stCondLst>
+                        <p:cond delay="indefinite"/>
+                      </p:stCondLst>
+                      <p:childTnLst>
+                        <p:par>
+                          <p:cTn id="32" fill="hold">
+                            <p:stCondLst>
+                              <p:cond delay="0"/>
+                            </p:stCondLst>
+                            <p:childTnLst>
+                              <p:par>
+                                <p:cTn id="33" presetID="1" presetClass="entr" presetSubtype="0" fill="hold" grpId="0" nodeType="clickEffect">
+                                  <p:stCondLst>
+                                    <p:cond delay="0"/>
+                                  </p:stCondLst>
+                                  <p:childTnLst>
+                                    <p:set>
+                                      <p:cBhvr>
+                                        <p:cTn id="34" dur="1" fill="hold">
+                                          <p:stCondLst>
+                                            <p:cond delay="0"/>
+                                          </p:stCondLst>
+                                        </p:cTn>
+                                        <p:tgtEl>
+                                          <p:spTgt spid="8">
+                                            <p:txEl>
+                                              <p:pRg st="0" end="0"/>
+                                            </p:txEl>
+                                          </p:spTgt>
+                                        </p:tgtEl>
+                                        <p:attrNameLst>
+                                          <p:attrName>style.visibility</p:attrName>
+                                        </p:attrNameLst>
+                                      </p:cBhvr>
+                                      <p:to>
+                                        <p:strVal val="visible"/>
+                                      </p:to>
+                                    </p:set>
+                                  </p:childTnLst>
+                                </p:cTn>
+                              </p:par>
+                            </p:childTnLst>
+                          </p:cTn>
+                        </p:par>
+                      </p:childTnLst>
+                    </p:cTn>
+                  </p:par>
+                  <p:par>
+                    <p:cTn id="35" fill="hold">
+                      <p:stCondLst>
+                        <p:cond delay="indefinite"/>
+                      </p:stCondLst>
+                      <p:childTnLst>
+                        <p:par>
+                          <p:cTn id="36" fill="hold">
+                            <p:stCondLst>
+                              <p:cond delay="0"/>
+                            </p:stCondLst>
+                            <p:childTnLst>
+                              <p:par>
+                                <p:cTn id="37" presetID="1" presetClass="entr" presetSubtype="0" fill="hold" grpId="0" nodeType="clickEffect">
+                                  <p:stCondLst>
+                                    <p:cond delay="0"/>
+                                  </p:stCondLst>
+                                  <p:childTnLst>
+                                    <p:set>
+                                      <p:cBhvr>
+                                        <p:cTn id="38" dur="1" fill="hold">
+                                          <p:stCondLst>
+                                            <p:cond delay="0"/>
+                                          </p:stCondLst>
+                                        </p:cTn>
+                                        <p:tgtEl>
+                                          <p:spTgt spid="8">
+                                            <p:txEl>
+                                              <p:pRg st="2" end="2"/>
+                                            </p:txEl>
+                                          </p:spTgt>
+                                        </p:tgtEl>
+                                        <p:attrNameLst>
+                                          <p:attrName>style.visibility</p:attrName>
+                                        </p:attrNameLst>
+                                      </p:cBhvr>
+                                      <p:to>
+                                        <p:strVal val="visible"/>
+                                      </p:to>
+                                    </p:set>
+                                  </p:childTnLst>
+                                </p:cTn>
+                              </p:par>
+                            </p:childTnLst>
+                          </p:cTn>
+                        </p:par>
+                      </p:childTnLst>
+                    </p:cTn>
+                  </p:par>
+                  <p:par>
+                    <p:cTn id="39" fill="hold">
+                      <p:stCondLst>
+                        <p:cond delay="indefinite"/>
+                      </p:stCondLst>
+                      <p:childTnLst>
+                        <p:par>
+                          <p:cTn id="40" fill="hold">
+                            <p:stCondLst>
+                              <p:cond delay="0"/>
+                            </p:stCondLst>
+                            <p:childTnLst>
+                              <p:par>
+                                <p:cTn id="41" presetID="1" presetClass="entr" presetSubtype="0" fill="hold" grpId="0" nodeType="clickEffect">
+                                  <p:stCondLst>
+                                    <p:cond delay="0"/>
+                                  </p:stCondLst>
+                                  <p:childTnLst>
+                                    <p:set>
+                                      <p:cBhvr>
+                                        <p:cTn id="42" dur="1" fill="hold">
+                                          <p:stCondLst>
+                                            <p:cond delay="0"/>
+                                          </p:stCondLst>
+                                        </p:cTn>
+                                        <p:tgtEl>
+                                          <p:spTgt spid="8">
+                                            <p:txEl>
+                                              <p:pRg st="3" end="3"/>
+                                            </p:txEl>
+                                          </p:spTgt>
+                                        </p:tgtEl>
+                                        <p:attrNameLst>
+                                          <p:attrName>style.visibility</p:attrName>
+                                        </p:attrNameLst>
+                                      </p:cBhvr>
+                                      <p:to>
+                                        <p:strVal val="visible"/>
+                                      </p:to>
+                                    </p:set>
+                                  </p:childTnLst>
+                                </p:cTn>
+                              </p:par>
+                            </p:childTnLst>
+                          </p:cTn>
+                        </p:par>
+                      </p:childTnLst>
+                    </p:cTn>
+                  </p:par>
+                </p:childTnLst>
+              </p:cTn>
+              <p:prevCondLst>
+                <p:cond evt="onPrev" delay="0">
+                  <p:tgtEl>
+                    <p:sldTgt/>
+                  </p:tgtEl>
+                </p:cond>
+              </p:prevCondLst>
+              <p:nextCondLst>
+                <p:cond evt="onNext" delay="0">
+                  <p:tgtEl>
+                    <p:sldTgt/>
+                  </p:tgtEl>
+                </p:cond>
+              </p:nextCondLst>
+            </p:seq>
+          </p:childTnLst>
+        </p:cTn>
+      </p:par>
+    </p:tnLst>
+    <p:bldLst>
+      <p:bldP spid="5" grpId="0" build="p"/>
+      <p:bldP spid="8" grpId="0" build="p"/>
+      <p:bldP spid="9" grpId="0" build="p"/>
+    </p:bldLst>
+  </p:timing>
 </p:sld>
 </file>
 
@@ -5460,7 +6970,7 @@
           <p:cNvPr id="2" name="Title 1">
             <a:extLst>
               <a:ext uri="{FF2B5EF4-FFF2-40B4-BE49-F238E27FC236}">
-                <a16:creationId xmlns:a16="http://schemas.microsoft.com/office/drawing/2014/main" xmlns="" id="{FC1E31BE-EA2F-6E4F-AAEC-A8EE2C8102F1}"/>
+                <a16:creationId xmlns:a16="http://schemas.microsoft.com/office/drawing/2014/main" id="{7C639A83-1180-5A4A-95BC-FD482325E4BC}"/>
               </a:ext>
             </a:extLst>
           </p:cNvPr>
@@ -5478,150 +6988,270 @@
           <a:p>
             <a:r>
               <a:rPr lang="en-US" dirty="0"/>
-              <a:t>Domain </a:t>
-            </a:r>
-            <a:r>
-              <a:rPr lang="en-US" dirty="0" smtClean="0"/>
-              <a:t> Assumptions</a:t>
-            </a:r>
-            <a:endParaRPr lang="en-US" dirty="0"/>
-          </a:p>
-        </p:txBody>
-      </p:sp>
-      <p:sp>
-        <p:nvSpPr>
-          <p:cNvPr id="3" name="Content Placeholder 2">
-            <a:extLst>
-              <a:ext uri="{FF2B5EF4-FFF2-40B4-BE49-F238E27FC236}">
-                <a16:creationId xmlns:a16="http://schemas.microsoft.com/office/drawing/2014/main" xmlns="" id="{A13AB3B3-B3B0-984A-B68F-827C5DD22881}"/>
-              </a:ext>
-            </a:extLst>
-          </p:cNvPr>
-          <p:cNvSpPr>
-            <a:spLocks noGrp="1"/>
-          </p:cNvSpPr>
-          <p:nvPr>
-            <p:ph idx="1"/>
-          </p:nvPr>
+              <a:t>Requirements</a:t>
+            </a:r>
+          </a:p>
+        </p:txBody>
+      </p:sp>
+      <p:sp>
+        <p:nvSpPr>
+          <p:cNvPr id="6" name="TextBox 5">
+            <a:extLst>
+              <a:ext uri="{FF2B5EF4-FFF2-40B4-BE49-F238E27FC236}">
+                <a16:creationId xmlns:a16="http://schemas.microsoft.com/office/drawing/2014/main" id="{0A603039-250E-C24F-8B5D-DE811957F9B4}"/>
+              </a:ext>
+            </a:extLst>
+          </p:cNvPr>
+          <p:cNvSpPr txBox="1"/>
+          <p:nvPr/>
         </p:nvSpPr>
         <p:spPr>
           <a:xfrm>
-            <a:off x="838200" y="1690688"/>
-            <a:ext cx="10515600" cy="4351338"/>
+            <a:off x="522732" y="1826944"/>
+            <a:ext cx="11146535" cy="4524315"/>
           </a:xfrm>
+          <a:prstGeom prst="rect">
+            <a:avLst/>
+          </a:prstGeom>
+          <a:noFill/>
         </p:spPr>
         <p:txBody>
-          <a:bodyPr>
-            <a:normAutofit fontScale="92500" lnSpcReduction="10000"/>
+          <a:bodyPr wrap="square" rtlCol="0">
+            <a:spAutoFit/>
           </a:bodyPr>
           <a:lstStyle/>
           <a:p>
-            <a:r>
-              <a:rPr lang="en-US" dirty="0" smtClean="0"/>
-              <a:t>[</a:t>
-            </a:r>
-            <a:r>
-              <a:rPr lang="en-US" dirty="0"/>
-              <a:t>D1] Device has a working internet </a:t>
-            </a:r>
-            <a:r>
-              <a:rPr lang="en-US" dirty="0" smtClean="0"/>
-              <a:t>connection.</a:t>
-            </a:r>
-          </a:p>
-          <a:p>
-            <a:r>
-              <a:rPr lang="en-US" dirty="0"/>
-              <a:t>[</a:t>
-            </a:r>
-            <a:r>
-              <a:rPr lang="en-US" dirty="0" smtClean="0"/>
-              <a:t>D2] </a:t>
-            </a:r>
-            <a:r>
-              <a:rPr lang="it-IT" dirty="0"/>
-              <a:t>Device has a camera accessible via </a:t>
-            </a:r>
-            <a:r>
-              <a:rPr lang="it-IT" dirty="0" smtClean="0"/>
-              <a:t>software.</a:t>
-            </a:r>
-            <a:endParaRPr lang="en-US" dirty="0" smtClean="0"/>
-          </a:p>
-          <a:p>
-            <a:r>
-              <a:rPr lang="en-US" dirty="0"/>
-              <a:t>[D3] The device should acquire position with an accuracy of enough meters in order to </a:t>
-            </a:r>
-            <a:r>
-              <a:rPr lang="en-US" dirty="0" smtClean="0"/>
-              <a:t>univocally determine </a:t>
-            </a:r>
-            <a:r>
-              <a:rPr lang="en-US" dirty="0"/>
-              <a:t>the road (e.g. 5 meters)</a:t>
-            </a:r>
-            <a:endParaRPr lang="en-US" dirty="0" smtClean="0"/>
-          </a:p>
-          <a:p>
-            <a:r>
-              <a:rPr lang="en-US" dirty="0"/>
-              <a:t>[D4] We have access to an ALPR service which is able to read every </a:t>
-            </a:r>
-            <a:r>
-              <a:rPr lang="en-US" dirty="0" smtClean="0"/>
-              <a:t>license </a:t>
-            </a:r>
-            <a:r>
-              <a:rPr lang="en-US" dirty="0"/>
-              <a:t>plate in a picture </a:t>
-            </a:r>
-            <a:r>
-              <a:rPr lang="en-US" dirty="0" smtClean="0"/>
-              <a:t>and return </a:t>
-            </a:r>
-            <a:r>
-              <a:rPr lang="en-US" dirty="0"/>
-              <a:t>each of them as a string</a:t>
-            </a:r>
-            <a:endParaRPr lang="en-US" dirty="0" smtClean="0"/>
-          </a:p>
-          <a:p>
-            <a:r>
-              <a:rPr lang="en-US" dirty="0" smtClean="0"/>
-              <a:t>[</a:t>
-            </a:r>
-            <a:r>
-              <a:rPr lang="en-US" dirty="0"/>
-              <a:t>D5] ALPR service has an accuracy of more than 95%</a:t>
-            </a:r>
-            <a:endParaRPr lang="en-US" dirty="0" smtClean="0"/>
-          </a:p>
-          <a:p>
-            <a:r>
-              <a:rPr lang="en-US" dirty="0" smtClean="0"/>
-              <a:t>[</a:t>
-            </a:r>
-            <a:r>
-              <a:rPr lang="en-US" dirty="0"/>
-              <a:t>D6] The device should take pictures with enough resolution to be able to read them with </a:t>
-            </a:r>
-            <a:r>
-              <a:rPr lang="en-US" dirty="0" smtClean="0"/>
-              <a:t>the ALPR </a:t>
-            </a:r>
-            <a:r>
-              <a:rPr lang="en-US" dirty="0"/>
-              <a:t>service</a:t>
-            </a:r>
-            <a:endParaRPr lang="en-US" dirty="0"/>
+            <a:pPr marL="285750" indent="-285750">
+              <a:buFont typeface="Arial" panose="020B0604020202020204" pitchFamily="34" charset="0"/>
+              <a:buChar char="•"/>
+            </a:pPr>
+            <a:r>
+              <a:rPr lang="en-US" sz="2400" b="1" dirty="0">
+                <a:latin typeface="Futura Light" pitchFamily="2" charset="77"/>
+              </a:rPr>
+              <a:t>Form: </a:t>
+            </a:r>
+            <a:r>
+              <a:rPr lang="en-GB" sz="2400" b="1" dirty="0">
+                <a:latin typeface="Futura Light" pitchFamily="2" charset="77"/>
+              </a:rPr>
+              <a:t>User must be able to choose the kind of violation from a list </a:t>
+            </a:r>
+          </a:p>
+          <a:p>
+            <a:pPr marL="285750" indent="-285750">
+              <a:buFont typeface="Arial" panose="020B0604020202020204" pitchFamily="34" charset="0"/>
+              <a:buChar char="•"/>
+            </a:pPr>
+            <a:endParaRPr lang="en-US" sz="2400" b="1" dirty="0">
+              <a:latin typeface="Futura Light" pitchFamily="2" charset="77"/>
+            </a:endParaRPr>
+          </a:p>
+          <a:p>
+            <a:pPr marL="285750" indent="-285750">
+              <a:buFont typeface="Arial" panose="020B0604020202020204" pitchFamily="34" charset="0"/>
+              <a:buChar char="•"/>
+            </a:pPr>
+            <a:r>
+              <a:rPr lang="en-GB" sz="2400" b="1" dirty="0">
+                <a:latin typeface="Futura Light" pitchFamily="2" charset="77"/>
+              </a:rPr>
+              <a:t>Date, time and position should be automatically added to the violation reported </a:t>
+            </a:r>
+          </a:p>
+          <a:p>
+            <a:pPr marL="285750" indent="-285750">
+              <a:buFont typeface="Arial" panose="020B0604020202020204" pitchFamily="34" charset="0"/>
+              <a:buChar char="•"/>
+            </a:pPr>
+            <a:endParaRPr lang="en-US" sz="2400" b="1" dirty="0">
+              <a:latin typeface="Futura Light" pitchFamily="2" charset="77"/>
+            </a:endParaRPr>
+          </a:p>
+          <a:p>
+            <a:pPr marL="285750" indent="-285750">
+              <a:buFont typeface="Arial" panose="020B0604020202020204" pitchFamily="34" charset="0"/>
+              <a:buChar char="•"/>
+            </a:pPr>
+            <a:r>
+              <a:rPr lang="en-US" sz="2400" b="1" dirty="0">
+                <a:latin typeface="Futura Light" pitchFamily="2" charset="77"/>
+              </a:rPr>
+              <a:t>Brush tool: </a:t>
+            </a:r>
+            <a:r>
+              <a:rPr lang="en-GB" sz="2400" b="1" dirty="0">
+                <a:latin typeface="Futura Light" pitchFamily="2" charset="77"/>
+              </a:rPr>
+              <a:t>The user must be able to select the vehicle to report in case there are other vehicles in picture </a:t>
+            </a:r>
+          </a:p>
+          <a:p>
+            <a:pPr marL="285750" indent="-285750">
+              <a:buFont typeface="Arial" panose="020B0604020202020204" pitchFamily="34" charset="0"/>
+              <a:buChar char="•"/>
+            </a:pPr>
+            <a:endParaRPr lang="en-US" sz="2400" b="1" dirty="0">
+              <a:latin typeface="Futura Light" pitchFamily="2" charset="77"/>
+            </a:endParaRPr>
+          </a:p>
+          <a:p>
+            <a:pPr marL="285750" indent="-285750">
+              <a:buFont typeface="Arial" panose="020B0604020202020204" pitchFamily="34" charset="0"/>
+              <a:buChar char="•"/>
+            </a:pPr>
+            <a:r>
+              <a:rPr lang="en-US" sz="2400" b="1" dirty="0">
+                <a:latin typeface="Futura Light" pitchFamily="2" charset="77"/>
+              </a:rPr>
+              <a:t>Heatmap: an interactive map with a colored overlay to show how many violations happened in each street</a:t>
+            </a:r>
+          </a:p>
+          <a:p>
+            <a:pPr marL="285750" indent="-285750">
+              <a:buFont typeface="Arial" panose="020B0604020202020204" pitchFamily="34" charset="0"/>
+              <a:buChar char="•"/>
+            </a:pPr>
+            <a:endParaRPr lang="en-US" sz="2400" b="1" dirty="0">
+              <a:latin typeface="Futura Light" pitchFamily="2" charset="77"/>
+            </a:endParaRPr>
+          </a:p>
+          <a:p>
+            <a:pPr marL="285750" indent="-285750">
+              <a:buFont typeface="Arial" panose="020B0604020202020204" pitchFamily="34" charset="0"/>
+              <a:buChar char="•"/>
+            </a:pPr>
+            <a:r>
+              <a:rPr lang="en-GB" sz="2400" b="1" dirty="0">
+                <a:latin typeface="Futura Light" pitchFamily="2" charset="77"/>
+              </a:rPr>
+              <a:t>Application must be able to read every violation stored and automatically generate a ticket </a:t>
+            </a:r>
+            <a:endParaRPr lang="en-US" sz="2400" b="1" dirty="0">
+              <a:latin typeface="Futura Light" pitchFamily="2" charset="77"/>
+            </a:endParaRPr>
+          </a:p>
+        </p:txBody>
+      </p:sp>
+      <p:sp>
+        <p:nvSpPr>
+          <p:cNvPr id="7" name="Rectangle 6">
+            <a:extLst>
+              <a:ext uri="{FF2B5EF4-FFF2-40B4-BE49-F238E27FC236}">
+                <a16:creationId xmlns:a16="http://schemas.microsoft.com/office/drawing/2014/main" id="{E2DEF711-8E90-FB47-81CA-6D660297A9A2}"/>
+              </a:ext>
+            </a:extLst>
+          </p:cNvPr>
+          <p:cNvSpPr/>
+          <p:nvPr/>
+        </p:nvSpPr>
+        <p:spPr>
+          <a:xfrm>
+            <a:off x="0" y="0"/>
+            <a:ext cx="12192000" cy="1690688"/>
+          </a:xfrm>
+          <a:prstGeom prst="rect">
+            <a:avLst/>
+          </a:prstGeom>
+          <a:solidFill>
+            <a:srgbClr val="728FA5"/>
+          </a:solidFill>
+          <a:ln>
+            <a:noFill/>
+          </a:ln>
+        </p:spPr>
+        <p:style>
+          <a:lnRef idx="2">
+            <a:schemeClr val="accent1">
+              <a:shade val="50000"/>
+            </a:schemeClr>
+          </a:lnRef>
+          <a:fillRef idx="1">
+            <a:schemeClr val="accent1"/>
+          </a:fillRef>
+          <a:effectRef idx="0">
+            <a:schemeClr val="accent1"/>
+          </a:effectRef>
+          <a:fontRef idx="minor">
+            <a:schemeClr val="lt1"/>
+          </a:fontRef>
+        </p:style>
+        <p:txBody>
+          <a:bodyPr rtlCol="0" anchor="ctr"/>
+          <a:lstStyle/>
+          <a:p>
+            <a:pPr algn="ctr"/>
+            <a:endParaRPr lang="en-US"/>
+          </a:p>
+        </p:txBody>
+      </p:sp>
+      <p:sp>
+        <p:nvSpPr>
+          <p:cNvPr id="8" name="Title 1">
+            <a:extLst>
+              <a:ext uri="{FF2B5EF4-FFF2-40B4-BE49-F238E27FC236}">
+                <a16:creationId xmlns:a16="http://schemas.microsoft.com/office/drawing/2014/main" id="{20F53E0E-0012-7545-B2B8-E4DAF303F34B}"/>
+              </a:ext>
+            </a:extLst>
+          </p:cNvPr>
+          <p:cNvSpPr txBox="1">
+            <a:spLocks/>
+          </p:cNvSpPr>
+          <p:nvPr/>
+        </p:nvSpPr>
+        <p:spPr>
+          <a:xfrm>
+            <a:off x="285939" y="202179"/>
+            <a:ext cx="10515600" cy="1325563"/>
+          </a:xfrm>
+          <a:prstGeom prst="rect">
+            <a:avLst/>
+          </a:prstGeom>
+        </p:spPr>
+        <p:txBody>
+          <a:bodyPr vert="horz" lIns="91440" tIns="45720" rIns="91440" bIns="45720" rtlCol="0" anchor="ctr">
+            <a:normAutofit/>
+          </a:bodyPr>
+          <a:lstStyle>
+            <a:lvl1pPr algn="l" defTabSz="914400" rtl="0" eaLnBrk="1" latinLnBrk="0" hangingPunct="1">
+              <a:lnSpc>
+                <a:spcPct val="90000"/>
+              </a:lnSpc>
+              <a:spcBef>
+                <a:spcPct val="0"/>
+              </a:spcBef>
+              <a:buNone/>
+              <a:defRPr sz="4400" b="0" i="0" kern="1200">
+                <a:solidFill>
+                  <a:schemeClr val="tx1"/>
+                </a:solidFill>
+                <a:latin typeface="Futura Light" pitchFamily="2" charset="77"/>
+                <a:ea typeface="+mj-ea"/>
+                <a:cs typeface="+mj-cs"/>
+              </a:defRPr>
+            </a:lvl1pPr>
+          </a:lstStyle>
+          <a:p>
+            <a:r>
+              <a:rPr lang="en-GB" sz="5400" b="1" dirty="0">
+                <a:solidFill>
+                  <a:schemeClr val="bg1"/>
+                </a:solidFill>
+              </a:rPr>
+              <a:t>Requirements</a:t>
+            </a:r>
+            <a:endParaRPr lang="en-US" sz="5400" b="1" dirty="0">
+              <a:solidFill>
+                <a:schemeClr val="bg1"/>
+              </a:solidFill>
+            </a:endParaRPr>
           </a:p>
         </p:txBody>
       </p:sp>
     </p:spTree>
     <p:extLst>
       <p:ext uri="{BB962C8B-B14F-4D97-AF65-F5344CB8AC3E}">
-        <p14:creationId xmlns:p14="http://schemas.microsoft.com/office/powerpoint/2010/main" val="2971739984"/>
+        <p14:creationId xmlns:p14="http://schemas.microsoft.com/office/powerpoint/2010/main" val="3297492682"/>
       </p:ext>
     </p:extLst>
   </p:cSld>
@@ -5650,48 +7280,10 @@
       </p:grpSpPr>
       <p:sp>
         <p:nvSpPr>
-          <p:cNvPr id="2" name="Title 1">
-            <a:extLst>
-              <a:ext uri="{FF2B5EF4-FFF2-40B4-BE49-F238E27FC236}">
-                <a16:creationId xmlns:a16="http://schemas.microsoft.com/office/drawing/2014/main" xmlns="" id="{FC1E31BE-EA2F-6E4F-AAEC-A8EE2C8102F1}"/>
-              </a:ext>
-            </a:extLst>
-          </p:cNvPr>
-          <p:cNvSpPr>
-            <a:spLocks noGrp="1"/>
-          </p:cNvSpPr>
-          <p:nvPr>
-            <p:ph type="title"/>
-          </p:nvPr>
-        </p:nvSpPr>
-        <p:spPr>
-          <a:xfrm>
-            <a:off x="838200" y="75193"/>
-            <a:ext cx="10515600" cy="1325563"/>
-          </a:xfrm>
-        </p:spPr>
-        <p:txBody>
-          <a:bodyPr/>
-          <a:lstStyle/>
-          <a:p>
-            <a:r>
-              <a:rPr lang="en-US" dirty="0"/>
-              <a:t>Domain </a:t>
-            </a:r>
-            <a:r>
-              <a:rPr lang="en-US" dirty="0" smtClean="0"/>
-              <a:t> Assumptions</a:t>
-            </a:r>
-            <a:endParaRPr lang="en-US" dirty="0"/>
-          </a:p>
-        </p:txBody>
-      </p:sp>
-      <p:sp>
-        <p:nvSpPr>
-          <p:cNvPr id="3" name="Content Placeholder 2">
-            <a:extLst>
-              <a:ext uri="{FF2B5EF4-FFF2-40B4-BE49-F238E27FC236}">
-                <a16:creationId xmlns:a16="http://schemas.microsoft.com/office/drawing/2014/main" xmlns="" id="{A13AB3B3-B3B0-984A-B68F-827C5DD22881}"/>
+          <p:cNvPr id="9" name="Content Placeholder 4">
+            <a:extLst>
+              <a:ext uri="{FF2B5EF4-FFF2-40B4-BE49-F238E27FC236}">
+                <a16:creationId xmlns:a16="http://schemas.microsoft.com/office/drawing/2014/main" id="{56648882-2D44-454E-BCE5-4FD5652709A6}"/>
               </a:ext>
             </a:extLst>
           </p:cNvPr>
@@ -5704,106 +7296,900 @@
         </p:nvSpPr>
         <p:spPr>
           <a:xfrm>
-            <a:off x="838200" y="1400756"/>
-            <a:ext cx="10515600" cy="4641270"/>
+            <a:off x="87045" y="2354217"/>
+            <a:ext cx="3877056" cy="4297680"/>
           </a:xfrm>
         </p:spPr>
         <p:txBody>
           <a:bodyPr>
-            <a:normAutofit fontScale="92500" lnSpcReduction="10000"/>
+            <a:normAutofit/>
           </a:bodyPr>
           <a:lstStyle/>
           <a:p>
-            <a:r>
-              <a:rPr lang="en-US" dirty="0" smtClean="0"/>
-              <a:t>[D7</a:t>
-            </a:r>
+            <a:pPr marL="0" indent="0">
+              <a:buNone/>
+            </a:pPr>
             <a:r>
               <a:rPr lang="en-US" dirty="0"/>
-              <a:t>] Every vehicle that can be reported should have a </a:t>
-            </a:r>
-            <a:r>
-              <a:rPr lang="en-US" dirty="0" smtClean="0"/>
-              <a:t>license </a:t>
-            </a:r>
+              <a:t>Device</a:t>
+            </a:r>
+          </a:p>
+          <a:p>
+            <a:pPr marL="0" indent="0">
+              <a:buNone/>
+            </a:pPr>
+            <a:endParaRPr lang="en-US" dirty="0"/>
+          </a:p>
+          <a:p>
+            <a:r>
+              <a:rPr lang="en-US" b="1" dirty="0">
+                <a:latin typeface="Futura Light" pitchFamily="2" charset="77"/>
+              </a:rPr>
+              <a:t>HD camera</a:t>
+            </a:r>
+          </a:p>
+          <a:p>
+            <a:r>
+              <a:rPr lang="en-US" b="1" dirty="0">
+                <a:latin typeface="Futura Light" pitchFamily="2" charset="77"/>
+              </a:rPr>
+              <a:t>GPS location with at least 5m accuracy </a:t>
+            </a:r>
+            <a:endParaRPr lang="en-US" b="1" dirty="0"/>
+          </a:p>
+        </p:txBody>
+      </p:sp>
+      <p:sp>
+        <p:nvSpPr>
+          <p:cNvPr id="14" name="Rectangle 13">
+            <a:extLst>
+              <a:ext uri="{FF2B5EF4-FFF2-40B4-BE49-F238E27FC236}">
+                <a16:creationId xmlns:a16="http://schemas.microsoft.com/office/drawing/2014/main" id="{E1C28852-F50A-304D-9116-69BE19298436}"/>
+              </a:ext>
+            </a:extLst>
+          </p:cNvPr>
+          <p:cNvSpPr/>
+          <p:nvPr/>
+        </p:nvSpPr>
+        <p:spPr>
+          <a:xfrm>
+            <a:off x="0" y="0"/>
+            <a:ext cx="12192000" cy="1690688"/>
+          </a:xfrm>
+          <a:prstGeom prst="rect">
+            <a:avLst/>
+          </a:prstGeom>
+          <a:solidFill>
+            <a:srgbClr val="728FA5"/>
+          </a:solidFill>
+          <a:ln>
+            <a:noFill/>
+          </a:ln>
+        </p:spPr>
+        <p:style>
+          <a:lnRef idx="2">
+            <a:schemeClr val="accent1">
+              <a:shade val="50000"/>
+            </a:schemeClr>
+          </a:lnRef>
+          <a:fillRef idx="1">
+            <a:schemeClr val="accent1"/>
+          </a:fillRef>
+          <a:effectRef idx="0">
+            <a:schemeClr val="accent1"/>
+          </a:effectRef>
+          <a:fontRef idx="minor">
+            <a:schemeClr val="lt1"/>
+          </a:fontRef>
+        </p:style>
+        <p:txBody>
+          <a:bodyPr rtlCol="0" anchor="ctr"/>
+          <a:lstStyle/>
+          <a:p>
+            <a:pPr algn="ctr"/>
+            <a:endParaRPr lang="en-US"/>
+          </a:p>
+        </p:txBody>
+      </p:sp>
+      <p:sp>
+        <p:nvSpPr>
+          <p:cNvPr id="15" name="Title 1">
+            <a:extLst>
+              <a:ext uri="{FF2B5EF4-FFF2-40B4-BE49-F238E27FC236}">
+                <a16:creationId xmlns:a16="http://schemas.microsoft.com/office/drawing/2014/main" id="{042BB011-C93E-7448-8782-9779E905AD0D}"/>
+              </a:ext>
+            </a:extLst>
+          </p:cNvPr>
+          <p:cNvSpPr txBox="1">
+            <a:spLocks/>
+          </p:cNvSpPr>
+          <p:nvPr/>
+        </p:nvSpPr>
+        <p:spPr>
+          <a:xfrm>
+            <a:off x="285939" y="202179"/>
+            <a:ext cx="10515600" cy="1325563"/>
+          </a:xfrm>
+          <a:prstGeom prst="rect">
+            <a:avLst/>
+          </a:prstGeom>
+        </p:spPr>
+        <p:txBody>
+          <a:bodyPr vert="horz" lIns="91440" tIns="45720" rIns="91440" bIns="45720" rtlCol="0" anchor="ctr">
+            <a:normAutofit/>
+          </a:bodyPr>
+          <a:lstStyle>
+            <a:lvl1pPr algn="l" defTabSz="914400" rtl="0" eaLnBrk="1" latinLnBrk="0" hangingPunct="1">
+              <a:lnSpc>
+                <a:spcPct val="90000"/>
+              </a:lnSpc>
+              <a:spcBef>
+                <a:spcPct val="0"/>
+              </a:spcBef>
+              <a:buNone/>
+              <a:defRPr sz="4400" b="0" i="0" kern="1200">
+                <a:solidFill>
+                  <a:schemeClr val="tx1"/>
+                </a:solidFill>
+                <a:latin typeface="Futura Light" pitchFamily="2" charset="77"/>
+                <a:ea typeface="+mj-ea"/>
+                <a:cs typeface="+mj-cs"/>
+              </a:defRPr>
+            </a:lvl1pPr>
+          </a:lstStyle>
+          <a:p>
+            <a:r>
+              <a:rPr lang="en-GB" sz="5400" b="1" dirty="0">
+                <a:solidFill>
+                  <a:schemeClr val="bg1"/>
+                </a:solidFill>
+              </a:rPr>
+              <a:t>Assumptions</a:t>
+            </a:r>
+            <a:endParaRPr lang="en-US" sz="5400" b="1" dirty="0">
+              <a:solidFill>
+                <a:schemeClr val="bg1"/>
+              </a:solidFill>
+            </a:endParaRPr>
+          </a:p>
+        </p:txBody>
+      </p:sp>
+      <p:sp>
+        <p:nvSpPr>
+          <p:cNvPr id="16" name="Content Placeholder 4">
+            <a:extLst>
+              <a:ext uri="{FF2B5EF4-FFF2-40B4-BE49-F238E27FC236}">
+                <a16:creationId xmlns:a16="http://schemas.microsoft.com/office/drawing/2014/main" id="{B883DD24-8D71-4E41-83A8-DFBF7E314925}"/>
+              </a:ext>
+            </a:extLst>
+          </p:cNvPr>
+          <p:cNvSpPr txBox="1">
+            <a:spLocks/>
+          </p:cNvSpPr>
+          <p:nvPr/>
+        </p:nvSpPr>
+        <p:spPr>
+          <a:xfrm>
+            <a:off x="4072811" y="2414423"/>
+            <a:ext cx="3877056" cy="4297680"/>
+          </a:xfrm>
+          <a:prstGeom prst="rect">
+            <a:avLst/>
+          </a:prstGeom>
+        </p:spPr>
+        <p:txBody>
+          <a:bodyPr vert="horz" lIns="91440" tIns="45720" rIns="91440" bIns="45720" rtlCol="0">
+            <a:normAutofit/>
+          </a:bodyPr>
+          <a:lstStyle>
+            <a:lvl1pPr marL="228600" indent="-228600" algn="l" defTabSz="914400" rtl="0" eaLnBrk="1" latinLnBrk="0" hangingPunct="1">
+              <a:lnSpc>
+                <a:spcPct val="90000"/>
+              </a:lnSpc>
+              <a:spcBef>
+                <a:spcPts val="1000"/>
+              </a:spcBef>
+              <a:buFont typeface="Arial" panose="020B0604020202020204" pitchFamily="34" charset="0"/>
+              <a:buChar char="•"/>
+              <a:defRPr sz="2800" b="0" i="0" kern="1200">
+                <a:solidFill>
+                  <a:schemeClr val="tx1"/>
+                </a:solidFill>
+                <a:latin typeface="Futura Medium" panose="020B0602020204020303" pitchFamily="34" charset="-79"/>
+                <a:ea typeface="+mn-ea"/>
+                <a:cs typeface="+mn-cs"/>
+              </a:defRPr>
+            </a:lvl1pPr>
+            <a:lvl2pPr marL="685800" indent="-228600" algn="l" defTabSz="914400" rtl="0" eaLnBrk="1" latinLnBrk="0" hangingPunct="1">
+              <a:lnSpc>
+                <a:spcPct val="90000"/>
+              </a:lnSpc>
+              <a:spcBef>
+                <a:spcPts val="500"/>
+              </a:spcBef>
+              <a:buFont typeface="Arial" panose="020B0604020202020204" pitchFamily="34" charset="0"/>
+              <a:buChar char="•"/>
+              <a:defRPr sz="2400" b="0" i="0" kern="1200">
+                <a:solidFill>
+                  <a:schemeClr val="tx1"/>
+                </a:solidFill>
+                <a:latin typeface="Futura Medium" panose="020B0602020204020303" pitchFamily="34" charset="-79"/>
+                <a:ea typeface="+mn-ea"/>
+                <a:cs typeface="+mn-cs"/>
+              </a:defRPr>
+            </a:lvl2pPr>
+            <a:lvl3pPr marL="1143000" indent="-228600" algn="l" defTabSz="914400" rtl="0" eaLnBrk="1" latinLnBrk="0" hangingPunct="1">
+              <a:lnSpc>
+                <a:spcPct val="90000"/>
+              </a:lnSpc>
+              <a:spcBef>
+                <a:spcPts val="500"/>
+              </a:spcBef>
+              <a:buFont typeface="Arial" panose="020B0604020202020204" pitchFamily="34" charset="0"/>
+              <a:buChar char="•"/>
+              <a:defRPr sz="2000" b="0" i="0" kern="1200">
+                <a:solidFill>
+                  <a:schemeClr val="tx1"/>
+                </a:solidFill>
+                <a:latin typeface="Futura Medium" panose="020B0602020204020303" pitchFamily="34" charset="-79"/>
+                <a:ea typeface="+mn-ea"/>
+                <a:cs typeface="+mn-cs"/>
+              </a:defRPr>
+            </a:lvl3pPr>
+            <a:lvl4pPr marL="1600200" indent="-228600" algn="l" defTabSz="914400" rtl="0" eaLnBrk="1" latinLnBrk="0" hangingPunct="1">
+              <a:lnSpc>
+                <a:spcPct val="90000"/>
+              </a:lnSpc>
+              <a:spcBef>
+                <a:spcPts val="500"/>
+              </a:spcBef>
+              <a:buFont typeface="Arial" panose="020B0604020202020204" pitchFamily="34" charset="0"/>
+              <a:buChar char="•"/>
+              <a:defRPr sz="1800" b="0" i="0" kern="1200">
+                <a:solidFill>
+                  <a:schemeClr val="tx1"/>
+                </a:solidFill>
+                <a:latin typeface="Futura Medium" panose="020B0602020204020303" pitchFamily="34" charset="-79"/>
+                <a:ea typeface="+mn-ea"/>
+                <a:cs typeface="+mn-cs"/>
+              </a:defRPr>
+            </a:lvl4pPr>
+            <a:lvl5pPr marL="2057400" indent="-228600" algn="l" defTabSz="914400" rtl="0" eaLnBrk="1" latinLnBrk="0" hangingPunct="1">
+              <a:lnSpc>
+                <a:spcPct val="90000"/>
+              </a:lnSpc>
+              <a:spcBef>
+                <a:spcPts val="500"/>
+              </a:spcBef>
+              <a:buFont typeface="Arial" panose="020B0604020202020204" pitchFamily="34" charset="0"/>
+              <a:buChar char="•"/>
+              <a:defRPr sz="1800" b="0" i="0" kern="1200">
+                <a:solidFill>
+                  <a:schemeClr val="tx1"/>
+                </a:solidFill>
+                <a:latin typeface="Futura Medium" panose="020B0602020204020303" pitchFamily="34" charset="-79"/>
+                <a:ea typeface="+mn-ea"/>
+                <a:cs typeface="+mn-cs"/>
+              </a:defRPr>
+            </a:lvl5pPr>
+            <a:lvl6pPr marL="2514600" indent="-228600" algn="l" defTabSz="914400" rtl="0" eaLnBrk="1" latinLnBrk="0" hangingPunct="1">
+              <a:lnSpc>
+                <a:spcPct val="90000"/>
+              </a:lnSpc>
+              <a:spcBef>
+                <a:spcPts val="500"/>
+              </a:spcBef>
+              <a:buFont typeface="Arial" panose="020B0604020202020204" pitchFamily="34" charset="0"/>
+              <a:buChar char="•"/>
+              <a:defRPr sz="1800" kern="1200">
+                <a:solidFill>
+                  <a:schemeClr val="tx1"/>
+                </a:solidFill>
+                <a:latin typeface="+mn-lt"/>
+                <a:ea typeface="+mn-ea"/>
+                <a:cs typeface="+mn-cs"/>
+              </a:defRPr>
+            </a:lvl6pPr>
+            <a:lvl7pPr marL="2971800" indent="-228600" algn="l" defTabSz="914400" rtl="0" eaLnBrk="1" latinLnBrk="0" hangingPunct="1">
+              <a:lnSpc>
+                <a:spcPct val="90000"/>
+              </a:lnSpc>
+              <a:spcBef>
+                <a:spcPts val="500"/>
+              </a:spcBef>
+              <a:buFont typeface="Arial" panose="020B0604020202020204" pitchFamily="34" charset="0"/>
+              <a:buChar char="•"/>
+              <a:defRPr sz="1800" kern="1200">
+                <a:solidFill>
+                  <a:schemeClr val="tx1"/>
+                </a:solidFill>
+                <a:latin typeface="+mn-lt"/>
+                <a:ea typeface="+mn-ea"/>
+                <a:cs typeface="+mn-cs"/>
+              </a:defRPr>
+            </a:lvl7pPr>
+            <a:lvl8pPr marL="3429000" indent="-228600" algn="l" defTabSz="914400" rtl="0" eaLnBrk="1" latinLnBrk="0" hangingPunct="1">
+              <a:lnSpc>
+                <a:spcPct val="90000"/>
+              </a:lnSpc>
+              <a:spcBef>
+                <a:spcPts val="500"/>
+              </a:spcBef>
+              <a:buFont typeface="Arial" panose="020B0604020202020204" pitchFamily="34" charset="0"/>
+              <a:buChar char="•"/>
+              <a:defRPr sz="1800" kern="1200">
+                <a:solidFill>
+                  <a:schemeClr val="tx1"/>
+                </a:solidFill>
+                <a:latin typeface="+mn-lt"/>
+                <a:ea typeface="+mn-ea"/>
+                <a:cs typeface="+mn-cs"/>
+              </a:defRPr>
+            </a:lvl8pPr>
+            <a:lvl9pPr marL="3886200" indent="-228600" algn="l" defTabSz="914400" rtl="0" eaLnBrk="1" latinLnBrk="0" hangingPunct="1">
+              <a:lnSpc>
+                <a:spcPct val="90000"/>
+              </a:lnSpc>
+              <a:spcBef>
+                <a:spcPts val="500"/>
+              </a:spcBef>
+              <a:buFont typeface="Arial" panose="020B0604020202020204" pitchFamily="34" charset="0"/>
+              <a:buChar char="•"/>
+              <a:defRPr sz="1800" kern="1200">
+                <a:solidFill>
+                  <a:schemeClr val="tx1"/>
+                </a:solidFill>
+                <a:latin typeface="+mn-lt"/>
+                <a:ea typeface="+mn-ea"/>
+                <a:cs typeface="+mn-cs"/>
+              </a:defRPr>
+            </a:lvl9pPr>
+          </a:lstStyle>
+          <a:p>
+            <a:pPr marL="0" indent="0">
+              <a:buFont typeface="Arial" panose="020B0604020202020204" pitchFamily="34" charset="0"/>
+              <a:buNone/>
+            </a:pPr>
             <a:r>
               <a:rPr lang="en-US" dirty="0"/>
-              <a:t>plate visible</a:t>
-            </a:r>
-            <a:endParaRPr lang="en-US" dirty="0" smtClean="0"/>
-          </a:p>
-          <a:p>
+              <a:t>Plate Recognition</a:t>
+            </a:r>
+          </a:p>
+          <a:p>
+            <a:pPr marL="0" indent="0">
+              <a:buFont typeface="Arial" panose="020B0604020202020204" pitchFamily="34" charset="0"/>
+              <a:buNone/>
+            </a:pPr>
+            <a:endParaRPr lang="en-US" dirty="0"/>
+          </a:p>
+          <a:p>
+            <a:r>
+              <a:rPr lang="en-US" b="1" dirty="0">
+                <a:latin typeface="Futura Light" pitchFamily="2" charset="77"/>
+              </a:rPr>
+              <a:t>Accuracy &gt; 95%</a:t>
+            </a:r>
+          </a:p>
+          <a:p>
+            <a:r>
+              <a:rPr lang="en-US" b="1" dirty="0">
+                <a:latin typeface="Futura Light" pitchFamily="2" charset="77"/>
+              </a:rPr>
+              <a:t>No manual insertion</a:t>
+            </a:r>
+            <a:endParaRPr lang="en-US" b="1" dirty="0"/>
+          </a:p>
+        </p:txBody>
+      </p:sp>
+      <p:sp>
+        <p:nvSpPr>
+          <p:cNvPr id="17" name="Content Placeholder 4">
+            <a:extLst>
+              <a:ext uri="{FF2B5EF4-FFF2-40B4-BE49-F238E27FC236}">
+                <a16:creationId xmlns:a16="http://schemas.microsoft.com/office/drawing/2014/main" id="{2A038D9F-F595-B840-AABB-25A2CB9FE815}"/>
+              </a:ext>
+            </a:extLst>
+          </p:cNvPr>
+          <p:cNvSpPr txBox="1">
+            <a:spLocks/>
+          </p:cNvSpPr>
+          <p:nvPr/>
+        </p:nvSpPr>
+        <p:spPr>
+          <a:xfrm>
+            <a:off x="8227899" y="2414423"/>
+            <a:ext cx="3877056" cy="4297680"/>
+          </a:xfrm>
+          <a:prstGeom prst="rect">
+            <a:avLst/>
+          </a:prstGeom>
+        </p:spPr>
+        <p:txBody>
+          <a:bodyPr vert="horz" lIns="91440" tIns="45720" rIns="91440" bIns="45720" rtlCol="0">
+            <a:normAutofit/>
+          </a:bodyPr>
+          <a:lstStyle>
+            <a:lvl1pPr marL="228600" indent="-228600" algn="l" defTabSz="914400" rtl="0" eaLnBrk="1" latinLnBrk="0" hangingPunct="1">
+              <a:lnSpc>
+                <a:spcPct val="90000"/>
+              </a:lnSpc>
+              <a:spcBef>
+                <a:spcPts val="1000"/>
+              </a:spcBef>
+              <a:buFont typeface="Arial" panose="020B0604020202020204" pitchFamily="34" charset="0"/>
+              <a:buChar char="•"/>
+              <a:defRPr sz="2800" b="0" i="0" kern="1200">
+                <a:solidFill>
+                  <a:schemeClr val="tx1"/>
+                </a:solidFill>
+                <a:latin typeface="Futura Medium" panose="020B0602020204020303" pitchFamily="34" charset="-79"/>
+                <a:ea typeface="+mn-ea"/>
+                <a:cs typeface="+mn-cs"/>
+              </a:defRPr>
+            </a:lvl1pPr>
+            <a:lvl2pPr marL="685800" indent="-228600" algn="l" defTabSz="914400" rtl="0" eaLnBrk="1" latinLnBrk="0" hangingPunct="1">
+              <a:lnSpc>
+                <a:spcPct val="90000"/>
+              </a:lnSpc>
+              <a:spcBef>
+                <a:spcPts val="500"/>
+              </a:spcBef>
+              <a:buFont typeface="Arial" panose="020B0604020202020204" pitchFamily="34" charset="0"/>
+              <a:buChar char="•"/>
+              <a:defRPr sz="2400" b="0" i="0" kern="1200">
+                <a:solidFill>
+                  <a:schemeClr val="tx1"/>
+                </a:solidFill>
+                <a:latin typeface="Futura Medium" panose="020B0602020204020303" pitchFamily="34" charset="-79"/>
+                <a:ea typeface="+mn-ea"/>
+                <a:cs typeface="+mn-cs"/>
+              </a:defRPr>
+            </a:lvl2pPr>
+            <a:lvl3pPr marL="1143000" indent="-228600" algn="l" defTabSz="914400" rtl="0" eaLnBrk="1" latinLnBrk="0" hangingPunct="1">
+              <a:lnSpc>
+                <a:spcPct val="90000"/>
+              </a:lnSpc>
+              <a:spcBef>
+                <a:spcPts val="500"/>
+              </a:spcBef>
+              <a:buFont typeface="Arial" panose="020B0604020202020204" pitchFamily="34" charset="0"/>
+              <a:buChar char="•"/>
+              <a:defRPr sz="2000" b="0" i="0" kern="1200">
+                <a:solidFill>
+                  <a:schemeClr val="tx1"/>
+                </a:solidFill>
+                <a:latin typeface="Futura Medium" panose="020B0602020204020303" pitchFamily="34" charset="-79"/>
+                <a:ea typeface="+mn-ea"/>
+                <a:cs typeface="+mn-cs"/>
+              </a:defRPr>
+            </a:lvl3pPr>
+            <a:lvl4pPr marL="1600200" indent="-228600" algn="l" defTabSz="914400" rtl="0" eaLnBrk="1" latinLnBrk="0" hangingPunct="1">
+              <a:lnSpc>
+                <a:spcPct val="90000"/>
+              </a:lnSpc>
+              <a:spcBef>
+                <a:spcPts val="500"/>
+              </a:spcBef>
+              <a:buFont typeface="Arial" panose="020B0604020202020204" pitchFamily="34" charset="0"/>
+              <a:buChar char="•"/>
+              <a:defRPr sz="1800" b="0" i="0" kern="1200">
+                <a:solidFill>
+                  <a:schemeClr val="tx1"/>
+                </a:solidFill>
+                <a:latin typeface="Futura Medium" panose="020B0602020204020303" pitchFamily="34" charset="-79"/>
+                <a:ea typeface="+mn-ea"/>
+                <a:cs typeface="+mn-cs"/>
+              </a:defRPr>
+            </a:lvl4pPr>
+            <a:lvl5pPr marL="2057400" indent="-228600" algn="l" defTabSz="914400" rtl="0" eaLnBrk="1" latinLnBrk="0" hangingPunct="1">
+              <a:lnSpc>
+                <a:spcPct val="90000"/>
+              </a:lnSpc>
+              <a:spcBef>
+                <a:spcPts val="500"/>
+              </a:spcBef>
+              <a:buFont typeface="Arial" panose="020B0604020202020204" pitchFamily="34" charset="0"/>
+              <a:buChar char="•"/>
+              <a:defRPr sz="1800" b="0" i="0" kern="1200">
+                <a:solidFill>
+                  <a:schemeClr val="tx1"/>
+                </a:solidFill>
+                <a:latin typeface="Futura Medium" panose="020B0602020204020303" pitchFamily="34" charset="-79"/>
+                <a:ea typeface="+mn-ea"/>
+                <a:cs typeface="+mn-cs"/>
+              </a:defRPr>
+            </a:lvl5pPr>
+            <a:lvl6pPr marL="2514600" indent="-228600" algn="l" defTabSz="914400" rtl="0" eaLnBrk="1" latinLnBrk="0" hangingPunct="1">
+              <a:lnSpc>
+                <a:spcPct val="90000"/>
+              </a:lnSpc>
+              <a:spcBef>
+                <a:spcPts val="500"/>
+              </a:spcBef>
+              <a:buFont typeface="Arial" panose="020B0604020202020204" pitchFamily="34" charset="0"/>
+              <a:buChar char="•"/>
+              <a:defRPr sz="1800" kern="1200">
+                <a:solidFill>
+                  <a:schemeClr val="tx1"/>
+                </a:solidFill>
+                <a:latin typeface="+mn-lt"/>
+                <a:ea typeface="+mn-ea"/>
+                <a:cs typeface="+mn-cs"/>
+              </a:defRPr>
+            </a:lvl6pPr>
+            <a:lvl7pPr marL="2971800" indent="-228600" algn="l" defTabSz="914400" rtl="0" eaLnBrk="1" latinLnBrk="0" hangingPunct="1">
+              <a:lnSpc>
+                <a:spcPct val="90000"/>
+              </a:lnSpc>
+              <a:spcBef>
+                <a:spcPts val="500"/>
+              </a:spcBef>
+              <a:buFont typeface="Arial" panose="020B0604020202020204" pitchFamily="34" charset="0"/>
+              <a:buChar char="•"/>
+              <a:defRPr sz="1800" kern="1200">
+                <a:solidFill>
+                  <a:schemeClr val="tx1"/>
+                </a:solidFill>
+                <a:latin typeface="+mn-lt"/>
+                <a:ea typeface="+mn-ea"/>
+                <a:cs typeface="+mn-cs"/>
+              </a:defRPr>
+            </a:lvl7pPr>
+            <a:lvl8pPr marL="3429000" indent="-228600" algn="l" defTabSz="914400" rtl="0" eaLnBrk="1" latinLnBrk="0" hangingPunct="1">
+              <a:lnSpc>
+                <a:spcPct val="90000"/>
+              </a:lnSpc>
+              <a:spcBef>
+                <a:spcPts val="500"/>
+              </a:spcBef>
+              <a:buFont typeface="Arial" panose="020B0604020202020204" pitchFamily="34" charset="0"/>
+              <a:buChar char="•"/>
+              <a:defRPr sz="1800" kern="1200">
+                <a:solidFill>
+                  <a:schemeClr val="tx1"/>
+                </a:solidFill>
+                <a:latin typeface="+mn-lt"/>
+                <a:ea typeface="+mn-ea"/>
+                <a:cs typeface="+mn-cs"/>
+              </a:defRPr>
+            </a:lvl8pPr>
+            <a:lvl9pPr marL="3886200" indent="-228600" algn="l" defTabSz="914400" rtl="0" eaLnBrk="1" latinLnBrk="0" hangingPunct="1">
+              <a:lnSpc>
+                <a:spcPct val="90000"/>
+              </a:lnSpc>
+              <a:spcBef>
+                <a:spcPts val="500"/>
+              </a:spcBef>
+              <a:buFont typeface="Arial" panose="020B0604020202020204" pitchFamily="34" charset="0"/>
+              <a:buChar char="•"/>
+              <a:defRPr sz="1800" kern="1200">
+                <a:solidFill>
+                  <a:schemeClr val="tx1"/>
+                </a:solidFill>
+                <a:latin typeface="+mn-lt"/>
+                <a:ea typeface="+mn-ea"/>
+                <a:cs typeface="+mn-cs"/>
+              </a:defRPr>
+            </a:lvl9pPr>
+          </a:lstStyle>
+          <a:p>
+            <a:pPr marL="0" indent="0">
+              <a:buFont typeface="Arial" panose="020B0604020202020204" pitchFamily="34" charset="0"/>
+              <a:buNone/>
+            </a:pPr>
             <a:r>
               <a:rPr lang="en-US" dirty="0"/>
-              <a:t>[D8] The number and kind of violations should be finite </a:t>
-            </a:r>
-            <a:endParaRPr lang="en-US" dirty="0" smtClean="0"/>
-          </a:p>
-          <a:p>
-            <a:r>
-              <a:rPr lang="en-US" dirty="0"/>
-              <a:t>[D9] Every authority account is verified and it’s not possible to be created using the front </a:t>
-            </a:r>
-            <a:r>
-              <a:rPr lang="en-US" dirty="0" smtClean="0"/>
-              <a:t>end.</a:t>
-            </a:r>
-          </a:p>
-          <a:p>
-            <a:r>
-              <a:rPr lang="en-US" dirty="0"/>
-              <a:t>[D10] Each vehicle has one and </a:t>
-            </a:r>
-            <a:r>
-              <a:rPr lang="en-US" dirty="0" smtClean="0"/>
-              <a:t>only one </a:t>
-            </a:r>
-            <a:r>
-              <a:rPr lang="en-US" dirty="0"/>
-              <a:t>main </a:t>
-            </a:r>
-            <a:r>
-              <a:rPr lang="en-US" dirty="0" smtClean="0"/>
-              <a:t>owner, and we can extract his/her information like name, address and … from vehicle registration database</a:t>
-            </a:r>
-          </a:p>
-          <a:p>
-            <a:r>
-              <a:rPr lang="en-US" dirty="0"/>
-              <a:t>[D11] The only way to upload pictures of violation is through the </a:t>
-            </a:r>
-            <a:r>
-              <a:rPr lang="en-US" dirty="0" smtClean="0"/>
-              <a:t>application</a:t>
-            </a:r>
-          </a:p>
-          <a:p>
-            <a:r>
-              <a:rPr lang="en-US" dirty="0"/>
-              <a:t>[</a:t>
-            </a:r>
-            <a:r>
-              <a:rPr lang="en-US" dirty="0" smtClean="0"/>
-              <a:t>D12]  Each license </a:t>
-            </a:r>
-            <a:r>
-              <a:rPr lang="en-US" dirty="0"/>
-              <a:t>plate is unique, there are no vehicles with the same plate</a:t>
-            </a:r>
+              <a:t>Authority integration</a:t>
+            </a:r>
+          </a:p>
+          <a:p>
+            <a:pPr marL="0" indent="0">
+              <a:buFont typeface="Arial" panose="020B0604020202020204" pitchFamily="34" charset="0"/>
+              <a:buNone/>
+            </a:pPr>
             <a:endParaRPr lang="en-US" dirty="0"/>
+          </a:p>
+          <a:p>
+            <a:r>
+              <a:rPr lang="en-US" b="1" dirty="0">
+                <a:latin typeface="Futura Light" pitchFamily="2" charset="77"/>
+              </a:rPr>
+              <a:t>Verified accounts</a:t>
+            </a:r>
+          </a:p>
+          <a:p>
+            <a:r>
+              <a:rPr lang="en-US" b="1" dirty="0">
+                <a:latin typeface="Futura Light" pitchFamily="2" charset="77"/>
+              </a:rPr>
+              <a:t>Access to vehicle registration databases </a:t>
+            </a:r>
+            <a:endParaRPr lang="en-US" b="1" dirty="0"/>
           </a:p>
         </p:txBody>
       </p:sp>
     </p:spTree>
     <p:extLst>
       <p:ext uri="{BB962C8B-B14F-4D97-AF65-F5344CB8AC3E}">
-        <p14:creationId xmlns:p14="http://schemas.microsoft.com/office/powerpoint/2010/main" val="188239805"/>
+        <p14:creationId xmlns:p14="http://schemas.microsoft.com/office/powerpoint/2010/main" val="2971739984"/>
       </p:ext>
     </p:extLst>
   </p:cSld>
   <p:clrMapOvr>
     <a:masterClrMapping/>
   </p:clrMapOvr>
+  <p:timing>
+    <p:tnLst>
+      <p:par>
+        <p:cTn id="1" dur="indefinite" restart="never" nodeType="tmRoot">
+          <p:childTnLst>
+            <p:seq concurrent="1" nextAc="seek">
+              <p:cTn id="2" dur="indefinite" nodeType="mainSeq">
+                <p:childTnLst>
+                  <p:par>
+                    <p:cTn id="3" fill="hold">
+                      <p:stCondLst>
+                        <p:cond delay="indefinite"/>
+                      </p:stCondLst>
+                      <p:childTnLst>
+                        <p:par>
+                          <p:cTn id="4" fill="hold">
+                            <p:stCondLst>
+                              <p:cond delay="0"/>
+                            </p:stCondLst>
+                            <p:childTnLst>
+                              <p:par>
+                                <p:cTn id="5" presetID="1" presetClass="entr" presetSubtype="0" fill="hold" grpId="0" nodeType="clickEffect">
+                                  <p:stCondLst>
+                                    <p:cond delay="0"/>
+                                  </p:stCondLst>
+                                  <p:childTnLst>
+                                    <p:set>
+                                      <p:cBhvr>
+                                        <p:cTn id="6" dur="1" fill="hold">
+                                          <p:stCondLst>
+                                            <p:cond delay="0"/>
+                                          </p:stCondLst>
+                                        </p:cTn>
+                                        <p:tgtEl>
+                                          <p:spTgt spid="9">
+                                            <p:txEl>
+                                              <p:pRg st="0" end="0"/>
+                                            </p:txEl>
+                                          </p:spTgt>
+                                        </p:tgtEl>
+                                        <p:attrNameLst>
+                                          <p:attrName>style.visibility</p:attrName>
+                                        </p:attrNameLst>
+                                      </p:cBhvr>
+                                      <p:to>
+                                        <p:strVal val="visible"/>
+                                      </p:to>
+                                    </p:set>
+                                  </p:childTnLst>
+                                </p:cTn>
+                              </p:par>
+                            </p:childTnLst>
+                          </p:cTn>
+                        </p:par>
+                      </p:childTnLst>
+                    </p:cTn>
+                  </p:par>
+                  <p:par>
+                    <p:cTn id="7" fill="hold">
+                      <p:stCondLst>
+                        <p:cond delay="indefinite"/>
+                      </p:stCondLst>
+                      <p:childTnLst>
+                        <p:par>
+                          <p:cTn id="8" fill="hold">
+                            <p:stCondLst>
+                              <p:cond delay="0"/>
+                            </p:stCondLst>
+                            <p:childTnLst>
+                              <p:par>
+                                <p:cTn id="9" presetID="1" presetClass="entr" presetSubtype="0" fill="hold" grpId="0" nodeType="clickEffect">
+                                  <p:stCondLst>
+                                    <p:cond delay="0"/>
+                                  </p:stCondLst>
+                                  <p:childTnLst>
+                                    <p:set>
+                                      <p:cBhvr>
+                                        <p:cTn id="10" dur="1" fill="hold">
+                                          <p:stCondLst>
+                                            <p:cond delay="0"/>
+                                          </p:stCondLst>
+                                        </p:cTn>
+                                        <p:tgtEl>
+                                          <p:spTgt spid="9">
+                                            <p:txEl>
+                                              <p:pRg st="2" end="2"/>
+                                            </p:txEl>
+                                          </p:spTgt>
+                                        </p:tgtEl>
+                                        <p:attrNameLst>
+                                          <p:attrName>style.visibility</p:attrName>
+                                        </p:attrNameLst>
+                                      </p:cBhvr>
+                                      <p:to>
+                                        <p:strVal val="visible"/>
+                                      </p:to>
+                                    </p:set>
+                                  </p:childTnLst>
+                                </p:cTn>
+                              </p:par>
+                            </p:childTnLst>
+                          </p:cTn>
+                        </p:par>
+                      </p:childTnLst>
+                    </p:cTn>
+                  </p:par>
+                  <p:par>
+                    <p:cTn id="11" fill="hold">
+                      <p:stCondLst>
+                        <p:cond delay="indefinite"/>
+                      </p:stCondLst>
+                      <p:childTnLst>
+                        <p:par>
+                          <p:cTn id="12" fill="hold">
+                            <p:stCondLst>
+                              <p:cond delay="0"/>
+                            </p:stCondLst>
+                            <p:childTnLst>
+                              <p:par>
+                                <p:cTn id="13" presetID="1" presetClass="entr" presetSubtype="0" fill="hold" grpId="0" nodeType="clickEffect">
+                                  <p:stCondLst>
+                                    <p:cond delay="0"/>
+                                  </p:stCondLst>
+                                  <p:childTnLst>
+                                    <p:set>
+                                      <p:cBhvr>
+                                        <p:cTn id="14" dur="1" fill="hold">
+                                          <p:stCondLst>
+                                            <p:cond delay="0"/>
+                                          </p:stCondLst>
+                                        </p:cTn>
+                                        <p:tgtEl>
+                                          <p:spTgt spid="9">
+                                            <p:txEl>
+                                              <p:pRg st="3" end="3"/>
+                                            </p:txEl>
+                                          </p:spTgt>
+                                        </p:tgtEl>
+                                        <p:attrNameLst>
+                                          <p:attrName>style.visibility</p:attrName>
+                                        </p:attrNameLst>
+                                      </p:cBhvr>
+                                      <p:to>
+                                        <p:strVal val="visible"/>
+                                      </p:to>
+                                    </p:set>
+                                  </p:childTnLst>
+                                </p:cTn>
+                              </p:par>
+                            </p:childTnLst>
+                          </p:cTn>
+                        </p:par>
+                      </p:childTnLst>
+                    </p:cTn>
+                  </p:par>
+                  <p:par>
+                    <p:cTn id="15" fill="hold">
+                      <p:stCondLst>
+                        <p:cond delay="indefinite"/>
+                      </p:stCondLst>
+                      <p:childTnLst>
+                        <p:par>
+                          <p:cTn id="16" fill="hold">
+                            <p:stCondLst>
+                              <p:cond delay="0"/>
+                            </p:stCondLst>
+                            <p:childTnLst>
+                              <p:par>
+                                <p:cTn id="17" presetID="1" presetClass="entr" presetSubtype="0" fill="hold" grpId="0" nodeType="clickEffect">
+                                  <p:stCondLst>
+                                    <p:cond delay="0"/>
+                                  </p:stCondLst>
+                                  <p:childTnLst>
+                                    <p:set>
+                                      <p:cBhvr>
+                                        <p:cTn id="18" dur="1" fill="hold">
+                                          <p:stCondLst>
+                                            <p:cond delay="0"/>
+                                          </p:stCondLst>
+                                        </p:cTn>
+                                        <p:tgtEl>
+                                          <p:spTgt spid="16"/>
+                                        </p:tgtEl>
+                                        <p:attrNameLst>
+                                          <p:attrName>style.visibility</p:attrName>
+                                        </p:attrNameLst>
+                                      </p:cBhvr>
+                                      <p:to>
+                                        <p:strVal val="visible"/>
+                                      </p:to>
+                                    </p:set>
+                                  </p:childTnLst>
+                                </p:cTn>
+                              </p:par>
+                            </p:childTnLst>
+                          </p:cTn>
+                        </p:par>
+                      </p:childTnLst>
+                    </p:cTn>
+                  </p:par>
+                  <p:par>
+                    <p:cTn id="19" fill="hold">
+                      <p:stCondLst>
+                        <p:cond delay="indefinite"/>
+                      </p:stCondLst>
+                      <p:childTnLst>
+                        <p:par>
+                          <p:cTn id="20" fill="hold">
+                            <p:stCondLst>
+                              <p:cond delay="0"/>
+                            </p:stCondLst>
+                            <p:childTnLst>
+                              <p:par>
+                                <p:cTn id="21" presetID="1" presetClass="entr" presetSubtype="0" fill="hold" grpId="0" nodeType="clickEffect">
+                                  <p:stCondLst>
+                                    <p:cond delay="0"/>
+                                  </p:stCondLst>
+                                  <p:childTnLst>
+                                    <p:set>
+                                      <p:cBhvr>
+                                        <p:cTn id="22" dur="1" fill="hold">
+                                          <p:stCondLst>
+                                            <p:cond delay="0"/>
+                                          </p:stCondLst>
+                                        </p:cTn>
+                                        <p:tgtEl>
+                                          <p:spTgt spid="17"/>
+                                        </p:tgtEl>
+                                        <p:attrNameLst>
+                                          <p:attrName>style.visibility</p:attrName>
+                                        </p:attrNameLst>
+                                      </p:cBhvr>
+                                      <p:to>
+                                        <p:strVal val="visible"/>
+                                      </p:to>
+                                    </p:set>
+                                  </p:childTnLst>
+                                </p:cTn>
+                              </p:par>
+                            </p:childTnLst>
+                          </p:cTn>
+                        </p:par>
+                      </p:childTnLst>
+                    </p:cTn>
+                  </p:par>
+                </p:childTnLst>
+              </p:cTn>
+              <p:prevCondLst>
+                <p:cond evt="onPrev" delay="0">
+                  <p:tgtEl>
+                    <p:sldTgt/>
+                  </p:tgtEl>
+                </p:cond>
+              </p:prevCondLst>
+              <p:nextCondLst>
+                <p:cond evt="onNext" delay="0">
+                  <p:tgtEl>
+                    <p:sldTgt/>
+                  </p:tgtEl>
+                </p:cond>
+              </p:nextCondLst>
+            </p:seq>
+          </p:childTnLst>
+        </p:cTn>
+      </p:par>
+    </p:tnLst>
+    <p:bldLst>
+      <p:bldP spid="9" grpId="0" build="p"/>
+      <p:bldP spid="16" grpId="0"/>
+      <p:bldP spid="17" grpId="0"/>
+    </p:bldLst>
+  </p:timing>
 </p:sld>
 </file>
 
@@ -5826,85 +8212,123 @@
       </p:grpSpPr>
       <p:sp>
         <p:nvSpPr>
-          <p:cNvPr id="2" name="Title 1">
-            <a:extLst>
-              <a:ext uri="{FF2B5EF4-FFF2-40B4-BE49-F238E27FC236}">
-                <a16:creationId xmlns:a16="http://schemas.microsoft.com/office/drawing/2014/main" xmlns="" id="{7C639A83-1180-5A4A-95BC-FD482325E4BC}"/>
-              </a:ext>
-            </a:extLst>
-          </p:cNvPr>
-          <p:cNvSpPr>
-            <a:spLocks noGrp="1"/>
+          <p:cNvPr id="9" name="Rectangle 8">
+            <a:extLst>
+              <a:ext uri="{FF2B5EF4-FFF2-40B4-BE49-F238E27FC236}">
+                <a16:creationId xmlns:a16="http://schemas.microsoft.com/office/drawing/2014/main" id="{94788CB8-F337-3D4A-96A2-15975A9682C1}"/>
+              </a:ext>
+            </a:extLst>
+          </p:cNvPr>
+          <p:cNvSpPr/>
+          <p:nvPr/>
+        </p:nvSpPr>
+        <p:spPr>
+          <a:xfrm>
+            <a:off x="0" y="-1"/>
+            <a:ext cx="12192000" cy="6858001"/>
+          </a:xfrm>
+          <a:prstGeom prst="rect">
+            <a:avLst/>
+          </a:prstGeom>
+          <a:solidFill>
+            <a:srgbClr val="728FA5"/>
+          </a:solidFill>
+          <a:ln>
+            <a:noFill/>
+          </a:ln>
+        </p:spPr>
+        <p:style>
+          <a:lnRef idx="2">
+            <a:schemeClr val="accent1">
+              <a:shade val="50000"/>
+            </a:schemeClr>
+          </a:lnRef>
+          <a:fillRef idx="1">
+            <a:schemeClr val="accent1"/>
+          </a:fillRef>
+          <a:effectRef idx="0">
+            <a:schemeClr val="accent1"/>
+          </a:effectRef>
+          <a:fontRef idx="minor">
+            <a:schemeClr val="lt1"/>
+          </a:fontRef>
+        </p:style>
+        <p:txBody>
+          <a:bodyPr rtlCol="0" anchor="ctr"/>
+          <a:lstStyle/>
+          <a:p>
+            <a:pPr algn="ctr"/>
+            <a:endParaRPr lang="en-US"/>
+          </a:p>
+        </p:txBody>
+      </p:sp>
+      <p:sp>
+        <p:nvSpPr>
+          <p:cNvPr id="6" name="Title 1">
+            <a:extLst>
+              <a:ext uri="{FF2B5EF4-FFF2-40B4-BE49-F238E27FC236}">
+                <a16:creationId xmlns:a16="http://schemas.microsoft.com/office/drawing/2014/main" id="{FE570DEB-EC52-0942-858A-C58059A724DE}"/>
+              </a:ext>
+            </a:extLst>
+          </p:cNvPr>
+          <p:cNvSpPr txBox="1">
+            <a:spLocks/>
           </p:cNvSpPr>
-          <p:nvPr>
-            <p:ph type="title"/>
-          </p:nvPr>
-        </p:nvSpPr>
-        <p:spPr/>
-        <p:txBody>
-          <a:bodyPr/>
-          <a:lstStyle/>
-          <a:p>
-            <a:r>
-              <a:rPr lang="en-US" dirty="0"/>
-              <a:t>Requirements</a:t>
-            </a:r>
-          </a:p>
-        </p:txBody>
-      </p:sp>
-      <p:sp>
-        <p:nvSpPr>
-          <p:cNvPr id="3" name="Content Placeholder 2">
-            <a:extLst>
-              <a:ext uri="{FF2B5EF4-FFF2-40B4-BE49-F238E27FC236}">
-                <a16:creationId xmlns:a16="http://schemas.microsoft.com/office/drawing/2014/main" xmlns="" id="{25937838-9C44-944E-9A47-EBCF11749129}"/>
-              </a:ext>
-            </a:extLst>
-          </p:cNvPr>
-          <p:cNvSpPr>
-            <a:spLocks noGrp="1"/>
-          </p:cNvSpPr>
-          <p:nvPr>
-            <p:ph idx="1"/>
-          </p:nvPr>
-        </p:nvSpPr>
-        <p:spPr/>
-        <p:txBody>
-          <a:bodyPr/>
-          <a:lstStyle/>
-          <a:p>
-            <a:r>
-              <a:rPr lang="en-GB" dirty="0"/>
-              <a:t>The user must be able to select the vehicle to report in case there are other vehicles in picture </a:t>
-            </a:r>
-          </a:p>
-          <a:p>
-            <a:endParaRPr lang="en-GB" dirty="0">
-              <a:effectLst/>
+          <p:nvPr/>
+        </p:nvSpPr>
+        <p:spPr>
+          <a:xfrm>
+            <a:off x="838200" y="365125"/>
+            <a:ext cx="10515600" cy="1325563"/>
+          </a:xfrm>
+          <a:prstGeom prst="rect">
+            <a:avLst/>
+          </a:prstGeom>
+        </p:spPr>
+        <p:txBody>
+          <a:bodyPr vert="horz" lIns="91440" tIns="45720" rIns="91440" bIns="45720" rtlCol="0" anchor="ctr">
+            <a:normAutofit/>
+          </a:bodyPr>
+          <a:lstStyle>
+            <a:lvl1pPr algn="l" defTabSz="914400" rtl="0" eaLnBrk="1" latinLnBrk="0" hangingPunct="1">
+              <a:lnSpc>
+                <a:spcPct val="90000"/>
+              </a:lnSpc>
+              <a:spcBef>
+                <a:spcPct val="0"/>
+              </a:spcBef>
+              <a:buNone/>
+              <a:defRPr sz="4400" b="0" i="0" kern="1200">
+                <a:solidFill>
+                  <a:schemeClr val="tx1"/>
+                </a:solidFill>
+                <a:latin typeface="Futura Light" pitchFamily="2" charset="77"/>
+                <a:ea typeface="+mj-ea"/>
+                <a:cs typeface="+mj-cs"/>
+              </a:defRPr>
+            </a:lvl1pPr>
+          </a:lstStyle>
+          <a:p>
+            <a:r>
+              <a:rPr lang="en-GB" sz="5400" b="1" dirty="0">
+                <a:solidFill>
+                  <a:schemeClr val="bg1"/>
+                </a:solidFill>
+              </a:rPr>
+              <a:t>Alloy</a:t>
+            </a:r>
+            <a:endParaRPr lang="en-US" b="1" dirty="0">
+              <a:solidFill>
+                <a:schemeClr val="bg1"/>
+              </a:solidFill>
             </a:endParaRPr>
-          </a:p>
-          <a:p>
-            <a:r>
-              <a:rPr lang="en-GB" dirty="0"/>
-              <a:t>@</a:t>
-            </a:r>
-            <a:r>
-              <a:rPr lang="en-GB" dirty="0" err="1"/>
-              <a:t>tiberio</a:t>
-            </a:r>
-            <a:endParaRPr lang="en-GB" dirty="0">
-              <a:effectLst/>
-            </a:endParaRPr>
-          </a:p>
-          <a:p>
-            <a:endParaRPr lang="en-US" dirty="0"/>
           </a:p>
         </p:txBody>
       </p:sp>
     </p:spTree>
     <p:extLst>
       <p:ext uri="{BB962C8B-B14F-4D97-AF65-F5344CB8AC3E}">
-        <p14:creationId xmlns:p14="http://schemas.microsoft.com/office/powerpoint/2010/main" val="3297492682"/>
+        <p14:creationId xmlns:p14="http://schemas.microsoft.com/office/powerpoint/2010/main" val="2399933259"/>
       </p:ext>
     </p:extLst>
   </p:cSld>
@@ -5931,112 +8355,45 @@
           <a:chExt cx="0" cy="0"/>
         </a:xfrm>
       </p:grpSpPr>
-      <p:sp>
-        <p:nvSpPr>
-          <p:cNvPr id="2" name="Title 1">
-            <a:extLst>
-              <a:ext uri="{FF2B5EF4-FFF2-40B4-BE49-F238E27FC236}">
-                <a16:creationId xmlns:a16="http://schemas.microsoft.com/office/drawing/2014/main" xmlns="" id="{EC2F1E34-FDC7-3C48-9422-FFDBCF372703}"/>
-              </a:ext>
-            </a:extLst>
-          </p:cNvPr>
-          <p:cNvSpPr>
-            <a:spLocks noGrp="1"/>
-          </p:cNvSpPr>
-          <p:nvPr>
-            <p:ph type="title"/>
-          </p:nvPr>
-        </p:nvSpPr>
-        <p:spPr/>
-        <p:txBody>
-          <a:bodyPr/>
-          <a:lstStyle/>
-          <a:p>
-            <a:r>
-              <a:rPr lang="en-US" dirty="0" err="1"/>
-              <a:t>Usecases</a:t>
-            </a:r>
-            <a:endParaRPr lang="en-US" dirty="0"/>
-          </a:p>
-        </p:txBody>
-      </p:sp>
-      <p:sp>
-        <p:nvSpPr>
-          <p:cNvPr id="3" name="Content Placeholder 2">
-            <a:extLst>
-              <a:ext uri="{FF2B5EF4-FFF2-40B4-BE49-F238E27FC236}">
-                <a16:creationId xmlns:a16="http://schemas.microsoft.com/office/drawing/2014/main" xmlns="" id="{F076A78F-0AF1-774D-9D28-4D7266186B71}"/>
-              </a:ext>
-            </a:extLst>
-          </p:cNvPr>
-          <p:cNvSpPr>
-            <a:spLocks noGrp="1"/>
-          </p:cNvSpPr>
+      <p:pic>
+        <p:nvPicPr>
+          <p:cNvPr id="6" name="Content Placeholder 5"/>
+          <p:cNvPicPr>
+            <a:picLocks noGrp="1" noChangeAspect="1"/>
+          </p:cNvPicPr>
           <p:nvPr>
             <p:ph idx="1"/>
           </p:nvPr>
-        </p:nvSpPr>
-        <p:spPr/>
-        <p:txBody>
-          <a:bodyPr/>
-          <a:lstStyle/>
-          <a:p>
-            <a:r>
-              <a:rPr lang="en-US" dirty="0"/>
-              <a:t>Reporting </a:t>
-            </a:r>
-          </a:p>
-          <a:p>
-            <a:r>
-              <a:rPr lang="en-US" dirty="0"/>
-              <a:t>Mining</a:t>
-            </a:r>
-          </a:p>
-          <a:p>
-            <a:r>
-              <a:rPr lang="en-US" dirty="0"/>
-              <a:t>Tickets</a:t>
-            </a:r>
-          </a:p>
-          <a:p>
-            <a:endParaRPr lang="en-US" dirty="0"/>
-          </a:p>
-          <a:p>
-            <a:r>
-              <a:rPr lang="en-US" dirty="0"/>
-              <a:t>@</a:t>
-            </a:r>
-            <a:r>
-              <a:rPr lang="en-US" dirty="0" err="1"/>
-              <a:t>tiberio</a:t>
-            </a:r>
-            <a:endParaRPr lang="en-US" dirty="0"/>
-          </a:p>
-          <a:p>
-            <a:pPr marL="0" indent="0">
-              <a:buNone/>
-            </a:pPr>
-            <a:endParaRPr lang="en-US" dirty="0"/>
-          </a:p>
-        </p:txBody>
-      </p:sp>
+        </p:nvPicPr>
+        <p:blipFill>
+          <a:blip r:embed="rId2">
+            <a:extLst>
+              <a:ext uri="{28A0092B-C50C-407E-A947-70E740481C1C}">
+                <a14:useLocalDpi xmlns:a14="http://schemas.microsoft.com/office/drawing/2010/main" val="0"/>
+              </a:ext>
+            </a:extLst>
+          </a:blip>
+          <a:stretch>
+            <a:fillRect/>
+          </a:stretch>
+        </p:blipFill>
+        <p:spPr>
+          <a:xfrm>
+            <a:off x="2604739" y="208727"/>
+            <a:ext cx="6982522" cy="6440545"/>
+          </a:xfrm>
+        </p:spPr>
+      </p:pic>
     </p:spTree>
     <p:extLst>
       <p:ext uri="{BB962C8B-B14F-4D97-AF65-F5344CB8AC3E}">
-        <p14:creationId xmlns:p14="http://schemas.microsoft.com/office/powerpoint/2010/main" val="4088396445"/>
+        <p14:creationId xmlns:p14="http://schemas.microsoft.com/office/powerpoint/2010/main" val="2831200722"/>
       </p:ext>
     </p:extLst>
   </p:cSld>
   <p:clrMapOvr>
     <a:masterClrMapping/>
   </p:clrMapOvr>
-  <p:timing>
-    <p:tnLst>
-      <p:par>
-        <p:cTn id="1" dur="indefinite" restart="never" nodeType="tmRoot"/>
-      </p:par>
-    </p:tnLst>
-  </p:timing>
 </p:sld>
 </file>
 
@@ -6059,88 +8416,1010 @@
       </p:grpSpPr>
       <p:sp>
         <p:nvSpPr>
-          <p:cNvPr id="2" name="Title 1">
-            <a:extLst>
-              <a:ext uri="{FF2B5EF4-FFF2-40B4-BE49-F238E27FC236}">
-                <a16:creationId xmlns:a16="http://schemas.microsoft.com/office/drawing/2014/main" xmlns="" id="{FC1E31BE-EA2F-6E4F-AAEC-A8EE2C8102F1}"/>
-              </a:ext>
-            </a:extLst>
-          </p:cNvPr>
-          <p:cNvSpPr>
+          <p:cNvPr id="5" name="Content Placeholder 4">
+            <a:extLst>
+              <a:ext uri="{FF2B5EF4-FFF2-40B4-BE49-F238E27FC236}">
+                <a16:creationId xmlns:a16="http://schemas.microsoft.com/office/drawing/2014/main" id="{BE076C2E-DC46-4055-9905-FEA2960D8A5B}"/>
+              </a:ext>
+            </a:extLst>
+          </p:cNvPr>
+          <p:cNvSpPr txBox="1">
             <a:spLocks noGrp="1"/>
           </p:cNvSpPr>
           <p:nvPr>
-            <p:ph type="title"/>
+            <p:ph idx="1"/>
           </p:nvPr>
+        </p:nvSpPr>
+        <p:spPr>
+          <a:prstGeom prst="rect">
+            <a:avLst/>
+          </a:prstGeom>
+          <a:noFill/>
+        </p:spPr>
+        <p:txBody>
+          <a:bodyPr wrap="none" rtlCol="0">
+            <a:spAutoFit/>
+          </a:bodyPr>
+          <a:lstStyle/>
+          <a:p>
+            <a:r>
+              <a:rPr lang="en-US" sz="2000" b="1" dirty="0">
+                <a:solidFill>
+                  <a:srgbClr val="00B050"/>
+                </a:solidFill>
+                <a:latin typeface="Arial" panose="020B0604020202020204" pitchFamily="34" charset="0"/>
+                <a:cs typeface="Arial" panose="020B0604020202020204" pitchFamily="34" charset="0"/>
+              </a:rPr>
+              <a:t>Signatures</a:t>
+            </a:r>
+          </a:p>
+        </p:txBody>
+      </p:sp>
+      <p:sp>
+        <p:nvSpPr>
+          <p:cNvPr id="7" name="TextBox 6">
+            <a:extLst>
+              <a:ext uri="{FF2B5EF4-FFF2-40B4-BE49-F238E27FC236}">
+                <a16:creationId xmlns:a16="http://schemas.microsoft.com/office/drawing/2014/main" id="{AE49466C-B5AE-4B6B-8916-DFAB777A37B0}"/>
+              </a:ext>
+            </a:extLst>
+          </p:cNvPr>
+          <p:cNvSpPr txBox="1"/>
+          <p:nvPr/>
         </p:nvSpPr>
         <p:spPr>
           <a:xfrm>
-            <a:off x="637478" y="328806"/>
+            <a:off x="3369662" y="1353564"/>
+            <a:ext cx="3756102" cy="1815882"/>
+          </a:xfrm>
+          <a:prstGeom prst="rect">
+            <a:avLst/>
+          </a:prstGeom>
+          <a:noFill/>
+        </p:spPr>
+        <p:txBody>
+          <a:bodyPr wrap="square" rtlCol="0">
+            <a:spAutoFit/>
+          </a:bodyPr>
+          <a:lstStyle/>
+          <a:p>
+            <a:r>
+              <a:rPr lang="en-US" sz="1400" dirty="0">
+                <a:latin typeface="Arial" panose="020B0604020202020204" pitchFamily="34" charset="0"/>
+                <a:cs typeface="Arial" panose="020B0604020202020204" pitchFamily="34" charset="0"/>
+              </a:rPr>
+              <a:t>abstract sig </a:t>
+            </a:r>
+            <a:r>
+              <a:rPr lang="en-US" sz="1400" dirty="0">
+                <a:solidFill>
+                  <a:srgbClr val="00B050"/>
+                </a:solidFill>
+                <a:latin typeface="Arial" panose="020B0604020202020204" pitchFamily="34" charset="0"/>
+                <a:cs typeface="Arial" panose="020B0604020202020204" pitchFamily="34" charset="0"/>
+              </a:rPr>
+              <a:t>User</a:t>
+            </a:r>
+            <a:r>
+              <a:rPr lang="en-US" sz="1400" dirty="0">
+                <a:latin typeface="Arial" panose="020B0604020202020204" pitchFamily="34" charset="0"/>
+                <a:cs typeface="Arial" panose="020B0604020202020204" pitchFamily="34" charset="0"/>
+              </a:rPr>
+              <a:t> {</a:t>
+            </a:r>
+            <a:br>
+              <a:rPr lang="en-US" sz="1400" dirty="0">
+                <a:latin typeface="Arial" panose="020B0604020202020204" pitchFamily="34" charset="0"/>
+                <a:cs typeface="Arial" panose="020B0604020202020204" pitchFamily="34" charset="0"/>
+              </a:rPr>
+            </a:br>
+            <a:r>
+              <a:rPr lang="en-US" sz="1400" dirty="0">
+                <a:latin typeface="Arial" panose="020B0604020202020204" pitchFamily="34" charset="0"/>
+                <a:cs typeface="Arial" panose="020B0604020202020204" pitchFamily="34" charset="0"/>
+              </a:rPr>
+              <a:t>   name: one Name,</a:t>
+            </a:r>
+            <a:br>
+              <a:rPr lang="en-US" sz="1400" dirty="0">
+                <a:latin typeface="Arial" panose="020B0604020202020204" pitchFamily="34" charset="0"/>
+                <a:cs typeface="Arial" panose="020B0604020202020204" pitchFamily="34" charset="0"/>
+              </a:rPr>
+            </a:br>
+            <a:r>
+              <a:rPr lang="en-US" sz="1400" dirty="0">
+                <a:latin typeface="Arial" panose="020B0604020202020204" pitchFamily="34" charset="0"/>
+                <a:cs typeface="Arial" panose="020B0604020202020204" pitchFamily="34" charset="0"/>
+              </a:rPr>
+              <a:t>   surname: one Surname,</a:t>
+            </a:r>
+            <a:br>
+              <a:rPr lang="en-US" sz="1400" dirty="0">
+                <a:latin typeface="Arial" panose="020B0604020202020204" pitchFamily="34" charset="0"/>
+                <a:cs typeface="Arial" panose="020B0604020202020204" pitchFamily="34" charset="0"/>
+              </a:rPr>
+            </a:br>
+            <a:r>
+              <a:rPr lang="en-US" sz="1400" dirty="0">
+                <a:latin typeface="Arial" panose="020B0604020202020204" pitchFamily="34" charset="0"/>
+                <a:cs typeface="Arial" panose="020B0604020202020204" pitchFamily="34" charset="0"/>
+              </a:rPr>
+              <a:t>   email: one Email,</a:t>
+            </a:r>
+            <a:br>
+              <a:rPr lang="en-US" sz="1400" dirty="0">
+                <a:latin typeface="Arial" panose="020B0604020202020204" pitchFamily="34" charset="0"/>
+                <a:cs typeface="Arial" panose="020B0604020202020204" pitchFamily="34" charset="0"/>
+              </a:rPr>
+            </a:br>
+            <a:r>
+              <a:rPr lang="en-US" sz="1400" dirty="0">
+                <a:latin typeface="Arial" panose="020B0604020202020204" pitchFamily="34" charset="0"/>
+                <a:cs typeface="Arial" panose="020B0604020202020204" pitchFamily="34" charset="0"/>
+              </a:rPr>
+              <a:t>   password: one Password,</a:t>
+            </a:r>
+            <a:br>
+              <a:rPr lang="en-US" sz="1400" dirty="0">
+                <a:latin typeface="Arial" panose="020B0604020202020204" pitchFamily="34" charset="0"/>
+                <a:cs typeface="Arial" panose="020B0604020202020204" pitchFamily="34" charset="0"/>
+              </a:rPr>
+            </a:br>
+            <a:r>
+              <a:rPr lang="en-US" sz="1400" dirty="0">
+                <a:latin typeface="Arial" panose="020B0604020202020204" pitchFamily="34" charset="0"/>
+                <a:cs typeface="Arial" panose="020B0604020202020204" pitchFamily="34" charset="0"/>
+              </a:rPr>
+              <a:t>   </a:t>
+            </a:r>
+            <a:r>
+              <a:rPr lang="en-US" sz="1400" dirty="0" err="1">
+                <a:latin typeface="Arial" panose="020B0604020202020204" pitchFamily="34" charset="0"/>
+                <a:cs typeface="Arial" panose="020B0604020202020204" pitchFamily="34" charset="0"/>
+              </a:rPr>
+              <a:t>accessLevel</a:t>
+            </a:r>
+            <a:r>
+              <a:rPr lang="en-US" sz="1400" dirty="0">
+                <a:latin typeface="Arial" panose="020B0604020202020204" pitchFamily="34" charset="0"/>
+                <a:cs typeface="Arial" panose="020B0604020202020204" pitchFamily="34" charset="0"/>
+              </a:rPr>
+              <a:t>: one Bool,</a:t>
+            </a:r>
+            <a:br>
+              <a:rPr lang="en-US" sz="1400" dirty="0">
+                <a:latin typeface="Arial" panose="020B0604020202020204" pitchFamily="34" charset="0"/>
+                <a:cs typeface="Arial" panose="020B0604020202020204" pitchFamily="34" charset="0"/>
+              </a:rPr>
+            </a:br>
+            <a:r>
+              <a:rPr lang="en-US" sz="1400" dirty="0">
+                <a:latin typeface="Arial" panose="020B0604020202020204" pitchFamily="34" charset="0"/>
+                <a:cs typeface="Arial" panose="020B0604020202020204" pitchFamily="34" charset="0"/>
+              </a:rPr>
+              <a:t>   </a:t>
+            </a:r>
+            <a:r>
+              <a:rPr lang="en-US" sz="1400" dirty="0" err="1">
+                <a:latin typeface="Arial" panose="020B0604020202020204" pitchFamily="34" charset="0"/>
+                <a:cs typeface="Arial" panose="020B0604020202020204" pitchFamily="34" charset="0"/>
+              </a:rPr>
+              <a:t>minedInfo</a:t>
+            </a:r>
+            <a:r>
+              <a:rPr lang="en-US" sz="1400" dirty="0">
+                <a:latin typeface="Arial" panose="020B0604020202020204" pitchFamily="34" charset="0"/>
+                <a:cs typeface="Arial" panose="020B0604020202020204" pitchFamily="34" charset="0"/>
+              </a:rPr>
+              <a:t>: some </a:t>
+            </a:r>
+            <a:r>
+              <a:rPr lang="en-US" sz="1400" dirty="0" err="1">
+                <a:latin typeface="Arial" panose="020B0604020202020204" pitchFamily="34" charset="0"/>
+                <a:cs typeface="Arial" panose="020B0604020202020204" pitchFamily="34" charset="0"/>
+              </a:rPr>
+              <a:t>MiningModule</a:t>
+            </a:r>
+            <a:r>
+              <a:rPr lang="en-US" sz="1400" dirty="0">
+                <a:latin typeface="Arial" panose="020B0604020202020204" pitchFamily="34" charset="0"/>
+                <a:cs typeface="Arial" panose="020B0604020202020204" pitchFamily="34" charset="0"/>
+              </a:rPr>
+              <a:t>, </a:t>
+            </a:r>
+            <a:br>
+              <a:rPr lang="en-US" sz="1400" dirty="0">
+                <a:latin typeface="Arial" panose="020B0604020202020204" pitchFamily="34" charset="0"/>
+                <a:cs typeface="Arial" panose="020B0604020202020204" pitchFamily="34" charset="0"/>
+              </a:rPr>
+            </a:br>
+            <a:r>
+              <a:rPr lang="en-US" sz="1400" dirty="0">
+                <a:latin typeface="Arial" panose="020B0604020202020204" pitchFamily="34" charset="0"/>
+                <a:cs typeface="Arial" panose="020B0604020202020204" pitchFamily="34" charset="0"/>
+              </a:rPr>
+              <a:t>}</a:t>
+            </a:r>
+          </a:p>
+        </p:txBody>
+      </p:sp>
+      <p:sp>
+        <p:nvSpPr>
+          <p:cNvPr id="8" name="TextBox 7">
+            <a:extLst>
+              <a:ext uri="{FF2B5EF4-FFF2-40B4-BE49-F238E27FC236}">
+                <a16:creationId xmlns:a16="http://schemas.microsoft.com/office/drawing/2014/main" id="{AE334569-08BD-4002-82CA-D9D76BFF18C3}"/>
+              </a:ext>
+            </a:extLst>
+          </p:cNvPr>
+          <p:cNvSpPr txBox="1"/>
+          <p:nvPr/>
+        </p:nvSpPr>
+        <p:spPr>
+          <a:xfrm>
+            <a:off x="3369662" y="3431907"/>
+            <a:ext cx="2919389" cy="1169551"/>
+          </a:xfrm>
+          <a:prstGeom prst="rect">
+            <a:avLst/>
+          </a:prstGeom>
+          <a:noFill/>
+        </p:spPr>
+        <p:txBody>
+          <a:bodyPr wrap="none" rtlCol="0">
+            <a:spAutoFit/>
+          </a:bodyPr>
+          <a:lstStyle/>
+          <a:p>
+            <a:r>
+              <a:rPr lang="en-US" sz="1400" dirty="0">
+                <a:latin typeface="Arial" panose="020B0604020202020204" pitchFamily="34" charset="0"/>
+                <a:cs typeface="Arial" panose="020B0604020202020204" pitchFamily="34" charset="0"/>
+              </a:rPr>
+              <a:t>sig </a:t>
+            </a:r>
+            <a:r>
+              <a:rPr lang="en-US" sz="1400" dirty="0">
+                <a:solidFill>
+                  <a:srgbClr val="00B050"/>
+                </a:solidFill>
+                <a:latin typeface="Arial" panose="020B0604020202020204" pitchFamily="34" charset="0"/>
+                <a:cs typeface="Arial" panose="020B0604020202020204" pitchFamily="34" charset="0"/>
+              </a:rPr>
+              <a:t>Costumer</a:t>
+            </a:r>
+            <a:r>
+              <a:rPr lang="en-US" sz="1400" dirty="0">
+                <a:latin typeface="Arial" panose="020B0604020202020204" pitchFamily="34" charset="0"/>
+                <a:cs typeface="Arial" panose="020B0604020202020204" pitchFamily="34" charset="0"/>
+              </a:rPr>
+              <a:t> extends User {</a:t>
+            </a:r>
+            <a:br>
+              <a:rPr lang="en-US" sz="1400" dirty="0">
+                <a:latin typeface="Arial" panose="020B0604020202020204" pitchFamily="34" charset="0"/>
+                <a:cs typeface="Arial" panose="020B0604020202020204" pitchFamily="34" charset="0"/>
+              </a:rPr>
+            </a:br>
+            <a:r>
+              <a:rPr lang="en-US" sz="1400" dirty="0">
+                <a:latin typeface="Arial" panose="020B0604020202020204" pitchFamily="34" charset="0"/>
+                <a:cs typeface="Arial" panose="020B0604020202020204" pitchFamily="34" charset="0"/>
+              </a:rPr>
+              <a:t>   </a:t>
+            </a:r>
+            <a:r>
+              <a:rPr lang="en-US" sz="1400" dirty="0" err="1">
+                <a:latin typeface="Arial" panose="020B0604020202020204" pitchFamily="34" charset="0"/>
+                <a:cs typeface="Arial" panose="020B0604020202020204" pitchFamily="34" charset="0"/>
+              </a:rPr>
+              <a:t>costumerLocation</a:t>
+            </a:r>
+            <a:r>
+              <a:rPr lang="en-US" sz="1400" dirty="0">
+                <a:latin typeface="Arial" panose="020B0604020202020204" pitchFamily="34" charset="0"/>
+                <a:cs typeface="Arial" panose="020B0604020202020204" pitchFamily="34" charset="0"/>
+              </a:rPr>
+              <a:t>: one Location,</a:t>
+            </a:r>
+            <a:br>
+              <a:rPr lang="en-US" sz="1400" dirty="0">
+                <a:latin typeface="Arial" panose="020B0604020202020204" pitchFamily="34" charset="0"/>
+                <a:cs typeface="Arial" panose="020B0604020202020204" pitchFamily="34" charset="0"/>
+              </a:rPr>
+            </a:br>
+            <a:r>
+              <a:rPr lang="en-US" sz="1400" dirty="0">
+                <a:latin typeface="Arial" panose="020B0604020202020204" pitchFamily="34" charset="0"/>
+                <a:cs typeface="Arial" panose="020B0604020202020204" pitchFamily="34" charset="0"/>
+              </a:rPr>
+              <a:t>   </a:t>
+            </a:r>
+            <a:r>
+              <a:rPr lang="en-US" sz="1400" dirty="0" err="1">
+                <a:latin typeface="Arial" panose="020B0604020202020204" pitchFamily="34" charset="0"/>
+                <a:cs typeface="Arial" panose="020B0604020202020204" pitchFamily="34" charset="0"/>
+              </a:rPr>
+              <a:t>accessLevel</a:t>
+            </a:r>
+            <a:r>
+              <a:rPr lang="en-US" sz="1400" dirty="0">
+                <a:latin typeface="Arial" panose="020B0604020202020204" pitchFamily="34" charset="0"/>
+                <a:cs typeface="Arial" panose="020B0604020202020204" pitchFamily="34" charset="0"/>
+              </a:rPr>
+              <a:t> = False </a:t>
+            </a:r>
+          </a:p>
+          <a:p>
+            <a:r>
+              <a:rPr lang="en-US" sz="1400" dirty="0">
+                <a:latin typeface="Arial" panose="020B0604020202020204" pitchFamily="34" charset="0"/>
+                <a:cs typeface="Arial" panose="020B0604020202020204" pitchFamily="34" charset="0"/>
+              </a:rPr>
+              <a:t>}</a:t>
+            </a:r>
+            <a:br>
+              <a:rPr lang="en-US" sz="1400" dirty="0">
+                <a:latin typeface="Arial" panose="020B0604020202020204" pitchFamily="34" charset="0"/>
+                <a:cs typeface="Arial" panose="020B0604020202020204" pitchFamily="34" charset="0"/>
+              </a:rPr>
+            </a:br>
+            <a:endParaRPr lang="en-US" sz="1400" dirty="0">
+              <a:latin typeface="Arial" panose="020B0604020202020204" pitchFamily="34" charset="0"/>
+              <a:cs typeface="Arial" panose="020B0604020202020204" pitchFamily="34" charset="0"/>
+            </a:endParaRPr>
+          </a:p>
+        </p:txBody>
+      </p:sp>
+      <p:sp>
+        <p:nvSpPr>
+          <p:cNvPr id="9" name="Rectangle 8">
+            <a:extLst>
+              <a:ext uri="{FF2B5EF4-FFF2-40B4-BE49-F238E27FC236}">
+                <a16:creationId xmlns:a16="http://schemas.microsoft.com/office/drawing/2014/main" id="{65FF3B07-6D30-430E-8342-FF910AE28FE1}"/>
+              </a:ext>
+            </a:extLst>
+          </p:cNvPr>
+          <p:cNvSpPr/>
+          <p:nvPr/>
+        </p:nvSpPr>
+        <p:spPr>
+          <a:xfrm>
+            <a:off x="3369662" y="4601458"/>
+            <a:ext cx="2246128" cy="1384995"/>
+          </a:xfrm>
+          <a:prstGeom prst="rect">
+            <a:avLst/>
+          </a:prstGeom>
+        </p:spPr>
+        <p:txBody>
+          <a:bodyPr wrap="square">
+            <a:spAutoFit/>
+          </a:bodyPr>
+          <a:lstStyle/>
+          <a:p>
+            <a:r>
+              <a:rPr lang="en-US" sz="1400" dirty="0">
+                <a:solidFill>
+                  <a:srgbClr val="000000"/>
+                </a:solidFill>
+                <a:latin typeface="Arial" panose="020B0604020202020204" pitchFamily="34" charset="0"/>
+                <a:cs typeface="Arial" panose="020B0604020202020204" pitchFamily="34" charset="0"/>
+              </a:rPr>
+              <a:t>sig </a:t>
+            </a:r>
+            <a:r>
+              <a:rPr lang="en-US" sz="1400" dirty="0" err="1">
+                <a:solidFill>
+                  <a:srgbClr val="00B050"/>
+                </a:solidFill>
+                <a:latin typeface="Arial" panose="020B0604020202020204" pitchFamily="34" charset="0"/>
+                <a:cs typeface="Arial" panose="020B0604020202020204" pitchFamily="34" charset="0"/>
+              </a:rPr>
+              <a:t>ThirdParty</a:t>
+            </a:r>
+            <a:r>
+              <a:rPr lang="en-US" sz="1400" dirty="0">
+                <a:solidFill>
+                  <a:srgbClr val="000000"/>
+                </a:solidFill>
+                <a:latin typeface="Arial" panose="020B0604020202020204" pitchFamily="34" charset="0"/>
+                <a:cs typeface="Arial" panose="020B0604020202020204" pitchFamily="34" charset="0"/>
+              </a:rPr>
+              <a:t> extends User {</a:t>
+            </a:r>
+            <a:br>
+              <a:rPr lang="en-US" sz="1400" dirty="0">
+                <a:solidFill>
+                  <a:srgbClr val="000000"/>
+                </a:solidFill>
+                <a:latin typeface="Arial" panose="020B0604020202020204" pitchFamily="34" charset="0"/>
+                <a:cs typeface="Arial" panose="020B0604020202020204" pitchFamily="34" charset="0"/>
+              </a:rPr>
+            </a:br>
+            <a:r>
+              <a:rPr lang="en-US" sz="1400" dirty="0">
+                <a:solidFill>
+                  <a:srgbClr val="000000"/>
+                </a:solidFill>
+                <a:latin typeface="Arial" panose="020B0604020202020204" pitchFamily="34" charset="0"/>
+                <a:cs typeface="Arial" panose="020B0604020202020204" pitchFamily="34" charset="0"/>
+              </a:rPr>
+              <a:t>   tickets: some Ticket,</a:t>
+            </a:r>
+            <a:br>
+              <a:rPr lang="en-US" sz="1400" dirty="0">
+                <a:solidFill>
+                  <a:srgbClr val="000000"/>
+                </a:solidFill>
+                <a:latin typeface="Arial" panose="020B0604020202020204" pitchFamily="34" charset="0"/>
+                <a:cs typeface="Arial" panose="020B0604020202020204" pitchFamily="34" charset="0"/>
+              </a:rPr>
+            </a:br>
+            <a:r>
+              <a:rPr lang="en-US" sz="1400" dirty="0">
+                <a:solidFill>
+                  <a:srgbClr val="000000"/>
+                </a:solidFill>
+                <a:latin typeface="Arial" panose="020B0604020202020204" pitchFamily="34" charset="0"/>
+                <a:cs typeface="Arial" panose="020B0604020202020204" pitchFamily="34" charset="0"/>
+              </a:rPr>
+              <a:t>   #tickets &gt;= 0</a:t>
+            </a:r>
+            <a:br>
+              <a:rPr lang="en-US" sz="1400" dirty="0">
+                <a:solidFill>
+                  <a:srgbClr val="000000"/>
+                </a:solidFill>
+                <a:latin typeface="Arial" panose="020B0604020202020204" pitchFamily="34" charset="0"/>
+                <a:cs typeface="Arial" panose="020B0604020202020204" pitchFamily="34" charset="0"/>
+              </a:rPr>
+            </a:br>
+            <a:r>
+              <a:rPr lang="en-US" sz="1400" dirty="0">
+                <a:solidFill>
+                  <a:srgbClr val="000000"/>
+                </a:solidFill>
+                <a:latin typeface="Arial" panose="020B0604020202020204" pitchFamily="34" charset="0"/>
+                <a:cs typeface="Arial" panose="020B0604020202020204" pitchFamily="34" charset="0"/>
+              </a:rPr>
+              <a:t>   </a:t>
+            </a:r>
+            <a:r>
+              <a:rPr lang="en-US" sz="1400" dirty="0" err="1">
+                <a:solidFill>
+                  <a:srgbClr val="000000"/>
+                </a:solidFill>
+                <a:latin typeface="Arial" panose="020B0604020202020204" pitchFamily="34" charset="0"/>
+                <a:cs typeface="Arial" panose="020B0604020202020204" pitchFamily="34" charset="0"/>
+              </a:rPr>
+              <a:t>accessLevel</a:t>
+            </a:r>
+            <a:r>
+              <a:rPr lang="en-US" sz="1400" dirty="0">
+                <a:solidFill>
+                  <a:srgbClr val="000000"/>
+                </a:solidFill>
+                <a:latin typeface="Arial" panose="020B0604020202020204" pitchFamily="34" charset="0"/>
+                <a:cs typeface="Arial" panose="020B0604020202020204" pitchFamily="34" charset="0"/>
+              </a:rPr>
+              <a:t> = True</a:t>
+            </a:r>
+            <a:r>
+              <a:rPr lang="en-US" sz="1400" dirty="0">
+                <a:latin typeface="Arial" panose="020B0604020202020204" pitchFamily="34" charset="0"/>
+                <a:cs typeface="Arial" panose="020B0604020202020204" pitchFamily="34" charset="0"/>
+              </a:rPr>
+              <a:t> </a:t>
+            </a:r>
+            <a:br>
+              <a:rPr lang="en-US" sz="1400" dirty="0">
+                <a:latin typeface="Arial" panose="020B0604020202020204" pitchFamily="34" charset="0"/>
+                <a:cs typeface="Arial" panose="020B0604020202020204" pitchFamily="34" charset="0"/>
+              </a:rPr>
+            </a:br>
+            <a:r>
+              <a:rPr lang="en-US" sz="1400" dirty="0">
+                <a:latin typeface="Arial" panose="020B0604020202020204" pitchFamily="34" charset="0"/>
+                <a:cs typeface="Arial" panose="020B0604020202020204" pitchFamily="34" charset="0"/>
+              </a:rPr>
+              <a:t>}</a:t>
+            </a:r>
+          </a:p>
+        </p:txBody>
+      </p:sp>
+      <p:sp>
+        <p:nvSpPr>
+          <p:cNvPr id="10" name="TextBox 9">
+            <a:extLst>
+              <a:ext uri="{FF2B5EF4-FFF2-40B4-BE49-F238E27FC236}">
+                <a16:creationId xmlns:a16="http://schemas.microsoft.com/office/drawing/2014/main" id="{A9761976-A3BE-4009-96A3-CFD8078F5894}"/>
+              </a:ext>
+            </a:extLst>
+          </p:cNvPr>
+          <p:cNvSpPr txBox="1"/>
+          <p:nvPr/>
+        </p:nvSpPr>
+        <p:spPr>
+          <a:xfrm>
+            <a:off x="7122051" y="3741778"/>
+            <a:ext cx="3900042" cy="1815882"/>
+          </a:xfrm>
+          <a:prstGeom prst="rect">
+            <a:avLst/>
+          </a:prstGeom>
+          <a:noFill/>
+        </p:spPr>
+        <p:txBody>
+          <a:bodyPr wrap="none" rtlCol="0">
+            <a:spAutoFit/>
+          </a:bodyPr>
+          <a:lstStyle/>
+          <a:p>
+            <a:r>
+              <a:rPr lang="en-US" sz="1400" dirty="0">
+                <a:latin typeface="Arial" panose="020B0604020202020204" pitchFamily="34" charset="0"/>
+                <a:cs typeface="Arial" panose="020B0604020202020204" pitchFamily="34" charset="0"/>
+              </a:rPr>
+              <a:t>abstract sig </a:t>
+            </a:r>
+            <a:r>
+              <a:rPr lang="en-US" sz="1400" dirty="0" err="1">
+                <a:solidFill>
+                  <a:srgbClr val="00B050"/>
+                </a:solidFill>
+                <a:latin typeface="Arial" panose="020B0604020202020204" pitchFamily="34" charset="0"/>
+                <a:cs typeface="Arial" panose="020B0604020202020204" pitchFamily="34" charset="0"/>
+              </a:rPr>
+              <a:t>MiningModule</a:t>
+            </a:r>
+            <a:r>
+              <a:rPr lang="en-US" sz="1400" dirty="0">
+                <a:latin typeface="Arial" panose="020B0604020202020204" pitchFamily="34" charset="0"/>
+                <a:cs typeface="Arial" panose="020B0604020202020204" pitchFamily="34" charset="0"/>
+              </a:rPr>
+              <a:t> {</a:t>
+            </a:r>
+            <a:br>
+              <a:rPr lang="en-US" sz="1400" dirty="0">
+                <a:latin typeface="Arial" panose="020B0604020202020204" pitchFamily="34" charset="0"/>
+                <a:cs typeface="Arial" panose="020B0604020202020204" pitchFamily="34" charset="0"/>
+              </a:rPr>
+            </a:br>
+            <a:r>
+              <a:rPr lang="en-US" sz="1400" dirty="0">
+                <a:latin typeface="Arial" panose="020B0604020202020204" pitchFamily="34" charset="0"/>
+                <a:cs typeface="Arial" panose="020B0604020202020204" pitchFamily="34" charset="0"/>
+              </a:rPr>
+              <a:t>   violations: some Violation, </a:t>
+            </a:r>
+          </a:p>
+          <a:p>
+            <a:r>
+              <a:rPr lang="en-US" sz="1400" dirty="0">
+                <a:latin typeface="Arial" panose="020B0604020202020204" pitchFamily="34" charset="0"/>
+                <a:cs typeface="Arial" panose="020B0604020202020204" pitchFamily="34" charset="0"/>
+              </a:rPr>
+              <a:t>}</a:t>
+            </a:r>
+          </a:p>
+          <a:p>
+            <a:br>
+              <a:rPr lang="en-US" sz="1400" dirty="0">
+                <a:latin typeface="Arial" panose="020B0604020202020204" pitchFamily="34" charset="0"/>
+                <a:cs typeface="Arial" panose="020B0604020202020204" pitchFamily="34" charset="0"/>
+              </a:rPr>
+            </a:br>
+            <a:r>
+              <a:rPr lang="en-US" sz="1400" dirty="0">
+                <a:latin typeface="Arial" panose="020B0604020202020204" pitchFamily="34" charset="0"/>
+                <a:cs typeface="Arial" panose="020B0604020202020204" pitchFamily="34" charset="0"/>
+              </a:rPr>
+              <a:t>sig </a:t>
+            </a:r>
+            <a:r>
+              <a:rPr lang="en-US" sz="1400" dirty="0" err="1">
+                <a:solidFill>
+                  <a:srgbClr val="00B050"/>
+                </a:solidFill>
+                <a:latin typeface="Arial" panose="020B0604020202020204" pitchFamily="34" charset="0"/>
+                <a:cs typeface="Arial" panose="020B0604020202020204" pitchFamily="34" charset="0"/>
+              </a:rPr>
+              <a:t>AverageViolations</a:t>
+            </a:r>
+            <a:r>
+              <a:rPr lang="en-US" sz="1400" dirty="0">
+                <a:latin typeface="Arial" panose="020B0604020202020204" pitchFamily="34" charset="0"/>
+                <a:cs typeface="Arial" panose="020B0604020202020204" pitchFamily="34" charset="0"/>
+              </a:rPr>
+              <a:t> extends </a:t>
+            </a:r>
+            <a:r>
+              <a:rPr lang="en-US" sz="1400" dirty="0" err="1">
+                <a:latin typeface="Arial" panose="020B0604020202020204" pitchFamily="34" charset="0"/>
+                <a:cs typeface="Arial" panose="020B0604020202020204" pitchFamily="34" charset="0"/>
+              </a:rPr>
+              <a:t>MiningModule</a:t>
+            </a:r>
+            <a:r>
+              <a:rPr lang="en-US" sz="1400" dirty="0">
+                <a:latin typeface="Arial" panose="020B0604020202020204" pitchFamily="34" charset="0"/>
+                <a:cs typeface="Arial" panose="020B0604020202020204" pitchFamily="34" charset="0"/>
+              </a:rPr>
+              <a:t> {}</a:t>
+            </a:r>
+          </a:p>
+          <a:p>
+            <a:br>
+              <a:rPr lang="en-US" sz="1400" dirty="0">
+                <a:latin typeface="Arial" panose="020B0604020202020204" pitchFamily="34" charset="0"/>
+                <a:cs typeface="Arial" panose="020B0604020202020204" pitchFamily="34" charset="0"/>
+              </a:rPr>
+            </a:br>
+            <a:r>
+              <a:rPr lang="en-US" sz="1400" dirty="0">
+                <a:latin typeface="Arial" panose="020B0604020202020204" pitchFamily="34" charset="0"/>
+                <a:cs typeface="Arial" panose="020B0604020202020204" pitchFamily="34" charset="0"/>
+              </a:rPr>
+              <a:t>sig </a:t>
+            </a:r>
+            <a:r>
+              <a:rPr lang="en-US" sz="1400" dirty="0" err="1">
+                <a:solidFill>
+                  <a:srgbClr val="00B050"/>
+                </a:solidFill>
+                <a:latin typeface="Arial" panose="020B0604020202020204" pitchFamily="34" charset="0"/>
+                <a:cs typeface="Arial" panose="020B0604020202020204" pitchFamily="34" charset="0"/>
+              </a:rPr>
+              <a:t>OffenderFinder</a:t>
+            </a:r>
+            <a:r>
+              <a:rPr lang="en-US" sz="1400" dirty="0">
+                <a:latin typeface="Arial" panose="020B0604020202020204" pitchFamily="34" charset="0"/>
+                <a:cs typeface="Arial" panose="020B0604020202020204" pitchFamily="34" charset="0"/>
+              </a:rPr>
+              <a:t> extends </a:t>
+            </a:r>
+            <a:r>
+              <a:rPr lang="en-US" sz="1400" dirty="0" err="1">
+                <a:latin typeface="Arial" panose="020B0604020202020204" pitchFamily="34" charset="0"/>
+                <a:cs typeface="Arial" panose="020B0604020202020204" pitchFamily="34" charset="0"/>
+              </a:rPr>
+              <a:t>MiningModule</a:t>
+            </a:r>
+            <a:r>
+              <a:rPr lang="en-US" sz="1400" dirty="0">
+                <a:latin typeface="Arial" panose="020B0604020202020204" pitchFamily="34" charset="0"/>
+                <a:cs typeface="Arial" panose="020B0604020202020204" pitchFamily="34" charset="0"/>
+              </a:rPr>
+              <a:t> {}</a:t>
+            </a:r>
+            <a:br>
+              <a:rPr lang="en-US" sz="1400" dirty="0">
+                <a:latin typeface="Arial" panose="020B0604020202020204" pitchFamily="34" charset="0"/>
+                <a:cs typeface="Arial" panose="020B0604020202020204" pitchFamily="34" charset="0"/>
+              </a:rPr>
+            </a:br>
+            <a:endParaRPr lang="en-US" sz="1400" dirty="0">
+              <a:latin typeface="Arial" panose="020B0604020202020204" pitchFamily="34" charset="0"/>
+              <a:cs typeface="Arial" panose="020B0604020202020204" pitchFamily="34" charset="0"/>
+            </a:endParaRPr>
+          </a:p>
+        </p:txBody>
+      </p:sp>
+      <p:sp>
+        <p:nvSpPr>
+          <p:cNvPr id="11" name="TextBox 10">
+            <a:extLst>
+              <a:ext uri="{FF2B5EF4-FFF2-40B4-BE49-F238E27FC236}">
+                <a16:creationId xmlns:a16="http://schemas.microsoft.com/office/drawing/2014/main" id="{4C96BA33-2B0B-4165-B3E3-4D22882BF0D4}"/>
+              </a:ext>
+            </a:extLst>
+          </p:cNvPr>
+          <p:cNvSpPr txBox="1"/>
+          <p:nvPr/>
+        </p:nvSpPr>
+        <p:spPr>
+          <a:xfrm>
+            <a:off x="7122051" y="1476674"/>
+            <a:ext cx="2443041" cy="1815882"/>
+          </a:xfrm>
+          <a:prstGeom prst="rect">
+            <a:avLst/>
+          </a:prstGeom>
+          <a:noFill/>
+        </p:spPr>
+        <p:txBody>
+          <a:bodyPr wrap="none" rtlCol="0">
+            <a:spAutoFit/>
+          </a:bodyPr>
+          <a:lstStyle/>
+          <a:p>
+            <a:r>
+              <a:rPr lang="en-US" sz="1400" dirty="0">
+                <a:latin typeface="Arial" panose="020B0604020202020204" pitchFamily="34" charset="0"/>
+                <a:cs typeface="Arial" panose="020B0604020202020204" pitchFamily="34" charset="0"/>
+              </a:rPr>
+              <a:t>sig </a:t>
+            </a:r>
+            <a:r>
+              <a:rPr lang="en-US" sz="1400" dirty="0">
+                <a:solidFill>
+                  <a:srgbClr val="00B050"/>
+                </a:solidFill>
+                <a:latin typeface="Arial" panose="020B0604020202020204" pitchFamily="34" charset="0"/>
+                <a:cs typeface="Arial" panose="020B0604020202020204" pitchFamily="34" charset="0"/>
+              </a:rPr>
+              <a:t>Violation</a:t>
+            </a:r>
+            <a:r>
+              <a:rPr lang="en-US" sz="1400" dirty="0">
+                <a:latin typeface="Arial" panose="020B0604020202020204" pitchFamily="34" charset="0"/>
+                <a:cs typeface="Arial" panose="020B0604020202020204" pitchFamily="34" charset="0"/>
+              </a:rPr>
+              <a:t> {</a:t>
+            </a:r>
+            <a:br>
+              <a:rPr lang="en-US" sz="1400" dirty="0">
+                <a:latin typeface="Arial" panose="020B0604020202020204" pitchFamily="34" charset="0"/>
+                <a:cs typeface="Arial" panose="020B0604020202020204" pitchFamily="34" charset="0"/>
+              </a:rPr>
+            </a:br>
+            <a:r>
+              <a:rPr lang="en-US" sz="1400" dirty="0">
+                <a:latin typeface="Arial" panose="020B0604020202020204" pitchFamily="34" charset="0"/>
+                <a:cs typeface="Arial" panose="020B0604020202020204" pitchFamily="34" charset="0"/>
+              </a:rPr>
+              <a:t>   location: one Location,</a:t>
+            </a:r>
+            <a:br>
+              <a:rPr lang="en-US" sz="1400" dirty="0">
+                <a:latin typeface="Arial" panose="020B0604020202020204" pitchFamily="34" charset="0"/>
+                <a:cs typeface="Arial" panose="020B0604020202020204" pitchFamily="34" charset="0"/>
+              </a:rPr>
+            </a:br>
+            <a:r>
+              <a:rPr lang="en-US" sz="1400" dirty="0">
+                <a:latin typeface="Arial" panose="020B0604020202020204" pitchFamily="34" charset="0"/>
+                <a:cs typeface="Arial" panose="020B0604020202020204" pitchFamily="34" charset="0"/>
+              </a:rPr>
+              <a:t>   </a:t>
+            </a:r>
+            <a:r>
+              <a:rPr lang="en-US" sz="1400" dirty="0" err="1">
+                <a:latin typeface="Arial" panose="020B0604020202020204" pitchFamily="34" charset="0"/>
+                <a:cs typeface="Arial" panose="020B0604020202020204" pitchFamily="34" charset="0"/>
+              </a:rPr>
+              <a:t>addr</a:t>
+            </a:r>
+            <a:r>
+              <a:rPr lang="en-US" sz="1400" dirty="0">
+                <a:latin typeface="Arial" panose="020B0604020202020204" pitchFamily="34" charset="0"/>
+                <a:cs typeface="Arial" panose="020B0604020202020204" pitchFamily="34" charset="0"/>
+              </a:rPr>
+              <a:t>: some </a:t>
+            </a:r>
+            <a:r>
+              <a:rPr lang="en-US" sz="1400" dirty="0" err="1">
+                <a:latin typeface="Arial" panose="020B0604020202020204" pitchFamily="34" charset="0"/>
+                <a:cs typeface="Arial" panose="020B0604020202020204" pitchFamily="34" charset="0"/>
+              </a:rPr>
+              <a:t>GPSconvertor</a:t>
+            </a:r>
+            <a:r>
+              <a:rPr lang="en-US" sz="1400" dirty="0">
+                <a:latin typeface="Arial" panose="020B0604020202020204" pitchFamily="34" charset="0"/>
+                <a:cs typeface="Arial" panose="020B0604020202020204" pitchFamily="34" charset="0"/>
+              </a:rPr>
+              <a:t>,</a:t>
+            </a:r>
+            <a:br>
+              <a:rPr lang="en-US" sz="1400" dirty="0">
+                <a:latin typeface="Arial" panose="020B0604020202020204" pitchFamily="34" charset="0"/>
+                <a:cs typeface="Arial" panose="020B0604020202020204" pitchFamily="34" charset="0"/>
+              </a:rPr>
+            </a:br>
+            <a:r>
+              <a:rPr lang="en-US" sz="1400" dirty="0">
+                <a:latin typeface="Arial" panose="020B0604020202020204" pitchFamily="34" charset="0"/>
+                <a:cs typeface="Arial" panose="020B0604020202020204" pitchFamily="34" charset="0"/>
+              </a:rPr>
+              <a:t>   reporter: one Costumer,</a:t>
+            </a:r>
+            <a:br>
+              <a:rPr lang="en-US" sz="1400" dirty="0">
+                <a:latin typeface="Arial" panose="020B0604020202020204" pitchFamily="34" charset="0"/>
+                <a:cs typeface="Arial" panose="020B0604020202020204" pitchFamily="34" charset="0"/>
+              </a:rPr>
+            </a:br>
+            <a:r>
+              <a:rPr lang="en-US" sz="1400" dirty="0">
+                <a:latin typeface="Arial" panose="020B0604020202020204" pitchFamily="34" charset="0"/>
+                <a:cs typeface="Arial" panose="020B0604020202020204" pitchFamily="34" charset="0"/>
+              </a:rPr>
+              <a:t>   photo: one Photo,</a:t>
+            </a:r>
+            <a:br>
+              <a:rPr lang="en-US" sz="1400" dirty="0">
+                <a:latin typeface="Arial" panose="020B0604020202020204" pitchFamily="34" charset="0"/>
+                <a:cs typeface="Arial" panose="020B0604020202020204" pitchFamily="34" charset="0"/>
+              </a:rPr>
+            </a:br>
+            <a:r>
+              <a:rPr lang="en-US" sz="1400" dirty="0">
+                <a:latin typeface="Arial" panose="020B0604020202020204" pitchFamily="34" charset="0"/>
+                <a:cs typeface="Arial" panose="020B0604020202020204" pitchFamily="34" charset="0"/>
+              </a:rPr>
+              <a:t>   </a:t>
+            </a:r>
+            <a:r>
+              <a:rPr lang="en-US" sz="1400" dirty="0" err="1">
+                <a:latin typeface="Arial" panose="020B0604020202020204" pitchFamily="34" charset="0"/>
+                <a:cs typeface="Arial" panose="020B0604020202020204" pitchFamily="34" charset="0"/>
+              </a:rPr>
+              <a:t>licensePlate</a:t>
+            </a:r>
+            <a:r>
+              <a:rPr lang="en-US" sz="1400" dirty="0">
+                <a:latin typeface="Arial" panose="020B0604020202020204" pitchFamily="34" charset="0"/>
+                <a:cs typeface="Arial" panose="020B0604020202020204" pitchFamily="34" charset="0"/>
+              </a:rPr>
+              <a:t>: one ALPR,</a:t>
+            </a:r>
+            <a:br>
+              <a:rPr lang="en-US" sz="1400" dirty="0">
+                <a:latin typeface="Arial" panose="020B0604020202020204" pitchFamily="34" charset="0"/>
+                <a:cs typeface="Arial" panose="020B0604020202020204" pitchFamily="34" charset="0"/>
+              </a:rPr>
+            </a:br>
+            <a:r>
+              <a:rPr lang="en-US" sz="1400" dirty="0">
+                <a:latin typeface="Arial" panose="020B0604020202020204" pitchFamily="34" charset="0"/>
+                <a:cs typeface="Arial" panose="020B0604020202020204" pitchFamily="34" charset="0"/>
+              </a:rPr>
+              <a:t>   date: one Date </a:t>
+            </a:r>
+            <a:br>
+              <a:rPr lang="en-US" sz="1400" dirty="0">
+                <a:latin typeface="Arial" panose="020B0604020202020204" pitchFamily="34" charset="0"/>
+                <a:cs typeface="Arial" panose="020B0604020202020204" pitchFamily="34" charset="0"/>
+              </a:rPr>
+            </a:br>
+            <a:r>
+              <a:rPr lang="en-US" sz="1400" dirty="0">
+                <a:latin typeface="Arial" panose="020B0604020202020204" pitchFamily="34" charset="0"/>
+                <a:cs typeface="Arial" panose="020B0604020202020204" pitchFamily="34" charset="0"/>
+              </a:rPr>
+              <a:t>}</a:t>
+            </a:r>
+          </a:p>
+        </p:txBody>
+      </p:sp>
+      <p:sp>
+        <p:nvSpPr>
+          <p:cNvPr id="12" name="Rectangle 11">
+            <a:extLst>
+              <a:ext uri="{FF2B5EF4-FFF2-40B4-BE49-F238E27FC236}">
+                <a16:creationId xmlns:a16="http://schemas.microsoft.com/office/drawing/2014/main" id="{C7D23CF7-D101-3348-AE4F-72B5A5615745}"/>
+              </a:ext>
+            </a:extLst>
+          </p:cNvPr>
+          <p:cNvSpPr/>
+          <p:nvPr/>
+        </p:nvSpPr>
+        <p:spPr>
+          <a:xfrm>
+            <a:off x="0" y="0"/>
+            <a:ext cx="12192000" cy="1690688"/>
+          </a:xfrm>
+          <a:prstGeom prst="rect">
+            <a:avLst/>
+          </a:prstGeom>
+          <a:solidFill>
+            <a:srgbClr val="728FA5"/>
+          </a:solidFill>
+          <a:ln>
+            <a:noFill/>
+          </a:ln>
+        </p:spPr>
+        <p:style>
+          <a:lnRef idx="2">
+            <a:schemeClr val="accent1">
+              <a:shade val="50000"/>
+            </a:schemeClr>
+          </a:lnRef>
+          <a:fillRef idx="1">
+            <a:schemeClr val="accent1"/>
+          </a:fillRef>
+          <a:effectRef idx="0">
+            <a:schemeClr val="accent1"/>
+          </a:effectRef>
+          <a:fontRef idx="minor">
+            <a:schemeClr val="lt1"/>
+          </a:fontRef>
+        </p:style>
+        <p:txBody>
+          <a:bodyPr rtlCol="0" anchor="ctr"/>
+          <a:lstStyle/>
+          <a:p>
+            <a:pPr algn="ctr"/>
+            <a:endParaRPr lang="en-US"/>
+          </a:p>
+        </p:txBody>
+      </p:sp>
+      <p:sp>
+        <p:nvSpPr>
+          <p:cNvPr id="13" name="Title 1">
+            <a:extLst>
+              <a:ext uri="{FF2B5EF4-FFF2-40B4-BE49-F238E27FC236}">
+                <a16:creationId xmlns:a16="http://schemas.microsoft.com/office/drawing/2014/main" id="{B718AFBD-10B5-CD45-B75D-4F5327853E96}"/>
+              </a:ext>
+            </a:extLst>
+          </p:cNvPr>
+          <p:cNvSpPr txBox="1">
+            <a:spLocks/>
+          </p:cNvSpPr>
+          <p:nvPr/>
+        </p:nvSpPr>
+        <p:spPr>
+          <a:xfrm>
+            <a:off x="285939" y="202179"/>
             <a:ext cx="10515600" cy="1325563"/>
           </a:xfrm>
+          <a:prstGeom prst="rect">
+            <a:avLst/>
+          </a:prstGeom>
         </p:spPr>
         <p:txBody>
-          <a:bodyPr/>
-          <a:lstStyle/>
-          <a:p>
-            <a:r>
-              <a:rPr lang="en-US" dirty="0"/>
-              <a:t>Alloy </a:t>
-            </a:r>
-            <a:r>
-              <a:rPr lang="en-US" dirty="0" smtClean="0"/>
-              <a:t>(1)</a:t>
-            </a:r>
-            <a:endParaRPr lang="en-US" dirty="0"/>
-          </a:p>
-        </p:txBody>
-      </p:sp>
-      <p:pic>
-        <p:nvPicPr>
-          <p:cNvPr id="6" name="Content Placeholder 5"/>
-          <p:cNvPicPr>
-            <a:picLocks noGrp="1" noChangeAspect="1"/>
-          </p:cNvPicPr>
-          <p:nvPr>
-            <p:ph idx="1"/>
-          </p:nvPr>
-        </p:nvPicPr>
-        <p:blipFill>
-          <a:blip r:embed="rId2">
-            <a:extLst>
-              <a:ext uri="{28A0092B-C50C-407E-A947-70E740481C1C}">
-                <a14:useLocalDpi xmlns:a14="http://schemas.microsoft.com/office/drawing/2010/main" val="0"/>
-              </a:ext>
-            </a:extLst>
-          </a:blip>
-          <a:stretch>
-            <a:fillRect/>
-          </a:stretch>
-        </p:blipFill>
-        <p:spPr>
-          <a:xfrm>
-            <a:off x="3456878" y="328805"/>
-            <a:ext cx="6982522" cy="6440545"/>
-          </a:xfrm>
-        </p:spPr>
-      </p:pic>
+          <a:bodyPr vert="horz" lIns="91440" tIns="45720" rIns="91440" bIns="45720" rtlCol="0" anchor="ctr">
+            <a:normAutofit/>
+          </a:bodyPr>
+          <a:lstStyle>
+            <a:lvl1pPr algn="l" defTabSz="914400" rtl="0" eaLnBrk="1" latinLnBrk="0" hangingPunct="1">
+              <a:lnSpc>
+                <a:spcPct val="90000"/>
+              </a:lnSpc>
+              <a:spcBef>
+                <a:spcPct val="0"/>
+              </a:spcBef>
+              <a:buNone/>
+              <a:defRPr sz="4400" b="0" i="0" kern="1200">
+                <a:solidFill>
+                  <a:schemeClr val="tx1"/>
+                </a:solidFill>
+                <a:latin typeface="Futura Light" pitchFamily="2" charset="77"/>
+                <a:ea typeface="+mj-ea"/>
+                <a:cs typeface="+mj-cs"/>
+              </a:defRPr>
+            </a:lvl1pPr>
+          </a:lstStyle>
+          <a:p>
+            <a:r>
+              <a:rPr lang="en-GB" sz="5400" b="1" dirty="0">
+                <a:solidFill>
+                  <a:schemeClr val="bg1"/>
+                </a:solidFill>
+              </a:rPr>
+              <a:t>Assumptions</a:t>
+            </a:r>
+            <a:endParaRPr lang="en-US" sz="5400" b="1" dirty="0">
+              <a:solidFill>
+                <a:schemeClr val="bg1"/>
+              </a:solidFill>
+            </a:endParaRPr>
+          </a:p>
+        </p:txBody>
+      </p:sp>
     </p:spTree>
     <p:extLst>
       <p:ext uri="{BB962C8B-B14F-4D97-AF65-F5344CB8AC3E}">
-        <p14:creationId xmlns:p14="http://schemas.microsoft.com/office/powerpoint/2010/main" val="2831200722"/>
+        <p14:creationId xmlns:p14="http://schemas.microsoft.com/office/powerpoint/2010/main" val="1342515695"/>
       </p:ext>
     </p:extLst>
   </p:cSld>
   <p:clrMapOvr>
     <a:masterClrMapping/>
   </p:clrMapOvr>
-  <p:timing>
-    <p:tnLst>
-      <p:par>
-        <p:cTn id="1" dur="indefinite" restart="never" nodeType="tmRoot"/>
-      </p:par>
-    </p:tnLst>
-  </p:timing>
 </p:sld>
 </file>
 
@@ -6163,44 +9442,10 @@
       </p:grpSpPr>
       <p:sp>
         <p:nvSpPr>
-          <p:cNvPr id="2" name="Title 1">
-            <a:extLst>
-              <a:ext uri="{FF2B5EF4-FFF2-40B4-BE49-F238E27FC236}">
-                <a16:creationId xmlns:a16="http://schemas.microsoft.com/office/drawing/2014/main" xmlns="" id="{FC1E31BE-EA2F-6E4F-AAEC-A8EE2C8102F1}"/>
-              </a:ext>
-            </a:extLst>
-          </p:cNvPr>
-          <p:cNvSpPr>
-            <a:spLocks noGrp="1"/>
-          </p:cNvSpPr>
-          <p:nvPr>
-            <p:ph type="title"/>
-          </p:nvPr>
-        </p:nvSpPr>
-        <p:spPr>
-          <a:xfrm>
-            <a:off x="637478" y="328806"/>
-            <a:ext cx="10515600" cy="1325563"/>
-          </a:xfrm>
-        </p:spPr>
-        <p:txBody>
-          <a:bodyPr/>
-          <a:lstStyle/>
-          <a:p>
-            <a:r>
-              <a:rPr lang="en-US" dirty="0" smtClean="0"/>
-              <a:t>Alloy (2)</a:t>
-            </a:r>
-            <a:endParaRPr lang="en-US" dirty="0"/>
-          </a:p>
-        </p:txBody>
-      </p:sp>
-      <p:sp>
-        <p:nvSpPr>
           <p:cNvPr id="5" name="Content Placeholder 4">
             <a:extLst>
               <a:ext uri="{FF2B5EF4-FFF2-40B4-BE49-F238E27FC236}">
-                <a16:creationId xmlns:a16="http://schemas.microsoft.com/office/drawing/2014/main" xmlns="" id="{BE076C2E-DC46-4055-9905-FEA2960D8A5B}"/>
+                <a16:creationId xmlns:a16="http://schemas.microsoft.com/office/drawing/2014/main" id="{BE076C2E-DC46-4055-9905-FEA2960D8A5B}"/>
               </a:ext>
             </a:extLst>
           </p:cNvPr>
@@ -6212,46 +9457,9 @@
           </p:nvPr>
         </p:nvSpPr>
         <p:spPr>
-          <a:prstGeom prst="rect">
-            <a:avLst/>
-          </a:prstGeom>
-          <a:noFill/>
-        </p:spPr>
-        <p:txBody>
-          <a:bodyPr wrap="none" rtlCol="0">
-            <a:spAutoFit/>
-          </a:bodyPr>
-          <a:lstStyle/>
-          <a:p>
-            <a:r>
-              <a:rPr lang="en-US" sz="2000" b="1" dirty="0">
-                <a:solidFill>
-                  <a:srgbClr val="00B050"/>
-                </a:solidFill>
-                <a:latin typeface="Arial" panose="020B0604020202020204" pitchFamily="34" charset="0"/>
-                <a:cs typeface="Arial" panose="020B0604020202020204" pitchFamily="34" charset="0"/>
-              </a:rPr>
-              <a:t>Signatures</a:t>
-            </a:r>
-          </a:p>
-        </p:txBody>
-      </p:sp>
-      <p:sp>
-        <p:nvSpPr>
-          <p:cNvPr id="7" name="TextBox 6">
-            <a:extLst>
-              <a:ext uri="{FF2B5EF4-FFF2-40B4-BE49-F238E27FC236}">
-                <a16:creationId xmlns:a16="http://schemas.microsoft.com/office/drawing/2014/main" xmlns="" id="{AE49466C-B5AE-4B6B-8916-DFAB777A37B0}"/>
-              </a:ext>
-            </a:extLst>
-          </p:cNvPr>
-          <p:cNvSpPr txBox="1"/>
-          <p:nvPr/>
-        </p:nvSpPr>
-        <p:spPr>
           <a:xfrm>
-            <a:off x="3369662" y="1353564"/>
-            <a:ext cx="3756102" cy="1815882"/>
+            <a:off x="838200" y="1825625"/>
+            <a:ext cx="1239635" cy="535531"/>
           </a:xfrm>
           <a:prstGeom prst="rect">
             <a:avLst/>
@@ -6259,195 +9467,54 @@
           <a:noFill/>
         </p:spPr>
         <p:txBody>
-          <a:bodyPr wrap="square" rtlCol="0">
+          <a:bodyPr wrap="none" rtlCol="0">
             <a:spAutoFit/>
           </a:bodyPr>
           <a:lstStyle/>
           <a:p>
             <a:r>
-              <a:rPr lang="en-US" sz="1400" dirty="0">
-                <a:latin typeface="Arial" panose="020B0604020202020204" pitchFamily="34" charset="0"/>
-                <a:cs typeface="Arial" panose="020B0604020202020204" pitchFamily="34" charset="0"/>
-              </a:rPr>
-              <a:t>abstract sig </a:t>
-            </a:r>
-            <a:r>
-              <a:rPr lang="en-US" sz="1400" dirty="0">
+              <a:rPr lang="en-US" sz="3200" b="1" dirty="0">
                 <a:solidFill>
                   <a:srgbClr val="00B050"/>
                 </a:solidFill>
-                <a:latin typeface="Arial" panose="020B0604020202020204" pitchFamily="34" charset="0"/>
-                <a:cs typeface="Arial" panose="020B0604020202020204" pitchFamily="34" charset="0"/>
-              </a:rPr>
-              <a:t>User</a:t>
-            </a:r>
-            <a:r>
-              <a:rPr lang="en-US" sz="1400" dirty="0">
-                <a:latin typeface="Arial" panose="020B0604020202020204" pitchFamily="34" charset="0"/>
-                <a:cs typeface="Arial" panose="020B0604020202020204" pitchFamily="34" charset="0"/>
-              </a:rPr>
-              <a:t> {</a:t>
-            </a:r>
-            <a:br>
-              <a:rPr lang="en-US" sz="1400" dirty="0">
-                <a:latin typeface="Arial" panose="020B0604020202020204" pitchFamily="34" charset="0"/>
-                <a:cs typeface="Arial" panose="020B0604020202020204" pitchFamily="34" charset="0"/>
-              </a:rPr>
-            </a:br>
-            <a:r>
-              <a:rPr lang="en-US" sz="1400" dirty="0">
-                <a:latin typeface="Arial" panose="020B0604020202020204" pitchFamily="34" charset="0"/>
-                <a:cs typeface="Arial" panose="020B0604020202020204" pitchFamily="34" charset="0"/>
-              </a:rPr>
-              <a:t>   name: one Name,</a:t>
-            </a:r>
-            <a:br>
-              <a:rPr lang="en-US" sz="1400" dirty="0">
-                <a:latin typeface="Arial" panose="020B0604020202020204" pitchFamily="34" charset="0"/>
-                <a:cs typeface="Arial" panose="020B0604020202020204" pitchFamily="34" charset="0"/>
-              </a:rPr>
-            </a:br>
-            <a:r>
-              <a:rPr lang="en-US" sz="1400" dirty="0">
-                <a:latin typeface="Arial" panose="020B0604020202020204" pitchFamily="34" charset="0"/>
-                <a:cs typeface="Arial" panose="020B0604020202020204" pitchFamily="34" charset="0"/>
-              </a:rPr>
-              <a:t>   surname: one Surname,</a:t>
-            </a:r>
-            <a:br>
-              <a:rPr lang="en-US" sz="1400" dirty="0">
-                <a:latin typeface="Arial" panose="020B0604020202020204" pitchFamily="34" charset="0"/>
-                <a:cs typeface="Arial" panose="020B0604020202020204" pitchFamily="34" charset="0"/>
-              </a:rPr>
-            </a:br>
-            <a:r>
-              <a:rPr lang="en-US" sz="1400" dirty="0">
-                <a:latin typeface="Arial" panose="020B0604020202020204" pitchFamily="34" charset="0"/>
-                <a:cs typeface="Arial" panose="020B0604020202020204" pitchFamily="34" charset="0"/>
-              </a:rPr>
-              <a:t>   email: one Email,</a:t>
-            </a:r>
-            <a:br>
-              <a:rPr lang="en-US" sz="1400" dirty="0">
-                <a:latin typeface="Arial" panose="020B0604020202020204" pitchFamily="34" charset="0"/>
-                <a:cs typeface="Arial" panose="020B0604020202020204" pitchFamily="34" charset="0"/>
-              </a:rPr>
-            </a:br>
-            <a:r>
-              <a:rPr lang="en-US" sz="1400" dirty="0">
-                <a:latin typeface="Arial" panose="020B0604020202020204" pitchFamily="34" charset="0"/>
-                <a:cs typeface="Arial" panose="020B0604020202020204" pitchFamily="34" charset="0"/>
-              </a:rPr>
-              <a:t>   password: one Password,</a:t>
-            </a:r>
-            <a:br>
-              <a:rPr lang="en-US" sz="1400" dirty="0">
-                <a:latin typeface="Arial" panose="020B0604020202020204" pitchFamily="34" charset="0"/>
-                <a:cs typeface="Arial" panose="020B0604020202020204" pitchFamily="34" charset="0"/>
-              </a:rPr>
-            </a:br>
-            <a:r>
-              <a:rPr lang="en-US" sz="1400" dirty="0">
-                <a:latin typeface="Arial" panose="020B0604020202020204" pitchFamily="34" charset="0"/>
-                <a:cs typeface="Arial" panose="020B0604020202020204" pitchFamily="34" charset="0"/>
-              </a:rPr>
-              <a:t>   </a:t>
-            </a:r>
-            <a:r>
-              <a:rPr lang="en-US" sz="1400" dirty="0" err="1">
-                <a:latin typeface="Arial" panose="020B0604020202020204" pitchFamily="34" charset="0"/>
-                <a:cs typeface="Arial" panose="020B0604020202020204" pitchFamily="34" charset="0"/>
-              </a:rPr>
-              <a:t>accessLevel</a:t>
-            </a:r>
-            <a:r>
-              <a:rPr lang="en-US" sz="1400" dirty="0">
-                <a:latin typeface="Arial" panose="020B0604020202020204" pitchFamily="34" charset="0"/>
-                <a:cs typeface="Arial" panose="020B0604020202020204" pitchFamily="34" charset="0"/>
-              </a:rPr>
-              <a:t>: one Bool,</a:t>
-            </a:r>
-            <a:br>
-              <a:rPr lang="en-US" sz="1400" dirty="0">
-                <a:latin typeface="Arial" panose="020B0604020202020204" pitchFamily="34" charset="0"/>
-                <a:cs typeface="Arial" panose="020B0604020202020204" pitchFamily="34" charset="0"/>
-              </a:rPr>
-            </a:br>
-            <a:r>
-              <a:rPr lang="en-US" sz="1400" dirty="0">
-                <a:latin typeface="Arial" panose="020B0604020202020204" pitchFamily="34" charset="0"/>
-                <a:cs typeface="Arial" panose="020B0604020202020204" pitchFamily="34" charset="0"/>
-              </a:rPr>
-              <a:t>   </a:t>
-            </a:r>
-            <a:r>
-              <a:rPr lang="en-US" sz="1400" dirty="0" err="1">
-                <a:latin typeface="Arial" panose="020B0604020202020204" pitchFamily="34" charset="0"/>
-                <a:cs typeface="Arial" panose="020B0604020202020204" pitchFamily="34" charset="0"/>
-              </a:rPr>
-              <a:t>minedInfo</a:t>
-            </a:r>
-            <a:r>
-              <a:rPr lang="en-US" sz="1400" dirty="0">
-                <a:latin typeface="Arial" panose="020B0604020202020204" pitchFamily="34" charset="0"/>
-                <a:cs typeface="Arial" panose="020B0604020202020204" pitchFamily="34" charset="0"/>
-              </a:rPr>
-              <a:t>: some </a:t>
-            </a:r>
-            <a:r>
-              <a:rPr lang="en-US" sz="1400" dirty="0" err="1">
-                <a:latin typeface="Arial" panose="020B0604020202020204" pitchFamily="34" charset="0"/>
-                <a:cs typeface="Arial" panose="020B0604020202020204" pitchFamily="34" charset="0"/>
-              </a:rPr>
-              <a:t>MiningModule</a:t>
-            </a:r>
-            <a:r>
-              <a:rPr lang="en-US" sz="1400" dirty="0">
-                <a:latin typeface="Arial" panose="020B0604020202020204" pitchFamily="34" charset="0"/>
-                <a:cs typeface="Arial" panose="020B0604020202020204" pitchFamily="34" charset="0"/>
-              </a:rPr>
-              <a:t>, </a:t>
-            </a:r>
-            <a:br>
-              <a:rPr lang="en-US" sz="1400" dirty="0">
-                <a:latin typeface="Arial" panose="020B0604020202020204" pitchFamily="34" charset="0"/>
-                <a:cs typeface="Arial" panose="020B0604020202020204" pitchFamily="34" charset="0"/>
-              </a:rPr>
-            </a:br>
-            <a:r>
-              <a:rPr lang="en-US" sz="1400" dirty="0">
-                <a:latin typeface="Arial" panose="020B0604020202020204" pitchFamily="34" charset="0"/>
-                <a:cs typeface="Arial" panose="020B0604020202020204" pitchFamily="34" charset="0"/>
-              </a:rPr>
-              <a:t>}</a:t>
-            </a:r>
-          </a:p>
-        </p:txBody>
-      </p:sp>
-      <p:sp>
-        <p:nvSpPr>
-          <p:cNvPr id="8" name="TextBox 7">
-            <a:extLst>
-              <a:ext uri="{FF2B5EF4-FFF2-40B4-BE49-F238E27FC236}">
-                <a16:creationId xmlns:a16="http://schemas.microsoft.com/office/drawing/2014/main" xmlns="" id="{AE334569-08BD-4002-82CA-D9D76BFF18C3}"/>
-              </a:ext>
-            </a:extLst>
-          </p:cNvPr>
-          <p:cNvSpPr txBox="1"/>
+                <a:latin typeface="+mj-lt"/>
+                <a:cs typeface="Arial" panose="020B0604020202020204" pitchFamily="34" charset="0"/>
+              </a:rPr>
+              <a:t>Facts</a:t>
+            </a:r>
+            <a:endParaRPr lang="en-US" sz="2000" b="1" dirty="0">
+              <a:solidFill>
+                <a:srgbClr val="00B050"/>
+              </a:solidFill>
+              <a:latin typeface="+mj-lt"/>
+              <a:cs typeface="Arial" panose="020B0604020202020204" pitchFamily="34" charset="0"/>
+            </a:endParaRPr>
+          </a:p>
+        </p:txBody>
+      </p:sp>
+      <p:sp>
+        <p:nvSpPr>
+          <p:cNvPr id="12" name="Rectangle 11">
+            <a:extLst>
+              <a:ext uri="{FF2B5EF4-FFF2-40B4-BE49-F238E27FC236}">
+                <a16:creationId xmlns:a16="http://schemas.microsoft.com/office/drawing/2014/main" id="{B43AD4F0-D322-4438-B65A-591365D3C586}"/>
+              </a:ext>
+            </a:extLst>
+          </p:cNvPr>
+          <p:cNvSpPr/>
           <p:nvPr/>
         </p:nvSpPr>
         <p:spPr>
           <a:xfrm>
-            <a:off x="3369662" y="3431907"/>
-            <a:ext cx="2919389" cy="1169551"/>
+            <a:off x="838200" y="2456795"/>
+            <a:ext cx="3096344" cy="4401205"/>
           </a:xfrm>
           <a:prstGeom prst="rect">
             <a:avLst/>
           </a:prstGeom>
-          <a:noFill/>
         </p:spPr>
         <p:txBody>
-          <a:bodyPr wrap="none" rtlCol="0">
+          <a:bodyPr wrap="square">
             <a:spAutoFit/>
           </a:bodyPr>
           <a:lstStyle/>
@@ -6457,24 +9524,36 @@
                 <a:latin typeface="Arial" panose="020B0604020202020204" pitchFamily="34" charset="0"/>
                 <a:cs typeface="Arial" panose="020B0604020202020204" pitchFamily="34" charset="0"/>
               </a:rPr>
-              <a:t>sig </a:t>
-            </a:r>
-            <a:r>
-              <a:rPr lang="en-US" sz="1400" dirty="0">
-                <a:solidFill>
-                  <a:srgbClr val="00B050"/>
-                </a:solidFill>
-                <a:latin typeface="Arial" panose="020B0604020202020204" pitchFamily="34" charset="0"/>
-                <a:cs typeface="Arial" panose="020B0604020202020204" pitchFamily="34" charset="0"/>
-              </a:rPr>
-              <a:t>Costumer</a:t>
-            </a:r>
-            <a:r>
-              <a:rPr lang="en-US" sz="1400" dirty="0">
-                <a:latin typeface="Arial" panose="020B0604020202020204" pitchFamily="34" charset="0"/>
-                <a:cs typeface="Arial" panose="020B0604020202020204" pitchFamily="34" charset="0"/>
-              </a:rPr>
-              <a:t> extends User {</a:t>
+              <a:t>// Every Costumer Has </a:t>
+            </a:r>
+            <a:r>
+              <a:rPr lang="en-US" sz="1400" dirty="0" err="1">
+                <a:latin typeface="Arial" panose="020B0604020202020204" pitchFamily="34" charset="0"/>
+                <a:cs typeface="Arial" panose="020B0604020202020204" pitchFamily="34" charset="0"/>
+              </a:rPr>
+              <a:t>Espesific</a:t>
+            </a:r>
+            <a:r>
+              <a:rPr lang="en-US" sz="1400" dirty="0">
+                <a:latin typeface="Arial" panose="020B0604020202020204" pitchFamily="34" charset="0"/>
+                <a:cs typeface="Arial" panose="020B0604020202020204" pitchFamily="34" charset="0"/>
+              </a:rPr>
+              <a:t> Location</a:t>
+            </a:r>
+          </a:p>
+          <a:p>
+            <a:endParaRPr lang="en-US" sz="1400" dirty="0">
+              <a:latin typeface="Arial" panose="020B0604020202020204" pitchFamily="34" charset="0"/>
+              <a:cs typeface="Arial" panose="020B0604020202020204" pitchFamily="34" charset="0"/>
+            </a:endParaRPr>
+          </a:p>
+          <a:p>
+            <a:r>
+              <a:rPr lang="en-US" sz="1400" dirty="0">
+                <a:latin typeface="Arial" panose="020B0604020202020204" pitchFamily="34" charset="0"/>
+                <a:cs typeface="Arial" panose="020B0604020202020204" pitchFamily="34" charset="0"/>
+              </a:rPr>
+              <a:t>Fact {</a:t>
             </a:r>
             <a:br>
               <a:rPr lang="en-US" sz="1400" dirty="0">
@@ -6487,6 +9566,144 @@
                 <a:latin typeface="Arial" panose="020B0604020202020204" pitchFamily="34" charset="0"/>
                 <a:cs typeface="Arial" panose="020B0604020202020204" pitchFamily="34" charset="0"/>
               </a:rPr>
+              <a:t>   no disjoint c1, c2 : Costumer |</a:t>
+            </a:r>
+            <a:br>
+              <a:rPr lang="en-US" sz="1400" dirty="0">
+                <a:latin typeface="Arial" panose="020B0604020202020204" pitchFamily="34" charset="0"/>
+                <a:cs typeface="Arial" panose="020B0604020202020204" pitchFamily="34" charset="0"/>
+              </a:rPr>
+            </a:br>
+            <a:r>
+              <a:rPr lang="en-US" sz="1400" dirty="0">
+                <a:latin typeface="Arial" panose="020B0604020202020204" pitchFamily="34" charset="0"/>
+                <a:cs typeface="Arial" panose="020B0604020202020204" pitchFamily="34" charset="0"/>
+              </a:rPr>
+              <a:t>   c1.costumerLocation = c2.costumerLocation </a:t>
+            </a:r>
+            <a:br>
+              <a:rPr lang="en-US" sz="1400" dirty="0">
+                <a:latin typeface="Arial" panose="020B0604020202020204" pitchFamily="34" charset="0"/>
+                <a:cs typeface="Arial" panose="020B0604020202020204" pitchFamily="34" charset="0"/>
+              </a:rPr>
+            </a:br>
+            <a:r>
+              <a:rPr lang="en-US" sz="1400" dirty="0">
+                <a:latin typeface="Arial" panose="020B0604020202020204" pitchFamily="34" charset="0"/>
+                <a:cs typeface="Arial" panose="020B0604020202020204" pitchFamily="34" charset="0"/>
+              </a:rPr>
+              <a:t>}</a:t>
+            </a:r>
+          </a:p>
+          <a:p>
+            <a:endParaRPr lang="en-US" sz="1400" dirty="0">
+              <a:latin typeface="Arial" panose="020B0604020202020204" pitchFamily="34" charset="0"/>
+              <a:cs typeface="Arial" panose="020B0604020202020204" pitchFamily="34" charset="0"/>
+            </a:endParaRPr>
+          </a:p>
+          <a:p>
+            <a:r>
+              <a:rPr lang="en-US" sz="1400" dirty="0">
+                <a:latin typeface="Arial" panose="020B0604020202020204" pitchFamily="34" charset="0"/>
+                <a:cs typeface="Arial" panose="020B0604020202020204" pitchFamily="34" charset="0"/>
+              </a:rPr>
+              <a:t>Also for Email, Violation, photo</a:t>
+            </a:r>
+          </a:p>
+          <a:p>
+            <a:endParaRPr lang="en-US" sz="1400" dirty="0">
+              <a:latin typeface="Arial" panose="020B0604020202020204" pitchFamily="34" charset="0"/>
+              <a:cs typeface="Arial" panose="020B0604020202020204" pitchFamily="34" charset="0"/>
+            </a:endParaRPr>
+          </a:p>
+          <a:p>
+            <a:r>
+              <a:rPr lang="en-US" sz="1400" dirty="0">
+                <a:latin typeface="Arial" panose="020B0604020202020204" pitchFamily="34" charset="0"/>
+                <a:cs typeface="Arial" panose="020B0604020202020204" pitchFamily="34" charset="0"/>
+              </a:rPr>
+              <a:t>// Each Ticket Issued by One Third Party</a:t>
+            </a:r>
+          </a:p>
+          <a:p>
+            <a:br>
+              <a:rPr lang="en-US" sz="1400" dirty="0">
+                <a:latin typeface="Arial" panose="020B0604020202020204" pitchFamily="34" charset="0"/>
+                <a:cs typeface="Arial" panose="020B0604020202020204" pitchFamily="34" charset="0"/>
+              </a:rPr>
+            </a:br>
+            <a:r>
+              <a:rPr lang="en-US" sz="1400" dirty="0">
+                <a:latin typeface="Arial" panose="020B0604020202020204" pitchFamily="34" charset="0"/>
+                <a:cs typeface="Arial" panose="020B0604020202020204" pitchFamily="34" charset="0"/>
+              </a:rPr>
+              <a:t>Fact {</a:t>
+            </a:r>
+            <a:br>
+              <a:rPr lang="en-US" sz="1400" dirty="0">
+                <a:latin typeface="Arial" panose="020B0604020202020204" pitchFamily="34" charset="0"/>
+                <a:cs typeface="Arial" panose="020B0604020202020204" pitchFamily="34" charset="0"/>
+              </a:rPr>
+            </a:br>
+            <a:r>
+              <a:rPr lang="en-US" sz="1400" dirty="0">
+                <a:latin typeface="Arial" panose="020B0604020202020204" pitchFamily="34" charset="0"/>
+                <a:cs typeface="Arial" panose="020B0604020202020204" pitchFamily="34" charset="0"/>
+              </a:rPr>
+              <a:t>   all t: Ticket |</a:t>
+            </a:r>
+            <a:br>
+              <a:rPr lang="en-US" sz="1400" dirty="0">
+                <a:latin typeface="Arial" panose="020B0604020202020204" pitchFamily="34" charset="0"/>
+                <a:cs typeface="Arial" panose="020B0604020202020204" pitchFamily="34" charset="0"/>
+              </a:rPr>
+            </a:br>
+            <a:r>
+              <a:rPr lang="en-US" sz="1400" dirty="0">
+                <a:latin typeface="Arial" panose="020B0604020202020204" pitchFamily="34" charset="0"/>
+                <a:cs typeface="Arial" panose="020B0604020202020204" pitchFamily="34" charset="0"/>
+              </a:rPr>
+              <a:t>   one </a:t>
+            </a:r>
+            <a:r>
+              <a:rPr lang="en-US" sz="1400" dirty="0" err="1">
+                <a:latin typeface="Arial" panose="020B0604020202020204" pitchFamily="34" charset="0"/>
+                <a:cs typeface="Arial" panose="020B0604020202020204" pitchFamily="34" charset="0"/>
+              </a:rPr>
+              <a:t>tp</a:t>
+            </a:r>
+            <a:r>
+              <a:rPr lang="en-US" sz="1400" dirty="0">
+                <a:latin typeface="Arial" panose="020B0604020202020204" pitchFamily="34" charset="0"/>
+                <a:cs typeface="Arial" panose="020B0604020202020204" pitchFamily="34" charset="0"/>
+              </a:rPr>
+              <a:t>: </a:t>
+            </a:r>
+            <a:r>
+              <a:rPr lang="en-US" sz="1400" dirty="0" err="1">
+                <a:latin typeface="Arial" panose="020B0604020202020204" pitchFamily="34" charset="0"/>
+                <a:cs typeface="Arial" panose="020B0604020202020204" pitchFamily="34" charset="0"/>
+              </a:rPr>
+              <a:t>ThirdParty</a:t>
+            </a:r>
+            <a:r>
+              <a:rPr lang="en-US" sz="1400" dirty="0">
+                <a:latin typeface="Arial" panose="020B0604020202020204" pitchFamily="34" charset="0"/>
+                <a:cs typeface="Arial" panose="020B0604020202020204" pitchFamily="34" charset="0"/>
+              </a:rPr>
+              <a:t> |</a:t>
+            </a:r>
+            <a:br>
+              <a:rPr lang="en-US" sz="1400" dirty="0">
+                <a:latin typeface="Arial" panose="020B0604020202020204" pitchFamily="34" charset="0"/>
+                <a:cs typeface="Arial" panose="020B0604020202020204" pitchFamily="34" charset="0"/>
+              </a:rPr>
+            </a:br>
+            <a:r>
+              <a:rPr lang="en-US" sz="1400" dirty="0">
+                <a:latin typeface="Arial" panose="020B0604020202020204" pitchFamily="34" charset="0"/>
+                <a:cs typeface="Arial" panose="020B0604020202020204" pitchFamily="34" charset="0"/>
+              </a:rPr>
               <a:t>   </a:t>
             </a:r>
             <a:r>
@@ -6494,14 +9711,14 @@
                 <a:latin typeface="Arial" panose="020B0604020202020204" pitchFamily="34" charset="0"/>
                 <a:cs typeface="Arial" panose="020B0604020202020204" pitchFamily="34" charset="0"/>
               </a:rPr>
-              <a:t>costumerLocation</a:t>
-            </a:r>
-            <a:r>
-              <a:rPr lang="en-US" sz="1400" dirty="0">
-                <a:latin typeface="Arial" panose="020B0604020202020204" pitchFamily="34" charset="0"/>
-                <a:cs typeface="Arial" panose="020B0604020202020204" pitchFamily="34" charset="0"/>
-              </a:rPr>
-              <a:t>: one Location,</a:t>
+              <a:t>tp.tickets</a:t>
+            </a:r>
+            <a:r>
+              <a:rPr lang="en-US" sz="1400" dirty="0">
+                <a:latin typeface="Arial" panose="020B0604020202020204" pitchFamily="34" charset="0"/>
+                <a:cs typeface="Arial" panose="020B0604020202020204" pitchFamily="34" charset="0"/>
+              </a:rPr>
+              <a:t> = t </a:t>
             </a:r>
             <a:br>
               <a:rPr lang="en-US" sz="1400" dirty="0">
@@ -6514,6 +9731,87 @@
                 <a:latin typeface="Arial" panose="020B0604020202020204" pitchFamily="34" charset="0"/>
                 <a:cs typeface="Arial" panose="020B0604020202020204" pitchFamily="34" charset="0"/>
               </a:rPr>
+              <a:t>}</a:t>
+            </a:r>
+          </a:p>
+          <a:p>
+            <a:endParaRPr lang="en-US" sz="1400" dirty="0">
+              <a:latin typeface="Arial" panose="020B0604020202020204" pitchFamily="34" charset="0"/>
+              <a:cs typeface="Arial" panose="020B0604020202020204" pitchFamily="34" charset="0"/>
+            </a:endParaRPr>
+          </a:p>
+        </p:txBody>
+      </p:sp>
+      <p:sp>
+        <p:nvSpPr>
+          <p:cNvPr id="13" name="Rectangle 12">
+            <a:extLst>
+              <a:ext uri="{FF2B5EF4-FFF2-40B4-BE49-F238E27FC236}">
+                <a16:creationId xmlns:a16="http://schemas.microsoft.com/office/drawing/2014/main" id="{A7FB5CA4-B2E5-455A-AFEE-82507FE9222D}"/>
+              </a:ext>
+            </a:extLst>
+          </p:cNvPr>
+          <p:cNvSpPr/>
+          <p:nvPr/>
+        </p:nvSpPr>
+        <p:spPr>
+          <a:xfrm>
+            <a:off x="7321347" y="976629"/>
+            <a:ext cx="3384376" cy="5909310"/>
+          </a:xfrm>
+          <a:prstGeom prst="rect">
+            <a:avLst/>
+          </a:prstGeom>
+        </p:spPr>
+        <p:txBody>
+          <a:bodyPr wrap="square">
+            <a:spAutoFit/>
+          </a:bodyPr>
+          <a:lstStyle/>
+          <a:p>
+            <a:r>
+              <a:rPr lang="en-US" sz="1400" dirty="0">
+                <a:latin typeface="Arial" panose="020B0604020202020204" pitchFamily="34" charset="0"/>
+                <a:cs typeface="Arial" panose="020B0604020202020204" pitchFamily="34" charset="0"/>
+              </a:rPr>
+              <a:t>// Every User Just Can Use No.1 Service Of Mining Module, </a:t>
+            </a:r>
+            <a:r>
+              <a:rPr lang="en-US" sz="1400" dirty="0" err="1">
+                <a:latin typeface="Arial" panose="020B0604020202020204" pitchFamily="34" charset="0"/>
+                <a:cs typeface="Arial" panose="020B0604020202020204" pitchFamily="34" charset="0"/>
+              </a:rPr>
+              <a:t>AverageViolations</a:t>
+            </a:r>
+            <a:endParaRPr lang="en-US" sz="1400" dirty="0">
+              <a:latin typeface="Arial" panose="020B0604020202020204" pitchFamily="34" charset="0"/>
+              <a:cs typeface="Arial" panose="020B0604020202020204" pitchFamily="34" charset="0"/>
+            </a:endParaRPr>
+          </a:p>
+          <a:p>
+            <a:r>
+              <a:rPr lang="en-US" sz="1400" dirty="0">
+                <a:latin typeface="Arial" panose="020B0604020202020204" pitchFamily="34" charset="0"/>
+                <a:cs typeface="Arial" panose="020B0604020202020204" pitchFamily="34" charset="0"/>
+              </a:rPr>
+              <a:t>Fact {</a:t>
+            </a:r>
+          </a:p>
+          <a:p>
+            <a:r>
+              <a:rPr lang="en-US" sz="1400" dirty="0">
+                <a:latin typeface="Arial" panose="020B0604020202020204" pitchFamily="34" charset="0"/>
+                <a:cs typeface="Arial" panose="020B0604020202020204" pitchFamily="34" charset="0"/>
+              </a:rPr>
+              <a:t>   all c: Costumer |</a:t>
+            </a:r>
+          </a:p>
+          <a:p>
+            <a:r>
+              <a:rPr lang="en-US" sz="1400" dirty="0">
+                <a:latin typeface="Arial" panose="020B0604020202020204" pitchFamily="34" charset="0"/>
+                <a:cs typeface="Arial" panose="020B0604020202020204" pitchFamily="34" charset="0"/>
+              </a:rPr>
               <a:t>   </a:t>
             </a:r>
             <a:r>
@@ -6521,15 +9819,26 @@
                 <a:latin typeface="Arial" panose="020B0604020202020204" pitchFamily="34" charset="0"/>
                 <a:cs typeface="Arial" panose="020B0604020202020204" pitchFamily="34" charset="0"/>
               </a:rPr>
-              <a:t>accessLevel</a:t>
-            </a:r>
-            <a:r>
-              <a:rPr lang="en-US" sz="1400" dirty="0">
-                <a:latin typeface="Arial" panose="020B0604020202020204" pitchFamily="34" charset="0"/>
-                <a:cs typeface="Arial" panose="020B0604020202020204" pitchFamily="34" charset="0"/>
-              </a:rPr>
-              <a:t> = False </a:t>
-            </a:r>
+              <a:t>c.minedInfo</a:t>
+            </a:r>
+            <a:r>
+              <a:rPr lang="en-US" sz="1400" dirty="0">
+                <a:latin typeface="Arial" panose="020B0604020202020204" pitchFamily="34" charset="0"/>
+                <a:cs typeface="Arial" panose="020B0604020202020204" pitchFamily="34" charset="0"/>
+              </a:rPr>
+              <a:t> = </a:t>
+            </a:r>
+            <a:r>
+              <a:rPr lang="en-US" sz="1400" dirty="0" err="1">
+                <a:latin typeface="Arial" panose="020B0604020202020204" pitchFamily="34" charset="0"/>
+                <a:cs typeface="Arial" panose="020B0604020202020204" pitchFamily="34" charset="0"/>
+              </a:rPr>
+              <a:t>AverageViolations</a:t>
+            </a:r>
+            <a:endParaRPr lang="en-US" sz="1400" dirty="0">
+              <a:latin typeface="Arial" panose="020B0604020202020204" pitchFamily="34" charset="0"/>
+              <a:cs typeface="Arial" panose="020B0604020202020204" pitchFamily="34" charset="0"/>
+            </a:endParaRPr>
           </a:p>
           <a:p>
             <a:r>
@@ -6539,11 +9848,188 @@
               </a:rPr>
               <a:t>}</a:t>
             </a:r>
+          </a:p>
+          <a:p>
+            <a:endParaRPr lang="en-US" sz="1400" dirty="0">
+              <a:latin typeface="Arial" panose="020B0604020202020204" pitchFamily="34" charset="0"/>
+              <a:cs typeface="Arial" panose="020B0604020202020204" pitchFamily="34" charset="0"/>
+            </a:endParaRPr>
+          </a:p>
+          <a:p>
+            <a:r>
+              <a:rPr lang="en-US" sz="1400" dirty="0">
+                <a:latin typeface="Arial" panose="020B0604020202020204" pitchFamily="34" charset="0"/>
+                <a:cs typeface="Arial" panose="020B0604020202020204" pitchFamily="34" charset="0"/>
+              </a:rPr>
+              <a:t>// Each Date Belongs to one Violation</a:t>
+            </a:r>
+          </a:p>
+          <a:p>
+            <a:r>
+              <a:rPr lang="en-US" sz="1400" dirty="0">
+                <a:latin typeface="Arial" panose="020B0604020202020204" pitchFamily="34" charset="0"/>
+                <a:cs typeface="Arial" panose="020B0604020202020204" pitchFamily="34" charset="0"/>
+              </a:rPr>
+              <a:t>Fact {</a:t>
+            </a:r>
+          </a:p>
+          <a:p>
+            <a:r>
+              <a:rPr lang="en-US" sz="1400" dirty="0">
+                <a:latin typeface="Arial" panose="020B0604020202020204" pitchFamily="34" charset="0"/>
+                <a:cs typeface="Arial" panose="020B0604020202020204" pitchFamily="34" charset="0"/>
+              </a:rPr>
+              <a:t>   all d: Date, viol: Violation |</a:t>
+            </a:r>
+          </a:p>
+          <a:p>
+            <a:r>
+              <a:rPr lang="en-US" sz="1400" dirty="0">
+                <a:latin typeface="Arial" panose="020B0604020202020204" pitchFamily="34" charset="0"/>
+                <a:cs typeface="Arial" panose="020B0604020202020204" pitchFamily="34" charset="0"/>
+              </a:rPr>
+              <a:t>   </a:t>
+            </a:r>
+            <a:r>
+              <a:rPr lang="en-US" sz="1400" dirty="0" err="1">
+                <a:latin typeface="Arial" panose="020B0604020202020204" pitchFamily="34" charset="0"/>
+                <a:cs typeface="Arial" panose="020B0604020202020204" pitchFamily="34" charset="0"/>
+              </a:rPr>
+              <a:t>viol.date</a:t>
+            </a:r>
+            <a:r>
+              <a:rPr lang="en-US" sz="1400" dirty="0">
+                <a:latin typeface="Arial" panose="020B0604020202020204" pitchFamily="34" charset="0"/>
+                <a:cs typeface="Arial" panose="020B0604020202020204" pitchFamily="34" charset="0"/>
+              </a:rPr>
+              <a:t> = d</a:t>
+            </a:r>
+          </a:p>
+          <a:p>
+            <a:r>
+              <a:rPr lang="en-US" sz="1400" dirty="0">
+                <a:latin typeface="Arial" panose="020B0604020202020204" pitchFamily="34" charset="0"/>
+                <a:cs typeface="Arial" panose="020B0604020202020204" pitchFamily="34" charset="0"/>
+              </a:rPr>
+              <a:t>}</a:t>
+            </a:r>
+          </a:p>
+          <a:p>
+            <a:endParaRPr lang="en-US" sz="1400" dirty="0">
+              <a:latin typeface="Arial" panose="020B0604020202020204" pitchFamily="34" charset="0"/>
+              <a:cs typeface="Arial" panose="020B0604020202020204" pitchFamily="34" charset="0"/>
+            </a:endParaRPr>
+          </a:p>
+          <a:p>
+            <a:r>
+              <a:rPr lang="en-US" sz="1400" dirty="0">
+                <a:latin typeface="Arial" panose="020B0604020202020204" pitchFamily="34" charset="0"/>
+                <a:cs typeface="Arial" panose="020B0604020202020204" pitchFamily="34" charset="0"/>
+              </a:rPr>
+              <a:t>// if a ticket exist, it belongs to one violation</a:t>
+            </a:r>
+          </a:p>
+          <a:p>
+            <a:r>
+              <a:rPr lang="en-US" sz="1400" dirty="0">
+                <a:latin typeface="Arial" panose="020B0604020202020204" pitchFamily="34" charset="0"/>
+                <a:cs typeface="Arial" panose="020B0604020202020204" pitchFamily="34" charset="0"/>
+              </a:rPr>
+              <a:t>Fact {</a:t>
+            </a:r>
+          </a:p>
+          <a:p>
+            <a:r>
+              <a:rPr lang="en-US" sz="1400" dirty="0">
+                <a:latin typeface="Arial" panose="020B0604020202020204" pitchFamily="34" charset="0"/>
+                <a:cs typeface="Arial" panose="020B0604020202020204" pitchFamily="34" charset="0"/>
+              </a:rPr>
+              <a:t>   one t: Ticket , v:Violation |</a:t>
+            </a:r>
+          </a:p>
+          <a:p>
+            <a:r>
+              <a:rPr lang="en-US" sz="1400" dirty="0">
+                <a:latin typeface="Arial" panose="020B0604020202020204" pitchFamily="34" charset="0"/>
+                <a:cs typeface="Arial" panose="020B0604020202020204" pitchFamily="34" charset="0"/>
+              </a:rPr>
+              <a:t>   </a:t>
+            </a:r>
+            <a:r>
+              <a:rPr lang="en-US" sz="1400" dirty="0" err="1">
+                <a:latin typeface="Arial" panose="020B0604020202020204" pitchFamily="34" charset="0"/>
+                <a:cs typeface="Arial" panose="020B0604020202020204" pitchFamily="34" charset="0"/>
+              </a:rPr>
+              <a:t>t.violations</a:t>
+            </a:r>
+            <a:r>
+              <a:rPr lang="en-US" sz="1400" dirty="0">
+                <a:latin typeface="Arial" panose="020B0604020202020204" pitchFamily="34" charset="0"/>
+                <a:cs typeface="Arial" panose="020B0604020202020204" pitchFamily="34" charset="0"/>
+              </a:rPr>
+              <a:t> = v</a:t>
+            </a:r>
+          </a:p>
+          <a:p>
+            <a:r>
+              <a:rPr lang="en-US" sz="1400" dirty="0">
+                <a:latin typeface="Arial" panose="020B0604020202020204" pitchFamily="34" charset="0"/>
+                <a:cs typeface="Arial" panose="020B0604020202020204" pitchFamily="34" charset="0"/>
+              </a:rPr>
+              <a:t>}</a:t>
+            </a:r>
+          </a:p>
+          <a:p>
+            <a:endParaRPr lang="en-US" sz="1400" dirty="0">
+              <a:latin typeface="Arial" panose="020B0604020202020204" pitchFamily="34" charset="0"/>
+              <a:cs typeface="Arial" panose="020B0604020202020204" pitchFamily="34" charset="0"/>
+            </a:endParaRPr>
+          </a:p>
+          <a:p>
+            <a:r>
+              <a:rPr lang="en-US" sz="1400" dirty="0"/>
+              <a:t>// Each Date Belongs to one Violation </a:t>
+            </a:r>
+            <a:endParaRPr lang="en-US" sz="1400" dirty="0">
+              <a:latin typeface="Arial" panose="020B0604020202020204" pitchFamily="34" charset="0"/>
+              <a:cs typeface="Arial" panose="020B0604020202020204" pitchFamily="34" charset="0"/>
+            </a:endParaRPr>
+          </a:p>
+          <a:p>
+            <a:r>
+              <a:rPr lang="en-US" sz="1400" dirty="0"/>
+              <a:t>Fact {</a:t>
+            </a:r>
             <a:br>
-              <a:rPr lang="en-US" sz="1400" dirty="0">
-                <a:latin typeface="Arial" panose="020B0604020202020204" pitchFamily="34" charset="0"/>
-                <a:cs typeface="Arial" panose="020B0604020202020204" pitchFamily="34" charset="0"/>
-              </a:rPr>
+              <a:rPr lang="en-US" sz="1400" dirty="0"/>
+            </a:br>
+            <a:r>
+              <a:rPr lang="en-US" sz="1400" dirty="0"/>
+              <a:t>   all d: Date, viol: Violation |</a:t>
+            </a:r>
+            <a:br>
+              <a:rPr lang="en-US" sz="1400" dirty="0"/>
+            </a:br>
+            <a:r>
+              <a:rPr lang="en-US" sz="1400" dirty="0"/>
+              <a:t>   </a:t>
+            </a:r>
+            <a:r>
+              <a:rPr lang="en-US" sz="1400" dirty="0" err="1"/>
+              <a:t>viol.date</a:t>
+            </a:r>
+            <a:r>
+              <a:rPr lang="en-US" sz="1400" dirty="0"/>
+              <a:t> = d </a:t>
+            </a:r>
+          </a:p>
+          <a:p>
+            <a:r>
+              <a:rPr lang="en-US" sz="1400" dirty="0"/>
+              <a:t>}</a:t>
+            </a:r>
+            <a:br>
+              <a:rPr lang="en-US" sz="1400" dirty="0"/>
             </a:br>
             <a:endParaRPr lang="en-US" sz="1400" dirty="0">
               <a:latin typeface="Arial" panose="020B0604020202020204" pitchFamily="34" charset="0"/>
@@ -6554,10 +10040,10 @@
       </p:sp>
       <p:sp>
         <p:nvSpPr>
-          <p:cNvPr id="9" name="Rectangle 8">
-            <a:extLst>
-              <a:ext uri="{FF2B5EF4-FFF2-40B4-BE49-F238E27FC236}">
-                <a16:creationId xmlns:a16="http://schemas.microsoft.com/office/drawing/2014/main" xmlns="" id="{65FF3B07-6D30-430E-8342-FF910AE28FE1}"/>
+          <p:cNvPr id="8" name="Rectangle 7">
+            <a:extLst>
+              <a:ext uri="{FF2B5EF4-FFF2-40B4-BE49-F238E27FC236}">
+                <a16:creationId xmlns:a16="http://schemas.microsoft.com/office/drawing/2014/main" id="{9E85C601-3A4A-734A-8B1E-63D6E2B47DC2}"/>
               </a:ext>
             </a:extLst>
           </p:cNvPr>
@@ -6566,547 +10052,117 @@
         </p:nvSpPr>
         <p:spPr>
           <a:xfrm>
-            <a:off x="3369662" y="4601458"/>
-            <a:ext cx="2246128" cy="1384995"/>
+            <a:off x="0" y="0"/>
+            <a:ext cx="12192000" cy="1690688"/>
+          </a:xfrm>
+          <a:prstGeom prst="rect">
+            <a:avLst/>
+          </a:prstGeom>
+          <a:solidFill>
+            <a:srgbClr val="728FA5"/>
+          </a:solidFill>
+          <a:ln>
+            <a:noFill/>
+          </a:ln>
+        </p:spPr>
+        <p:style>
+          <a:lnRef idx="2">
+            <a:schemeClr val="accent1">
+              <a:shade val="50000"/>
+            </a:schemeClr>
+          </a:lnRef>
+          <a:fillRef idx="1">
+            <a:schemeClr val="accent1"/>
+          </a:fillRef>
+          <a:effectRef idx="0">
+            <a:schemeClr val="accent1"/>
+          </a:effectRef>
+          <a:fontRef idx="minor">
+            <a:schemeClr val="lt1"/>
+          </a:fontRef>
+        </p:style>
+        <p:txBody>
+          <a:bodyPr rtlCol="0" anchor="ctr"/>
+          <a:lstStyle/>
+          <a:p>
+            <a:pPr algn="ctr"/>
+            <a:endParaRPr lang="en-US"/>
+          </a:p>
+        </p:txBody>
+      </p:sp>
+      <p:sp>
+        <p:nvSpPr>
+          <p:cNvPr id="9" name="Title 1">
+            <a:extLst>
+              <a:ext uri="{FF2B5EF4-FFF2-40B4-BE49-F238E27FC236}">
+                <a16:creationId xmlns:a16="http://schemas.microsoft.com/office/drawing/2014/main" id="{798E0B7F-4C42-3F4E-B623-C026859C2B43}"/>
+              </a:ext>
+            </a:extLst>
+          </p:cNvPr>
+          <p:cNvSpPr txBox="1">
+            <a:spLocks/>
+          </p:cNvSpPr>
+          <p:nvPr/>
+        </p:nvSpPr>
+        <p:spPr>
+          <a:xfrm>
+            <a:off x="285939" y="202179"/>
+            <a:ext cx="10515600" cy="1325563"/>
           </a:xfrm>
           <a:prstGeom prst="rect">
             <a:avLst/>
           </a:prstGeom>
         </p:spPr>
         <p:txBody>
-          <a:bodyPr wrap="square">
-            <a:spAutoFit/>
+          <a:bodyPr vert="horz" lIns="91440" tIns="45720" rIns="91440" bIns="45720" rtlCol="0" anchor="ctr">
+            <a:normAutofit/>
           </a:bodyPr>
-          <a:lstStyle/>
-          <a:p>
-            <a:r>
-              <a:rPr lang="en-US" sz="1400" dirty="0">
+          <a:lstStyle>
+            <a:lvl1pPr algn="l" defTabSz="914400" rtl="0" eaLnBrk="1" latinLnBrk="0" hangingPunct="1">
+              <a:lnSpc>
+                <a:spcPct val="90000"/>
+              </a:lnSpc>
+              <a:spcBef>
+                <a:spcPct val="0"/>
+              </a:spcBef>
+              <a:buNone/>
+              <a:defRPr sz="4400" b="0" i="0" kern="1200">
                 <a:solidFill>
-                  <a:srgbClr val="000000"/>
+                  <a:schemeClr val="tx1"/>
                 </a:solidFill>
-                <a:latin typeface="Arial" panose="020B0604020202020204" pitchFamily="34" charset="0"/>
-                <a:cs typeface="Arial" panose="020B0604020202020204" pitchFamily="34" charset="0"/>
-              </a:rPr>
-              <a:t>sig </a:t>
-            </a:r>
-            <a:r>
-              <a:rPr lang="en-US" sz="1400" dirty="0" err="1">
+                <a:latin typeface="Futura Light" pitchFamily="2" charset="77"/>
+                <a:ea typeface="+mj-ea"/>
+                <a:cs typeface="+mj-cs"/>
+              </a:defRPr>
+            </a:lvl1pPr>
+          </a:lstStyle>
+          <a:p>
+            <a:r>
+              <a:rPr lang="en-GB" sz="5400" b="1" dirty="0">
                 <a:solidFill>
-                  <a:srgbClr val="00B050"/>
+                  <a:schemeClr val="bg1"/>
                 </a:solidFill>
-                <a:latin typeface="Arial" panose="020B0604020202020204" pitchFamily="34" charset="0"/>
-                <a:cs typeface="Arial" panose="020B0604020202020204" pitchFamily="34" charset="0"/>
-              </a:rPr>
-              <a:t>ThirdParty</a:t>
-            </a:r>
-            <a:r>
-              <a:rPr lang="en-US" sz="1400" dirty="0">
-                <a:solidFill>
-                  <a:srgbClr val="000000"/>
-                </a:solidFill>
-                <a:latin typeface="Arial" panose="020B0604020202020204" pitchFamily="34" charset="0"/>
-                <a:cs typeface="Arial" panose="020B0604020202020204" pitchFamily="34" charset="0"/>
-              </a:rPr>
-              <a:t> extends User {</a:t>
-            </a:r>
-            <a:br>
-              <a:rPr lang="en-US" sz="1400" dirty="0">
-                <a:solidFill>
-                  <a:srgbClr val="000000"/>
-                </a:solidFill>
-                <a:latin typeface="Arial" panose="020B0604020202020204" pitchFamily="34" charset="0"/>
-                <a:cs typeface="Arial" panose="020B0604020202020204" pitchFamily="34" charset="0"/>
-              </a:rPr>
-            </a:br>
-            <a:r>
-              <a:rPr lang="en-US" sz="1400" dirty="0">
-                <a:solidFill>
-                  <a:srgbClr val="000000"/>
-                </a:solidFill>
-                <a:latin typeface="Arial" panose="020B0604020202020204" pitchFamily="34" charset="0"/>
-                <a:cs typeface="Arial" panose="020B0604020202020204" pitchFamily="34" charset="0"/>
-              </a:rPr>
-              <a:t>   tickets: some Ticket,</a:t>
-            </a:r>
-            <a:br>
-              <a:rPr lang="en-US" sz="1400" dirty="0">
-                <a:solidFill>
-                  <a:srgbClr val="000000"/>
-                </a:solidFill>
-                <a:latin typeface="Arial" panose="020B0604020202020204" pitchFamily="34" charset="0"/>
-                <a:cs typeface="Arial" panose="020B0604020202020204" pitchFamily="34" charset="0"/>
-              </a:rPr>
-            </a:br>
-            <a:r>
-              <a:rPr lang="en-US" sz="1400" dirty="0">
-                <a:solidFill>
-                  <a:srgbClr val="000000"/>
-                </a:solidFill>
-                <a:latin typeface="Arial" panose="020B0604020202020204" pitchFamily="34" charset="0"/>
-                <a:cs typeface="Arial" panose="020B0604020202020204" pitchFamily="34" charset="0"/>
-              </a:rPr>
-              <a:t>   #tickets &gt;= 0</a:t>
-            </a:r>
-            <a:br>
-              <a:rPr lang="en-US" sz="1400" dirty="0">
-                <a:solidFill>
-                  <a:srgbClr val="000000"/>
-                </a:solidFill>
-                <a:latin typeface="Arial" panose="020B0604020202020204" pitchFamily="34" charset="0"/>
-                <a:cs typeface="Arial" panose="020B0604020202020204" pitchFamily="34" charset="0"/>
-              </a:rPr>
-            </a:br>
-            <a:r>
-              <a:rPr lang="en-US" sz="1400" dirty="0">
-                <a:solidFill>
-                  <a:srgbClr val="000000"/>
-                </a:solidFill>
-                <a:latin typeface="Arial" panose="020B0604020202020204" pitchFamily="34" charset="0"/>
-                <a:cs typeface="Arial" panose="020B0604020202020204" pitchFamily="34" charset="0"/>
-              </a:rPr>
-              <a:t>   </a:t>
-            </a:r>
-            <a:r>
-              <a:rPr lang="en-US" sz="1400" dirty="0" err="1">
-                <a:solidFill>
-                  <a:srgbClr val="000000"/>
-                </a:solidFill>
-                <a:latin typeface="Arial" panose="020B0604020202020204" pitchFamily="34" charset="0"/>
-                <a:cs typeface="Arial" panose="020B0604020202020204" pitchFamily="34" charset="0"/>
-              </a:rPr>
-              <a:t>accessLevel</a:t>
-            </a:r>
-            <a:r>
-              <a:rPr lang="en-US" sz="1400" dirty="0">
-                <a:solidFill>
-                  <a:srgbClr val="000000"/>
-                </a:solidFill>
-                <a:latin typeface="Arial" panose="020B0604020202020204" pitchFamily="34" charset="0"/>
-                <a:cs typeface="Arial" panose="020B0604020202020204" pitchFamily="34" charset="0"/>
-              </a:rPr>
-              <a:t> = True</a:t>
-            </a:r>
-            <a:r>
-              <a:rPr lang="en-US" sz="1400" dirty="0">
-                <a:latin typeface="Arial" panose="020B0604020202020204" pitchFamily="34" charset="0"/>
-                <a:cs typeface="Arial" panose="020B0604020202020204" pitchFamily="34" charset="0"/>
-              </a:rPr>
-              <a:t> </a:t>
-            </a:r>
-            <a:br>
-              <a:rPr lang="en-US" sz="1400" dirty="0">
-                <a:latin typeface="Arial" panose="020B0604020202020204" pitchFamily="34" charset="0"/>
-                <a:cs typeface="Arial" panose="020B0604020202020204" pitchFamily="34" charset="0"/>
-              </a:rPr>
-            </a:br>
-            <a:r>
-              <a:rPr lang="en-US" sz="1400" dirty="0">
-                <a:latin typeface="Arial" panose="020B0604020202020204" pitchFamily="34" charset="0"/>
-                <a:cs typeface="Arial" panose="020B0604020202020204" pitchFamily="34" charset="0"/>
-              </a:rPr>
-              <a:t>}</a:t>
-            </a:r>
-          </a:p>
-        </p:txBody>
-      </p:sp>
-      <p:sp>
-        <p:nvSpPr>
-          <p:cNvPr id="10" name="TextBox 9">
-            <a:extLst>
-              <a:ext uri="{FF2B5EF4-FFF2-40B4-BE49-F238E27FC236}">
-                <a16:creationId xmlns:a16="http://schemas.microsoft.com/office/drawing/2014/main" xmlns="" id="{A9761976-A3BE-4009-96A3-CFD8078F5894}"/>
-              </a:ext>
-            </a:extLst>
-          </p:cNvPr>
-          <p:cNvSpPr txBox="1"/>
-          <p:nvPr/>
-        </p:nvSpPr>
-        <p:spPr>
-          <a:xfrm>
-            <a:off x="7122051" y="3741778"/>
-            <a:ext cx="3900042" cy="1815882"/>
-          </a:xfrm>
-          <a:prstGeom prst="rect">
-            <a:avLst/>
-          </a:prstGeom>
-          <a:noFill/>
-        </p:spPr>
-        <p:txBody>
-          <a:bodyPr wrap="none" rtlCol="0">
-            <a:spAutoFit/>
-          </a:bodyPr>
-          <a:lstStyle/>
-          <a:p>
-            <a:r>
-              <a:rPr lang="en-US" sz="1400" dirty="0">
-                <a:latin typeface="Arial" panose="020B0604020202020204" pitchFamily="34" charset="0"/>
-                <a:cs typeface="Arial" panose="020B0604020202020204" pitchFamily="34" charset="0"/>
-              </a:rPr>
-              <a:t>abstract sig </a:t>
-            </a:r>
-            <a:r>
-              <a:rPr lang="en-US" sz="1400" dirty="0" err="1">
-                <a:solidFill>
-                  <a:srgbClr val="00B050"/>
-                </a:solidFill>
-                <a:latin typeface="Arial" panose="020B0604020202020204" pitchFamily="34" charset="0"/>
-                <a:cs typeface="Arial" panose="020B0604020202020204" pitchFamily="34" charset="0"/>
-              </a:rPr>
-              <a:t>MiningModule</a:t>
-            </a:r>
-            <a:r>
-              <a:rPr lang="en-US" sz="1400" dirty="0">
-                <a:latin typeface="Arial" panose="020B0604020202020204" pitchFamily="34" charset="0"/>
-                <a:cs typeface="Arial" panose="020B0604020202020204" pitchFamily="34" charset="0"/>
-              </a:rPr>
-              <a:t> {</a:t>
-            </a:r>
-            <a:br>
-              <a:rPr lang="en-US" sz="1400" dirty="0">
-                <a:latin typeface="Arial" panose="020B0604020202020204" pitchFamily="34" charset="0"/>
-                <a:cs typeface="Arial" panose="020B0604020202020204" pitchFamily="34" charset="0"/>
-              </a:rPr>
-            </a:br>
-            <a:r>
-              <a:rPr lang="en-US" sz="1400" dirty="0">
-                <a:latin typeface="Arial" panose="020B0604020202020204" pitchFamily="34" charset="0"/>
-                <a:cs typeface="Arial" panose="020B0604020202020204" pitchFamily="34" charset="0"/>
-              </a:rPr>
-              <a:t>   violations: some Violation, </a:t>
-            </a:r>
-          </a:p>
-          <a:p>
-            <a:r>
-              <a:rPr lang="en-US" sz="1400" dirty="0">
-                <a:latin typeface="Arial" panose="020B0604020202020204" pitchFamily="34" charset="0"/>
-                <a:cs typeface="Arial" panose="020B0604020202020204" pitchFamily="34" charset="0"/>
-              </a:rPr>
-              <a:t>}</a:t>
-            </a:r>
-          </a:p>
-          <a:p>
-            <a:r>
-              <a:rPr lang="en-US" sz="1400" dirty="0">
-                <a:latin typeface="Arial" panose="020B0604020202020204" pitchFamily="34" charset="0"/>
-                <a:cs typeface="Arial" panose="020B0604020202020204" pitchFamily="34" charset="0"/>
-              </a:rPr>
-              <a:t/>
-            </a:r>
-            <a:br>
-              <a:rPr lang="en-US" sz="1400" dirty="0">
-                <a:latin typeface="Arial" panose="020B0604020202020204" pitchFamily="34" charset="0"/>
-                <a:cs typeface="Arial" panose="020B0604020202020204" pitchFamily="34" charset="0"/>
-              </a:rPr>
-            </a:br>
-            <a:r>
-              <a:rPr lang="en-US" sz="1400" dirty="0">
-                <a:latin typeface="Arial" panose="020B0604020202020204" pitchFamily="34" charset="0"/>
-                <a:cs typeface="Arial" panose="020B0604020202020204" pitchFamily="34" charset="0"/>
-              </a:rPr>
-              <a:t>sig </a:t>
-            </a:r>
-            <a:r>
-              <a:rPr lang="en-US" sz="1400" dirty="0" err="1">
-                <a:solidFill>
-                  <a:srgbClr val="00B050"/>
-                </a:solidFill>
-                <a:latin typeface="Arial" panose="020B0604020202020204" pitchFamily="34" charset="0"/>
-                <a:cs typeface="Arial" panose="020B0604020202020204" pitchFamily="34" charset="0"/>
-              </a:rPr>
-              <a:t>AverageViolations</a:t>
-            </a:r>
-            <a:r>
-              <a:rPr lang="en-US" sz="1400" dirty="0">
-                <a:latin typeface="Arial" panose="020B0604020202020204" pitchFamily="34" charset="0"/>
-                <a:cs typeface="Arial" panose="020B0604020202020204" pitchFamily="34" charset="0"/>
-              </a:rPr>
-              <a:t> extends </a:t>
-            </a:r>
-            <a:r>
-              <a:rPr lang="en-US" sz="1400" dirty="0" err="1">
-                <a:latin typeface="Arial" panose="020B0604020202020204" pitchFamily="34" charset="0"/>
-                <a:cs typeface="Arial" panose="020B0604020202020204" pitchFamily="34" charset="0"/>
-              </a:rPr>
-              <a:t>MiningModule</a:t>
-            </a:r>
-            <a:r>
-              <a:rPr lang="en-US" sz="1400" dirty="0">
-                <a:latin typeface="Arial" panose="020B0604020202020204" pitchFamily="34" charset="0"/>
-                <a:cs typeface="Arial" panose="020B0604020202020204" pitchFamily="34" charset="0"/>
-              </a:rPr>
-              <a:t> {}</a:t>
-            </a:r>
-          </a:p>
-          <a:p>
-            <a:r>
-              <a:rPr lang="en-US" sz="1400" dirty="0">
-                <a:latin typeface="Arial" panose="020B0604020202020204" pitchFamily="34" charset="0"/>
-                <a:cs typeface="Arial" panose="020B0604020202020204" pitchFamily="34" charset="0"/>
-              </a:rPr>
-              <a:t/>
-            </a:r>
-            <a:br>
-              <a:rPr lang="en-US" sz="1400" dirty="0">
-                <a:latin typeface="Arial" panose="020B0604020202020204" pitchFamily="34" charset="0"/>
-                <a:cs typeface="Arial" panose="020B0604020202020204" pitchFamily="34" charset="0"/>
-              </a:rPr>
-            </a:br>
-            <a:r>
-              <a:rPr lang="en-US" sz="1400" dirty="0">
-                <a:latin typeface="Arial" panose="020B0604020202020204" pitchFamily="34" charset="0"/>
-                <a:cs typeface="Arial" panose="020B0604020202020204" pitchFamily="34" charset="0"/>
-              </a:rPr>
-              <a:t>sig </a:t>
-            </a:r>
-            <a:r>
-              <a:rPr lang="en-US" sz="1400" dirty="0" err="1">
-                <a:solidFill>
-                  <a:srgbClr val="00B050"/>
-                </a:solidFill>
-                <a:latin typeface="Arial" panose="020B0604020202020204" pitchFamily="34" charset="0"/>
-                <a:cs typeface="Arial" panose="020B0604020202020204" pitchFamily="34" charset="0"/>
-              </a:rPr>
-              <a:t>OffenderFinder</a:t>
-            </a:r>
-            <a:r>
-              <a:rPr lang="en-US" sz="1400" dirty="0">
-                <a:latin typeface="Arial" panose="020B0604020202020204" pitchFamily="34" charset="0"/>
-                <a:cs typeface="Arial" panose="020B0604020202020204" pitchFamily="34" charset="0"/>
-              </a:rPr>
-              <a:t> extends </a:t>
-            </a:r>
-            <a:r>
-              <a:rPr lang="en-US" sz="1400" dirty="0" err="1">
-                <a:latin typeface="Arial" panose="020B0604020202020204" pitchFamily="34" charset="0"/>
-                <a:cs typeface="Arial" panose="020B0604020202020204" pitchFamily="34" charset="0"/>
-              </a:rPr>
-              <a:t>MiningModule</a:t>
-            </a:r>
-            <a:r>
-              <a:rPr lang="en-US" sz="1400" dirty="0">
-                <a:latin typeface="Arial" panose="020B0604020202020204" pitchFamily="34" charset="0"/>
-                <a:cs typeface="Arial" panose="020B0604020202020204" pitchFamily="34" charset="0"/>
-              </a:rPr>
-              <a:t> {}</a:t>
-            </a:r>
-            <a:br>
-              <a:rPr lang="en-US" sz="1400" dirty="0">
-                <a:latin typeface="Arial" panose="020B0604020202020204" pitchFamily="34" charset="0"/>
-                <a:cs typeface="Arial" panose="020B0604020202020204" pitchFamily="34" charset="0"/>
-              </a:rPr>
-            </a:br>
-            <a:endParaRPr lang="en-US" sz="1400" dirty="0">
-              <a:latin typeface="Arial" panose="020B0604020202020204" pitchFamily="34" charset="0"/>
-              <a:cs typeface="Arial" panose="020B0604020202020204" pitchFamily="34" charset="0"/>
+              </a:rPr>
+              <a:t>Assumptions</a:t>
+            </a:r>
+            <a:endParaRPr lang="en-US" sz="5400" b="1" dirty="0">
+              <a:solidFill>
+                <a:schemeClr val="bg1"/>
+              </a:solidFill>
             </a:endParaRPr>
-          </a:p>
-        </p:txBody>
-      </p:sp>
-      <p:sp>
-        <p:nvSpPr>
-          <p:cNvPr id="11" name="TextBox 10">
-            <a:extLst>
-              <a:ext uri="{FF2B5EF4-FFF2-40B4-BE49-F238E27FC236}">
-                <a16:creationId xmlns:a16="http://schemas.microsoft.com/office/drawing/2014/main" xmlns="" id="{4C96BA33-2B0B-4165-B3E3-4D22882BF0D4}"/>
-              </a:ext>
-            </a:extLst>
-          </p:cNvPr>
-          <p:cNvSpPr txBox="1"/>
-          <p:nvPr/>
-        </p:nvSpPr>
-        <p:spPr>
-          <a:xfrm>
-            <a:off x="7122051" y="1476674"/>
-            <a:ext cx="2443041" cy="1815882"/>
-          </a:xfrm>
-          <a:prstGeom prst="rect">
-            <a:avLst/>
-          </a:prstGeom>
-          <a:noFill/>
-        </p:spPr>
-        <p:txBody>
-          <a:bodyPr wrap="none" rtlCol="0">
-            <a:spAutoFit/>
-          </a:bodyPr>
-          <a:lstStyle/>
-          <a:p>
-            <a:r>
-              <a:rPr lang="en-US" sz="1400" dirty="0">
-                <a:latin typeface="Arial" panose="020B0604020202020204" pitchFamily="34" charset="0"/>
-                <a:cs typeface="Arial" panose="020B0604020202020204" pitchFamily="34" charset="0"/>
-              </a:rPr>
-              <a:t>sig </a:t>
-            </a:r>
-            <a:r>
-              <a:rPr lang="en-US" sz="1400" dirty="0">
-                <a:solidFill>
-                  <a:srgbClr val="00B050"/>
-                </a:solidFill>
-                <a:latin typeface="Arial" panose="020B0604020202020204" pitchFamily="34" charset="0"/>
-                <a:cs typeface="Arial" panose="020B0604020202020204" pitchFamily="34" charset="0"/>
-              </a:rPr>
-              <a:t>Violation</a:t>
-            </a:r>
-            <a:r>
-              <a:rPr lang="en-US" sz="1400" dirty="0">
-                <a:latin typeface="Arial" panose="020B0604020202020204" pitchFamily="34" charset="0"/>
-                <a:cs typeface="Arial" panose="020B0604020202020204" pitchFamily="34" charset="0"/>
-              </a:rPr>
-              <a:t> {</a:t>
-            </a:r>
-            <a:br>
-              <a:rPr lang="en-US" sz="1400" dirty="0">
-                <a:latin typeface="Arial" panose="020B0604020202020204" pitchFamily="34" charset="0"/>
-                <a:cs typeface="Arial" panose="020B0604020202020204" pitchFamily="34" charset="0"/>
-              </a:rPr>
-            </a:br>
-            <a:r>
-              <a:rPr lang="en-US" sz="1400" dirty="0">
-                <a:latin typeface="Arial" panose="020B0604020202020204" pitchFamily="34" charset="0"/>
-                <a:cs typeface="Arial" panose="020B0604020202020204" pitchFamily="34" charset="0"/>
-              </a:rPr>
-              <a:t>   location: one Location,</a:t>
-            </a:r>
-            <a:br>
-              <a:rPr lang="en-US" sz="1400" dirty="0">
-                <a:latin typeface="Arial" panose="020B0604020202020204" pitchFamily="34" charset="0"/>
-                <a:cs typeface="Arial" panose="020B0604020202020204" pitchFamily="34" charset="0"/>
-              </a:rPr>
-            </a:br>
-            <a:r>
-              <a:rPr lang="en-US" sz="1400" dirty="0">
-                <a:latin typeface="Arial" panose="020B0604020202020204" pitchFamily="34" charset="0"/>
-                <a:cs typeface="Arial" panose="020B0604020202020204" pitchFamily="34" charset="0"/>
-              </a:rPr>
-              <a:t>   </a:t>
-            </a:r>
-            <a:r>
-              <a:rPr lang="en-US" sz="1400" dirty="0" err="1">
-                <a:latin typeface="Arial" panose="020B0604020202020204" pitchFamily="34" charset="0"/>
-                <a:cs typeface="Arial" panose="020B0604020202020204" pitchFamily="34" charset="0"/>
-              </a:rPr>
-              <a:t>addr</a:t>
-            </a:r>
-            <a:r>
-              <a:rPr lang="en-US" sz="1400" dirty="0">
-                <a:latin typeface="Arial" panose="020B0604020202020204" pitchFamily="34" charset="0"/>
-                <a:cs typeface="Arial" panose="020B0604020202020204" pitchFamily="34" charset="0"/>
-              </a:rPr>
-              <a:t>: some </a:t>
-            </a:r>
-            <a:r>
-              <a:rPr lang="en-US" sz="1400" dirty="0" err="1">
-                <a:latin typeface="Arial" panose="020B0604020202020204" pitchFamily="34" charset="0"/>
-                <a:cs typeface="Arial" panose="020B0604020202020204" pitchFamily="34" charset="0"/>
-              </a:rPr>
-              <a:t>GPSconvertor</a:t>
-            </a:r>
-            <a:r>
-              <a:rPr lang="en-US" sz="1400" dirty="0">
-                <a:latin typeface="Arial" panose="020B0604020202020204" pitchFamily="34" charset="0"/>
-                <a:cs typeface="Arial" panose="020B0604020202020204" pitchFamily="34" charset="0"/>
-              </a:rPr>
-              <a:t>,</a:t>
-            </a:r>
-            <a:br>
-              <a:rPr lang="en-US" sz="1400" dirty="0">
-                <a:latin typeface="Arial" panose="020B0604020202020204" pitchFamily="34" charset="0"/>
-                <a:cs typeface="Arial" panose="020B0604020202020204" pitchFamily="34" charset="0"/>
-              </a:rPr>
-            </a:br>
-            <a:r>
-              <a:rPr lang="en-US" sz="1400" dirty="0">
-                <a:latin typeface="Arial" panose="020B0604020202020204" pitchFamily="34" charset="0"/>
-                <a:cs typeface="Arial" panose="020B0604020202020204" pitchFamily="34" charset="0"/>
-              </a:rPr>
-              <a:t>   reporter: one Costumer,</a:t>
-            </a:r>
-            <a:br>
-              <a:rPr lang="en-US" sz="1400" dirty="0">
-                <a:latin typeface="Arial" panose="020B0604020202020204" pitchFamily="34" charset="0"/>
-                <a:cs typeface="Arial" panose="020B0604020202020204" pitchFamily="34" charset="0"/>
-              </a:rPr>
-            </a:br>
-            <a:r>
-              <a:rPr lang="en-US" sz="1400" dirty="0">
-                <a:latin typeface="Arial" panose="020B0604020202020204" pitchFamily="34" charset="0"/>
-                <a:cs typeface="Arial" panose="020B0604020202020204" pitchFamily="34" charset="0"/>
-              </a:rPr>
-              <a:t>   photo: one Photo,</a:t>
-            </a:r>
-            <a:br>
-              <a:rPr lang="en-US" sz="1400" dirty="0">
-                <a:latin typeface="Arial" panose="020B0604020202020204" pitchFamily="34" charset="0"/>
-                <a:cs typeface="Arial" panose="020B0604020202020204" pitchFamily="34" charset="0"/>
-              </a:rPr>
-            </a:br>
-            <a:r>
-              <a:rPr lang="en-US" sz="1400" dirty="0">
-                <a:latin typeface="Arial" panose="020B0604020202020204" pitchFamily="34" charset="0"/>
-                <a:cs typeface="Arial" panose="020B0604020202020204" pitchFamily="34" charset="0"/>
-              </a:rPr>
-              <a:t>   </a:t>
-            </a:r>
-            <a:r>
-              <a:rPr lang="en-US" sz="1400" dirty="0" err="1">
-                <a:latin typeface="Arial" panose="020B0604020202020204" pitchFamily="34" charset="0"/>
-                <a:cs typeface="Arial" panose="020B0604020202020204" pitchFamily="34" charset="0"/>
-              </a:rPr>
-              <a:t>licensePlate</a:t>
-            </a:r>
-            <a:r>
-              <a:rPr lang="en-US" sz="1400" dirty="0">
-                <a:latin typeface="Arial" panose="020B0604020202020204" pitchFamily="34" charset="0"/>
-                <a:cs typeface="Arial" panose="020B0604020202020204" pitchFamily="34" charset="0"/>
-              </a:rPr>
-              <a:t>: one ALPR,</a:t>
-            </a:r>
-            <a:br>
-              <a:rPr lang="en-US" sz="1400" dirty="0">
-                <a:latin typeface="Arial" panose="020B0604020202020204" pitchFamily="34" charset="0"/>
-                <a:cs typeface="Arial" panose="020B0604020202020204" pitchFamily="34" charset="0"/>
-              </a:rPr>
-            </a:br>
-            <a:r>
-              <a:rPr lang="en-US" sz="1400" dirty="0">
-                <a:latin typeface="Arial" panose="020B0604020202020204" pitchFamily="34" charset="0"/>
-                <a:cs typeface="Arial" panose="020B0604020202020204" pitchFamily="34" charset="0"/>
-              </a:rPr>
-              <a:t>   date: one Date </a:t>
-            </a:r>
-            <a:br>
-              <a:rPr lang="en-US" sz="1400" dirty="0">
-                <a:latin typeface="Arial" panose="020B0604020202020204" pitchFamily="34" charset="0"/>
-                <a:cs typeface="Arial" panose="020B0604020202020204" pitchFamily="34" charset="0"/>
-              </a:rPr>
-            </a:br>
-            <a:r>
-              <a:rPr lang="en-US" sz="1400" dirty="0">
-                <a:latin typeface="Arial" panose="020B0604020202020204" pitchFamily="34" charset="0"/>
-                <a:cs typeface="Arial" panose="020B0604020202020204" pitchFamily="34" charset="0"/>
-              </a:rPr>
-              <a:t>}</a:t>
-            </a:r>
           </a:p>
         </p:txBody>
       </p:sp>
     </p:spTree>
     <p:extLst>
       <p:ext uri="{BB962C8B-B14F-4D97-AF65-F5344CB8AC3E}">
-        <p14:creationId xmlns:p14="http://schemas.microsoft.com/office/powerpoint/2010/main" val="1342515695"/>
+        <p14:creationId xmlns:p14="http://schemas.microsoft.com/office/powerpoint/2010/main" val="2566843666"/>
       </p:ext>
     </p:extLst>
   </p:cSld>
   <p:clrMapOvr>
     <a:masterClrMapping/>
   </p:clrMapOvr>
-  <p:timing>
-    <p:tnLst>
-      <p:par>
-        <p:cTn id="1" dur="indefinite" restart="never" nodeType="tmRoot"/>
-      </p:par>
-    </p:tnLst>
-  </p:timing>
 </p:sld>
 </file>
 

--- a/Presentation1.pptx
+++ b/Presentation1.pptx
@@ -14,9 +14,9 @@
     <p:sldId id="262" r:id="rId5"/>
     <p:sldId id="260" r:id="rId6"/>
     <p:sldId id="274" r:id="rId7"/>
-    <p:sldId id="261" r:id="rId8"/>
-    <p:sldId id="268" r:id="rId9"/>
-    <p:sldId id="269" r:id="rId10"/>
+    <p:sldId id="268" r:id="rId8"/>
+    <p:sldId id="269" r:id="rId9"/>
+    <p:sldId id="261" r:id="rId10"/>
     <p:sldId id="275" r:id="rId11"/>
     <p:sldId id="264" r:id="rId12"/>
     <p:sldId id="265" r:id="rId13"/>
@@ -210,7 +210,7 @@
           <a:p>
             <a:fld id="{C160D168-104E-BB47-BCD9-23CA9B55B2CD}" type="datetimeFigureOut">
               <a:rPr lang="en-US" smtClean="0"/>
-              <a:t>2/11/20</a:t>
+              <a:t>2/11/2020</a:t>
             </a:fld>
             <a:endParaRPr lang="en-US"/>
           </a:p>
@@ -671,7 +671,7 @@
           <p:cNvPr id="2" name="Title 1">
             <a:extLst>
               <a:ext uri="{FF2B5EF4-FFF2-40B4-BE49-F238E27FC236}">
-                <a16:creationId xmlns:a16="http://schemas.microsoft.com/office/drawing/2014/main" id="{32B50E20-7976-DD43-8C4C-66917611FDC9}"/>
+                <a16:creationId xmlns:a16="http://schemas.microsoft.com/office/drawing/2014/main" xmlns="" id="{32B50E20-7976-DD43-8C4C-66917611FDC9}"/>
               </a:ext>
             </a:extLst>
           </p:cNvPr>
@@ -709,7 +709,7 @@
           <p:cNvPr id="3" name="Subtitle 2">
             <a:extLst>
               <a:ext uri="{FF2B5EF4-FFF2-40B4-BE49-F238E27FC236}">
-                <a16:creationId xmlns:a16="http://schemas.microsoft.com/office/drawing/2014/main" id="{817655F9-A056-1B41-A86D-E69340A199C8}"/>
+                <a16:creationId xmlns:a16="http://schemas.microsoft.com/office/drawing/2014/main" xmlns="" id="{817655F9-A056-1B41-A86D-E69340A199C8}"/>
               </a:ext>
             </a:extLst>
           </p:cNvPr>
@@ -780,7 +780,7 @@
           <p:cNvPr id="4" name="Date Placeholder 3">
             <a:extLst>
               <a:ext uri="{FF2B5EF4-FFF2-40B4-BE49-F238E27FC236}">
-                <a16:creationId xmlns:a16="http://schemas.microsoft.com/office/drawing/2014/main" id="{711B4759-BD1B-8348-88C7-A11B2FDDD148}"/>
+                <a16:creationId xmlns:a16="http://schemas.microsoft.com/office/drawing/2014/main" xmlns="" id="{711B4759-BD1B-8348-88C7-A11B2FDDD148}"/>
               </a:ext>
             </a:extLst>
           </p:cNvPr>
@@ -798,7 +798,7 @@
           <a:p>
             <a:fld id="{11FEC548-63AB-9B43-9519-48F21B3F6E07}" type="datetimeFigureOut">
               <a:rPr lang="en-US" smtClean="0"/>
-              <a:t>2/11/20</a:t>
+              <a:t>2/11/2020</a:t>
             </a:fld>
             <a:endParaRPr lang="en-US"/>
           </a:p>
@@ -809,7 +809,7 @@
           <p:cNvPr id="5" name="Footer Placeholder 4">
             <a:extLst>
               <a:ext uri="{FF2B5EF4-FFF2-40B4-BE49-F238E27FC236}">
-                <a16:creationId xmlns:a16="http://schemas.microsoft.com/office/drawing/2014/main" id="{EED829D1-1949-B145-AC2F-66DEA4C521CA}"/>
+                <a16:creationId xmlns:a16="http://schemas.microsoft.com/office/drawing/2014/main" xmlns="" id="{EED829D1-1949-B145-AC2F-66DEA4C521CA}"/>
               </a:ext>
             </a:extLst>
           </p:cNvPr>
@@ -834,7 +834,7 @@
           <p:cNvPr id="6" name="Slide Number Placeholder 5">
             <a:extLst>
               <a:ext uri="{FF2B5EF4-FFF2-40B4-BE49-F238E27FC236}">
-                <a16:creationId xmlns:a16="http://schemas.microsoft.com/office/drawing/2014/main" id="{9283F92E-5D2F-EF40-975F-C0B6A6148D80}"/>
+                <a16:creationId xmlns:a16="http://schemas.microsoft.com/office/drawing/2014/main" xmlns="" id="{9283F92E-5D2F-EF40-975F-C0B6A6148D80}"/>
               </a:ext>
             </a:extLst>
           </p:cNvPr>
@@ -893,7 +893,7 @@
           <p:cNvPr id="2" name="Title 1">
             <a:extLst>
               <a:ext uri="{FF2B5EF4-FFF2-40B4-BE49-F238E27FC236}">
-                <a16:creationId xmlns:a16="http://schemas.microsoft.com/office/drawing/2014/main" id="{41FBBAC3-76E1-8048-B936-A9C3D1E0592B}"/>
+                <a16:creationId xmlns:a16="http://schemas.microsoft.com/office/drawing/2014/main" xmlns="" id="{41FBBAC3-76E1-8048-B936-A9C3D1E0592B}"/>
               </a:ext>
             </a:extLst>
           </p:cNvPr>
@@ -922,7 +922,7 @@
           <p:cNvPr id="3" name="Vertical Text Placeholder 2">
             <a:extLst>
               <a:ext uri="{FF2B5EF4-FFF2-40B4-BE49-F238E27FC236}">
-                <a16:creationId xmlns:a16="http://schemas.microsoft.com/office/drawing/2014/main" id="{ED059161-03EF-EF40-AFAB-DF25B05D851A}"/>
+                <a16:creationId xmlns:a16="http://schemas.microsoft.com/office/drawing/2014/main" xmlns="" id="{ED059161-03EF-EF40-AFAB-DF25B05D851A}"/>
               </a:ext>
             </a:extLst>
           </p:cNvPr>
@@ -980,7 +980,7 @@
           <p:cNvPr id="4" name="Date Placeholder 3">
             <a:extLst>
               <a:ext uri="{FF2B5EF4-FFF2-40B4-BE49-F238E27FC236}">
-                <a16:creationId xmlns:a16="http://schemas.microsoft.com/office/drawing/2014/main" id="{345A8411-A082-E142-B47B-266285B69DE9}"/>
+                <a16:creationId xmlns:a16="http://schemas.microsoft.com/office/drawing/2014/main" xmlns="" id="{345A8411-A082-E142-B47B-266285B69DE9}"/>
               </a:ext>
             </a:extLst>
           </p:cNvPr>
@@ -998,7 +998,7 @@
           <a:p>
             <a:fld id="{11FEC548-63AB-9B43-9519-48F21B3F6E07}" type="datetimeFigureOut">
               <a:rPr lang="en-US" smtClean="0"/>
-              <a:t>2/11/20</a:t>
+              <a:t>2/11/2020</a:t>
             </a:fld>
             <a:endParaRPr lang="en-US"/>
           </a:p>
@@ -1009,7 +1009,7 @@
           <p:cNvPr id="5" name="Footer Placeholder 4">
             <a:extLst>
               <a:ext uri="{FF2B5EF4-FFF2-40B4-BE49-F238E27FC236}">
-                <a16:creationId xmlns:a16="http://schemas.microsoft.com/office/drawing/2014/main" id="{1A9107CA-5874-2043-B68B-1852DB077C3A}"/>
+                <a16:creationId xmlns:a16="http://schemas.microsoft.com/office/drawing/2014/main" xmlns="" id="{1A9107CA-5874-2043-B68B-1852DB077C3A}"/>
               </a:ext>
             </a:extLst>
           </p:cNvPr>
@@ -1034,7 +1034,7 @@
           <p:cNvPr id="6" name="Slide Number Placeholder 5">
             <a:extLst>
               <a:ext uri="{FF2B5EF4-FFF2-40B4-BE49-F238E27FC236}">
-                <a16:creationId xmlns:a16="http://schemas.microsoft.com/office/drawing/2014/main" id="{8BA0C559-2418-FE4B-9FC2-CF17438D730D}"/>
+                <a16:creationId xmlns:a16="http://schemas.microsoft.com/office/drawing/2014/main" xmlns="" id="{8BA0C559-2418-FE4B-9FC2-CF17438D730D}"/>
               </a:ext>
             </a:extLst>
           </p:cNvPr>
@@ -1093,7 +1093,7 @@
           <p:cNvPr id="2" name="Vertical Title 1">
             <a:extLst>
               <a:ext uri="{FF2B5EF4-FFF2-40B4-BE49-F238E27FC236}">
-                <a16:creationId xmlns:a16="http://schemas.microsoft.com/office/drawing/2014/main" id="{D4520311-3BFF-5F4B-8A8A-E3533544A49B}"/>
+                <a16:creationId xmlns:a16="http://schemas.microsoft.com/office/drawing/2014/main" xmlns="" id="{D4520311-3BFF-5F4B-8A8A-E3533544A49B}"/>
               </a:ext>
             </a:extLst>
           </p:cNvPr>
@@ -1127,7 +1127,7 @@
           <p:cNvPr id="3" name="Vertical Text Placeholder 2">
             <a:extLst>
               <a:ext uri="{FF2B5EF4-FFF2-40B4-BE49-F238E27FC236}">
-                <a16:creationId xmlns:a16="http://schemas.microsoft.com/office/drawing/2014/main" id="{9A179FD8-8E36-4A45-95BC-10D57C0A5F7D}"/>
+                <a16:creationId xmlns:a16="http://schemas.microsoft.com/office/drawing/2014/main" xmlns="" id="{9A179FD8-8E36-4A45-95BC-10D57C0A5F7D}"/>
               </a:ext>
             </a:extLst>
           </p:cNvPr>
@@ -1190,7 +1190,7 @@
           <p:cNvPr id="4" name="Date Placeholder 3">
             <a:extLst>
               <a:ext uri="{FF2B5EF4-FFF2-40B4-BE49-F238E27FC236}">
-                <a16:creationId xmlns:a16="http://schemas.microsoft.com/office/drawing/2014/main" id="{C093FAA2-57F7-2C4D-83D8-FE600B2F7256}"/>
+                <a16:creationId xmlns:a16="http://schemas.microsoft.com/office/drawing/2014/main" xmlns="" id="{C093FAA2-57F7-2C4D-83D8-FE600B2F7256}"/>
               </a:ext>
             </a:extLst>
           </p:cNvPr>
@@ -1208,7 +1208,7 @@
           <a:p>
             <a:fld id="{11FEC548-63AB-9B43-9519-48F21B3F6E07}" type="datetimeFigureOut">
               <a:rPr lang="en-US" smtClean="0"/>
-              <a:t>2/11/20</a:t>
+              <a:t>2/11/2020</a:t>
             </a:fld>
             <a:endParaRPr lang="en-US"/>
           </a:p>
@@ -1219,7 +1219,7 @@
           <p:cNvPr id="5" name="Footer Placeholder 4">
             <a:extLst>
               <a:ext uri="{FF2B5EF4-FFF2-40B4-BE49-F238E27FC236}">
-                <a16:creationId xmlns:a16="http://schemas.microsoft.com/office/drawing/2014/main" id="{FBD88FB3-AD98-534E-9BB2-C67478EB4B25}"/>
+                <a16:creationId xmlns:a16="http://schemas.microsoft.com/office/drawing/2014/main" xmlns="" id="{FBD88FB3-AD98-534E-9BB2-C67478EB4B25}"/>
               </a:ext>
             </a:extLst>
           </p:cNvPr>
@@ -1244,7 +1244,7 @@
           <p:cNvPr id="6" name="Slide Number Placeholder 5">
             <a:extLst>
               <a:ext uri="{FF2B5EF4-FFF2-40B4-BE49-F238E27FC236}">
-                <a16:creationId xmlns:a16="http://schemas.microsoft.com/office/drawing/2014/main" id="{F18EDF81-FE84-7A48-9688-CAD026FFD361}"/>
+                <a16:creationId xmlns:a16="http://schemas.microsoft.com/office/drawing/2014/main" xmlns="" id="{F18EDF81-FE84-7A48-9688-CAD026FFD361}"/>
               </a:ext>
             </a:extLst>
           </p:cNvPr>
@@ -1303,7 +1303,7 @@
           <p:cNvPr id="2" name="Title 1">
             <a:extLst>
               <a:ext uri="{FF2B5EF4-FFF2-40B4-BE49-F238E27FC236}">
-                <a16:creationId xmlns:a16="http://schemas.microsoft.com/office/drawing/2014/main" id="{A783C1C4-C534-214B-8B47-CFE34D42CF1F}"/>
+                <a16:creationId xmlns:a16="http://schemas.microsoft.com/office/drawing/2014/main" xmlns="" id="{A783C1C4-C534-214B-8B47-CFE34D42CF1F}"/>
               </a:ext>
             </a:extLst>
           </p:cNvPr>
@@ -1332,7 +1332,7 @@
           <p:cNvPr id="3" name="Content Placeholder 2">
             <a:extLst>
               <a:ext uri="{FF2B5EF4-FFF2-40B4-BE49-F238E27FC236}">
-                <a16:creationId xmlns:a16="http://schemas.microsoft.com/office/drawing/2014/main" id="{4C9340D3-44B8-A644-B2D2-9E59677ED050}"/>
+                <a16:creationId xmlns:a16="http://schemas.microsoft.com/office/drawing/2014/main" xmlns="" id="{4C9340D3-44B8-A644-B2D2-9E59677ED050}"/>
               </a:ext>
             </a:extLst>
           </p:cNvPr>
@@ -1390,7 +1390,7 @@
           <p:cNvPr id="4" name="Date Placeholder 3">
             <a:extLst>
               <a:ext uri="{FF2B5EF4-FFF2-40B4-BE49-F238E27FC236}">
-                <a16:creationId xmlns:a16="http://schemas.microsoft.com/office/drawing/2014/main" id="{24686536-66C2-2444-9D60-0E8323A5BF15}"/>
+                <a16:creationId xmlns:a16="http://schemas.microsoft.com/office/drawing/2014/main" xmlns="" id="{24686536-66C2-2444-9D60-0E8323A5BF15}"/>
               </a:ext>
             </a:extLst>
           </p:cNvPr>
@@ -1408,7 +1408,7 @@
           <a:p>
             <a:fld id="{11FEC548-63AB-9B43-9519-48F21B3F6E07}" type="datetimeFigureOut">
               <a:rPr lang="en-US" smtClean="0"/>
-              <a:t>2/11/20</a:t>
+              <a:t>2/11/2020</a:t>
             </a:fld>
             <a:endParaRPr lang="en-US"/>
           </a:p>
@@ -1419,7 +1419,7 @@
           <p:cNvPr id="5" name="Footer Placeholder 4">
             <a:extLst>
               <a:ext uri="{FF2B5EF4-FFF2-40B4-BE49-F238E27FC236}">
-                <a16:creationId xmlns:a16="http://schemas.microsoft.com/office/drawing/2014/main" id="{4B0C8D58-1406-CD49-AEC2-7965A7731A5F}"/>
+                <a16:creationId xmlns:a16="http://schemas.microsoft.com/office/drawing/2014/main" xmlns="" id="{4B0C8D58-1406-CD49-AEC2-7965A7731A5F}"/>
               </a:ext>
             </a:extLst>
           </p:cNvPr>
@@ -1444,7 +1444,7 @@
           <p:cNvPr id="6" name="Slide Number Placeholder 5">
             <a:extLst>
               <a:ext uri="{FF2B5EF4-FFF2-40B4-BE49-F238E27FC236}">
-                <a16:creationId xmlns:a16="http://schemas.microsoft.com/office/drawing/2014/main" id="{F3258B32-6420-1044-AD66-F75B81100C03}"/>
+                <a16:creationId xmlns:a16="http://schemas.microsoft.com/office/drawing/2014/main" xmlns="" id="{F3258B32-6420-1044-AD66-F75B81100C03}"/>
               </a:ext>
             </a:extLst>
           </p:cNvPr>
@@ -1503,7 +1503,7 @@
           <p:cNvPr id="2" name="Title 1">
             <a:extLst>
               <a:ext uri="{FF2B5EF4-FFF2-40B4-BE49-F238E27FC236}">
-                <a16:creationId xmlns:a16="http://schemas.microsoft.com/office/drawing/2014/main" id="{1880836E-9666-0140-AF54-AE39C92D55B4}"/>
+                <a16:creationId xmlns:a16="http://schemas.microsoft.com/office/drawing/2014/main" xmlns="" id="{1880836E-9666-0140-AF54-AE39C92D55B4}"/>
               </a:ext>
             </a:extLst>
           </p:cNvPr>
@@ -1541,7 +1541,7 @@
           <p:cNvPr id="3" name="Text Placeholder 2">
             <a:extLst>
               <a:ext uri="{FF2B5EF4-FFF2-40B4-BE49-F238E27FC236}">
-                <a16:creationId xmlns:a16="http://schemas.microsoft.com/office/drawing/2014/main" id="{855AC682-F4B4-084C-B7AA-E9C1659422D9}"/>
+                <a16:creationId xmlns:a16="http://schemas.microsoft.com/office/drawing/2014/main" xmlns="" id="{855AC682-F4B4-084C-B7AA-E9C1659422D9}"/>
               </a:ext>
             </a:extLst>
           </p:cNvPr>
@@ -1666,7 +1666,7 @@
           <p:cNvPr id="4" name="Date Placeholder 3">
             <a:extLst>
               <a:ext uri="{FF2B5EF4-FFF2-40B4-BE49-F238E27FC236}">
-                <a16:creationId xmlns:a16="http://schemas.microsoft.com/office/drawing/2014/main" id="{7F1C9DB4-098B-2E44-81F8-65BB2E720267}"/>
+                <a16:creationId xmlns:a16="http://schemas.microsoft.com/office/drawing/2014/main" xmlns="" id="{7F1C9DB4-098B-2E44-81F8-65BB2E720267}"/>
               </a:ext>
             </a:extLst>
           </p:cNvPr>
@@ -1684,7 +1684,7 @@
           <a:p>
             <a:fld id="{11FEC548-63AB-9B43-9519-48F21B3F6E07}" type="datetimeFigureOut">
               <a:rPr lang="en-US" smtClean="0"/>
-              <a:t>2/11/20</a:t>
+              <a:t>2/11/2020</a:t>
             </a:fld>
             <a:endParaRPr lang="en-US"/>
           </a:p>
@@ -1695,7 +1695,7 @@
           <p:cNvPr id="5" name="Footer Placeholder 4">
             <a:extLst>
               <a:ext uri="{FF2B5EF4-FFF2-40B4-BE49-F238E27FC236}">
-                <a16:creationId xmlns:a16="http://schemas.microsoft.com/office/drawing/2014/main" id="{4ADCBE44-18BB-1744-9018-75155F1120ED}"/>
+                <a16:creationId xmlns:a16="http://schemas.microsoft.com/office/drawing/2014/main" xmlns="" id="{4ADCBE44-18BB-1744-9018-75155F1120ED}"/>
               </a:ext>
             </a:extLst>
           </p:cNvPr>
@@ -1720,7 +1720,7 @@
           <p:cNvPr id="6" name="Slide Number Placeholder 5">
             <a:extLst>
               <a:ext uri="{FF2B5EF4-FFF2-40B4-BE49-F238E27FC236}">
-                <a16:creationId xmlns:a16="http://schemas.microsoft.com/office/drawing/2014/main" id="{3032323F-6B05-BA4C-9EA1-E871BE0E05A9}"/>
+                <a16:creationId xmlns:a16="http://schemas.microsoft.com/office/drawing/2014/main" xmlns="" id="{3032323F-6B05-BA4C-9EA1-E871BE0E05A9}"/>
               </a:ext>
             </a:extLst>
           </p:cNvPr>
@@ -1779,7 +1779,7 @@
           <p:cNvPr id="2" name="Title 1">
             <a:extLst>
               <a:ext uri="{FF2B5EF4-FFF2-40B4-BE49-F238E27FC236}">
-                <a16:creationId xmlns:a16="http://schemas.microsoft.com/office/drawing/2014/main" id="{9D8B1BB0-03E0-EC49-89C6-61AD4C97F734}"/>
+                <a16:creationId xmlns:a16="http://schemas.microsoft.com/office/drawing/2014/main" xmlns="" id="{9D8B1BB0-03E0-EC49-89C6-61AD4C97F734}"/>
               </a:ext>
             </a:extLst>
           </p:cNvPr>
@@ -1808,7 +1808,7 @@
           <p:cNvPr id="3" name="Content Placeholder 2">
             <a:extLst>
               <a:ext uri="{FF2B5EF4-FFF2-40B4-BE49-F238E27FC236}">
-                <a16:creationId xmlns:a16="http://schemas.microsoft.com/office/drawing/2014/main" id="{F6285CAB-2054-ED4B-8843-C45085EEE50C}"/>
+                <a16:creationId xmlns:a16="http://schemas.microsoft.com/office/drawing/2014/main" xmlns="" id="{F6285CAB-2054-ED4B-8843-C45085EEE50C}"/>
               </a:ext>
             </a:extLst>
           </p:cNvPr>
@@ -1871,7 +1871,7 @@
           <p:cNvPr id="4" name="Content Placeholder 3">
             <a:extLst>
               <a:ext uri="{FF2B5EF4-FFF2-40B4-BE49-F238E27FC236}">
-                <a16:creationId xmlns:a16="http://schemas.microsoft.com/office/drawing/2014/main" id="{94AC0EA0-C377-BA40-A6F2-6E067AC238AF}"/>
+                <a16:creationId xmlns:a16="http://schemas.microsoft.com/office/drawing/2014/main" xmlns="" id="{94AC0EA0-C377-BA40-A6F2-6E067AC238AF}"/>
               </a:ext>
             </a:extLst>
           </p:cNvPr>
@@ -1934,7 +1934,7 @@
           <p:cNvPr id="5" name="Date Placeholder 4">
             <a:extLst>
               <a:ext uri="{FF2B5EF4-FFF2-40B4-BE49-F238E27FC236}">
-                <a16:creationId xmlns:a16="http://schemas.microsoft.com/office/drawing/2014/main" id="{FD57F39C-4961-464D-8868-22E8888ED057}"/>
+                <a16:creationId xmlns:a16="http://schemas.microsoft.com/office/drawing/2014/main" xmlns="" id="{FD57F39C-4961-464D-8868-22E8888ED057}"/>
               </a:ext>
             </a:extLst>
           </p:cNvPr>
@@ -1952,7 +1952,7 @@
           <a:p>
             <a:fld id="{11FEC548-63AB-9B43-9519-48F21B3F6E07}" type="datetimeFigureOut">
               <a:rPr lang="en-US" smtClean="0"/>
-              <a:t>2/11/20</a:t>
+              <a:t>2/11/2020</a:t>
             </a:fld>
             <a:endParaRPr lang="en-US"/>
           </a:p>
@@ -1963,7 +1963,7 @@
           <p:cNvPr id="6" name="Footer Placeholder 5">
             <a:extLst>
               <a:ext uri="{FF2B5EF4-FFF2-40B4-BE49-F238E27FC236}">
-                <a16:creationId xmlns:a16="http://schemas.microsoft.com/office/drawing/2014/main" id="{7CB6D737-25FB-144E-B9ED-14387B45DE51}"/>
+                <a16:creationId xmlns:a16="http://schemas.microsoft.com/office/drawing/2014/main" xmlns="" id="{7CB6D737-25FB-144E-B9ED-14387B45DE51}"/>
               </a:ext>
             </a:extLst>
           </p:cNvPr>
@@ -1988,7 +1988,7 @@
           <p:cNvPr id="7" name="Slide Number Placeholder 6">
             <a:extLst>
               <a:ext uri="{FF2B5EF4-FFF2-40B4-BE49-F238E27FC236}">
-                <a16:creationId xmlns:a16="http://schemas.microsoft.com/office/drawing/2014/main" id="{DE8E1DD5-B73D-3F40-8B7E-C4DD7627C63C}"/>
+                <a16:creationId xmlns:a16="http://schemas.microsoft.com/office/drawing/2014/main" xmlns="" id="{DE8E1DD5-B73D-3F40-8B7E-C4DD7627C63C}"/>
               </a:ext>
             </a:extLst>
           </p:cNvPr>
@@ -2047,7 +2047,7 @@
           <p:cNvPr id="2" name="Title 1">
             <a:extLst>
               <a:ext uri="{FF2B5EF4-FFF2-40B4-BE49-F238E27FC236}">
-                <a16:creationId xmlns:a16="http://schemas.microsoft.com/office/drawing/2014/main" id="{A609B87D-5136-2F40-A111-9E208293E095}"/>
+                <a16:creationId xmlns:a16="http://schemas.microsoft.com/office/drawing/2014/main" xmlns="" id="{A609B87D-5136-2F40-A111-9E208293E095}"/>
               </a:ext>
             </a:extLst>
           </p:cNvPr>
@@ -2081,7 +2081,7 @@
           <p:cNvPr id="3" name="Text Placeholder 2">
             <a:extLst>
               <a:ext uri="{FF2B5EF4-FFF2-40B4-BE49-F238E27FC236}">
-                <a16:creationId xmlns:a16="http://schemas.microsoft.com/office/drawing/2014/main" id="{95DBBBDD-ED72-BF49-9AFD-582D9072FE30}"/>
+                <a16:creationId xmlns:a16="http://schemas.microsoft.com/office/drawing/2014/main" xmlns="" id="{95DBBBDD-ED72-BF49-9AFD-582D9072FE30}"/>
               </a:ext>
             </a:extLst>
           </p:cNvPr>
@@ -2152,7 +2152,7 @@
           <p:cNvPr id="4" name="Content Placeholder 3">
             <a:extLst>
               <a:ext uri="{FF2B5EF4-FFF2-40B4-BE49-F238E27FC236}">
-                <a16:creationId xmlns:a16="http://schemas.microsoft.com/office/drawing/2014/main" id="{78E1AA51-BAE7-BA44-A8BA-409DB753F9D2}"/>
+                <a16:creationId xmlns:a16="http://schemas.microsoft.com/office/drawing/2014/main" xmlns="" id="{78E1AA51-BAE7-BA44-A8BA-409DB753F9D2}"/>
               </a:ext>
             </a:extLst>
           </p:cNvPr>
@@ -2215,7 +2215,7 @@
           <p:cNvPr id="5" name="Text Placeholder 4">
             <a:extLst>
               <a:ext uri="{FF2B5EF4-FFF2-40B4-BE49-F238E27FC236}">
-                <a16:creationId xmlns:a16="http://schemas.microsoft.com/office/drawing/2014/main" id="{80A53D3C-A0B4-B64F-9D6A-D7297105990F}"/>
+                <a16:creationId xmlns:a16="http://schemas.microsoft.com/office/drawing/2014/main" xmlns="" id="{80A53D3C-A0B4-B64F-9D6A-D7297105990F}"/>
               </a:ext>
             </a:extLst>
           </p:cNvPr>
@@ -2286,7 +2286,7 @@
           <p:cNvPr id="6" name="Content Placeholder 5">
             <a:extLst>
               <a:ext uri="{FF2B5EF4-FFF2-40B4-BE49-F238E27FC236}">
-                <a16:creationId xmlns:a16="http://schemas.microsoft.com/office/drawing/2014/main" id="{984F74D9-0DE1-C848-8221-73C3B3CFC7A1}"/>
+                <a16:creationId xmlns:a16="http://schemas.microsoft.com/office/drawing/2014/main" xmlns="" id="{984F74D9-0DE1-C848-8221-73C3B3CFC7A1}"/>
               </a:ext>
             </a:extLst>
           </p:cNvPr>
@@ -2349,7 +2349,7 @@
           <p:cNvPr id="7" name="Date Placeholder 6">
             <a:extLst>
               <a:ext uri="{FF2B5EF4-FFF2-40B4-BE49-F238E27FC236}">
-                <a16:creationId xmlns:a16="http://schemas.microsoft.com/office/drawing/2014/main" id="{8C7C3299-57DA-4D41-8A86-F0CBE217BEF5}"/>
+                <a16:creationId xmlns:a16="http://schemas.microsoft.com/office/drawing/2014/main" xmlns="" id="{8C7C3299-57DA-4D41-8A86-F0CBE217BEF5}"/>
               </a:ext>
             </a:extLst>
           </p:cNvPr>
@@ -2367,7 +2367,7 @@
           <a:p>
             <a:fld id="{11FEC548-63AB-9B43-9519-48F21B3F6E07}" type="datetimeFigureOut">
               <a:rPr lang="en-US" smtClean="0"/>
-              <a:t>2/11/20</a:t>
+              <a:t>2/11/2020</a:t>
             </a:fld>
             <a:endParaRPr lang="en-US"/>
           </a:p>
@@ -2378,7 +2378,7 @@
           <p:cNvPr id="8" name="Footer Placeholder 7">
             <a:extLst>
               <a:ext uri="{FF2B5EF4-FFF2-40B4-BE49-F238E27FC236}">
-                <a16:creationId xmlns:a16="http://schemas.microsoft.com/office/drawing/2014/main" id="{26FFC192-5E5D-A840-B928-B0D99C44EA04}"/>
+                <a16:creationId xmlns:a16="http://schemas.microsoft.com/office/drawing/2014/main" xmlns="" id="{26FFC192-5E5D-A840-B928-B0D99C44EA04}"/>
               </a:ext>
             </a:extLst>
           </p:cNvPr>
@@ -2403,7 +2403,7 @@
           <p:cNvPr id="9" name="Slide Number Placeholder 8">
             <a:extLst>
               <a:ext uri="{FF2B5EF4-FFF2-40B4-BE49-F238E27FC236}">
-                <a16:creationId xmlns:a16="http://schemas.microsoft.com/office/drawing/2014/main" id="{5DCF491D-7641-744F-B61A-065D690BCF79}"/>
+                <a16:creationId xmlns:a16="http://schemas.microsoft.com/office/drawing/2014/main" xmlns="" id="{5DCF491D-7641-744F-B61A-065D690BCF79}"/>
               </a:ext>
             </a:extLst>
           </p:cNvPr>
@@ -2462,7 +2462,7 @@
           <p:cNvPr id="2" name="Title 1">
             <a:extLst>
               <a:ext uri="{FF2B5EF4-FFF2-40B4-BE49-F238E27FC236}">
-                <a16:creationId xmlns:a16="http://schemas.microsoft.com/office/drawing/2014/main" id="{AA640281-8822-964A-B237-C24FCCC86B75}"/>
+                <a16:creationId xmlns:a16="http://schemas.microsoft.com/office/drawing/2014/main" xmlns="" id="{AA640281-8822-964A-B237-C24FCCC86B75}"/>
               </a:ext>
             </a:extLst>
           </p:cNvPr>
@@ -2491,7 +2491,7 @@
           <p:cNvPr id="3" name="Date Placeholder 2">
             <a:extLst>
               <a:ext uri="{FF2B5EF4-FFF2-40B4-BE49-F238E27FC236}">
-                <a16:creationId xmlns:a16="http://schemas.microsoft.com/office/drawing/2014/main" id="{BDB0DFDC-0B05-C34A-8791-09F77B4AEBBD}"/>
+                <a16:creationId xmlns:a16="http://schemas.microsoft.com/office/drawing/2014/main" xmlns="" id="{BDB0DFDC-0B05-C34A-8791-09F77B4AEBBD}"/>
               </a:ext>
             </a:extLst>
           </p:cNvPr>
@@ -2509,7 +2509,7 @@
           <a:p>
             <a:fld id="{11FEC548-63AB-9B43-9519-48F21B3F6E07}" type="datetimeFigureOut">
               <a:rPr lang="en-US" smtClean="0"/>
-              <a:t>2/11/20</a:t>
+              <a:t>2/11/2020</a:t>
             </a:fld>
             <a:endParaRPr lang="en-US"/>
           </a:p>
@@ -2520,7 +2520,7 @@
           <p:cNvPr id="4" name="Footer Placeholder 3">
             <a:extLst>
               <a:ext uri="{FF2B5EF4-FFF2-40B4-BE49-F238E27FC236}">
-                <a16:creationId xmlns:a16="http://schemas.microsoft.com/office/drawing/2014/main" id="{F96AA063-B602-B447-8329-7897747A8E4B}"/>
+                <a16:creationId xmlns:a16="http://schemas.microsoft.com/office/drawing/2014/main" xmlns="" id="{F96AA063-B602-B447-8329-7897747A8E4B}"/>
               </a:ext>
             </a:extLst>
           </p:cNvPr>
@@ -2545,7 +2545,7 @@
           <p:cNvPr id="5" name="Slide Number Placeholder 4">
             <a:extLst>
               <a:ext uri="{FF2B5EF4-FFF2-40B4-BE49-F238E27FC236}">
-                <a16:creationId xmlns:a16="http://schemas.microsoft.com/office/drawing/2014/main" id="{AD159A9E-4DF2-3042-84A3-3B173F52F15A}"/>
+                <a16:creationId xmlns:a16="http://schemas.microsoft.com/office/drawing/2014/main" xmlns="" id="{AD159A9E-4DF2-3042-84A3-3B173F52F15A}"/>
               </a:ext>
             </a:extLst>
           </p:cNvPr>
@@ -2604,7 +2604,7 @@
           <p:cNvPr id="2" name="Date Placeholder 1">
             <a:extLst>
               <a:ext uri="{FF2B5EF4-FFF2-40B4-BE49-F238E27FC236}">
-                <a16:creationId xmlns:a16="http://schemas.microsoft.com/office/drawing/2014/main" id="{9A1FAF97-9F84-534B-A78A-C49D51AB8669}"/>
+                <a16:creationId xmlns:a16="http://schemas.microsoft.com/office/drawing/2014/main" xmlns="" id="{9A1FAF97-9F84-534B-A78A-C49D51AB8669}"/>
               </a:ext>
             </a:extLst>
           </p:cNvPr>
@@ -2622,7 +2622,7 @@
           <a:p>
             <a:fld id="{11FEC548-63AB-9B43-9519-48F21B3F6E07}" type="datetimeFigureOut">
               <a:rPr lang="en-US" smtClean="0"/>
-              <a:t>2/11/20</a:t>
+              <a:t>2/11/2020</a:t>
             </a:fld>
             <a:endParaRPr lang="en-US"/>
           </a:p>
@@ -2633,7 +2633,7 @@
           <p:cNvPr id="3" name="Footer Placeholder 2">
             <a:extLst>
               <a:ext uri="{FF2B5EF4-FFF2-40B4-BE49-F238E27FC236}">
-                <a16:creationId xmlns:a16="http://schemas.microsoft.com/office/drawing/2014/main" id="{163787EC-8666-3444-ACEA-2E6840B75A51}"/>
+                <a16:creationId xmlns:a16="http://schemas.microsoft.com/office/drawing/2014/main" xmlns="" id="{163787EC-8666-3444-ACEA-2E6840B75A51}"/>
               </a:ext>
             </a:extLst>
           </p:cNvPr>
@@ -2658,7 +2658,7 @@
           <p:cNvPr id="4" name="Slide Number Placeholder 3">
             <a:extLst>
               <a:ext uri="{FF2B5EF4-FFF2-40B4-BE49-F238E27FC236}">
-                <a16:creationId xmlns:a16="http://schemas.microsoft.com/office/drawing/2014/main" id="{20C08BB5-6149-CF49-9C01-025E30FA2A58}"/>
+                <a16:creationId xmlns:a16="http://schemas.microsoft.com/office/drawing/2014/main" xmlns="" id="{20C08BB5-6149-CF49-9C01-025E30FA2A58}"/>
               </a:ext>
             </a:extLst>
           </p:cNvPr>
@@ -2717,7 +2717,7 @@
           <p:cNvPr id="2" name="Title 1">
             <a:extLst>
               <a:ext uri="{FF2B5EF4-FFF2-40B4-BE49-F238E27FC236}">
-                <a16:creationId xmlns:a16="http://schemas.microsoft.com/office/drawing/2014/main" id="{4BF0FFCA-AF1D-A14D-9E26-0386238793C9}"/>
+                <a16:creationId xmlns:a16="http://schemas.microsoft.com/office/drawing/2014/main" xmlns="" id="{4BF0FFCA-AF1D-A14D-9E26-0386238793C9}"/>
               </a:ext>
             </a:extLst>
           </p:cNvPr>
@@ -2755,7 +2755,7 @@
           <p:cNvPr id="3" name="Content Placeholder 2">
             <a:extLst>
               <a:ext uri="{FF2B5EF4-FFF2-40B4-BE49-F238E27FC236}">
-                <a16:creationId xmlns:a16="http://schemas.microsoft.com/office/drawing/2014/main" id="{2A799945-DEC7-404E-AF33-CB3F6D37B74E}"/>
+                <a16:creationId xmlns:a16="http://schemas.microsoft.com/office/drawing/2014/main" xmlns="" id="{2A799945-DEC7-404E-AF33-CB3F6D37B74E}"/>
               </a:ext>
             </a:extLst>
           </p:cNvPr>
@@ -2846,7 +2846,7 @@
           <p:cNvPr id="4" name="Text Placeholder 3">
             <a:extLst>
               <a:ext uri="{FF2B5EF4-FFF2-40B4-BE49-F238E27FC236}">
-                <a16:creationId xmlns:a16="http://schemas.microsoft.com/office/drawing/2014/main" id="{F57CC1E4-0FE1-CB41-B1BB-50E9EE045FB1}"/>
+                <a16:creationId xmlns:a16="http://schemas.microsoft.com/office/drawing/2014/main" xmlns="" id="{F57CC1E4-0FE1-CB41-B1BB-50E9EE045FB1}"/>
               </a:ext>
             </a:extLst>
           </p:cNvPr>
@@ -2917,7 +2917,7 @@
           <p:cNvPr id="5" name="Date Placeholder 4">
             <a:extLst>
               <a:ext uri="{FF2B5EF4-FFF2-40B4-BE49-F238E27FC236}">
-                <a16:creationId xmlns:a16="http://schemas.microsoft.com/office/drawing/2014/main" id="{92881214-BDD9-3247-A5CA-CF966B21DFDF}"/>
+                <a16:creationId xmlns:a16="http://schemas.microsoft.com/office/drawing/2014/main" xmlns="" id="{92881214-BDD9-3247-A5CA-CF966B21DFDF}"/>
               </a:ext>
             </a:extLst>
           </p:cNvPr>
@@ -2935,7 +2935,7 @@
           <a:p>
             <a:fld id="{11FEC548-63AB-9B43-9519-48F21B3F6E07}" type="datetimeFigureOut">
               <a:rPr lang="en-US" smtClean="0"/>
-              <a:t>2/11/20</a:t>
+              <a:t>2/11/2020</a:t>
             </a:fld>
             <a:endParaRPr lang="en-US"/>
           </a:p>
@@ -2946,7 +2946,7 @@
           <p:cNvPr id="6" name="Footer Placeholder 5">
             <a:extLst>
               <a:ext uri="{FF2B5EF4-FFF2-40B4-BE49-F238E27FC236}">
-                <a16:creationId xmlns:a16="http://schemas.microsoft.com/office/drawing/2014/main" id="{A33CC4A6-F23C-EA4E-BE40-2B992808AE04}"/>
+                <a16:creationId xmlns:a16="http://schemas.microsoft.com/office/drawing/2014/main" xmlns="" id="{A33CC4A6-F23C-EA4E-BE40-2B992808AE04}"/>
               </a:ext>
             </a:extLst>
           </p:cNvPr>
@@ -2971,7 +2971,7 @@
           <p:cNvPr id="7" name="Slide Number Placeholder 6">
             <a:extLst>
               <a:ext uri="{FF2B5EF4-FFF2-40B4-BE49-F238E27FC236}">
-                <a16:creationId xmlns:a16="http://schemas.microsoft.com/office/drawing/2014/main" id="{F3E4B8B6-6397-9F46-BEAB-D7007431D513}"/>
+                <a16:creationId xmlns:a16="http://schemas.microsoft.com/office/drawing/2014/main" xmlns="" id="{F3E4B8B6-6397-9F46-BEAB-D7007431D513}"/>
               </a:ext>
             </a:extLst>
           </p:cNvPr>
@@ -3030,7 +3030,7 @@
           <p:cNvPr id="2" name="Title 1">
             <a:extLst>
               <a:ext uri="{FF2B5EF4-FFF2-40B4-BE49-F238E27FC236}">
-                <a16:creationId xmlns:a16="http://schemas.microsoft.com/office/drawing/2014/main" id="{071D0F94-D5D7-1941-A9F4-F1BBB7183426}"/>
+                <a16:creationId xmlns:a16="http://schemas.microsoft.com/office/drawing/2014/main" xmlns="" id="{071D0F94-D5D7-1941-A9F4-F1BBB7183426}"/>
               </a:ext>
             </a:extLst>
           </p:cNvPr>
@@ -3068,7 +3068,7 @@
           <p:cNvPr id="3" name="Picture Placeholder 2">
             <a:extLst>
               <a:ext uri="{FF2B5EF4-FFF2-40B4-BE49-F238E27FC236}">
-                <a16:creationId xmlns:a16="http://schemas.microsoft.com/office/drawing/2014/main" id="{7097FC74-A3CF-F24B-8D16-560383E4FC62}"/>
+                <a16:creationId xmlns:a16="http://schemas.microsoft.com/office/drawing/2014/main" xmlns="" id="{7097FC74-A3CF-F24B-8D16-560383E4FC62}"/>
               </a:ext>
             </a:extLst>
           </p:cNvPr>
@@ -3135,7 +3135,7 @@
           <p:cNvPr id="4" name="Text Placeholder 3">
             <a:extLst>
               <a:ext uri="{FF2B5EF4-FFF2-40B4-BE49-F238E27FC236}">
-                <a16:creationId xmlns:a16="http://schemas.microsoft.com/office/drawing/2014/main" id="{299F89D8-1260-274E-BB3C-7AE677032796}"/>
+                <a16:creationId xmlns:a16="http://schemas.microsoft.com/office/drawing/2014/main" xmlns="" id="{299F89D8-1260-274E-BB3C-7AE677032796}"/>
               </a:ext>
             </a:extLst>
           </p:cNvPr>
@@ -3206,7 +3206,7 @@
           <p:cNvPr id="5" name="Date Placeholder 4">
             <a:extLst>
               <a:ext uri="{FF2B5EF4-FFF2-40B4-BE49-F238E27FC236}">
-                <a16:creationId xmlns:a16="http://schemas.microsoft.com/office/drawing/2014/main" id="{FC2368EF-1FD1-9C40-B459-5983FF41FB14}"/>
+                <a16:creationId xmlns:a16="http://schemas.microsoft.com/office/drawing/2014/main" xmlns="" id="{FC2368EF-1FD1-9C40-B459-5983FF41FB14}"/>
               </a:ext>
             </a:extLst>
           </p:cNvPr>
@@ -3224,7 +3224,7 @@
           <a:p>
             <a:fld id="{11FEC548-63AB-9B43-9519-48F21B3F6E07}" type="datetimeFigureOut">
               <a:rPr lang="en-US" smtClean="0"/>
-              <a:t>2/11/20</a:t>
+              <a:t>2/11/2020</a:t>
             </a:fld>
             <a:endParaRPr lang="en-US"/>
           </a:p>
@@ -3235,7 +3235,7 @@
           <p:cNvPr id="6" name="Footer Placeholder 5">
             <a:extLst>
               <a:ext uri="{FF2B5EF4-FFF2-40B4-BE49-F238E27FC236}">
-                <a16:creationId xmlns:a16="http://schemas.microsoft.com/office/drawing/2014/main" id="{58B798BF-0EF5-C841-A6AB-7E6A8101CAE6}"/>
+                <a16:creationId xmlns:a16="http://schemas.microsoft.com/office/drawing/2014/main" xmlns="" id="{58B798BF-0EF5-C841-A6AB-7E6A8101CAE6}"/>
               </a:ext>
             </a:extLst>
           </p:cNvPr>
@@ -3260,7 +3260,7 @@
           <p:cNvPr id="7" name="Slide Number Placeholder 6">
             <a:extLst>
               <a:ext uri="{FF2B5EF4-FFF2-40B4-BE49-F238E27FC236}">
-                <a16:creationId xmlns:a16="http://schemas.microsoft.com/office/drawing/2014/main" id="{01CCC26D-3F4A-EE47-A4D2-8FD7A6F6F216}"/>
+                <a16:creationId xmlns:a16="http://schemas.microsoft.com/office/drawing/2014/main" xmlns="" id="{01CCC26D-3F4A-EE47-A4D2-8FD7A6F6F216}"/>
               </a:ext>
             </a:extLst>
           </p:cNvPr>
@@ -3324,7 +3324,7 @@
           <p:cNvPr id="2" name="Title Placeholder 1">
             <a:extLst>
               <a:ext uri="{FF2B5EF4-FFF2-40B4-BE49-F238E27FC236}">
-                <a16:creationId xmlns:a16="http://schemas.microsoft.com/office/drawing/2014/main" id="{5608520A-4E69-3B47-9B06-4891CEEA5050}"/>
+                <a16:creationId xmlns:a16="http://schemas.microsoft.com/office/drawing/2014/main" xmlns="" id="{5608520A-4E69-3B47-9B06-4891CEEA5050}"/>
               </a:ext>
             </a:extLst>
           </p:cNvPr>
@@ -3363,7 +3363,7 @@
           <p:cNvPr id="3" name="Text Placeholder 2">
             <a:extLst>
               <a:ext uri="{FF2B5EF4-FFF2-40B4-BE49-F238E27FC236}">
-                <a16:creationId xmlns:a16="http://schemas.microsoft.com/office/drawing/2014/main" id="{2DEFF16C-7C72-814A-A9E9-D92AF8A63BDC}"/>
+                <a16:creationId xmlns:a16="http://schemas.microsoft.com/office/drawing/2014/main" xmlns="" id="{2DEFF16C-7C72-814A-A9E9-D92AF8A63BDC}"/>
               </a:ext>
             </a:extLst>
           </p:cNvPr>
@@ -3431,7 +3431,7 @@
           <p:cNvPr id="4" name="Date Placeholder 3">
             <a:extLst>
               <a:ext uri="{FF2B5EF4-FFF2-40B4-BE49-F238E27FC236}">
-                <a16:creationId xmlns:a16="http://schemas.microsoft.com/office/drawing/2014/main" id="{64BA5B09-3D15-B649-A1C7-54872A7CF964}"/>
+                <a16:creationId xmlns:a16="http://schemas.microsoft.com/office/drawing/2014/main" xmlns="" id="{64BA5B09-3D15-B649-A1C7-54872A7CF964}"/>
               </a:ext>
             </a:extLst>
           </p:cNvPr>
@@ -3469,7 +3469,7 @@
             <a:fld id="{11FEC548-63AB-9B43-9519-48F21B3F6E07}" type="datetimeFigureOut">
               <a:rPr lang="en-US" smtClean="0"/>
               <a:pPr/>
-              <a:t>2/11/20</a:t>
+              <a:t>2/11/2020</a:t>
             </a:fld>
             <a:endParaRPr lang="en-US" dirty="0"/>
           </a:p>
@@ -3480,7 +3480,7 @@
           <p:cNvPr id="5" name="Footer Placeholder 4">
             <a:extLst>
               <a:ext uri="{FF2B5EF4-FFF2-40B4-BE49-F238E27FC236}">
-                <a16:creationId xmlns:a16="http://schemas.microsoft.com/office/drawing/2014/main" id="{1C625431-DA62-2A4F-AF3F-778AF1B4919E}"/>
+                <a16:creationId xmlns:a16="http://schemas.microsoft.com/office/drawing/2014/main" xmlns="" id="{1C625431-DA62-2A4F-AF3F-778AF1B4919E}"/>
               </a:ext>
             </a:extLst>
           </p:cNvPr>
@@ -3524,7 +3524,7 @@
           <p:cNvPr id="6" name="Slide Number Placeholder 5">
             <a:extLst>
               <a:ext uri="{FF2B5EF4-FFF2-40B4-BE49-F238E27FC236}">
-                <a16:creationId xmlns:a16="http://schemas.microsoft.com/office/drawing/2014/main" id="{D9396B23-855C-4148-830B-7F82A1C34200}"/>
+                <a16:creationId xmlns:a16="http://schemas.microsoft.com/office/drawing/2014/main" xmlns="" id="{D9396B23-855C-4148-830B-7F82A1C34200}"/>
               </a:ext>
             </a:extLst>
           </p:cNvPr>
@@ -3894,7 +3894,7 @@
           <p:cNvPr id="4" name="Rectangle 3">
             <a:extLst>
               <a:ext uri="{FF2B5EF4-FFF2-40B4-BE49-F238E27FC236}">
-                <a16:creationId xmlns:a16="http://schemas.microsoft.com/office/drawing/2014/main" id="{52399E25-A602-9041-B288-6B53FD2743D4}"/>
+                <a16:creationId xmlns:a16="http://schemas.microsoft.com/office/drawing/2014/main" xmlns="" id="{52399E25-A602-9041-B288-6B53FD2743D4}"/>
               </a:ext>
             </a:extLst>
           </p:cNvPr>
@@ -3946,7 +3946,7 @@
           <p:cNvPr id="2" name="Title 1">
             <a:extLst>
               <a:ext uri="{FF2B5EF4-FFF2-40B4-BE49-F238E27FC236}">
-                <a16:creationId xmlns:a16="http://schemas.microsoft.com/office/drawing/2014/main" id="{787133F6-61C4-9C4C-B0D3-E7ACAB59E4CB}"/>
+                <a16:creationId xmlns:a16="http://schemas.microsoft.com/office/drawing/2014/main" xmlns="" id="{787133F6-61C4-9C4C-B0D3-E7ACAB59E4CB}"/>
               </a:ext>
             </a:extLst>
           </p:cNvPr>
@@ -3994,7 +3994,7 @@
           <p:cNvPr id="3" name="Subtitle 2">
             <a:extLst>
               <a:ext uri="{FF2B5EF4-FFF2-40B4-BE49-F238E27FC236}">
-                <a16:creationId xmlns:a16="http://schemas.microsoft.com/office/drawing/2014/main" id="{2AD8C353-FDA8-BA42-AFBC-651B7D3BAEC4}"/>
+                <a16:creationId xmlns:a16="http://schemas.microsoft.com/office/drawing/2014/main" xmlns="" id="{2AD8C353-FDA8-BA42-AFBC-651B7D3BAEC4}"/>
               </a:ext>
             </a:extLst>
           </p:cNvPr>
@@ -4079,7 +4079,7 @@
           <p:cNvPr id="9" name="Rectangle 8">
             <a:extLst>
               <a:ext uri="{FF2B5EF4-FFF2-40B4-BE49-F238E27FC236}">
-                <a16:creationId xmlns:a16="http://schemas.microsoft.com/office/drawing/2014/main" id="{94788CB8-F337-3D4A-96A2-15975A9682C1}"/>
+                <a16:creationId xmlns:a16="http://schemas.microsoft.com/office/drawing/2014/main" xmlns="" id="{94788CB8-F337-3D4A-96A2-15975A9682C1}"/>
               </a:ext>
             </a:extLst>
           </p:cNvPr>
@@ -4131,7 +4131,7 @@
           <p:cNvPr id="6" name="Title 1">
             <a:extLst>
               <a:ext uri="{FF2B5EF4-FFF2-40B4-BE49-F238E27FC236}">
-                <a16:creationId xmlns:a16="http://schemas.microsoft.com/office/drawing/2014/main" id="{FE570DEB-EC52-0942-858A-C58059A724DE}"/>
+                <a16:creationId xmlns:a16="http://schemas.microsoft.com/office/drawing/2014/main" xmlns="" id="{FE570DEB-EC52-0942-858A-C58059A724DE}"/>
               </a:ext>
             </a:extLst>
           </p:cNvPr>
@@ -4236,7 +4236,7 @@
           <p:cNvPr id="2" name="Title 1">
             <a:extLst>
               <a:ext uri="{FF2B5EF4-FFF2-40B4-BE49-F238E27FC236}">
-                <a16:creationId xmlns:a16="http://schemas.microsoft.com/office/drawing/2014/main" id="{3820A429-5ECD-EC4A-B430-BC96EE2088AE}"/>
+                <a16:creationId xmlns:a16="http://schemas.microsoft.com/office/drawing/2014/main" xmlns="" id="{3820A429-5ECD-EC4A-B430-BC96EE2088AE}"/>
               </a:ext>
             </a:extLst>
           </p:cNvPr>
@@ -4264,7 +4264,7 @@
           <p:cNvPr id="14" name="TextBox 13">
             <a:extLst>
               <a:ext uri="{FF2B5EF4-FFF2-40B4-BE49-F238E27FC236}">
-                <a16:creationId xmlns:a16="http://schemas.microsoft.com/office/drawing/2014/main" id="{0FBAC7A0-B2CA-A947-B2C8-6424AA7C138A}"/>
+                <a16:creationId xmlns:a16="http://schemas.microsoft.com/office/drawing/2014/main" xmlns="" id="{0FBAC7A0-B2CA-A947-B2C8-6424AA7C138A}"/>
               </a:ext>
             </a:extLst>
           </p:cNvPr>
@@ -4299,7 +4299,7 @@
           <p:cNvPr id="15" name="TextBox 14">
             <a:extLst>
               <a:ext uri="{FF2B5EF4-FFF2-40B4-BE49-F238E27FC236}">
-                <a16:creationId xmlns:a16="http://schemas.microsoft.com/office/drawing/2014/main" id="{0A3C0122-EA80-8247-A031-566A6A8C7CB6}"/>
+                <a16:creationId xmlns:a16="http://schemas.microsoft.com/office/drawing/2014/main" xmlns="" id="{0A3C0122-EA80-8247-A031-566A6A8C7CB6}"/>
               </a:ext>
             </a:extLst>
           </p:cNvPr>
@@ -4334,7 +4334,7 @@
           <p:cNvPr id="16" name="Rectangle 15">
             <a:extLst>
               <a:ext uri="{FF2B5EF4-FFF2-40B4-BE49-F238E27FC236}">
-                <a16:creationId xmlns:a16="http://schemas.microsoft.com/office/drawing/2014/main" id="{D36ED0B8-3843-444A-802E-5438D1F2020A}"/>
+                <a16:creationId xmlns:a16="http://schemas.microsoft.com/office/drawing/2014/main" xmlns="" id="{D36ED0B8-3843-444A-802E-5438D1F2020A}"/>
               </a:ext>
             </a:extLst>
           </p:cNvPr>
@@ -4386,7 +4386,7 @@
           <p:cNvPr id="17" name="Title 1">
             <a:extLst>
               <a:ext uri="{FF2B5EF4-FFF2-40B4-BE49-F238E27FC236}">
-                <a16:creationId xmlns:a16="http://schemas.microsoft.com/office/drawing/2014/main" id="{014DF31C-EDBD-BF46-B682-2F64B833DAA9}"/>
+                <a16:creationId xmlns:a16="http://schemas.microsoft.com/office/drawing/2014/main" xmlns="" id="{014DF31C-EDBD-BF46-B682-2F64B833DAA9}"/>
               </a:ext>
             </a:extLst>
           </p:cNvPr>
@@ -4449,7 +4449,7 @@
           <p:cNvPr id="28" name="Group 27">
             <a:extLst>
               <a:ext uri="{FF2B5EF4-FFF2-40B4-BE49-F238E27FC236}">
-                <a16:creationId xmlns:a16="http://schemas.microsoft.com/office/drawing/2014/main" id="{FD04F676-AA3D-DB4B-91C5-4DDE8101F6AB}"/>
+                <a16:creationId xmlns:a16="http://schemas.microsoft.com/office/drawing/2014/main" xmlns="" id="{FD04F676-AA3D-DB4B-91C5-4DDE8101F6AB}"/>
               </a:ext>
             </a:extLst>
           </p:cNvPr>
@@ -4469,7 +4469,7 @@
             <p:cNvPr id="11" name="Picture 10">
               <a:extLst>
                 <a:ext uri="{FF2B5EF4-FFF2-40B4-BE49-F238E27FC236}">
-                  <a16:creationId xmlns:a16="http://schemas.microsoft.com/office/drawing/2014/main" id="{BC6A7968-73F5-AF4A-B15A-2288A4536090}"/>
+                  <a16:creationId xmlns:a16="http://schemas.microsoft.com/office/drawing/2014/main" xmlns="" id="{BC6A7968-73F5-AF4A-B15A-2288A4536090}"/>
                 </a:ext>
               </a:extLst>
             </p:cNvPr>
@@ -4498,7 +4498,7 @@
             <p:cNvPr id="19" name="Graphic 18">
               <a:extLst>
                 <a:ext uri="{FF2B5EF4-FFF2-40B4-BE49-F238E27FC236}">
-                  <a16:creationId xmlns:a16="http://schemas.microsoft.com/office/drawing/2014/main" id="{C6498123-492D-FF49-8AE5-0AB54D8D0B4D}"/>
+                  <a16:creationId xmlns:a16="http://schemas.microsoft.com/office/drawing/2014/main" xmlns="" id="{C6498123-492D-FF49-8AE5-0AB54D8D0B4D}"/>
                 </a:ext>
               </a:extLst>
             </p:cNvPr>
@@ -4511,7 +4511,7 @@
             <a:blip r:embed="rId4">
               <a:extLst>
                 <a:ext uri="{96DAC541-7B7A-43D3-8B79-37D633B846F1}">
-                  <asvg:svgBlip xmlns:asvg="http://schemas.microsoft.com/office/drawing/2016/SVG/main" r:embed="rId5"/>
+                  <asvg:svgBlip xmlns:asvg="http://schemas.microsoft.com/office/drawing/2016/SVG/main" xmlns="" r:embed="rId5"/>
                 </a:ext>
               </a:extLst>
             </a:blip>
@@ -4535,7 +4535,7 @@
           <p:cNvPr id="32" name="Group 31">
             <a:extLst>
               <a:ext uri="{FF2B5EF4-FFF2-40B4-BE49-F238E27FC236}">
-                <a16:creationId xmlns:a16="http://schemas.microsoft.com/office/drawing/2014/main" id="{DE567354-8BE1-494A-84B5-51FF580E39FA}"/>
+                <a16:creationId xmlns:a16="http://schemas.microsoft.com/office/drawing/2014/main" xmlns="" id="{DE567354-8BE1-494A-84B5-51FF580E39FA}"/>
               </a:ext>
             </a:extLst>
           </p:cNvPr>
@@ -4555,7 +4555,7 @@
             <p:cNvPr id="13" name="Picture 12">
               <a:extLst>
                 <a:ext uri="{FF2B5EF4-FFF2-40B4-BE49-F238E27FC236}">
-                  <a16:creationId xmlns:a16="http://schemas.microsoft.com/office/drawing/2014/main" id="{776395B6-F895-1D40-9A72-25DEA79932BF}"/>
+                  <a16:creationId xmlns:a16="http://schemas.microsoft.com/office/drawing/2014/main" xmlns="" id="{776395B6-F895-1D40-9A72-25DEA79932BF}"/>
                 </a:ext>
               </a:extLst>
             </p:cNvPr>
@@ -4584,7 +4584,7 @@
             <p:cNvPr id="27" name="Picture 26" descr="A picture containing food&#10;&#10;Description automatically generated">
               <a:extLst>
                 <a:ext uri="{FF2B5EF4-FFF2-40B4-BE49-F238E27FC236}">
-                  <a16:creationId xmlns:a16="http://schemas.microsoft.com/office/drawing/2014/main" id="{2225B208-87C2-E04A-B85C-8E3009682660}"/>
+                  <a16:creationId xmlns:a16="http://schemas.microsoft.com/office/drawing/2014/main" xmlns="" id="{2225B208-87C2-E04A-B85C-8E3009682660}"/>
                 </a:ext>
               </a:extLst>
             </p:cNvPr>
@@ -4615,7 +4615,7 @@
           <p:cNvPr id="31" name="Group 30">
             <a:extLst>
               <a:ext uri="{FF2B5EF4-FFF2-40B4-BE49-F238E27FC236}">
-                <a16:creationId xmlns:a16="http://schemas.microsoft.com/office/drawing/2014/main" id="{B140EA06-C085-7E41-B264-05EEF62A006E}"/>
+                <a16:creationId xmlns:a16="http://schemas.microsoft.com/office/drawing/2014/main" xmlns="" id="{B140EA06-C085-7E41-B264-05EEF62A006E}"/>
               </a:ext>
             </a:extLst>
           </p:cNvPr>
@@ -4635,7 +4635,7 @@
             <p:cNvPr id="12" name="Picture 11">
               <a:extLst>
                 <a:ext uri="{FF2B5EF4-FFF2-40B4-BE49-F238E27FC236}">
-                  <a16:creationId xmlns:a16="http://schemas.microsoft.com/office/drawing/2014/main" id="{825B0B4F-8B29-F444-8176-4E47A248A66E}"/>
+                  <a16:creationId xmlns:a16="http://schemas.microsoft.com/office/drawing/2014/main" xmlns="" id="{825B0B4F-8B29-F444-8176-4E47A248A66E}"/>
                 </a:ext>
               </a:extLst>
             </p:cNvPr>
@@ -4664,7 +4664,7 @@
             <p:cNvPr id="23" name="Picture 22" descr="A close up of a sign&#10;&#10;Description automatically generated">
               <a:extLst>
                 <a:ext uri="{FF2B5EF4-FFF2-40B4-BE49-F238E27FC236}">
-                  <a16:creationId xmlns:a16="http://schemas.microsoft.com/office/drawing/2014/main" id="{BF85C593-FB8F-0E4F-8050-4BFD6F988F9E}"/>
+                  <a16:creationId xmlns:a16="http://schemas.microsoft.com/office/drawing/2014/main" xmlns="" id="{BF85C593-FB8F-0E4F-8050-4BFD6F988F9E}"/>
                 </a:ext>
               </a:extLst>
             </p:cNvPr>
@@ -4694,7 +4694,7 @@
             <p:cNvPr id="30" name="Picture 29" descr="A picture containing drawing&#10;&#10;Description automatically generated">
               <a:extLst>
                 <a:ext uri="{FF2B5EF4-FFF2-40B4-BE49-F238E27FC236}">
-                  <a16:creationId xmlns:a16="http://schemas.microsoft.com/office/drawing/2014/main" id="{0585BE38-7EE1-A54F-831E-4DE0169B7D3C}"/>
+                  <a16:creationId xmlns:a16="http://schemas.microsoft.com/office/drawing/2014/main" xmlns="" id="{0585BE38-7EE1-A54F-831E-4DE0169B7D3C}"/>
                 </a:ext>
               </a:extLst>
             </p:cNvPr>
@@ -5014,7 +5014,7 @@
           <p:cNvPr id="2" name="Title 1">
             <a:extLst>
               <a:ext uri="{FF2B5EF4-FFF2-40B4-BE49-F238E27FC236}">
-                <a16:creationId xmlns:a16="http://schemas.microsoft.com/office/drawing/2014/main" id="{14BB26A9-F1B6-FB46-8486-2718F871DA9F}"/>
+                <a16:creationId xmlns:a16="http://schemas.microsoft.com/office/drawing/2014/main" xmlns="" id="{14BB26A9-F1B6-FB46-8486-2718F871DA9F}"/>
               </a:ext>
             </a:extLst>
           </p:cNvPr>
@@ -5042,7 +5042,7 @@
           <p:cNvPr id="15" name="Picture 14" descr="A screenshot of a cell phone&#10;&#10;Description automatically generated">
             <a:extLst>
               <a:ext uri="{FF2B5EF4-FFF2-40B4-BE49-F238E27FC236}">
-                <a16:creationId xmlns:a16="http://schemas.microsoft.com/office/drawing/2014/main" id="{7B9824A7-7DAA-3C42-88A7-A81C0C4FC6A1}"/>
+                <a16:creationId xmlns:a16="http://schemas.microsoft.com/office/drawing/2014/main" xmlns="" id="{7B9824A7-7DAA-3C42-88A7-A81C0C4FC6A1}"/>
               </a:ext>
             </a:extLst>
           </p:cNvPr>
@@ -5072,7 +5072,7 @@
           <p:cNvPr id="16" name="Rectangle 15">
             <a:extLst>
               <a:ext uri="{FF2B5EF4-FFF2-40B4-BE49-F238E27FC236}">
-                <a16:creationId xmlns:a16="http://schemas.microsoft.com/office/drawing/2014/main" id="{015F3742-CE40-2049-BF43-741ABA6DB166}"/>
+                <a16:creationId xmlns:a16="http://schemas.microsoft.com/office/drawing/2014/main" xmlns="" id="{015F3742-CE40-2049-BF43-741ABA6DB166}"/>
               </a:ext>
             </a:extLst>
           </p:cNvPr>
@@ -5124,7 +5124,7 @@
           <p:cNvPr id="17" name="Title 1">
             <a:extLst>
               <a:ext uri="{FF2B5EF4-FFF2-40B4-BE49-F238E27FC236}">
-                <a16:creationId xmlns:a16="http://schemas.microsoft.com/office/drawing/2014/main" id="{72A9C31B-351F-3B41-A668-76B6C28EB75A}"/>
+                <a16:creationId xmlns:a16="http://schemas.microsoft.com/office/drawing/2014/main" xmlns="" id="{72A9C31B-351F-3B41-A668-76B6C28EB75A}"/>
               </a:ext>
             </a:extLst>
           </p:cNvPr>
@@ -5187,6 +5187,13 @@
   <p:clrMapOvr>
     <a:masterClrMapping/>
   </p:clrMapOvr>
+  <p:timing>
+    <p:tnLst>
+      <p:par>
+        <p:cTn id="1" dur="indefinite" restart="never" nodeType="tmRoot"/>
+      </p:par>
+    </p:tnLst>
+  </p:timing>
 </p:sld>
 </file>
 
@@ -5212,7 +5219,7 @@
           <p:cNvPr id="2" name="Title 1">
             <a:extLst>
               <a:ext uri="{FF2B5EF4-FFF2-40B4-BE49-F238E27FC236}">
-                <a16:creationId xmlns:a16="http://schemas.microsoft.com/office/drawing/2014/main" id="{14BB26A9-F1B6-FB46-8486-2718F871DA9F}"/>
+                <a16:creationId xmlns:a16="http://schemas.microsoft.com/office/drawing/2014/main" xmlns="" id="{14BB26A9-F1B6-FB46-8486-2718F871DA9F}"/>
               </a:ext>
             </a:extLst>
           </p:cNvPr>
@@ -5240,7 +5247,7 @@
           <p:cNvPr id="4" name="Picture 3" descr="A screenshot of a cell phone&#10;&#10;Description automatically generated">
             <a:extLst>
               <a:ext uri="{FF2B5EF4-FFF2-40B4-BE49-F238E27FC236}">
-                <a16:creationId xmlns:a16="http://schemas.microsoft.com/office/drawing/2014/main" id="{A9E9CD81-5508-D64A-8E38-DC4EF6DE3320}"/>
+                <a16:creationId xmlns:a16="http://schemas.microsoft.com/office/drawing/2014/main" xmlns="" id="{A9E9CD81-5508-D64A-8E38-DC4EF6DE3320}"/>
               </a:ext>
             </a:extLst>
           </p:cNvPr>
@@ -5270,7 +5277,7 @@
           <p:cNvPr id="6" name="Rectangle 5">
             <a:extLst>
               <a:ext uri="{FF2B5EF4-FFF2-40B4-BE49-F238E27FC236}">
-                <a16:creationId xmlns:a16="http://schemas.microsoft.com/office/drawing/2014/main" id="{85BC34CC-7E49-C242-8ECE-9880297D2998}"/>
+                <a16:creationId xmlns:a16="http://schemas.microsoft.com/office/drawing/2014/main" xmlns="" id="{85BC34CC-7E49-C242-8ECE-9880297D2998}"/>
               </a:ext>
             </a:extLst>
           </p:cNvPr>
@@ -5322,7 +5329,7 @@
           <p:cNvPr id="7" name="Title 1">
             <a:extLst>
               <a:ext uri="{FF2B5EF4-FFF2-40B4-BE49-F238E27FC236}">
-                <a16:creationId xmlns:a16="http://schemas.microsoft.com/office/drawing/2014/main" id="{A1DFBAC2-657F-8746-9F98-3FABC49E4EE7}"/>
+                <a16:creationId xmlns:a16="http://schemas.microsoft.com/office/drawing/2014/main" xmlns="" id="{A1DFBAC2-657F-8746-9F98-3FABC49E4EE7}"/>
               </a:ext>
             </a:extLst>
           </p:cNvPr>
@@ -5390,6 +5397,13 @@
   <p:clrMapOvr>
     <a:masterClrMapping/>
   </p:clrMapOvr>
+  <p:timing>
+    <p:tnLst>
+      <p:par>
+        <p:cTn id="1" dur="indefinite" restart="never" nodeType="tmRoot"/>
+      </p:par>
+    </p:tnLst>
+  </p:timing>
 </p:sld>
 </file>
 
@@ -5415,7 +5429,7 @@
           <p:cNvPr id="2" name="Title 1">
             <a:extLst>
               <a:ext uri="{FF2B5EF4-FFF2-40B4-BE49-F238E27FC236}">
-                <a16:creationId xmlns:a16="http://schemas.microsoft.com/office/drawing/2014/main" id="{276FA0D4-C954-984C-9472-2285DDA32842}"/>
+                <a16:creationId xmlns:a16="http://schemas.microsoft.com/office/drawing/2014/main" xmlns="" id="{276FA0D4-C954-984C-9472-2285DDA32842}"/>
               </a:ext>
             </a:extLst>
           </p:cNvPr>
@@ -5443,7 +5457,7 @@
           <p:cNvPr id="5" name="Picture 4" descr="A picture containing text, map&#10;&#10;Description automatically generated">
             <a:extLst>
               <a:ext uri="{FF2B5EF4-FFF2-40B4-BE49-F238E27FC236}">
-                <a16:creationId xmlns:a16="http://schemas.microsoft.com/office/drawing/2014/main" id="{D60205EE-4646-3B46-8932-AE42D7FCEFDE}"/>
+                <a16:creationId xmlns:a16="http://schemas.microsoft.com/office/drawing/2014/main" xmlns="" id="{D60205EE-4646-3B46-8932-AE42D7FCEFDE}"/>
               </a:ext>
             </a:extLst>
           </p:cNvPr>
@@ -5473,7 +5487,7 @@
           <p:cNvPr id="6" name="Rectangle 5">
             <a:extLst>
               <a:ext uri="{FF2B5EF4-FFF2-40B4-BE49-F238E27FC236}">
-                <a16:creationId xmlns:a16="http://schemas.microsoft.com/office/drawing/2014/main" id="{C1DD5CDD-B43C-F746-A4D9-8E7588D26370}"/>
+                <a16:creationId xmlns:a16="http://schemas.microsoft.com/office/drawing/2014/main" xmlns="" id="{C1DD5CDD-B43C-F746-A4D9-8E7588D26370}"/>
               </a:ext>
             </a:extLst>
           </p:cNvPr>
@@ -5525,7 +5539,7 @@
           <p:cNvPr id="7" name="Title 1">
             <a:extLst>
               <a:ext uri="{FF2B5EF4-FFF2-40B4-BE49-F238E27FC236}">
-                <a16:creationId xmlns:a16="http://schemas.microsoft.com/office/drawing/2014/main" id="{998287BD-0D49-5948-AB02-29F63E0691ED}"/>
+                <a16:creationId xmlns:a16="http://schemas.microsoft.com/office/drawing/2014/main" xmlns="" id="{998287BD-0D49-5948-AB02-29F63E0691ED}"/>
               </a:ext>
             </a:extLst>
           </p:cNvPr>
@@ -5593,6 +5607,13 @@
   <p:clrMapOvr>
     <a:masterClrMapping/>
   </p:clrMapOvr>
+  <p:timing>
+    <p:tnLst>
+      <p:par>
+        <p:cTn id="1" dur="indefinite" restart="never" nodeType="tmRoot"/>
+      </p:par>
+    </p:tnLst>
+  </p:timing>
 </p:sld>
 </file>
 
@@ -5618,7 +5639,7 @@
           <p:cNvPr id="9" name="Rectangle 8">
             <a:extLst>
               <a:ext uri="{FF2B5EF4-FFF2-40B4-BE49-F238E27FC236}">
-                <a16:creationId xmlns:a16="http://schemas.microsoft.com/office/drawing/2014/main" id="{94788CB8-F337-3D4A-96A2-15975A9682C1}"/>
+                <a16:creationId xmlns:a16="http://schemas.microsoft.com/office/drawing/2014/main" xmlns="" id="{94788CB8-F337-3D4A-96A2-15975A9682C1}"/>
               </a:ext>
             </a:extLst>
           </p:cNvPr>
@@ -5670,7 +5691,7 @@
           <p:cNvPr id="6" name="Title 1">
             <a:extLst>
               <a:ext uri="{FF2B5EF4-FFF2-40B4-BE49-F238E27FC236}">
-                <a16:creationId xmlns:a16="http://schemas.microsoft.com/office/drawing/2014/main" id="{FE570DEB-EC52-0942-858A-C58059A724DE}"/>
+                <a16:creationId xmlns:a16="http://schemas.microsoft.com/office/drawing/2014/main" xmlns="" id="{FE570DEB-EC52-0942-858A-C58059A724DE}"/>
               </a:ext>
             </a:extLst>
           </p:cNvPr>
@@ -5786,7 +5807,7 @@
           <p:cNvPr id="10" name="Rectangle 9">
             <a:extLst>
               <a:ext uri="{FF2B5EF4-FFF2-40B4-BE49-F238E27FC236}">
-                <a16:creationId xmlns:a16="http://schemas.microsoft.com/office/drawing/2014/main" id="{E5A0BE87-8DCB-E844-B7E2-69EB4215E06D}"/>
+                <a16:creationId xmlns:a16="http://schemas.microsoft.com/office/drawing/2014/main" xmlns="" id="{E5A0BE87-8DCB-E844-B7E2-69EB4215E06D}"/>
               </a:ext>
             </a:extLst>
           </p:cNvPr>
@@ -5838,7 +5859,7 @@
           <p:cNvPr id="2" name="Title 1">
             <a:extLst>
               <a:ext uri="{FF2B5EF4-FFF2-40B4-BE49-F238E27FC236}">
-                <a16:creationId xmlns:a16="http://schemas.microsoft.com/office/drawing/2014/main" id="{842B374F-7FD0-004B-BE04-564927B941ED}"/>
+                <a16:creationId xmlns:a16="http://schemas.microsoft.com/office/drawing/2014/main" xmlns="" id="{842B374F-7FD0-004B-BE04-564927B941ED}"/>
               </a:ext>
             </a:extLst>
           </p:cNvPr>
@@ -5857,7 +5878,7 @@
         </p:spPr>
         <p:txBody>
           <a:bodyPr>
-            <a:normAutofit/>
+            <a:normAutofit fontScale="90000"/>
           </a:bodyPr>
           <a:lstStyle/>
           <a:p>
@@ -5882,7 +5903,7 @@
           <p:cNvPr id="5" name="Content Placeholder 4">
             <a:extLst>
               <a:ext uri="{FF2B5EF4-FFF2-40B4-BE49-F238E27FC236}">
-                <a16:creationId xmlns:a16="http://schemas.microsoft.com/office/drawing/2014/main" id="{E0184F76-F400-2E46-8FCA-67D26AAF9722}"/>
+                <a16:creationId xmlns:a16="http://schemas.microsoft.com/office/drawing/2014/main" xmlns="" id="{E0184F76-F400-2E46-8FCA-67D26AAF9722}"/>
               </a:ext>
             </a:extLst>
           </p:cNvPr>
@@ -5953,7 +5974,7 @@
           <p:cNvPr id="8" name="Content Placeholder 4">
             <a:extLst>
               <a:ext uri="{FF2B5EF4-FFF2-40B4-BE49-F238E27FC236}">
-                <a16:creationId xmlns:a16="http://schemas.microsoft.com/office/drawing/2014/main" id="{A93FF91E-546F-6048-8911-B6C418986BB5}"/>
+                <a16:creationId xmlns:a16="http://schemas.microsoft.com/office/drawing/2014/main" xmlns="" id="{A93FF91E-546F-6048-8911-B6C418986BB5}"/>
               </a:ext>
             </a:extLst>
           </p:cNvPr>
@@ -6184,7 +6205,7 @@
           <p:cNvPr id="9" name="Content Placeholder 4">
             <a:extLst>
               <a:ext uri="{FF2B5EF4-FFF2-40B4-BE49-F238E27FC236}">
-                <a16:creationId xmlns:a16="http://schemas.microsoft.com/office/drawing/2014/main" id="{1A371AB5-CD42-E54B-9EDC-D6D8D0560D7B}"/>
+                <a16:creationId xmlns:a16="http://schemas.microsoft.com/office/drawing/2014/main" xmlns="" id="{1A371AB5-CD42-E54B-9EDC-D6D8D0560D7B}"/>
               </a:ext>
             </a:extLst>
           </p:cNvPr>
@@ -6970,7 +6991,7 @@
           <p:cNvPr id="2" name="Title 1">
             <a:extLst>
               <a:ext uri="{FF2B5EF4-FFF2-40B4-BE49-F238E27FC236}">
-                <a16:creationId xmlns:a16="http://schemas.microsoft.com/office/drawing/2014/main" id="{7C639A83-1180-5A4A-95BC-FD482325E4BC}"/>
+                <a16:creationId xmlns:a16="http://schemas.microsoft.com/office/drawing/2014/main" xmlns="" id="{7C639A83-1180-5A4A-95BC-FD482325E4BC}"/>
               </a:ext>
             </a:extLst>
           </p:cNvPr>
@@ -6998,7 +7019,7 @@
           <p:cNvPr id="6" name="TextBox 5">
             <a:extLst>
               <a:ext uri="{FF2B5EF4-FFF2-40B4-BE49-F238E27FC236}">
-                <a16:creationId xmlns:a16="http://schemas.microsoft.com/office/drawing/2014/main" id="{0A603039-250E-C24F-8B5D-DE811957F9B4}"/>
+                <a16:creationId xmlns:a16="http://schemas.microsoft.com/office/drawing/2014/main" xmlns="" id="{0A603039-250E-C24F-8B5D-DE811957F9B4}"/>
               </a:ext>
             </a:extLst>
           </p:cNvPr>
@@ -7138,7 +7159,7 @@
           <p:cNvPr id="7" name="Rectangle 6">
             <a:extLst>
               <a:ext uri="{FF2B5EF4-FFF2-40B4-BE49-F238E27FC236}">
-                <a16:creationId xmlns:a16="http://schemas.microsoft.com/office/drawing/2014/main" id="{E2DEF711-8E90-FB47-81CA-6D660297A9A2}"/>
+                <a16:creationId xmlns:a16="http://schemas.microsoft.com/office/drawing/2014/main" xmlns="" id="{E2DEF711-8E90-FB47-81CA-6D660297A9A2}"/>
               </a:ext>
             </a:extLst>
           </p:cNvPr>
@@ -7190,7 +7211,7 @@
           <p:cNvPr id="8" name="Title 1">
             <a:extLst>
               <a:ext uri="{FF2B5EF4-FFF2-40B4-BE49-F238E27FC236}">
-                <a16:creationId xmlns:a16="http://schemas.microsoft.com/office/drawing/2014/main" id="{20F53E0E-0012-7545-B2B8-E4DAF303F34B}"/>
+                <a16:creationId xmlns:a16="http://schemas.microsoft.com/office/drawing/2014/main" xmlns="" id="{20F53E0E-0012-7545-B2B8-E4DAF303F34B}"/>
               </a:ext>
             </a:extLst>
           </p:cNvPr>
@@ -7283,7 +7304,7 @@
           <p:cNvPr id="9" name="Content Placeholder 4">
             <a:extLst>
               <a:ext uri="{FF2B5EF4-FFF2-40B4-BE49-F238E27FC236}">
-                <a16:creationId xmlns:a16="http://schemas.microsoft.com/office/drawing/2014/main" id="{56648882-2D44-454E-BCE5-4FD5652709A6}"/>
+                <a16:creationId xmlns:a16="http://schemas.microsoft.com/office/drawing/2014/main" xmlns="" id="{56648882-2D44-454E-BCE5-4FD5652709A6}"/>
               </a:ext>
             </a:extLst>
           </p:cNvPr>
@@ -7344,7 +7365,7 @@
           <p:cNvPr id="14" name="Rectangle 13">
             <a:extLst>
               <a:ext uri="{FF2B5EF4-FFF2-40B4-BE49-F238E27FC236}">
-                <a16:creationId xmlns:a16="http://schemas.microsoft.com/office/drawing/2014/main" id="{E1C28852-F50A-304D-9116-69BE19298436}"/>
+                <a16:creationId xmlns:a16="http://schemas.microsoft.com/office/drawing/2014/main" xmlns="" id="{E1C28852-F50A-304D-9116-69BE19298436}"/>
               </a:ext>
             </a:extLst>
           </p:cNvPr>
@@ -7396,7 +7417,7 @@
           <p:cNvPr id="15" name="Title 1">
             <a:extLst>
               <a:ext uri="{FF2B5EF4-FFF2-40B4-BE49-F238E27FC236}">
-                <a16:creationId xmlns:a16="http://schemas.microsoft.com/office/drawing/2014/main" id="{042BB011-C93E-7448-8782-9779E905AD0D}"/>
+                <a16:creationId xmlns:a16="http://schemas.microsoft.com/office/drawing/2014/main" xmlns="" id="{042BB011-C93E-7448-8782-9779E905AD0D}"/>
               </a:ext>
             </a:extLst>
           </p:cNvPr>
@@ -7459,7 +7480,7 @@
           <p:cNvPr id="16" name="Content Placeholder 4">
             <a:extLst>
               <a:ext uri="{FF2B5EF4-FFF2-40B4-BE49-F238E27FC236}">
-                <a16:creationId xmlns:a16="http://schemas.microsoft.com/office/drawing/2014/main" id="{B883DD24-8D71-4E41-83A8-DFBF7E314925}"/>
+                <a16:creationId xmlns:a16="http://schemas.microsoft.com/office/drawing/2014/main" xmlns="" id="{B883DD24-8D71-4E41-83A8-DFBF7E314925}"/>
               </a:ext>
             </a:extLst>
           </p:cNvPr>
@@ -7686,7 +7707,7 @@
           <p:cNvPr id="17" name="Content Placeholder 4">
             <a:extLst>
               <a:ext uri="{FF2B5EF4-FFF2-40B4-BE49-F238E27FC236}">
-                <a16:creationId xmlns:a16="http://schemas.microsoft.com/office/drawing/2014/main" id="{2A038D9F-F595-B840-AABB-25A2CB9FE815}"/>
+                <a16:creationId xmlns:a16="http://schemas.microsoft.com/office/drawing/2014/main" xmlns="" id="{2A038D9F-F595-B840-AABB-25A2CB9FE815}"/>
               </a:ext>
             </a:extLst>
           </p:cNvPr>
@@ -8215,7 +8236,7 @@
           <p:cNvPr id="9" name="Rectangle 8">
             <a:extLst>
               <a:ext uri="{FF2B5EF4-FFF2-40B4-BE49-F238E27FC236}">
-                <a16:creationId xmlns:a16="http://schemas.microsoft.com/office/drawing/2014/main" id="{94788CB8-F337-3D4A-96A2-15975A9682C1}"/>
+                <a16:creationId xmlns:a16="http://schemas.microsoft.com/office/drawing/2014/main" xmlns="" id="{94788CB8-F337-3D4A-96A2-15975A9682C1}"/>
               </a:ext>
             </a:extLst>
           </p:cNvPr>
@@ -8267,7 +8288,7 @@
           <p:cNvPr id="6" name="Title 1">
             <a:extLst>
               <a:ext uri="{FF2B5EF4-FFF2-40B4-BE49-F238E27FC236}">
-                <a16:creationId xmlns:a16="http://schemas.microsoft.com/office/drawing/2014/main" id="{FE570DEB-EC52-0942-858A-C58059A724DE}"/>
+                <a16:creationId xmlns:a16="http://schemas.microsoft.com/office/drawing/2014/main" xmlns="" id="{FE570DEB-EC52-0942-858A-C58059A724DE}"/>
               </a:ext>
             </a:extLst>
           </p:cNvPr>
@@ -8355,121 +8376,21 @@
           <a:chExt cx="0" cy="0"/>
         </a:xfrm>
       </p:grpSpPr>
-      <p:pic>
-        <p:nvPicPr>
-          <p:cNvPr id="6" name="Content Placeholder 5"/>
-          <p:cNvPicPr>
-            <a:picLocks noGrp="1" noChangeAspect="1"/>
-          </p:cNvPicPr>
-          <p:nvPr>
-            <p:ph idx="1"/>
-          </p:nvPr>
-        </p:nvPicPr>
-        <p:blipFill>
-          <a:blip r:embed="rId2">
-            <a:extLst>
-              <a:ext uri="{28A0092B-C50C-407E-A947-70E740481C1C}">
-                <a14:useLocalDpi xmlns:a14="http://schemas.microsoft.com/office/drawing/2010/main" val="0"/>
-              </a:ext>
-            </a:extLst>
-          </a:blip>
-          <a:stretch>
-            <a:fillRect/>
-          </a:stretch>
-        </p:blipFill>
+      <p:sp>
+        <p:nvSpPr>
+          <p:cNvPr id="7" name="TextBox 6">
+            <a:extLst>
+              <a:ext uri="{FF2B5EF4-FFF2-40B4-BE49-F238E27FC236}">
+                <a16:creationId xmlns:a16="http://schemas.microsoft.com/office/drawing/2014/main" xmlns="" id="{AE49466C-B5AE-4B6B-8916-DFAB777A37B0}"/>
+              </a:ext>
+            </a:extLst>
+          </p:cNvPr>
+          <p:cNvSpPr txBox="1"/>
+          <p:nvPr/>
+        </p:nvSpPr>
         <p:spPr>
           <a:xfrm>
-            <a:off x="2604739" y="208727"/>
-            <a:ext cx="6982522" cy="6440545"/>
-          </a:xfrm>
-        </p:spPr>
-      </p:pic>
-    </p:spTree>
-    <p:extLst>
-      <p:ext uri="{BB962C8B-B14F-4D97-AF65-F5344CB8AC3E}">
-        <p14:creationId xmlns:p14="http://schemas.microsoft.com/office/powerpoint/2010/main" val="2831200722"/>
-      </p:ext>
-    </p:extLst>
-  </p:cSld>
-  <p:clrMapOvr>
-    <a:masterClrMapping/>
-  </p:clrMapOvr>
-</p:sld>
-</file>
-
-<file path=ppt/slides/slide8.xml><?xml version="1.0" encoding="utf-8"?>
-<p:sld xmlns:a="http://schemas.openxmlformats.org/drawingml/2006/main" xmlns:r="http://schemas.openxmlformats.org/officeDocument/2006/relationships" xmlns:p="http://schemas.openxmlformats.org/presentationml/2006/main">
-  <p:cSld>
-    <p:spTree>
-      <p:nvGrpSpPr>
-        <p:cNvPr id="1" name=""/>
-        <p:cNvGrpSpPr/>
-        <p:nvPr/>
-      </p:nvGrpSpPr>
-      <p:grpSpPr>
-        <a:xfrm>
-          <a:off x="0" y="0"/>
-          <a:ext cx="0" cy="0"/>
-          <a:chOff x="0" y="0"/>
-          <a:chExt cx="0" cy="0"/>
-        </a:xfrm>
-      </p:grpSpPr>
-      <p:sp>
-        <p:nvSpPr>
-          <p:cNvPr id="5" name="Content Placeholder 4">
-            <a:extLst>
-              <a:ext uri="{FF2B5EF4-FFF2-40B4-BE49-F238E27FC236}">
-                <a16:creationId xmlns:a16="http://schemas.microsoft.com/office/drawing/2014/main" id="{BE076C2E-DC46-4055-9905-FEA2960D8A5B}"/>
-              </a:ext>
-            </a:extLst>
-          </p:cNvPr>
-          <p:cNvSpPr txBox="1">
-            <a:spLocks noGrp="1"/>
-          </p:cNvSpPr>
-          <p:nvPr>
-            <p:ph idx="1"/>
-          </p:nvPr>
-        </p:nvSpPr>
-        <p:spPr>
-          <a:prstGeom prst="rect">
-            <a:avLst/>
-          </a:prstGeom>
-          <a:noFill/>
-        </p:spPr>
-        <p:txBody>
-          <a:bodyPr wrap="none" rtlCol="0">
-            <a:spAutoFit/>
-          </a:bodyPr>
-          <a:lstStyle/>
-          <a:p>
-            <a:r>
-              <a:rPr lang="en-US" sz="2000" b="1" dirty="0">
-                <a:solidFill>
-                  <a:srgbClr val="00B050"/>
-                </a:solidFill>
-                <a:latin typeface="Arial" panose="020B0604020202020204" pitchFamily="34" charset="0"/>
-                <a:cs typeface="Arial" panose="020B0604020202020204" pitchFamily="34" charset="0"/>
-              </a:rPr>
-              <a:t>Signatures</a:t>
-            </a:r>
-          </a:p>
-        </p:txBody>
-      </p:sp>
-      <p:sp>
-        <p:nvSpPr>
-          <p:cNvPr id="7" name="TextBox 6">
-            <a:extLst>
-              <a:ext uri="{FF2B5EF4-FFF2-40B4-BE49-F238E27FC236}">
-                <a16:creationId xmlns:a16="http://schemas.microsoft.com/office/drawing/2014/main" id="{AE49466C-B5AE-4B6B-8916-DFAB777A37B0}"/>
-              </a:ext>
-            </a:extLst>
-          </p:cNvPr>
-          <p:cNvSpPr txBox="1"/>
-          <p:nvPr/>
-        </p:nvSpPr>
-        <p:spPr>
-          <a:xfrm>
-            <a:off x="3369662" y="1353564"/>
+            <a:off x="3369662" y="1817591"/>
             <a:ext cx="3756102" cy="1815882"/>
           </a:xfrm>
           <a:prstGeom prst="rect">
@@ -8648,7 +8569,7 @@
           <p:cNvPr id="8" name="TextBox 7">
             <a:extLst>
               <a:ext uri="{FF2B5EF4-FFF2-40B4-BE49-F238E27FC236}">
-                <a16:creationId xmlns:a16="http://schemas.microsoft.com/office/drawing/2014/main" id="{AE334569-08BD-4002-82CA-D9D76BFF18C3}"/>
+                <a16:creationId xmlns:a16="http://schemas.microsoft.com/office/drawing/2014/main" xmlns="" id="{AE334569-08BD-4002-82CA-D9D76BFF18C3}"/>
               </a:ext>
             </a:extLst>
           </p:cNvPr>
@@ -8657,7 +8578,7 @@
         </p:nvSpPr>
         <p:spPr>
           <a:xfrm>
-            <a:off x="3369662" y="3431907"/>
+            <a:off x="3369662" y="3895934"/>
             <a:ext cx="2919389" cy="1169551"/>
           </a:xfrm>
           <a:prstGeom prst="rect">
@@ -8776,7 +8697,7 @@
           <p:cNvPr id="9" name="Rectangle 8">
             <a:extLst>
               <a:ext uri="{FF2B5EF4-FFF2-40B4-BE49-F238E27FC236}">
-                <a16:creationId xmlns:a16="http://schemas.microsoft.com/office/drawing/2014/main" id="{65FF3B07-6D30-430E-8342-FF910AE28FE1}"/>
+                <a16:creationId xmlns:a16="http://schemas.microsoft.com/office/drawing/2014/main" xmlns="" id="{65FF3B07-6D30-430E-8342-FF910AE28FE1}"/>
               </a:ext>
             </a:extLst>
           </p:cNvPr>
@@ -8785,7 +8706,7 @@
         </p:nvSpPr>
         <p:spPr>
           <a:xfrm>
-            <a:off x="3369662" y="4601458"/>
+            <a:off x="3369662" y="5065485"/>
             <a:ext cx="2246128" cy="1384995"/>
           </a:xfrm>
           <a:prstGeom prst="rect">
@@ -8933,7 +8854,7 @@
           <p:cNvPr id="10" name="TextBox 9">
             <a:extLst>
               <a:ext uri="{FF2B5EF4-FFF2-40B4-BE49-F238E27FC236}">
-                <a16:creationId xmlns:a16="http://schemas.microsoft.com/office/drawing/2014/main" id="{A9761976-A3BE-4009-96A3-CFD8078F5894}"/>
+                <a16:creationId xmlns:a16="http://schemas.microsoft.com/office/drawing/2014/main" xmlns="" id="{A9761976-A3BE-4009-96A3-CFD8078F5894}"/>
               </a:ext>
             </a:extLst>
           </p:cNvPr>
@@ -8942,7 +8863,7 @@
         </p:nvSpPr>
         <p:spPr>
           <a:xfrm>
-            <a:off x="7122051" y="3741778"/>
+            <a:off x="7122051" y="3898229"/>
             <a:ext cx="3900042" cy="1815882"/>
           </a:xfrm>
           <a:prstGeom prst="rect">
@@ -9004,6 +8925,13 @@
             </a:r>
           </a:p>
           <a:p>
+            <a:r>
+              <a:rPr lang="en-US" sz="1400" dirty="0">
+                <a:latin typeface="Arial" panose="020B0604020202020204" pitchFamily="34" charset="0"/>
+                <a:cs typeface="Arial" panose="020B0604020202020204" pitchFamily="34" charset="0"/>
+              </a:rPr>
+              <a:t/>
+            </a:r>
             <a:br>
               <a:rPr lang="en-US" sz="1400" dirty="0">
                 <a:latin typeface="Arial" panose="020B0604020202020204" pitchFamily="34" charset="0"/>
@@ -9050,6 +8978,13 @@
             </a:r>
           </a:p>
           <a:p>
+            <a:r>
+              <a:rPr lang="en-US" sz="1400" dirty="0">
+                <a:latin typeface="Arial" panose="020B0604020202020204" pitchFamily="34" charset="0"/>
+                <a:cs typeface="Arial" panose="020B0604020202020204" pitchFamily="34" charset="0"/>
+              </a:rPr>
+              <a:t/>
+            </a:r>
             <a:br>
               <a:rPr lang="en-US" sz="1400" dirty="0">
                 <a:latin typeface="Arial" panose="020B0604020202020204" pitchFamily="34" charset="0"/>
@@ -9112,7 +9047,7 @@
           <p:cNvPr id="11" name="TextBox 10">
             <a:extLst>
               <a:ext uri="{FF2B5EF4-FFF2-40B4-BE49-F238E27FC236}">
-                <a16:creationId xmlns:a16="http://schemas.microsoft.com/office/drawing/2014/main" id="{4C96BA33-2B0B-4165-B3E3-4D22882BF0D4}"/>
+                <a16:creationId xmlns:a16="http://schemas.microsoft.com/office/drawing/2014/main" xmlns="" id="{4C96BA33-2B0B-4165-B3E3-4D22882BF0D4}"/>
               </a:ext>
             </a:extLst>
           </p:cNvPr>
@@ -9121,7 +9056,7 @@
         </p:nvSpPr>
         <p:spPr>
           <a:xfrm>
-            <a:off x="7122051" y="1476674"/>
+            <a:off x="7122051" y="1817591"/>
             <a:ext cx="2443041" cy="1815882"/>
           </a:xfrm>
           <a:prstGeom prst="rect">
@@ -9300,7 +9235,7 @@
           <p:cNvPr id="12" name="Rectangle 11">
             <a:extLst>
               <a:ext uri="{FF2B5EF4-FFF2-40B4-BE49-F238E27FC236}">
-                <a16:creationId xmlns:a16="http://schemas.microsoft.com/office/drawing/2014/main" id="{C7D23CF7-D101-3348-AE4F-72B5A5615745}"/>
+                <a16:creationId xmlns:a16="http://schemas.microsoft.com/office/drawing/2014/main" xmlns="" id="{C7D23CF7-D101-3348-AE4F-72B5A5615745}"/>
               </a:ext>
             </a:extLst>
           </p:cNvPr>
@@ -9352,7 +9287,7 @@
           <p:cNvPr id="13" name="Title 1">
             <a:extLst>
               <a:ext uri="{FF2B5EF4-FFF2-40B4-BE49-F238E27FC236}">
-                <a16:creationId xmlns:a16="http://schemas.microsoft.com/office/drawing/2014/main" id="{B718AFBD-10B5-CD45-B75D-4F5327853E96}"/>
+                <a16:creationId xmlns:a16="http://schemas.microsoft.com/office/drawing/2014/main" xmlns="" id="{B718AFBD-10B5-CD45-B75D-4F5327853E96}"/>
               </a:ext>
             </a:extLst>
           </p:cNvPr>
@@ -9395,12 +9330,12 @@
           </a:lstStyle>
           <a:p>
             <a:r>
-              <a:rPr lang="en-GB" sz="5400" b="1" dirty="0">
+              <a:rPr lang="en-GB" sz="5400" b="1" dirty="0" smtClean="0">
                 <a:solidFill>
                   <a:schemeClr val="bg1"/>
                 </a:solidFill>
               </a:rPr>
-              <a:t>Assumptions</a:t>
+              <a:t>Signatures</a:t>
             </a:r>
             <a:endParaRPr lang="en-US" sz="5400" b="1" dirty="0">
               <a:solidFill>
@@ -9423,7 +9358,7 @@
 </p:sld>
 </file>
 
-<file path=ppt/slides/slide9.xml><?xml version="1.0" encoding="utf-8"?>
+<file path=ppt/slides/slide8.xml><?xml version="1.0" encoding="utf-8"?>
 <p:sld xmlns:a="http://schemas.openxmlformats.org/drawingml/2006/main" xmlns:r="http://schemas.openxmlformats.org/officeDocument/2006/relationships" xmlns:p="http://schemas.openxmlformats.org/presentationml/2006/main">
   <p:cSld>
     <p:spTree>
@@ -9442,72 +9377,20 @@
       </p:grpSpPr>
       <p:sp>
         <p:nvSpPr>
-          <p:cNvPr id="5" name="Content Placeholder 4">
-            <a:extLst>
-              <a:ext uri="{FF2B5EF4-FFF2-40B4-BE49-F238E27FC236}">
-                <a16:creationId xmlns:a16="http://schemas.microsoft.com/office/drawing/2014/main" id="{BE076C2E-DC46-4055-9905-FEA2960D8A5B}"/>
-              </a:ext>
-            </a:extLst>
-          </p:cNvPr>
-          <p:cNvSpPr txBox="1">
-            <a:spLocks noGrp="1"/>
-          </p:cNvSpPr>
-          <p:nvPr>
-            <p:ph idx="1"/>
-          </p:nvPr>
+          <p:cNvPr id="12" name="Rectangle 11">
+            <a:extLst>
+              <a:ext uri="{FF2B5EF4-FFF2-40B4-BE49-F238E27FC236}">
+                <a16:creationId xmlns:a16="http://schemas.microsoft.com/office/drawing/2014/main" xmlns="" id="{B43AD4F0-D322-4438-B65A-591365D3C586}"/>
+              </a:ext>
+            </a:extLst>
+          </p:cNvPr>
+          <p:cNvSpPr/>
+          <p:nvPr/>
         </p:nvSpPr>
         <p:spPr>
           <a:xfrm>
-            <a:off x="838200" y="1825625"/>
-            <a:ext cx="1239635" cy="535531"/>
-          </a:xfrm>
-          <a:prstGeom prst="rect">
-            <a:avLst/>
-          </a:prstGeom>
-          <a:noFill/>
-        </p:spPr>
-        <p:txBody>
-          <a:bodyPr wrap="none" rtlCol="0">
-            <a:spAutoFit/>
-          </a:bodyPr>
-          <a:lstStyle/>
-          <a:p>
-            <a:r>
-              <a:rPr lang="en-US" sz="3200" b="1" dirty="0">
-                <a:solidFill>
-                  <a:srgbClr val="00B050"/>
-                </a:solidFill>
-                <a:latin typeface="+mj-lt"/>
-                <a:cs typeface="Arial" panose="020B0604020202020204" pitchFamily="34" charset="0"/>
-              </a:rPr>
-              <a:t>Facts</a:t>
-            </a:r>
-            <a:endParaRPr lang="en-US" sz="2000" b="1" dirty="0">
-              <a:solidFill>
-                <a:srgbClr val="00B050"/>
-              </a:solidFill>
-              <a:latin typeface="+mj-lt"/>
-              <a:cs typeface="Arial" panose="020B0604020202020204" pitchFamily="34" charset="0"/>
-            </a:endParaRPr>
-          </a:p>
-        </p:txBody>
-      </p:sp>
-      <p:sp>
-        <p:nvSpPr>
-          <p:cNvPr id="12" name="Rectangle 11">
-            <a:extLst>
-              <a:ext uri="{FF2B5EF4-FFF2-40B4-BE49-F238E27FC236}">
-                <a16:creationId xmlns:a16="http://schemas.microsoft.com/office/drawing/2014/main" id="{B43AD4F0-D322-4438-B65A-591365D3C586}"/>
-              </a:ext>
-            </a:extLst>
-          </p:cNvPr>
-          <p:cNvSpPr/>
-          <p:nvPr/>
-        </p:nvSpPr>
-        <p:spPr>
-          <a:xfrm>
-            <a:off x="838200" y="2456795"/>
-            <a:ext cx="3096344" cy="4401205"/>
+            <a:off x="473741" y="2347217"/>
+            <a:ext cx="3096344" cy="2031325"/>
           </a:xfrm>
           <a:prstGeom prst="rect">
             <a:avLst/>
@@ -9524,22 +9407,40 @@
                 <a:latin typeface="Arial" panose="020B0604020202020204" pitchFamily="34" charset="0"/>
                 <a:cs typeface="Arial" panose="020B0604020202020204" pitchFamily="34" charset="0"/>
               </a:rPr>
-              <a:t>// Every Costumer Has </a:t>
-            </a:r>
-            <a:r>
-              <a:rPr lang="en-US" sz="1400" dirty="0" err="1">
-                <a:latin typeface="Arial" panose="020B0604020202020204" pitchFamily="34" charset="0"/>
-                <a:cs typeface="Arial" panose="020B0604020202020204" pitchFamily="34" charset="0"/>
-              </a:rPr>
-              <a:t>Espesific</a:t>
+              <a:t>// </a:t>
+            </a:r>
+            <a:r>
+              <a:rPr lang="en-US" sz="1400" dirty="0" smtClean="0">
+                <a:latin typeface="Arial" panose="020B0604020202020204" pitchFamily="34" charset="0"/>
+                <a:cs typeface="Arial" panose="020B0604020202020204" pitchFamily="34" charset="0"/>
+              </a:rPr>
+              <a:t>Each </a:t>
+            </a:r>
+            <a:r>
+              <a:rPr lang="en-US" sz="1400" dirty="0" smtClean="0">
+                <a:latin typeface="Arial" panose="020B0604020202020204" pitchFamily="34" charset="0"/>
+                <a:cs typeface="Arial" panose="020B0604020202020204" pitchFamily="34" charset="0"/>
+              </a:rPr>
+              <a:t>violation has only </a:t>
             </a:r>
             <a:r>
               <a:rPr lang="en-US" sz="1400" dirty="0">
                 <a:latin typeface="Arial" panose="020B0604020202020204" pitchFamily="34" charset="0"/>
                 <a:cs typeface="Arial" panose="020B0604020202020204" pitchFamily="34" charset="0"/>
               </a:rPr>
-              <a:t> Location</a:t>
-            </a:r>
+              <a:t>one corresponding </a:t>
+            </a:r>
+            <a:r>
+              <a:rPr lang="en-US" sz="1400" dirty="0" smtClean="0">
+                <a:latin typeface="Arial" panose="020B0604020202020204" pitchFamily="34" charset="0"/>
+                <a:cs typeface="Arial" panose="020B0604020202020204" pitchFamily="34" charset="0"/>
+              </a:rPr>
+              <a:t>ticket</a:t>
+            </a:r>
+            <a:endParaRPr lang="fa-IR" sz="1400" dirty="0" smtClean="0">
+              <a:latin typeface="Arial" panose="020B0604020202020204" pitchFamily="34" charset="0"/>
+              <a:cs typeface="Arial" panose="020B0604020202020204" pitchFamily="34" charset="0"/>
+            </a:endParaRPr>
           </a:p>
           <a:p>
             <a:endParaRPr lang="en-US" sz="1400" dirty="0">
@@ -9553,193 +9454,78 @@
                 <a:latin typeface="Arial" panose="020B0604020202020204" pitchFamily="34" charset="0"/>
                 <a:cs typeface="Arial" panose="020B0604020202020204" pitchFamily="34" charset="0"/>
               </a:rPr>
-              <a:t>Fact {</a:t>
-            </a:r>
-            <a:br>
+              <a:t>fact </a:t>
+            </a:r>
+            <a:r>
+              <a:rPr lang="en-US" sz="1400" dirty="0" err="1">
+                <a:latin typeface="Arial" panose="020B0604020202020204" pitchFamily="34" charset="0"/>
+                <a:cs typeface="Arial" panose="020B0604020202020204" pitchFamily="34" charset="0"/>
+              </a:rPr>
+              <a:t>EachViolatioContainsOneTicket</a:t>
+            </a:r>
+            <a:r>
               <a:rPr lang="en-US" sz="1400" dirty="0">
                 <a:latin typeface="Arial" panose="020B0604020202020204" pitchFamily="34" charset="0"/>
                 <a:cs typeface="Arial" panose="020B0604020202020204" pitchFamily="34" charset="0"/>
               </a:rPr>
-            </a:br>
+              <a:t> {</a:t>
+            </a:r>
+          </a:p>
+          <a:p>
             <a:r>
               <a:rPr lang="en-US" sz="1400" dirty="0">
                 <a:latin typeface="Arial" panose="020B0604020202020204" pitchFamily="34" charset="0"/>
                 <a:cs typeface="Arial" panose="020B0604020202020204" pitchFamily="34" charset="0"/>
               </a:rPr>
-              <a:t>   no disjoint c1, c2 : Costumer |</a:t>
-            </a:r>
-            <a:br>
+              <a:t>one t : Ticket , v : Violation |</a:t>
+            </a:r>
+          </a:p>
+          <a:p>
+            <a:r>
+              <a:rPr lang="en-US" sz="1400" dirty="0" err="1">
+                <a:latin typeface="Arial" panose="020B0604020202020204" pitchFamily="34" charset="0"/>
+                <a:cs typeface="Arial" panose="020B0604020202020204" pitchFamily="34" charset="0"/>
+              </a:rPr>
+              <a:t>t.violations</a:t>
+            </a:r>
+            <a:r>
               <a:rPr lang="en-US" sz="1400" dirty="0">
                 <a:latin typeface="Arial" panose="020B0604020202020204" pitchFamily="34" charset="0"/>
                 <a:cs typeface="Arial" panose="020B0604020202020204" pitchFamily="34" charset="0"/>
               </a:rPr>
-            </a:br>
-            <a:r>
-              <a:rPr lang="en-US" sz="1400" dirty="0">
-                <a:latin typeface="Arial" panose="020B0604020202020204" pitchFamily="34" charset="0"/>
-                <a:cs typeface="Arial" panose="020B0604020202020204" pitchFamily="34" charset="0"/>
-              </a:rPr>
-              <a:t>   c1.costumerLocation = c2.costumerLocation </a:t>
-            </a:r>
-            <a:br>
-              <a:rPr lang="en-US" sz="1400" dirty="0">
-                <a:latin typeface="Arial" panose="020B0604020202020204" pitchFamily="34" charset="0"/>
-                <a:cs typeface="Arial" panose="020B0604020202020204" pitchFamily="34" charset="0"/>
-              </a:rPr>
-            </a:br>
-            <a:r>
-              <a:rPr lang="en-US" sz="1400" dirty="0">
-                <a:latin typeface="Arial" panose="020B0604020202020204" pitchFamily="34" charset="0"/>
-                <a:cs typeface="Arial" panose="020B0604020202020204" pitchFamily="34" charset="0"/>
-              </a:rPr>
-              <a:t>}</a:t>
-            </a:r>
-          </a:p>
-          <a:p>
+              <a:t> = </a:t>
+            </a:r>
+            <a:r>
+              <a:rPr lang="en-US" sz="1400" dirty="0" smtClean="0">
+                <a:latin typeface="Arial" panose="020B0604020202020204" pitchFamily="34" charset="0"/>
+                <a:cs typeface="Arial" panose="020B0604020202020204" pitchFamily="34" charset="0"/>
+              </a:rPr>
+              <a:t>v</a:t>
+            </a:r>
+            <a:endParaRPr lang="fa-IR" sz="1400" dirty="0" smtClean="0">
+              <a:latin typeface="Arial" panose="020B0604020202020204" pitchFamily="34" charset="0"/>
+              <a:cs typeface="Arial" panose="020B0604020202020204" pitchFamily="34" charset="0"/>
+            </a:endParaRPr>
+          </a:p>
+          <a:p>
+            <a:r>
+              <a:rPr lang="fa-IR" sz="1400" dirty="0">
+                <a:latin typeface="Arial" panose="020B0604020202020204" pitchFamily="34" charset="0"/>
+                <a:cs typeface="Arial" panose="020B0604020202020204" pitchFamily="34" charset="0"/>
+              </a:rPr>
+              <a:t>{</a:t>
+            </a:r>
             <a:endParaRPr lang="en-US" sz="1400" dirty="0">
               <a:latin typeface="Arial" panose="020B0604020202020204" pitchFamily="34" charset="0"/>
               <a:cs typeface="Arial" panose="020B0604020202020204" pitchFamily="34" charset="0"/>
             </a:endParaRPr>
           </a:p>
           <a:p>
-            <a:r>
-              <a:rPr lang="en-US" sz="1400" dirty="0">
-                <a:latin typeface="Arial" panose="020B0604020202020204" pitchFamily="34" charset="0"/>
-                <a:cs typeface="Arial" panose="020B0604020202020204" pitchFamily="34" charset="0"/>
-              </a:rPr>
-              <a:t>Also for Email, Violation, photo</a:t>
-            </a:r>
-          </a:p>
-          <a:p>
             <a:endParaRPr lang="en-US" sz="1400" dirty="0">
               <a:latin typeface="Arial" panose="020B0604020202020204" pitchFamily="34" charset="0"/>
               <a:cs typeface="Arial" panose="020B0604020202020204" pitchFamily="34" charset="0"/>
             </a:endParaRPr>
           </a:p>
-          <a:p>
-            <a:r>
-              <a:rPr lang="en-US" sz="1400" dirty="0">
-                <a:latin typeface="Arial" panose="020B0604020202020204" pitchFamily="34" charset="0"/>
-                <a:cs typeface="Arial" panose="020B0604020202020204" pitchFamily="34" charset="0"/>
-              </a:rPr>
-              <a:t>// Each Ticket Issued by One Third Party</a:t>
-            </a:r>
-          </a:p>
-          <a:p>
-            <a:br>
-              <a:rPr lang="en-US" sz="1400" dirty="0">
-                <a:latin typeface="Arial" panose="020B0604020202020204" pitchFamily="34" charset="0"/>
-                <a:cs typeface="Arial" panose="020B0604020202020204" pitchFamily="34" charset="0"/>
-              </a:rPr>
-            </a:br>
-            <a:r>
-              <a:rPr lang="en-US" sz="1400" dirty="0">
-                <a:latin typeface="Arial" panose="020B0604020202020204" pitchFamily="34" charset="0"/>
-                <a:cs typeface="Arial" panose="020B0604020202020204" pitchFamily="34" charset="0"/>
-              </a:rPr>
-              <a:t>Fact {</a:t>
-            </a:r>
-            <a:br>
-              <a:rPr lang="en-US" sz="1400" dirty="0">
-                <a:latin typeface="Arial" panose="020B0604020202020204" pitchFamily="34" charset="0"/>
-                <a:cs typeface="Arial" panose="020B0604020202020204" pitchFamily="34" charset="0"/>
-              </a:rPr>
-            </a:br>
-            <a:r>
-              <a:rPr lang="en-US" sz="1400" dirty="0">
-                <a:latin typeface="Arial" panose="020B0604020202020204" pitchFamily="34" charset="0"/>
-                <a:cs typeface="Arial" panose="020B0604020202020204" pitchFamily="34" charset="0"/>
-              </a:rPr>
-              <a:t>   all t: Ticket |</a:t>
-            </a:r>
-            <a:br>
-              <a:rPr lang="en-US" sz="1400" dirty="0">
-                <a:latin typeface="Arial" panose="020B0604020202020204" pitchFamily="34" charset="0"/>
-                <a:cs typeface="Arial" panose="020B0604020202020204" pitchFamily="34" charset="0"/>
-              </a:rPr>
-            </a:br>
-            <a:r>
-              <a:rPr lang="en-US" sz="1400" dirty="0">
-                <a:latin typeface="Arial" panose="020B0604020202020204" pitchFamily="34" charset="0"/>
-                <a:cs typeface="Arial" panose="020B0604020202020204" pitchFamily="34" charset="0"/>
-              </a:rPr>
-              <a:t>   one </a:t>
-            </a:r>
-            <a:r>
-              <a:rPr lang="en-US" sz="1400" dirty="0" err="1">
-                <a:latin typeface="Arial" panose="020B0604020202020204" pitchFamily="34" charset="0"/>
-                <a:cs typeface="Arial" panose="020B0604020202020204" pitchFamily="34" charset="0"/>
-              </a:rPr>
-              <a:t>tp</a:t>
-            </a:r>
-            <a:r>
-              <a:rPr lang="en-US" sz="1400" dirty="0">
-                <a:latin typeface="Arial" panose="020B0604020202020204" pitchFamily="34" charset="0"/>
-                <a:cs typeface="Arial" panose="020B0604020202020204" pitchFamily="34" charset="0"/>
-              </a:rPr>
-              <a:t>: </a:t>
-            </a:r>
-            <a:r>
-              <a:rPr lang="en-US" sz="1400" dirty="0" err="1">
-                <a:latin typeface="Arial" panose="020B0604020202020204" pitchFamily="34" charset="0"/>
-                <a:cs typeface="Arial" panose="020B0604020202020204" pitchFamily="34" charset="0"/>
-              </a:rPr>
-              <a:t>ThirdParty</a:t>
-            </a:r>
-            <a:r>
-              <a:rPr lang="en-US" sz="1400" dirty="0">
-                <a:latin typeface="Arial" panose="020B0604020202020204" pitchFamily="34" charset="0"/>
-                <a:cs typeface="Arial" panose="020B0604020202020204" pitchFamily="34" charset="0"/>
-              </a:rPr>
-              <a:t> |</a:t>
-            </a:r>
-            <a:br>
-              <a:rPr lang="en-US" sz="1400" dirty="0">
-                <a:latin typeface="Arial" panose="020B0604020202020204" pitchFamily="34" charset="0"/>
-                <a:cs typeface="Arial" panose="020B0604020202020204" pitchFamily="34" charset="0"/>
-              </a:rPr>
-            </a:br>
-            <a:r>
-              <a:rPr lang="en-US" sz="1400" dirty="0">
-                <a:latin typeface="Arial" panose="020B0604020202020204" pitchFamily="34" charset="0"/>
-                <a:cs typeface="Arial" panose="020B0604020202020204" pitchFamily="34" charset="0"/>
-              </a:rPr>
-              <a:t>   </a:t>
-            </a:r>
-            <a:r>
-              <a:rPr lang="en-US" sz="1400" dirty="0" err="1">
-                <a:latin typeface="Arial" panose="020B0604020202020204" pitchFamily="34" charset="0"/>
-                <a:cs typeface="Arial" panose="020B0604020202020204" pitchFamily="34" charset="0"/>
-              </a:rPr>
-              <a:t>tp.tickets</a:t>
-            </a:r>
-            <a:r>
-              <a:rPr lang="en-US" sz="1400" dirty="0">
-                <a:latin typeface="Arial" panose="020B0604020202020204" pitchFamily="34" charset="0"/>
-                <a:cs typeface="Arial" panose="020B0604020202020204" pitchFamily="34" charset="0"/>
-              </a:rPr>
-              <a:t> = t </a:t>
-            </a:r>
-            <a:br>
-              <a:rPr lang="en-US" sz="1400" dirty="0">
-                <a:latin typeface="Arial" panose="020B0604020202020204" pitchFamily="34" charset="0"/>
-                <a:cs typeface="Arial" panose="020B0604020202020204" pitchFamily="34" charset="0"/>
-              </a:rPr>
-            </a:br>
-            <a:r>
-              <a:rPr lang="en-US" sz="1400" dirty="0">
-                <a:latin typeface="Arial" panose="020B0604020202020204" pitchFamily="34" charset="0"/>
-                <a:cs typeface="Arial" panose="020B0604020202020204" pitchFamily="34" charset="0"/>
-              </a:rPr>
-              <a:t>}</a:t>
-            </a:r>
-          </a:p>
-          <a:p>
-            <a:endParaRPr lang="en-US" sz="1400" dirty="0">
-              <a:latin typeface="Arial" panose="020B0604020202020204" pitchFamily="34" charset="0"/>
-              <a:cs typeface="Arial" panose="020B0604020202020204" pitchFamily="34" charset="0"/>
-            </a:endParaRPr>
-          </a:p>
         </p:txBody>
       </p:sp>
       <p:sp>
@@ -9747,7 +9533,7 @@
           <p:cNvPr id="13" name="Rectangle 12">
             <a:extLst>
               <a:ext uri="{FF2B5EF4-FFF2-40B4-BE49-F238E27FC236}">
-                <a16:creationId xmlns:a16="http://schemas.microsoft.com/office/drawing/2014/main" id="{A7FB5CA4-B2E5-455A-AFEE-82507FE9222D}"/>
+                <a16:creationId xmlns:a16="http://schemas.microsoft.com/office/drawing/2014/main" xmlns="" id="{A7FB5CA4-B2E5-455A-AFEE-82507FE9222D}"/>
               </a:ext>
             </a:extLst>
           </p:cNvPr>
@@ -9756,8 +9542,8 @@
         </p:nvSpPr>
         <p:spPr>
           <a:xfrm>
-            <a:off x="7321347" y="976629"/>
-            <a:ext cx="3384376" cy="5909310"/>
+            <a:off x="7417163" y="2119358"/>
+            <a:ext cx="3384376" cy="2031325"/>
           </a:xfrm>
           <a:prstGeom prst="rect">
             <a:avLst/>
@@ -9769,20 +9555,6 @@
           </a:bodyPr>
           <a:lstStyle/>
           <a:p>
-            <a:r>
-              <a:rPr lang="en-US" sz="1400" dirty="0">
-                <a:latin typeface="Arial" panose="020B0604020202020204" pitchFamily="34" charset="0"/>
-                <a:cs typeface="Arial" panose="020B0604020202020204" pitchFamily="34" charset="0"/>
-              </a:rPr>
-              <a:t>// Every User Just Can Use No.1 Service Of Mining Module, </a:t>
-            </a:r>
-            <a:r>
-              <a:rPr lang="en-US" sz="1400" dirty="0" err="1">
-                <a:latin typeface="Arial" panose="020B0604020202020204" pitchFamily="34" charset="0"/>
-                <a:cs typeface="Arial" panose="020B0604020202020204" pitchFamily="34" charset="0"/>
-              </a:rPr>
-              <a:t>AverageViolations</a:t>
-            </a:r>
             <a:endParaRPr lang="en-US" sz="1400" dirty="0">
               <a:latin typeface="Arial" panose="020B0604020202020204" pitchFamily="34" charset="0"/>
               <a:cs typeface="Arial" panose="020B0604020202020204" pitchFamily="34" charset="0"/>
@@ -9794,6 +9566,15 @@
                 <a:latin typeface="Arial" panose="020B0604020202020204" pitchFamily="34" charset="0"/>
                 <a:cs typeface="Arial" panose="020B0604020202020204" pitchFamily="34" charset="0"/>
               </a:rPr>
+              <a:t>// if a ticket exist, it belongs to one violation</a:t>
+            </a:r>
+          </a:p>
+          <a:p>
+            <a:r>
+              <a:rPr lang="en-US" sz="1400" dirty="0">
+                <a:latin typeface="Arial" panose="020B0604020202020204" pitchFamily="34" charset="0"/>
+                <a:cs typeface="Arial" panose="020B0604020202020204" pitchFamily="34" charset="0"/>
+              </a:rPr>
               <a:t>Fact {</a:t>
             </a:r>
           </a:p>
@@ -9803,7 +9584,7 @@
                 <a:latin typeface="Arial" panose="020B0604020202020204" pitchFamily="34" charset="0"/>
                 <a:cs typeface="Arial" panose="020B0604020202020204" pitchFamily="34" charset="0"/>
               </a:rPr>
-              <a:t>   all c: Costumer |</a:t>
+              <a:t>   one t: Ticket , v:Violation |</a:t>
             </a:r>
           </a:p>
           <a:p>
@@ -9819,26 +9600,15 @@
                 <a:latin typeface="Arial" panose="020B0604020202020204" pitchFamily="34" charset="0"/>
                 <a:cs typeface="Arial" panose="020B0604020202020204" pitchFamily="34" charset="0"/>
               </a:rPr>
-              <a:t>c.minedInfo</a:t>
+              <a:t>t.violations</a:t>
             </a:r>
             <a:r>
               <a:rPr lang="en-US" sz="1400" dirty="0">
                 <a:latin typeface="Arial" panose="020B0604020202020204" pitchFamily="34" charset="0"/>
                 <a:cs typeface="Arial" panose="020B0604020202020204" pitchFamily="34" charset="0"/>
               </a:rPr>
-              <a:t> = </a:t>
-            </a:r>
-            <a:r>
-              <a:rPr lang="en-US" sz="1400" dirty="0" err="1">
-                <a:latin typeface="Arial" panose="020B0604020202020204" pitchFamily="34" charset="0"/>
-                <a:cs typeface="Arial" panose="020B0604020202020204" pitchFamily="34" charset="0"/>
-              </a:rPr>
-              <a:t>AverageViolations</a:t>
-            </a:r>
-            <a:endParaRPr lang="en-US" sz="1400" dirty="0">
-              <a:latin typeface="Arial" panose="020B0604020202020204" pitchFamily="34" charset="0"/>
-              <a:cs typeface="Arial" panose="020B0604020202020204" pitchFamily="34" charset="0"/>
-            </a:endParaRPr>
+              <a:t> = v</a:t>
+            </a:r>
           </a:p>
           <a:p>
             <a:r>
@@ -9850,183 +9620,9 @@
             </a:r>
           </a:p>
           <a:p>
-            <a:endParaRPr lang="en-US" sz="1400" dirty="0">
-              <a:latin typeface="Arial" panose="020B0604020202020204" pitchFamily="34" charset="0"/>
-              <a:cs typeface="Arial" panose="020B0604020202020204" pitchFamily="34" charset="0"/>
-            </a:endParaRPr>
-          </a:p>
-          <a:p>
-            <a:r>
-              <a:rPr lang="en-US" sz="1400" dirty="0">
-                <a:latin typeface="Arial" panose="020B0604020202020204" pitchFamily="34" charset="0"/>
-                <a:cs typeface="Arial" panose="020B0604020202020204" pitchFamily="34" charset="0"/>
-              </a:rPr>
-              <a:t>// Each Date Belongs to one Violation</a:t>
-            </a:r>
-          </a:p>
-          <a:p>
-            <a:r>
-              <a:rPr lang="en-US" sz="1400" dirty="0">
-                <a:latin typeface="Arial" panose="020B0604020202020204" pitchFamily="34" charset="0"/>
-                <a:cs typeface="Arial" panose="020B0604020202020204" pitchFamily="34" charset="0"/>
-              </a:rPr>
-              <a:t>Fact {</a:t>
-            </a:r>
-          </a:p>
-          <a:p>
-            <a:r>
-              <a:rPr lang="en-US" sz="1400" dirty="0">
-                <a:latin typeface="Arial" panose="020B0604020202020204" pitchFamily="34" charset="0"/>
-                <a:cs typeface="Arial" panose="020B0604020202020204" pitchFamily="34" charset="0"/>
-              </a:rPr>
-              <a:t>   all d: Date, viol: Violation |</a:t>
-            </a:r>
-          </a:p>
-          <a:p>
-            <a:r>
-              <a:rPr lang="en-US" sz="1400" dirty="0">
-                <a:latin typeface="Arial" panose="020B0604020202020204" pitchFamily="34" charset="0"/>
-                <a:cs typeface="Arial" panose="020B0604020202020204" pitchFamily="34" charset="0"/>
-              </a:rPr>
-              <a:t>   </a:t>
-            </a:r>
-            <a:r>
-              <a:rPr lang="en-US" sz="1400" dirty="0" err="1">
-                <a:latin typeface="Arial" panose="020B0604020202020204" pitchFamily="34" charset="0"/>
-                <a:cs typeface="Arial" panose="020B0604020202020204" pitchFamily="34" charset="0"/>
-              </a:rPr>
-              <a:t>viol.date</a:t>
-            </a:r>
-            <a:r>
-              <a:rPr lang="en-US" sz="1400" dirty="0">
-                <a:latin typeface="Arial" panose="020B0604020202020204" pitchFamily="34" charset="0"/>
-                <a:cs typeface="Arial" panose="020B0604020202020204" pitchFamily="34" charset="0"/>
-              </a:rPr>
-              <a:t> = d</a:t>
-            </a:r>
-          </a:p>
-          <a:p>
-            <a:r>
-              <a:rPr lang="en-US" sz="1400" dirty="0">
-                <a:latin typeface="Arial" panose="020B0604020202020204" pitchFamily="34" charset="0"/>
-                <a:cs typeface="Arial" panose="020B0604020202020204" pitchFamily="34" charset="0"/>
-              </a:rPr>
-              <a:t>}</a:t>
-            </a:r>
-          </a:p>
-          <a:p>
-            <a:endParaRPr lang="en-US" sz="1400" dirty="0">
-              <a:latin typeface="Arial" panose="020B0604020202020204" pitchFamily="34" charset="0"/>
-              <a:cs typeface="Arial" panose="020B0604020202020204" pitchFamily="34" charset="0"/>
-            </a:endParaRPr>
-          </a:p>
-          <a:p>
-            <a:r>
-              <a:rPr lang="en-US" sz="1400" dirty="0">
-                <a:latin typeface="Arial" panose="020B0604020202020204" pitchFamily="34" charset="0"/>
-                <a:cs typeface="Arial" panose="020B0604020202020204" pitchFamily="34" charset="0"/>
-              </a:rPr>
-              <a:t>// if a ticket exist, it belongs to one violation</a:t>
-            </a:r>
-          </a:p>
-          <a:p>
-            <a:r>
-              <a:rPr lang="en-US" sz="1400" dirty="0">
-                <a:latin typeface="Arial" panose="020B0604020202020204" pitchFamily="34" charset="0"/>
-                <a:cs typeface="Arial" panose="020B0604020202020204" pitchFamily="34" charset="0"/>
-              </a:rPr>
-              <a:t>Fact {</a:t>
-            </a:r>
-          </a:p>
-          <a:p>
-            <a:r>
-              <a:rPr lang="en-US" sz="1400" dirty="0">
-                <a:latin typeface="Arial" panose="020B0604020202020204" pitchFamily="34" charset="0"/>
-                <a:cs typeface="Arial" panose="020B0604020202020204" pitchFamily="34" charset="0"/>
-              </a:rPr>
-              <a:t>   one t: Ticket , v:Violation |</a:t>
-            </a:r>
-          </a:p>
-          <a:p>
-            <a:r>
-              <a:rPr lang="en-US" sz="1400" dirty="0">
-                <a:latin typeface="Arial" panose="020B0604020202020204" pitchFamily="34" charset="0"/>
-                <a:cs typeface="Arial" panose="020B0604020202020204" pitchFamily="34" charset="0"/>
-              </a:rPr>
-              <a:t>   </a:t>
-            </a:r>
-            <a:r>
-              <a:rPr lang="en-US" sz="1400" dirty="0" err="1">
-                <a:latin typeface="Arial" panose="020B0604020202020204" pitchFamily="34" charset="0"/>
-                <a:cs typeface="Arial" panose="020B0604020202020204" pitchFamily="34" charset="0"/>
-              </a:rPr>
-              <a:t>t.violations</a:t>
-            </a:r>
-            <a:r>
-              <a:rPr lang="en-US" sz="1400" dirty="0">
-                <a:latin typeface="Arial" panose="020B0604020202020204" pitchFamily="34" charset="0"/>
-                <a:cs typeface="Arial" panose="020B0604020202020204" pitchFamily="34" charset="0"/>
-              </a:rPr>
-              <a:t> = v</a:t>
-            </a:r>
-          </a:p>
-          <a:p>
-            <a:r>
-              <a:rPr lang="en-US" sz="1400" dirty="0">
-                <a:latin typeface="Arial" panose="020B0604020202020204" pitchFamily="34" charset="0"/>
-                <a:cs typeface="Arial" panose="020B0604020202020204" pitchFamily="34" charset="0"/>
-              </a:rPr>
-              <a:t>}</a:t>
-            </a:r>
-          </a:p>
-          <a:p>
-            <a:endParaRPr lang="en-US" sz="1400" dirty="0">
-              <a:latin typeface="Arial" panose="020B0604020202020204" pitchFamily="34" charset="0"/>
-              <a:cs typeface="Arial" panose="020B0604020202020204" pitchFamily="34" charset="0"/>
-            </a:endParaRPr>
-          </a:p>
-          <a:p>
             <a:r>
               <a:rPr lang="en-US" sz="1400" dirty="0"/>
-              <a:t>// Each Date Belongs to one Violation </a:t>
-            </a:r>
-            <a:endParaRPr lang="en-US" sz="1400" dirty="0">
-              <a:latin typeface="Arial" panose="020B0604020202020204" pitchFamily="34" charset="0"/>
-              <a:cs typeface="Arial" panose="020B0604020202020204" pitchFamily="34" charset="0"/>
-            </a:endParaRPr>
-          </a:p>
-          <a:p>
-            <a:r>
-              <a:rPr lang="en-US" sz="1400" dirty="0"/>
-              <a:t>Fact {</a:t>
-            </a:r>
-            <a:br>
-              <a:rPr lang="en-US" sz="1400" dirty="0"/>
-            </a:br>
-            <a:r>
-              <a:rPr lang="en-US" sz="1400" dirty="0"/>
-              <a:t>   all d: Date, viol: Violation |</a:t>
-            </a:r>
-            <a:br>
-              <a:rPr lang="en-US" sz="1400" dirty="0"/>
-            </a:br>
-            <a:r>
-              <a:rPr lang="en-US" sz="1400" dirty="0"/>
-              <a:t>   </a:t>
-            </a:r>
-            <a:r>
-              <a:rPr lang="en-US" sz="1400" dirty="0" err="1"/>
-              <a:t>viol.date</a:t>
-            </a:r>
-            <a:r>
-              <a:rPr lang="en-US" sz="1400" dirty="0"/>
-              <a:t> = d </a:t>
-            </a:r>
-          </a:p>
-          <a:p>
-            <a:r>
-              <a:rPr lang="en-US" sz="1400" dirty="0"/>
-              <a:t>}</a:t>
+              <a:t/>
             </a:r>
             <a:br>
               <a:rPr lang="en-US" sz="1400" dirty="0"/>
@@ -10043,7 +9639,7 @@
           <p:cNvPr id="8" name="Rectangle 7">
             <a:extLst>
               <a:ext uri="{FF2B5EF4-FFF2-40B4-BE49-F238E27FC236}">
-                <a16:creationId xmlns:a16="http://schemas.microsoft.com/office/drawing/2014/main" id="{9E85C601-3A4A-734A-8B1E-63D6E2B47DC2}"/>
+                <a16:creationId xmlns:a16="http://schemas.microsoft.com/office/drawing/2014/main" xmlns="" id="{9E85C601-3A4A-734A-8B1E-63D6E2B47DC2}"/>
               </a:ext>
             </a:extLst>
           </p:cNvPr>
@@ -10095,7 +9691,7 @@
           <p:cNvPr id="9" name="Title 1">
             <a:extLst>
               <a:ext uri="{FF2B5EF4-FFF2-40B4-BE49-F238E27FC236}">
-                <a16:creationId xmlns:a16="http://schemas.microsoft.com/office/drawing/2014/main" id="{798E0B7F-4C42-3F4E-B623-C026859C2B43}"/>
+                <a16:creationId xmlns:a16="http://schemas.microsoft.com/office/drawing/2014/main" xmlns="" id="{798E0B7F-4C42-3F4E-B623-C026859C2B43}"/>
               </a:ext>
             </a:extLst>
           </p:cNvPr>
@@ -10138,12 +9734,12 @@
           </a:lstStyle>
           <a:p>
             <a:r>
-              <a:rPr lang="en-GB" sz="5400" b="1" dirty="0">
+              <a:rPr lang="en-GB" sz="5400" b="1" dirty="0" smtClean="0">
                 <a:solidFill>
                   <a:schemeClr val="bg1"/>
                 </a:solidFill>
               </a:rPr>
-              <a:t>Assumptions</a:t>
+              <a:t>Facts</a:t>
             </a:r>
             <a:endParaRPr lang="en-US" sz="5400" b="1" dirty="0">
               <a:solidFill>
@@ -10153,10 +9749,234 @@
           </a:p>
         </p:txBody>
       </p:sp>
+      <p:sp>
+        <p:nvSpPr>
+          <p:cNvPr id="7" name="Rectangle 6">
+            <a:extLst>
+              <a:ext uri="{FF2B5EF4-FFF2-40B4-BE49-F238E27FC236}">
+                <a16:creationId xmlns:a16="http://schemas.microsoft.com/office/drawing/2014/main" xmlns="" id="{B43AD4F0-D322-4438-B65A-591365D3C586}"/>
+              </a:ext>
+            </a:extLst>
+          </p:cNvPr>
+          <p:cNvSpPr/>
+          <p:nvPr/>
+        </p:nvSpPr>
+        <p:spPr>
+          <a:xfrm>
+            <a:off x="3945452" y="2119358"/>
+            <a:ext cx="3096344" cy="2246769"/>
+          </a:xfrm>
+          <a:prstGeom prst="rect">
+            <a:avLst/>
+          </a:prstGeom>
+        </p:spPr>
+        <p:txBody>
+          <a:bodyPr wrap="square">
+            <a:spAutoFit/>
+          </a:bodyPr>
+          <a:lstStyle/>
+          <a:p>
+            <a:endParaRPr lang="en-US" sz="1400" dirty="0">
+              <a:latin typeface="Arial" panose="020B0604020202020204" pitchFamily="34" charset="0"/>
+              <a:cs typeface="Arial" panose="020B0604020202020204" pitchFamily="34" charset="0"/>
+            </a:endParaRPr>
+          </a:p>
+          <a:p>
+            <a:r>
+              <a:rPr lang="en-US" sz="1400" dirty="0">
+                <a:latin typeface="Arial" panose="020B0604020202020204" pitchFamily="34" charset="0"/>
+                <a:cs typeface="Arial" panose="020B0604020202020204" pitchFamily="34" charset="0"/>
+              </a:rPr>
+              <a:t>// Each Ticket Issued by One Third Party</a:t>
+            </a:r>
+          </a:p>
+          <a:p>
+            <a:r>
+              <a:rPr lang="en-US" sz="1400" dirty="0">
+                <a:latin typeface="Arial" panose="020B0604020202020204" pitchFamily="34" charset="0"/>
+                <a:cs typeface="Arial" panose="020B0604020202020204" pitchFamily="34" charset="0"/>
+              </a:rPr>
+              <a:t/>
+            </a:r>
+            <a:br>
+              <a:rPr lang="en-US" sz="1400" dirty="0">
+                <a:latin typeface="Arial" panose="020B0604020202020204" pitchFamily="34" charset="0"/>
+                <a:cs typeface="Arial" panose="020B0604020202020204" pitchFamily="34" charset="0"/>
+              </a:rPr>
+            </a:br>
+            <a:r>
+              <a:rPr lang="en-US" sz="1400" dirty="0">
+                <a:latin typeface="Arial" panose="020B0604020202020204" pitchFamily="34" charset="0"/>
+                <a:cs typeface="Arial" panose="020B0604020202020204" pitchFamily="34" charset="0"/>
+              </a:rPr>
+              <a:t>Fact {</a:t>
+            </a:r>
+            <a:br>
+              <a:rPr lang="en-US" sz="1400" dirty="0">
+                <a:latin typeface="Arial" panose="020B0604020202020204" pitchFamily="34" charset="0"/>
+                <a:cs typeface="Arial" panose="020B0604020202020204" pitchFamily="34" charset="0"/>
+              </a:rPr>
+            </a:br>
+            <a:r>
+              <a:rPr lang="en-US" sz="1400" dirty="0">
+                <a:latin typeface="Arial" panose="020B0604020202020204" pitchFamily="34" charset="0"/>
+                <a:cs typeface="Arial" panose="020B0604020202020204" pitchFamily="34" charset="0"/>
+              </a:rPr>
+              <a:t>   all t: Ticket |</a:t>
+            </a:r>
+            <a:br>
+              <a:rPr lang="en-US" sz="1400" dirty="0">
+                <a:latin typeface="Arial" panose="020B0604020202020204" pitchFamily="34" charset="0"/>
+                <a:cs typeface="Arial" panose="020B0604020202020204" pitchFamily="34" charset="0"/>
+              </a:rPr>
+            </a:br>
+            <a:r>
+              <a:rPr lang="en-US" sz="1400" dirty="0">
+                <a:latin typeface="Arial" panose="020B0604020202020204" pitchFamily="34" charset="0"/>
+                <a:cs typeface="Arial" panose="020B0604020202020204" pitchFamily="34" charset="0"/>
+              </a:rPr>
+              <a:t>   one </a:t>
+            </a:r>
+            <a:r>
+              <a:rPr lang="en-US" sz="1400" dirty="0" err="1">
+                <a:latin typeface="Arial" panose="020B0604020202020204" pitchFamily="34" charset="0"/>
+                <a:cs typeface="Arial" panose="020B0604020202020204" pitchFamily="34" charset="0"/>
+              </a:rPr>
+              <a:t>tp</a:t>
+            </a:r>
+            <a:r>
+              <a:rPr lang="en-US" sz="1400" dirty="0">
+                <a:latin typeface="Arial" panose="020B0604020202020204" pitchFamily="34" charset="0"/>
+                <a:cs typeface="Arial" panose="020B0604020202020204" pitchFamily="34" charset="0"/>
+              </a:rPr>
+              <a:t>: </a:t>
+            </a:r>
+            <a:r>
+              <a:rPr lang="en-US" sz="1400" dirty="0" err="1">
+                <a:latin typeface="Arial" panose="020B0604020202020204" pitchFamily="34" charset="0"/>
+                <a:cs typeface="Arial" panose="020B0604020202020204" pitchFamily="34" charset="0"/>
+              </a:rPr>
+              <a:t>ThirdParty</a:t>
+            </a:r>
+            <a:r>
+              <a:rPr lang="en-US" sz="1400" dirty="0">
+                <a:latin typeface="Arial" panose="020B0604020202020204" pitchFamily="34" charset="0"/>
+                <a:cs typeface="Arial" panose="020B0604020202020204" pitchFamily="34" charset="0"/>
+              </a:rPr>
+              <a:t> |</a:t>
+            </a:r>
+            <a:br>
+              <a:rPr lang="en-US" sz="1400" dirty="0">
+                <a:latin typeface="Arial" panose="020B0604020202020204" pitchFamily="34" charset="0"/>
+                <a:cs typeface="Arial" panose="020B0604020202020204" pitchFamily="34" charset="0"/>
+              </a:rPr>
+            </a:br>
+            <a:r>
+              <a:rPr lang="en-US" sz="1400" dirty="0">
+                <a:latin typeface="Arial" panose="020B0604020202020204" pitchFamily="34" charset="0"/>
+                <a:cs typeface="Arial" panose="020B0604020202020204" pitchFamily="34" charset="0"/>
+              </a:rPr>
+              <a:t>   </a:t>
+            </a:r>
+            <a:r>
+              <a:rPr lang="en-US" sz="1400" dirty="0" err="1">
+                <a:latin typeface="Arial" panose="020B0604020202020204" pitchFamily="34" charset="0"/>
+                <a:cs typeface="Arial" panose="020B0604020202020204" pitchFamily="34" charset="0"/>
+              </a:rPr>
+              <a:t>tp.tickets</a:t>
+            </a:r>
+            <a:r>
+              <a:rPr lang="en-US" sz="1400" dirty="0">
+                <a:latin typeface="Arial" panose="020B0604020202020204" pitchFamily="34" charset="0"/>
+                <a:cs typeface="Arial" panose="020B0604020202020204" pitchFamily="34" charset="0"/>
+              </a:rPr>
+              <a:t> = t </a:t>
+            </a:r>
+            <a:br>
+              <a:rPr lang="en-US" sz="1400" dirty="0">
+                <a:latin typeface="Arial" panose="020B0604020202020204" pitchFamily="34" charset="0"/>
+                <a:cs typeface="Arial" panose="020B0604020202020204" pitchFamily="34" charset="0"/>
+              </a:rPr>
+            </a:br>
+            <a:r>
+              <a:rPr lang="en-US" sz="1400" dirty="0">
+                <a:latin typeface="Arial" panose="020B0604020202020204" pitchFamily="34" charset="0"/>
+                <a:cs typeface="Arial" panose="020B0604020202020204" pitchFamily="34" charset="0"/>
+              </a:rPr>
+              <a:t>}</a:t>
+            </a:r>
+          </a:p>
+          <a:p>
+            <a:endParaRPr lang="en-US" sz="1400" dirty="0">
+              <a:latin typeface="Arial" panose="020B0604020202020204" pitchFamily="34" charset="0"/>
+              <a:cs typeface="Arial" panose="020B0604020202020204" pitchFamily="34" charset="0"/>
+            </a:endParaRPr>
+          </a:p>
+        </p:txBody>
+      </p:sp>
     </p:spTree>
     <p:extLst>
       <p:ext uri="{BB962C8B-B14F-4D97-AF65-F5344CB8AC3E}">
         <p14:creationId xmlns:p14="http://schemas.microsoft.com/office/powerpoint/2010/main" val="2566843666"/>
+      </p:ext>
+    </p:extLst>
+  </p:cSld>
+  <p:clrMapOvr>
+    <a:masterClrMapping/>
+  </p:clrMapOvr>
+</p:sld>
+</file>
+
+<file path=ppt/slides/slide9.xml><?xml version="1.0" encoding="utf-8"?>
+<p:sld xmlns:a="http://schemas.openxmlformats.org/drawingml/2006/main" xmlns:r="http://schemas.openxmlformats.org/officeDocument/2006/relationships" xmlns:p="http://schemas.openxmlformats.org/presentationml/2006/main">
+  <p:cSld>
+    <p:spTree>
+      <p:nvGrpSpPr>
+        <p:cNvPr id="1" name=""/>
+        <p:cNvGrpSpPr/>
+        <p:nvPr/>
+      </p:nvGrpSpPr>
+      <p:grpSpPr>
+        <a:xfrm>
+          <a:off x="0" y="0"/>
+          <a:ext cx="0" cy="0"/>
+          <a:chOff x="0" y="0"/>
+          <a:chExt cx="0" cy="0"/>
+        </a:xfrm>
+      </p:grpSpPr>
+      <p:pic>
+        <p:nvPicPr>
+          <p:cNvPr id="6" name="Content Placeholder 5"/>
+          <p:cNvPicPr>
+            <a:picLocks noGrp="1" noChangeAspect="1"/>
+          </p:cNvPicPr>
+          <p:nvPr>
+            <p:ph idx="1"/>
+          </p:nvPr>
+        </p:nvPicPr>
+        <p:blipFill>
+          <a:blip r:embed="rId2">
+            <a:extLst>
+              <a:ext uri="{28A0092B-C50C-407E-A947-70E740481C1C}">
+                <a14:useLocalDpi xmlns:a14="http://schemas.microsoft.com/office/drawing/2010/main" val="0"/>
+              </a:ext>
+            </a:extLst>
+          </a:blip>
+          <a:stretch>
+            <a:fillRect/>
+          </a:stretch>
+        </p:blipFill>
+        <p:spPr>
+          <a:xfrm>
+            <a:off x="2604739" y="208727"/>
+            <a:ext cx="6982522" cy="6440545"/>
+          </a:xfrm>
+        </p:spPr>
+      </p:pic>
+    </p:spTree>
+    <p:extLst>
+      <p:ext uri="{BB962C8B-B14F-4D97-AF65-F5344CB8AC3E}">
+        <p14:creationId xmlns:p14="http://schemas.microsoft.com/office/powerpoint/2010/main" val="2831200722"/>
       </p:ext>
     </p:extLst>
   </p:cSld>

--- a/Presentation1.pptx
+++ b/Presentation1.pptx
@@ -210,7 +210,7 @@
           <a:p>
             <a:fld id="{C160D168-104E-BB47-BCD9-23CA9B55B2CD}" type="datetimeFigureOut">
               <a:rPr lang="en-US" smtClean="0"/>
-              <a:t>2/11/2020</a:t>
+              <a:t>2/12/20</a:t>
             </a:fld>
             <a:endParaRPr lang="en-US"/>
           </a:p>
@@ -522,10 +522,7 @@
           <a:bodyPr/>
           <a:lstStyle/>
           <a:p>
-            <a:r>
-              <a:rPr lang="en-US" dirty="0"/>
-              <a:t>Key decision not letting user to manually write the plate to have only consistent data</a:t>
-            </a:r>
+            <a:endParaRPr lang="en-US" dirty="0"/>
           </a:p>
         </p:txBody>
       </p:sp>
@@ -546,7 +543,7 @@
           <a:p>
             <a:fld id="{65B24ED1-CF1D-8B45-A933-F8F043BDFA80}" type="slidenum">
               <a:rPr lang="en-US" smtClean="0"/>
-              <a:t>5</a:t>
+              <a:t>3</a:t>
             </a:fld>
             <a:endParaRPr lang="en-US"/>
           </a:p>
@@ -555,7 +552,7 @@
     </p:spTree>
     <p:extLst>
       <p:ext uri="{BB962C8B-B14F-4D97-AF65-F5344CB8AC3E}">
-        <p14:creationId xmlns:p14="http://schemas.microsoft.com/office/powerpoint/2010/main" val="2391503052"/>
+        <p14:creationId xmlns:p14="http://schemas.microsoft.com/office/powerpoint/2010/main" val="1185159100"/>
       </p:ext>
     </p:extLst>
   </p:cSld>
@@ -609,7 +606,10 @@
           <a:bodyPr/>
           <a:lstStyle/>
           <a:p>
-            <a:endParaRPr lang="en-US" dirty="0"/>
+            <a:r>
+              <a:rPr lang="en-US" dirty="0"/>
+              <a:t>Key decision not letting user to manually write the plate to have only consistent data</a:t>
+            </a:r>
           </a:p>
         </p:txBody>
       </p:sp>
@@ -630,6 +630,90 @@
           <a:p>
             <a:fld id="{65B24ED1-CF1D-8B45-A933-F8F043BDFA80}" type="slidenum">
               <a:rPr lang="en-US" smtClean="0"/>
+              <a:t>5</a:t>
+            </a:fld>
+            <a:endParaRPr lang="en-US"/>
+          </a:p>
+        </p:txBody>
+      </p:sp>
+    </p:spTree>
+    <p:extLst>
+      <p:ext uri="{BB962C8B-B14F-4D97-AF65-F5344CB8AC3E}">
+        <p14:creationId xmlns:p14="http://schemas.microsoft.com/office/powerpoint/2010/main" val="2391503052"/>
+      </p:ext>
+    </p:extLst>
+  </p:cSld>
+  <p:clrMapOvr>
+    <a:masterClrMapping/>
+  </p:clrMapOvr>
+</p:notes>
+</file>
+
+<file path=ppt/notesSlides/notesSlide3.xml><?xml version="1.0" encoding="utf-8"?>
+<p:notes xmlns:a="http://schemas.openxmlformats.org/drawingml/2006/main" xmlns:r="http://schemas.openxmlformats.org/officeDocument/2006/relationships" xmlns:p="http://schemas.openxmlformats.org/presentationml/2006/main">
+  <p:cSld>
+    <p:spTree>
+      <p:nvGrpSpPr>
+        <p:cNvPr id="1" name=""/>
+        <p:cNvGrpSpPr/>
+        <p:nvPr/>
+      </p:nvGrpSpPr>
+      <p:grpSpPr>
+        <a:xfrm>
+          <a:off x="0" y="0"/>
+          <a:ext cx="0" cy="0"/>
+          <a:chOff x="0" y="0"/>
+          <a:chExt cx="0" cy="0"/>
+        </a:xfrm>
+      </p:grpSpPr>
+      <p:sp>
+        <p:nvSpPr>
+          <p:cNvPr id="2" name="Slide Image Placeholder 1"/>
+          <p:cNvSpPr>
+            <a:spLocks noGrp="1" noRot="1" noChangeAspect="1"/>
+          </p:cNvSpPr>
+          <p:nvPr>
+            <p:ph type="sldImg"/>
+          </p:nvPr>
+        </p:nvSpPr>
+        <p:spPr/>
+      </p:sp>
+      <p:sp>
+        <p:nvSpPr>
+          <p:cNvPr id="3" name="Notes Placeholder 2"/>
+          <p:cNvSpPr>
+            <a:spLocks noGrp="1"/>
+          </p:cNvSpPr>
+          <p:nvPr>
+            <p:ph type="body" idx="1"/>
+          </p:nvPr>
+        </p:nvSpPr>
+        <p:spPr/>
+        <p:txBody>
+          <a:bodyPr/>
+          <a:lstStyle/>
+          <a:p>
+            <a:endParaRPr lang="en-US" dirty="0"/>
+          </a:p>
+        </p:txBody>
+      </p:sp>
+      <p:sp>
+        <p:nvSpPr>
+          <p:cNvPr id="4" name="Slide Number Placeholder 3"/>
+          <p:cNvSpPr>
+            <a:spLocks noGrp="1"/>
+          </p:cNvSpPr>
+          <p:nvPr>
+            <p:ph type="sldNum" sz="quarter" idx="5"/>
+          </p:nvPr>
+        </p:nvSpPr>
+        <p:spPr/>
+        <p:txBody>
+          <a:bodyPr/>
+          <a:lstStyle/>
+          <a:p>
+            <a:fld id="{65B24ED1-CF1D-8B45-A933-F8F043BDFA80}" type="slidenum">
+              <a:rPr lang="en-US" smtClean="0"/>
               <a:t>11</a:t>
             </a:fld>
             <a:endParaRPr lang="en-US"/>
@@ -640,6 +724,93 @@
     <p:extLst>
       <p:ext uri="{BB962C8B-B14F-4D97-AF65-F5344CB8AC3E}">
         <p14:creationId xmlns:p14="http://schemas.microsoft.com/office/powerpoint/2010/main" val="3141071023"/>
+      </p:ext>
+    </p:extLst>
+  </p:cSld>
+  <p:clrMapOvr>
+    <a:masterClrMapping/>
+  </p:clrMapOvr>
+</p:notes>
+</file>
+
+<file path=ppt/notesSlides/notesSlide4.xml><?xml version="1.0" encoding="utf-8"?>
+<p:notes xmlns:a="http://schemas.openxmlformats.org/drawingml/2006/main" xmlns:r="http://schemas.openxmlformats.org/officeDocument/2006/relationships" xmlns:p="http://schemas.openxmlformats.org/presentationml/2006/main">
+  <p:cSld>
+    <p:spTree>
+      <p:nvGrpSpPr>
+        <p:cNvPr id="1" name=""/>
+        <p:cNvGrpSpPr/>
+        <p:nvPr/>
+      </p:nvGrpSpPr>
+      <p:grpSpPr>
+        <a:xfrm>
+          <a:off x="0" y="0"/>
+          <a:ext cx="0" cy="0"/>
+          <a:chOff x="0" y="0"/>
+          <a:chExt cx="0" cy="0"/>
+        </a:xfrm>
+      </p:grpSpPr>
+      <p:sp>
+        <p:nvSpPr>
+          <p:cNvPr id="2" name="Slide Image Placeholder 1"/>
+          <p:cNvSpPr>
+            <a:spLocks noGrp="1" noRot="1" noChangeAspect="1"/>
+          </p:cNvSpPr>
+          <p:nvPr>
+            <p:ph type="sldImg"/>
+          </p:nvPr>
+        </p:nvSpPr>
+        <p:spPr/>
+      </p:sp>
+      <p:sp>
+        <p:nvSpPr>
+          <p:cNvPr id="3" name="Notes Placeholder 2"/>
+          <p:cNvSpPr>
+            <a:spLocks noGrp="1"/>
+          </p:cNvSpPr>
+          <p:nvPr>
+            <p:ph type="body" idx="1"/>
+          </p:nvPr>
+        </p:nvSpPr>
+        <p:spPr/>
+        <p:txBody>
+          <a:bodyPr/>
+          <a:lstStyle/>
+          <a:p>
+            <a:r>
+              <a:rPr lang="en-US" dirty="0"/>
+              <a:t>Clean architecture, entities: are the core, then use cases, then controller and presenter</a:t>
+            </a:r>
+          </a:p>
+        </p:txBody>
+      </p:sp>
+      <p:sp>
+        <p:nvSpPr>
+          <p:cNvPr id="4" name="Slide Number Placeholder 3"/>
+          <p:cNvSpPr>
+            <a:spLocks noGrp="1"/>
+          </p:cNvSpPr>
+          <p:nvPr>
+            <p:ph type="sldNum" sz="quarter" idx="5"/>
+          </p:nvPr>
+        </p:nvSpPr>
+        <p:spPr/>
+        <p:txBody>
+          <a:bodyPr/>
+          <a:lstStyle/>
+          <a:p>
+            <a:fld id="{65B24ED1-CF1D-8B45-A933-F8F043BDFA80}" type="slidenum">
+              <a:rPr lang="en-US" smtClean="0"/>
+              <a:t>12</a:t>
+            </a:fld>
+            <a:endParaRPr lang="en-US"/>
+          </a:p>
+        </p:txBody>
+      </p:sp>
+    </p:spTree>
+    <p:extLst>
+      <p:ext uri="{BB962C8B-B14F-4D97-AF65-F5344CB8AC3E}">
+        <p14:creationId xmlns:p14="http://schemas.microsoft.com/office/powerpoint/2010/main" val="3657388405"/>
       </p:ext>
     </p:extLst>
   </p:cSld>
@@ -671,7 +842,7 @@
           <p:cNvPr id="2" name="Title 1">
             <a:extLst>
               <a:ext uri="{FF2B5EF4-FFF2-40B4-BE49-F238E27FC236}">
-                <a16:creationId xmlns:a16="http://schemas.microsoft.com/office/drawing/2014/main" xmlns="" id="{32B50E20-7976-DD43-8C4C-66917611FDC9}"/>
+                <a16:creationId xmlns:a16="http://schemas.microsoft.com/office/drawing/2014/main" id="{32B50E20-7976-DD43-8C4C-66917611FDC9}"/>
               </a:ext>
             </a:extLst>
           </p:cNvPr>
@@ -709,7 +880,7 @@
           <p:cNvPr id="3" name="Subtitle 2">
             <a:extLst>
               <a:ext uri="{FF2B5EF4-FFF2-40B4-BE49-F238E27FC236}">
-                <a16:creationId xmlns:a16="http://schemas.microsoft.com/office/drawing/2014/main" xmlns="" id="{817655F9-A056-1B41-A86D-E69340A199C8}"/>
+                <a16:creationId xmlns:a16="http://schemas.microsoft.com/office/drawing/2014/main" id="{817655F9-A056-1B41-A86D-E69340A199C8}"/>
               </a:ext>
             </a:extLst>
           </p:cNvPr>
@@ -780,7 +951,7 @@
           <p:cNvPr id="4" name="Date Placeholder 3">
             <a:extLst>
               <a:ext uri="{FF2B5EF4-FFF2-40B4-BE49-F238E27FC236}">
-                <a16:creationId xmlns:a16="http://schemas.microsoft.com/office/drawing/2014/main" xmlns="" id="{711B4759-BD1B-8348-88C7-A11B2FDDD148}"/>
+                <a16:creationId xmlns:a16="http://schemas.microsoft.com/office/drawing/2014/main" id="{711B4759-BD1B-8348-88C7-A11B2FDDD148}"/>
               </a:ext>
             </a:extLst>
           </p:cNvPr>
@@ -798,7 +969,7 @@
           <a:p>
             <a:fld id="{11FEC548-63AB-9B43-9519-48F21B3F6E07}" type="datetimeFigureOut">
               <a:rPr lang="en-US" smtClean="0"/>
-              <a:t>2/11/2020</a:t>
+              <a:t>2/12/20</a:t>
             </a:fld>
             <a:endParaRPr lang="en-US"/>
           </a:p>
@@ -809,7 +980,7 @@
           <p:cNvPr id="5" name="Footer Placeholder 4">
             <a:extLst>
               <a:ext uri="{FF2B5EF4-FFF2-40B4-BE49-F238E27FC236}">
-                <a16:creationId xmlns:a16="http://schemas.microsoft.com/office/drawing/2014/main" xmlns="" id="{EED829D1-1949-B145-AC2F-66DEA4C521CA}"/>
+                <a16:creationId xmlns:a16="http://schemas.microsoft.com/office/drawing/2014/main" id="{EED829D1-1949-B145-AC2F-66DEA4C521CA}"/>
               </a:ext>
             </a:extLst>
           </p:cNvPr>
@@ -834,7 +1005,7 @@
           <p:cNvPr id="6" name="Slide Number Placeholder 5">
             <a:extLst>
               <a:ext uri="{FF2B5EF4-FFF2-40B4-BE49-F238E27FC236}">
-                <a16:creationId xmlns:a16="http://schemas.microsoft.com/office/drawing/2014/main" xmlns="" id="{9283F92E-5D2F-EF40-975F-C0B6A6148D80}"/>
+                <a16:creationId xmlns:a16="http://schemas.microsoft.com/office/drawing/2014/main" id="{9283F92E-5D2F-EF40-975F-C0B6A6148D80}"/>
               </a:ext>
             </a:extLst>
           </p:cNvPr>
@@ -893,7 +1064,7 @@
           <p:cNvPr id="2" name="Title 1">
             <a:extLst>
               <a:ext uri="{FF2B5EF4-FFF2-40B4-BE49-F238E27FC236}">
-                <a16:creationId xmlns:a16="http://schemas.microsoft.com/office/drawing/2014/main" xmlns="" id="{41FBBAC3-76E1-8048-B936-A9C3D1E0592B}"/>
+                <a16:creationId xmlns:a16="http://schemas.microsoft.com/office/drawing/2014/main" id="{41FBBAC3-76E1-8048-B936-A9C3D1E0592B}"/>
               </a:ext>
             </a:extLst>
           </p:cNvPr>
@@ -922,7 +1093,7 @@
           <p:cNvPr id="3" name="Vertical Text Placeholder 2">
             <a:extLst>
               <a:ext uri="{FF2B5EF4-FFF2-40B4-BE49-F238E27FC236}">
-                <a16:creationId xmlns:a16="http://schemas.microsoft.com/office/drawing/2014/main" xmlns="" id="{ED059161-03EF-EF40-AFAB-DF25B05D851A}"/>
+                <a16:creationId xmlns:a16="http://schemas.microsoft.com/office/drawing/2014/main" id="{ED059161-03EF-EF40-AFAB-DF25B05D851A}"/>
               </a:ext>
             </a:extLst>
           </p:cNvPr>
@@ -980,7 +1151,7 @@
           <p:cNvPr id="4" name="Date Placeholder 3">
             <a:extLst>
               <a:ext uri="{FF2B5EF4-FFF2-40B4-BE49-F238E27FC236}">
-                <a16:creationId xmlns:a16="http://schemas.microsoft.com/office/drawing/2014/main" xmlns="" id="{345A8411-A082-E142-B47B-266285B69DE9}"/>
+                <a16:creationId xmlns:a16="http://schemas.microsoft.com/office/drawing/2014/main" id="{345A8411-A082-E142-B47B-266285B69DE9}"/>
               </a:ext>
             </a:extLst>
           </p:cNvPr>
@@ -998,7 +1169,7 @@
           <a:p>
             <a:fld id="{11FEC548-63AB-9B43-9519-48F21B3F6E07}" type="datetimeFigureOut">
               <a:rPr lang="en-US" smtClean="0"/>
-              <a:t>2/11/2020</a:t>
+              <a:t>2/12/20</a:t>
             </a:fld>
             <a:endParaRPr lang="en-US"/>
           </a:p>
@@ -1009,7 +1180,7 @@
           <p:cNvPr id="5" name="Footer Placeholder 4">
             <a:extLst>
               <a:ext uri="{FF2B5EF4-FFF2-40B4-BE49-F238E27FC236}">
-                <a16:creationId xmlns:a16="http://schemas.microsoft.com/office/drawing/2014/main" xmlns="" id="{1A9107CA-5874-2043-B68B-1852DB077C3A}"/>
+                <a16:creationId xmlns:a16="http://schemas.microsoft.com/office/drawing/2014/main" id="{1A9107CA-5874-2043-B68B-1852DB077C3A}"/>
               </a:ext>
             </a:extLst>
           </p:cNvPr>
@@ -1034,7 +1205,7 @@
           <p:cNvPr id="6" name="Slide Number Placeholder 5">
             <a:extLst>
               <a:ext uri="{FF2B5EF4-FFF2-40B4-BE49-F238E27FC236}">
-                <a16:creationId xmlns:a16="http://schemas.microsoft.com/office/drawing/2014/main" xmlns="" id="{8BA0C559-2418-FE4B-9FC2-CF17438D730D}"/>
+                <a16:creationId xmlns:a16="http://schemas.microsoft.com/office/drawing/2014/main" id="{8BA0C559-2418-FE4B-9FC2-CF17438D730D}"/>
               </a:ext>
             </a:extLst>
           </p:cNvPr>
@@ -1093,7 +1264,7 @@
           <p:cNvPr id="2" name="Vertical Title 1">
             <a:extLst>
               <a:ext uri="{FF2B5EF4-FFF2-40B4-BE49-F238E27FC236}">
-                <a16:creationId xmlns:a16="http://schemas.microsoft.com/office/drawing/2014/main" xmlns="" id="{D4520311-3BFF-5F4B-8A8A-E3533544A49B}"/>
+                <a16:creationId xmlns:a16="http://schemas.microsoft.com/office/drawing/2014/main" id="{D4520311-3BFF-5F4B-8A8A-E3533544A49B}"/>
               </a:ext>
             </a:extLst>
           </p:cNvPr>
@@ -1127,7 +1298,7 @@
           <p:cNvPr id="3" name="Vertical Text Placeholder 2">
             <a:extLst>
               <a:ext uri="{FF2B5EF4-FFF2-40B4-BE49-F238E27FC236}">
-                <a16:creationId xmlns:a16="http://schemas.microsoft.com/office/drawing/2014/main" xmlns="" id="{9A179FD8-8E36-4A45-95BC-10D57C0A5F7D}"/>
+                <a16:creationId xmlns:a16="http://schemas.microsoft.com/office/drawing/2014/main" id="{9A179FD8-8E36-4A45-95BC-10D57C0A5F7D}"/>
               </a:ext>
             </a:extLst>
           </p:cNvPr>
@@ -1190,7 +1361,7 @@
           <p:cNvPr id="4" name="Date Placeholder 3">
             <a:extLst>
               <a:ext uri="{FF2B5EF4-FFF2-40B4-BE49-F238E27FC236}">
-                <a16:creationId xmlns:a16="http://schemas.microsoft.com/office/drawing/2014/main" xmlns="" id="{C093FAA2-57F7-2C4D-83D8-FE600B2F7256}"/>
+                <a16:creationId xmlns:a16="http://schemas.microsoft.com/office/drawing/2014/main" id="{C093FAA2-57F7-2C4D-83D8-FE600B2F7256}"/>
               </a:ext>
             </a:extLst>
           </p:cNvPr>
@@ -1208,7 +1379,7 @@
           <a:p>
             <a:fld id="{11FEC548-63AB-9B43-9519-48F21B3F6E07}" type="datetimeFigureOut">
               <a:rPr lang="en-US" smtClean="0"/>
-              <a:t>2/11/2020</a:t>
+              <a:t>2/12/20</a:t>
             </a:fld>
             <a:endParaRPr lang="en-US"/>
           </a:p>
@@ -1219,7 +1390,7 @@
           <p:cNvPr id="5" name="Footer Placeholder 4">
             <a:extLst>
               <a:ext uri="{FF2B5EF4-FFF2-40B4-BE49-F238E27FC236}">
-                <a16:creationId xmlns:a16="http://schemas.microsoft.com/office/drawing/2014/main" xmlns="" id="{FBD88FB3-AD98-534E-9BB2-C67478EB4B25}"/>
+                <a16:creationId xmlns:a16="http://schemas.microsoft.com/office/drawing/2014/main" id="{FBD88FB3-AD98-534E-9BB2-C67478EB4B25}"/>
               </a:ext>
             </a:extLst>
           </p:cNvPr>
@@ -1244,7 +1415,7 @@
           <p:cNvPr id="6" name="Slide Number Placeholder 5">
             <a:extLst>
               <a:ext uri="{FF2B5EF4-FFF2-40B4-BE49-F238E27FC236}">
-                <a16:creationId xmlns:a16="http://schemas.microsoft.com/office/drawing/2014/main" xmlns="" id="{F18EDF81-FE84-7A48-9688-CAD026FFD361}"/>
+                <a16:creationId xmlns:a16="http://schemas.microsoft.com/office/drawing/2014/main" id="{F18EDF81-FE84-7A48-9688-CAD026FFD361}"/>
               </a:ext>
             </a:extLst>
           </p:cNvPr>
@@ -1303,7 +1474,7 @@
           <p:cNvPr id="2" name="Title 1">
             <a:extLst>
               <a:ext uri="{FF2B5EF4-FFF2-40B4-BE49-F238E27FC236}">
-                <a16:creationId xmlns:a16="http://schemas.microsoft.com/office/drawing/2014/main" xmlns="" id="{A783C1C4-C534-214B-8B47-CFE34D42CF1F}"/>
+                <a16:creationId xmlns:a16="http://schemas.microsoft.com/office/drawing/2014/main" id="{A783C1C4-C534-214B-8B47-CFE34D42CF1F}"/>
               </a:ext>
             </a:extLst>
           </p:cNvPr>
@@ -1332,7 +1503,7 @@
           <p:cNvPr id="3" name="Content Placeholder 2">
             <a:extLst>
               <a:ext uri="{FF2B5EF4-FFF2-40B4-BE49-F238E27FC236}">
-                <a16:creationId xmlns:a16="http://schemas.microsoft.com/office/drawing/2014/main" xmlns="" id="{4C9340D3-44B8-A644-B2D2-9E59677ED050}"/>
+                <a16:creationId xmlns:a16="http://schemas.microsoft.com/office/drawing/2014/main" id="{4C9340D3-44B8-A644-B2D2-9E59677ED050}"/>
               </a:ext>
             </a:extLst>
           </p:cNvPr>
@@ -1390,7 +1561,7 @@
           <p:cNvPr id="4" name="Date Placeholder 3">
             <a:extLst>
               <a:ext uri="{FF2B5EF4-FFF2-40B4-BE49-F238E27FC236}">
-                <a16:creationId xmlns:a16="http://schemas.microsoft.com/office/drawing/2014/main" xmlns="" id="{24686536-66C2-2444-9D60-0E8323A5BF15}"/>
+                <a16:creationId xmlns:a16="http://schemas.microsoft.com/office/drawing/2014/main" id="{24686536-66C2-2444-9D60-0E8323A5BF15}"/>
               </a:ext>
             </a:extLst>
           </p:cNvPr>
@@ -1408,7 +1579,7 @@
           <a:p>
             <a:fld id="{11FEC548-63AB-9B43-9519-48F21B3F6E07}" type="datetimeFigureOut">
               <a:rPr lang="en-US" smtClean="0"/>
-              <a:t>2/11/2020</a:t>
+              <a:t>2/12/20</a:t>
             </a:fld>
             <a:endParaRPr lang="en-US"/>
           </a:p>
@@ -1419,7 +1590,7 @@
           <p:cNvPr id="5" name="Footer Placeholder 4">
             <a:extLst>
               <a:ext uri="{FF2B5EF4-FFF2-40B4-BE49-F238E27FC236}">
-                <a16:creationId xmlns:a16="http://schemas.microsoft.com/office/drawing/2014/main" xmlns="" id="{4B0C8D58-1406-CD49-AEC2-7965A7731A5F}"/>
+                <a16:creationId xmlns:a16="http://schemas.microsoft.com/office/drawing/2014/main" id="{4B0C8D58-1406-CD49-AEC2-7965A7731A5F}"/>
               </a:ext>
             </a:extLst>
           </p:cNvPr>
@@ -1444,7 +1615,7 @@
           <p:cNvPr id="6" name="Slide Number Placeholder 5">
             <a:extLst>
               <a:ext uri="{FF2B5EF4-FFF2-40B4-BE49-F238E27FC236}">
-                <a16:creationId xmlns:a16="http://schemas.microsoft.com/office/drawing/2014/main" xmlns="" id="{F3258B32-6420-1044-AD66-F75B81100C03}"/>
+                <a16:creationId xmlns:a16="http://schemas.microsoft.com/office/drawing/2014/main" id="{F3258B32-6420-1044-AD66-F75B81100C03}"/>
               </a:ext>
             </a:extLst>
           </p:cNvPr>
@@ -1503,7 +1674,7 @@
           <p:cNvPr id="2" name="Title 1">
             <a:extLst>
               <a:ext uri="{FF2B5EF4-FFF2-40B4-BE49-F238E27FC236}">
-                <a16:creationId xmlns:a16="http://schemas.microsoft.com/office/drawing/2014/main" xmlns="" id="{1880836E-9666-0140-AF54-AE39C92D55B4}"/>
+                <a16:creationId xmlns:a16="http://schemas.microsoft.com/office/drawing/2014/main" id="{1880836E-9666-0140-AF54-AE39C92D55B4}"/>
               </a:ext>
             </a:extLst>
           </p:cNvPr>
@@ -1541,7 +1712,7 @@
           <p:cNvPr id="3" name="Text Placeholder 2">
             <a:extLst>
               <a:ext uri="{FF2B5EF4-FFF2-40B4-BE49-F238E27FC236}">
-                <a16:creationId xmlns:a16="http://schemas.microsoft.com/office/drawing/2014/main" xmlns="" id="{855AC682-F4B4-084C-B7AA-E9C1659422D9}"/>
+                <a16:creationId xmlns:a16="http://schemas.microsoft.com/office/drawing/2014/main" id="{855AC682-F4B4-084C-B7AA-E9C1659422D9}"/>
               </a:ext>
             </a:extLst>
           </p:cNvPr>
@@ -1666,7 +1837,7 @@
           <p:cNvPr id="4" name="Date Placeholder 3">
             <a:extLst>
               <a:ext uri="{FF2B5EF4-FFF2-40B4-BE49-F238E27FC236}">
-                <a16:creationId xmlns:a16="http://schemas.microsoft.com/office/drawing/2014/main" xmlns="" id="{7F1C9DB4-098B-2E44-81F8-65BB2E720267}"/>
+                <a16:creationId xmlns:a16="http://schemas.microsoft.com/office/drawing/2014/main" id="{7F1C9DB4-098B-2E44-81F8-65BB2E720267}"/>
               </a:ext>
             </a:extLst>
           </p:cNvPr>
@@ -1684,7 +1855,7 @@
           <a:p>
             <a:fld id="{11FEC548-63AB-9B43-9519-48F21B3F6E07}" type="datetimeFigureOut">
               <a:rPr lang="en-US" smtClean="0"/>
-              <a:t>2/11/2020</a:t>
+              <a:t>2/12/20</a:t>
             </a:fld>
             <a:endParaRPr lang="en-US"/>
           </a:p>
@@ -1695,7 +1866,7 @@
           <p:cNvPr id="5" name="Footer Placeholder 4">
             <a:extLst>
               <a:ext uri="{FF2B5EF4-FFF2-40B4-BE49-F238E27FC236}">
-                <a16:creationId xmlns:a16="http://schemas.microsoft.com/office/drawing/2014/main" xmlns="" id="{4ADCBE44-18BB-1744-9018-75155F1120ED}"/>
+                <a16:creationId xmlns:a16="http://schemas.microsoft.com/office/drawing/2014/main" id="{4ADCBE44-18BB-1744-9018-75155F1120ED}"/>
               </a:ext>
             </a:extLst>
           </p:cNvPr>
@@ -1720,7 +1891,7 @@
           <p:cNvPr id="6" name="Slide Number Placeholder 5">
             <a:extLst>
               <a:ext uri="{FF2B5EF4-FFF2-40B4-BE49-F238E27FC236}">
-                <a16:creationId xmlns:a16="http://schemas.microsoft.com/office/drawing/2014/main" xmlns="" id="{3032323F-6B05-BA4C-9EA1-E871BE0E05A9}"/>
+                <a16:creationId xmlns:a16="http://schemas.microsoft.com/office/drawing/2014/main" id="{3032323F-6B05-BA4C-9EA1-E871BE0E05A9}"/>
               </a:ext>
             </a:extLst>
           </p:cNvPr>
@@ -1779,7 +1950,7 @@
           <p:cNvPr id="2" name="Title 1">
             <a:extLst>
               <a:ext uri="{FF2B5EF4-FFF2-40B4-BE49-F238E27FC236}">
-                <a16:creationId xmlns:a16="http://schemas.microsoft.com/office/drawing/2014/main" xmlns="" id="{9D8B1BB0-03E0-EC49-89C6-61AD4C97F734}"/>
+                <a16:creationId xmlns:a16="http://schemas.microsoft.com/office/drawing/2014/main" id="{9D8B1BB0-03E0-EC49-89C6-61AD4C97F734}"/>
               </a:ext>
             </a:extLst>
           </p:cNvPr>
@@ -1808,7 +1979,7 @@
           <p:cNvPr id="3" name="Content Placeholder 2">
             <a:extLst>
               <a:ext uri="{FF2B5EF4-FFF2-40B4-BE49-F238E27FC236}">
-                <a16:creationId xmlns:a16="http://schemas.microsoft.com/office/drawing/2014/main" xmlns="" id="{F6285CAB-2054-ED4B-8843-C45085EEE50C}"/>
+                <a16:creationId xmlns:a16="http://schemas.microsoft.com/office/drawing/2014/main" id="{F6285CAB-2054-ED4B-8843-C45085EEE50C}"/>
               </a:ext>
             </a:extLst>
           </p:cNvPr>
@@ -1871,7 +2042,7 @@
           <p:cNvPr id="4" name="Content Placeholder 3">
             <a:extLst>
               <a:ext uri="{FF2B5EF4-FFF2-40B4-BE49-F238E27FC236}">
-                <a16:creationId xmlns:a16="http://schemas.microsoft.com/office/drawing/2014/main" xmlns="" id="{94AC0EA0-C377-BA40-A6F2-6E067AC238AF}"/>
+                <a16:creationId xmlns:a16="http://schemas.microsoft.com/office/drawing/2014/main" id="{94AC0EA0-C377-BA40-A6F2-6E067AC238AF}"/>
               </a:ext>
             </a:extLst>
           </p:cNvPr>
@@ -1934,7 +2105,7 @@
           <p:cNvPr id="5" name="Date Placeholder 4">
             <a:extLst>
               <a:ext uri="{FF2B5EF4-FFF2-40B4-BE49-F238E27FC236}">
-                <a16:creationId xmlns:a16="http://schemas.microsoft.com/office/drawing/2014/main" xmlns="" id="{FD57F39C-4961-464D-8868-22E8888ED057}"/>
+                <a16:creationId xmlns:a16="http://schemas.microsoft.com/office/drawing/2014/main" id="{FD57F39C-4961-464D-8868-22E8888ED057}"/>
               </a:ext>
             </a:extLst>
           </p:cNvPr>
@@ -1952,7 +2123,7 @@
           <a:p>
             <a:fld id="{11FEC548-63AB-9B43-9519-48F21B3F6E07}" type="datetimeFigureOut">
               <a:rPr lang="en-US" smtClean="0"/>
-              <a:t>2/11/2020</a:t>
+              <a:t>2/12/20</a:t>
             </a:fld>
             <a:endParaRPr lang="en-US"/>
           </a:p>
@@ -1963,7 +2134,7 @@
           <p:cNvPr id="6" name="Footer Placeholder 5">
             <a:extLst>
               <a:ext uri="{FF2B5EF4-FFF2-40B4-BE49-F238E27FC236}">
-                <a16:creationId xmlns:a16="http://schemas.microsoft.com/office/drawing/2014/main" xmlns="" id="{7CB6D737-25FB-144E-B9ED-14387B45DE51}"/>
+                <a16:creationId xmlns:a16="http://schemas.microsoft.com/office/drawing/2014/main" id="{7CB6D737-25FB-144E-B9ED-14387B45DE51}"/>
               </a:ext>
             </a:extLst>
           </p:cNvPr>
@@ -1988,7 +2159,7 @@
           <p:cNvPr id="7" name="Slide Number Placeholder 6">
             <a:extLst>
               <a:ext uri="{FF2B5EF4-FFF2-40B4-BE49-F238E27FC236}">
-                <a16:creationId xmlns:a16="http://schemas.microsoft.com/office/drawing/2014/main" xmlns="" id="{DE8E1DD5-B73D-3F40-8B7E-C4DD7627C63C}"/>
+                <a16:creationId xmlns:a16="http://schemas.microsoft.com/office/drawing/2014/main" id="{DE8E1DD5-B73D-3F40-8B7E-C4DD7627C63C}"/>
               </a:ext>
             </a:extLst>
           </p:cNvPr>
@@ -2047,7 +2218,7 @@
           <p:cNvPr id="2" name="Title 1">
             <a:extLst>
               <a:ext uri="{FF2B5EF4-FFF2-40B4-BE49-F238E27FC236}">
-                <a16:creationId xmlns:a16="http://schemas.microsoft.com/office/drawing/2014/main" xmlns="" id="{A609B87D-5136-2F40-A111-9E208293E095}"/>
+                <a16:creationId xmlns:a16="http://schemas.microsoft.com/office/drawing/2014/main" id="{A609B87D-5136-2F40-A111-9E208293E095}"/>
               </a:ext>
             </a:extLst>
           </p:cNvPr>
@@ -2081,7 +2252,7 @@
           <p:cNvPr id="3" name="Text Placeholder 2">
             <a:extLst>
               <a:ext uri="{FF2B5EF4-FFF2-40B4-BE49-F238E27FC236}">
-                <a16:creationId xmlns:a16="http://schemas.microsoft.com/office/drawing/2014/main" xmlns="" id="{95DBBBDD-ED72-BF49-9AFD-582D9072FE30}"/>
+                <a16:creationId xmlns:a16="http://schemas.microsoft.com/office/drawing/2014/main" id="{95DBBBDD-ED72-BF49-9AFD-582D9072FE30}"/>
               </a:ext>
             </a:extLst>
           </p:cNvPr>
@@ -2152,7 +2323,7 @@
           <p:cNvPr id="4" name="Content Placeholder 3">
             <a:extLst>
               <a:ext uri="{FF2B5EF4-FFF2-40B4-BE49-F238E27FC236}">
-                <a16:creationId xmlns:a16="http://schemas.microsoft.com/office/drawing/2014/main" xmlns="" id="{78E1AA51-BAE7-BA44-A8BA-409DB753F9D2}"/>
+                <a16:creationId xmlns:a16="http://schemas.microsoft.com/office/drawing/2014/main" id="{78E1AA51-BAE7-BA44-A8BA-409DB753F9D2}"/>
               </a:ext>
             </a:extLst>
           </p:cNvPr>
@@ -2215,7 +2386,7 @@
           <p:cNvPr id="5" name="Text Placeholder 4">
             <a:extLst>
               <a:ext uri="{FF2B5EF4-FFF2-40B4-BE49-F238E27FC236}">
-                <a16:creationId xmlns:a16="http://schemas.microsoft.com/office/drawing/2014/main" xmlns="" id="{80A53D3C-A0B4-B64F-9D6A-D7297105990F}"/>
+                <a16:creationId xmlns:a16="http://schemas.microsoft.com/office/drawing/2014/main" id="{80A53D3C-A0B4-B64F-9D6A-D7297105990F}"/>
               </a:ext>
             </a:extLst>
           </p:cNvPr>
@@ -2286,7 +2457,7 @@
           <p:cNvPr id="6" name="Content Placeholder 5">
             <a:extLst>
               <a:ext uri="{FF2B5EF4-FFF2-40B4-BE49-F238E27FC236}">
-                <a16:creationId xmlns:a16="http://schemas.microsoft.com/office/drawing/2014/main" xmlns="" id="{984F74D9-0DE1-C848-8221-73C3B3CFC7A1}"/>
+                <a16:creationId xmlns:a16="http://schemas.microsoft.com/office/drawing/2014/main" id="{984F74D9-0DE1-C848-8221-73C3B3CFC7A1}"/>
               </a:ext>
             </a:extLst>
           </p:cNvPr>
@@ -2349,7 +2520,7 @@
           <p:cNvPr id="7" name="Date Placeholder 6">
             <a:extLst>
               <a:ext uri="{FF2B5EF4-FFF2-40B4-BE49-F238E27FC236}">
-                <a16:creationId xmlns:a16="http://schemas.microsoft.com/office/drawing/2014/main" xmlns="" id="{8C7C3299-57DA-4D41-8A86-F0CBE217BEF5}"/>
+                <a16:creationId xmlns:a16="http://schemas.microsoft.com/office/drawing/2014/main" id="{8C7C3299-57DA-4D41-8A86-F0CBE217BEF5}"/>
               </a:ext>
             </a:extLst>
           </p:cNvPr>
@@ -2367,7 +2538,7 @@
           <a:p>
             <a:fld id="{11FEC548-63AB-9B43-9519-48F21B3F6E07}" type="datetimeFigureOut">
               <a:rPr lang="en-US" smtClean="0"/>
-              <a:t>2/11/2020</a:t>
+              <a:t>2/12/20</a:t>
             </a:fld>
             <a:endParaRPr lang="en-US"/>
           </a:p>
@@ -2378,7 +2549,7 @@
           <p:cNvPr id="8" name="Footer Placeholder 7">
             <a:extLst>
               <a:ext uri="{FF2B5EF4-FFF2-40B4-BE49-F238E27FC236}">
-                <a16:creationId xmlns:a16="http://schemas.microsoft.com/office/drawing/2014/main" xmlns="" id="{26FFC192-5E5D-A840-B928-B0D99C44EA04}"/>
+                <a16:creationId xmlns:a16="http://schemas.microsoft.com/office/drawing/2014/main" id="{26FFC192-5E5D-A840-B928-B0D99C44EA04}"/>
               </a:ext>
             </a:extLst>
           </p:cNvPr>
@@ -2403,7 +2574,7 @@
           <p:cNvPr id="9" name="Slide Number Placeholder 8">
             <a:extLst>
               <a:ext uri="{FF2B5EF4-FFF2-40B4-BE49-F238E27FC236}">
-                <a16:creationId xmlns:a16="http://schemas.microsoft.com/office/drawing/2014/main" xmlns="" id="{5DCF491D-7641-744F-B61A-065D690BCF79}"/>
+                <a16:creationId xmlns:a16="http://schemas.microsoft.com/office/drawing/2014/main" id="{5DCF491D-7641-744F-B61A-065D690BCF79}"/>
               </a:ext>
             </a:extLst>
           </p:cNvPr>
@@ -2462,7 +2633,7 @@
           <p:cNvPr id="2" name="Title 1">
             <a:extLst>
               <a:ext uri="{FF2B5EF4-FFF2-40B4-BE49-F238E27FC236}">
-                <a16:creationId xmlns:a16="http://schemas.microsoft.com/office/drawing/2014/main" xmlns="" id="{AA640281-8822-964A-B237-C24FCCC86B75}"/>
+                <a16:creationId xmlns:a16="http://schemas.microsoft.com/office/drawing/2014/main" id="{AA640281-8822-964A-B237-C24FCCC86B75}"/>
               </a:ext>
             </a:extLst>
           </p:cNvPr>
@@ -2491,7 +2662,7 @@
           <p:cNvPr id="3" name="Date Placeholder 2">
             <a:extLst>
               <a:ext uri="{FF2B5EF4-FFF2-40B4-BE49-F238E27FC236}">
-                <a16:creationId xmlns:a16="http://schemas.microsoft.com/office/drawing/2014/main" xmlns="" id="{BDB0DFDC-0B05-C34A-8791-09F77B4AEBBD}"/>
+                <a16:creationId xmlns:a16="http://schemas.microsoft.com/office/drawing/2014/main" id="{BDB0DFDC-0B05-C34A-8791-09F77B4AEBBD}"/>
               </a:ext>
             </a:extLst>
           </p:cNvPr>
@@ -2509,7 +2680,7 @@
           <a:p>
             <a:fld id="{11FEC548-63AB-9B43-9519-48F21B3F6E07}" type="datetimeFigureOut">
               <a:rPr lang="en-US" smtClean="0"/>
-              <a:t>2/11/2020</a:t>
+              <a:t>2/12/20</a:t>
             </a:fld>
             <a:endParaRPr lang="en-US"/>
           </a:p>
@@ -2520,7 +2691,7 @@
           <p:cNvPr id="4" name="Footer Placeholder 3">
             <a:extLst>
               <a:ext uri="{FF2B5EF4-FFF2-40B4-BE49-F238E27FC236}">
-                <a16:creationId xmlns:a16="http://schemas.microsoft.com/office/drawing/2014/main" xmlns="" id="{F96AA063-B602-B447-8329-7897747A8E4B}"/>
+                <a16:creationId xmlns:a16="http://schemas.microsoft.com/office/drawing/2014/main" id="{F96AA063-B602-B447-8329-7897747A8E4B}"/>
               </a:ext>
             </a:extLst>
           </p:cNvPr>
@@ -2545,7 +2716,7 @@
           <p:cNvPr id="5" name="Slide Number Placeholder 4">
             <a:extLst>
               <a:ext uri="{FF2B5EF4-FFF2-40B4-BE49-F238E27FC236}">
-                <a16:creationId xmlns:a16="http://schemas.microsoft.com/office/drawing/2014/main" xmlns="" id="{AD159A9E-4DF2-3042-84A3-3B173F52F15A}"/>
+                <a16:creationId xmlns:a16="http://schemas.microsoft.com/office/drawing/2014/main" id="{AD159A9E-4DF2-3042-84A3-3B173F52F15A}"/>
               </a:ext>
             </a:extLst>
           </p:cNvPr>
@@ -2604,7 +2775,7 @@
           <p:cNvPr id="2" name="Date Placeholder 1">
             <a:extLst>
               <a:ext uri="{FF2B5EF4-FFF2-40B4-BE49-F238E27FC236}">
-                <a16:creationId xmlns:a16="http://schemas.microsoft.com/office/drawing/2014/main" xmlns="" id="{9A1FAF97-9F84-534B-A78A-C49D51AB8669}"/>
+                <a16:creationId xmlns:a16="http://schemas.microsoft.com/office/drawing/2014/main" id="{9A1FAF97-9F84-534B-A78A-C49D51AB8669}"/>
               </a:ext>
             </a:extLst>
           </p:cNvPr>
@@ -2622,7 +2793,7 @@
           <a:p>
             <a:fld id="{11FEC548-63AB-9B43-9519-48F21B3F6E07}" type="datetimeFigureOut">
               <a:rPr lang="en-US" smtClean="0"/>
-              <a:t>2/11/2020</a:t>
+              <a:t>2/12/20</a:t>
             </a:fld>
             <a:endParaRPr lang="en-US"/>
           </a:p>
@@ -2633,7 +2804,7 @@
           <p:cNvPr id="3" name="Footer Placeholder 2">
             <a:extLst>
               <a:ext uri="{FF2B5EF4-FFF2-40B4-BE49-F238E27FC236}">
-                <a16:creationId xmlns:a16="http://schemas.microsoft.com/office/drawing/2014/main" xmlns="" id="{163787EC-8666-3444-ACEA-2E6840B75A51}"/>
+                <a16:creationId xmlns:a16="http://schemas.microsoft.com/office/drawing/2014/main" id="{163787EC-8666-3444-ACEA-2E6840B75A51}"/>
               </a:ext>
             </a:extLst>
           </p:cNvPr>
@@ -2658,7 +2829,7 @@
           <p:cNvPr id="4" name="Slide Number Placeholder 3">
             <a:extLst>
               <a:ext uri="{FF2B5EF4-FFF2-40B4-BE49-F238E27FC236}">
-                <a16:creationId xmlns:a16="http://schemas.microsoft.com/office/drawing/2014/main" xmlns="" id="{20C08BB5-6149-CF49-9C01-025E30FA2A58}"/>
+                <a16:creationId xmlns:a16="http://schemas.microsoft.com/office/drawing/2014/main" id="{20C08BB5-6149-CF49-9C01-025E30FA2A58}"/>
               </a:ext>
             </a:extLst>
           </p:cNvPr>
@@ -2717,7 +2888,7 @@
           <p:cNvPr id="2" name="Title 1">
             <a:extLst>
               <a:ext uri="{FF2B5EF4-FFF2-40B4-BE49-F238E27FC236}">
-                <a16:creationId xmlns:a16="http://schemas.microsoft.com/office/drawing/2014/main" xmlns="" id="{4BF0FFCA-AF1D-A14D-9E26-0386238793C9}"/>
+                <a16:creationId xmlns:a16="http://schemas.microsoft.com/office/drawing/2014/main" id="{4BF0FFCA-AF1D-A14D-9E26-0386238793C9}"/>
               </a:ext>
             </a:extLst>
           </p:cNvPr>
@@ -2755,7 +2926,7 @@
           <p:cNvPr id="3" name="Content Placeholder 2">
             <a:extLst>
               <a:ext uri="{FF2B5EF4-FFF2-40B4-BE49-F238E27FC236}">
-                <a16:creationId xmlns:a16="http://schemas.microsoft.com/office/drawing/2014/main" xmlns="" id="{2A799945-DEC7-404E-AF33-CB3F6D37B74E}"/>
+                <a16:creationId xmlns:a16="http://schemas.microsoft.com/office/drawing/2014/main" id="{2A799945-DEC7-404E-AF33-CB3F6D37B74E}"/>
               </a:ext>
             </a:extLst>
           </p:cNvPr>
@@ -2846,7 +3017,7 @@
           <p:cNvPr id="4" name="Text Placeholder 3">
             <a:extLst>
               <a:ext uri="{FF2B5EF4-FFF2-40B4-BE49-F238E27FC236}">
-                <a16:creationId xmlns:a16="http://schemas.microsoft.com/office/drawing/2014/main" xmlns="" id="{F57CC1E4-0FE1-CB41-B1BB-50E9EE045FB1}"/>
+                <a16:creationId xmlns:a16="http://schemas.microsoft.com/office/drawing/2014/main" id="{F57CC1E4-0FE1-CB41-B1BB-50E9EE045FB1}"/>
               </a:ext>
             </a:extLst>
           </p:cNvPr>
@@ -2917,7 +3088,7 @@
           <p:cNvPr id="5" name="Date Placeholder 4">
             <a:extLst>
               <a:ext uri="{FF2B5EF4-FFF2-40B4-BE49-F238E27FC236}">
-                <a16:creationId xmlns:a16="http://schemas.microsoft.com/office/drawing/2014/main" xmlns="" id="{92881214-BDD9-3247-A5CA-CF966B21DFDF}"/>
+                <a16:creationId xmlns:a16="http://schemas.microsoft.com/office/drawing/2014/main" id="{92881214-BDD9-3247-A5CA-CF966B21DFDF}"/>
               </a:ext>
             </a:extLst>
           </p:cNvPr>
@@ -2935,7 +3106,7 @@
           <a:p>
             <a:fld id="{11FEC548-63AB-9B43-9519-48F21B3F6E07}" type="datetimeFigureOut">
               <a:rPr lang="en-US" smtClean="0"/>
-              <a:t>2/11/2020</a:t>
+              <a:t>2/12/20</a:t>
             </a:fld>
             <a:endParaRPr lang="en-US"/>
           </a:p>
@@ -2946,7 +3117,7 @@
           <p:cNvPr id="6" name="Footer Placeholder 5">
             <a:extLst>
               <a:ext uri="{FF2B5EF4-FFF2-40B4-BE49-F238E27FC236}">
-                <a16:creationId xmlns:a16="http://schemas.microsoft.com/office/drawing/2014/main" xmlns="" id="{A33CC4A6-F23C-EA4E-BE40-2B992808AE04}"/>
+                <a16:creationId xmlns:a16="http://schemas.microsoft.com/office/drawing/2014/main" id="{A33CC4A6-F23C-EA4E-BE40-2B992808AE04}"/>
               </a:ext>
             </a:extLst>
           </p:cNvPr>
@@ -2971,7 +3142,7 @@
           <p:cNvPr id="7" name="Slide Number Placeholder 6">
             <a:extLst>
               <a:ext uri="{FF2B5EF4-FFF2-40B4-BE49-F238E27FC236}">
-                <a16:creationId xmlns:a16="http://schemas.microsoft.com/office/drawing/2014/main" xmlns="" id="{F3E4B8B6-6397-9F46-BEAB-D7007431D513}"/>
+                <a16:creationId xmlns:a16="http://schemas.microsoft.com/office/drawing/2014/main" id="{F3E4B8B6-6397-9F46-BEAB-D7007431D513}"/>
               </a:ext>
             </a:extLst>
           </p:cNvPr>
@@ -3030,7 +3201,7 @@
           <p:cNvPr id="2" name="Title 1">
             <a:extLst>
               <a:ext uri="{FF2B5EF4-FFF2-40B4-BE49-F238E27FC236}">
-                <a16:creationId xmlns:a16="http://schemas.microsoft.com/office/drawing/2014/main" xmlns="" id="{071D0F94-D5D7-1941-A9F4-F1BBB7183426}"/>
+                <a16:creationId xmlns:a16="http://schemas.microsoft.com/office/drawing/2014/main" id="{071D0F94-D5D7-1941-A9F4-F1BBB7183426}"/>
               </a:ext>
             </a:extLst>
           </p:cNvPr>
@@ -3068,7 +3239,7 @@
           <p:cNvPr id="3" name="Picture Placeholder 2">
             <a:extLst>
               <a:ext uri="{FF2B5EF4-FFF2-40B4-BE49-F238E27FC236}">
-                <a16:creationId xmlns:a16="http://schemas.microsoft.com/office/drawing/2014/main" xmlns="" id="{7097FC74-A3CF-F24B-8D16-560383E4FC62}"/>
+                <a16:creationId xmlns:a16="http://schemas.microsoft.com/office/drawing/2014/main" id="{7097FC74-A3CF-F24B-8D16-560383E4FC62}"/>
               </a:ext>
             </a:extLst>
           </p:cNvPr>
@@ -3135,7 +3306,7 @@
           <p:cNvPr id="4" name="Text Placeholder 3">
             <a:extLst>
               <a:ext uri="{FF2B5EF4-FFF2-40B4-BE49-F238E27FC236}">
-                <a16:creationId xmlns:a16="http://schemas.microsoft.com/office/drawing/2014/main" xmlns="" id="{299F89D8-1260-274E-BB3C-7AE677032796}"/>
+                <a16:creationId xmlns:a16="http://schemas.microsoft.com/office/drawing/2014/main" id="{299F89D8-1260-274E-BB3C-7AE677032796}"/>
               </a:ext>
             </a:extLst>
           </p:cNvPr>
@@ -3206,7 +3377,7 @@
           <p:cNvPr id="5" name="Date Placeholder 4">
             <a:extLst>
               <a:ext uri="{FF2B5EF4-FFF2-40B4-BE49-F238E27FC236}">
-                <a16:creationId xmlns:a16="http://schemas.microsoft.com/office/drawing/2014/main" xmlns="" id="{FC2368EF-1FD1-9C40-B459-5983FF41FB14}"/>
+                <a16:creationId xmlns:a16="http://schemas.microsoft.com/office/drawing/2014/main" id="{FC2368EF-1FD1-9C40-B459-5983FF41FB14}"/>
               </a:ext>
             </a:extLst>
           </p:cNvPr>
@@ -3224,7 +3395,7 @@
           <a:p>
             <a:fld id="{11FEC548-63AB-9B43-9519-48F21B3F6E07}" type="datetimeFigureOut">
               <a:rPr lang="en-US" smtClean="0"/>
-              <a:t>2/11/2020</a:t>
+              <a:t>2/12/20</a:t>
             </a:fld>
             <a:endParaRPr lang="en-US"/>
           </a:p>
@@ -3235,7 +3406,7 @@
           <p:cNvPr id="6" name="Footer Placeholder 5">
             <a:extLst>
               <a:ext uri="{FF2B5EF4-FFF2-40B4-BE49-F238E27FC236}">
-                <a16:creationId xmlns:a16="http://schemas.microsoft.com/office/drawing/2014/main" xmlns="" id="{58B798BF-0EF5-C841-A6AB-7E6A8101CAE6}"/>
+                <a16:creationId xmlns:a16="http://schemas.microsoft.com/office/drawing/2014/main" id="{58B798BF-0EF5-C841-A6AB-7E6A8101CAE6}"/>
               </a:ext>
             </a:extLst>
           </p:cNvPr>
@@ -3260,7 +3431,7 @@
           <p:cNvPr id="7" name="Slide Number Placeholder 6">
             <a:extLst>
               <a:ext uri="{FF2B5EF4-FFF2-40B4-BE49-F238E27FC236}">
-                <a16:creationId xmlns:a16="http://schemas.microsoft.com/office/drawing/2014/main" xmlns="" id="{01CCC26D-3F4A-EE47-A4D2-8FD7A6F6F216}"/>
+                <a16:creationId xmlns:a16="http://schemas.microsoft.com/office/drawing/2014/main" id="{01CCC26D-3F4A-EE47-A4D2-8FD7A6F6F216}"/>
               </a:ext>
             </a:extLst>
           </p:cNvPr>
@@ -3324,7 +3495,7 @@
           <p:cNvPr id="2" name="Title Placeholder 1">
             <a:extLst>
               <a:ext uri="{FF2B5EF4-FFF2-40B4-BE49-F238E27FC236}">
-                <a16:creationId xmlns:a16="http://schemas.microsoft.com/office/drawing/2014/main" xmlns="" id="{5608520A-4E69-3B47-9B06-4891CEEA5050}"/>
+                <a16:creationId xmlns:a16="http://schemas.microsoft.com/office/drawing/2014/main" id="{5608520A-4E69-3B47-9B06-4891CEEA5050}"/>
               </a:ext>
             </a:extLst>
           </p:cNvPr>
@@ -3363,7 +3534,7 @@
           <p:cNvPr id="3" name="Text Placeholder 2">
             <a:extLst>
               <a:ext uri="{FF2B5EF4-FFF2-40B4-BE49-F238E27FC236}">
-                <a16:creationId xmlns:a16="http://schemas.microsoft.com/office/drawing/2014/main" xmlns="" id="{2DEFF16C-7C72-814A-A9E9-D92AF8A63BDC}"/>
+                <a16:creationId xmlns:a16="http://schemas.microsoft.com/office/drawing/2014/main" id="{2DEFF16C-7C72-814A-A9E9-D92AF8A63BDC}"/>
               </a:ext>
             </a:extLst>
           </p:cNvPr>
@@ -3431,7 +3602,7 @@
           <p:cNvPr id="4" name="Date Placeholder 3">
             <a:extLst>
               <a:ext uri="{FF2B5EF4-FFF2-40B4-BE49-F238E27FC236}">
-                <a16:creationId xmlns:a16="http://schemas.microsoft.com/office/drawing/2014/main" xmlns="" id="{64BA5B09-3D15-B649-A1C7-54872A7CF964}"/>
+                <a16:creationId xmlns:a16="http://schemas.microsoft.com/office/drawing/2014/main" id="{64BA5B09-3D15-B649-A1C7-54872A7CF964}"/>
               </a:ext>
             </a:extLst>
           </p:cNvPr>
@@ -3469,7 +3640,7 @@
             <a:fld id="{11FEC548-63AB-9B43-9519-48F21B3F6E07}" type="datetimeFigureOut">
               <a:rPr lang="en-US" smtClean="0"/>
               <a:pPr/>
-              <a:t>2/11/2020</a:t>
+              <a:t>2/12/20</a:t>
             </a:fld>
             <a:endParaRPr lang="en-US" dirty="0"/>
           </a:p>
@@ -3480,7 +3651,7 @@
           <p:cNvPr id="5" name="Footer Placeholder 4">
             <a:extLst>
               <a:ext uri="{FF2B5EF4-FFF2-40B4-BE49-F238E27FC236}">
-                <a16:creationId xmlns:a16="http://schemas.microsoft.com/office/drawing/2014/main" xmlns="" id="{1C625431-DA62-2A4F-AF3F-778AF1B4919E}"/>
+                <a16:creationId xmlns:a16="http://schemas.microsoft.com/office/drawing/2014/main" id="{1C625431-DA62-2A4F-AF3F-778AF1B4919E}"/>
               </a:ext>
             </a:extLst>
           </p:cNvPr>
@@ -3524,7 +3695,7 @@
           <p:cNvPr id="6" name="Slide Number Placeholder 5">
             <a:extLst>
               <a:ext uri="{FF2B5EF4-FFF2-40B4-BE49-F238E27FC236}">
-                <a16:creationId xmlns:a16="http://schemas.microsoft.com/office/drawing/2014/main" xmlns="" id="{D9396B23-855C-4148-830B-7F82A1C34200}"/>
+                <a16:creationId xmlns:a16="http://schemas.microsoft.com/office/drawing/2014/main" id="{D9396B23-855C-4148-830B-7F82A1C34200}"/>
               </a:ext>
             </a:extLst>
           </p:cNvPr>
@@ -3894,7 +4065,7 @@
           <p:cNvPr id="4" name="Rectangle 3">
             <a:extLst>
               <a:ext uri="{FF2B5EF4-FFF2-40B4-BE49-F238E27FC236}">
-                <a16:creationId xmlns:a16="http://schemas.microsoft.com/office/drawing/2014/main" xmlns="" id="{52399E25-A602-9041-B288-6B53FD2743D4}"/>
+                <a16:creationId xmlns:a16="http://schemas.microsoft.com/office/drawing/2014/main" id="{52399E25-A602-9041-B288-6B53FD2743D4}"/>
               </a:ext>
             </a:extLst>
           </p:cNvPr>
@@ -3946,7 +4117,7 @@
           <p:cNvPr id="2" name="Title 1">
             <a:extLst>
               <a:ext uri="{FF2B5EF4-FFF2-40B4-BE49-F238E27FC236}">
-                <a16:creationId xmlns:a16="http://schemas.microsoft.com/office/drawing/2014/main" xmlns="" id="{787133F6-61C4-9C4C-B0D3-E7ACAB59E4CB}"/>
+                <a16:creationId xmlns:a16="http://schemas.microsoft.com/office/drawing/2014/main" id="{787133F6-61C4-9C4C-B0D3-E7ACAB59E4CB}"/>
               </a:ext>
             </a:extLst>
           </p:cNvPr>
@@ -3994,7 +4165,7 @@
           <p:cNvPr id="3" name="Subtitle 2">
             <a:extLst>
               <a:ext uri="{FF2B5EF4-FFF2-40B4-BE49-F238E27FC236}">
-                <a16:creationId xmlns:a16="http://schemas.microsoft.com/office/drawing/2014/main" xmlns="" id="{2AD8C353-FDA8-BA42-AFBC-651B7D3BAEC4}"/>
+                <a16:creationId xmlns:a16="http://schemas.microsoft.com/office/drawing/2014/main" id="{2AD8C353-FDA8-BA42-AFBC-651B7D3BAEC4}"/>
               </a:ext>
             </a:extLst>
           </p:cNvPr>
@@ -4079,7 +4250,7 @@
           <p:cNvPr id="9" name="Rectangle 8">
             <a:extLst>
               <a:ext uri="{FF2B5EF4-FFF2-40B4-BE49-F238E27FC236}">
-                <a16:creationId xmlns:a16="http://schemas.microsoft.com/office/drawing/2014/main" xmlns="" id="{94788CB8-F337-3D4A-96A2-15975A9682C1}"/>
+                <a16:creationId xmlns:a16="http://schemas.microsoft.com/office/drawing/2014/main" id="{94788CB8-F337-3D4A-96A2-15975A9682C1}"/>
               </a:ext>
             </a:extLst>
           </p:cNvPr>
@@ -4131,7 +4302,7 @@
           <p:cNvPr id="6" name="Title 1">
             <a:extLst>
               <a:ext uri="{FF2B5EF4-FFF2-40B4-BE49-F238E27FC236}">
-                <a16:creationId xmlns:a16="http://schemas.microsoft.com/office/drawing/2014/main" xmlns="" id="{FE570DEB-EC52-0942-858A-C58059A724DE}"/>
+                <a16:creationId xmlns:a16="http://schemas.microsoft.com/office/drawing/2014/main" id="{FE570DEB-EC52-0942-858A-C58059A724DE}"/>
               </a:ext>
             </a:extLst>
           </p:cNvPr>
@@ -4236,7 +4407,7 @@
           <p:cNvPr id="2" name="Title 1">
             <a:extLst>
               <a:ext uri="{FF2B5EF4-FFF2-40B4-BE49-F238E27FC236}">
-                <a16:creationId xmlns:a16="http://schemas.microsoft.com/office/drawing/2014/main" xmlns="" id="{3820A429-5ECD-EC4A-B430-BC96EE2088AE}"/>
+                <a16:creationId xmlns:a16="http://schemas.microsoft.com/office/drawing/2014/main" id="{3820A429-5ECD-EC4A-B430-BC96EE2088AE}"/>
               </a:ext>
             </a:extLst>
           </p:cNvPr>
@@ -4264,7 +4435,7 @@
           <p:cNvPr id="14" name="TextBox 13">
             <a:extLst>
               <a:ext uri="{FF2B5EF4-FFF2-40B4-BE49-F238E27FC236}">
-                <a16:creationId xmlns:a16="http://schemas.microsoft.com/office/drawing/2014/main" xmlns="" id="{0FBAC7A0-B2CA-A947-B2C8-6424AA7C138A}"/>
+                <a16:creationId xmlns:a16="http://schemas.microsoft.com/office/drawing/2014/main" id="{0FBAC7A0-B2CA-A947-B2C8-6424AA7C138A}"/>
               </a:ext>
             </a:extLst>
           </p:cNvPr>
@@ -4299,7 +4470,7 @@
           <p:cNvPr id="15" name="TextBox 14">
             <a:extLst>
               <a:ext uri="{FF2B5EF4-FFF2-40B4-BE49-F238E27FC236}">
-                <a16:creationId xmlns:a16="http://schemas.microsoft.com/office/drawing/2014/main" xmlns="" id="{0A3C0122-EA80-8247-A031-566A6A8C7CB6}"/>
+                <a16:creationId xmlns:a16="http://schemas.microsoft.com/office/drawing/2014/main" id="{0A3C0122-EA80-8247-A031-566A6A8C7CB6}"/>
               </a:ext>
             </a:extLst>
           </p:cNvPr>
@@ -4334,7 +4505,7 @@
           <p:cNvPr id="16" name="Rectangle 15">
             <a:extLst>
               <a:ext uri="{FF2B5EF4-FFF2-40B4-BE49-F238E27FC236}">
-                <a16:creationId xmlns:a16="http://schemas.microsoft.com/office/drawing/2014/main" xmlns="" id="{D36ED0B8-3843-444A-802E-5438D1F2020A}"/>
+                <a16:creationId xmlns:a16="http://schemas.microsoft.com/office/drawing/2014/main" id="{D36ED0B8-3843-444A-802E-5438D1F2020A}"/>
               </a:ext>
             </a:extLst>
           </p:cNvPr>
@@ -4386,7 +4557,7 @@
           <p:cNvPr id="17" name="Title 1">
             <a:extLst>
               <a:ext uri="{FF2B5EF4-FFF2-40B4-BE49-F238E27FC236}">
-                <a16:creationId xmlns:a16="http://schemas.microsoft.com/office/drawing/2014/main" xmlns="" id="{014DF31C-EDBD-BF46-B682-2F64B833DAA9}"/>
+                <a16:creationId xmlns:a16="http://schemas.microsoft.com/office/drawing/2014/main" id="{014DF31C-EDBD-BF46-B682-2F64B833DAA9}"/>
               </a:ext>
             </a:extLst>
           </p:cNvPr>
@@ -4449,7 +4620,7 @@
           <p:cNvPr id="28" name="Group 27">
             <a:extLst>
               <a:ext uri="{FF2B5EF4-FFF2-40B4-BE49-F238E27FC236}">
-                <a16:creationId xmlns:a16="http://schemas.microsoft.com/office/drawing/2014/main" xmlns="" id="{FD04F676-AA3D-DB4B-91C5-4DDE8101F6AB}"/>
+                <a16:creationId xmlns:a16="http://schemas.microsoft.com/office/drawing/2014/main" id="{FD04F676-AA3D-DB4B-91C5-4DDE8101F6AB}"/>
               </a:ext>
             </a:extLst>
           </p:cNvPr>
@@ -4469,7 +4640,7 @@
             <p:cNvPr id="11" name="Picture 10">
               <a:extLst>
                 <a:ext uri="{FF2B5EF4-FFF2-40B4-BE49-F238E27FC236}">
-                  <a16:creationId xmlns:a16="http://schemas.microsoft.com/office/drawing/2014/main" xmlns="" id="{BC6A7968-73F5-AF4A-B15A-2288A4536090}"/>
+                  <a16:creationId xmlns:a16="http://schemas.microsoft.com/office/drawing/2014/main" id="{BC6A7968-73F5-AF4A-B15A-2288A4536090}"/>
                 </a:ext>
               </a:extLst>
             </p:cNvPr>
@@ -4498,7 +4669,7 @@
             <p:cNvPr id="19" name="Graphic 18">
               <a:extLst>
                 <a:ext uri="{FF2B5EF4-FFF2-40B4-BE49-F238E27FC236}">
-                  <a16:creationId xmlns:a16="http://schemas.microsoft.com/office/drawing/2014/main" xmlns="" id="{C6498123-492D-FF49-8AE5-0AB54D8D0B4D}"/>
+                  <a16:creationId xmlns:a16="http://schemas.microsoft.com/office/drawing/2014/main" id="{C6498123-492D-FF49-8AE5-0AB54D8D0B4D}"/>
                 </a:ext>
               </a:extLst>
             </p:cNvPr>
@@ -4511,7 +4682,7 @@
             <a:blip r:embed="rId4">
               <a:extLst>
                 <a:ext uri="{96DAC541-7B7A-43D3-8B79-37D633B846F1}">
-                  <asvg:svgBlip xmlns:asvg="http://schemas.microsoft.com/office/drawing/2016/SVG/main" xmlns="" r:embed="rId5"/>
+                  <asvg:svgBlip xmlns:asvg="http://schemas.microsoft.com/office/drawing/2016/SVG/main" r:embed="rId5"/>
                 </a:ext>
               </a:extLst>
             </a:blip>
@@ -4535,7 +4706,7 @@
           <p:cNvPr id="32" name="Group 31">
             <a:extLst>
               <a:ext uri="{FF2B5EF4-FFF2-40B4-BE49-F238E27FC236}">
-                <a16:creationId xmlns:a16="http://schemas.microsoft.com/office/drawing/2014/main" xmlns="" id="{DE567354-8BE1-494A-84B5-51FF580E39FA}"/>
+                <a16:creationId xmlns:a16="http://schemas.microsoft.com/office/drawing/2014/main" id="{DE567354-8BE1-494A-84B5-51FF580E39FA}"/>
               </a:ext>
             </a:extLst>
           </p:cNvPr>
@@ -4555,7 +4726,7 @@
             <p:cNvPr id="13" name="Picture 12">
               <a:extLst>
                 <a:ext uri="{FF2B5EF4-FFF2-40B4-BE49-F238E27FC236}">
-                  <a16:creationId xmlns:a16="http://schemas.microsoft.com/office/drawing/2014/main" xmlns="" id="{776395B6-F895-1D40-9A72-25DEA79932BF}"/>
+                  <a16:creationId xmlns:a16="http://schemas.microsoft.com/office/drawing/2014/main" id="{776395B6-F895-1D40-9A72-25DEA79932BF}"/>
                 </a:ext>
               </a:extLst>
             </p:cNvPr>
@@ -4584,7 +4755,7 @@
             <p:cNvPr id="27" name="Picture 26" descr="A picture containing food&#10;&#10;Description automatically generated">
               <a:extLst>
                 <a:ext uri="{FF2B5EF4-FFF2-40B4-BE49-F238E27FC236}">
-                  <a16:creationId xmlns:a16="http://schemas.microsoft.com/office/drawing/2014/main" xmlns="" id="{2225B208-87C2-E04A-B85C-8E3009682660}"/>
+                  <a16:creationId xmlns:a16="http://schemas.microsoft.com/office/drawing/2014/main" id="{2225B208-87C2-E04A-B85C-8E3009682660}"/>
                 </a:ext>
               </a:extLst>
             </p:cNvPr>
@@ -4615,7 +4786,7 @@
           <p:cNvPr id="31" name="Group 30">
             <a:extLst>
               <a:ext uri="{FF2B5EF4-FFF2-40B4-BE49-F238E27FC236}">
-                <a16:creationId xmlns:a16="http://schemas.microsoft.com/office/drawing/2014/main" xmlns="" id="{B140EA06-C085-7E41-B264-05EEF62A006E}"/>
+                <a16:creationId xmlns:a16="http://schemas.microsoft.com/office/drawing/2014/main" id="{B140EA06-C085-7E41-B264-05EEF62A006E}"/>
               </a:ext>
             </a:extLst>
           </p:cNvPr>
@@ -4635,7 +4806,7 @@
             <p:cNvPr id="12" name="Picture 11">
               <a:extLst>
                 <a:ext uri="{FF2B5EF4-FFF2-40B4-BE49-F238E27FC236}">
-                  <a16:creationId xmlns:a16="http://schemas.microsoft.com/office/drawing/2014/main" xmlns="" id="{825B0B4F-8B29-F444-8176-4E47A248A66E}"/>
+                  <a16:creationId xmlns:a16="http://schemas.microsoft.com/office/drawing/2014/main" id="{825B0B4F-8B29-F444-8176-4E47A248A66E}"/>
                 </a:ext>
               </a:extLst>
             </p:cNvPr>
@@ -4664,7 +4835,7 @@
             <p:cNvPr id="23" name="Picture 22" descr="A close up of a sign&#10;&#10;Description automatically generated">
               <a:extLst>
                 <a:ext uri="{FF2B5EF4-FFF2-40B4-BE49-F238E27FC236}">
-                  <a16:creationId xmlns:a16="http://schemas.microsoft.com/office/drawing/2014/main" xmlns="" id="{BF85C593-FB8F-0E4F-8050-4BFD6F988F9E}"/>
+                  <a16:creationId xmlns:a16="http://schemas.microsoft.com/office/drawing/2014/main" id="{BF85C593-FB8F-0E4F-8050-4BFD6F988F9E}"/>
                 </a:ext>
               </a:extLst>
             </p:cNvPr>
@@ -4694,7 +4865,7 @@
             <p:cNvPr id="30" name="Picture 29" descr="A picture containing drawing&#10;&#10;Description automatically generated">
               <a:extLst>
                 <a:ext uri="{FF2B5EF4-FFF2-40B4-BE49-F238E27FC236}">
-                  <a16:creationId xmlns:a16="http://schemas.microsoft.com/office/drawing/2014/main" xmlns="" id="{0585BE38-7EE1-A54F-831E-4DE0169B7D3C}"/>
+                  <a16:creationId xmlns:a16="http://schemas.microsoft.com/office/drawing/2014/main" id="{0585BE38-7EE1-A54F-831E-4DE0169B7D3C}"/>
                 </a:ext>
               </a:extLst>
             </p:cNvPr>
@@ -5014,7 +5185,7 @@
           <p:cNvPr id="2" name="Title 1">
             <a:extLst>
               <a:ext uri="{FF2B5EF4-FFF2-40B4-BE49-F238E27FC236}">
-                <a16:creationId xmlns:a16="http://schemas.microsoft.com/office/drawing/2014/main" xmlns="" id="{14BB26A9-F1B6-FB46-8486-2718F871DA9F}"/>
+                <a16:creationId xmlns:a16="http://schemas.microsoft.com/office/drawing/2014/main" id="{14BB26A9-F1B6-FB46-8486-2718F871DA9F}"/>
               </a:ext>
             </a:extLst>
           </p:cNvPr>
@@ -5042,7 +5213,7 @@
           <p:cNvPr id="15" name="Picture 14" descr="A screenshot of a cell phone&#10;&#10;Description automatically generated">
             <a:extLst>
               <a:ext uri="{FF2B5EF4-FFF2-40B4-BE49-F238E27FC236}">
-                <a16:creationId xmlns:a16="http://schemas.microsoft.com/office/drawing/2014/main" xmlns="" id="{7B9824A7-7DAA-3C42-88A7-A81C0C4FC6A1}"/>
+                <a16:creationId xmlns:a16="http://schemas.microsoft.com/office/drawing/2014/main" id="{7B9824A7-7DAA-3C42-88A7-A81C0C4FC6A1}"/>
               </a:ext>
             </a:extLst>
           </p:cNvPr>
@@ -5052,7 +5223,7 @@
           <p:nvPr/>
         </p:nvPicPr>
         <p:blipFill>
-          <a:blip r:embed="rId2"/>
+          <a:blip r:embed="rId3"/>
           <a:stretch>
             <a:fillRect/>
           </a:stretch>
@@ -5072,7 +5243,7 @@
           <p:cNvPr id="16" name="Rectangle 15">
             <a:extLst>
               <a:ext uri="{FF2B5EF4-FFF2-40B4-BE49-F238E27FC236}">
-                <a16:creationId xmlns:a16="http://schemas.microsoft.com/office/drawing/2014/main" xmlns="" id="{015F3742-CE40-2049-BF43-741ABA6DB166}"/>
+                <a16:creationId xmlns:a16="http://schemas.microsoft.com/office/drawing/2014/main" id="{015F3742-CE40-2049-BF43-741ABA6DB166}"/>
               </a:ext>
             </a:extLst>
           </p:cNvPr>
@@ -5124,7 +5295,7 @@
           <p:cNvPr id="17" name="Title 1">
             <a:extLst>
               <a:ext uri="{FF2B5EF4-FFF2-40B4-BE49-F238E27FC236}">
-                <a16:creationId xmlns:a16="http://schemas.microsoft.com/office/drawing/2014/main" xmlns="" id="{72A9C31B-351F-3B41-A668-76B6C28EB75A}"/>
+                <a16:creationId xmlns:a16="http://schemas.microsoft.com/office/drawing/2014/main" id="{72A9C31B-351F-3B41-A668-76B6C28EB75A}"/>
               </a:ext>
             </a:extLst>
           </p:cNvPr>
@@ -5187,13 +5358,6 @@
   <p:clrMapOvr>
     <a:masterClrMapping/>
   </p:clrMapOvr>
-  <p:timing>
-    <p:tnLst>
-      <p:par>
-        <p:cTn id="1" dur="indefinite" restart="never" nodeType="tmRoot"/>
-      </p:par>
-    </p:tnLst>
-  </p:timing>
 </p:sld>
 </file>
 
@@ -5219,7 +5383,7 @@
           <p:cNvPr id="2" name="Title 1">
             <a:extLst>
               <a:ext uri="{FF2B5EF4-FFF2-40B4-BE49-F238E27FC236}">
-                <a16:creationId xmlns:a16="http://schemas.microsoft.com/office/drawing/2014/main" xmlns="" id="{14BB26A9-F1B6-FB46-8486-2718F871DA9F}"/>
+                <a16:creationId xmlns:a16="http://schemas.microsoft.com/office/drawing/2014/main" id="{14BB26A9-F1B6-FB46-8486-2718F871DA9F}"/>
               </a:ext>
             </a:extLst>
           </p:cNvPr>
@@ -5247,7 +5411,7 @@
           <p:cNvPr id="4" name="Picture 3" descr="A screenshot of a cell phone&#10;&#10;Description automatically generated">
             <a:extLst>
               <a:ext uri="{FF2B5EF4-FFF2-40B4-BE49-F238E27FC236}">
-                <a16:creationId xmlns:a16="http://schemas.microsoft.com/office/drawing/2014/main" xmlns="" id="{A9E9CD81-5508-D64A-8E38-DC4EF6DE3320}"/>
+                <a16:creationId xmlns:a16="http://schemas.microsoft.com/office/drawing/2014/main" id="{A9E9CD81-5508-D64A-8E38-DC4EF6DE3320}"/>
               </a:ext>
             </a:extLst>
           </p:cNvPr>
@@ -5277,7 +5441,7 @@
           <p:cNvPr id="6" name="Rectangle 5">
             <a:extLst>
               <a:ext uri="{FF2B5EF4-FFF2-40B4-BE49-F238E27FC236}">
-                <a16:creationId xmlns:a16="http://schemas.microsoft.com/office/drawing/2014/main" xmlns="" id="{85BC34CC-7E49-C242-8ECE-9880297D2998}"/>
+                <a16:creationId xmlns:a16="http://schemas.microsoft.com/office/drawing/2014/main" id="{85BC34CC-7E49-C242-8ECE-9880297D2998}"/>
               </a:ext>
             </a:extLst>
           </p:cNvPr>
@@ -5329,7 +5493,7 @@
           <p:cNvPr id="7" name="Title 1">
             <a:extLst>
               <a:ext uri="{FF2B5EF4-FFF2-40B4-BE49-F238E27FC236}">
-                <a16:creationId xmlns:a16="http://schemas.microsoft.com/office/drawing/2014/main" xmlns="" id="{A1DFBAC2-657F-8746-9F98-3FABC49E4EE7}"/>
+                <a16:creationId xmlns:a16="http://schemas.microsoft.com/office/drawing/2014/main" id="{A1DFBAC2-657F-8746-9F98-3FABC49E4EE7}"/>
               </a:ext>
             </a:extLst>
           </p:cNvPr>
@@ -5397,13 +5561,6 @@
   <p:clrMapOvr>
     <a:masterClrMapping/>
   </p:clrMapOvr>
-  <p:timing>
-    <p:tnLst>
-      <p:par>
-        <p:cTn id="1" dur="indefinite" restart="never" nodeType="tmRoot"/>
-      </p:par>
-    </p:tnLst>
-  </p:timing>
 </p:sld>
 </file>
 
@@ -5429,7 +5586,7 @@
           <p:cNvPr id="2" name="Title 1">
             <a:extLst>
               <a:ext uri="{FF2B5EF4-FFF2-40B4-BE49-F238E27FC236}">
-                <a16:creationId xmlns:a16="http://schemas.microsoft.com/office/drawing/2014/main" xmlns="" id="{276FA0D4-C954-984C-9472-2285DDA32842}"/>
+                <a16:creationId xmlns:a16="http://schemas.microsoft.com/office/drawing/2014/main" id="{276FA0D4-C954-984C-9472-2285DDA32842}"/>
               </a:ext>
             </a:extLst>
           </p:cNvPr>
@@ -5457,7 +5614,7 @@
           <p:cNvPr id="5" name="Picture 4" descr="A picture containing text, map&#10;&#10;Description automatically generated">
             <a:extLst>
               <a:ext uri="{FF2B5EF4-FFF2-40B4-BE49-F238E27FC236}">
-                <a16:creationId xmlns:a16="http://schemas.microsoft.com/office/drawing/2014/main" xmlns="" id="{D60205EE-4646-3B46-8932-AE42D7FCEFDE}"/>
+                <a16:creationId xmlns:a16="http://schemas.microsoft.com/office/drawing/2014/main" id="{D60205EE-4646-3B46-8932-AE42D7FCEFDE}"/>
               </a:ext>
             </a:extLst>
           </p:cNvPr>
@@ -5487,7 +5644,7 @@
           <p:cNvPr id="6" name="Rectangle 5">
             <a:extLst>
               <a:ext uri="{FF2B5EF4-FFF2-40B4-BE49-F238E27FC236}">
-                <a16:creationId xmlns:a16="http://schemas.microsoft.com/office/drawing/2014/main" xmlns="" id="{C1DD5CDD-B43C-F746-A4D9-8E7588D26370}"/>
+                <a16:creationId xmlns:a16="http://schemas.microsoft.com/office/drawing/2014/main" id="{C1DD5CDD-B43C-F746-A4D9-8E7588D26370}"/>
               </a:ext>
             </a:extLst>
           </p:cNvPr>
@@ -5539,7 +5696,7 @@
           <p:cNvPr id="7" name="Title 1">
             <a:extLst>
               <a:ext uri="{FF2B5EF4-FFF2-40B4-BE49-F238E27FC236}">
-                <a16:creationId xmlns:a16="http://schemas.microsoft.com/office/drawing/2014/main" xmlns="" id="{998287BD-0D49-5948-AB02-29F63E0691ED}"/>
+                <a16:creationId xmlns:a16="http://schemas.microsoft.com/office/drawing/2014/main" id="{998287BD-0D49-5948-AB02-29F63E0691ED}"/>
               </a:ext>
             </a:extLst>
           </p:cNvPr>
@@ -5607,13 +5764,6 @@
   <p:clrMapOvr>
     <a:masterClrMapping/>
   </p:clrMapOvr>
-  <p:timing>
-    <p:tnLst>
-      <p:par>
-        <p:cTn id="1" dur="indefinite" restart="never" nodeType="tmRoot"/>
-      </p:par>
-    </p:tnLst>
-  </p:timing>
 </p:sld>
 </file>
 
@@ -5639,7 +5789,7 @@
           <p:cNvPr id="9" name="Rectangle 8">
             <a:extLst>
               <a:ext uri="{FF2B5EF4-FFF2-40B4-BE49-F238E27FC236}">
-                <a16:creationId xmlns:a16="http://schemas.microsoft.com/office/drawing/2014/main" xmlns="" id="{94788CB8-F337-3D4A-96A2-15975A9682C1}"/>
+                <a16:creationId xmlns:a16="http://schemas.microsoft.com/office/drawing/2014/main" id="{94788CB8-F337-3D4A-96A2-15975A9682C1}"/>
               </a:ext>
             </a:extLst>
           </p:cNvPr>
@@ -5691,7 +5841,7 @@
           <p:cNvPr id="6" name="Title 1">
             <a:extLst>
               <a:ext uri="{FF2B5EF4-FFF2-40B4-BE49-F238E27FC236}">
-                <a16:creationId xmlns:a16="http://schemas.microsoft.com/office/drawing/2014/main" xmlns="" id="{FE570DEB-EC52-0942-858A-C58059A724DE}"/>
+                <a16:creationId xmlns:a16="http://schemas.microsoft.com/office/drawing/2014/main" id="{FE570DEB-EC52-0942-858A-C58059A724DE}"/>
               </a:ext>
             </a:extLst>
           </p:cNvPr>
@@ -5807,7 +5957,7 @@
           <p:cNvPr id="10" name="Rectangle 9">
             <a:extLst>
               <a:ext uri="{FF2B5EF4-FFF2-40B4-BE49-F238E27FC236}">
-                <a16:creationId xmlns:a16="http://schemas.microsoft.com/office/drawing/2014/main" xmlns="" id="{E5A0BE87-8DCB-E844-B7E2-69EB4215E06D}"/>
+                <a16:creationId xmlns:a16="http://schemas.microsoft.com/office/drawing/2014/main" id="{E5A0BE87-8DCB-E844-B7E2-69EB4215E06D}"/>
               </a:ext>
             </a:extLst>
           </p:cNvPr>
@@ -5859,7 +6009,7 @@
           <p:cNvPr id="2" name="Title 1">
             <a:extLst>
               <a:ext uri="{FF2B5EF4-FFF2-40B4-BE49-F238E27FC236}">
-                <a16:creationId xmlns:a16="http://schemas.microsoft.com/office/drawing/2014/main" xmlns="" id="{842B374F-7FD0-004B-BE04-564927B941ED}"/>
+                <a16:creationId xmlns:a16="http://schemas.microsoft.com/office/drawing/2014/main" id="{842B374F-7FD0-004B-BE04-564927B941ED}"/>
               </a:ext>
             </a:extLst>
           </p:cNvPr>
@@ -5878,7 +6028,7 @@
         </p:spPr>
         <p:txBody>
           <a:bodyPr>
-            <a:normAutofit fontScale="90000"/>
+            <a:normAutofit/>
           </a:bodyPr>
           <a:lstStyle/>
           <a:p>
@@ -5903,7 +6053,7 @@
           <p:cNvPr id="5" name="Content Placeholder 4">
             <a:extLst>
               <a:ext uri="{FF2B5EF4-FFF2-40B4-BE49-F238E27FC236}">
-                <a16:creationId xmlns:a16="http://schemas.microsoft.com/office/drawing/2014/main" xmlns="" id="{E0184F76-F400-2E46-8FCA-67D26AAF9722}"/>
+                <a16:creationId xmlns:a16="http://schemas.microsoft.com/office/drawing/2014/main" id="{E0184F76-F400-2E46-8FCA-67D26AAF9722}"/>
               </a:ext>
             </a:extLst>
           </p:cNvPr>
@@ -5974,7 +6124,7 @@
           <p:cNvPr id="8" name="Content Placeholder 4">
             <a:extLst>
               <a:ext uri="{FF2B5EF4-FFF2-40B4-BE49-F238E27FC236}">
-                <a16:creationId xmlns:a16="http://schemas.microsoft.com/office/drawing/2014/main" xmlns="" id="{A93FF91E-546F-6048-8911-B6C418986BB5}"/>
+                <a16:creationId xmlns:a16="http://schemas.microsoft.com/office/drawing/2014/main" id="{A93FF91E-546F-6048-8911-B6C418986BB5}"/>
               </a:ext>
             </a:extLst>
           </p:cNvPr>
@@ -6205,7 +6355,7 @@
           <p:cNvPr id="9" name="Content Placeholder 4">
             <a:extLst>
               <a:ext uri="{FF2B5EF4-FFF2-40B4-BE49-F238E27FC236}">
-                <a16:creationId xmlns:a16="http://schemas.microsoft.com/office/drawing/2014/main" xmlns="" id="{1A371AB5-CD42-E54B-9EDC-D6D8D0560D7B}"/>
+                <a16:creationId xmlns:a16="http://schemas.microsoft.com/office/drawing/2014/main" id="{1A371AB5-CD42-E54B-9EDC-D6D8D0560D7B}"/>
               </a:ext>
             </a:extLst>
           </p:cNvPr>
@@ -6991,7 +7141,7 @@
           <p:cNvPr id="2" name="Title 1">
             <a:extLst>
               <a:ext uri="{FF2B5EF4-FFF2-40B4-BE49-F238E27FC236}">
-                <a16:creationId xmlns:a16="http://schemas.microsoft.com/office/drawing/2014/main" xmlns="" id="{7C639A83-1180-5A4A-95BC-FD482325E4BC}"/>
+                <a16:creationId xmlns:a16="http://schemas.microsoft.com/office/drawing/2014/main" id="{7C639A83-1180-5A4A-95BC-FD482325E4BC}"/>
               </a:ext>
             </a:extLst>
           </p:cNvPr>
@@ -7019,7 +7169,7 @@
           <p:cNvPr id="6" name="TextBox 5">
             <a:extLst>
               <a:ext uri="{FF2B5EF4-FFF2-40B4-BE49-F238E27FC236}">
-                <a16:creationId xmlns:a16="http://schemas.microsoft.com/office/drawing/2014/main" xmlns="" id="{0A603039-250E-C24F-8B5D-DE811957F9B4}"/>
+                <a16:creationId xmlns:a16="http://schemas.microsoft.com/office/drawing/2014/main" id="{0A603039-250E-C24F-8B5D-DE811957F9B4}"/>
               </a:ext>
             </a:extLst>
           </p:cNvPr>
@@ -7029,7 +7179,7 @@
         <p:spPr>
           <a:xfrm>
             <a:off x="522732" y="1826944"/>
-            <a:ext cx="11146535" cy="4524315"/>
+            <a:ext cx="11146535" cy="4154984"/>
           </a:xfrm>
           <a:prstGeom prst="rect">
             <a:avLst/>
@@ -7095,12 +7245,6 @@
               <a:buChar char="•"/>
             </a:pPr>
             <a:r>
-              <a:rPr lang="en-US" sz="2400" b="1" dirty="0">
-                <a:latin typeface="Futura Light" pitchFamily="2" charset="77"/>
-              </a:rPr>
-              <a:t>Brush tool: </a:t>
-            </a:r>
-            <a:r>
               <a:rPr lang="en-GB" sz="2400" b="1" dirty="0">
                 <a:latin typeface="Futura Light" pitchFamily="2" charset="77"/>
               </a:rPr>
@@ -7146,7 +7290,7 @@
               <a:rPr lang="en-GB" sz="2400" b="1" dirty="0">
                 <a:latin typeface="Futura Light" pitchFamily="2" charset="77"/>
               </a:rPr>
-              <a:t>Application must be able to read every violation stored and automatically generate a ticket </a:t>
+              <a:t>Application must be able to automatically generate a ticket, and let policemen </a:t>
             </a:r>
             <a:endParaRPr lang="en-US" sz="2400" b="1" dirty="0">
               <a:latin typeface="Futura Light" pitchFamily="2" charset="77"/>
@@ -7159,7 +7303,7 @@
           <p:cNvPr id="7" name="Rectangle 6">
             <a:extLst>
               <a:ext uri="{FF2B5EF4-FFF2-40B4-BE49-F238E27FC236}">
-                <a16:creationId xmlns:a16="http://schemas.microsoft.com/office/drawing/2014/main" xmlns="" id="{E2DEF711-8E90-FB47-81CA-6D660297A9A2}"/>
+                <a16:creationId xmlns:a16="http://schemas.microsoft.com/office/drawing/2014/main" id="{E2DEF711-8E90-FB47-81CA-6D660297A9A2}"/>
               </a:ext>
             </a:extLst>
           </p:cNvPr>
@@ -7211,7 +7355,7 @@
           <p:cNvPr id="8" name="Title 1">
             <a:extLst>
               <a:ext uri="{FF2B5EF4-FFF2-40B4-BE49-F238E27FC236}">
-                <a16:creationId xmlns:a16="http://schemas.microsoft.com/office/drawing/2014/main" xmlns="" id="{20F53E0E-0012-7545-B2B8-E4DAF303F34B}"/>
+                <a16:creationId xmlns:a16="http://schemas.microsoft.com/office/drawing/2014/main" id="{20F53E0E-0012-7545-B2B8-E4DAF303F34B}"/>
               </a:ext>
             </a:extLst>
           </p:cNvPr>
@@ -7279,6 +7423,284 @@
   <p:clrMapOvr>
     <a:masterClrMapping/>
   </p:clrMapOvr>
+  <p:timing>
+    <p:tnLst>
+      <p:par>
+        <p:cTn id="1" dur="indefinite" restart="never" nodeType="tmRoot">
+          <p:childTnLst>
+            <p:seq concurrent="1" nextAc="seek">
+              <p:cTn id="2" dur="indefinite" nodeType="mainSeq">
+                <p:childTnLst>
+                  <p:par>
+                    <p:cTn id="3" fill="hold">
+                      <p:stCondLst>
+                        <p:cond delay="indefinite"/>
+                      </p:stCondLst>
+                      <p:childTnLst>
+                        <p:par>
+                          <p:cTn id="4" fill="hold">
+                            <p:stCondLst>
+                              <p:cond delay="0"/>
+                            </p:stCondLst>
+                            <p:childTnLst>
+                              <p:par>
+                                <p:cTn id="5" presetID="1" presetClass="entr" presetSubtype="0" fill="hold" grpId="0" nodeType="clickEffect">
+                                  <p:stCondLst>
+                                    <p:cond delay="0"/>
+                                  </p:stCondLst>
+                                  <p:childTnLst>
+                                    <p:set>
+                                      <p:cBhvr>
+                                        <p:cTn id="6" dur="1" fill="hold">
+                                          <p:stCondLst>
+                                            <p:cond delay="0"/>
+                                          </p:stCondLst>
+                                        </p:cTn>
+                                        <p:tgtEl>
+                                          <p:spTgt spid="6">
+                                            <p:txEl>
+                                              <p:pRg st="0" end="0"/>
+                                            </p:txEl>
+                                          </p:spTgt>
+                                        </p:tgtEl>
+                                        <p:attrNameLst>
+                                          <p:attrName>style.visibility</p:attrName>
+                                        </p:attrNameLst>
+                                      </p:cBhvr>
+                                      <p:to>
+                                        <p:strVal val="visible"/>
+                                      </p:to>
+                                    </p:set>
+                                  </p:childTnLst>
+                                </p:cTn>
+                              </p:par>
+                            </p:childTnLst>
+                          </p:cTn>
+                        </p:par>
+                      </p:childTnLst>
+                    </p:cTn>
+                  </p:par>
+                  <p:par>
+                    <p:cTn id="7" fill="hold">
+                      <p:stCondLst>
+                        <p:cond delay="indefinite"/>
+                      </p:stCondLst>
+                      <p:childTnLst>
+                        <p:par>
+                          <p:cTn id="8" fill="hold">
+                            <p:stCondLst>
+                              <p:cond delay="0"/>
+                            </p:stCondLst>
+                            <p:childTnLst>
+                              <p:par>
+                                <p:cTn id="9" presetID="1" presetClass="entr" presetSubtype="0" fill="hold" grpId="0" nodeType="clickEffect">
+                                  <p:stCondLst>
+                                    <p:cond delay="0"/>
+                                  </p:stCondLst>
+                                  <p:childTnLst>
+                                    <p:set>
+                                      <p:cBhvr>
+                                        <p:cTn id="10" dur="1" fill="hold">
+                                          <p:stCondLst>
+                                            <p:cond delay="0"/>
+                                          </p:stCondLst>
+                                        </p:cTn>
+                                        <p:tgtEl>
+                                          <p:spTgt spid="6">
+                                            <p:txEl>
+                                              <p:pRg st="2" end="2"/>
+                                            </p:txEl>
+                                          </p:spTgt>
+                                        </p:tgtEl>
+                                        <p:attrNameLst>
+                                          <p:attrName>style.visibility</p:attrName>
+                                        </p:attrNameLst>
+                                      </p:cBhvr>
+                                      <p:to>
+                                        <p:strVal val="visible"/>
+                                      </p:to>
+                                    </p:set>
+                                  </p:childTnLst>
+                                </p:cTn>
+                              </p:par>
+                            </p:childTnLst>
+                          </p:cTn>
+                        </p:par>
+                      </p:childTnLst>
+                    </p:cTn>
+                  </p:par>
+                  <p:par>
+                    <p:cTn id="11" fill="hold">
+                      <p:stCondLst>
+                        <p:cond delay="indefinite"/>
+                      </p:stCondLst>
+                      <p:childTnLst>
+                        <p:par>
+                          <p:cTn id="12" fill="hold">
+                            <p:stCondLst>
+                              <p:cond delay="0"/>
+                            </p:stCondLst>
+                            <p:childTnLst>
+                              <p:par>
+                                <p:cTn id="13" presetID="1" presetClass="entr" presetSubtype="0" fill="hold" grpId="0" nodeType="clickEffect">
+                                  <p:stCondLst>
+                                    <p:cond delay="0"/>
+                                  </p:stCondLst>
+                                  <p:childTnLst>
+                                    <p:set>
+                                      <p:cBhvr>
+                                        <p:cTn id="14" dur="1" fill="hold">
+                                          <p:stCondLst>
+                                            <p:cond delay="0"/>
+                                          </p:stCondLst>
+                                        </p:cTn>
+                                        <p:tgtEl>
+                                          <p:spTgt spid="6">
+                                            <p:txEl>
+                                              <p:pRg st="4" end="4"/>
+                                            </p:txEl>
+                                          </p:spTgt>
+                                        </p:tgtEl>
+                                        <p:attrNameLst>
+                                          <p:attrName>style.visibility</p:attrName>
+                                        </p:attrNameLst>
+                                      </p:cBhvr>
+                                      <p:to>
+                                        <p:strVal val="visible"/>
+                                      </p:to>
+                                    </p:set>
+                                  </p:childTnLst>
+                                </p:cTn>
+                              </p:par>
+                            </p:childTnLst>
+                          </p:cTn>
+                        </p:par>
+                      </p:childTnLst>
+                    </p:cTn>
+                  </p:par>
+                  <p:par>
+                    <p:cTn id="15" fill="hold">
+                      <p:stCondLst>
+                        <p:cond delay="indefinite"/>
+                      </p:stCondLst>
+                      <p:childTnLst>
+                        <p:par>
+                          <p:cTn id="16" fill="hold">
+                            <p:stCondLst>
+                              <p:cond delay="0"/>
+                            </p:stCondLst>
+                            <p:childTnLst>
+                              <p:par>
+                                <p:cTn id="17" presetID="1" presetClass="entr" presetSubtype="0" fill="hold" grpId="0" nodeType="clickEffect">
+                                  <p:stCondLst>
+                                    <p:cond delay="0"/>
+                                  </p:stCondLst>
+                                  <p:childTnLst>
+                                    <p:set>
+                                      <p:cBhvr>
+                                        <p:cTn id="18" dur="1" fill="hold">
+                                          <p:stCondLst>
+                                            <p:cond delay="0"/>
+                                          </p:stCondLst>
+                                        </p:cTn>
+                                        <p:tgtEl>
+                                          <p:spTgt spid="6">
+                                            <p:txEl>
+                                              <p:pRg st="6" end="6"/>
+                                            </p:txEl>
+                                          </p:spTgt>
+                                        </p:tgtEl>
+                                        <p:attrNameLst>
+                                          <p:attrName>style.visibility</p:attrName>
+                                        </p:attrNameLst>
+                                      </p:cBhvr>
+                                      <p:to>
+                                        <p:strVal val="visible"/>
+                                      </p:to>
+                                    </p:set>
+                                  </p:childTnLst>
+                                </p:cTn>
+                              </p:par>
+                            </p:childTnLst>
+                          </p:cTn>
+                        </p:par>
+                      </p:childTnLst>
+                    </p:cTn>
+                  </p:par>
+                  <p:par>
+                    <p:cTn id="19" fill="hold">
+                      <p:stCondLst>
+                        <p:cond delay="indefinite"/>
+                      </p:stCondLst>
+                      <p:childTnLst>
+                        <p:par>
+                          <p:cTn id="20" fill="hold">
+                            <p:stCondLst>
+                              <p:cond delay="0"/>
+                            </p:stCondLst>
+                            <p:childTnLst>
+                              <p:par>
+                                <p:cTn id="21" presetID="1" presetClass="entr" presetSubtype="0" fill="hold" grpId="0" nodeType="clickEffect">
+                                  <p:stCondLst>
+                                    <p:cond delay="0"/>
+                                  </p:stCondLst>
+                                  <p:childTnLst>
+                                    <p:set>
+                                      <p:cBhvr>
+                                        <p:cTn id="22" dur="1" fill="hold">
+                                          <p:stCondLst>
+                                            <p:cond delay="0"/>
+                                          </p:stCondLst>
+                                        </p:cTn>
+                                        <p:tgtEl>
+                                          <p:spTgt spid="6">
+                                            <p:txEl>
+                                              <p:pRg st="8" end="8"/>
+                                            </p:txEl>
+                                          </p:spTgt>
+                                        </p:tgtEl>
+                                        <p:attrNameLst>
+                                          <p:attrName>style.visibility</p:attrName>
+                                        </p:attrNameLst>
+                                      </p:cBhvr>
+                                      <p:to>
+                                        <p:strVal val="visible"/>
+                                      </p:to>
+                                    </p:set>
+                                  </p:childTnLst>
+                                </p:cTn>
+                              </p:par>
+                            </p:childTnLst>
+                          </p:cTn>
+                        </p:par>
+                      </p:childTnLst>
+                    </p:cTn>
+                  </p:par>
+                </p:childTnLst>
+              </p:cTn>
+              <p:prevCondLst>
+                <p:cond evt="onPrev" delay="0">
+                  <p:tgtEl>
+                    <p:sldTgt/>
+                  </p:tgtEl>
+                </p:cond>
+              </p:prevCondLst>
+              <p:nextCondLst>
+                <p:cond evt="onNext" delay="0">
+                  <p:tgtEl>
+                    <p:sldTgt/>
+                  </p:tgtEl>
+                </p:cond>
+              </p:nextCondLst>
+            </p:seq>
+          </p:childTnLst>
+        </p:cTn>
+      </p:par>
+    </p:tnLst>
+    <p:bldLst>
+      <p:bldP spid="6" grpId="0" build="p"/>
+    </p:bldLst>
+  </p:timing>
 </p:sld>
 </file>
 
@@ -7301,71 +7723,10 @@
       </p:grpSpPr>
       <p:sp>
         <p:nvSpPr>
-          <p:cNvPr id="9" name="Content Placeholder 4">
-            <a:extLst>
-              <a:ext uri="{FF2B5EF4-FFF2-40B4-BE49-F238E27FC236}">
-                <a16:creationId xmlns:a16="http://schemas.microsoft.com/office/drawing/2014/main" xmlns="" id="{56648882-2D44-454E-BCE5-4FD5652709A6}"/>
-              </a:ext>
-            </a:extLst>
-          </p:cNvPr>
-          <p:cNvSpPr>
-            <a:spLocks noGrp="1"/>
-          </p:cNvSpPr>
-          <p:nvPr>
-            <p:ph idx="1"/>
-          </p:nvPr>
-        </p:nvSpPr>
-        <p:spPr>
-          <a:xfrm>
-            <a:off x="87045" y="2354217"/>
-            <a:ext cx="3877056" cy="4297680"/>
-          </a:xfrm>
-        </p:spPr>
-        <p:txBody>
-          <a:bodyPr>
-            <a:normAutofit/>
-          </a:bodyPr>
-          <a:lstStyle/>
-          <a:p>
-            <a:pPr marL="0" indent="0">
-              <a:buNone/>
-            </a:pPr>
-            <a:r>
-              <a:rPr lang="en-US" dirty="0"/>
-              <a:t>Device</a:t>
-            </a:r>
-          </a:p>
-          <a:p>
-            <a:pPr marL="0" indent="0">
-              <a:buNone/>
-            </a:pPr>
-            <a:endParaRPr lang="en-US" dirty="0"/>
-          </a:p>
-          <a:p>
-            <a:r>
-              <a:rPr lang="en-US" b="1" dirty="0">
-                <a:latin typeface="Futura Light" pitchFamily="2" charset="77"/>
-              </a:rPr>
-              <a:t>HD camera</a:t>
-            </a:r>
-          </a:p>
-          <a:p>
-            <a:r>
-              <a:rPr lang="en-US" b="1" dirty="0">
-                <a:latin typeface="Futura Light" pitchFamily="2" charset="77"/>
-              </a:rPr>
-              <a:t>GPS location with at least 5m accuracy </a:t>
-            </a:r>
-            <a:endParaRPr lang="en-US" b="1" dirty="0"/>
-          </a:p>
-        </p:txBody>
-      </p:sp>
-      <p:sp>
-        <p:nvSpPr>
           <p:cNvPr id="14" name="Rectangle 13">
             <a:extLst>
               <a:ext uri="{FF2B5EF4-FFF2-40B4-BE49-F238E27FC236}">
-                <a16:creationId xmlns:a16="http://schemas.microsoft.com/office/drawing/2014/main" xmlns="" id="{E1C28852-F50A-304D-9116-69BE19298436}"/>
+                <a16:creationId xmlns:a16="http://schemas.microsoft.com/office/drawing/2014/main" id="{E1C28852-F50A-304D-9116-69BE19298436}"/>
               </a:ext>
             </a:extLst>
           </p:cNvPr>
@@ -7417,7 +7778,7 @@
           <p:cNvPr id="15" name="Title 1">
             <a:extLst>
               <a:ext uri="{FF2B5EF4-FFF2-40B4-BE49-F238E27FC236}">
-                <a16:creationId xmlns:a16="http://schemas.microsoft.com/office/drawing/2014/main" xmlns="" id="{042BB011-C93E-7448-8782-9779E905AD0D}"/>
+                <a16:creationId xmlns:a16="http://schemas.microsoft.com/office/drawing/2014/main" id="{042BB011-C93E-7448-8782-9779E905AD0D}"/>
               </a:ext>
             </a:extLst>
           </p:cNvPr>
@@ -7480,7 +7841,7 @@
           <p:cNvPr id="16" name="Content Placeholder 4">
             <a:extLst>
               <a:ext uri="{FF2B5EF4-FFF2-40B4-BE49-F238E27FC236}">
-                <a16:creationId xmlns:a16="http://schemas.microsoft.com/office/drawing/2014/main" xmlns="" id="{B883DD24-8D71-4E41-83A8-DFBF7E314925}"/>
+                <a16:creationId xmlns:a16="http://schemas.microsoft.com/office/drawing/2014/main" id="{B883DD24-8D71-4E41-83A8-DFBF7E314925}"/>
               </a:ext>
             </a:extLst>
           </p:cNvPr>
@@ -7707,7 +8068,7 @@
           <p:cNvPr id="17" name="Content Placeholder 4">
             <a:extLst>
               <a:ext uri="{FF2B5EF4-FFF2-40B4-BE49-F238E27FC236}">
-                <a16:creationId xmlns:a16="http://schemas.microsoft.com/office/drawing/2014/main" xmlns="" id="{2A038D9F-F595-B840-AABB-25A2CB9FE815}"/>
+                <a16:creationId xmlns:a16="http://schemas.microsoft.com/office/drawing/2014/main" id="{2A038D9F-F595-B840-AABB-25A2CB9FE815}"/>
               </a:ext>
             </a:extLst>
           </p:cNvPr>
@@ -7929,6 +8290,233 @@
           </a:p>
         </p:txBody>
       </p:sp>
+      <p:sp>
+        <p:nvSpPr>
+          <p:cNvPr id="7" name="Content Placeholder 4">
+            <a:extLst>
+              <a:ext uri="{FF2B5EF4-FFF2-40B4-BE49-F238E27FC236}">
+                <a16:creationId xmlns:a16="http://schemas.microsoft.com/office/drawing/2014/main" id="{C6CCC879-572C-794E-8C85-E5EA270140E0}"/>
+              </a:ext>
+            </a:extLst>
+          </p:cNvPr>
+          <p:cNvSpPr txBox="1">
+            <a:spLocks/>
+          </p:cNvSpPr>
+          <p:nvPr/>
+        </p:nvSpPr>
+        <p:spPr>
+          <a:xfrm>
+            <a:off x="206643" y="2422443"/>
+            <a:ext cx="3877056" cy="4297680"/>
+          </a:xfrm>
+          <a:prstGeom prst="rect">
+            <a:avLst/>
+          </a:prstGeom>
+        </p:spPr>
+        <p:txBody>
+          <a:bodyPr vert="horz" lIns="91440" tIns="45720" rIns="91440" bIns="45720" rtlCol="0">
+            <a:normAutofit/>
+          </a:bodyPr>
+          <a:lstStyle>
+            <a:lvl1pPr marL="228600" indent="-228600" algn="l" defTabSz="914400" rtl="0" eaLnBrk="1" latinLnBrk="0" hangingPunct="1">
+              <a:lnSpc>
+                <a:spcPct val="90000"/>
+              </a:lnSpc>
+              <a:spcBef>
+                <a:spcPts val="1000"/>
+              </a:spcBef>
+              <a:buFont typeface="Arial" panose="020B0604020202020204" pitchFamily="34" charset="0"/>
+              <a:buChar char="•"/>
+              <a:defRPr sz="2800" b="0" i="0" kern="1200">
+                <a:solidFill>
+                  <a:schemeClr val="tx1"/>
+                </a:solidFill>
+                <a:latin typeface="Futura Medium" panose="020B0602020204020303" pitchFamily="34" charset="-79"/>
+                <a:ea typeface="+mn-ea"/>
+                <a:cs typeface="+mn-cs"/>
+              </a:defRPr>
+            </a:lvl1pPr>
+            <a:lvl2pPr marL="685800" indent="-228600" algn="l" defTabSz="914400" rtl="0" eaLnBrk="1" latinLnBrk="0" hangingPunct="1">
+              <a:lnSpc>
+                <a:spcPct val="90000"/>
+              </a:lnSpc>
+              <a:spcBef>
+                <a:spcPts val="500"/>
+              </a:spcBef>
+              <a:buFont typeface="Arial" panose="020B0604020202020204" pitchFamily="34" charset="0"/>
+              <a:buChar char="•"/>
+              <a:defRPr sz="2400" b="0" i="0" kern="1200">
+                <a:solidFill>
+                  <a:schemeClr val="tx1"/>
+                </a:solidFill>
+                <a:latin typeface="Futura Medium" panose="020B0602020204020303" pitchFamily="34" charset="-79"/>
+                <a:ea typeface="+mn-ea"/>
+                <a:cs typeface="+mn-cs"/>
+              </a:defRPr>
+            </a:lvl2pPr>
+            <a:lvl3pPr marL="1143000" indent="-228600" algn="l" defTabSz="914400" rtl="0" eaLnBrk="1" latinLnBrk="0" hangingPunct="1">
+              <a:lnSpc>
+                <a:spcPct val="90000"/>
+              </a:lnSpc>
+              <a:spcBef>
+                <a:spcPts val="500"/>
+              </a:spcBef>
+              <a:buFont typeface="Arial" panose="020B0604020202020204" pitchFamily="34" charset="0"/>
+              <a:buChar char="•"/>
+              <a:defRPr sz="2000" b="0" i="0" kern="1200">
+                <a:solidFill>
+                  <a:schemeClr val="tx1"/>
+                </a:solidFill>
+                <a:latin typeface="Futura Medium" panose="020B0602020204020303" pitchFamily="34" charset="-79"/>
+                <a:ea typeface="+mn-ea"/>
+                <a:cs typeface="+mn-cs"/>
+              </a:defRPr>
+            </a:lvl3pPr>
+            <a:lvl4pPr marL="1600200" indent="-228600" algn="l" defTabSz="914400" rtl="0" eaLnBrk="1" latinLnBrk="0" hangingPunct="1">
+              <a:lnSpc>
+                <a:spcPct val="90000"/>
+              </a:lnSpc>
+              <a:spcBef>
+                <a:spcPts val="500"/>
+              </a:spcBef>
+              <a:buFont typeface="Arial" panose="020B0604020202020204" pitchFamily="34" charset="0"/>
+              <a:buChar char="•"/>
+              <a:defRPr sz="1800" b="0" i="0" kern="1200">
+                <a:solidFill>
+                  <a:schemeClr val="tx1"/>
+                </a:solidFill>
+                <a:latin typeface="Futura Medium" panose="020B0602020204020303" pitchFamily="34" charset="-79"/>
+                <a:ea typeface="+mn-ea"/>
+                <a:cs typeface="+mn-cs"/>
+              </a:defRPr>
+            </a:lvl4pPr>
+            <a:lvl5pPr marL="2057400" indent="-228600" algn="l" defTabSz="914400" rtl="0" eaLnBrk="1" latinLnBrk="0" hangingPunct="1">
+              <a:lnSpc>
+                <a:spcPct val="90000"/>
+              </a:lnSpc>
+              <a:spcBef>
+                <a:spcPts val="500"/>
+              </a:spcBef>
+              <a:buFont typeface="Arial" panose="020B0604020202020204" pitchFamily="34" charset="0"/>
+              <a:buChar char="•"/>
+              <a:defRPr sz="1800" b="0" i="0" kern="1200">
+                <a:solidFill>
+                  <a:schemeClr val="tx1"/>
+                </a:solidFill>
+                <a:latin typeface="Futura Medium" panose="020B0602020204020303" pitchFamily="34" charset="-79"/>
+                <a:ea typeface="+mn-ea"/>
+                <a:cs typeface="+mn-cs"/>
+              </a:defRPr>
+            </a:lvl5pPr>
+            <a:lvl6pPr marL="2514600" indent="-228600" algn="l" defTabSz="914400" rtl="0" eaLnBrk="1" latinLnBrk="0" hangingPunct="1">
+              <a:lnSpc>
+                <a:spcPct val="90000"/>
+              </a:lnSpc>
+              <a:spcBef>
+                <a:spcPts val="500"/>
+              </a:spcBef>
+              <a:buFont typeface="Arial" panose="020B0604020202020204" pitchFamily="34" charset="0"/>
+              <a:buChar char="•"/>
+              <a:defRPr sz="1800" kern="1200">
+                <a:solidFill>
+                  <a:schemeClr val="tx1"/>
+                </a:solidFill>
+                <a:latin typeface="+mn-lt"/>
+                <a:ea typeface="+mn-ea"/>
+                <a:cs typeface="+mn-cs"/>
+              </a:defRPr>
+            </a:lvl6pPr>
+            <a:lvl7pPr marL="2971800" indent="-228600" algn="l" defTabSz="914400" rtl="0" eaLnBrk="1" latinLnBrk="0" hangingPunct="1">
+              <a:lnSpc>
+                <a:spcPct val="90000"/>
+              </a:lnSpc>
+              <a:spcBef>
+                <a:spcPts val="500"/>
+              </a:spcBef>
+              <a:buFont typeface="Arial" panose="020B0604020202020204" pitchFamily="34" charset="0"/>
+              <a:buChar char="•"/>
+              <a:defRPr sz="1800" kern="1200">
+                <a:solidFill>
+                  <a:schemeClr val="tx1"/>
+                </a:solidFill>
+                <a:latin typeface="+mn-lt"/>
+                <a:ea typeface="+mn-ea"/>
+                <a:cs typeface="+mn-cs"/>
+              </a:defRPr>
+            </a:lvl7pPr>
+            <a:lvl8pPr marL="3429000" indent="-228600" algn="l" defTabSz="914400" rtl="0" eaLnBrk="1" latinLnBrk="0" hangingPunct="1">
+              <a:lnSpc>
+                <a:spcPct val="90000"/>
+              </a:lnSpc>
+              <a:spcBef>
+                <a:spcPts val="500"/>
+              </a:spcBef>
+              <a:buFont typeface="Arial" panose="020B0604020202020204" pitchFamily="34" charset="0"/>
+              <a:buChar char="•"/>
+              <a:defRPr sz="1800" kern="1200">
+                <a:solidFill>
+                  <a:schemeClr val="tx1"/>
+                </a:solidFill>
+                <a:latin typeface="+mn-lt"/>
+                <a:ea typeface="+mn-ea"/>
+                <a:cs typeface="+mn-cs"/>
+              </a:defRPr>
+            </a:lvl8pPr>
+            <a:lvl9pPr marL="3886200" indent="-228600" algn="l" defTabSz="914400" rtl="0" eaLnBrk="1" latinLnBrk="0" hangingPunct="1">
+              <a:lnSpc>
+                <a:spcPct val="90000"/>
+              </a:lnSpc>
+              <a:spcBef>
+                <a:spcPts val="500"/>
+              </a:spcBef>
+              <a:buFont typeface="Arial" panose="020B0604020202020204" pitchFamily="34" charset="0"/>
+              <a:buChar char="•"/>
+              <a:defRPr sz="1800" kern="1200">
+                <a:solidFill>
+                  <a:schemeClr val="tx1"/>
+                </a:solidFill>
+                <a:latin typeface="+mn-lt"/>
+                <a:ea typeface="+mn-ea"/>
+                <a:cs typeface="+mn-cs"/>
+              </a:defRPr>
+            </a:lvl9pPr>
+          </a:lstStyle>
+          <a:p>
+            <a:pPr marL="0" indent="0">
+              <a:buFont typeface="Arial" panose="020B0604020202020204" pitchFamily="34" charset="0"/>
+              <a:buNone/>
+            </a:pPr>
+            <a:r>
+              <a:rPr lang="en-US" dirty="0"/>
+              <a:t>Device</a:t>
+            </a:r>
+          </a:p>
+          <a:p>
+            <a:pPr marL="0" indent="0">
+              <a:buFont typeface="Arial" panose="020B0604020202020204" pitchFamily="34" charset="0"/>
+              <a:buNone/>
+            </a:pPr>
+            <a:endParaRPr lang="en-US" dirty="0"/>
+          </a:p>
+          <a:p>
+            <a:r>
+              <a:rPr lang="en-US" b="1" dirty="0">
+                <a:latin typeface="Futura Light" pitchFamily="2" charset="77"/>
+              </a:rPr>
+              <a:t>HD camera</a:t>
+            </a:r>
+          </a:p>
+          <a:p>
+            <a:r>
+              <a:rPr lang="en-US" b="1" dirty="0">
+                <a:latin typeface="Futura Light" pitchFamily="2" charset="77"/>
+              </a:rPr>
+              <a:t>GPS location with at least 5m accuracy</a:t>
+            </a:r>
+            <a:endParaRPr lang="en-US" b="1" dirty="0"/>
+          </a:p>
+        </p:txBody>
+      </p:sp>
     </p:spTree>
     <p:extLst>
       <p:ext uri="{BB962C8B-B14F-4D97-AF65-F5344CB8AC3E}">
@@ -7973,11 +8561,7 @@
                                           </p:stCondLst>
                                         </p:cTn>
                                         <p:tgtEl>
-                                          <p:spTgt spid="9">
-                                            <p:txEl>
-                                              <p:pRg st="0" end="0"/>
-                                            </p:txEl>
-                                          </p:spTgt>
+                                          <p:spTgt spid="7"/>
                                         </p:tgtEl>
                                         <p:attrNameLst>
                                           <p:attrName>style.visibility</p:attrName>
@@ -8022,11 +8606,7 @@
                                           </p:stCondLst>
                                         </p:cTn>
                                         <p:tgtEl>
-                                          <p:spTgt spid="9">
-                                            <p:txEl>
-                                              <p:pRg st="2" end="2"/>
-                                            </p:txEl>
-                                          </p:spTgt>
+                                          <p:spTgt spid="16"/>
                                         </p:tgtEl>
                                         <p:attrNameLst>
                                           <p:attrName>style.visibility</p:attrName>
@@ -8066,100 +8646,6 @@
                                     <p:set>
                                       <p:cBhvr>
                                         <p:cTn id="14" dur="1" fill="hold">
-                                          <p:stCondLst>
-                                            <p:cond delay="0"/>
-                                          </p:stCondLst>
-                                        </p:cTn>
-                                        <p:tgtEl>
-                                          <p:spTgt spid="9">
-                                            <p:txEl>
-                                              <p:pRg st="3" end="3"/>
-                                            </p:txEl>
-                                          </p:spTgt>
-                                        </p:tgtEl>
-                                        <p:attrNameLst>
-                                          <p:attrName>style.visibility</p:attrName>
-                                        </p:attrNameLst>
-                                      </p:cBhvr>
-                                      <p:to>
-                                        <p:strVal val="visible"/>
-                                      </p:to>
-                                    </p:set>
-                                  </p:childTnLst>
-                                </p:cTn>
-                              </p:par>
-                            </p:childTnLst>
-                          </p:cTn>
-                        </p:par>
-                      </p:childTnLst>
-                    </p:cTn>
-                  </p:par>
-                  <p:par>
-                    <p:cTn id="15" fill="hold">
-                      <p:stCondLst>
-                        <p:cond delay="indefinite"/>
-                      </p:stCondLst>
-                      <p:childTnLst>
-                        <p:par>
-                          <p:cTn id="16" fill="hold">
-                            <p:stCondLst>
-                              <p:cond delay="0"/>
-                            </p:stCondLst>
-                            <p:childTnLst>
-                              <p:par>
-                                <p:cTn id="17" presetID="1" presetClass="entr" presetSubtype="0" fill="hold" grpId="0" nodeType="clickEffect">
-                                  <p:stCondLst>
-                                    <p:cond delay="0"/>
-                                  </p:stCondLst>
-                                  <p:childTnLst>
-                                    <p:set>
-                                      <p:cBhvr>
-                                        <p:cTn id="18" dur="1" fill="hold">
-                                          <p:stCondLst>
-                                            <p:cond delay="0"/>
-                                          </p:stCondLst>
-                                        </p:cTn>
-                                        <p:tgtEl>
-                                          <p:spTgt spid="16"/>
-                                        </p:tgtEl>
-                                        <p:attrNameLst>
-                                          <p:attrName>style.visibility</p:attrName>
-                                        </p:attrNameLst>
-                                      </p:cBhvr>
-                                      <p:to>
-                                        <p:strVal val="visible"/>
-                                      </p:to>
-                                    </p:set>
-                                  </p:childTnLst>
-                                </p:cTn>
-                              </p:par>
-                            </p:childTnLst>
-                          </p:cTn>
-                        </p:par>
-                      </p:childTnLst>
-                    </p:cTn>
-                  </p:par>
-                  <p:par>
-                    <p:cTn id="19" fill="hold">
-                      <p:stCondLst>
-                        <p:cond delay="indefinite"/>
-                      </p:stCondLst>
-                      <p:childTnLst>
-                        <p:par>
-                          <p:cTn id="20" fill="hold">
-                            <p:stCondLst>
-                              <p:cond delay="0"/>
-                            </p:stCondLst>
-                            <p:childTnLst>
-                              <p:par>
-                                <p:cTn id="21" presetID="1" presetClass="entr" presetSubtype="0" fill="hold" grpId="0" nodeType="clickEffect">
-                                  <p:stCondLst>
-                                    <p:cond delay="0"/>
-                                  </p:stCondLst>
-                                  <p:childTnLst>
-                                    <p:set>
-                                      <p:cBhvr>
-                                        <p:cTn id="22" dur="1" fill="hold">
                                           <p:stCondLst>
                                             <p:cond delay="0"/>
                                           </p:stCondLst>
@@ -8206,9 +8692,9 @@
       </p:par>
     </p:tnLst>
     <p:bldLst>
-      <p:bldP spid="9" grpId="0" build="p"/>
       <p:bldP spid="16" grpId="0"/>
       <p:bldP spid="17" grpId="0"/>
+      <p:bldP spid="7" grpId="0"/>
     </p:bldLst>
   </p:timing>
 </p:sld>
@@ -8236,7 +8722,7 @@
           <p:cNvPr id="9" name="Rectangle 8">
             <a:extLst>
               <a:ext uri="{FF2B5EF4-FFF2-40B4-BE49-F238E27FC236}">
-                <a16:creationId xmlns:a16="http://schemas.microsoft.com/office/drawing/2014/main" xmlns="" id="{94788CB8-F337-3D4A-96A2-15975A9682C1}"/>
+                <a16:creationId xmlns:a16="http://schemas.microsoft.com/office/drawing/2014/main" id="{94788CB8-F337-3D4A-96A2-15975A9682C1}"/>
               </a:ext>
             </a:extLst>
           </p:cNvPr>
@@ -8288,7 +8774,7 @@
           <p:cNvPr id="6" name="Title 1">
             <a:extLst>
               <a:ext uri="{FF2B5EF4-FFF2-40B4-BE49-F238E27FC236}">
-                <a16:creationId xmlns:a16="http://schemas.microsoft.com/office/drawing/2014/main" xmlns="" id="{FE570DEB-EC52-0942-858A-C58059A724DE}"/>
+                <a16:creationId xmlns:a16="http://schemas.microsoft.com/office/drawing/2014/main" id="{FE570DEB-EC52-0942-858A-C58059A724DE}"/>
               </a:ext>
             </a:extLst>
           </p:cNvPr>
@@ -8381,7 +8867,7 @@
           <p:cNvPr id="7" name="TextBox 6">
             <a:extLst>
               <a:ext uri="{FF2B5EF4-FFF2-40B4-BE49-F238E27FC236}">
-                <a16:creationId xmlns:a16="http://schemas.microsoft.com/office/drawing/2014/main" xmlns="" id="{AE49466C-B5AE-4B6B-8916-DFAB777A37B0}"/>
+                <a16:creationId xmlns:a16="http://schemas.microsoft.com/office/drawing/2014/main" id="{AE49466C-B5AE-4B6B-8916-DFAB777A37B0}"/>
               </a:ext>
             </a:extLst>
           </p:cNvPr>
@@ -8569,7 +9055,7 @@
           <p:cNvPr id="8" name="TextBox 7">
             <a:extLst>
               <a:ext uri="{FF2B5EF4-FFF2-40B4-BE49-F238E27FC236}">
-                <a16:creationId xmlns:a16="http://schemas.microsoft.com/office/drawing/2014/main" xmlns="" id="{AE334569-08BD-4002-82CA-D9D76BFF18C3}"/>
+                <a16:creationId xmlns:a16="http://schemas.microsoft.com/office/drawing/2014/main" id="{AE334569-08BD-4002-82CA-D9D76BFF18C3}"/>
               </a:ext>
             </a:extLst>
           </p:cNvPr>
@@ -8697,7 +9183,7 @@
           <p:cNvPr id="9" name="Rectangle 8">
             <a:extLst>
               <a:ext uri="{FF2B5EF4-FFF2-40B4-BE49-F238E27FC236}">
-                <a16:creationId xmlns:a16="http://schemas.microsoft.com/office/drawing/2014/main" xmlns="" id="{65FF3B07-6D30-430E-8342-FF910AE28FE1}"/>
+                <a16:creationId xmlns:a16="http://schemas.microsoft.com/office/drawing/2014/main" id="{65FF3B07-6D30-430E-8342-FF910AE28FE1}"/>
               </a:ext>
             </a:extLst>
           </p:cNvPr>
@@ -8854,7 +9340,7 @@
           <p:cNvPr id="10" name="TextBox 9">
             <a:extLst>
               <a:ext uri="{FF2B5EF4-FFF2-40B4-BE49-F238E27FC236}">
-                <a16:creationId xmlns:a16="http://schemas.microsoft.com/office/drawing/2014/main" xmlns="" id="{A9761976-A3BE-4009-96A3-CFD8078F5894}"/>
+                <a16:creationId xmlns:a16="http://schemas.microsoft.com/office/drawing/2014/main" id="{A9761976-A3BE-4009-96A3-CFD8078F5894}"/>
               </a:ext>
             </a:extLst>
           </p:cNvPr>
@@ -8925,13 +9411,6 @@
             </a:r>
           </a:p>
           <a:p>
-            <a:r>
-              <a:rPr lang="en-US" sz="1400" dirty="0">
-                <a:latin typeface="Arial" panose="020B0604020202020204" pitchFamily="34" charset="0"/>
-                <a:cs typeface="Arial" panose="020B0604020202020204" pitchFamily="34" charset="0"/>
-              </a:rPr>
-              <a:t/>
-            </a:r>
             <a:br>
               <a:rPr lang="en-US" sz="1400" dirty="0">
                 <a:latin typeface="Arial" panose="020B0604020202020204" pitchFamily="34" charset="0"/>
@@ -8978,13 +9457,6 @@
             </a:r>
           </a:p>
           <a:p>
-            <a:r>
-              <a:rPr lang="en-US" sz="1400" dirty="0">
-                <a:latin typeface="Arial" panose="020B0604020202020204" pitchFamily="34" charset="0"/>
-                <a:cs typeface="Arial" panose="020B0604020202020204" pitchFamily="34" charset="0"/>
-              </a:rPr>
-              <a:t/>
-            </a:r>
             <a:br>
               <a:rPr lang="en-US" sz="1400" dirty="0">
                 <a:latin typeface="Arial" panose="020B0604020202020204" pitchFamily="34" charset="0"/>
@@ -9047,7 +9519,7 @@
           <p:cNvPr id="11" name="TextBox 10">
             <a:extLst>
               <a:ext uri="{FF2B5EF4-FFF2-40B4-BE49-F238E27FC236}">
-                <a16:creationId xmlns:a16="http://schemas.microsoft.com/office/drawing/2014/main" xmlns="" id="{4C96BA33-2B0B-4165-B3E3-4D22882BF0D4}"/>
+                <a16:creationId xmlns:a16="http://schemas.microsoft.com/office/drawing/2014/main" id="{4C96BA33-2B0B-4165-B3E3-4D22882BF0D4}"/>
               </a:ext>
             </a:extLst>
           </p:cNvPr>
@@ -9235,7 +9707,7 @@
           <p:cNvPr id="12" name="Rectangle 11">
             <a:extLst>
               <a:ext uri="{FF2B5EF4-FFF2-40B4-BE49-F238E27FC236}">
-                <a16:creationId xmlns:a16="http://schemas.microsoft.com/office/drawing/2014/main" xmlns="" id="{C7D23CF7-D101-3348-AE4F-72B5A5615745}"/>
+                <a16:creationId xmlns:a16="http://schemas.microsoft.com/office/drawing/2014/main" id="{C7D23CF7-D101-3348-AE4F-72B5A5615745}"/>
               </a:ext>
             </a:extLst>
           </p:cNvPr>
@@ -9287,7 +9759,7 @@
           <p:cNvPr id="13" name="Title 1">
             <a:extLst>
               <a:ext uri="{FF2B5EF4-FFF2-40B4-BE49-F238E27FC236}">
-                <a16:creationId xmlns:a16="http://schemas.microsoft.com/office/drawing/2014/main" xmlns="" id="{B718AFBD-10B5-CD45-B75D-4F5327853E96}"/>
+                <a16:creationId xmlns:a16="http://schemas.microsoft.com/office/drawing/2014/main" id="{B718AFBD-10B5-CD45-B75D-4F5327853E96}"/>
               </a:ext>
             </a:extLst>
           </p:cNvPr>
@@ -9330,7 +9802,7 @@
           </a:lstStyle>
           <a:p>
             <a:r>
-              <a:rPr lang="en-GB" sz="5400" b="1" dirty="0" smtClean="0">
+              <a:rPr lang="en-GB" sz="5400" b="1" dirty="0">
                 <a:solidFill>
                   <a:schemeClr val="bg1"/>
                 </a:solidFill>
@@ -9380,7 +9852,7 @@
           <p:cNvPr id="12" name="Rectangle 11">
             <a:extLst>
               <a:ext uri="{FF2B5EF4-FFF2-40B4-BE49-F238E27FC236}">
-                <a16:creationId xmlns:a16="http://schemas.microsoft.com/office/drawing/2014/main" xmlns="" id="{B43AD4F0-D322-4438-B65A-591365D3C586}"/>
+                <a16:creationId xmlns:a16="http://schemas.microsoft.com/office/drawing/2014/main" id="{B43AD4F0-D322-4438-B65A-591365D3C586}"/>
               </a:ext>
             </a:extLst>
           </p:cNvPr>
@@ -9407,37 +9879,9 @@
                 <a:latin typeface="Arial" panose="020B0604020202020204" pitchFamily="34" charset="0"/>
                 <a:cs typeface="Arial" panose="020B0604020202020204" pitchFamily="34" charset="0"/>
               </a:rPr>
-              <a:t>// </a:t>
-            </a:r>
-            <a:r>
-              <a:rPr lang="en-US" sz="1400" dirty="0" smtClean="0">
-                <a:latin typeface="Arial" panose="020B0604020202020204" pitchFamily="34" charset="0"/>
-                <a:cs typeface="Arial" panose="020B0604020202020204" pitchFamily="34" charset="0"/>
-              </a:rPr>
-              <a:t>Each </a:t>
-            </a:r>
-            <a:r>
-              <a:rPr lang="en-US" sz="1400" dirty="0" smtClean="0">
-                <a:latin typeface="Arial" panose="020B0604020202020204" pitchFamily="34" charset="0"/>
-                <a:cs typeface="Arial" panose="020B0604020202020204" pitchFamily="34" charset="0"/>
-              </a:rPr>
-              <a:t>violation has only </a:t>
-            </a:r>
-            <a:r>
-              <a:rPr lang="en-US" sz="1400" dirty="0">
-                <a:latin typeface="Arial" panose="020B0604020202020204" pitchFamily="34" charset="0"/>
-                <a:cs typeface="Arial" panose="020B0604020202020204" pitchFamily="34" charset="0"/>
-              </a:rPr>
-              <a:t>one corresponding </a:t>
-            </a:r>
-            <a:r>
-              <a:rPr lang="en-US" sz="1400" dirty="0" smtClean="0">
-                <a:latin typeface="Arial" panose="020B0604020202020204" pitchFamily="34" charset="0"/>
-                <a:cs typeface="Arial" panose="020B0604020202020204" pitchFamily="34" charset="0"/>
-              </a:rPr>
-              <a:t>ticket</a:t>
-            </a:r>
-            <a:endParaRPr lang="fa-IR" sz="1400" dirty="0" smtClean="0">
+              <a:t>// Each violation has only one corresponding ticket</a:t>
+            </a:r>
+            <a:endParaRPr lang="fa-IR" sz="1400" dirty="0">
               <a:latin typeface="Arial" panose="020B0604020202020204" pitchFamily="34" charset="0"/>
               <a:cs typeface="Arial" panose="020B0604020202020204" pitchFamily="34" charset="0"/>
             </a:endParaRPr>
@@ -9493,16 +9937,9 @@
                 <a:latin typeface="Arial" panose="020B0604020202020204" pitchFamily="34" charset="0"/>
                 <a:cs typeface="Arial" panose="020B0604020202020204" pitchFamily="34" charset="0"/>
               </a:rPr>
-              <a:t> = </a:t>
-            </a:r>
-            <a:r>
-              <a:rPr lang="en-US" sz="1400" dirty="0" smtClean="0">
-                <a:latin typeface="Arial" panose="020B0604020202020204" pitchFamily="34" charset="0"/>
-                <a:cs typeface="Arial" panose="020B0604020202020204" pitchFamily="34" charset="0"/>
-              </a:rPr>
-              <a:t>v</a:t>
-            </a:r>
-            <a:endParaRPr lang="fa-IR" sz="1400" dirty="0" smtClean="0">
+              <a:t> = v</a:t>
+            </a:r>
+            <a:endParaRPr lang="fa-IR" sz="1400" dirty="0">
               <a:latin typeface="Arial" panose="020B0604020202020204" pitchFamily="34" charset="0"/>
               <a:cs typeface="Arial" panose="020B0604020202020204" pitchFamily="34" charset="0"/>
             </a:endParaRPr>
@@ -9533,7 +9970,7 @@
           <p:cNvPr id="13" name="Rectangle 12">
             <a:extLst>
               <a:ext uri="{FF2B5EF4-FFF2-40B4-BE49-F238E27FC236}">
-                <a16:creationId xmlns:a16="http://schemas.microsoft.com/office/drawing/2014/main" xmlns="" id="{A7FB5CA4-B2E5-455A-AFEE-82507FE9222D}"/>
+                <a16:creationId xmlns:a16="http://schemas.microsoft.com/office/drawing/2014/main" id="{A7FB5CA4-B2E5-455A-AFEE-82507FE9222D}"/>
               </a:ext>
             </a:extLst>
           </p:cNvPr>
@@ -9620,10 +10057,6 @@
             </a:r>
           </a:p>
           <a:p>
-            <a:r>
-              <a:rPr lang="en-US" sz="1400" dirty="0"/>
-              <a:t/>
-            </a:r>
             <a:br>
               <a:rPr lang="en-US" sz="1400" dirty="0"/>
             </a:br>
@@ -9639,7 +10072,7 @@
           <p:cNvPr id="8" name="Rectangle 7">
             <a:extLst>
               <a:ext uri="{FF2B5EF4-FFF2-40B4-BE49-F238E27FC236}">
-                <a16:creationId xmlns:a16="http://schemas.microsoft.com/office/drawing/2014/main" xmlns="" id="{9E85C601-3A4A-734A-8B1E-63D6E2B47DC2}"/>
+                <a16:creationId xmlns:a16="http://schemas.microsoft.com/office/drawing/2014/main" id="{9E85C601-3A4A-734A-8B1E-63D6E2B47DC2}"/>
               </a:ext>
             </a:extLst>
           </p:cNvPr>
@@ -9691,7 +10124,7 @@
           <p:cNvPr id="9" name="Title 1">
             <a:extLst>
               <a:ext uri="{FF2B5EF4-FFF2-40B4-BE49-F238E27FC236}">
-                <a16:creationId xmlns:a16="http://schemas.microsoft.com/office/drawing/2014/main" xmlns="" id="{798E0B7F-4C42-3F4E-B623-C026859C2B43}"/>
+                <a16:creationId xmlns:a16="http://schemas.microsoft.com/office/drawing/2014/main" id="{798E0B7F-4C42-3F4E-B623-C026859C2B43}"/>
               </a:ext>
             </a:extLst>
           </p:cNvPr>
@@ -9734,7 +10167,7 @@
           </a:lstStyle>
           <a:p>
             <a:r>
-              <a:rPr lang="en-GB" sz="5400" b="1" dirty="0" smtClean="0">
+              <a:rPr lang="en-GB" sz="5400" b="1" dirty="0">
                 <a:solidFill>
                   <a:schemeClr val="bg1"/>
                 </a:solidFill>
@@ -9754,7 +10187,7 @@
           <p:cNvPr id="7" name="Rectangle 6">
             <a:extLst>
               <a:ext uri="{FF2B5EF4-FFF2-40B4-BE49-F238E27FC236}">
-                <a16:creationId xmlns:a16="http://schemas.microsoft.com/office/drawing/2014/main" xmlns="" id="{B43AD4F0-D322-4438-B65A-591365D3C586}"/>
+                <a16:creationId xmlns:a16="http://schemas.microsoft.com/office/drawing/2014/main" id="{B43AD4F0-D322-4438-B65A-591365D3C586}"/>
               </a:ext>
             </a:extLst>
           </p:cNvPr>
@@ -9791,13 +10224,6 @@
             </a:r>
           </a:p>
           <a:p>
-            <a:r>
-              <a:rPr lang="en-US" sz="1400" dirty="0">
-                <a:latin typeface="Arial" panose="020B0604020202020204" pitchFamily="34" charset="0"/>
-                <a:cs typeface="Arial" panose="020B0604020202020204" pitchFamily="34" charset="0"/>
-              </a:rPr>
-              <a:t/>
-            </a:r>
             <a:br>
               <a:rPr lang="en-US" sz="1400" dirty="0">
                 <a:latin typeface="Arial" panose="020B0604020202020204" pitchFamily="34" charset="0"/>

--- a/Presentation1.pptx
+++ b/Presentation1.pptx
@@ -7179,7 +7179,7 @@
         <p:spPr>
           <a:xfrm>
             <a:off x="522732" y="1826944"/>
-            <a:ext cx="11146535" cy="4154984"/>
+            <a:ext cx="11146535" cy="4524315"/>
           </a:xfrm>
           <a:prstGeom prst="rect">
             <a:avLst/>
@@ -7290,7 +7290,7 @@
               <a:rPr lang="en-GB" sz="2400" b="1" dirty="0">
                 <a:latin typeface="Futura Light" pitchFamily="2" charset="77"/>
               </a:rPr>
-              <a:t>Application must be able to automatically generate a ticket, and let policemen </a:t>
+              <a:t>Application must be able to automatically generate a ticket, and let policemen approve them or not</a:t>
             </a:r>
             <a:endParaRPr lang="en-US" sz="2400" b="1" dirty="0">
               <a:latin typeface="Futura Light" pitchFamily="2" charset="77"/>

--- a/Presentation1.pptx
+++ b/Presentation1.pptx
@@ -210,7 +210,7 @@
           <a:p>
             <a:fld id="{C160D168-104E-BB47-BCD9-23CA9B55B2CD}" type="datetimeFigureOut">
               <a:rPr lang="en-US" smtClean="0"/>
-              <a:t>2/11/2020</a:t>
+              <a:t>2/12/2020</a:t>
             </a:fld>
             <a:endParaRPr lang="en-US"/>
           </a:p>
@@ -671,7 +671,7 @@
           <p:cNvPr id="2" name="Title 1">
             <a:extLst>
               <a:ext uri="{FF2B5EF4-FFF2-40B4-BE49-F238E27FC236}">
-                <a16:creationId xmlns:a16="http://schemas.microsoft.com/office/drawing/2014/main" xmlns="" id="{32B50E20-7976-DD43-8C4C-66917611FDC9}"/>
+                <a16:creationId xmlns="" xmlns:a16="http://schemas.microsoft.com/office/drawing/2014/main" id="{32B50E20-7976-DD43-8C4C-66917611FDC9}"/>
               </a:ext>
             </a:extLst>
           </p:cNvPr>
@@ -709,7 +709,7 @@
           <p:cNvPr id="3" name="Subtitle 2">
             <a:extLst>
               <a:ext uri="{FF2B5EF4-FFF2-40B4-BE49-F238E27FC236}">
-                <a16:creationId xmlns:a16="http://schemas.microsoft.com/office/drawing/2014/main" xmlns="" id="{817655F9-A056-1B41-A86D-E69340A199C8}"/>
+                <a16:creationId xmlns="" xmlns:a16="http://schemas.microsoft.com/office/drawing/2014/main" id="{817655F9-A056-1B41-A86D-E69340A199C8}"/>
               </a:ext>
             </a:extLst>
           </p:cNvPr>
@@ -780,7 +780,7 @@
           <p:cNvPr id="4" name="Date Placeholder 3">
             <a:extLst>
               <a:ext uri="{FF2B5EF4-FFF2-40B4-BE49-F238E27FC236}">
-                <a16:creationId xmlns:a16="http://schemas.microsoft.com/office/drawing/2014/main" xmlns="" id="{711B4759-BD1B-8348-88C7-A11B2FDDD148}"/>
+                <a16:creationId xmlns="" xmlns:a16="http://schemas.microsoft.com/office/drawing/2014/main" id="{711B4759-BD1B-8348-88C7-A11B2FDDD148}"/>
               </a:ext>
             </a:extLst>
           </p:cNvPr>
@@ -798,7 +798,7 @@
           <a:p>
             <a:fld id="{11FEC548-63AB-9B43-9519-48F21B3F6E07}" type="datetimeFigureOut">
               <a:rPr lang="en-US" smtClean="0"/>
-              <a:t>2/11/2020</a:t>
+              <a:t>2/12/2020</a:t>
             </a:fld>
             <a:endParaRPr lang="en-US"/>
           </a:p>
@@ -809,7 +809,7 @@
           <p:cNvPr id="5" name="Footer Placeholder 4">
             <a:extLst>
               <a:ext uri="{FF2B5EF4-FFF2-40B4-BE49-F238E27FC236}">
-                <a16:creationId xmlns:a16="http://schemas.microsoft.com/office/drawing/2014/main" xmlns="" id="{EED829D1-1949-B145-AC2F-66DEA4C521CA}"/>
+                <a16:creationId xmlns="" xmlns:a16="http://schemas.microsoft.com/office/drawing/2014/main" id="{EED829D1-1949-B145-AC2F-66DEA4C521CA}"/>
               </a:ext>
             </a:extLst>
           </p:cNvPr>
@@ -834,7 +834,7 @@
           <p:cNvPr id="6" name="Slide Number Placeholder 5">
             <a:extLst>
               <a:ext uri="{FF2B5EF4-FFF2-40B4-BE49-F238E27FC236}">
-                <a16:creationId xmlns:a16="http://schemas.microsoft.com/office/drawing/2014/main" xmlns="" id="{9283F92E-5D2F-EF40-975F-C0B6A6148D80}"/>
+                <a16:creationId xmlns="" xmlns:a16="http://schemas.microsoft.com/office/drawing/2014/main" id="{9283F92E-5D2F-EF40-975F-C0B6A6148D80}"/>
               </a:ext>
             </a:extLst>
           </p:cNvPr>
@@ -893,7 +893,7 @@
           <p:cNvPr id="2" name="Title 1">
             <a:extLst>
               <a:ext uri="{FF2B5EF4-FFF2-40B4-BE49-F238E27FC236}">
-                <a16:creationId xmlns:a16="http://schemas.microsoft.com/office/drawing/2014/main" xmlns="" id="{41FBBAC3-76E1-8048-B936-A9C3D1E0592B}"/>
+                <a16:creationId xmlns="" xmlns:a16="http://schemas.microsoft.com/office/drawing/2014/main" id="{41FBBAC3-76E1-8048-B936-A9C3D1E0592B}"/>
               </a:ext>
             </a:extLst>
           </p:cNvPr>
@@ -922,7 +922,7 @@
           <p:cNvPr id="3" name="Vertical Text Placeholder 2">
             <a:extLst>
               <a:ext uri="{FF2B5EF4-FFF2-40B4-BE49-F238E27FC236}">
-                <a16:creationId xmlns:a16="http://schemas.microsoft.com/office/drawing/2014/main" xmlns="" id="{ED059161-03EF-EF40-AFAB-DF25B05D851A}"/>
+                <a16:creationId xmlns="" xmlns:a16="http://schemas.microsoft.com/office/drawing/2014/main" id="{ED059161-03EF-EF40-AFAB-DF25B05D851A}"/>
               </a:ext>
             </a:extLst>
           </p:cNvPr>
@@ -980,7 +980,7 @@
           <p:cNvPr id="4" name="Date Placeholder 3">
             <a:extLst>
               <a:ext uri="{FF2B5EF4-FFF2-40B4-BE49-F238E27FC236}">
-                <a16:creationId xmlns:a16="http://schemas.microsoft.com/office/drawing/2014/main" xmlns="" id="{345A8411-A082-E142-B47B-266285B69DE9}"/>
+                <a16:creationId xmlns="" xmlns:a16="http://schemas.microsoft.com/office/drawing/2014/main" id="{345A8411-A082-E142-B47B-266285B69DE9}"/>
               </a:ext>
             </a:extLst>
           </p:cNvPr>
@@ -998,7 +998,7 @@
           <a:p>
             <a:fld id="{11FEC548-63AB-9B43-9519-48F21B3F6E07}" type="datetimeFigureOut">
               <a:rPr lang="en-US" smtClean="0"/>
-              <a:t>2/11/2020</a:t>
+              <a:t>2/12/2020</a:t>
             </a:fld>
             <a:endParaRPr lang="en-US"/>
           </a:p>
@@ -1009,7 +1009,7 @@
           <p:cNvPr id="5" name="Footer Placeholder 4">
             <a:extLst>
               <a:ext uri="{FF2B5EF4-FFF2-40B4-BE49-F238E27FC236}">
-                <a16:creationId xmlns:a16="http://schemas.microsoft.com/office/drawing/2014/main" xmlns="" id="{1A9107CA-5874-2043-B68B-1852DB077C3A}"/>
+                <a16:creationId xmlns="" xmlns:a16="http://schemas.microsoft.com/office/drawing/2014/main" id="{1A9107CA-5874-2043-B68B-1852DB077C3A}"/>
               </a:ext>
             </a:extLst>
           </p:cNvPr>
@@ -1034,7 +1034,7 @@
           <p:cNvPr id="6" name="Slide Number Placeholder 5">
             <a:extLst>
               <a:ext uri="{FF2B5EF4-FFF2-40B4-BE49-F238E27FC236}">
-                <a16:creationId xmlns:a16="http://schemas.microsoft.com/office/drawing/2014/main" xmlns="" id="{8BA0C559-2418-FE4B-9FC2-CF17438D730D}"/>
+                <a16:creationId xmlns="" xmlns:a16="http://schemas.microsoft.com/office/drawing/2014/main" id="{8BA0C559-2418-FE4B-9FC2-CF17438D730D}"/>
               </a:ext>
             </a:extLst>
           </p:cNvPr>
@@ -1093,7 +1093,7 @@
           <p:cNvPr id="2" name="Vertical Title 1">
             <a:extLst>
               <a:ext uri="{FF2B5EF4-FFF2-40B4-BE49-F238E27FC236}">
-                <a16:creationId xmlns:a16="http://schemas.microsoft.com/office/drawing/2014/main" xmlns="" id="{D4520311-3BFF-5F4B-8A8A-E3533544A49B}"/>
+                <a16:creationId xmlns="" xmlns:a16="http://schemas.microsoft.com/office/drawing/2014/main" id="{D4520311-3BFF-5F4B-8A8A-E3533544A49B}"/>
               </a:ext>
             </a:extLst>
           </p:cNvPr>
@@ -1127,7 +1127,7 @@
           <p:cNvPr id="3" name="Vertical Text Placeholder 2">
             <a:extLst>
               <a:ext uri="{FF2B5EF4-FFF2-40B4-BE49-F238E27FC236}">
-                <a16:creationId xmlns:a16="http://schemas.microsoft.com/office/drawing/2014/main" xmlns="" id="{9A179FD8-8E36-4A45-95BC-10D57C0A5F7D}"/>
+                <a16:creationId xmlns="" xmlns:a16="http://schemas.microsoft.com/office/drawing/2014/main" id="{9A179FD8-8E36-4A45-95BC-10D57C0A5F7D}"/>
               </a:ext>
             </a:extLst>
           </p:cNvPr>
@@ -1190,7 +1190,7 @@
           <p:cNvPr id="4" name="Date Placeholder 3">
             <a:extLst>
               <a:ext uri="{FF2B5EF4-FFF2-40B4-BE49-F238E27FC236}">
-                <a16:creationId xmlns:a16="http://schemas.microsoft.com/office/drawing/2014/main" xmlns="" id="{C093FAA2-57F7-2C4D-83D8-FE600B2F7256}"/>
+                <a16:creationId xmlns="" xmlns:a16="http://schemas.microsoft.com/office/drawing/2014/main" id="{C093FAA2-57F7-2C4D-83D8-FE600B2F7256}"/>
               </a:ext>
             </a:extLst>
           </p:cNvPr>
@@ -1208,7 +1208,7 @@
           <a:p>
             <a:fld id="{11FEC548-63AB-9B43-9519-48F21B3F6E07}" type="datetimeFigureOut">
               <a:rPr lang="en-US" smtClean="0"/>
-              <a:t>2/11/2020</a:t>
+              <a:t>2/12/2020</a:t>
             </a:fld>
             <a:endParaRPr lang="en-US"/>
           </a:p>
@@ -1219,7 +1219,7 @@
           <p:cNvPr id="5" name="Footer Placeholder 4">
             <a:extLst>
               <a:ext uri="{FF2B5EF4-FFF2-40B4-BE49-F238E27FC236}">
-                <a16:creationId xmlns:a16="http://schemas.microsoft.com/office/drawing/2014/main" xmlns="" id="{FBD88FB3-AD98-534E-9BB2-C67478EB4B25}"/>
+                <a16:creationId xmlns="" xmlns:a16="http://schemas.microsoft.com/office/drawing/2014/main" id="{FBD88FB3-AD98-534E-9BB2-C67478EB4B25}"/>
               </a:ext>
             </a:extLst>
           </p:cNvPr>
@@ -1244,7 +1244,7 @@
           <p:cNvPr id="6" name="Slide Number Placeholder 5">
             <a:extLst>
               <a:ext uri="{FF2B5EF4-FFF2-40B4-BE49-F238E27FC236}">
-                <a16:creationId xmlns:a16="http://schemas.microsoft.com/office/drawing/2014/main" xmlns="" id="{F18EDF81-FE84-7A48-9688-CAD026FFD361}"/>
+                <a16:creationId xmlns="" xmlns:a16="http://schemas.microsoft.com/office/drawing/2014/main" id="{F18EDF81-FE84-7A48-9688-CAD026FFD361}"/>
               </a:ext>
             </a:extLst>
           </p:cNvPr>
@@ -1303,7 +1303,7 @@
           <p:cNvPr id="2" name="Title 1">
             <a:extLst>
               <a:ext uri="{FF2B5EF4-FFF2-40B4-BE49-F238E27FC236}">
-                <a16:creationId xmlns:a16="http://schemas.microsoft.com/office/drawing/2014/main" xmlns="" id="{A783C1C4-C534-214B-8B47-CFE34D42CF1F}"/>
+                <a16:creationId xmlns="" xmlns:a16="http://schemas.microsoft.com/office/drawing/2014/main" id="{A783C1C4-C534-214B-8B47-CFE34D42CF1F}"/>
               </a:ext>
             </a:extLst>
           </p:cNvPr>
@@ -1332,7 +1332,7 @@
           <p:cNvPr id="3" name="Content Placeholder 2">
             <a:extLst>
               <a:ext uri="{FF2B5EF4-FFF2-40B4-BE49-F238E27FC236}">
-                <a16:creationId xmlns:a16="http://schemas.microsoft.com/office/drawing/2014/main" xmlns="" id="{4C9340D3-44B8-A644-B2D2-9E59677ED050}"/>
+                <a16:creationId xmlns="" xmlns:a16="http://schemas.microsoft.com/office/drawing/2014/main" id="{4C9340D3-44B8-A644-B2D2-9E59677ED050}"/>
               </a:ext>
             </a:extLst>
           </p:cNvPr>
@@ -1390,7 +1390,7 @@
           <p:cNvPr id="4" name="Date Placeholder 3">
             <a:extLst>
               <a:ext uri="{FF2B5EF4-FFF2-40B4-BE49-F238E27FC236}">
-                <a16:creationId xmlns:a16="http://schemas.microsoft.com/office/drawing/2014/main" xmlns="" id="{24686536-66C2-2444-9D60-0E8323A5BF15}"/>
+                <a16:creationId xmlns="" xmlns:a16="http://schemas.microsoft.com/office/drawing/2014/main" id="{24686536-66C2-2444-9D60-0E8323A5BF15}"/>
               </a:ext>
             </a:extLst>
           </p:cNvPr>
@@ -1408,7 +1408,7 @@
           <a:p>
             <a:fld id="{11FEC548-63AB-9B43-9519-48F21B3F6E07}" type="datetimeFigureOut">
               <a:rPr lang="en-US" smtClean="0"/>
-              <a:t>2/11/2020</a:t>
+              <a:t>2/12/2020</a:t>
             </a:fld>
             <a:endParaRPr lang="en-US"/>
           </a:p>
@@ -1419,7 +1419,7 @@
           <p:cNvPr id="5" name="Footer Placeholder 4">
             <a:extLst>
               <a:ext uri="{FF2B5EF4-FFF2-40B4-BE49-F238E27FC236}">
-                <a16:creationId xmlns:a16="http://schemas.microsoft.com/office/drawing/2014/main" xmlns="" id="{4B0C8D58-1406-CD49-AEC2-7965A7731A5F}"/>
+                <a16:creationId xmlns="" xmlns:a16="http://schemas.microsoft.com/office/drawing/2014/main" id="{4B0C8D58-1406-CD49-AEC2-7965A7731A5F}"/>
               </a:ext>
             </a:extLst>
           </p:cNvPr>
@@ -1444,7 +1444,7 @@
           <p:cNvPr id="6" name="Slide Number Placeholder 5">
             <a:extLst>
               <a:ext uri="{FF2B5EF4-FFF2-40B4-BE49-F238E27FC236}">
-                <a16:creationId xmlns:a16="http://schemas.microsoft.com/office/drawing/2014/main" xmlns="" id="{F3258B32-6420-1044-AD66-F75B81100C03}"/>
+                <a16:creationId xmlns="" xmlns:a16="http://schemas.microsoft.com/office/drawing/2014/main" id="{F3258B32-6420-1044-AD66-F75B81100C03}"/>
               </a:ext>
             </a:extLst>
           </p:cNvPr>
@@ -1503,7 +1503,7 @@
           <p:cNvPr id="2" name="Title 1">
             <a:extLst>
               <a:ext uri="{FF2B5EF4-FFF2-40B4-BE49-F238E27FC236}">
-                <a16:creationId xmlns:a16="http://schemas.microsoft.com/office/drawing/2014/main" xmlns="" id="{1880836E-9666-0140-AF54-AE39C92D55B4}"/>
+                <a16:creationId xmlns="" xmlns:a16="http://schemas.microsoft.com/office/drawing/2014/main" id="{1880836E-9666-0140-AF54-AE39C92D55B4}"/>
               </a:ext>
             </a:extLst>
           </p:cNvPr>
@@ -1541,7 +1541,7 @@
           <p:cNvPr id="3" name="Text Placeholder 2">
             <a:extLst>
               <a:ext uri="{FF2B5EF4-FFF2-40B4-BE49-F238E27FC236}">
-                <a16:creationId xmlns:a16="http://schemas.microsoft.com/office/drawing/2014/main" xmlns="" id="{855AC682-F4B4-084C-B7AA-E9C1659422D9}"/>
+                <a16:creationId xmlns="" xmlns:a16="http://schemas.microsoft.com/office/drawing/2014/main" id="{855AC682-F4B4-084C-B7AA-E9C1659422D9}"/>
               </a:ext>
             </a:extLst>
           </p:cNvPr>
@@ -1666,7 +1666,7 @@
           <p:cNvPr id="4" name="Date Placeholder 3">
             <a:extLst>
               <a:ext uri="{FF2B5EF4-FFF2-40B4-BE49-F238E27FC236}">
-                <a16:creationId xmlns:a16="http://schemas.microsoft.com/office/drawing/2014/main" xmlns="" id="{7F1C9DB4-098B-2E44-81F8-65BB2E720267}"/>
+                <a16:creationId xmlns="" xmlns:a16="http://schemas.microsoft.com/office/drawing/2014/main" id="{7F1C9DB4-098B-2E44-81F8-65BB2E720267}"/>
               </a:ext>
             </a:extLst>
           </p:cNvPr>
@@ -1684,7 +1684,7 @@
           <a:p>
             <a:fld id="{11FEC548-63AB-9B43-9519-48F21B3F6E07}" type="datetimeFigureOut">
               <a:rPr lang="en-US" smtClean="0"/>
-              <a:t>2/11/2020</a:t>
+              <a:t>2/12/2020</a:t>
             </a:fld>
             <a:endParaRPr lang="en-US"/>
           </a:p>
@@ -1695,7 +1695,7 @@
           <p:cNvPr id="5" name="Footer Placeholder 4">
             <a:extLst>
               <a:ext uri="{FF2B5EF4-FFF2-40B4-BE49-F238E27FC236}">
-                <a16:creationId xmlns:a16="http://schemas.microsoft.com/office/drawing/2014/main" xmlns="" id="{4ADCBE44-18BB-1744-9018-75155F1120ED}"/>
+                <a16:creationId xmlns="" xmlns:a16="http://schemas.microsoft.com/office/drawing/2014/main" id="{4ADCBE44-18BB-1744-9018-75155F1120ED}"/>
               </a:ext>
             </a:extLst>
           </p:cNvPr>
@@ -1720,7 +1720,7 @@
           <p:cNvPr id="6" name="Slide Number Placeholder 5">
             <a:extLst>
               <a:ext uri="{FF2B5EF4-FFF2-40B4-BE49-F238E27FC236}">
-                <a16:creationId xmlns:a16="http://schemas.microsoft.com/office/drawing/2014/main" xmlns="" id="{3032323F-6B05-BA4C-9EA1-E871BE0E05A9}"/>
+                <a16:creationId xmlns="" xmlns:a16="http://schemas.microsoft.com/office/drawing/2014/main" id="{3032323F-6B05-BA4C-9EA1-E871BE0E05A9}"/>
               </a:ext>
             </a:extLst>
           </p:cNvPr>
@@ -1779,7 +1779,7 @@
           <p:cNvPr id="2" name="Title 1">
             <a:extLst>
               <a:ext uri="{FF2B5EF4-FFF2-40B4-BE49-F238E27FC236}">
-                <a16:creationId xmlns:a16="http://schemas.microsoft.com/office/drawing/2014/main" xmlns="" id="{9D8B1BB0-03E0-EC49-89C6-61AD4C97F734}"/>
+                <a16:creationId xmlns="" xmlns:a16="http://schemas.microsoft.com/office/drawing/2014/main" id="{9D8B1BB0-03E0-EC49-89C6-61AD4C97F734}"/>
               </a:ext>
             </a:extLst>
           </p:cNvPr>
@@ -1808,7 +1808,7 @@
           <p:cNvPr id="3" name="Content Placeholder 2">
             <a:extLst>
               <a:ext uri="{FF2B5EF4-FFF2-40B4-BE49-F238E27FC236}">
-                <a16:creationId xmlns:a16="http://schemas.microsoft.com/office/drawing/2014/main" xmlns="" id="{F6285CAB-2054-ED4B-8843-C45085EEE50C}"/>
+                <a16:creationId xmlns="" xmlns:a16="http://schemas.microsoft.com/office/drawing/2014/main" id="{F6285CAB-2054-ED4B-8843-C45085EEE50C}"/>
               </a:ext>
             </a:extLst>
           </p:cNvPr>
@@ -1871,7 +1871,7 @@
           <p:cNvPr id="4" name="Content Placeholder 3">
             <a:extLst>
               <a:ext uri="{FF2B5EF4-FFF2-40B4-BE49-F238E27FC236}">
-                <a16:creationId xmlns:a16="http://schemas.microsoft.com/office/drawing/2014/main" xmlns="" id="{94AC0EA0-C377-BA40-A6F2-6E067AC238AF}"/>
+                <a16:creationId xmlns="" xmlns:a16="http://schemas.microsoft.com/office/drawing/2014/main" id="{94AC0EA0-C377-BA40-A6F2-6E067AC238AF}"/>
               </a:ext>
             </a:extLst>
           </p:cNvPr>
@@ -1934,7 +1934,7 @@
           <p:cNvPr id="5" name="Date Placeholder 4">
             <a:extLst>
               <a:ext uri="{FF2B5EF4-FFF2-40B4-BE49-F238E27FC236}">
-                <a16:creationId xmlns:a16="http://schemas.microsoft.com/office/drawing/2014/main" xmlns="" id="{FD57F39C-4961-464D-8868-22E8888ED057}"/>
+                <a16:creationId xmlns="" xmlns:a16="http://schemas.microsoft.com/office/drawing/2014/main" id="{FD57F39C-4961-464D-8868-22E8888ED057}"/>
               </a:ext>
             </a:extLst>
           </p:cNvPr>
@@ -1952,7 +1952,7 @@
           <a:p>
             <a:fld id="{11FEC548-63AB-9B43-9519-48F21B3F6E07}" type="datetimeFigureOut">
               <a:rPr lang="en-US" smtClean="0"/>
-              <a:t>2/11/2020</a:t>
+              <a:t>2/12/2020</a:t>
             </a:fld>
             <a:endParaRPr lang="en-US"/>
           </a:p>
@@ -1963,7 +1963,7 @@
           <p:cNvPr id="6" name="Footer Placeholder 5">
             <a:extLst>
               <a:ext uri="{FF2B5EF4-FFF2-40B4-BE49-F238E27FC236}">
-                <a16:creationId xmlns:a16="http://schemas.microsoft.com/office/drawing/2014/main" xmlns="" id="{7CB6D737-25FB-144E-B9ED-14387B45DE51}"/>
+                <a16:creationId xmlns="" xmlns:a16="http://schemas.microsoft.com/office/drawing/2014/main" id="{7CB6D737-25FB-144E-B9ED-14387B45DE51}"/>
               </a:ext>
             </a:extLst>
           </p:cNvPr>
@@ -1988,7 +1988,7 @@
           <p:cNvPr id="7" name="Slide Number Placeholder 6">
             <a:extLst>
               <a:ext uri="{FF2B5EF4-FFF2-40B4-BE49-F238E27FC236}">
-                <a16:creationId xmlns:a16="http://schemas.microsoft.com/office/drawing/2014/main" xmlns="" id="{DE8E1DD5-B73D-3F40-8B7E-C4DD7627C63C}"/>
+                <a16:creationId xmlns="" xmlns:a16="http://schemas.microsoft.com/office/drawing/2014/main" id="{DE8E1DD5-B73D-3F40-8B7E-C4DD7627C63C}"/>
               </a:ext>
             </a:extLst>
           </p:cNvPr>
@@ -2047,7 +2047,7 @@
           <p:cNvPr id="2" name="Title 1">
             <a:extLst>
               <a:ext uri="{FF2B5EF4-FFF2-40B4-BE49-F238E27FC236}">
-                <a16:creationId xmlns:a16="http://schemas.microsoft.com/office/drawing/2014/main" xmlns="" id="{A609B87D-5136-2F40-A111-9E208293E095}"/>
+                <a16:creationId xmlns="" xmlns:a16="http://schemas.microsoft.com/office/drawing/2014/main" id="{A609B87D-5136-2F40-A111-9E208293E095}"/>
               </a:ext>
             </a:extLst>
           </p:cNvPr>
@@ -2081,7 +2081,7 @@
           <p:cNvPr id="3" name="Text Placeholder 2">
             <a:extLst>
               <a:ext uri="{FF2B5EF4-FFF2-40B4-BE49-F238E27FC236}">
-                <a16:creationId xmlns:a16="http://schemas.microsoft.com/office/drawing/2014/main" xmlns="" id="{95DBBBDD-ED72-BF49-9AFD-582D9072FE30}"/>
+                <a16:creationId xmlns="" xmlns:a16="http://schemas.microsoft.com/office/drawing/2014/main" id="{95DBBBDD-ED72-BF49-9AFD-582D9072FE30}"/>
               </a:ext>
             </a:extLst>
           </p:cNvPr>
@@ -2152,7 +2152,7 @@
           <p:cNvPr id="4" name="Content Placeholder 3">
             <a:extLst>
               <a:ext uri="{FF2B5EF4-FFF2-40B4-BE49-F238E27FC236}">
-                <a16:creationId xmlns:a16="http://schemas.microsoft.com/office/drawing/2014/main" xmlns="" id="{78E1AA51-BAE7-BA44-A8BA-409DB753F9D2}"/>
+                <a16:creationId xmlns="" xmlns:a16="http://schemas.microsoft.com/office/drawing/2014/main" id="{78E1AA51-BAE7-BA44-A8BA-409DB753F9D2}"/>
               </a:ext>
             </a:extLst>
           </p:cNvPr>
@@ -2215,7 +2215,7 @@
           <p:cNvPr id="5" name="Text Placeholder 4">
             <a:extLst>
               <a:ext uri="{FF2B5EF4-FFF2-40B4-BE49-F238E27FC236}">
-                <a16:creationId xmlns:a16="http://schemas.microsoft.com/office/drawing/2014/main" xmlns="" id="{80A53D3C-A0B4-B64F-9D6A-D7297105990F}"/>
+                <a16:creationId xmlns="" xmlns:a16="http://schemas.microsoft.com/office/drawing/2014/main" id="{80A53D3C-A0B4-B64F-9D6A-D7297105990F}"/>
               </a:ext>
             </a:extLst>
           </p:cNvPr>
@@ -2286,7 +2286,7 @@
           <p:cNvPr id="6" name="Content Placeholder 5">
             <a:extLst>
               <a:ext uri="{FF2B5EF4-FFF2-40B4-BE49-F238E27FC236}">
-                <a16:creationId xmlns:a16="http://schemas.microsoft.com/office/drawing/2014/main" xmlns="" id="{984F74D9-0DE1-C848-8221-73C3B3CFC7A1}"/>
+                <a16:creationId xmlns="" xmlns:a16="http://schemas.microsoft.com/office/drawing/2014/main" id="{984F74D9-0DE1-C848-8221-73C3B3CFC7A1}"/>
               </a:ext>
             </a:extLst>
           </p:cNvPr>
@@ -2349,7 +2349,7 @@
           <p:cNvPr id="7" name="Date Placeholder 6">
             <a:extLst>
               <a:ext uri="{FF2B5EF4-FFF2-40B4-BE49-F238E27FC236}">
-                <a16:creationId xmlns:a16="http://schemas.microsoft.com/office/drawing/2014/main" xmlns="" id="{8C7C3299-57DA-4D41-8A86-F0CBE217BEF5}"/>
+                <a16:creationId xmlns="" xmlns:a16="http://schemas.microsoft.com/office/drawing/2014/main" id="{8C7C3299-57DA-4D41-8A86-F0CBE217BEF5}"/>
               </a:ext>
             </a:extLst>
           </p:cNvPr>
@@ -2367,7 +2367,7 @@
           <a:p>
             <a:fld id="{11FEC548-63AB-9B43-9519-48F21B3F6E07}" type="datetimeFigureOut">
               <a:rPr lang="en-US" smtClean="0"/>
-              <a:t>2/11/2020</a:t>
+              <a:t>2/12/2020</a:t>
             </a:fld>
             <a:endParaRPr lang="en-US"/>
           </a:p>
@@ -2378,7 +2378,7 @@
           <p:cNvPr id="8" name="Footer Placeholder 7">
             <a:extLst>
               <a:ext uri="{FF2B5EF4-FFF2-40B4-BE49-F238E27FC236}">
-                <a16:creationId xmlns:a16="http://schemas.microsoft.com/office/drawing/2014/main" xmlns="" id="{26FFC192-5E5D-A840-B928-B0D99C44EA04}"/>
+                <a16:creationId xmlns="" xmlns:a16="http://schemas.microsoft.com/office/drawing/2014/main" id="{26FFC192-5E5D-A840-B928-B0D99C44EA04}"/>
               </a:ext>
             </a:extLst>
           </p:cNvPr>
@@ -2403,7 +2403,7 @@
           <p:cNvPr id="9" name="Slide Number Placeholder 8">
             <a:extLst>
               <a:ext uri="{FF2B5EF4-FFF2-40B4-BE49-F238E27FC236}">
-                <a16:creationId xmlns:a16="http://schemas.microsoft.com/office/drawing/2014/main" xmlns="" id="{5DCF491D-7641-744F-B61A-065D690BCF79}"/>
+                <a16:creationId xmlns="" xmlns:a16="http://schemas.microsoft.com/office/drawing/2014/main" id="{5DCF491D-7641-744F-B61A-065D690BCF79}"/>
               </a:ext>
             </a:extLst>
           </p:cNvPr>
@@ -2462,7 +2462,7 @@
           <p:cNvPr id="2" name="Title 1">
             <a:extLst>
               <a:ext uri="{FF2B5EF4-FFF2-40B4-BE49-F238E27FC236}">
-                <a16:creationId xmlns:a16="http://schemas.microsoft.com/office/drawing/2014/main" xmlns="" id="{AA640281-8822-964A-B237-C24FCCC86B75}"/>
+                <a16:creationId xmlns="" xmlns:a16="http://schemas.microsoft.com/office/drawing/2014/main" id="{AA640281-8822-964A-B237-C24FCCC86B75}"/>
               </a:ext>
             </a:extLst>
           </p:cNvPr>
@@ -2491,7 +2491,7 @@
           <p:cNvPr id="3" name="Date Placeholder 2">
             <a:extLst>
               <a:ext uri="{FF2B5EF4-FFF2-40B4-BE49-F238E27FC236}">
-                <a16:creationId xmlns:a16="http://schemas.microsoft.com/office/drawing/2014/main" xmlns="" id="{BDB0DFDC-0B05-C34A-8791-09F77B4AEBBD}"/>
+                <a16:creationId xmlns="" xmlns:a16="http://schemas.microsoft.com/office/drawing/2014/main" id="{BDB0DFDC-0B05-C34A-8791-09F77B4AEBBD}"/>
               </a:ext>
             </a:extLst>
           </p:cNvPr>
@@ -2509,7 +2509,7 @@
           <a:p>
             <a:fld id="{11FEC548-63AB-9B43-9519-48F21B3F6E07}" type="datetimeFigureOut">
               <a:rPr lang="en-US" smtClean="0"/>
-              <a:t>2/11/2020</a:t>
+              <a:t>2/12/2020</a:t>
             </a:fld>
             <a:endParaRPr lang="en-US"/>
           </a:p>
@@ -2520,7 +2520,7 @@
           <p:cNvPr id="4" name="Footer Placeholder 3">
             <a:extLst>
               <a:ext uri="{FF2B5EF4-FFF2-40B4-BE49-F238E27FC236}">
-                <a16:creationId xmlns:a16="http://schemas.microsoft.com/office/drawing/2014/main" xmlns="" id="{F96AA063-B602-B447-8329-7897747A8E4B}"/>
+                <a16:creationId xmlns="" xmlns:a16="http://schemas.microsoft.com/office/drawing/2014/main" id="{F96AA063-B602-B447-8329-7897747A8E4B}"/>
               </a:ext>
             </a:extLst>
           </p:cNvPr>
@@ -2545,7 +2545,7 @@
           <p:cNvPr id="5" name="Slide Number Placeholder 4">
             <a:extLst>
               <a:ext uri="{FF2B5EF4-FFF2-40B4-BE49-F238E27FC236}">
-                <a16:creationId xmlns:a16="http://schemas.microsoft.com/office/drawing/2014/main" xmlns="" id="{AD159A9E-4DF2-3042-84A3-3B173F52F15A}"/>
+                <a16:creationId xmlns="" xmlns:a16="http://schemas.microsoft.com/office/drawing/2014/main" id="{AD159A9E-4DF2-3042-84A3-3B173F52F15A}"/>
               </a:ext>
             </a:extLst>
           </p:cNvPr>
@@ -2604,7 +2604,7 @@
           <p:cNvPr id="2" name="Date Placeholder 1">
             <a:extLst>
               <a:ext uri="{FF2B5EF4-FFF2-40B4-BE49-F238E27FC236}">
-                <a16:creationId xmlns:a16="http://schemas.microsoft.com/office/drawing/2014/main" xmlns="" id="{9A1FAF97-9F84-534B-A78A-C49D51AB8669}"/>
+                <a16:creationId xmlns="" xmlns:a16="http://schemas.microsoft.com/office/drawing/2014/main" id="{9A1FAF97-9F84-534B-A78A-C49D51AB8669}"/>
               </a:ext>
             </a:extLst>
           </p:cNvPr>
@@ -2622,7 +2622,7 @@
           <a:p>
             <a:fld id="{11FEC548-63AB-9B43-9519-48F21B3F6E07}" type="datetimeFigureOut">
               <a:rPr lang="en-US" smtClean="0"/>
-              <a:t>2/11/2020</a:t>
+              <a:t>2/12/2020</a:t>
             </a:fld>
             <a:endParaRPr lang="en-US"/>
           </a:p>
@@ -2633,7 +2633,7 @@
           <p:cNvPr id="3" name="Footer Placeholder 2">
             <a:extLst>
               <a:ext uri="{FF2B5EF4-FFF2-40B4-BE49-F238E27FC236}">
-                <a16:creationId xmlns:a16="http://schemas.microsoft.com/office/drawing/2014/main" xmlns="" id="{163787EC-8666-3444-ACEA-2E6840B75A51}"/>
+                <a16:creationId xmlns="" xmlns:a16="http://schemas.microsoft.com/office/drawing/2014/main" id="{163787EC-8666-3444-ACEA-2E6840B75A51}"/>
               </a:ext>
             </a:extLst>
           </p:cNvPr>
@@ -2658,7 +2658,7 @@
           <p:cNvPr id="4" name="Slide Number Placeholder 3">
             <a:extLst>
               <a:ext uri="{FF2B5EF4-FFF2-40B4-BE49-F238E27FC236}">
-                <a16:creationId xmlns:a16="http://schemas.microsoft.com/office/drawing/2014/main" xmlns="" id="{20C08BB5-6149-CF49-9C01-025E30FA2A58}"/>
+                <a16:creationId xmlns="" xmlns:a16="http://schemas.microsoft.com/office/drawing/2014/main" id="{20C08BB5-6149-CF49-9C01-025E30FA2A58}"/>
               </a:ext>
             </a:extLst>
           </p:cNvPr>
@@ -2717,7 +2717,7 @@
           <p:cNvPr id="2" name="Title 1">
             <a:extLst>
               <a:ext uri="{FF2B5EF4-FFF2-40B4-BE49-F238E27FC236}">
-                <a16:creationId xmlns:a16="http://schemas.microsoft.com/office/drawing/2014/main" xmlns="" id="{4BF0FFCA-AF1D-A14D-9E26-0386238793C9}"/>
+                <a16:creationId xmlns="" xmlns:a16="http://schemas.microsoft.com/office/drawing/2014/main" id="{4BF0FFCA-AF1D-A14D-9E26-0386238793C9}"/>
               </a:ext>
             </a:extLst>
           </p:cNvPr>
@@ -2755,7 +2755,7 @@
           <p:cNvPr id="3" name="Content Placeholder 2">
             <a:extLst>
               <a:ext uri="{FF2B5EF4-FFF2-40B4-BE49-F238E27FC236}">
-                <a16:creationId xmlns:a16="http://schemas.microsoft.com/office/drawing/2014/main" xmlns="" id="{2A799945-DEC7-404E-AF33-CB3F6D37B74E}"/>
+                <a16:creationId xmlns="" xmlns:a16="http://schemas.microsoft.com/office/drawing/2014/main" id="{2A799945-DEC7-404E-AF33-CB3F6D37B74E}"/>
               </a:ext>
             </a:extLst>
           </p:cNvPr>
@@ -2846,7 +2846,7 @@
           <p:cNvPr id="4" name="Text Placeholder 3">
             <a:extLst>
               <a:ext uri="{FF2B5EF4-FFF2-40B4-BE49-F238E27FC236}">
-                <a16:creationId xmlns:a16="http://schemas.microsoft.com/office/drawing/2014/main" xmlns="" id="{F57CC1E4-0FE1-CB41-B1BB-50E9EE045FB1}"/>
+                <a16:creationId xmlns="" xmlns:a16="http://schemas.microsoft.com/office/drawing/2014/main" id="{F57CC1E4-0FE1-CB41-B1BB-50E9EE045FB1}"/>
               </a:ext>
             </a:extLst>
           </p:cNvPr>
@@ -2917,7 +2917,7 @@
           <p:cNvPr id="5" name="Date Placeholder 4">
             <a:extLst>
               <a:ext uri="{FF2B5EF4-FFF2-40B4-BE49-F238E27FC236}">
-                <a16:creationId xmlns:a16="http://schemas.microsoft.com/office/drawing/2014/main" xmlns="" id="{92881214-BDD9-3247-A5CA-CF966B21DFDF}"/>
+                <a16:creationId xmlns="" xmlns:a16="http://schemas.microsoft.com/office/drawing/2014/main" id="{92881214-BDD9-3247-A5CA-CF966B21DFDF}"/>
               </a:ext>
             </a:extLst>
           </p:cNvPr>
@@ -2935,7 +2935,7 @@
           <a:p>
             <a:fld id="{11FEC548-63AB-9B43-9519-48F21B3F6E07}" type="datetimeFigureOut">
               <a:rPr lang="en-US" smtClean="0"/>
-              <a:t>2/11/2020</a:t>
+              <a:t>2/12/2020</a:t>
             </a:fld>
             <a:endParaRPr lang="en-US"/>
           </a:p>
@@ -2946,7 +2946,7 @@
           <p:cNvPr id="6" name="Footer Placeholder 5">
             <a:extLst>
               <a:ext uri="{FF2B5EF4-FFF2-40B4-BE49-F238E27FC236}">
-                <a16:creationId xmlns:a16="http://schemas.microsoft.com/office/drawing/2014/main" xmlns="" id="{A33CC4A6-F23C-EA4E-BE40-2B992808AE04}"/>
+                <a16:creationId xmlns="" xmlns:a16="http://schemas.microsoft.com/office/drawing/2014/main" id="{A33CC4A6-F23C-EA4E-BE40-2B992808AE04}"/>
               </a:ext>
             </a:extLst>
           </p:cNvPr>
@@ -2971,7 +2971,7 @@
           <p:cNvPr id="7" name="Slide Number Placeholder 6">
             <a:extLst>
               <a:ext uri="{FF2B5EF4-FFF2-40B4-BE49-F238E27FC236}">
-                <a16:creationId xmlns:a16="http://schemas.microsoft.com/office/drawing/2014/main" xmlns="" id="{F3E4B8B6-6397-9F46-BEAB-D7007431D513}"/>
+                <a16:creationId xmlns="" xmlns:a16="http://schemas.microsoft.com/office/drawing/2014/main" id="{F3E4B8B6-6397-9F46-BEAB-D7007431D513}"/>
               </a:ext>
             </a:extLst>
           </p:cNvPr>
@@ -3030,7 +3030,7 @@
           <p:cNvPr id="2" name="Title 1">
             <a:extLst>
               <a:ext uri="{FF2B5EF4-FFF2-40B4-BE49-F238E27FC236}">
-                <a16:creationId xmlns:a16="http://schemas.microsoft.com/office/drawing/2014/main" xmlns="" id="{071D0F94-D5D7-1941-A9F4-F1BBB7183426}"/>
+                <a16:creationId xmlns="" xmlns:a16="http://schemas.microsoft.com/office/drawing/2014/main" id="{071D0F94-D5D7-1941-A9F4-F1BBB7183426}"/>
               </a:ext>
             </a:extLst>
           </p:cNvPr>
@@ -3068,7 +3068,7 @@
           <p:cNvPr id="3" name="Picture Placeholder 2">
             <a:extLst>
               <a:ext uri="{FF2B5EF4-FFF2-40B4-BE49-F238E27FC236}">
-                <a16:creationId xmlns:a16="http://schemas.microsoft.com/office/drawing/2014/main" xmlns="" id="{7097FC74-A3CF-F24B-8D16-560383E4FC62}"/>
+                <a16:creationId xmlns="" xmlns:a16="http://schemas.microsoft.com/office/drawing/2014/main" id="{7097FC74-A3CF-F24B-8D16-560383E4FC62}"/>
               </a:ext>
             </a:extLst>
           </p:cNvPr>
@@ -3135,7 +3135,7 @@
           <p:cNvPr id="4" name="Text Placeholder 3">
             <a:extLst>
               <a:ext uri="{FF2B5EF4-FFF2-40B4-BE49-F238E27FC236}">
-                <a16:creationId xmlns:a16="http://schemas.microsoft.com/office/drawing/2014/main" xmlns="" id="{299F89D8-1260-274E-BB3C-7AE677032796}"/>
+                <a16:creationId xmlns="" xmlns:a16="http://schemas.microsoft.com/office/drawing/2014/main" id="{299F89D8-1260-274E-BB3C-7AE677032796}"/>
               </a:ext>
             </a:extLst>
           </p:cNvPr>
@@ -3206,7 +3206,7 @@
           <p:cNvPr id="5" name="Date Placeholder 4">
             <a:extLst>
               <a:ext uri="{FF2B5EF4-FFF2-40B4-BE49-F238E27FC236}">
-                <a16:creationId xmlns:a16="http://schemas.microsoft.com/office/drawing/2014/main" xmlns="" id="{FC2368EF-1FD1-9C40-B459-5983FF41FB14}"/>
+                <a16:creationId xmlns="" xmlns:a16="http://schemas.microsoft.com/office/drawing/2014/main" id="{FC2368EF-1FD1-9C40-B459-5983FF41FB14}"/>
               </a:ext>
             </a:extLst>
           </p:cNvPr>
@@ -3224,7 +3224,7 @@
           <a:p>
             <a:fld id="{11FEC548-63AB-9B43-9519-48F21B3F6E07}" type="datetimeFigureOut">
               <a:rPr lang="en-US" smtClean="0"/>
-              <a:t>2/11/2020</a:t>
+              <a:t>2/12/2020</a:t>
             </a:fld>
             <a:endParaRPr lang="en-US"/>
           </a:p>
@@ -3235,7 +3235,7 @@
           <p:cNvPr id="6" name="Footer Placeholder 5">
             <a:extLst>
               <a:ext uri="{FF2B5EF4-FFF2-40B4-BE49-F238E27FC236}">
-                <a16:creationId xmlns:a16="http://schemas.microsoft.com/office/drawing/2014/main" xmlns="" id="{58B798BF-0EF5-C841-A6AB-7E6A8101CAE6}"/>
+                <a16:creationId xmlns="" xmlns:a16="http://schemas.microsoft.com/office/drawing/2014/main" id="{58B798BF-0EF5-C841-A6AB-7E6A8101CAE6}"/>
               </a:ext>
             </a:extLst>
           </p:cNvPr>
@@ -3260,7 +3260,7 @@
           <p:cNvPr id="7" name="Slide Number Placeholder 6">
             <a:extLst>
               <a:ext uri="{FF2B5EF4-FFF2-40B4-BE49-F238E27FC236}">
-                <a16:creationId xmlns:a16="http://schemas.microsoft.com/office/drawing/2014/main" xmlns="" id="{01CCC26D-3F4A-EE47-A4D2-8FD7A6F6F216}"/>
+                <a16:creationId xmlns="" xmlns:a16="http://schemas.microsoft.com/office/drawing/2014/main" id="{01CCC26D-3F4A-EE47-A4D2-8FD7A6F6F216}"/>
               </a:ext>
             </a:extLst>
           </p:cNvPr>
@@ -3324,7 +3324,7 @@
           <p:cNvPr id="2" name="Title Placeholder 1">
             <a:extLst>
               <a:ext uri="{FF2B5EF4-FFF2-40B4-BE49-F238E27FC236}">
-                <a16:creationId xmlns:a16="http://schemas.microsoft.com/office/drawing/2014/main" xmlns="" id="{5608520A-4E69-3B47-9B06-4891CEEA5050}"/>
+                <a16:creationId xmlns="" xmlns:a16="http://schemas.microsoft.com/office/drawing/2014/main" id="{5608520A-4E69-3B47-9B06-4891CEEA5050}"/>
               </a:ext>
             </a:extLst>
           </p:cNvPr>
@@ -3363,7 +3363,7 @@
           <p:cNvPr id="3" name="Text Placeholder 2">
             <a:extLst>
               <a:ext uri="{FF2B5EF4-FFF2-40B4-BE49-F238E27FC236}">
-                <a16:creationId xmlns:a16="http://schemas.microsoft.com/office/drawing/2014/main" xmlns="" id="{2DEFF16C-7C72-814A-A9E9-D92AF8A63BDC}"/>
+                <a16:creationId xmlns="" xmlns:a16="http://schemas.microsoft.com/office/drawing/2014/main" id="{2DEFF16C-7C72-814A-A9E9-D92AF8A63BDC}"/>
               </a:ext>
             </a:extLst>
           </p:cNvPr>
@@ -3431,7 +3431,7 @@
           <p:cNvPr id="4" name="Date Placeholder 3">
             <a:extLst>
               <a:ext uri="{FF2B5EF4-FFF2-40B4-BE49-F238E27FC236}">
-                <a16:creationId xmlns:a16="http://schemas.microsoft.com/office/drawing/2014/main" xmlns="" id="{64BA5B09-3D15-B649-A1C7-54872A7CF964}"/>
+                <a16:creationId xmlns="" xmlns:a16="http://schemas.microsoft.com/office/drawing/2014/main" id="{64BA5B09-3D15-B649-A1C7-54872A7CF964}"/>
               </a:ext>
             </a:extLst>
           </p:cNvPr>
@@ -3469,7 +3469,7 @@
             <a:fld id="{11FEC548-63AB-9B43-9519-48F21B3F6E07}" type="datetimeFigureOut">
               <a:rPr lang="en-US" smtClean="0"/>
               <a:pPr/>
-              <a:t>2/11/2020</a:t>
+              <a:t>2/12/2020</a:t>
             </a:fld>
             <a:endParaRPr lang="en-US" dirty="0"/>
           </a:p>
@@ -3480,7 +3480,7 @@
           <p:cNvPr id="5" name="Footer Placeholder 4">
             <a:extLst>
               <a:ext uri="{FF2B5EF4-FFF2-40B4-BE49-F238E27FC236}">
-                <a16:creationId xmlns:a16="http://schemas.microsoft.com/office/drawing/2014/main" xmlns="" id="{1C625431-DA62-2A4F-AF3F-778AF1B4919E}"/>
+                <a16:creationId xmlns="" xmlns:a16="http://schemas.microsoft.com/office/drawing/2014/main" id="{1C625431-DA62-2A4F-AF3F-778AF1B4919E}"/>
               </a:ext>
             </a:extLst>
           </p:cNvPr>
@@ -3524,7 +3524,7 @@
           <p:cNvPr id="6" name="Slide Number Placeholder 5">
             <a:extLst>
               <a:ext uri="{FF2B5EF4-FFF2-40B4-BE49-F238E27FC236}">
-                <a16:creationId xmlns:a16="http://schemas.microsoft.com/office/drawing/2014/main" xmlns="" id="{D9396B23-855C-4148-830B-7F82A1C34200}"/>
+                <a16:creationId xmlns="" xmlns:a16="http://schemas.microsoft.com/office/drawing/2014/main" id="{D9396B23-855C-4148-830B-7F82A1C34200}"/>
               </a:ext>
             </a:extLst>
           </p:cNvPr>
@@ -3894,7 +3894,7 @@
           <p:cNvPr id="4" name="Rectangle 3">
             <a:extLst>
               <a:ext uri="{FF2B5EF4-FFF2-40B4-BE49-F238E27FC236}">
-                <a16:creationId xmlns:a16="http://schemas.microsoft.com/office/drawing/2014/main" xmlns="" id="{52399E25-A602-9041-B288-6B53FD2743D4}"/>
+                <a16:creationId xmlns="" xmlns:a16="http://schemas.microsoft.com/office/drawing/2014/main" id="{52399E25-A602-9041-B288-6B53FD2743D4}"/>
               </a:ext>
             </a:extLst>
           </p:cNvPr>
@@ -3946,7 +3946,7 @@
           <p:cNvPr id="2" name="Title 1">
             <a:extLst>
               <a:ext uri="{FF2B5EF4-FFF2-40B4-BE49-F238E27FC236}">
-                <a16:creationId xmlns:a16="http://schemas.microsoft.com/office/drawing/2014/main" xmlns="" id="{787133F6-61C4-9C4C-B0D3-E7ACAB59E4CB}"/>
+                <a16:creationId xmlns="" xmlns:a16="http://schemas.microsoft.com/office/drawing/2014/main" id="{787133F6-61C4-9C4C-B0D3-E7ACAB59E4CB}"/>
               </a:ext>
             </a:extLst>
           </p:cNvPr>
@@ -3994,7 +3994,7 @@
           <p:cNvPr id="3" name="Subtitle 2">
             <a:extLst>
               <a:ext uri="{FF2B5EF4-FFF2-40B4-BE49-F238E27FC236}">
-                <a16:creationId xmlns:a16="http://schemas.microsoft.com/office/drawing/2014/main" xmlns="" id="{2AD8C353-FDA8-BA42-AFBC-651B7D3BAEC4}"/>
+                <a16:creationId xmlns="" xmlns:a16="http://schemas.microsoft.com/office/drawing/2014/main" id="{2AD8C353-FDA8-BA42-AFBC-651B7D3BAEC4}"/>
               </a:ext>
             </a:extLst>
           </p:cNvPr>
@@ -4079,7 +4079,7 @@
           <p:cNvPr id="9" name="Rectangle 8">
             <a:extLst>
               <a:ext uri="{FF2B5EF4-FFF2-40B4-BE49-F238E27FC236}">
-                <a16:creationId xmlns:a16="http://schemas.microsoft.com/office/drawing/2014/main" xmlns="" id="{94788CB8-F337-3D4A-96A2-15975A9682C1}"/>
+                <a16:creationId xmlns="" xmlns:a16="http://schemas.microsoft.com/office/drawing/2014/main" id="{94788CB8-F337-3D4A-96A2-15975A9682C1}"/>
               </a:ext>
             </a:extLst>
           </p:cNvPr>
@@ -4131,7 +4131,7 @@
           <p:cNvPr id="6" name="Title 1">
             <a:extLst>
               <a:ext uri="{FF2B5EF4-FFF2-40B4-BE49-F238E27FC236}">
-                <a16:creationId xmlns:a16="http://schemas.microsoft.com/office/drawing/2014/main" xmlns="" id="{FE570DEB-EC52-0942-858A-C58059A724DE}"/>
+                <a16:creationId xmlns="" xmlns:a16="http://schemas.microsoft.com/office/drawing/2014/main" id="{FE570DEB-EC52-0942-858A-C58059A724DE}"/>
               </a:ext>
             </a:extLst>
           </p:cNvPr>
@@ -4236,7 +4236,7 @@
           <p:cNvPr id="2" name="Title 1">
             <a:extLst>
               <a:ext uri="{FF2B5EF4-FFF2-40B4-BE49-F238E27FC236}">
-                <a16:creationId xmlns:a16="http://schemas.microsoft.com/office/drawing/2014/main" xmlns="" id="{3820A429-5ECD-EC4A-B430-BC96EE2088AE}"/>
+                <a16:creationId xmlns="" xmlns:a16="http://schemas.microsoft.com/office/drawing/2014/main" id="{3820A429-5ECD-EC4A-B430-BC96EE2088AE}"/>
               </a:ext>
             </a:extLst>
           </p:cNvPr>
@@ -4264,7 +4264,7 @@
           <p:cNvPr id="14" name="TextBox 13">
             <a:extLst>
               <a:ext uri="{FF2B5EF4-FFF2-40B4-BE49-F238E27FC236}">
-                <a16:creationId xmlns:a16="http://schemas.microsoft.com/office/drawing/2014/main" xmlns="" id="{0FBAC7A0-B2CA-A947-B2C8-6424AA7C138A}"/>
+                <a16:creationId xmlns="" xmlns:a16="http://schemas.microsoft.com/office/drawing/2014/main" id="{0FBAC7A0-B2CA-A947-B2C8-6424AA7C138A}"/>
               </a:ext>
             </a:extLst>
           </p:cNvPr>
@@ -4299,7 +4299,7 @@
           <p:cNvPr id="15" name="TextBox 14">
             <a:extLst>
               <a:ext uri="{FF2B5EF4-FFF2-40B4-BE49-F238E27FC236}">
-                <a16:creationId xmlns:a16="http://schemas.microsoft.com/office/drawing/2014/main" xmlns="" id="{0A3C0122-EA80-8247-A031-566A6A8C7CB6}"/>
+                <a16:creationId xmlns="" xmlns:a16="http://schemas.microsoft.com/office/drawing/2014/main" id="{0A3C0122-EA80-8247-A031-566A6A8C7CB6}"/>
               </a:ext>
             </a:extLst>
           </p:cNvPr>
@@ -4334,7 +4334,7 @@
           <p:cNvPr id="16" name="Rectangle 15">
             <a:extLst>
               <a:ext uri="{FF2B5EF4-FFF2-40B4-BE49-F238E27FC236}">
-                <a16:creationId xmlns:a16="http://schemas.microsoft.com/office/drawing/2014/main" xmlns="" id="{D36ED0B8-3843-444A-802E-5438D1F2020A}"/>
+                <a16:creationId xmlns="" xmlns:a16="http://schemas.microsoft.com/office/drawing/2014/main" id="{D36ED0B8-3843-444A-802E-5438D1F2020A}"/>
               </a:ext>
             </a:extLst>
           </p:cNvPr>
@@ -4386,7 +4386,7 @@
           <p:cNvPr id="17" name="Title 1">
             <a:extLst>
               <a:ext uri="{FF2B5EF4-FFF2-40B4-BE49-F238E27FC236}">
-                <a16:creationId xmlns:a16="http://schemas.microsoft.com/office/drawing/2014/main" xmlns="" id="{014DF31C-EDBD-BF46-B682-2F64B833DAA9}"/>
+                <a16:creationId xmlns="" xmlns:a16="http://schemas.microsoft.com/office/drawing/2014/main" id="{014DF31C-EDBD-BF46-B682-2F64B833DAA9}"/>
               </a:ext>
             </a:extLst>
           </p:cNvPr>
@@ -4449,7 +4449,7 @@
           <p:cNvPr id="28" name="Group 27">
             <a:extLst>
               <a:ext uri="{FF2B5EF4-FFF2-40B4-BE49-F238E27FC236}">
-                <a16:creationId xmlns:a16="http://schemas.microsoft.com/office/drawing/2014/main" xmlns="" id="{FD04F676-AA3D-DB4B-91C5-4DDE8101F6AB}"/>
+                <a16:creationId xmlns="" xmlns:a16="http://schemas.microsoft.com/office/drawing/2014/main" id="{FD04F676-AA3D-DB4B-91C5-4DDE8101F6AB}"/>
               </a:ext>
             </a:extLst>
           </p:cNvPr>
@@ -4469,7 +4469,7 @@
             <p:cNvPr id="11" name="Picture 10">
               <a:extLst>
                 <a:ext uri="{FF2B5EF4-FFF2-40B4-BE49-F238E27FC236}">
-                  <a16:creationId xmlns:a16="http://schemas.microsoft.com/office/drawing/2014/main" xmlns="" id="{BC6A7968-73F5-AF4A-B15A-2288A4536090}"/>
+                  <a16:creationId xmlns="" xmlns:a16="http://schemas.microsoft.com/office/drawing/2014/main" id="{BC6A7968-73F5-AF4A-B15A-2288A4536090}"/>
                 </a:ext>
               </a:extLst>
             </p:cNvPr>
@@ -4498,7 +4498,7 @@
             <p:cNvPr id="19" name="Graphic 18">
               <a:extLst>
                 <a:ext uri="{FF2B5EF4-FFF2-40B4-BE49-F238E27FC236}">
-                  <a16:creationId xmlns:a16="http://schemas.microsoft.com/office/drawing/2014/main" xmlns="" id="{C6498123-492D-FF49-8AE5-0AB54D8D0B4D}"/>
+                  <a16:creationId xmlns="" xmlns:a16="http://schemas.microsoft.com/office/drawing/2014/main" id="{C6498123-492D-FF49-8AE5-0AB54D8D0B4D}"/>
                 </a:ext>
               </a:extLst>
             </p:cNvPr>
@@ -4511,7 +4511,7 @@
             <a:blip r:embed="rId4">
               <a:extLst>
                 <a:ext uri="{96DAC541-7B7A-43D3-8B79-37D633B846F1}">
-                  <asvg:svgBlip xmlns:asvg="http://schemas.microsoft.com/office/drawing/2016/SVG/main" xmlns="" r:embed="rId5"/>
+                  <asvg:svgBlip xmlns="" xmlns:asvg="http://schemas.microsoft.com/office/drawing/2016/SVG/main" r:embed="rId5"/>
                 </a:ext>
               </a:extLst>
             </a:blip>
@@ -4535,7 +4535,7 @@
           <p:cNvPr id="32" name="Group 31">
             <a:extLst>
               <a:ext uri="{FF2B5EF4-FFF2-40B4-BE49-F238E27FC236}">
-                <a16:creationId xmlns:a16="http://schemas.microsoft.com/office/drawing/2014/main" xmlns="" id="{DE567354-8BE1-494A-84B5-51FF580E39FA}"/>
+                <a16:creationId xmlns="" xmlns:a16="http://schemas.microsoft.com/office/drawing/2014/main" id="{DE567354-8BE1-494A-84B5-51FF580E39FA}"/>
               </a:ext>
             </a:extLst>
           </p:cNvPr>
@@ -4555,7 +4555,7 @@
             <p:cNvPr id="13" name="Picture 12">
               <a:extLst>
                 <a:ext uri="{FF2B5EF4-FFF2-40B4-BE49-F238E27FC236}">
-                  <a16:creationId xmlns:a16="http://schemas.microsoft.com/office/drawing/2014/main" xmlns="" id="{776395B6-F895-1D40-9A72-25DEA79932BF}"/>
+                  <a16:creationId xmlns="" xmlns:a16="http://schemas.microsoft.com/office/drawing/2014/main" id="{776395B6-F895-1D40-9A72-25DEA79932BF}"/>
                 </a:ext>
               </a:extLst>
             </p:cNvPr>
@@ -4584,7 +4584,7 @@
             <p:cNvPr id="27" name="Picture 26" descr="A picture containing food&#10;&#10;Description automatically generated">
               <a:extLst>
                 <a:ext uri="{FF2B5EF4-FFF2-40B4-BE49-F238E27FC236}">
-                  <a16:creationId xmlns:a16="http://schemas.microsoft.com/office/drawing/2014/main" xmlns="" id="{2225B208-87C2-E04A-B85C-8E3009682660}"/>
+                  <a16:creationId xmlns="" xmlns:a16="http://schemas.microsoft.com/office/drawing/2014/main" id="{2225B208-87C2-E04A-B85C-8E3009682660}"/>
                 </a:ext>
               </a:extLst>
             </p:cNvPr>
@@ -4615,7 +4615,7 @@
           <p:cNvPr id="31" name="Group 30">
             <a:extLst>
               <a:ext uri="{FF2B5EF4-FFF2-40B4-BE49-F238E27FC236}">
-                <a16:creationId xmlns:a16="http://schemas.microsoft.com/office/drawing/2014/main" xmlns="" id="{B140EA06-C085-7E41-B264-05EEF62A006E}"/>
+                <a16:creationId xmlns="" xmlns:a16="http://schemas.microsoft.com/office/drawing/2014/main" id="{B140EA06-C085-7E41-B264-05EEF62A006E}"/>
               </a:ext>
             </a:extLst>
           </p:cNvPr>
@@ -4635,7 +4635,7 @@
             <p:cNvPr id="12" name="Picture 11">
               <a:extLst>
                 <a:ext uri="{FF2B5EF4-FFF2-40B4-BE49-F238E27FC236}">
-                  <a16:creationId xmlns:a16="http://schemas.microsoft.com/office/drawing/2014/main" xmlns="" id="{825B0B4F-8B29-F444-8176-4E47A248A66E}"/>
+                  <a16:creationId xmlns="" xmlns:a16="http://schemas.microsoft.com/office/drawing/2014/main" id="{825B0B4F-8B29-F444-8176-4E47A248A66E}"/>
                 </a:ext>
               </a:extLst>
             </p:cNvPr>
@@ -4664,7 +4664,7 @@
             <p:cNvPr id="23" name="Picture 22" descr="A close up of a sign&#10;&#10;Description automatically generated">
               <a:extLst>
                 <a:ext uri="{FF2B5EF4-FFF2-40B4-BE49-F238E27FC236}">
-                  <a16:creationId xmlns:a16="http://schemas.microsoft.com/office/drawing/2014/main" xmlns="" id="{BF85C593-FB8F-0E4F-8050-4BFD6F988F9E}"/>
+                  <a16:creationId xmlns="" xmlns:a16="http://schemas.microsoft.com/office/drawing/2014/main" id="{BF85C593-FB8F-0E4F-8050-4BFD6F988F9E}"/>
                 </a:ext>
               </a:extLst>
             </p:cNvPr>
@@ -4694,7 +4694,7 @@
             <p:cNvPr id="30" name="Picture 29" descr="A picture containing drawing&#10;&#10;Description automatically generated">
               <a:extLst>
                 <a:ext uri="{FF2B5EF4-FFF2-40B4-BE49-F238E27FC236}">
-                  <a16:creationId xmlns:a16="http://schemas.microsoft.com/office/drawing/2014/main" xmlns="" id="{0585BE38-7EE1-A54F-831E-4DE0169B7D3C}"/>
+                  <a16:creationId xmlns="" xmlns:a16="http://schemas.microsoft.com/office/drawing/2014/main" id="{0585BE38-7EE1-A54F-831E-4DE0169B7D3C}"/>
                 </a:ext>
               </a:extLst>
             </p:cNvPr>
@@ -5014,7 +5014,7 @@
           <p:cNvPr id="2" name="Title 1">
             <a:extLst>
               <a:ext uri="{FF2B5EF4-FFF2-40B4-BE49-F238E27FC236}">
-                <a16:creationId xmlns:a16="http://schemas.microsoft.com/office/drawing/2014/main" xmlns="" id="{14BB26A9-F1B6-FB46-8486-2718F871DA9F}"/>
+                <a16:creationId xmlns="" xmlns:a16="http://schemas.microsoft.com/office/drawing/2014/main" id="{14BB26A9-F1B6-FB46-8486-2718F871DA9F}"/>
               </a:ext>
             </a:extLst>
           </p:cNvPr>
@@ -5042,7 +5042,7 @@
           <p:cNvPr id="15" name="Picture 14" descr="A screenshot of a cell phone&#10;&#10;Description automatically generated">
             <a:extLst>
               <a:ext uri="{FF2B5EF4-FFF2-40B4-BE49-F238E27FC236}">
-                <a16:creationId xmlns:a16="http://schemas.microsoft.com/office/drawing/2014/main" xmlns="" id="{7B9824A7-7DAA-3C42-88A7-A81C0C4FC6A1}"/>
+                <a16:creationId xmlns="" xmlns:a16="http://schemas.microsoft.com/office/drawing/2014/main" id="{7B9824A7-7DAA-3C42-88A7-A81C0C4FC6A1}"/>
               </a:ext>
             </a:extLst>
           </p:cNvPr>
@@ -5072,7 +5072,7 @@
           <p:cNvPr id="16" name="Rectangle 15">
             <a:extLst>
               <a:ext uri="{FF2B5EF4-FFF2-40B4-BE49-F238E27FC236}">
-                <a16:creationId xmlns:a16="http://schemas.microsoft.com/office/drawing/2014/main" xmlns="" id="{015F3742-CE40-2049-BF43-741ABA6DB166}"/>
+                <a16:creationId xmlns="" xmlns:a16="http://schemas.microsoft.com/office/drawing/2014/main" id="{015F3742-CE40-2049-BF43-741ABA6DB166}"/>
               </a:ext>
             </a:extLst>
           </p:cNvPr>
@@ -5124,7 +5124,7 @@
           <p:cNvPr id="17" name="Title 1">
             <a:extLst>
               <a:ext uri="{FF2B5EF4-FFF2-40B4-BE49-F238E27FC236}">
-                <a16:creationId xmlns:a16="http://schemas.microsoft.com/office/drawing/2014/main" xmlns="" id="{72A9C31B-351F-3B41-A668-76B6C28EB75A}"/>
+                <a16:creationId xmlns="" xmlns:a16="http://schemas.microsoft.com/office/drawing/2014/main" id="{72A9C31B-351F-3B41-A668-76B6C28EB75A}"/>
               </a:ext>
             </a:extLst>
           </p:cNvPr>
@@ -5219,7 +5219,7 @@
           <p:cNvPr id="2" name="Title 1">
             <a:extLst>
               <a:ext uri="{FF2B5EF4-FFF2-40B4-BE49-F238E27FC236}">
-                <a16:creationId xmlns:a16="http://schemas.microsoft.com/office/drawing/2014/main" xmlns="" id="{14BB26A9-F1B6-FB46-8486-2718F871DA9F}"/>
+                <a16:creationId xmlns="" xmlns:a16="http://schemas.microsoft.com/office/drawing/2014/main" id="{14BB26A9-F1B6-FB46-8486-2718F871DA9F}"/>
               </a:ext>
             </a:extLst>
           </p:cNvPr>
@@ -5247,7 +5247,7 @@
           <p:cNvPr id="4" name="Picture 3" descr="A screenshot of a cell phone&#10;&#10;Description automatically generated">
             <a:extLst>
               <a:ext uri="{FF2B5EF4-FFF2-40B4-BE49-F238E27FC236}">
-                <a16:creationId xmlns:a16="http://schemas.microsoft.com/office/drawing/2014/main" xmlns="" id="{A9E9CD81-5508-D64A-8E38-DC4EF6DE3320}"/>
+                <a16:creationId xmlns="" xmlns:a16="http://schemas.microsoft.com/office/drawing/2014/main" id="{A9E9CD81-5508-D64A-8E38-DC4EF6DE3320}"/>
               </a:ext>
             </a:extLst>
           </p:cNvPr>
@@ -5277,7 +5277,7 @@
           <p:cNvPr id="6" name="Rectangle 5">
             <a:extLst>
               <a:ext uri="{FF2B5EF4-FFF2-40B4-BE49-F238E27FC236}">
-                <a16:creationId xmlns:a16="http://schemas.microsoft.com/office/drawing/2014/main" xmlns="" id="{85BC34CC-7E49-C242-8ECE-9880297D2998}"/>
+                <a16:creationId xmlns="" xmlns:a16="http://schemas.microsoft.com/office/drawing/2014/main" id="{85BC34CC-7E49-C242-8ECE-9880297D2998}"/>
               </a:ext>
             </a:extLst>
           </p:cNvPr>
@@ -5329,7 +5329,7 @@
           <p:cNvPr id="7" name="Title 1">
             <a:extLst>
               <a:ext uri="{FF2B5EF4-FFF2-40B4-BE49-F238E27FC236}">
-                <a16:creationId xmlns:a16="http://schemas.microsoft.com/office/drawing/2014/main" xmlns="" id="{A1DFBAC2-657F-8746-9F98-3FABC49E4EE7}"/>
+                <a16:creationId xmlns="" xmlns:a16="http://schemas.microsoft.com/office/drawing/2014/main" id="{A1DFBAC2-657F-8746-9F98-3FABC49E4EE7}"/>
               </a:ext>
             </a:extLst>
           </p:cNvPr>
@@ -5429,7 +5429,7 @@
           <p:cNvPr id="2" name="Title 1">
             <a:extLst>
               <a:ext uri="{FF2B5EF4-FFF2-40B4-BE49-F238E27FC236}">
-                <a16:creationId xmlns:a16="http://schemas.microsoft.com/office/drawing/2014/main" xmlns="" id="{276FA0D4-C954-984C-9472-2285DDA32842}"/>
+                <a16:creationId xmlns="" xmlns:a16="http://schemas.microsoft.com/office/drawing/2014/main" id="{276FA0D4-C954-984C-9472-2285DDA32842}"/>
               </a:ext>
             </a:extLst>
           </p:cNvPr>
@@ -5457,7 +5457,7 @@
           <p:cNvPr id="5" name="Picture 4" descr="A picture containing text, map&#10;&#10;Description automatically generated">
             <a:extLst>
               <a:ext uri="{FF2B5EF4-FFF2-40B4-BE49-F238E27FC236}">
-                <a16:creationId xmlns:a16="http://schemas.microsoft.com/office/drawing/2014/main" xmlns="" id="{D60205EE-4646-3B46-8932-AE42D7FCEFDE}"/>
+                <a16:creationId xmlns="" xmlns:a16="http://schemas.microsoft.com/office/drawing/2014/main" id="{D60205EE-4646-3B46-8932-AE42D7FCEFDE}"/>
               </a:ext>
             </a:extLst>
           </p:cNvPr>
@@ -5487,7 +5487,7 @@
           <p:cNvPr id="6" name="Rectangle 5">
             <a:extLst>
               <a:ext uri="{FF2B5EF4-FFF2-40B4-BE49-F238E27FC236}">
-                <a16:creationId xmlns:a16="http://schemas.microsoft.com/office/drawing/2014/main" xmlns="" id="{C1DD5CDD-B43C-F746-A4D9-8E7588D26370}"/>
+                <a16:creationId xmlns="" xmlns:a16="http://schemas.microsoft.com/office/drawing/2014/main" id="{C1DD5CDD-B43C-F746-A4D9-8E7588D26370}"/>
               </a:ext>
             </a:extLst>
           </p:cNvPr>
@@ -5539,7 +5539,7 @@
           <p:cNvPr id="7" name="Title 1">
             <a:extLst>
               <a:ext uri="{FF2B5EF4-FFF2-40B4-BE49-F238E27FC236}">
-                <a16:creationId xmlns:a16="http://schemas.microsoft.com/office/drawing/2014/main" xmlns="" id="{998287BD-0D49-5948-AB02-29F63E0691ED}"/>
+                <a16:creationId xmlns="" xmlns:a16="http://schemas.microsoft.com/office/drawing/2014/main" id="{998287BD-0D49-5948-AB02-29F63E0691ED}"/>
               </a:ext>
             </a:extLst>
           </p:cNvPr>
@@ -5639,7 +5639,7 @@
           <p:cNvPr id="9" name="Rectangle 8">
             <a:extLst>
               <a:ext uri="{FF2B5EF4-FFF2-40B4-BE49-F238E27FC236}">
-                <a16:creationId xmlns:a16="http://schemas.microsoft.com/office/drawing/2014/main" xmlns="" id="{94788CB8-F337-3D4A-96A2-15975A9682C1}"/>
+                <a16:creationId xmlns="" xmlns:a16="http://schemas.microsoft.com/office/drawing/2014/main" id="{94788CB8-F337-3D4A-96A2-15975A9682C1}"/>
               </a:ext>
             </a:extLst>
           </p:cNvPr>
@@ -5691,7 +5691,7 @@
           <p:cNvPr id="6" name="Title 1">
             <a:extLst>
               <a:ext uri="{FF2B5EF4-FFF2-40B4-BE49-F238E27FC236}">
-                <a16:creationId xmlns:a16="http://schemas.microsoft.com/office/drawing/2014/main" xmlns="" id="{FE570DEB-EC52-0942-858A-C58059A724DE}"/>
+                <a16:creationId xmlns="" xmlns:a16="http://schemas.microsoft.com/office/drawing/2014/main" id="{FE570DEB-EC52-0942-858A-C58059A724DE}"/>
               </a:ext>
             </a:extLst>
           </p:cNvPr>
@@ -5807,7 +5807,7 @@
           <p:cNvPr id="10" name="Rectangle 9">
             <a:extLst>
               <a:ext uri="{FF2B5EF4-FFF2-40B4-BE49-F238E27FC236}">
-                <a16:creationId xmlns:a16="http://schemas.microsoft.com/office/drawing/2014/main" xmlns="" id="{E5A0BE87-8DCB-E844-B7E2-69EB4215E06D}"/>
+                <a16:creationId xmlns="" xmlns:a16="http://schemas.microsoft.com/office/drawing/2014/main" id="{E5A0BE87-8DCB-E844-B7E2-69EB4215E06D}"/>
               </a:ext>
             </a:extLst>
           </p:cNvPr>
@@ -5859,7 +5859,7 @@
           <p:cNvPr id="2" name="Title 1">
             <a:extLst>
               <a:ext uri="{FF2B5EF4-FFF2-40B4-BE49-F238E27FC236}">
-                <a16:creationId xmlns:a16="http://schemas.microsoft.com/office/drawing/2014/main" xmlns="" id="{842B374F-7FD0-004B-BE04-564927B941ED}"/>
+                <a16:creationId xmlns="" xmlns:a16="http://schemas.microsoft.com/office/drawing/2014/main" id="{842B374F-7FD0-004B-BE04-564927B941ED}"/>
               </a:ext>
             </a:extLst>
           </p:cNvPr>
@@ -5903,7 +5903,7 @@
           <p:cNvPr id="5" name="Content Placeholder 4">
             <a:extLst>
               <a:ext uri="{FF2B5EF4-FFF2-40B4-BE49-F238E27FC236}">
-                <a16:creationId xmlns:a16="http://schemas.microsoft.com/office/drawing/2014/main" xmlns="" id="{E0184F76-F400-2E46-8FCA-67D26AAF9722}"/>
+                <a16:creationId xmlns="" xmlns:a16="http://schemas.microsoft.com/office/drawing/2014/main" id="{E0184F76-F400-2E46-8FCA-67D26AAF9722}"/>
               </a:ext>
             </a:extLst>
           </p:cNvPr>
@@ -5974,7 +5974,7 @@
           <p:cNvPr id="8" name="Content Placeholder 4">
             <a:extLst>
               <a:ext uri="{FF2B5EF4-FFF2-40B4-BE49-F238E27FC236}">
-                <a16:creationId xmlns:a16="http://schemas.microsoft.com/office/drawing/2014/main" xmlns="" id="{A93FF91E-546F-6048-8911-B6C418986BB5}"/>
+                <a16:creationId xmlns="" xmlns:a16="http://schemas.microsoft.com/office/drawing/2014/main" id="{A93FF91E-546F-6048-8911-B6C418986BB5}"/>
               </a:ext>
             </a:extLst>
           </p:cNvPr>
@@ -6205,7 +6205,7 @@
           <p:cNvPr id="9" name="Content Placeholder 4">
             <a:extLst>
               <a:ext uri="{FF2B5EF4-FFF2-40B4-BE49-F238E27FC236}">
-                <a16:creationId xmlns:a16="http://schemas.microsoft.com/office/drawing/2014/main" xmlns="" id="{1A371AB5-CD42-E54B-9EDC-D6D8D0560D7B}"/>
+                <a16:creationId xmlns="" xmlns:a16="http://schemas.microsoft.com/office/drawing/2014/main" id="{1A371AB5-CD42-E54B-9EDC-D6D8D0560D7B}"/>
               </a:ext>
             </a:extLst>
           </p:cNvPr>
@@ -6991,7 +6991,7 @@
           <p:cNvPr id="2" name="Title 1">
             <a:extLst>
               <a:ext uri="{FF2B5EF4-FFF2-40B4-BE49-F238E27FC236}">
-                <a16:creationId xmlns:a16="http://schemas.microsoft.com/office/drawing/2014/main" xmlns="" id="{7C639A83-1180-5A4A-95BC-FD482325E4BC}"/>
+                <a16:creationId xmlns="" xmlns:a16="http://schemas.microsoft.com/office/drawing/2014/main" id="{7C639A83-1180-5A4A-95BC-FD482325E4BC}"/>
               </a:ext>
             </a:extLst>
           </p:cNvPr>
@@ -7019,7 +7019,7 @@
           <p:cNvPr id="6" name="TextBox 5">
             <a:extLst>
               <a:ext uri="{FF2B5EF4-FFF2-40B4-BE49-F238E27FC236}">
-                <a16:creationId xmlns:a16="http://schemas.microsoft.com/office/drawing/2014/main" xmlns="" id="{0A603039-250E-C24F-8B5D-DE811957F9B4}"/>
+                <a16:creationId xmlns="" xmlns:a16="http://schemas.microsoft.com/office/drawing/2014/main" id="{0A603039-250E-C24F-8B5D-DE811957F9B4}"/>
               </a:ext>
             </a:extLst>
           </p:cNvPr>
@@ -7159,7 +7159,7 @@
           <p:cNvPr id="7" name="Rectangle 6">
             <a:extLst>
               <a:ext uri="{FF2B5EF4-FFF2-40B4-BE49-F238E27FC236}">
-                <a16:creationId xmlns:a16="http://schemas.microsoft.com/office/drawing/2014/main" xmlns="" id="{E2DEF711-8E90-FB47-81CA-6D660297A9A2}"/>
+                <a16:creationId xmlns="" xmlns:a16="http://schemas.microsoft.com/office/drawing/2014/main" id="{E2DEF711-8E90-FB47-81CA-6D660297A9A2}"/>
               </a:ext>
             </a:extLst>
           </p:cNvPr>
@@ -7211,7 +7211,7 @@
           <p:cNvPr id="8" name="Title 1">
             <a:extLst>
               <a:ext uri="{FF2B5EF4-FFF2-40B4-BE49-F238E27FC236}">
-                <a16:creationId xmlns:a16="http://schemas.microsoft.com/office/drawing/2014/main" xmlns="" id="{20F53E0E-0012-7545-B2B8-E4DAF303F34B}"/>
+                <a16:creationId xmlns="" xmlns:a16="http://schemas.microsoft.com/office/drawing/2014/main" id="{20F53E0E-0012-7545-B2B8-E4DAF303F34B}"/>
               </a:ext>
             </a:extLst>
           </p:cNvPr>
@@ -7304,7 +7304,7 @@
           <p:cNvPr id="9" name="Content Placeholder 4">
             <a:extLst>
               <a:ext uri="{FF2B5EF4-FFF2-40B4-BE49-F238E27FC236}">
-                <a16:creationId xmlns:a16="http://schemas.microsoft.com/office/drawing/2014/main" xmlns="" id="{56648882-2D44-454E-BCE5-4FD5652709A6}"/>
+                <a16:creationId xmlns="" xmlns:a16="http://schemas.microsoft.com/office/drawing/2014/main" id="{56648882-2D44-454E-BCE5-4FD5652709A6}"/>
               </a:ext>
             </a:extLst>
           </p:cNvPr>
@@ -7365,7 +7365,7 @@
           <p:cNvPr id="14" name="Rectangle 13">
             <a:extLst>
               <a:ext uri="{FF2B5EF4-FFF2-40B4-BE49-F238E27FC236}">
-                <a16:creationId xmlns:a16="http://schemas.microsoft.com/office/drawing/2014/main" xmlns="" id="{E1C28852-F50A-304D-9116-69BE19298436}"/>
+                <a16:creationId xmlns="" xmlns:a16="http://schemas.microsoft.com/office/drawing/2014/main" id="{E1C28852-F50A-304D-9116-69BE19298436}"/>
               </a:ext>
             </a:extLst>
           </p:cNvPr>
@@ -7417,7 +7417,7 @@
           <p:cNvPr id="15" name="Title 1">
             <a:extLst>
               <a:ext uri="{FF2B5EF4-FFF2-40B4-BE49-F238E27FC236}">
-                <a16:creationId xmlns:a16="http://schemas.microsoft.com/office/drawing/2014/main" xmlns="" id="{042BB011-C93E-7448-8782-9779E905AD0D}"/>
+                <a16:creationId xmlns="" xmlns:a16="http://schemas.microsoft.com/office/drawing/2014/main" id="{042BB011-C93E-7448-8782-9779E905AD0D}"/>
               </a:ext>
             </a:extLst>
           </p:cNvPr>
@@ -7480,7 +7480,7 @@
           <p:cNvPr id="16" name="Content Placeholder 4">
             <a:extLst>
               <a:ext uri="{FF2B5EF4-FFF2-40B4-BE49-F238E27FC236}">
-                <a16:creationId xmlns:a16="http://schemas.microsoft.com/office/drawing/2014/main" xmlns="" id="{B883DD24-8D71-4E41-83A8-DFBF7E314925}"/>
+                <a16:creationId xmlns="" xmlns:a16="http://schemas.microsoft.com/office/drawing/2014/main" id="{B883DD24-8D71-4E41-83A8-DFBF7E314925}"/>
               </a:ext>
             </a:extLst>
           </p:cNvPr>
@@ -7707,7 +7707,7 @@
           <p:cNvPr id="17" name="Content Placeholder 4">
             <a:extLst>
               <a:ext uri="{FF2B5EF4-FFF2-40B4-BE49-F238E27FC236}">
-                <a16:creationId xmlns:a16="http://schemas.microsoft.com/office/drawing/2014/main" xmlns="" id="{2A038D9F-F595-B840-AABB-25A2CB9FE815}"/>
+                <a16:creationId xmlns="" xmlns:a16="http://schemas.microsoft.com/office/drawing/2014/main" id="{2A038D9F-F595-B840-AABB-25A2CB9FE815}"/>
               </a:ext>
             </a:extLst>
           </p:cNvPr>
@@ -8236,7 +8236,7 @@
           <p:cNvPr id="9" name="Rectangle 8">
             <a:extLst>
               <a:ext uri="{FF2B5EF4-FFF2-40B4-BE49-F238E27FC236}">
-                <a16:creationId xmlns:a16="http://schemas.microsoft.com/office/drawing/2014/main" xmlns="" id="{94788CB8-F337-3D4A-96A2-15975A9682C1}"/>
+                <a16:creationId xmlns="" xmlns:a16="http://schemas.microsoft.com/office/drawing/2014/main" id="{94788CB8-F337-3D4A-96A2-15975A9682C1}"/>
               </a:ext>
             </a:extLst>
           </p:cNvPr>
@@ -8288,7 +8288,7 @@
           <p:cNvPr id="6" name="Title 1">
             <a:extLst>
               <a:ext uri="{FF2B5EF4-FFF2-40B4-BE49-F238E27FC236}">
-                <a16:creationId xmlns:a16="http://schemas.microsoft.com/office/drawing/2014/main" xmlns="" id="{FE570DEB-EC52-0942-858A-C58059A724DE}"/>
+                <a16:creationId xmlns="" xmlns:a16="http://schemas.microsoft.com/office/drawing/2014/main" id="{FE570DEB-EC52-0942-858A-C58059A724DE}"/>
               </a:ext>
             </a:extLst>
           </p:cNvPr>
@@ -8381,7 +8381,7 @@
           <p:cNvPr id="7" name="TextBox 6">
             <a:extLst>
               <a:ext uri="{FF2B5EF4-FFF2-40B4-BE49-F238E27FC236}">
-                <a16:creationId xmlns:a16="http://schemas.microsoft.com/office/drawing/2014/main" xmlns="" id="{AE49466C-B5AE-4B6B-8916-DFAB777A37B0}"/>
+                <a16:creationId xmlns="" xmlns:a16="http://schemas.microsoft.com/office/drawing/2014/main" id="{AE49466C-B5AE-4B6B-8916-DFAB777A37B0}"/>
               </a:ext>
             </a:extLst>
           </p:cNvPr>
@@ -8405,162 +8405,180 @@
           <a:lstStyle/>
           <a:p>
             <a:r>
-              <a:rPr lang="en-US" sz="1400" dirty="0">
-                <a:latin typeface="Arial" panose="020B0604020202020204" pitchFamily="34" charset="0"/>
+              <a:rPr lang="en-US" sz="1400" dirty="0" smtClean="0">
+                <a:latin typeface="Futura Light"/>
                 <a:cs typeface="Arial" panose="020B0604020202020204" pitchFamily="34" charset="0"/>
               </a:rPr>
               <a:t>abstract sig </a:t>
             </a:r>
             <a:r>
-              <a:rPr lang="en-US" sz="1400" dirty="0">
+              <a:rPr lang="en-US" sz="1400" dirty="0" smtClean="0">
                 <a:solidFill>
-                  <a:srgbClr val="00B050"/>
+                  <a:schemeClr val="accent6"/>
                 </a:solidFill>
-                <a:latin typeface="Arial" panose="020B0604020202020204" pitchFamily="34" charset="0"/>
+                <a:latin typeface="Futura Light"/>
                 <a:cs typeface="Arial" panose="020B0604020202020204" pitchFamily="34" charset="0"/>
               </a:rPr>
               <a:t>User</a:t>
             </a:r>
             <a:r>
-              <a:rPr lang="en-US" sz="1400" dirty="0">
-                <a:latin typeface="Arial" panose="020B0604020202020204" pitchFamily="34" charset="0"/>
+              <a:rPr lang="en-US" sz="1400" dirty="0" smtClean="0">
+                <a:latin typeface="Futura Light"/>
                 <a:cs typeface="Arial" panose="020B0604020202020204" pitchFamily="34" charset="0"/>
               </a:rPr>
               <a:t> {</a:t>
             </a:r>
             <a:br>
-              <a:rPr lang="en-US" sz="1400" dirty="0">
-                <a:latin typeface="Arial" panose="020B0604020202020204" pitchFamily="34" charset="0"/>
+              <a:rPr lang="en-US" sz="1400" dirty="0" smtClean="0">
+                <a:latin typeface="Futura Light"/>
                 <a:cs typeface="Arial" panose="020B0604020202020204" pitchFamily="34" charset="0"/>
               </a:rPr>
             </a:br>
             <a:r>
-              <a:rPr lang="en-US" sz="1400" dirty="0">
-                <a:latin typeface="Arial" panose="020B0604020202020204" pitchFamily="34" charset="0"/>
+              <a:rPr lang="en-US" sz="1400" dirty="0" smtClean="0">
+                <a:latin typeface="Futura Light"/>
                 <a:cs typeface="Arial" panose="020B0604020202020204" pitchFamily="34" charset="0"/>
               </a:rPr>
               <a:t>   name: one Name,</a:t>
             </a:r>
             <a:br>
-              <a:rPr lang="en-US" sz="1400" dirty="0">
-                <a:latin typeface="Arial" panose="020B0604020202020204" pitchFamily="34" charset="0"/>
+              <a:rPr lang="en-US" sz="1400" dirty="0" smtClean="0">
+                <a:latin typeface="Futura Light"/>
                 <a:cs typeface="Arial" panose="020B0604020202020204" pitchFamily="34" charset="0"/>
               </a:rPr>
             </a:br>
             <a:r>
-              <a:rPr lang="en-US" sz="1400" dirty="0">
-                <a:latin typeface="Arial" panose="020B0604020202020204" pitchFamily="34" charset="0"/>
+              <a:rPr lang="en-US" sz="1400" dirty="0" smtClean="0">
+                <a:latin typeface="Futura Light"/>
                 <a:cs typeface="Arial" panose="020B0604020202020204" pitchFamily="34" charset="0"/>
               </a:rPr>
               <a:t>   surname: one Surname,</a:t>
             </a:r>
             <a:br>
-              <a:rPr lang="en-US" sz="1400" dirty="0">
-                <a:latin typeface="Arial" panose="020B0604020202020204" pitchFamily="34" charset="0"/>
+              <a:rPr lang="en-US" sz="1400" dirty="0" smtClean="0">
+                <a:latin typeface="Futura Light"/>
                 <a:cs typeface="Arial" panose="020B0604020202020204" pitchFamily="34" charset="0"/>
               </a:rPr>
             </a:br>
             <a:r>
-              <a:rPr lang="en-US" sz="1400" dirty="0">
-                <a:latin typeface="Arial" panose="020B0604020202020204" pitchFamily="34" charset="0"/>
+              <a:rPr lang="en-US" sz="1400" dirty="0" smtClean="0">
+                <a:latin typeface="Futura Light"/>
                 <a:cs typeface="Arial" panose="020B0604020202020204" pitchFamily="34" charset="0"/>
               </a:rPr>
               <a:t>   email: one Email,</a:t>
             </a:r>
             <a:br>
-              <a:rPr lang="en-US" sz="1400" dirty="0">
-                <a:latin typeface="Arial" panose="020B0604020202020204" pitchFamily="34" charset="0"/>
+              <a:rPr lang="en-US" sz="1400" dirty="0" smtClean="0">
+                <a:latin typeface="Futura Light"/>
                 <a:cs typeface="Arial" panose="020B0604020202020204" pitchFamily="34" charset="0"/>
               </a:rPr>
             </a:br>
             <a:r>
-              <a:rPr lang="en-US" sz="1400" dirty="0">
-                <a:latin typeface="Arial" panose="020B0604020202020204" pitchFamily="34" charset="0"/>
+              <a:rPr lang="en-US" sz="1400" dirty="0" smtClean="0">
+                <a:latin typeface="Futura Light"/>
                 <a:cs typeface="Arial" panose="020B0604020202020204" pitchFamily="34" charset="0"/>
               </a:rPr>
               <a:t>   password: one Password,</a:t>
             </a:r>
             <a:br>
-              <a:rPr lang="en-US" sz="1400" dirty="0">
-                <a:latin typeface="Arial" panose="020B0604020202020204" pitchFamily="34" charset="0"/>
+              <a:rPr lang="en-US" sz="1400" dirty="0" smtClean="0">
+                <a:latin typeface="Futura Light"/>
                 <a:cs typeface="Arial" panose="020B0604020202020204" pitchFamily="34" charset="0"/>
               </a:rPr>
             </a:br>
             <a:r>
-              <a:rPr lang="en-US" sz="1400" dirty="0">
-                <a:latin typeface="Arial" panose="020B0604020202020204" pitchFamily="34" charset="0"/>
+              <a:rPr lang="en-US" sz="1400" dirty="0" smtClean="0">
+                <a:latin typeface="Futura Light"/>
                 <a:cs typeface="Arial" panose="020B0604020202020204" pitchFamily="34" charset="0"/>
               </a:rPr>
               <a:t>   </a:t>
             </a:r>
             <a:r>
-              <a:rPr lang="en-US" sz="1400" dirty="0" err="1">
-                <a:latin typeface="Arial" panose="020B0604020202020204" pitchFamily="34" charset="0"/>
+              <a:rPr lang="en-US" sz="1400" dirty="0" err="1" smtClean="0">
+                <a:latin typeface="Futura Light"/>
                 <a:cs typeface="Arial" panose="020B0604020202020204" pitchFamily="34" charset="0"/>
               </a:rPr>
               <a:t>accessLevel</a:t>
             </a:r>
             <a:r>
-              <a:rPr lang="en-US" sz="1400" dirty="0">
-                <a:latin typeface="Arial" panose="020B0604020202020204" pitchFamily="34" charset="0"/>
-                <a:cs typeface="Arial" panose="020B0604020202020204" pitchFamily="34" charset="0"/>
-              </a:rPr>
-              <a:t>: one Bool,</a:t>
+              <a:rPr lang="en-US" sz="1400" dirty="0" smtClean="0">
+                <a:latin typeface="Futura Light"/>
+                <a:cs typeface="Arial" panose="020B0604020202020204" pitchFamily="34" charset="0"/>
+              </a:rPr>
+              <a:t>: one </a:t>
+            </a:r>
+            <a:r>
+              <a:rPr lang="en-US" sz="1400" dirty="0" err="1" smtClean="0">
+                <a:latin typeface="Futura Light"/>
+                <a:cs typeface="Arial" panose="020B0604020202020204" pitchFamily="34" charset="0"/>
+              </a:rPr>
+              <a:t>Bool</a:t>
+            </a:r>
+            <a:r>
+              <a:rPr lang="en-US" sz="1400" dirty="0" smtClean="0">
+                <a:latin typeface="Futura Light"/>
+                <a:cs typeface="Arial" panose="020B0604020202020204" pitchFamily="34" charset="0"/>
+              </a:rPr>
+              <a:t>,</a:t>
             </a:r>
             <a:br>
-              <a:rPr lang="en-US" sz="1400" dirty="0">
-                <a:latin typeface="Arial" panose="020B0604020202020204" pitchFamily="34" charset="0"/>
+              <a:rPr lang="en-US" sz="1400" dirty="0" smtClean="0">
+                <a:latin typeface="Futura Light"/>
                 <a:cs typeface="Arial" panose="020B0604020202020204" pitchFamily="34" charset="0"/>
               </a:rPr>
             </a:br>
             <a:r>
-              <a:rPr lang="en-US" sz="1400" dirty="0">
-                <a:latin typeface="Arial" panose="020B0604020202020204" pitchFamily="34" charset="0"/>
+              <a:rPr lang="en-US" sz="1400" dirty="0" smtClean="0">
+                <a:latin typeface="Futura Light"/>
                 <a:cs typeface="Arial" panose="020B0604020202020204" pitchFamily="34" charset="0"/>
               </a:rPr>
               <a:t>   </a:t>
             </a:r>
             <a:r>
-              <a:rPr lang="en-US" sz="1400" dirty="0" err="1">
-                <a:latin typeface="Arial" panose="020B0604020202020204" pitchFamily="34" charset="0"/>
+              <a:rPr lang="en-US" sz="1400" dirty="0" err="1" smtClean="0">
+                <a:latin typeface="Futura Light"/>
                 <a:cs typeface="Arial" panose="020B0604020202020204" pitchFamily="34" charset="0"/>
               </a:rPr>
               <a:t>minedInfo</a:t>
             </a:r>
             <a:r>
-              <a:rPr lang="en-US" sz="1400" dirty="0">
-                <a:latin typeface="Arial" panose="020B0604020202020204" pitchFamily="34" charset="0"/>
+              <a:rPr lang="en-US" sz="1400" dirty="0" smtClean="0">
+                <a:latin typeface="Futura Light"/>
                 <a:cs typeface="Arial" panose="020B0604020202020204" pitchFamily="34" charset="0"/>
               </a:rPr>
               <a:t>: some </a:t>
             </a:r>
             <a:r>
-              <a:rPr lang="en-US" sz="1400" dirty="0" err="1">
-                <a:latin typeface="Arial" panose="020B0604020202020204" pitchFamily="34" charset="0"/>
+              <a:rPr lang="en-US" sz="1400" dirty="0" err="1" smtClean="0">
+                <a:latin typeface="Futura Light"/>
                 <a:cs typeface="Arial" panose="020B0604020202020204" pitchFamily="34" charset="0"/>
               </a:rPr>
               <a:t>MiningModule</a:t>
             </a:r>
             <a:r>
-              <a:rPr lang="en-US" sz="1400" dirty="0">
-                <a:latin typeface="Arial" panose="020B0604020202020204" pitchFamily="34" charset="0"/>
+              <a:rPr lang="en-US" sz="1400" dirty="0" smtClean="0">
+                <a:latin typeface="Futura Light"/>
                 <a:cs typeface="Arial" panose="020B0604020202020204" pitchFamily="34" charset="0"/>
               </a:rPr>
               <a:t>, </a:t>
             </a:r>
             <a:br>
-              <a:rPr lang="en-US" sz="1400" dirty="0">
-                <a:latin typeface="Arial" panose="020B0604020202020204" pitchFamily="34" charset="0"/>
+              <a:rPr lang="en-US" sz="1400" dirty="0" smtClean="0">
+                <a:latin typeface="Futura Light"/>
                 <a:cs typeface="Arial" panose="020B0604020202020204" pitchFamily="34" charset="0"/>
               </a:rPr>
             </a:br>
             <a:r>
-              <a:rPr lang="en-US" sz="1400" dirty="0">
-                <a:latin typeface="Arial" panose="020B0604020202020204" pitchFamily="34" charset="0"/>
+              <a:rPr lang="en-US" sz="1400" dirty="0" smtClean="0">
+                <a:latin typeface="Futura Light"/>
                 <a:cs typeface="Arial" panose="020B0604020202020204" pitchFamily="34" charset="0"/>
               </a:rPr>
               <a:t>}</a:t>
             </a:r>
+            <a:endParaRPr lang="en-US" sz="1400" dirty="0">
+              <a:latin typeface="Futura Light"/>
+              <a:cs typeface="Arial" panose="020B0604020202020204" pitchFamily="34" charset="0"/>
+            </a:endParaRPr>
           </a:p>
         </p:txBody>
       </p:sp>
@@ -8569,7 +8587,7 @@
           <p:cNvPr id="8" name="TextBox 7">
             <a:extLst>
               <a:ext uri="{FF2B5EF4-FFF2-40B4-BE49-F238E27FC236}">
-                <a16:creationId xmlns:a16="http://schemas.microsoft.com/office/drawing/2014/main" xmlns="" id="{AE334569-08BD-4002-82CA-D9D76BFF18C3}"/>
+                <a16:creationId xmlns="" xmlns:a16="http://schemas.microsoft.com/office/drawing/2014/main" id="{AE334569-08BD-4002-82CA-D9D76BFF18C3}"/>
               </a:ext>
             </a:extLst>
           </p:cNvPr>
@@ -8594,7 +8612,7 @@
           <a:p>
             <a:r>
               <a:rPr lang="en-US" sz="1400" dirty="0">
-                <a:latin typeface="Arial" panose="020B0604020202020204" pitchFamily="34" charset="0"/>
+                <a:latin typeface="Futura Light"/>
                 <a:cs typeface="Arial" panose="020B0604020202020204" pitchFamily="34" charset="0"/>
               </a:rPr>
               <a:t>sig </a:t>
@@ -8602,82 +8620,89 @@
             <a:r>
               <a:rPr lang="en-US" sz="1400" dirty="0">
                 <a:solidFill>
-                  <a:srgbClr val="00B050"/>
+                  <a:schemeClr val="accent6"/>
                 </a:solidFill>
-                <a:latin typeface="Arial" panose="020B0604020202020204" pitchFamily="34" charset="0"/>
+                <a:latin typeface="Futura Light"/>
                 <a:cs typeface="Arial" panose="020B0604020202020204" pitchFamily="34" charset="0"/>
               </a:rPr>
               <a:t>Costumer</a:t>
+            </a:r>
+            <a:r>
+              <a:rPr lang="en-US" sz="1400" dirty="0">
+                <a:latin typeface="Futura Light"/>
+                <a:cs typeface="Arial" panose="020B0604020202020204" pitchFamily="34" charset="0"/>
+              </a:rPr>
+              <a:t> extends User {</a:t>
+            </a:r>
+            <a:br>
+              <a:rPr lang="en-US" sz="1400" dirty="0">
+                <a:latin typeface="Futura Light"/>
+                <a:cs typeface="Arial" panose="020B0604020202020204" pitchFamily="34" charset="0"/>
+              </a:rPr>
+            </a:br>
+            <a:r>
+              <a:rPr lang="en-US" sz="1400" dirty="0">
+                <a:latin typeface="Futura Light"/>
+                <a:cs typeface="Arial" panose="020B0604020202020204" pitchFamily="34" charset="0"/>
+              </a:rPr>
+              <a:t>   </a:t>
+            </a:r>
+            <a:r>
+              <a:rPr lang="en-US" sz="1400" dirty="0" err="1">
+                <a:latin typeface="Futura Light"/>
+                <a:cs typeface="Arial" panose="020B0604020202020204" pitchFamily="34" charset="0"/>
+              </a:rPr>
+              <a:t>costumerLocation</a:t>
+            </a:r>
+            <a:r>
+              <a:rPr lang="en-US" sz="1400" dirty="0">
+                <a:latin typeface="Futura Light"/>
+                <a:cs typeface="Arial" panose="020B0604020202020204" pitchFamily="34" charset="0"/>
+              </a:rPr>
+              <a:t>: one Location,</a:t>
+            </a:r>
+            <a:br>
+              <a:rPr lang="en-US" sz="1400" dirty="0">
+                <a:latin typeface="Futura Light"/>
+                <a:cs typeface="Arial" panose="020B0604020202020204" pitchFamily="34" charset="0"/>
+              </a:rPr>
+            </a:br>
+            <a:r>
+              <a:rPr lang="en-US" sz="1400" dirty="0">
+                <a:latin typeface="Futura Light"/>
+                <a:cs typeface="Arial" panose="020B0604020202020204" pitchFamily="34" charset="0"/>
+              </a:rPr>
+              <a:t>   </a:t>
+            </a:r>
+            <a:r>
+              <a:rPr lang="en-US" sz="1400" dirty="0" err="1">
+                <a:latin typeface="Futura Light"/>
+                <a:cs typeface="Arial" panose="020B0604020202020204" pitchFamily="34" charset="0"/>
+              </a:rPr>
+              <a:t>accessLevel</a:t>
+            </a:r>
+            <a:r>
+              <a:rPr lang="en-US" sz="1400" dirty="0">
+                <a:latin typeface="Futura Light"/>
+                <a:cs typeface="Arial" panose="020B0604020202020204" pitchFamily="34" charset="0"/>
+              </a:rPr>
+              <a:t> = False </a:t>
+            </a:r>
+          </a:p>
+          <a:p>
+            <a:r>
+              <a:rPr lang="en-US" sz="1400" dirty="0">
+                <a:latin typeface="Futura Light"/>
+                <a:cs typeface="Arial" panose="020B0604020202020204" pitchFamily="34" charset="0"/>
+              </a:rPr>
+              <a:t>}</a:t>
             </a:r>
             <a:r>
               <a:rPr lang="en-US" sz="1400" dirty="0">
                 <a:latin typeface="Arial" panose="020B0604020202020204" pitchFamily="34" charset="0"/>
                 <a:cs typeface="Arial" panose="020B0604020202020204" pitchFamily="34" charset="0"/>
               </a:rPr>
-              <a:t> extends User {</a:t>
-            </a:r>
-            <a:br>
-              <a:rPr lang="en-US" sz="1400" dirty="0">
-                <a:latin typeface="Arial" panose="020B0604020202020204" pitchFamily="34" charset="0"/>
-                <a:cs typeface="Arial" panose="020B0604020202020204" pitchFamily="34" charset="0"/>
-              </a:rPr>
-            </a:br>
-            <a:r>
-              <a:rPr lang="en-US" sz="1400" dirty="0">
-                <a:latin typeface="Arial" panose="020B0604020202020204" pitchFamily="34" charset="0"/>
-                <a:cs typeface="Arial" panose="020B0604020202020204" pitchFamily="34" charset="0"/>
-              </a:rPr>
-              <a:t>   </a:t>
-            </a:r>
-            <a:r>
-              <a:rPr lang="en-US" sz="1400" dirty="0" err="1">
-                <a:latin typeface="Arial" panose="020B0604020202020204" pitchFamily="34" charset="0"/>
-                <a:cs typeface="Arial" panose="020B0604020202020204" pitchFamily="34" charset="0"/>
-              </a:rPr>
-              <a:t>costumerLocation</a:t>
-            </a:r>
-            <a:r>
-              <a:rPr lang="en-US" sz="1400" dirty="0">
-                <a:latin typeface="Arial" panose="020B0604020202020204" pitchFamily="34" charset="0"/>
-                <a:cs typeface="Arial" panose="020B0604020202020204" pitchFamily="34" charset="0"/>
-              </a:rPr>
-              <a:t>: one Location,</a:t>
-            </a:r>
-            <a:br>
-              <a:rPr lang="en-US" sz="1400" dirty="0">
-                <a:latin typeface="Arial" panose="020B0604020202020204" pitchFamily="34" charset="0"/>
-                <a:cs typeface="Arial" panose="020B0604020202020204" pitchFamily="34" charset="0"/>
-              </a:rPr>
-            </a:br>
-            <a:r>
-              <a:rPr lang="en-US" sz="1400" dirty="0">
-                <a:latin typeface="Arial" panose="020B0604020202020204" pitchFamily="34" charset="0"/>
-                <a:cs typeface="Arial" panose="020B0604020202020204" pitchFamily="34" charset="0"/>
-              </a:rPr>
-              <a:t>   </a:t>
-            </a:r>
-            <a:r>
-              <a:rPr lang="en-US" sz="1400" dirty="0" err="1">
-                <a:latin typeface="Arial" panose="020B0604020202020204" pitchFamily="34" charset="0"/>
-                <a:cs typeface="Arial" panose="020B0604020202020204" pitchFamily="34" charset="0"/>
-              </a:rPr>
-              <a:t>accessLevel</a:t>
-            </a:r>
-            <a:r>
-              <a:rPr lang="en-US" sz="1400" dirty="0">
-                <a:latin typeface="Arial" panose="020B0604020202020204" pitchFamily="34" charset="0"/>
-                <a:cs typeface="Arial" panose="020B0604020202020204" pitchFamily="34" charset="0"/>
-              </a:rPr>
-              <a:t> = False </a:t>
-            </a:r>
-          </a:p>
-          <a:p>
-            <a:r>
-              <a:rPr lang="en-US" sz="1400" dirty="0">
-                <a:latin typeface="Arial" panose="020B0604020202020204" pitchFamily="34" charset="0"/>
-                <a:cs typeface="Arial" panose="020B0604020202020204" pitchFamily="34" charset="0"/>
-              </a:rPr>
-              <a:t>}</a:t>
+              <a:t/>
             </a:r>
             <a:br>
               <a:rPr lang="en-US" sz="1400" dirty="0">
@@ -8697,7 +8722,7 @@
           <p:cNvPr id="9" name="Rectangle 8">
             <a:extLst>
               <a:ext uri="{FF2B5EF4-FFF2-40B4-BE49-F238E27FC236}">
-                <a16:creationId xmlns:a16="http://schemas.microsoft.com/office/drawing/2014/main" xmlns="" id="{65FF3B07-6D30-430E-8342-FF910AE28FE1}"/>
+                <a16:creationId xmlns="" xmlns:a16="http://schemas.microsoft.com/office/drawing/2014/main" id="{65FF3B07-6D30-430E-8342-FF910AE28FE1}"/>
               </a:ext>
             </a:extLst>
           </p:cNvPr>
@@ -8706,8 +8731,8 @@
         </p:nvSpPr>
         <p:spPr>
           <a:xfrm>
-            <a:off x="3369662" y="5065485"/>
-            <a:ext cx="2246128" cy="1384995"/>
+            <a:off x="3369661" y="5065485"/>
+            <a:ext cx="2919389" cy="1169551"/>
           </a:xfrm>
           <a:prstGeom prst="rect">
             <a:avLst/>
@@ -8721,10 +8746,7 @@
           <a:p>
             <a:r>
               <a:rPr lang="en-US" sz="1400" dirty="0">
-                <a:solidFill>
-                  <a:srgbClr val="000000"/>
-                </a:solidFill>
-                <a:latin typeface="Arial" panose="020B0604020202020204" pitchFamily="34" charset="0"/>
+                <a:latin typeface="Futura Light"/>
                 <a:cs typeface="Arial" panose="020B0604020202020204" pitchFamily="34" charset="0"/>
               </a:rPr>
               <a:t>sig </a:t>
@@ -8732,9 +8754,9 @@
             <a:r>
               <a:rPr lang="en-US" sz="1400" dirty="0" err="1">
                 <a:solidFill>
-                  <a:srgbClr val="00B050"/>
+                  <a:schemeClr val="accent6"/>
                 </a:solidFill>
-                <a:latin typeface="Arial" panose="020B0604020202020204" pitchFamily="34" charset="0"/>
+                <a:latin typeface="Futura Light"/>
                 <a:cs typeface="Arial" panose="020B0604020202020204" pitchFamily="34" charset="0"/>
               </a:rPr>
               <a:t>ThirdParty</a:t>
@@ -8742,106 +8764,82 @@
             <a:r>
               <a:rPr lang="en-US" sz="1400" dirty="0">
                 <a:solidFill>
-                  <a:srgbClr val="000000"/>
+                  <a:schemeClr val="accent6"/>
                 </a:solidFill>
-                <a:latin typeface="Arial" panose="020B0604020202020204" pitchFamily="34" charset="0"/>
-                <a:cs typeface="Arial" panose="020B0604020202020204" pitchFamily="34" charset="0"/>
-              </a:rPr>
-              <a:t> extends User {</a:t>
+                <a:latin typeface="Futura Light"/>
+                <a:cs typeface="Arial" panose="020B0604020202020204" pitchFamily="34" charset="0"/>
+              </a:rPr>
+              <a:t> </a:t>
+            </a:r>
+            <a:r>
+              <a:rPr lang="en-US" sz="1400" dirty="0">
+                <a:latin typeface="Futura Light"/>
+                <a:cs typeface="Arial" panose="020B0604020202020204" pitchFamily="34" charset="0"/>
+              </a:rPr>
+              <a:t>extends User {</a:t>
             </a:r>
             <a:br>
               <a:rPr lang="en-US" sz="1400" dirty="0">
-                <a:solidFill>
-                  <a:srgbClr val="000000"/>
-                </a:solidFill>
-                <a:latin typeface="Arial" panose="020B0604020202020204" pitchFamily="34" charset="0"/>
+                <a:latin typeface="Futura Light"/>
                 <a:cs typeface="Arial" panose="020B0604020202020204" pitchFamily="34" charset="0"/>
               </a:rPr>
             </a:br>
             <a:r>
               <a:rPr lang="en-US" sz="1400" dirty="0">
-                <a:solidFill>
-                  <a:srgbClr val="000000"/>
-                </a:solidFill>
-                <a:latin typeface="Arial" panose="020B0604020202020204" pitchFamily="34" charset="0"/>
+                <a:latin typeface="Futura Light"/>
                 <a:cs typeface="Arial" panose="020B0604020202020204" pitchFamily="34" charset="0"/>
               </a:rPr>
               <a:t>   tickets: some Ticket,</a:t>
             </a:r>
             <a:br>
               <a:rPr lang="en-US" sz="1400" dirty="0">
-                <a:solidFill>
-                  <a:srgbClr val="000000"/>
-                </a:solidFill>
-                <a:latin typeface="Arial" panose="020B0604020202020204" pitchFamily="34" charset="0"/>
+                <a:latin typeface="Futura Light"/>
                 <a:cs typeface="Arial" panose="020B0604020202020204" pitchFamily="34" charset="0"/>
               </a:rPr>
             </a:br>
             <a:r>
               <a:rPr lang="en-US" sz="1400" dirty="0">
-                <a:solidFill>
-                  <a:srgbClr val="000000"/>
-                </a:solidFill>
-                <a:latin typeface="Arial" panose="020B0604020202020204" pitchFamily="34" charset="0"/>
+                <a:latin typeface="Futura Light"/>
                 <a:cs typeface="Arial" panose="020B0604020202020204" pitchFamily="34" charset="0"/>
               </a:rPr>
               <a:t>   #tickets &gt;= 0</a:t>
             </a:r>
             <a:br>
               <a:rPr lang="en-US" sz="1400" dirty="0">
-                <a:solidFill>
-                  <a:srgbClr val="000000"/>
-                </a:solidFill>
-                <a:latin typeface="Arial" panose="020B0604020202020204" pitchFamily="34" charset="0"/>
+                <a:latin typeface="Futura Light"/>
                 <a:cs typeface="Arial" panose="020B0604020202020204" pitchFamily="34" charset="0"/>
               </a:rPr>
             </a:br>
             <a:r>
               <a:rPr lang="en-US" sz="1400" dirty="0">
-                <a:solidFill>
-                  <a:srgbClr val="000000"/>
-                </a:solidFill>
-                <a:latin typeface="Arial" panose="020B0604020202020204" pitchFamily="34" charset="0"/>
+                <a:latin typeface="Futura Light"/>
                 <a:cs typeface="Arial" panose="020B0604020202020204" pitchFamily="34" charset="0"/>
               </a:rPr>
               <a:t>   </a:t>
             </a:r>
             <a:r>
               <a:rPr lang="en-US" sz="1400" dirty="0" err="1">
-                <a:solidFill>
-                  <a:srgbClr val="000000"/>
-                </a:solidFill>
-                <a:latin typeface="Arial" panose="020B0604020202020204" pitchFamily="34" charset="0"/>
+                <a:latin typeface="Futura Light"/>
                 <a:cs typeface="Arial" panose="020B0604020202020204" pitchFamily="34" charset="0"/>
               </a:rPr>
               <a:t>accessLevel</a:t>
             </a:r>
             <a:r>
               <a:rPr lang="en-US" sz="1400" dirty="0">
-                <a:solidFill>
-                  <a:srgbClr val="000000"/>
-                </a:solidFill>
-                <a:latin typeface="Arial" panose="020B0604020202020204" pitchFamily="34" charset="0"/>
-                <a:cs typeface="Arial" panose="020B0604020202020204" pitchFamily="34" charset="0"/>
-              </a:rPr>
-              <a:t> = True</a:t>
-            </a:r>
-            <a:r>
-              <a:rPr lang="en-US" sz="1400" dirty="0">
-                <a:latin typeface="Arial" panose="020B0604020202020204" pitchFamily="34" charset="0"/>
-                <a:cs typeface="Arial" panose="020B0604020202020204" pitchFamily="34" charset="0"/>
-              </a:rPr>
-              <a:t> </a:t>
+                <a:latin typeface="Futura Light"/>
+                <a:cs typeface="Arial" panose="020B0604020202020204" pitchFamily="34" charset="0"/>
+              </a:rPr>
+              <a:t> = True </a:t>
             </a:r>
             <a:br>
               <a:rPr lang="en-US" sz="1400" dirty="0">
-                <a:latin typeface="Arial" panose="020B0604020202020204" pitchFamily="34" charset="0"/>
+                <a:latin typeface="Futura Light"/>
                 <a:cs typeface="Arial" panose="020B0604020202020204" pitchFamily="34" charset="0"/>
               </a:rPr>
             </a:br>
             <a:r>
               <a:rPr lang="en-US" sz="1400" dirty="0">
-                <a:latin typeface="Arial" panose="020B0604020202020204" pitchFamily="34" charset="0"/>
+                <a:latin typeface="Futura Light"/>
                 <a:cs typeface="Arial" panose="020B0604020202020204" pitchFamily="34" charset="0"/>
               </a:rPr>
               <a:t>}</a:t>
@@ -8854,7 +8852,7 @@
           <p:cNvPr id="10" name="TextBox 9">
             <a:extLst>
               <a:ext uri="{FF2B5EF4-FFF2-40B4-BE49-F238E27FC236}">
-                <a16:creationId xmlns:a16="http://schemas.microsoft.com/office/drawing/2014/main" xmlns="" id="{A9761976-A3BE-4009-96A3-CFD8078F5894}"/>
+                <a16:creationId xmlns="" xmlns:a16="http://schemas.microsoft.com/office/drawing/2014/main" id="{A9761976-A3BE-4009-96A3-CFD8078F5894}"/>
               </a:ext>
             </a:extLst>
           </p:cNvPr>
@@ -8879,7 +8877,7 @@
           <a:p>
             <a:r>
               <a:rPr lang="en-US" sz="1400" dirty="0">
-                <a:latin typeface="Arial" panose="020B0604020202020204" pitchFamily="34" charset="0"/>
+                <a:latin typeface="Futura Light"/>
                 <a:cs typeface="Arial" panose="020B0604020202020204" pitchFamily="34" charset="0"/>
               </a:rPr>
               <a:t>abstract sig </a:t>
@@ -8887,147 +8885,184 @@
             <a:r>
               <a:rPr lang="en-US" sz="1400" dirty="0" err="1">
                 <a:solidFill>
-                  <a:srgbClr val="00B050"/>
+                  <a:schemeClr val="accent6"/>
                 </a:solidFill>
-                <a:latin typeface="Arial" panose="020B0604020202020204" pitchFamily="34" charset="0"/>
+                <a:latin typeface="Futura Light"/>
                 <a:cs typeface="Arial" panose="020B0604020202020204" pitchFamily="34" charset="0"/>
               </a:rPr>
               <a:t>MiningModule</a:t>
+            </a:r>
+            <a:r>
+              <a:rPr lang="en-US" sz="1400" dirty="0">
+                <a:solidFill>
+                  <a:schemeClr val="accent6"/>
+                </a:solidFill>
+                <a:latin typeface="Futura Light"/>
+                <a:cs typeface="Arial" panose="020B0604020202020204" pitchFamily="34" charset="0"/>
+              </a:rPr>
+              <a:t> </a:t>
+            </a:r>
+            <a:r>
+              <a:rPr lang="en-US" sz="1400" dirty="0">
+                <a:latin typeface="Futura Light"/>
+                <a:cs typeface="Arial" panose="020B0604020202020204" pitchFamily="34" charset="0"/>
+              </a:rPr>
+              <a:t>{</a:t>
+            </a:r>
+            <a:br>
+              <a:rPr lang="en-US" sz="1400" dirty="0">
+                <a:latin typeface="Futura Light"/>
+                <a:cs typeface="Arial" panose="020B0604020202020204" pitchFamily="34" charset="0"/>
+              </a:rPr>
+            </a:br>
+            <a:r>
+              <a:rPr lang="en-US" sz="1400" dirty="0">
+                <a:latin typeface="Futura Light"/>
+                <a:cs typeface="Arial" panose="020B0604020202020204" pitchFamily="34" charset="0"/>
+              </a:rPr>
+              <a:t>   violations: some Violation, </a:t>
+            </a:r>
+          </a:p>
+          <a:p>
+            <a:r>
+              <a:rPr lang="en-US" sz="1400" dirty="0">
+                <a:latin typeface="Futura Light"/>
+                <a:cs typeface="Arial" panose="020B0604020202020204" pitchFamily="34" charset="0"/>
+              </a:rPr>
+              <a:t>}</a:t>
+            </a:r>
+          </a:p>
+          <a:p>
+            <a:r>
+              <a:rPr lang="en-US" sz="1400" dirty="0">
+                <a:latin typeface="Futura Light"/>
+                <a:cs typeface="Arial" panose="020B0604020202020204" pitchFamily="34" charset="0"/>
+              </a:rPr>
+              <a:t/>
+            </a:r>
+            <a:br>
+              <a:rPr lang="en-US" sz="1400" dirty="0">
+                <a:latin typeface="Futura Light"/>
+                <a:cs typeface="Arial" panose="020B0604020202020204" pitchFamily="34" charset="0"/>
+              </a:rPr>
+            </a:br>
+            <a:r>
+              <a:rPr lang="en-US" sz="1400" dirty="0">
+                <a:latin typeface="Futura Light"/>
+                <a:cs typeface="Arial" panose="020B0604020202020204" pitchFamily="34" charset="0"/>
+              </a:rPr>
+              <a:t>sig </a:t>
+            </a:r>
+            <a:r>
+              <a:rPr lang="en-US" sz="1400" dirty="0" err="1">
+                <a:solidFill>
+                  <a:schemeClr val="accent6"/>
+                </a:solidFill>
+                <a:latin typeface="Futura Light"/>
+                <a:cs typeface="Arial" panose="020B0604020202020204" pitchFamily="34" charset="0"/>
+              </a:rPr>
+              <a:t>AverageViolations</a:t>
+            </a:r>
+            <a:r>
+              <a:rPr lang="en-US" sz="1400" dirty="0">
+                <a:solidFill>
+                  <a:schemeClr val="accent6"/>
+                </a:solidFill>
+                <a:latin typeface="Futura Light"/>
+                <a:cs typeface="Arial" panose="020B0604020202020204" pitchFamily="34" charset="0"/>
+              </a:rPr>
+              <a:t> </a:t>
+            </a:r>
+            <a:r>
+              <a:rPr lang="en-US" sz="1400" dirty="0">
+                <a:latin typeface="Futura Light"/>
+                <a:cs typeface="Arial" panose="020B0604020202020204" pitchFamily="34" charset="0"/>
+              </a:rPr>
+              <a:t>extends </a:t>
+            </a:r>
+            <a:r>
+              <a:rPr lang="en-US" sz="1400" dirty="0" err="1">
+                <a:latin typeface="Futura Light"/>
+                <a:cs typeface="Arial" panose="020B0604020202020204" pitchFamily="34" charset="0"/>
+              </a:rPr>
+              <a:t>MiningModule</a:t>
+            </a:r>
+            <a:r>
+              <a:rPr lang="en-US" sz="1400" dirty="0">
+                <a:latin typeface="Futura Light"/>
+                <a:cs typeface="Arial" panose="020B0604020202020204" pitchFamily="34" charset="0"/>
+              </a:rPr>
+              <a:t> {}</a:t>
+            </a:r>
+          </a:p>
+          <a:p>
+            <a:r>
+              <a:rPr lang="en-US" sz="1400" dirty="0">
+                <a:latin typeface="Futura Light"/>
+                <a:cs typeface="Arial" panose="020B0604020202020204" pitchFamily="34" charset="0"/>
+              </a:rPr>
+              <a:t/>
+            </a:r>
+            <a:br>
+              <a:rPr lang="en-US" sz="1400" dirty="0">
+                <a:latin typeface="Futura Light"/>
+                <a:cs typeface="Arial" panose="020B0604020202020204" pitchFamily="34" charset="0"/>
+              </a:rPr>
+            </a:br>
+            <a:r>
+              <a:rPr lang="en-US" sz="1400" dirty="0">
+                <a:latin typeface="Futura Light"/>
+                <a:cs typeface="Arial" panose="020B0604020202020204" pitchFamily="34" charset="0"/>
+              </a:rPr>
+              <a:t>sig </a:t>
+            </a:r>
+            <a:r>
+              <a:rPr lang="en-US" sz="1400" dirty="0" err="1">
+                <a:solidFill>
+                  <a:schemeClr val="accent6"/>
+                </a:solidFill>
+                <a:latin typeface="Futura Light"/>
+                <a:cs typeface="Arial" panose="020B0604020202020204" pitchFamily="34" charset="0"/>
+              </a:rPr>
+              <a:t>OffenderFinder</a:t>
+            </a:r>
+            <a:r>
+              <a:rPr lang="en-US" sz="1400" dirty="0">
+                <a:solidFill>
+                  <a:schemeClr val="accent6"/>
+                </a:solidFill>
+                <a:latin typeface="Futura Light"/>
+                <a:cs typeface="Arial" panose="020B0604020202020204" pitchFamily="34" charset="0"/>
+              </a:rPr>
+              <a:t> </a:t>
+            </a:r>
+            <a:r>
+              <a:rPr lang="en-US" sz="1400" dirty="0">
+                <a:latin typeface="Futura Light"/>
+                <a:cs typeface="Arial" panose="020B0604020202020204" pitchFamily="34" charset="0"/>
+              </a:rPr>
+              <a:t>extends </a:t>
+            </a:r>
+            <a:r>
+              <a:rPr lang="en-US" sz="1400" dirty="0" err="1">
+                <a:latin typeface="Futura Light"/>
+                <a:cs typeface="Arial" panose="020B0604020202020204" pitchFamily="34" charset="0"/>
+              </a:rPr>
+              <a:t>MiningModule</a:t>
+            </a:r>
+            <a:r>
+              <a:rPr lang="en-US" sz="1400" dirty="0">
+                <a:latin typeface="Futura Light"/>
+                <a:cs typeface="Arial" panose="020B0604020202020204" pitchFamily="34" charset="0"/>
+              </a:rPr>
+              <a:t> {}</a:t>
             </a:r>
             <a:r>
               <a:rPr lang="en-US" sz="1400" dirty="0">
                 <a:latin typeface="Arial" panose="020B0604020202020204" pitchFamily="34" charset="0"/>
                 <a:cs typeface="Arial" panose="020B0604020202020204" pitchFamily="34" charset="0"/>
               </a:rPr>
-              <a:t> {</a:t>
-            </a:r>
-            <a:br>
-              <a:rPr lang="en-US" sz="1400" dirty="0">
-                <a:latin typeface="Arial" panose="020B0604020202020204" pitchFamily="34" charset="0"/>
-                <a:cs typeface="Arial" panose="020B0604020202020204" pitchFamily="34" charset="0"/>
-              </a:rPr>
-            </a:br>
-            <a:r>
-              <a:rPr lang="en-US" sz="1400" dirty="0">
-                <a:latin typeface="Arial" panose="020B0604020202020204" pitchFamily="34" charset="0"/>
-                <a:cs typeface="Arial" panose="020B0604020202020204" pitchFamily="34" charset="0"/>
-              </a:rPr>
-              <a:t>   violations: some Violation, </a:t>
-            </a:r>
-          </a:p>
-          <a:p>
-            <a:r>
-              <a:rPr lang="en-US" sz="1400" dirty="0">
-                <a:latin typeface="Arial" panose="020B0604020202020204" pitchFamily="34" charset="0"/>
-                <a:cs typeface="Arial" panose="020B0604020202020204" pitchFamily="34" charset="0"/>
-              </a:rPr>
-              <a:t>}</a:t>
-            </a:r>
-          </a:p>
-          <a:p>
-            <a:r>
-              <a:rPr lang="en-US" sz="1400" dirty="0">
-                <a:latin typeface="Arial" panose="020B0604020202020204" pitchFamily="34" charset="0"/>
-                <a:cs typeface="Arial" panose="020B0604020202020204" pitchFamily="34" charset="0"/>
-              </a:rPr>
               <a:t/>
-            </a:r>
-            <a:br>
-              <a:rPr lang="en-US" sz="1400" dirty="0">
-                <a:latin typeface="Arial" panose="020B0604020202020204" pitchFamily="34" charset="0"/>
-                <a:cs typeface="Arial" panose="020B0604020202020204" pitchFamily="34" charset="0"/>
-              </a:rPr>
-            </a:br>
-            <a:r>
-              <a:rPr lang="en-US" sz="1400" dirty="0">
-                <a:latin typeface="Arial" panose="020B0604020202020204" pitchFamily="34" charset="0"/>
-                <a:cs typeface="Arial" panose="020B0604020202020204" pitchFamily="34" charset="0"/>
-              </a:rPr>
-              <a:t>sig </a:t>
-            </a:r>
-            <a:r>
-              <a:rPr lang="en-US" sz="1400" dirty="0" err="1">
-                <a:solidFill>
-                  <a:srgbClr val="00B050"/>
-                </a:solidFill>
-                <a:latin typeface="Arial" panose="020B0604020202020204" pitchFamily="34" charset="0"/>
-                <a:cs typeface="Arial" panose="020B0604020202020204" pitchFamily="34" charset="0"/>
-              </a:rPr>
-              <a:t>AverageViolations</a:t>
-            </a:r>
-            <a:r>
-              <a:rPr lang="en-US" sz="1400" dirty="0">
-                <a:latin typeface="Arial" panose="020B0604020202020204" pitchFamily="34" charset="0"/>
-                <a:cs typeface="Arial" panose="020B0604020202020204" pitchFamily="34" charset="0"/>
-              </a:rPr>
-              <a:t> extends </a:t>
-            </a:r>
-            <a:r>
-              <a:rPr lang="en-US" sz="1400" dirty="0" err="1">
-                <a:latin typeface="Arial" panose="020B0604020202020204" pitchFamily="34" charset="0"/>
-                <a:cs typeface="Arial" panose="020B0604020202020204" pitchFamily="34" charset="0"/>
-              </a:rPr>
-              <a:t>MiningModule</a:t>
-            </a:r>
-            <a:r>
-              <a:rPr lang="en-US" sz="1400" dirty="0">
-                <a:latin typeface="Arial" panose="020B0604020202020204" pitchFamily="34" charset="0"/>
-                <a:cs typeface="Arial" panose="020B0604020202020204" pitchFamily="34" charset="0"/>
-              </a:rPr>
-              <a:t> {}</a:t>
-            </a:r>
-          </a:p>
-          <a:p>
-            <a:r>
-              <a:rPr lang="en-US" sz="1400" dirty="0">
-                <a:latin typeface="Arial" panose="020B0604020202020204" pitchFamily="34" charset="0"/>
-                <a:cs typeface="Arial" panose="020B0604020202020204" pitchFamily="34" charset="0"/>
-              </a:rPr>
-              <a:t/>
-            </a:r>
-            <a:br>
-              <a:rPr lang="en-US" sz="1400" dirty="0">
-                <a:latin typeface="Arial" panose="020B0604020202020204" pitchFamily="34" charset="0"/>
-                <a:cs typeface="Arial" panose="020B0604020202020204" pitchFamily="34" charset="0"/>
-              </a:rPr>
-            </a:br>
-            <a:r>
-              <a:rPr lang="en-US" sz="1400" dirty="0">
-                <a:latin typeface="Arial" panose="020B0604020202020204" pitchFamily="34" charset="0"/>
-                <a:cs typeface="Arial" panose="020B0604020202020204" pitchFamily="34" charset="0"/>
-              </a:rPr>
-              <a:t>sig </a:t>
-            </a:r>
-            <a:r>
-              <a:rPr lang="en-US" sz="1400" dirty="0" err="1">
-                <a:solidFill>
-                  <a:srgbClr val="00B050"/>
-                </a:solidFill>
-                <a:latin typeface="Arial" panose="020B0604020202020204" pitchFamily="34" charset="0"/>
-                <a:cs typeface="Arial" panose="020B0604020202020204" pitchFamily="34" charset="0"/>
-              </a:rPr>
-              <a:t>OffenderFinder</a:t>
-            </a:r>
-            <a:r>
-              <a:rPr lang="en-US" sz="1400" dirty="0">
-                <a:latin typeface="Arial" panose="020B0604020202020204" pitchFamily="34" charset="0"/>
-                <a:cs typeface="Arial" panose="020B0604020202020204" pitchFamily="34" charset="0"/>
-              </a:rPr>
-              <a:t> extends </a:t>
-            </a:r>
-            <a:r>
-              <a:rPr lang="en-US" sz="1400" dirty="0" err="1">
-                <a:latin typeface="Arial" panose="020B0604020202020204" pitchFamily="34" charset="0"/>
-                <a:cs typeface="Arial" panose="020B0604020202020204" pitchFamily="34" charset="0"/>
-              </a:rPr>
-              <a:t>MiningModule</a:t>
-            </a:r>
-            <a:r>
-              <a:rPr lang="en-US" sz="1400" dirty="0">
-                <a:latin typeface="Arial" panose="020B0604020202020204" pitchFamily="34" charset="0"/>
-                <a:cs typeface="Arial" panose="020B0604020202020204" pitchFamily="34" charset="0"/>
-              </a:rPr>
-              <a:t> {}</a:t>
             </a:r>
             <a:br>
               <a:rPr lang="en-US" sz="1400" dirty="0">
@@ -9047,7 +9082,7 @@
           <p:cNvPr id="11" name="TextBox 10">
             <a:extLst>
               <a:ext uri="{FF2B5EF4-FFF2-40B4-BE49-F238E27FC236}">
-                <a16:creationId xmlns:a16="http://schemas.microsoft.com/office/drawing/2014/main" xmlns="" id="{4C96BA33-2B0B-4165-B3E3-4D22882BF0D4}"/>
+                <a16:creationId xmlns="" xmlns:a16="http://schemas.microsoft.com/office/drawing/2014/main" id="{4C96BA33-2B0B-4165-B3E3-4D22882BF0D4}"/>
               </a:ext>
             </a:extLst>
           </p:cNvPr>
@@ -9057,7 +9092,7 @@
         <p:spPr>
           <a:xfrm>
             <a:off x="7122051" y="1817591"/>
-            <a:ext cx="2443041" cy="1815882"/>
+            <a:ext cx="3900042" cy="1815882"/>
           </a:xfrm>
           <a:prstGeom prst="rect">
             <a:avLst/>
@@ -9065,14 +9100,14 @@
           <a:noFill/>
         </p:spPr>
         <p:txBody>
-          <a:bodyPr wrap="none" rtlCol="0">
+          <a:bodyPr wrap="square" rtlCol="0">
             <a:spAutoFit/>
           </a:bodyPr>
           <a:lstStyle/>
           <a:p>
             <a:r>
               <a:rPr lang="en-US" sz="1400" dirty="0">
-                <a:latin typeface="Arial" panose="020B0604020202020204" pitchFamily="34" charset="0"/>
+                <a:latin typeface="Futura Light"/>
                 <a:cs typeface="Arial" panose="020B0604020202020204" pitchFamily="34" charset="0"/>
               </a:rPr>
               <a:t>sig </a:t>
@@ -9080,149 +9115,149 @@
             <a:r>
               <a:rPr lang="en-US" sz="1400" dirty="0">
                 <a:solidFill>
-                  <a:srgbClr val="00B050"/>
+                  <a:schemeClr val="accent6"/>
                 </a:solidFill>
-                <a:latin typeface="Arial" panose="020B0604020202020204" pitchFamily="34" charset="0"/>
+                <a:latin typeface="Futura Light"/>
                 <a:cs typeface="Arial" panose="020B0604020202020204" pitchFamily="34" charset="0"/>
               </a:rPr>
               <a:t>Violation</a:t>
             </a:r>
             <a:r>
               <a:rPr lang="en-US" sz="1400" dirty="0">
-                <a:latin typeface="Arial" panose="020B0604020202020204" pitchFamily="34" charset="0"/>
+                <a:latin typeface="Futura Light"/>
                 <a:cs typeface="Arial" panose="020B0604020202020204" pitchFamily="34" charset="0"/>
               </a:rPr>
               <a:t> {</a:t>
             </a:r>
             <a:br>
               <a:rPr lang="en-US" sz="1400" dirty="0">
-                <a:latin typeface="Arial" panose="020B0604020202020204" pitchFamily="34" charset="0"/>
+                <a:latin typeface="Futura Light"/>
                 <a:cs typeface="Arial" panose="020B0604020202020204" pitchFamily="34" charset="0"/>
               </a:rPr>
             </a:br>
             <a:r>
               <a:rPr lang="en-US" sz="1400" dirty="0">
-                <a:latin typeface="Arial" panose="020B0604020202020204" pitchFamily="34" charset="0"/>
+                <a:latin typeface="Futura Light"/>
                 <a:cs typeface="Arial" panose="020B0604020202020204" pitchFamily="34" charset="0"/>
               </a:rPr>
               <a:t>   location: one Location,</a:t>
             </a:r>
             <a:br>
               <a:rPr lang="en-US" sz="1400" dirty="0">
-                <a:latin typeface="Arial" panose="020B0604020202020204" pitchFamily="34" charset="0"/>
+                <a:latin typeface="Futura Light"/>
                 <a:cs typeface="Arial" panose="020B0604020202020204" pitchFamily="34" charset="0"/>
               </a:rPr>
             </a:br>
             <a:r>
               <a:rPr lang="en-US" sz="1400" dirty="0">
-                <a:latin typeface="Arial" panose="020B0604020202020204" pitchFamily="34" charset="0"/>
+                <a:latin typeface="Futura Light"/>
                 <a:cs typeface="Arial" panose="020B0604020202020204" pitchFamily="34" charset="0"/>
               </a:rPr>
               <a:t>   </a:t>
             </a:r>
             <a:r>
               <a:rPr lang="en-US" sz="1400" dirty="0" err="1">
-                <a:latin typeface="Arial" panose="020B0604020202020204" pitchFamily="34" charset="0"/>
+                <a:latin typeface="Futura Light"/>
                 <a:cs typeface="Arial" panose="020B0604020202020204" pitchFamily="34" charset="0"/>
               </a:rPr>
               <a:t>addr</a:t>
             </a:r>
             <a:r>
               <a:rPr lang="en-US" sz="1400" dirty="0">
-                <a:latin typeface="Arial" panose="020B0604020202020204" pitchFamily="34" charset="0"/>
+                <a:latin typeface="Futura Light"/>
                 <a:cs typeface="Arial" panose="020B0604020202020204" pitchFamily="34" charset="0"/>
               </a:rPr>
               <a:t>: some </a:t>
             </a:r>
             <a:r>
               <a:rPr lang="en-US" sz="1400" dirty="0" err="1">
-                <a:latin typeface="Arial" panose="020B0604020202020204" pitchFamily="34" charset="0"/>
+                <a:latin typeface="Futura Light"/>
                 <a:cs typeface="Arial" panose="020B0604020202020204" pitchFamily="34" charset="0"/>
               </a:rPr>
               <a:t>GPSconvertor</a:t>
             </a:r>
             <a:r>
               <a:rPr lang="en-US" sz="1400" dirty="0">
-                <a:latin typeface="Arial" panose="020B0604020202020204" pitchFamily="34" charset="0"/>
+                <a:latin typeface="Futura Light"/>
                 <a:cs typeface="Arial" panose="020B0604020202020204" pitchFamily="34" charset="0"/>
               </a:rPr>
               <a:t>,</a:t>
             </a:r>
             <a:br>
               <a:rPr lang="en-US" sz="1400" dirty="0">
-                <a:latin typeface="Arial" panose="020B0604020202020204" pitchFamily="34" charset="0"/>
+                <a:latin typeface="Futura Light"/>
                 <a:cs typeface="Arial" panose="020B0604020202020204" pitchFamily="34" charset="0"/>
               </a:rPr>
             </a:br>
             <a:r>
               <a:rPr lang="en-US" sz="1400" dirty="0">
-                <a:latin typeface="Arial" panose="020B0604020202020204" pitchFamily="34" charset="0"/>
+                <a:latin typeface="Futura Light"/>
                 <a:cs typeface="Arial" panose="020B0604020202020204" pitchFamily="34" charset="0"/>
               </a:rPr>
               <a:t>   reporter: one Costumer,</a:t>
             </a:r>
             <a:br>
               <a:rPr lang="en-US" sz="1400" dirty="0">
-                <a:latin typeface="Arial" panose="020B0604020202020204" pitchFamily="34" charset="0"/>
+                <a:latin typeface="Futura Light"/>
                 <a:cs typeface="Arial" panose="020B0604020202020204" pitchFamily="34" charset="0"/>
               </a:rPr>
             </a:br>
             <a:r>
               <a:rPr lang="en-US" sz="1400" dirty="0">
-                <a:latin typeface="Arial" panose="020B0604020202020204" pitchFamily="34" charset="0"/>
+                <a:latin typeface="Futura Light"/>
                 <a:cs typeface="Arial" panose="020B0604020202020204" pitchFamily="34" charset="0"/>
               </a:rPr>
               <a:t>   photo: one Photo,</a:t>
             </a:r>
             <a:br>
               <a:rPr lang="en-US" sz="1400" dirty="0">
-                <a:latin typeface="Arial" panose="020B0604020202020204" pitchFamily="34" charset="0"/>
+                <a:latin typeface="Futura Light"/>
                 <a:cs typeface="Arial" panose="020B0604020202020204" pitchFamily="34" charset="0"/>
               </a:rPr>
             </a:br>
             <a:r>
               <a:rPr lang="en-US" sz="1400" dirty="0">
-                <a:latin typeface="Arial" panose="020B0604020202020204" pitchFamily="34" charset="0"/>
+                <a:latin typeface="Futura Light"/>
                 <a:cs typeface="Arial" panose="020B0604020202020204" pitchFamily="34" charset="0"/>
               </a:rPr>
               <a:t>   </a:t>
             </a:r>
             <a:r>
               <a:rPr lang="en-US" sz="1400" dirty="0" err="1">
-                <a:latin typeface="Arial" panose="020B0604020202020204" pitchFamily="34" charset="0"/>
+                <a:latin typeface="Futura Light"/>
                 <a:cs typeface="Arial" panose="020B0604020202020204" pitchFamily="34" charset="0"/>
               </a:rPr>
               <a:t>licensePlate</a:t>
             </a:r>
             <a:r>
               <a:rPr lang="en-US" sz="1400" dirty="0">
-                <a:latin typeface="Arial" panose="020B0604020202020204" pitchFamily="34" charset="0"/>
+                <a:latin typeface="Futura Light"/>
                 <a:cs typeface="Arial" panose="020B0604020202020204" pitchFamily="34" charset="0"/>
               </a:rPr>
               <a:t>: one ALPR,</a:t>
             </a:r>
             <a:br>
               <a:rPr lang="en-US" sz="1400" dirty="0">
-                <a:latin typeface="Arial" panose="020B0604020202020204" pitchFamily="34" charset="0"/>
+                <a:latin typeface="Futura Light"/>
                 <a:cs typeface="Arial" panose="020B0604020202020204" pitchFamily="34" charset="0"/>
               </a:rPr>
             </a:br>
             <a:r>
               <a:rPr lang="en-US" sz="1400" dirty="0">
-                <a:latin typeface="Arial" panose="020B0604020202020204" pitchFamily="34" charset="0"/>
+                <a:latin typeface="Futura Light"/>
                 <a:cs typeface="Arial" panose="020B0604020202020204" pitchFamily="34" charset="0"/>
               </a:rPr>
               <a:t>   date: one Date </a:t>
             </a:r>
             <a:br>
               <a:rPr lang="en-US" sz="1400" dirty="0">
-                <a:latin typeface="Arial" panose="020B0604020202020204" pitchFamily="34" charset="0"/>
+                <a:latin typeface="Futura Light"/>
                 <a:cs typeface="Arial" panose="020B0604020202020204" pitchFamily="34" charset="0"/>
               </a:rPr>
             </a:br>
             <a:r>
               <a:rPr lang="en-US" sz="1400" dirty="0">
-                <a:latin typeface="Arial" panose="020B0604020202020204" pitchFamily="34" charset="0"/>
+                <a:latin typeface="Futura Light"/>
                 <a:cs typeface="Arial" panose="020B0604020202020204" pitchFamily="34" charset="0"/>
               </a:rPr>
               <a:t>}</a:t>
@@ -9235,7 +9270,7 @@
           <p:cNvPr id="12" name="Rectangle 11">
             <a:extLst>
               <a:ext uri="{FF2B5EF4-FFF2-40B4-BE49-F238E27FC236}">
-                <a16:creationId xmlns:a16="http://schemas.microsoft.com/office/drawing/2014/main" xmlns="" id="{C7D23CF7-D101-3348-AE4F-72B5A5615745}"/>
+                <a16:creationId xmlns="" xmlns:a16="http://schemas.microsoft.com/office/drawing/2014/main" id="{C7D23CF7-D101-3348-AE4F-72B5A5615745}"/>
               </a:ext>
             </a:extLst>
           </p:cNvPr>
@@ -9287,7 +9322,7 @@
           <p:cNvPr id="13" name="Title 1">
             <a:extLst>
               <a:ext uri="{FF2B5EF4-FFF2-40B4-BE49-F238E27FC236}">
-                <a16:creationId xmlns:a16="http://schemas.microsoft.com/office/drawing/2014/main" xmlns="" id="{B718AFBD-10B5-CD45-B75D-4F5327853E96}"/>
+                <a16:creationId xmlns="" xmlns:a16="http://schemas.microsoft.com/office/drawing/2014/main" id="{B718AFBD-10B5-CD45-B75D-4F5327853E96}"/>
               </a:ext>
             </a:extLst>
           </p:cNvPr>
@@ -9380,7 +9415,7 @@
           <p:cNvPr id="12" name="Rectangle 11">
             <a:extLst>
               <a:ext uri="{FF2B5EF4-FFF2-40B4-BE49-F238E27FC236}">
-                <a16:creationId xmlns:a16="http://schemas.microsoft.com/office/drawing/2014/main" xmlns="" id="{B43AD4F0-D322-4438-B65A-591365D3C586}"/>
+                <a16:creationId xmlns="" xmlns:a16="http://schemas.microsoft.com/office/drawing/2014/main" id="{B43AD4F0-D322-4438-B65A-591365D3C586}"/>
               </a:ext>
             </a:extLst>
           </p:cNvPr>
@@ -9390,7 +9425,7 @@
         <p:spPr>
           <a:xfrm>
             <a:off x="473741" y="2347217"/>
-            <a:ext cx="3096344" cy="2031325"/>
+            <a:ext cx="3096344" cy="1815882"/>
           </a:xfrm>
           <a:prstGeom prst="rect">
             <a:avLst/>
@@ -9404,68 +9439,61 @@
           <a:p>
             <a:r>
               <a:rPr lang="en-US" sz="1400" dirty="0">
-                <a:latin typeface="Arial" panose="020B0604020202020204" pitchFamily="34" charset="0"/>
+                <a:latin typeface="Futura Light"/>
                 <a:cs typeface="Arial" panose="020B0604020202020204" pitchFamily="34" charset="0"/>
               </a:rPr>
               <a:t>// </a:t>
             </a:r>
             <a:r>
               <a:rPr lang="en-US" sz="1400" dirty="0" smtClean="0">
-                <a:latin typeface="Arial" panose="020B0604020202020204" pitchFamily="34" charset="0"/>
-                <a:cs typeface="Arial" panose="020B0604020202020204" pitchFamily="34" charset="0"/>
-              </a:rPr>
-              <a:t>Each </a:t>
+                <a:latin typeface="Futura Light"/>
+                <a:cs typeface="Arial" panose="020B0604020202020204" pitchFamily="34" charset="0"/>
+              </a:rPr>
+              <a:t>Each violation has only </a:t>
+            </a:r>
+            <a:r>
+              <a:rPr lang="en-US" sz="1400" dirty="0">
+                <a:latin typeface="Futura Light"/>
+                <a:cs typeface="Arial" panose="020B0604020202020204" pitchFamily="34" charset="0"/>
+              </a:rPr>
+              <a:t>one corresponding </a:t>
             </a:r>
             <a:r>
               <a:rPr lang="en-US" sz="1400" dirty="0" smtClean="0">
-                <a:latin typeface="Arial" panose="020B0604020202020204" pitchFamily="34" charset="0"/>
-                <a:cs typeface="Arial" panose="020B0604020202020204" pitchFamily="34" charset="0"/>
-              </a:rPr>
-              <a:t>violation has only </a:t>
-            </a:r>
-            <a:r>
-              <a:rPr lang="en-US" sz="1400" dirty="0">
-                <a:latin typeface="Arial" panose="020B0604020202020204" pitchFamily="34" charset="0"/>
-                <a:cs typeface="Arial" panose="020B0604020202020204" pitchFamily="34" charset="0"/>
-              </a:rPr>
-              <a:t>one corresponding </a:t>
-            </a:r>
-            <a:r>
-              <a:rPr lang="en-US" sz="1400" dirty="0" smtClean="0">
-                <a:latin typeface="Arial" panose="020B0604020202020204" pitchFamily="34" charset="0"/>
+                <a:latin typeface="Futura Light"/>
                 <a:cs typeface="Arial" panose="020B0604020202020204" pitchFamily="34" charset="0"/>
               </a:rPr>
               <a:t>ticket</a:t>
             </a:r>
             <a:endParaRPr lang="fa-IR" sz="1400" dirty="0" smtClean="0">
-              <a:latin typeface="Arial" panose="020B0604020202020204" pitchFamily="34" charset="0"/>
+              <a:latin typeface="Futura Light"/>
               <a:cs typeface="Arial" panose="020B0604020202020204" pitchFamily="34" charset="0"/>
             </a:endParaRPr>
           </a:p>
           <a:p>
             <a:endParaRPr lang="en-US" sz="1400" dirty="0">
-              <a:latin typeface="Arial" panose="020B0604020202020204" pitchFamily="34" charset="0"/>
+              <a:latin typeface="Futura Light"/>
               <a:cs typeface="Arial" panose="020B0604020202020204" pitchFamily="34" charset="0"/>
             </a:endParaRPr>
           </a:p>
           <a:p>
             <a:r>
               <a:rPr lang="en-US" sz="1400" dirty="0">
-                <a:latin typeface="Arial" panose="020B0604020202020204" pitchFamily="34" charset="0"/>
+                <a:latin typeface="Futura Light"/>
                 <a:cs typeface="Arial" panose="020B0604020202020204" pitchFamily="34" charset="0"/>
               </a:rPr>
               <a:t>fact </a:t>
             </a:r>
             <a:r>
               <a:rPr lang="en-US" sz="1400" dirty="0" err="1">
-                <a:latin typeface="Arial" panose="020B0604020202020204" pitchFamily="34" charset="0"/>
+                <a:latin typeface="Futura Light"/>
                 <a:cs typeface="Arial" panose="020B0604020202020204" pitchFamily="34" charset="0"/>
               </a:rPr>
               <a:t>EachViolatioContainsOneTicket</a:t>
             </a:r>
             <a:r>
               <a:rPr lang="en-US" sz="1400" dirty="0">
-                <a:latin typeface="Arial" panose="020B0604020202020204" pitchFamily="34" charset="0"/>
+                <a:latin typeface="Futura Light"/>
                 <a:cs typeface="Arial" panose="020B0604020202020204" pitchFamily="34" charset="0"/>
               </a:rPr>
               <a:t> {</a:t>
@@ -9474,7 +9502,7 @@
           <a:p>
             <a:r>
               <a:rPr lang="en-US" sz="1400" dirty="0">
-                <a:latin typeface="Arial" panose="020B0604020202020204" pitchFamily="34" charset="0"/>
+                <a:latin typeface="Futura Light"/>
                 <a:cs typeface="Arial" panose="020B0604020202020204" pitchFamily="34" charset="0"/>
               </a:rPr>
               <a:t>one t : Ticket , v : Violation |</a:t>
@@ -9483,46 +9511,46 @@
           <a:p>
             <a:r>
               <a:rPr lang="en-US" sz="1400" dirty="0" err="1">
-                <a:latin typeface="Arial" panose="020B0604020202020204" pitchFamily="34" charset="0"/>
+                <a:latin typeface="Futura Light"/>
                 <a:cs typeface="Arial" panose="020B0604020202020204" pitchFamily="34" charset="0"/>
               </a:rPr>
               <a:t>t.violations</a:t>
             </a:r>
             <a:r>
               <a:rPr lang="en-US" sz="1400" dirty="0">
-                <a:latin typeface="Arial" panose="020B0604020202020204" pitchFamily="34" charset="0"/>
+                <a:latin typeface="Futura Light"/>
                 <a:cs typeface="Arial" panose="020B0604020202020204" pitchFamily="34" charset="0"/>
               </a:rPr>
               <a:t> = </a:t>
             </a:r>
             <a:r>
               <a:rPr lang="en-US" sz="1400" dirty="0" smtClean="0">
-                <a:latin typeface="Arial" panose="020B0604020202020204" pitchFamily="34" charset="0"/>
+                <a:latin typeface="Futura Light"/>
                 <a:cs typeface="Arial" panose="020B0604020202020204" pitchFamily="34" charset="0"/>
               </a:rPr>
               <a:t>v</a:t>
             </a:r>
             <a:endParaRPr lang="fa-IR" sz="1400" dirty="0" smtClean="0">
-              <a:latin typeface="Arial" panose="020B0604020202020204" pitchFamily="34" charset="0"/>
+              <a:latin typeface="Futura Light"/>
               <a:cs typeface="Arial" panose="020B0604020202020204" pitchFamily="34" charset="0"/>
             </a:endParaRPr>
           </a:p>
           <a:p>
             <a:r>
               <a:rPr lang="fa-IR" sz="1400" dirty="0">
-                <a:latin typeface="Arial" panose="020B0604020202020204" pitchFamily="34" charset="0"/>
+                <a:latin typeface="Futura Light"/>
                 <a:cs typeface="Arial" panose="020B0604020202020204" pitchFamily="34" charset="0"/>
               </a:rPr>
               <a:t>{</a:t>
             </a:r>
             <a:endParaRPr lang="en-US" sz="1400" dirty="0">
-              <a:latin typeface="Arial" panose="020B0604020202020204" pitchFamily="34" charset="0"/>
+              <a:latin typeface="Futura Light"/>
               <a:cs typeface="Arial" panose="020B0604020202020204" pitchFamily="34" charset="0"/>
             </a:endParaRPr>
           </a:p>
           <a:p>
             <a:endParaRPr lang="en-US" sz="1400" dirty="0">
-              <a:latin typeface="Arial" panose="020B0604020202020204" pitchFamily="34" charset="0"/>
+              <a:latin typeface="Futura Light"/>
               <a:cs typeface="Arial" panose="020B0604020202020204" pitchFamily="34" charset="0"/>
             </a:endParaRPr>
           </a:p>
@@ -9533,7 +9561,7 @@
           <p:cNvPr id="13" name="Rectangle 12">
             <a:extLst>
               <a:ext uri="{FF2B5EF4-FFF2-40B4-BE49-F238E27FC236}">
-                <a16:creationId xmlns:a16="http://schemas.microsoft.com/office/drawing/2014/main" xmlns="" id="{A7FB5CA4-B2E5-455A-AFEE-82507FE9222D}"/>
+                <a16:creationId xmlns="" xmlns:a16="http://schemas.microsoft.com/office/drawing/2014/main" id="{A7FB5CA4-B2E5-455A-AFEE-82507FE9222D}"/>
               </a:ext>
             </a:extLst>
           </p:cNvPr>
@@ -9543,7 +9571,7 @@
         <p:spPr>
           <a:xfrm>
             <a:off x="7417163" y="2119358"/>
-            <a:ext cx="3384376" cy="2031325"/>
+            <a:ext cx="3384376" cy="2246769"/>
           </a:xfrm>
           <a:prstGeom prst="rect">
             <a:avLst/>
@@ -9556,70 +9584,171 @@
           <a:lstStyle/>
           <a:p>
             <a:endParaRPr lang="en-US" sz="1400" dirty="0">
-              <a:latin typeface="Arial" panose="020B0604020202020204" pitchFamily="34" charset="0"/>
+              <a:latin typeface="Futura Light"/>
               <a:cs typeface="Arial" panose="020B0604020202020204" pitchFamily="34" charset="0"/>
             </a:endParaRPr>
           </a:p>
           <a:p>
             <a:r>
               <a:rPr lang="en-US" sz="1400" dirty="0">
-                <a:latin typeface="Arial" panose="020B0604020202020204" pitchFamily="34" charset="0"/>
-                <a:cs typeface="Arial" panose="020B0604020202020204" pitchFamily="34" charset="0"/>
-              </a:rPr>
-              <a:t>// if a ticket exist, it belongs to one violation</a:t>
-            </a:r>
-          </a:p>
-          <a:p>
+                <a:latin typeface="Futura Light"/>
+                <a:cs typeface="Arial" panose="020B0604020202020204" pitchFamily="34" charset="0"/>
+              </a:rPr>
+              <a:t>// location of an </a:t>
+            </a:r>
+            <a:r>
+              <a:rPr lang="en-US" sz="1400" dirty="0" err="1">
+                <a:latin typeface="Futura Light"/>
+                <a:cs typeface="Arial" panose="020B0604020202020204" pitchFamily="34" charset="0"/>
+              </a:rPr>
+              <a:t>EndUSers</a:t>
+            </a:r>
             <a:r>
               <a:rPr lang="en-US" sz="1400" dirty="0">
-                <a:latin typeface="Arial" panose="020B0604020202020204" pitchFamily="34" charset="0"/>
-                <a:cs typeface="Arial" panose="020B0604020202020204" pitchFamily="34" charset="0"/>
-              </a:rPr>
-              <a:t>Fact {</a:t>
-            </a:r>
-          </a:p>
-          <a:p>
+                <a:latin typeface="Futura Light"/>
+                <a:cs typeface="Arial" panose="020B0604020202020204" pitchFamily="34" charset="0"/>
+              </a:rPr>
+              <a:t> should be equal to reverse </a:t>
+            </a:r>
+            <a:r>
+              <a:rPr lang="en-US" sz="1400" dirty="0" err="1">
+                <a:latin typeface="Futura Light"/>
+                <a:cs typeface="Arial" panose="020B0604020202020204" pitchFamily="34" charset="0"/>
+              </a:rPr>
+              <a:t>giocodding</a:t>
+            </a:r>
             <a:r>
               <a:rPr lang="en-US" sz="1400" dirty="0">
-                <a:latin typeface="Arial" panose="020B0604020202020204" pitchFamily="34" charset="0"/>
-                <a:cs typeface="Arial" panose="020B0604020202020204" pitchFamily="34" charset="0"/>
-              </a:rPr>
-              <a:t>   one t: Ticket , v:Violation |</a:t>
-            </a:r>
+                <a:latin typeface="Futura Light"/>
+                <a:cs typeface="Arial" panose="020B0604020202020204" pitchFamily="34" charset="0"/>
+              </a:rPr>
+              <a:t> address</a:t>
+            </a:r>
+          </a:p>
+          <a:p>
+            <a:endParaRPr lang="en-US" sz="1400" dirty="0">
+              <a:latin typeface="Futura Light"/>
+              <a:cs typeface="Arial" panose="020B0604020202020204" pitchFamily="34" charset="0"/>
+            </a:endParaRPr>
           </a:p>
           <a:p>
             <a:r>
               <a:rPr lang="en-US" sz="1400" dirty="0">
-                <a:latin typeface="Arial" panose="020B0604020202020204" pitchFamily="34" charset="0"/>
-                <a:cs typeface="Arial" panose="020B0604020202020204" pitchFamily="34" charset="0"/>
-              </a:rPr>
-              <a:t>   </a:t>
+                <a:latin typeface="Futura Light"/>
+                <a:cs typeface="Arial" panose="020B0604020202020204" pitchFamily="34" charset="0"/>
+              </a:rPr>
+              <a:t>fact </a:t>
             </a:r>
             <a:r>
               <a:rPr lang="en-US" sz="1400" dirty="0" err="1">
-                <a:latin typeface="Arial" panose="020B0604020202020204" pitchFamily="34" charset="0"/>
-                <a:cs typeface="Arial" panose="020B0604020202020204" pitchFamily="34" charset="0"/>
-              </a:rPr>
-              <a:t>t.violations</a:t>
+                <a:latin typeface="Futura Light"/>
+                <a:cs typeface="Arial" panose="020B0604020202020204" pitchFamily="34" charset="0"/>
+              </a:rPr>
+              <a:t>EqualLocationForEndUserAndGio</a:t>
             </a:r>
             <a:r>
               <a:rPr lang="en-US" sz="1400" dirty="0">
-                <a:latin typeface="Arial" panose="020B0604020202020204" pitchFamily="34" charset="0"/>
-                <a:cs typeface="Arial" panose="020B0604020202020204" pitchFamily="34" charset="0"/>
-              </a:rPr>
-              <a:t> = v</a:t>
+                <a:latin typeface="Futura Light"/>
+                <a:cs typeface="Arial" panose="020B0604020202020204" pitchFamily="34" charset="0"/>
+              </a:rPr>
+              <a:t> {</a:t>
             </a:r>
           </a:p>
           <a:p>
             <a:r>
               <a:rPr lang="en-US" sz="1400" dirty="0">
-                <a:latin typeface="Arial" panose="020B0604020202020204" pitchFamily="34" charset="0"/>
+                <a:latin typeface="Futura Light"/>
+                <a:cs typeface="Arial" panose="020B0604020202020204" pitchFamily="34" charset="0"/>
+              </a:rPr>
+              <a:t>one </a:t>
+            </a:r>
+            <a:r>
+              <a:rPr lang="en-US" sz="1400" dirty="0" err="1">
+                <a:latin typeface="Futura Light"/>
+                <a:cs typeface="Arial" panose="020B0604020202020204" pitchFamily="34" charset="0"/>
+              </a:rPr>
+              <a:t>revGio</a:t>
+            </a:r>
+            <a:r>
+              <a:rPr lang="en-US" sz="1400" dirty="0">
+                <a:latin typeface="Futura Light"/>
+                <a:cs typeface="Arial" panose="020B0604020202020204" pitchFamily="34" charset="0"/>
+              </a:rPr>
+              <a:t> : </a:t>
+            </a:r>
+            <a:r>
+              <a:rPr lang="en-US" sz="1400" dirty="0" err="1">
+                <a:latin typeface="Futura Light"/>
+                <a:cs typeface="Arial" panose="020B0604020202020204" pitchFamily="34" charset="0"/>
+              </a:rPr>
+              <a:t>ReverseGioCoding</a:t>
+            </a:r>
+            <a:r>
+              <a:rPr lang="en-US" sz="1400" dirty="0">
+                <a:latin typeface="Futura Light"/>
+                <a:cs typeface="Arial" panose="020B0604020202020204" pitchFamily="34" charset="0"/>
+              </a:rPr>
+              <a:t>|</a:t>
+            </a:r>
+          </a:p>
+          <a:p>
+            <a:r>
+              <a:rPr lang="en-US" sz="1400" dirty="0">
+                <a:latin typeface="Futura Light"/>
+                <a:cs typeface="Arial" panose="020B0604020202020204" pitchFamily="34" charset="0"/>
+              </a:rPr>
+              <a:t>one u : </a:t>
+            </a:r>
+            <a:r>
+              <a:rPr lang="en-US" sz="1400" dirty="0" err="1">
+                <a:latin typeface="Futura Light"/>
+                <a:cs typeface="Arial" panose="020B0604020202020204" pitchFamily="34" charset="0"/>
+              </a:rPr>
+              <a:t>EndUser</a:t>
+            </a:r>
+            <a:r>
+              <a:rPr lang="en-US" sz="1400" dirty="0">
+                <a:latin typeface="Futura Light"/>
+                <a:cs typeface="Arial" panose="020B0604020202020204" pitchFamily="34" charset="0"/>
+              </a:rPr>
+              <a:t> |</a:t>
+            </a:r>
+          </a:p>
+          <a:p>
+            <a:r>
+              <a:rPr lang="en-US" sz="1400" dirty="0" err="1">
+                <a:latin typeface="Futura Light"/>
+                <a:cs typeface="Arial" panose="020B0604020202020204" pitchFamily="34" charset="0"/>
+              </a:rPr>
+              <a:t>revGio.loc</a:t>
+            </a:r>
+            <a:r>
+              <a:rPr lang="en-US" sz="1400" dirty="0">
+                <a:latin typeface="Futura Light"/>
+                <a:cs typeface="Arial" panose="020B0604020202020204" pitchFamily="34" charset="0"/>
+              </a:rPr>
+              <a:t> = </a:t>
+            </a:r>
+            <a:r>
+              <a:rPr lang="en-US" sz="1400" dirty="0" err="1">
+                <a:latin typeface="Futura Light"/>
+                <a:cs typeface="Arial" panose="020B0604020202020204" pitchFamily="34" charset="0"/>
+              </a:rPr>
+              <a:t>u.userLocation</a:t>
+            </a:r>
+            <a:endParaRPr lang="en-US" sz="1400" dirty="0">
+              <a:latin typeface="Futura Light"/>
+              <a:cs typeface="Arial" panose="020B0604020202020204" pitchFamily="34" charset="0"/>
+            </a:endParaRPr>
+          </a:p>
+          <a:p>
+            <a:r>
+              <a:rPr lang="en-US" sz="1400" dirty="0">
+                <a:latin typeface="Futura Light"/>
                 <a:cs typeface="Arial" panose="020B0604020202020204" pitchFamily="34" charset="0"/>
               </a:rPr>
               <a:t>}</a:t>
             </a:r>
-          </a:p>
-          <a:p>
             <a:r>
               <a:rPr lang="en-US" sz="1400" dirty="0"/>
               <a:t/>
@@ -9639,7 +9768,7 @@
           <p:cNvPr id="8" name="Rectangle 7">
             <a:extLst>
               <a:ext uri="{FF2B5EF4-FFF2-40B4-BE49-F238E27FC236}">
-                <a16:creationId xmlns:a16="http://schemas.microsoft.com/office/drawing/2014/main" xmlns="" id="{9E85C601-3A4A-734A-8B1E-63D6E2B47DC2}"/>
+                <a16:creationId xmlns="" xmlns:a16="http://schemas.microsoft.com/office/drawing/2014/main" id="{9E85C601-3A4A-734A-8B1E-63D6E2B47DC2}"/>
               </a:ext>
             </a:extLst>
           </p:cNvPr>
@@ -9691,7 +9820,7 @@
           <p:cNvPr id="9" name="Title 1">
             <a:extLst>
               <a:ext uri="{FF2B5EF4-FFF2-40B4-BE49-F238E27FC236}">
-                <a16:creationId xmlns:a16="http://schemas.microsoft.com/office/drawing/2014/main" xmlns="" id="{798E0B7F-4C42-3F4E-B623-C026859C2B43}"/>
+                <a16:creationId xmlns="" xmlns:a16="http://schemas.microsoft.com/office/drawing/2014/main" id="{798E0B7F-4C42-3F4E-B623-C026859C2B43}"/>
               </a:ext>
             </a:extLst>
           </p:cNvPr>
@@ -9754,7 +9883,7 @@
           <p:cNvPr id="7" name="Rectangle 6">
             <a:extLst>
               <a:ext uri="{FF2B5EF4-FFF2-40B4-BE49-F238E27FC236}">
-                <a16:creationId xmlns:a16="http://schemas.microsoft.com/office/drawing/2014/main" xmlns="" id="{B43AD4F0-D322-4438-B65A-591365D3C586}"/>
+                <a16:creationId xmlns="" xmlns:a16="http://schemas.microsoft.com/office/drawing/2014/main" id="{B43AD4F0-D322-4438-B65A-591365D3C586}"/>
               </a:ext>
             </a:extLst>
           </p:cNvPr>
@@ -9784,7 +9913,7 @@
           <a:p>
             <a:r>
               <a:rPr lang="en-US" sz="1400" dirty="0">
-                <a:latin typeface="Arial" panose="020B0604020202020204" pitchFamily="34" charset="0"/>
+                <a:latin typeface="Futura Light"/>
                 <a:cs typeface="Arial" panose="020B0604020202020204" pitchFamily="34" charset="0"/>
               </a:rPr>
               <a:t>// Each Ticket Issued by One Third Party</a:t>
@@ -9793,114 +9922,114 @@
           <a:p>
             <a:r>
               <a:rPr lang="en-US" sz="1400" dirty="0">
-                <a:latin typeface="Arial" panose="020B0604020202020204" pitchFamily="34" charset="0"/>
+                <a:latin typeface="Futura Light"/>
                 <a:cs typeface="Arial" panose="020B0604020202020204" pitchFamily="34" charset="0"/>
               </a:rPr>
               <a:t/>
             </a:r>
             <a:br>
               <a:rPr lang="en-US" sz="1400" dirty="0">
-                <a:latin typeface="Arial" panose="020B0604020202020204" pitchFamily="34" charset="0"/>
+                <a:latin typeface="Futura Light"/>
                 <a:cs typeface="Arial" panose="020B0604020202020204" pitchFamily="34" charset="0"/>
               </a:rPr>
             </a:br>
             <a:r>
               <a:rPr lang="en-US" sz="1400" dirty="0">
-                <a:latin typeface="Arial" panose="020B0604020202020204" pitchFamily="34" charset="0"/>
+                <a:latin typeface="Futura Light"/>
                 <a:cs typeface="Arial" panose="020B0604020202020204" pitchFamily="34" charset="0"/>
               </a:rPr>
               <a:t>Fact {</a:t>
             </a:r>
             <a:br>
               <a:rPr lang="en-US" sz="1400" dirty="0">
-                <a:latin typeface="Arial" panose="020B0604020202020204" pitchFamily="34" charset="0"/>
+                <a:latin typeface="Futura Light"/>
                 <a:cs typeface="Arial" panose="020B0604020202020204" pitchFamily="34" charset="0"/>
               </a:rPr>
             </a:br>
             <a:r>
               <a:rPr lang="en-US" sz="1400" dirty="0">
-                <a:latin typeface="Arial" panose="020B0604020202020204" pitchFamily="34" charset="0"/>
+                <a:latin typeface="Futura Light"/>
                 <a:cs typeface="Arial" panose="020B0604020202020204" pitchFamily="34" charset="0"/>
               </a:rPr>
               <a:t>   all t: Ticket |</a:t>
             </a:r>
             <a:br>
               <a:rPr lang="en-US" sz="1400" dirty="0">
-                <a:latin typeface="Arial" panose="020B0604020202020204" pitchFamily="34" charset="0"/>
+                <a:latin typeface="Futura Light"/>
                 <a:cs typeface="Arial" panose="020B0604020202020204" pitchFamily="34" charset="0"/>
               </a:rPr>
             </a:br>
             <a:r>
               <a:rPr lang="en-US" sz="1400" dirty="0">
-                <a:latin typeface="Arial" panose="020B0604020202020204" pitchFamily="34" charset="0"/>
+                <a:latin typeface="Futura Light"/>
                 <a:cs typeface="Arial" panose="020B0604020202020204" pitchFamily="34" charset="0"/>
               </a:rPr>
               <a:t>   one </a:t>
             </a:r>
             <a:r>
               <a:rPr lang="en-US" sz="1400" dirty="0" err="1">
-                <a:latin typeface="Arial" panose="020B0604020202020204" pitchFamily="34" charset="0"/>
+                <a:latin typeface="Futura Light"/>
                 <a:cs typeface="Arial" panose="020B0604020202020204" pitchFamily="34" charset="0"/>
               </a:rPr>
               <a:t>tp</a:t>
             </a:r>
             <a:r>
               <a:rPr lang="en-US" sz="1400" dirty="0">
-                <a:latin typeface="Arial" panose="020B0604020202020204" pitchFamily="34" charset="0"/>
+                <a:latin typeface="Futura Light"/>
                 <a:cs typeface="Arial" panose="020B0604020202020204" pitchFamily="34" charset="0"/>
               </a:rPr>
               <a:t>: </a:t>
             </a:r>
             <a:r>
               <a:rPr lang="en-US" sz="1400" dirty="0" err="1">
-                <a:latin typeface="Arial" panose="020B0604020202020204" pitchFamily="34" charset="0"/>
+                <a:latin typeface="Futura Light"/>
                 <a:cs typeface="Arial" panose="020B0604020202020204" pitchFamily="34" charset="0"/>
               </a:rPr>
               <a:t>ThirdParty</a:t>
             </a:r>
             <a:r>
               <a:rPr lang="en-US" sz="1400" dirty="0">
-                <a:latin typeface="Arial" panose="020B0604020202020204" pitchFamily="34" charset="0"/>
+                <a:latin typeface="Futura Light"/>
                 <a:cs typeface="Arial" panose="020B0604020202020204" pitchFamily="34" charset="0"/>
               </a:rPr>
               <a:t> |</a:t>
             </a:r>
             <a:br>
               <a:rPr lang="en-US" sz="1400" dirty="0">
-                <a:latin typeface="Arial" panose="020B0604020202020204" pitchFamily="34" charset="0"/>
+                <a:latin typeface="Futura Light"/>
                 <a:cs typeface="Arial" panose="020B0604020202020204" pitchFamily="34" charset="0"/>
               </a:rPr>
             </a:br>
             <a:r>
               <a:rPr lang="en-US" sz="1400" dirty="0">
-                <a:latin typeface="Arial" panose="020B0604020202020204" pitchFamily="34" charset="0"/>
+                <a:latin typeface="Futura Light"/>
                 <a:cs typeface="Arial" panose="020B0604020202020204" pitchFamily="34" charset="0"/>
               </a:rPr>
               <a:t>   </a:t>
             </a:r>
             <a:r>
               <a:rPr lang="en-US" sz="1400" dirty="0" err="1">
-                <a:latin typeface="Arial" panose="020B0604020202020204" pitchFamily="34" charset="0"/>
+                <a:latin typeface="Futura Light"/>
                 <a:cs typeface="Arial" panose="020B0604020202020204" pitchFamily="34" charset="0"/>
               </a:rPr>
               <a:t>tp.tickets</a:t>
             </a:r>
             <a:r>
               <a:rPr lang="en-US" sz="1400" dirty="0">
-                <a:latin typeface="Arial" panose="020B0604020202020204" pitchFamily="34" charset="0"/>
+                <a:latin typeface="Futura Light"/>
                 <a:cs typeface="Arial" panose="020B0604020202020204" pitchFamily="34" charset="0"/>
               </a:rPr>
               <a:t> = t </a:t>
             </a:r>
             <a:br>
               <a:rPr lang="en-US" sz="1400" dirty="0">
-                <a:latin typeface="Arial" panose="020B0604020202020204" pitchFamily="34" charset="0"/>
+                <a:latin typeface="Futura Light"/>
                 <a:cs typeface="Arial" panose="020B0604020202020204" pitchFamily="34" charset="0"/>
               </a:rPr>
             </a:br>
             <a:r>
               <a:rPr lang="en-US" sz="1400" dirty="0">
-                <a:latin typeface="Arial" panose="020B0604020202020204" pitchFamily="34" charset="0"/>
+                <a:latin typeface="Futura Light"/>
                 <a:cs typeface="Arial" panose="020B0604020202020204" pitchFamily="34" charset="0"/>
               </a:rPr>
               <a:t>}</a:t>

--- a/Presentation1.pptx
+++ b/Presentation1.pptx
@@ -210,7 +210,7 @@
           <a:p>
             <a:fld id="{C160D168-104E-BB47-BCD9-23CA9B55B2CD}" type="datetimeFigureOut">
               <a:rPr lang="en-US" smtClean="0"/>
-              <a:t>2/12/2020</a:t>
+              <a:t>2/12/20</a:t>
             </a:fld>
             <a:endParaRPr lang="en-US"/>
           </a:p>
@@ -671,7 +671,7 @@
           <p:cNvPr id="2" name="Title 1">
             <a:extLst>
               <a:ext uri="{FF2B5EF4-FFF2-40B4-BE49-F238E27FC236}">
-                <a16:creationId xmlns:a16="http://schemas.microsoft.com/office/drawing/2014/main" xmlns="" id="{32B50E20-7976-DD43-8C4C-66917611FDC9}"/>
+                <a16:creationId xmlns:a16="http://schemas.microsoft.com/office/drawing/2014/main" id="{32B50E20-7976-DD43-8C4C-66917611FDC9}"/>
               </a:ext>
             </a:extLst>
           </p:cNvPr>
@@ -709,7 +709,7 @@
           <p:cNvPr id="3" name="Subtitle 2">
             <a:extLst>
               <a:ext uri="{FF2B5EF4-FFF2-40B4-BE49-F238E27FC236}">
-                <a16:creationId xmlns:a16="http://schemas.microsoft.com/office/drawing/2014/main" xmlns="" id="{817655F9-A056-1B41-A86D-E69340A199C8}"/>
+                <a16:creationId xmlns:a16="http://schemas.microsoft.com/office/drawing/2014/main" id="{817655F9-A056-1B41-A86D-E69340A199C8}"/>
               </a:ext>
             </a:extLst>
           </p:cNvPr>
@@ -780,7 +780,7 @@
           <p:cNvPr id="4" name="Date Placeholder 3">
             <a:extLst>
               <a:ext uri="{FF2B5EF4-FFF2-40B4-BE49-F238E27FC236}">
-                <a16:creationId xmlns:a16="http://schemas.microsoft.com/office/drawing/2014/main" xmlns="" id="{711B4759-BD1B-8348-88C7-A11B2FDDD148}"/>
+                <a16:creationId xmlns:a16="http://schemas.microsoft.com/office/drawing/2014/main" id="{711B4759-BD1B-8348-88C7-A11B2FDDD148}"/>
               </a:ext>
             </a:extLst>
           </p:cNvPr>
@@ -798,7 +798,7 @@
           <a:p>
             <a:fld id="{11FEC548-63AB-9B43-9519-48F21B3F6E07}" type="datetimeFigureOut">
               <a:rPr lang="en-US" smtClean="0"/>
-              <a:t>2/12/2020</a:t>
+              <a:t>2/12/20</a:t>
             </a:fld>
             <a:endParaRPr lang="en-US"/>
           </a:p>
@@ -809,7 +809,7 @@
           <p:cNvPr id="5" name="Footer Placeholder 4">
             <a:extLst>
               <a:ext uri="{FF2B5EF4-FFF2-40B4-BE49-F238E27FC236}">
-                <a16:creationId xmlns:a16="http://schemas.microsoft.com/office/drawing/2014/main" xmlns="" id="{EED829D1-1949-B145-AC2F-66DEA4C521CA}"/>
+                <a16:creationId xmlns:a16="http://schemas.microsoft.com/office/drawing/2014/main" id="{EED829D1-1949-B145-AC2F-66DEA4C521CA}"/>
               </a:ext>
             </a:extLst>
           </p:cNvPr>
@@ -834,7 +834,7 @@
           <p:cNvPr id="6" name="Slide Number Placeholder 5">
             <a:extLst>
               <a:ext uri="{FF2B5EF4-FFF2-40B4-BE49-F238E27FC236}">
-                <a16:creationId xmlns:a16="http://schemas.microsoft.com/office/drawing/2014/main" xmlns="" id="{9283F92E-5D2F-EF40-975F-C0B6A6148D80}"/>
+                <a16:creationId xmlns:a16="http://schemas.microsoft.com/office/drawing/2014/main" id="{9283F92E-5D2F-EF40-975F-C0B6A6148D80}"/>
               </a:ext>
             </a:extLst>
           </p:cNvPr>
@@ -893,7 +893,7 @@
           <p:cNvPr id="2" name="Title 1">
             <a:extLst>
               <a:ext uri="{FF2B5EF4-FFF2-40B4-BE49-F238E27FC236}">
-                <a16:creationId xmlns:a16="http://schemas.microsoft.com/office/drawing/2014/main" xmlns="" id="{41FBBAC3-76E1-8048-B936-A9C3D1E0592B}"/>
+                <a16:creationId xmlns:a16="http://schemas.microsoft.com/office/drawing/2014/main" id="{41FBBAC3-76E1-8048-B936-A9C3D1E0592B}"/>
               </a:ext>
             </a:extLst>
           </p:cNvPr>
@@ -922,7 +922,7 @@
           <p:cNvPr id="3" name="Vertical Text Placeholder 2">
             <a:extLst>
               <a:ext uri="{FF2B5EF4-FFF2-40B4-BE49-F238E27FC236}">
-                <a16:creationId xmlns:a16="http://schemas.microsoft.com/office/drawing/2014/main" xmlns="" id="{ED059161-03EF-EF40-AFAB-DF25B05D851A}"/>
+                <a16:creationId xmlns:a16="http://schemas.microsoft.com/office/drawing/2014/main" id="{ED059161-03EF-EF40-AFAB-DF25B05D851A}"/>
               </a:ext>
             </a:extLst>
           </p:cNvPr>
@@ -980,7 +980,7 @@
           <p:cNvPr id="4" name="Date Placeholder 3">
             <a:extLst>
               <a:ext uri="{FF2B5EF4-FFF2-40B4-BE49-F238E27FC236}">
-                <a16:creationId xmlns:a16="http://schemas.microsoft.com/office/drawing/2014/main" xmlns="" id="{345A8411-A082-E142-B47B-266285B69DE9}"/>
+                <a16:creationId xmlns:a16="http://schemas.microsoft.com/office/drawing/2014/main" id="{345A8411-A082-E142-B47B-266285B69DE9}"/>
               </a:ext>
             </a:extLst>
           </p:cNvPr>
@@ -998,7 +998,7 @@
           <a:p>
             <a:fld id="{11FEC548-63AB-9B43-9519-48F21B3F6E07}" type="datetimeFigureOut">
               <a:rPr lang="en-US" smtClean="0"/>
-              <a:t>2/12/2020</a:t>
+              <a:t>2/12/20</a:t>
             </a:fld>
             <a:endParaRPr lang="en-US"/>
           </a:p>
@@ -1009,7 +1009,7 @@
           <p:cNvPr id="5" name="Footer Placeholder 4">
             <a:extLst>
               <a:ext uri="{FF2B5EF4-FFF2-40B4-BE49-F238E27FC236}">
-                <a16:creationId xmlns:a16="http://schemas.microsoft.com/office/drawing/2014/main" xmlns="" id="{1A9107CA-5874-2043-B68B-1852DB077C3A}"/>
+                <a16:creationId xmlns:a16="http://schemas.microsoft.com/office/drawing/2014/main" id="{1A9107CA-5874-2043-B68B-1852DB077C3A}"/>
               </a:ext>
             </a:extLst>
           </p:cNvPr>
@@ -1034,7 +1034,7 @@
           <p:cNvPr id="6" name="Slide Number Placeholder 5">
             <a:extLst>
               <a:ext uri="{FF2B5EF4-FFF2-40B4-BE49-F238E27FC236}">
-                <a16:creationId xmlns:a16="http://schemas.microsoft.com/office/drawing/2014/main" xmlns="" id="{8BA0C559-2418-FE4B-9FC2-CF17438D730D}"/>
+                <a16:creationId xmlns:a16="http://schemas.microsoft.com/office/drawing/2014/main" id="{8BA0C559-2418-FE4B-9FC2-CF17438D730D}"/>
               </a:ext>
             </a:extLst>
           </p:cNvPr>
@@ -1093,7 +1093,7 @@
           <p:cNvPr id="2" name="Vertical Title 1">
             <a:extLst>
               <a:ext uri="{FF2B5EF4-FFF2-40B4-BE49-F238E27FC236}">
-                <a16:creationId xmlns:a16="http://schemas.microsoft.com/office/drawing/2014/main" xmlns="" id="{D4520311-3BFF-5F4B-8A8A-E3533544A49B}"/>
+                <a16:creationId xmlns:a16="http://schemas.microsoft.com/office/drawing/2014/main" id="{D4520311-3BFF-5F4B-8A8A-E3533544A49B}"/>
               </a:ext>
             </a:extLst>
           </p:cNvPr>
@@ -1127,7 +1127,7 @@
           <p:cNvPr id="3" name="Vertical Text Placeholder 2">
             <a:extLst>
               <a:ext uri="{FF2B5EF4-FFF2-40B4-BE49-F238E27FC236}">
-                <a16:creationId xmlns:a16="http://schemas.microsoft.com/office/drawing/2014/main" xmlns="" id="{9A179FD8-8E36-4A45-95BC-10D57C0A5F7D}"/>
+                <a16:creationId xmlns:a16="http://schemas.microsoft.com/office/drawing/2014/main" id="{9A179FD8-8E36-4A45-95BC-10D57C0A5F7D}"/>
               </a:ext>
             </a:extLst>
           </p:cNvPr>
@@ -1190,7 +1190,7 @@
           <p:cNvPr id="4" name="Date Placeholder 3">
             <a:extLst>
               <a:ext uri="{FF2B5EF4-FFF2-40B4-BE49-F238E27FC236}">
-                <a16:creationId xmlns:a16="http://schemas.microsoft.com/office/drawing/2014/main" xmlns="" id="{C093FAA2-57F7-2C4D-83D8-FE600B2F7256}"/>
+                <a16:creationId xmlns:a16="http://schemas.microsoft.com/office/drawing/2014/main" id="{C093FAA2-57F7-2C4D-83D8-FE600B2F7256}"/>
               </a:ext>
             </a:extLst>
           </p:cNvPr>
@@ -1208,7 +1208,7 @@
           <a:p>
             <a:fld id="{11FEC548-63AB-9B43-9519-48F21B3F6E07}" type="datetimeFigureOut">
               <a:rPr lang="en-US" smtClean="0"/>
-              <a:t>2/12/2020</a:t>
+              <a:t>2/12/20</a:t>
             </a:fld>
             <a:endParaRPr lang="en-US"/>
           </a:p>
@@ -1219,7 +1219,7 @@
           <p:cNvPr id="5" name="Footer Placeholder 4">
             <a:extLst>
               <a:ext uri="{FF2B5EF4-FFF2-40B4-BE49-F238E27FC236}">
-                <a16:creationId xmlns:a16="http://schemas.microsoft.com/office/drawing/2014/main" xmlns="" id="{FBD88FB3-AD98-534E-9BB2-C67478EB4B25}"/>
+                <a16:creationId xmlns:a16="http://schemas.microsoft.com/office/drawing/2014/main" id="{FBD88FB3-AD98-534E-9BB2-C67478EB4B25}"/>
               </a:ext>
             </a:extLst>
           </p:cNvPr>
@@ -1244,7 +1244,7 @@
           <p:cNvPr id="6" name="Slide Number Placeholder 5">
             <a:extLst>
               <a:ext uri="{FF2B5EF4-FFF2-40B4-BE49-F238E27FC236}">
-                <a16:creationId xmlns:a16="http://schemas.microsoft.com/office/drawing/2014/main" xmlns="" id="{F18EDF81-FE84-7A48-9688-CAD026FFD361}"/>
+                <a16:creationId xmlns:a16="http://schemas.microsoft.com/office/drawing/2014/main" id="{F18EDF81-FE84-7A48-9688-CAD026FFD361}"/>
               </a:ext>
             </a:extLst>
           </p:cNvPr>
@@ -1303,7 +1303,7 @@
           <p:cNvPr id="2" name="Title 1">
             <a:extLst>
               <a:ext uri="{FF2B5EF4-FFF2-40B4-BE49-F238E27FC236}">
-                <a16:creationId xmlns:a16="http://schemas.microsoft.com/office/drawing/2014/main" xmlns="" id="{A783C1C4-C534-214B-8B47-CFE34D42CF1F}"/>
+                <a16:creationId xmlns:a16="http://schemas.microsoft.com/office/drawing/2014/main" id="{A783C1C4-C534-214B-8B47-CFE34D42CF1F}"/>
               </a:ext>
             </a:extLst>
           </p:cNvPr>
@@ -1332,7 +1332,7 @@
           <p:cNvPr id="3" name="Content Placeholder 2">
             <a:extLst>
               <a:ext uri="{FF2B5EF4-FFF2-40B4-BE49-F238E27FC236}">
-                <a16:creationId xmlns:a16="http://schemas.microsoft.com/office/drawing/2014/main" xmlns="" id="{4C9340D3-44B8-A644-B2D2-9E59677ED050}"/>
+                <a16:creationId xmlns:a16="http://schemas.microsoft.com/office/drawing/2014/main" id="{4C9340D3-44B8-A644-B2D2-9E59677ED050}"/>
               </a:ext>
             </a:extLst>
           </p:cNvPr>
@@ -1390,7 +1390,7 @@
           <p:cNvPr id="4" name="Date Placeholder 3">
             <a:extLst>
               <a:ext uri="{FF2B5EF4-FFF2-40B4-BE49-F238E27FC236}">
-                <a16:creationId xmlns:a16="http://schemas.microsoft.com/office/drawing/2014/main" xmlns="" id="{24686536-66C2-2444-9D60-0E8323A5BF15}"/>
+                <a16:creationId xmlns:a16="http://schemas.microsoft.com/office/drawing/2014/main" id="{24686536-66C2-2444-9D60-0E8323A5BF15}"/>
               </a:ext>
             </a:extLst>
           </p:cNvPr>
@@ -1408,7 +1408,7 @@
           <a:p>
             <a:fld id="{11FEC548-63AB-9B43-9519-48F21B3F6E07}" type="datetimeFigureOut">
               <a:rPr lang="en-US" smtClean="0"/>
-              <a:t>2/12/2020</a:t>
+              <a:t>2/12/20</a:t>
             </a:fld>
             <a:endParaRPr lang="en-US"/>
           </a:p>
@@ -1419,7 +1419,7 @@
           <p:cNvPr id="5" name="Footer Placeholder 4">
             <a:extLst>
               <a:ext uri="{FF2B5EF4-FFF2-40B4-BE49-F238E27FC236}">
-                <a16:creationId xmlns:a16="http://schemas.microsoft.com/office/drawing/2014/main" xmlns="" id="{4B0C8D58-1406-CD49-AEC2-7965A7731A5F}"/>
+                <a16:creationId xmlns:a16="http://schemas.microsoft.com/office/drawing/2014/main" id="{4B0C8D58-1406-CD49-AEC2-7965A7731A5F}"/>
               </a:ext>
             </a:extLst>
           </p:cNvPr>
@@ -1444,7 +1444,7 @@
           <p:cNvPr id="6" name="Slide Number Placeholder 5">
             <a:extLst>
               <a:ext uri="{FF2B5EF4-FFF2-40B4-BE49-F238E27FC236}">
-                <a16:creationId xmlns:a16="http://schemas.microsoft.com/office/drawing/2014/main" xmlns="" id="{F3258B32-6420-1044-AD66-F75B81100C03}"/>
+                <a16:creationId xmlns:a16="http://schemas.microsoft.com/office/drawing/2014/main" id="{F3258B32-6420-1044-AD66-F75B81100C03}"/>
               </a:ext>
             </a:extLst>
           </p:cNvPr>
@@ -1503,7 +1503,7 @@
           <p:cNvPr id="2" name="Title 1">
             <a:extLst>
               <a:ext uri="{FF2B5EF4-FFF2-40B4-BE49-F238E27FC236}">
-                <a16:creationId xmlns:a16="http://schemas.microsoft.com/office/drawing/2014/main" xmlns="" id="{1880836E-9666-0140-AF54-AE39C92D55B4}"/>
+                <a16:creationId xmlns:a16="http://schemas.microsoft.com/office/drawing/2014/main" id="{1880836E-9666-0140-AF54-AE39C92D55B4}"/>
               </a:ext>
             </a:extLst>
           </p:cNvPr>
@@ -1541,7 +1541,7 @@
           <p:cNvPr id="3" name="Text Placeholder 2">
             <a:extLst>
               <a:ext uri="{FF2B5EF4-FFF2-40B4-BE49-F238E27FC236}">
-                <a16:creationId xmlns:a16="http://schemas.microsoft.com/office/drawing/2014/main" xmlns="" id="{855AC682-F4B4-084C-B7AA-E9C1659422D9}"/>
+                <a16:creationId xmlns:a16="http://schemas.microsoft.com/office/drawing/2014/main" id="{855AC682-F4B4-084C-B7AA-E9C1659422D9}"/>
               </a:ext>
             </a:extLst>
           </p:cNvPr>
@@ -1666,7 +1666,7 @@
           <p:cNvPr id="4" name="Date Placeholder 3">
             <a:extLst>
               <a:ext uri="{FF2B5EF4-FFF2-40B4-BE49-F238E27FC236}">
-                <a16:creationId xmlns:a16="http://schemas.microsoft.com/office/drawing/2014/main" xmlns="" id="{7F1C9DB4-098B-2E44-81F8-65BB2E720267}"/>
+                <a16:creationId xmlns:a16="http://schemas.microsoft.com/office/drawing/2014/main" id="{7F1C9DB4-098B-2E44-81F8-65BB2E720267}"/>
               </a:ext>
             </a:extLst>
           </p:cNvPr>
@@ -1684,7 +1684,7 @@
           <a:p>
             <a:fld id="{11FEC548-63AB-9B43-9519-48F21B3F6E07}" type="datetimeFigureOut">
               <a:rPr lang="en-US" smtClean="0"/>
-              <a:t>2/12/2020</a:t>
+              <a:t>2/12/20</a:t>
             </a:fld>
             <a:endParaRPr lang="en-US"/>
           </a:p>
@@ -1695,7 +1695,7 @@
           <p:cNvPr id="5" name="Footer Placeholder 4">
             <a:extLst>
               <a:ext uri="{FF2B5EF4-FFF2-40B4-BE49-F238E27FC236}">
-                <a16:creationId xmlns:a16="http://schemas.microsoft.com/office/drawing/2014/main" xmlns="" id="{4ADCBE44-18BB-1744-9018-75155F1120ED}"/>
+                <a16:creationId xmlns:a16="http://schemas.microsoft.com/office/drawing/2014/main" id="{4ADCBE44-18BB-1744-9018-75155F1120ED}"/>
               </a:ext>
             </a:extLst>
           </p:cNvPr>
@@ -1720,7 +1720,7 @@
           <p:cNvPr id="6" name="Slide Number Placeholder 5">
             <a:extLst>
               <a:ext uri="{FF2B5EF4-FFF2-40B4-BE49-F238E27FC236}">
-                <a16:creationId xmlns:a16="http://schemas.microsoft.com/office/drawing/2014/main" xmlns="" id="{3032323F-6B05-BA4C-9EA1-E871BE0E05A9}"/>
+                <a16:creationId xmlns:a16="http://schemas.microsoft.com/office/drawing/2014/main" id="{3032323F-6B05-BA4C-9EA1-E871BE0E05A9}"/>
               </a:ext>
             </a:extLst>
           </p:cNvPr>
@@ -1779,7 +1779,7 @@
           <p:cNvPr id="2" name="Title 1">
             <a:extLst>
               <a:ext uri="{FF2B5EF4-FFF2-40B4-BE49-F238E27FC236}">
-                <a16:creationId xmlns:a16="http://schemas.microsoft.com/office/drawing/2014/main" xmlns="" id="{9D8B1BB0-03E0-EC49-89C6-61AD4C97F734}"/>
+                <a16:creationId xmlns:a16="http://schemas.microsoft.com/office/drawing/2014/main" id="{9D8B1BB0-03E0-EC49-89C6-61AD4C97F734}"/>
               </a:ext>
             </a:extLst>
           </p:cNvPr>
@@ -1808,7 +1808,7 @@
           <p:cNvPr id="3" name="Content Placeholder 2">
             <a:extLst>
               <a:ext uri="{FF2B5EF4-FFF2-40B4-BE49-F238E27FC236}">
-                <a16:creationId xmlns:a16="http://schemas.microsoft.com/office/drawing/2014/main" xmlns="" id="{F6285CAB-2054-ED4B-8843-C45085EEE50C}"/>
+                <a16:creationId xmlns:a16="http://schemas.microsoft.com/office/drawing/2014/main" id="{F6285CAB-2054-ED4B-8843-C45085EEE50C}"/>
               </a:ext>
             </a:extLst>
           </p:cNvPr>
@@ -1871,7 +1871,7 @@
           <p:cNvPr id="4" name="Content Placeholder 3">
             <a:extLst>
               <a:ext uri="{FF2B5EF4-FFF2-40B4-BE49-F238E27FC236}">
-                <a16:creationId xmlns:a16="http://schemas.microsoft.com/office/drawing/2014/main" xmlns="" id="{94AC0EA0-C377-BA40-A6F2-6E067AC238AF}"/>
+                <a16:creationId xmlns:a16="http://schemas.microsoft.com/office/drawing/2014/main" id="{94AC0EA0-C377-BA40-A6F2-6E067AC238AF}"/>
               </a:ext>
             </a:extLst>
           </p:cNvPr>
@@ -1934,7 +1934,7 @@
           <p:cNvPr id="5" name="Date Placeholder 4">
             <a:extLst>
               <a:ext uri="{FF2B5EF4-FFF2-40B4-BE49-F238E27FC236}">
-                <a16:creationId xmlns:a16="http://schemas.microsoft.com/office/drawing/2014/main" xmlns="" id="{FD57F39C-4961-464D-8868-22E8888ED057}"/>
+                <a16:creationId xmlns:a16="http://schemas.microsoft.com/office/drawing/2014/main" id="{FD57F39C-4961-464D-8868-22E8888ED057}"/>
               </a:ext>
             </a:extLst>
           </p:cNvPr>
@@ -1952,7 +1952,7 @@
           <a:p>
             <a:fld id="{11FEC548-63AB-9B43-9519-48F21B3F6E07}" type="datetimeFigureOut">
               <a:rPr lang="en-US" smtClean="0"/>
-              <a:t>2/12/2020</a:t>
+              <a:t>2/12/20</a:t>
             </a:fld>
             <a:endParaRPr lang="en-US"/>
           </a:p>
@@ -1963,7 +1963,7 @@
           <p:cNvPr id="6" name="Footer Placeholder 5">
             <a:extLst>
               <a:ext uri="{FF2B5EF4-FFF2-40B4-BE49-F238E27FC236}">
-                <a16:creationId xmlns:a16="http://schemas.microsoft.com/office/drawing/2014/main" xmlns="" id="{7CB6D737-25FB-144E-B9ED-14387B45DE51}"/>
+                <a16:creationId xmlns:a16="http://schemas.microsoft.com/office/drawing/2014/main" id="{7CB6D737-25FB-144E-B9ED-14387B45DE51}"/>
               </a:ext>
             </a:extLst>
           </p:cNvPr>
@@ -1988,7 +1988,7 @@
           <p:cNvPr id="7" name="Slide Number Placeholder 6">
             <a:extLst>
               <a:ext uri="{FF2B5EF4-FFF2-40B4-BE49-F238E27FC236}">
-                <a16:creationId xmlns:a16="http://schemas.microsoft.com/office/drawing/2014/main" xmlns="" id="{DE8E1DD5-B73D-3F40-8B7E-C4DD7627C63C}"/>
+                <a16:creationId xmlns:a16="http://schemas.microsoft.com/office/drawing/2014/main" id="{DE8E1DD5-B73D-3F40-8B7E-C4DD7627C63C}"/>
               </a:ext>
             </a:extLst>
           </p:cNvPr>
@@ -2047,7 +2047,7 @@
           <p:cNvPr id="2" name="Title 1">
             <a:extLst>
               <a:ext uri="{FF2B5EF4-FFF2-40B4-BE49-F238E27FC236}">
-                <a16:creationId xmlns:a16="http://schemas.microsoft.com/office/drawing/2014/main" xmlns="" id="{A609B87D-5136-2F40-A111-9E208293E095}"/>
+                <a16:creationId xmlns:a16="http://schemas.microsoft.com/office/drawing/2014/main" id="{A609B87D-5136-2F40-A111-9E208293E095}"/>
               </a:ext>
             </a:extLst>
           </p:cNvPr>
@@ -2081,7 +2081,7 @@
           <p:cNvPr id="3" name="Text Placeholder 2">
             <a:extLst>
               <a:ext uri="{FF2B5EF4-FFF2-40B4-BE49-F238E27FC236}">
-                <a16:creationId xmlns:a16="http://schemas.microsoft.com/office/drawing/2014/main" xmlns="" id="{95DBBBDD-ED72-BF49-9AFD-582D9072FE30}"/>
+                <a16:creationId xmlns:a16="http://schemas.microsoft.com/office/drawing/2014/main" id="{95DBBBDD-ED72-BF49-9AFD-582D9072FE30}"/>
               </a:ext>
             </a:extLst>
           </p:cNvPr>
@@ -2152,7 +2152,7 @@
           <p:cNvPr id="4" name="Content Placeholder 3">
             <a:extLst>
               <a:ext uri="{FF2B5EF4-FFF2-40B4-BE49-F238E27FC236}">
-                <a16:creationId xmlns:a16="http://schemas.microsoft.com/office/drawing/2014/main" xmlns="" id="{78E1AA51-BAE7-BA44-A8BA-409DB753F9D2}"/>
+                <a16:creationId xmlns:a16="http://schemas.microsoft.com/office/drawing/2014/main" id="{78E1AA51-BAE7-BA44-A8BA-409DB753F9D2}"/>
               </a:ext>
             </a:extLst>
           </p:cNvPr>
@@ -2215,7 +2215,7 @@
           <p:cNvPr id="5" name="Text Placeholder 4">
             <a:extLst>
               <a:ext uri="{FF2B5EF4-FFF2-40B4-BE49-F238E27FC236}">
-                <a16:creationId xmlns:a16="http://schemas.microsoft.com/office/drawing/2014/main" xmlns="" id="{80A53D3C-A0B4-B64F-9D6A-D7297105990F}"/>
+                <a16:creationId xmlns:a16="http://schemas.microsoft.com/office/drawing/2014/main" id="{80A53D3C-A0B4-B64F-9D6A-D7297105990F}"/>
               </a:ext>
             </a:extLst>
           </p:cNvPr>
@@ -2286,7 +2286,7 @@
           <p:cNvPr id="6" name="Content Placeholder 5">
             <a:extLst>
               <a:ext uri="{FF2B5EF4-FFF2-40B4-BE49-F238E27FC236}">
-                <a16:creationId xmlns:a16="http://schemas.microsoft.com/office/drawing/2014/main" xmlns="" id="{984F74D9-0DE1-C848-8221-73C3B3CFC7A1}"/>
+                <a16:creationId xmlns:a16="http://schemas.microsoft.com/office/drawing/2014/main" id="{984F74D9-0DE1-C848-8221-73C3B3CFC7A1}"/>
               </a:ext>
             </a:extLst>
           </p:cNvPr>
@@ -2349,7 +2349,7 @@
           <p:cNvPr id="7" name="Date Placeholder 6">
             <a:extLst>
               <a:ext uri="{FF2B5EF4-FFF2-40B4-BE49-F238E27FC236}">
-                <a16:creationId xmlns:a16="http://schemas.microsoft.com/office/drawing/2014/main" xmlns="" id="{8C7C3299-57DA-4D41-8A86-F0CBE217BEF5}"/>
+                <a16:creationId xmlns:a16="http://schemas.microsoft.com/office/drawing/2014/main" id="{8C7C3299-57DA-4D41-8A86-F0CBE217BEF5}"/>
               </a:ext>
             </a:extLst>
           </p:cNvPr>
@@ -2367,7 +2367,7 @@
           <a:p>
             <a:fld id="{11FEC548-63AB-9B43-9519-48F21B3F6E07}" type="datetimeFigureOut">
               <a:rPr lang="en-US" smtClean="0"/>
-              <a:t>2/12/2020</a:t>
+              <a:t>2/12/20</a:t>
             </a:fld>
             <a:endParaRPr lang="en-US"/>
           </a:p>
@@ -2378,7 +2378,7 @@
           <p:cNvPr id="8" name="Footer Placeholder 7">
             <a:extLst>
               <a:ext uri="{FF2B5EF4-FFF2-40B4-BE49-F238E27FC236}">
-                <a16:creationId xmlns:a16="http://schemas.microsoft.com/office/drawing/2014/main" xmlns="" id="{26FFC192-5E5D-A840-B928-B0D99C44EA04}"/>
+                <a16:creationId xmlns:a16="http://schemas.microsoft.com/office/drawing/2014/main" id="{26FFC192-5E5D-A840-B928-B0D99C44EA04}"/>
               </a:ext>
             </a:extLst>
           </p:cNvPr>
@@ -2403,7 +2403,7 @@
           <p:cNvPr id="9" name="Slide Number Placeholder 8">
             <a:extLst>
               <a:ext uri="{FF2B5EF4-FFF2-40B4-BE49-F238E27FC236}">
-                <a16:creationId xmlns:a16="http://schemas.microsoft.com/office/drawing/2014/main" xmlns="" id="{5DCF491D-7641-744F-B61A-065D690BCF79}"/>
+                <a16:creationId xmlns:a16="http://schemas.microsoft.com/office/drawing/2014/main" id="{5DCF491D-7641-744F-B61A-065D690BCF79}"/>
               </a:ext>
             </a:extLst>
           </p:cNvPr>
@@ -2462,7 +2462,7 @@
           <p:cNvPr id="2" name="Title 1">
             <a:extLst>
               <a:ext uri="{FF2B5EF4-FFF2-40B4-BE49-F238E27FC236}">
-                <a16:creationId xmlns:a16="http://schemas.microsoft.com/office/drawing/2014/main" xmlns="" id="{AA640281-8822-964A-B237-C24FCCC86B75}"/>
+                <a16:creationId xmlns:a16="http://schemas.microsoft.com/office/drawing/2014/main" id="{AA640281-8822-964A-B237-C24FCCC86B75}"/>
               </a:ext>
             </a:extLst>
           </p:cNvPr>
@@ -2491,7 +2491,7 @@
           <p:cNvPr id="3" name="Date Placeholder 2">
             <a:extLst>
               <a:ext uri="{FF2B5EF4-FFF2-40B4-BE49-F238E27FC236}">
-                <a16:creationId xmlns:a16="http://schemas.microsoft.com/office/drawing/2014/main" xmlns="" id="{BDB0DFDC-0B05-C34A-8791-09F77B4AEBBD}"/>
+                <a16:creationId xmlns:a16="http://schemas.microsoft.com/office/drawing/2014/main" id="{BDB0DFDC-0B05-C34A-8791-09F77B4AEBBD}"/>
               </a:ext>
             </a:extLst>
           </p:cNvPr>
@@ -2509,7 +2509,7 @@
           <a:p>
             <a:fld id="{11FEC548-63AB-9B43-9519-48F21B3F6E07}" type="datetimeFigureOut">
               <a:rPr lang="en-US" smtClean="0"/>
-              <a:t>2/12/2020</a:t>
+              <a:t>2/12/20</a:t>
             </a:fld>
             <a:endParaRPr lang="en-US"/>
           </a:p>
@@ -2520,7 +2520,7 @@
           <p:cNvPr id="4" name="Footer Placeholder 3">
             <a:extLst>
               <a:ext uri="{FF2B5EF4-FFF2-40B4-BE49-F238E27FC236}">
-                <a16:creationId xmlns:a16="http://schemas.microsoft.com/office/drawing/2014/main" xmlns="" id="{F96AA063-B602-B447-8329-7897747A8E4B}"/>
+                <a16:creationId xmlns:a16="http://schemas.microsoft.com/office/drawing/2014/main" id="{F96AA063-B602-B447-8329-7897747A8E4B}"/>
               </a:ext>
             </a:extLst>
           </p:cNvPr>
@@ -2545,7 +2545,7 @@
           <p:cNvPr id="5" name="Slide Number Placeholder 4">
             <a:extLst>
               <a:ext uri="{FF2B5EF4-FFF2-40B4-BE49-F238E27FC236}">
-                <a16:creationId xmlns:a16="http://schemas.microsoft.com/office/drawing/2014/main" xmlns="" id="{AD159A9E-4DF2-3042-84A3-3B173F52F15A}"/>
+                <a16:creationId xmlns:a16="http://schemas.microsoft.com/office/drawing/2014/main" id="{AD159A9E-4DF2-3042-84A3-3B173F52F15A}"/>
               </a:ext>
             </a:extLst>
           </p:cNvPr>
@@ -2604,7 +2604,7 @@
           <p:cNvPr id="2" name="Date Placeholder 1">
             <a:extLst>
               <a:ext uri="{FF2B5EF4-FFF2-40B4-BE49-F238E27FC236}">
-                <a16:creationId xmlns:a16="http://schemas.microsoft.com/office/drawing/2014/main" xmlns="" id="{9A1FAF97-9F84-534B-A78A-C49D51AB8669}"/>
+                <a16:creationId xmlns:a16="http://schemas.microsoft.com/office/drawing/2014/main" id="{9A1FAF97-9F84-534B-A78A-C49D51AB8669}"/>
               </a:ext>
             </a:extLst>
           </p:cNvPr>
@@ -2622,7 +2622,7 @@
           <a:p>
             <a:fld id="{11FEC548-63AB-9B43-9519-48F21B3F6E07}" type="datetimeFigureOut">
               <a:rPr lang="en-US" smtClean="0"/>
-              <a:t>2/12/2020</a:t>
+              <a:t>2/12/20</a:t>
             </a:fld>
             <a:endParaRPr lang="en-US"/>
           </a:p>
@@ -2633,7 +2633,7 @@
           <p:cNvPr id="3" name="Footer Placeholder 2">
             <a:extLst>
               <a:ext uri="{FF2B5EF4-FFF2-40B4-BE49-F238E27FC236}">
-                <a16:creationId xmlns:a16="http://schemas.microsoft.com/office/drawing/2014/main" xmlns="" id="{163787EC-8666-3444-ACEA-2E6840B75A51}"/>
+                <a16:creationId xmlns:a16="http://schemas.microsoft.com/office/drawing/2014/main" id="{163787EC-8666-3444-ACEA-2E6840B75A51}"/>
               </a:ext>
             </a:extLst>
           </p:cNvPr>
@@ -2658,7 +2658,7 @@
           <p:cNvPr id="4" name="Slide Number Placeholder 3">
             <a:extLst>
               <a:ext uri="{FF2B5EF4-FFF2-40B4-BE49-F238E27FC236}">
-                <a16:creationId xmlns:a16="http://schemas.microsoft.com/office/drawing/2014/main" xmlns="" id="{20C08BB5-6149-CF49-9C01-025E30FA2A58}"/>
+                <a16:creationId xmlns:a16="http://schemas.microsoft.com/office/drawing/2014/main" id="{20C08BB5-6149-CF49-9C01-025E30FA2A58}"/>
               </a:ext>
             </a:extLst>
           </p:cNvPr>
@@ -2717,7 +2717,7 @@
           <p:cNvPr id="2" name="Title 1">
             <a:extLst>
               <a:ext uri="{FF2B5EF4-FFF2-40B4-BE49-F238E27FC236}">
-                <a16:creationId xmlns:a16="http://schemas.microsoft.com/office/drawing/2014/main" xmlns="" id="{4BF0FFCA-AF1D-A14D-9E26-0386238793C9}"/>
+                <a16:creationId xmlns:a16="http://schemas.microsoft.com/office/drawing/2014/main" id="{4BF0FFCA-AF1D-A14D-9E26-0386238793C9}"/>
               </a:ext>
             </a:extLst>
           </p:cNvPr>
@@ -2755,7 +2755,7 @@
           <p:cNvPr id="3" name="Content Placeholder 2">
             <a:extLst>
               <a:ext uri="{FF2B5EF4-FFF2-40B4-BE49-F238E27FC236}">
-                <a16:creationId xmlns:a16="http://schemas.microsoft.com/office/drawing/2014/main" xmlns="" id="{2A799945-DEC7-404E-AF33-CB3F6D37B74E}"/>
+                <a16:creationId xmlns:a16="http://schemas.microsoft.com/office/drawing/2014/main" id="{2A799945-DEC7-404E-AF33-CB3F6D37B74E}"/>
               </a:ext>
             </a:extLst>
           </p:cNvPr>
@@ -2846,7 +2846,7 @@
           <p:cNvPr id="4" name="Text Placeholder 3">
             <a:extLst>
               <a:ext uri="{FF2B5EF4-FFF2-40B4-BE49-F238E27FC236}">
-                <a16:creationId xmlns:a16="http://schemas.microsoft.com/office/drawing/2014/main" xmlns="" id="{F57CC1E4-0FE1-CB41-B1BB-50E9EE045FB1}"/>
+                <a16:creationId xmlns:a16="http://schemas.microsoft.com/office/drawing/2014/main" id="{F57CC1E4-0FE1-CB41-B1BB-50E9EE045FB1}"/>
               </a:ext>
             </a:extLst>
           </p:cNvPr>
@@ -2917,7 +2917,7 @@
           <p:cNvPr id="5" name="Date Placeholder 4">
             <a:extLst>
               <a:ext uri="{FF2B5EF4-FFF2-40B4-BE49-F238E27FC236}">
-                <a16:creationId xmlns:a16="http://schemas.microsoft.com/office/drawing/2014/main" xmlns="" id="{92881214-BDD9-3247-A5CA-CF966B21DFDF}"/>
+                <a16:creationId xmlns:a16="http://schemas.microsoft.com/office/drawing/2014/main" id="{92881214-BDD9-3247-A5CA-CF966B21DFDF}"/>
               </a:ext>
             </a:extLst>
           </p:cNvPr>
@@ -2935,7 +2935,7 @@
           <a:p>
             <a:fld id="{11FEC548-63AB-9B43-9519-48F21B3F6E07}" type="datetimeFigureOut">
               <a:rPr lang="en-US" smtClean="0"/>
-              <a:t>2/12/2020</a:t>
+              <a:t>2/12/20</a:t>
             </a:fld>
             <a:endParaRPr lang="en-US"/>
           </a:p>
@@ -2946,7 +2946,7 @@
           <p:cNvPr id="6" name="Footer Placeholder 5">
             <a:extLst>
               <a:ext uri="{FF2B5EF4-FFF2-40B4-BE49-F238E27FC236}">
-                <a16:creationId xmlns:a16="http://schemas.microsoft.com/office/drawing/2014/main" xmlns="" id="{A33CC4A6-F23C-EA4E-BE40-2B992808AE04}"/>
+                <a16:creationId xmlns:a16="http://schemas.microsoft.com/office/drawing/2014/main" id="{A33CC4A6-F23C-EA4E-BE40-2B992808AE04}"/>
               </a:ext>
             </a:extLst>
           </p:cNvPr>
@@ -2971,7 +2971,7 @@
           <p:cNvPr id="7" name="Slide Number Placeholder 6">
             <a:extLst>
               <a:ext uri="{FF2B5EF4-FFF2-40B4-BE49-F238E27FC236}">
-                <a16:creationId xmlns:a16="http://schemas.microsoft.com/office/drawing/2014/main" xmlns="" id="{F3E4B8B6-6397-9F46-BEAB-D7007431D513}"/>
+                <a16:creationId xmlns:a16="http://schemas.microsoft.com/office/drawing/2014/main" id="{F3E4B8B6-6397-9F46-BEAB-D7007431D513}"/>
               </a:ext>
             </a:extLst>
           </p:cNvPr>
@@ -3030,7 +3030,7 @@
           <p:cNvPr id="2" name="Title 1">
             <a:extLst>
               <a:ext uri="{FF2B5EF4-FFF2-40B4-BE49-F238E27FC236}">
-                <a16:creationId xmlns:a16="http://schemas.microsoft.com/office/drawing/2014/main" xmlns="" id="{071D0F94-D5D7-1941-A9F4-F1BBB7183426}"/>
+                <a16:creationId xmlns:a16="http://schemas.microsoft.com/office/drawing/2014/main" id="{071D0F94-D5D7-1941-A9F4-F1BBB7183426}"/>
               </a:ext>
             </a:extLst>
           </p:cNvPr>
@@ -3068,7 +3068,7 @@
           <p:cNvPr id="3" name="Picture Placeholder 2">
             <a:extLst>
               <a:ext uri="{FF2B5EF4-FFF2-40B4-BE49-F238E27FC236}">
-                <a16:creationId xmlns:a16="http://schemas.microsoft.com/office/drawing/2014/main" xmlns="" id="{7097FC74-A3CF-F24B-8D16-560383E4FC62}"/>
+                <a16:creationId xmlns:a16="http://schemas.microsoft.com/office/drawing/2014/main" id="{7097FC74-A3CF-F24B-8D16-560383E4FC62}"/>
               </a:ext>
             </a:extLst>
           </p:cNvPr>
@@ -3135,7 +3135,7 @@
           <p:cNvPr id="4" name="Text Placeholder 3">
             <a:extLst>
               <a:ext uri="{FF2B5EF4-FFF2-40B4-BE49-F238E27FC236}">
-                <a16:creationId xmlns:a16="http://schemas.microsoft.com/office/drawing/2014/main" xmlns="" id="{299F89D8-1260-274E-BB3C-7AE677032796}"/>
+                <a16:creationId xmlns:a16="http://schemas.microsoft.com/office/drawing/2014/main" id="{299F89D8-1260-274E-BB3C-7AE677032796}"/>
               </a:ext>
             </a:extLst>
           </p:cNvPr>
@@ -3206,7 +3206,7 @@
           <p:cNvPr id="5" name="Date Placeholder 4">
             <a:extLst>
               <a:ext uri="{FF2B5EF4-FFF2-40B4-BE49-F238E27FC236}">
-                <a16:creationId xmlns:a16="http://schemas.microsoft.com/office/drawing/2014/main" xmlns="" id="{FC2368EF-1FD1-9C40-B459-5983FF41FB14}"/>
+                <a16:creationId xmlns:a16="http://schemas.microsoft.com/office/drawing/2014/main" id="{FC2368EF-1FD1-9C40-B459-5983FF41FB14}"/>
               </a:ext>
             </a:extLst>
           </p:cNvPr>
@@ -3224,7 +3224,7 @@
           <a:p>
             <a:fld id="{11FEC548-63AB-9B43-9519-48F21B3F6E07}" type="datetimeFigureOut">
               <a:rPr lang="en-US" smtClean="0"/>
-              <a:t>2/12/2020</a:t>
+              <a:t>2/12/20</a:t>
             </a:fld>
             <a:endParaRPr lang="en-US"/>
           </a:p>
@@ -3235,7 +3235,7 @@
           <p:cNvPr id="6" name="Footer Placeholder 5">
             <a:extLst>
               <a:ext uri="{FF2B5EF4-FFF2-40B4-BE49-F238E27FC236}">
-                <a16:creationId xmlns:a16="http://schemas.microsoft.com/office/drawing/2014/main" xmlns="" id="{58B798BF-0EF5-C841-A6AB-7E6A8101CAE6}"/>
+                <a16:creationId xmlns:a16="http://schemas.microsoft.com/office/drawing/2014/main" id="{58B798BF-0EF5-C841-A6AB-7E6A8101CAE6}"/>
               </a:ext>
             </a:extLst>
           </p:cNvPr>
@@ -3260,7 +3260,7 @@
           <p:cNvPr id="7" name="Slide Number Placeholder 6">
             <a:extLst>
               <a:ext uri="{FF2B5EF4-FFF2-40B4-BE49-F238E27FC236}">
-                <a16:creationId xmlns:a16="http://schemas.microsoft.com/office/drawing/2014/main" xmlns="" id="{01CCC26D-3F4A-EE47-A4D2-8FD7A6F6F216}"/>
+                <a16:creationId xmlns:a16="http://schemas.microsoft.com/office/drawing/2014/main" id="{01CCC26D-3F4A-EE47-A4D2-8FD7A6F6F216}"/>
               </a:ext>
             </a:extLst>
           </p:cNvPr>
@@ -3324,7 +3324,7 @@
           <p:cNvPr id="2" name="Title Placeholder 1">
             <a:extLst>
               <a:ext uri="{FF2B5EF4-FFF2-40B4-BE49-F238E27FC236}">
-                <a16:creationId xmlns:a16="http://schemas.microsoft.com/office/drawing/2014/main" xmlns="" id="{5608520A-4E69-3B47-9B06-4891CEEA5050}"/>
+                <a16:creationId xmlns:a16="http://schemas.microsoft.com/office/drawing/2014/main" id="{5608520A-4E69-3B47-9B06-4891CEEA5050}"/>
               </a:ext>
             </a:extLst>
           </p:cNvPr>
@@ -3363,7 +3363,7 @@
           <p:cNvPr id="3" name="Text Placeholder 2">
             <a:extLst>
               <a:ext uri="{FF2B5EF4-FFF2-40B4-BE49-F238E27FC236}">
-                <a16:creationId xmlns:a16="http://schemas.microsoft.com/office/drawing/2014/main" xmlns="" id="{2DEFF16C-7C72-814A-A9E9-D92AF8A63BDC}"/>
+                <a16:creationId xmlns:a16="http://schemas.microsoft.com/office/drawing/2014/main" id="{2DEFF16C-7C72-814A-A9E9-D92AF8A63BDC}"/>
               </a:ext>
             </a:extLst>
           </p:cNvPr>
@@ -3431,7 +3431,7 @@
           <p:cNvPr id="4" name="Date Placeholder 3">
             <a:extLst>
               <a:ext uri="{FF2B5EF4-FFF2-40B4-BE49-F238E27FC236}">
-                <a16:creationId xmlns:a16="http://schemas.microsoft.com/office/drawing/2014/main" xmlns="" id="{64BA5B09-3D15-B649-A1C7-54872A7CF964}"/>
+                <a16:creationId xmlns:a16="http://schemas.microsoft.com/office/drawing/2014/main" id="{64BA5B09-3D15-B649-A1C7-54872A7CF964}"/>
               </a:ext>
             </a:extLst>
           </p:cNvPr>
@@ -3469,7 +3469,7 @@
             <a:fld id="{11FEC548-63AB-9B43-9519-48F21B3F6E07}" type="datetimeFigureOut">
               <a:rPr lang="en-US" smtClean="0"/>
               <a:pPr/>
-              <a:t>2/12/2020</a:t>
+              <a:t>2/12/20</a:t>
             </a:fld>
             <a:endParaRPr lang="en-US" dirty="0"/>
           </a:p>
@@ -3480,7 +3480,7 @@
           <p:cNvPr id="5" name="Footer Placeholder 4">
             <a:extLst>
               <a:ext uri="{FF2B5EF4-FFF2-40B4-BE49-F238E27FC236}">
-                <a16:creationId xmlns:a16="http://schemas.microsoft.com/office/drawing/2014/main" xmlns="" id="{1C625431-DA62-2A4F-AF3F-778AF1B4919E}"/>
+                <a16:creationId xmlns:a16="http://schemas.microsoft.com/office/drawing/2014/main" id="{1C625431-DA62-2A4F-AF3F-778AF1B4919E}"/>
               </a:ext>
             </a:extLst>
           </p:cNvPr>
@@ -3524,7 +3524,7 @@
           <p:cNvPr id="6" name="Slide Number Placeholder 5">
             <a:extLst>
               <a:ext uri="{FF2B5EF4-FFF2-40B4-BE49-F238E27FC236}">
-                <a16:creationId xmlns:a16="http://schemas.microsoft.com/office/drawing/2014/main" xmlns="" id="{D9396B23-855C-4148-830B-7F82A1C34200}"/>
+                <a16:creationId xmlns:a16="http://schemas.microsoft.com/office/drawing/2014/main" id="{D9396B23-855C-4148-830B-7F82A1C34200}"/>
               </a:ext>
             </a:extLst>
           </p:cNvPr>
@@ -3894,7 +3894,7 @@
           <p:cNvPr id="4" name="Rectangle 3">
             <a:extLst>
               <a:ext uri="{FF2B5EF4-FFF2-40B4-BE49-F238E27FC236}">
-                <a16:creationId xmlns:a16="http://schemas.microsoft.com/office/drawing/2014/main" xmlns="" id="{52399E25-A602-9041-B288-6B53FD2743D4}"/>
+                <a16:creationId xmlns:a16="http://schemas.microsoft.com/office/drawing/2014/main" id="{52399E25-A602-9041-B288-6B53FD2743D4}"/>
               </a:ext>
             </a:extLst>
           </p:cNvPr>
@@ -3946,7 +3946,7 @@
           <p:cNvPr id="2" name="Title 1">
             <a:extLst>
               <a:ext uri="{FF2B5EF4-FFF2-40B4-BE49-F238E27FC236}">
-                <a16:creationId xmlns:a16="http://schemas.microsoft.com/office/drawing/2014/main" xmlns="" id="{787133F6-61C4-9C4C-B0D3-E7ACAB59E4CB}"/>
+                <a16:creationId xmlns:a16="http://schemas.microsoft.com/office/drawing/2014/main" id="{787133F6-61C4-9C4C-B0D3-E7ACAB59E4CB}"/>
               </a:ext>
             </a:extLst>
           </p:cNvPr>
@@ -3994,7 +3994,7 @@
           <p:cNvPr id="3" name="Subtitle 2">
             <a:extLst>
               <a:ext uri="{FF2B5EF4-FFF2-40B4-BE49-F238E27FC236}">
-                <a16:creationId xmlns:a16="http://schemas.microsoft.com/office/drawing/2014/main" xmlns="" id="{2AD8C353-FDA8-BA42-AFBC-651B7D3BAEC4}"/>
+                <a16:creationId xmlns:a16="http://schemas.microsoft.com/office/drawing/2014/main" id="{2AD8C353-FDA8-BA42-AFBC-651B7D3BAEC4}"/>
               </a:ext>
             </a:extLst>
           </p:cNvPr>
@@ -4079,7 +4079,7 @@
           <p:cNvPr id="9" name="Rectangle 8">
             <a:extLst>
               <a:ext uri="{FF2B5EF4-FFF2-40B4-BE49-F238E27FC236}">
-                <a16:creationId xmlns:a16="http://schemas.microsoft.com/office/drawing/2014/main" xmlns="" id="{94788CB8-F337-3D4A-96A2-15975A9682C1}"/>
+                <a16:creationId xmlns:a16="http://schemas.microsoft.com/office/drawing/2014/main" id="{94788CB8-F337-3D4A-96A2-15975A9682C1}"/>
               </a:ext>
             </a:extLst>
           </p:cNvPr>
@@ -4131,7 +4131,7 @@
           <p:cNvPr id="6" name="Title 1">
             <a:extLst>
               <a:ext uri="{FF2B5EF4-FFF2-40B4-BE49-F238E27FC236}">
-                <a16:creationId xmlns:a16="http://schemas.microsoft.com/office/drawing/2014/main" xmlns="" id="{FE570DEB-EC52-0942-858A-C58059A724DE}"/>
+                <a16:creationId xmlns:a16="http://schemas.microsoft.com/office/drawing/2014/main" id="{FE570DEB-EC52-0942-858A-C58059A724DE}"/>
               </a:ext>
             </a:extLst>
           </p:cNvPr>
@@ -4236,7 +4236,7 @@
           <p:cNvPr id="2" name="Title 1">
             <a:extLst>
               <a:ext uri="{FF2B5EF4-FFF2-40B4-BE49-F238E27FC236}">
-                <a16:creationId xmlns:a16="http://schemas.microsoft.com/office/drawing/2014/main" xmlns="" id="{3820A429-5ECD-EC4A-B430-BC96EE2088AE}"/>
+                <a16:creationId xmlns:a16="http://schemas.microsoft.com/office/drawing/2014/main" id="{3820A429-5ECD-EC4A-B430-BC96EE2088AE}"/>
               </a:ext>
             </a:extLst>
           </p:cNvPr>
@@ -4264,7 +4264,7 @@
           <p:cNvPr id="14" name="TextBox 13">
             <a:extLst>
               <a:ext uri="{FF2B5EF4-FFF2-40B4-BE49-F238E27FC236}">
-                <a16:creationId xmlns:a16="http://schemas.microsoft.com/office/drawing/2014/main" xmlns="" id="{0FBAC7A0-B2CA-A947-B2C8-6424AA7C138A}"/>
+                <a16:creationId xmlns:a16="http://schemas.microsoft.com/office/drawing/2014/main" id="{0FBAC7A0-B2CA-A947-B2C8-6424AA7C138A}"/>
               </a:ext>
             </a:extLst>
           </p:cNvPr>
@@ -4299,7 +4299,7 @@
           <p:cNvPr id="15" name="TextBox 14">
             <a:extLst>
               <a:ext uri="{FF2B5EF4-FFF2-40B4-BE49-F238E27FC236}">
-                <a16:creationId xmlns:a16="http://schemas.microsoft.com/office/drawing/2014/main" xmlns="" id="{0A3C0122-EA80-8247-A031-566A6A8C7CB6}"/>
+                <a16:creationId xmlns:a16="http://schemas.microsoft.com/office/drawing/2014/main" id="{0A3C0122-EA80-8247-A031-566A6A8C7CB6}"/>
               </a:ext>
             </a:extLst>
           </p:cNvPr>
@@ -4334,7 +4334,7 @@
           <p:cNvPr id="16" name="Rectangle 15">
             <a:extLst>
               <a:ext uri="{FF2B5EF4-FFF2-40B4-BE49-F238E27FC236}">
-                <a16:creationId xmlns:a16="http://schemas.microsoft.com/office/drawing/2014/main" xmlns="" id="{D36ED0B8-3843-444A-802E-5438D1F2020A}"/>
+                <a16:creationId xmlns:a16="http://schemas.microsoft.com/office/drawing/2014/main" id="{D36ED0B8-3843-444A-802E-5438D1F2020A}"/>
               </a:ext>
             </a:extLst>
           </p:cNvPr>
@@ -4386,7 +4386,7 @@
           <p:cNvPr id="17" name="Title 1">
             <a:extLst>
               <a:ext uri="{FF2B5EF4-FFF2-40B4-BE49-F238E27FC236}">
-                <a16:creationId xmlns:a16="http://schemas.microsoft.com/office/drawing/2014/main" xmlns="" id="{014DF31C-EDBD-BF46-B682-2F64B833DAA9}"/>
+                <a16:creationId xmlns:a16="http://schemas.microsoft.com/office/drawing/2014/main" id="{014DF31C-EDBD-BF46-B682-2F64B833DAA9}"/>
               </a:ext>
             </a:extLst>
           </p:cNvPr>
@@ -4449,7 +4449,7 @@
           <p:cNvPr id="28" name="Group 27">
             <a:extLst>
               <a:ext uri="{FF2B5EF4-FFF2-40B4-BE49-F238E27FC236}">
-                <a16:creationId xmlns:a16="http://schemas.microsoft.com/office/drawing/2014/main" xmlns="" id="{FD04F676-AA3D-DB4B-91C5-4DDE8101F6AB}"/>
+                <a16:creationId xmlns:a16="http://schemas.microsoft.com/office/drawing/2014/main" id="{FD04F676-AA3D-DB4B-91C5-4DDE8101F6AB}"/>
               </a:ext>
             </a:extLst>
           </p:cNvPr>
@@ -4469,7 +4469,7 @@
             <p:cNvPr id="11" name="Picture 10">
               <a:extLst>
                 <a:ext uri="{FF2B5EF4-FFF2-40B4-BE49-F238E27FC236}">
-                  <a16:creationId xmlns:a16="http://schemas.microsoft.com/office/drawing/2014/main" xmlns="" id="{BC6A7968-73F5-AF4A-B15A-2288A4536090}"/>
+                  <a16:creationId xmlns:a16="http://schemas.microsoft.com/office/drawing/2014/main" id="{BC6A7968-73F5-AF4A-B15A-2288A4536090}"/>
                 </a:ext>
               </a:extLst>
             </p:cNvPr>
@@ -4498,7 +4498,7 @@
             <p:cNvPr id="19" name="Graphic 18">
               <a:extLst>
                 <a:ext uri="{FF2B5EF4-FFF2-40B4-BE49-F238E27FC236}">
-                  <a16:creationId xmlns:a16="http://schemas.microsoft.com/office/drawing/2014/main" xmlns="" id="{C6498123-492D-FF49-8AE5-0AB54D8D0B4D}"/>
+                  <a16:creationId xmlns:a16="http://schemas.microsoft.com/office/drawing/2014/main" id="{C6498123-492D-FF49-8AE5-0AB54D8D0B4D}"/>
                 </a:ext>
               </a:extLst>
             </p:cNvPr>
@@ -4511,7 +4511,7 @@
             <a:blip r:embed="rId4">
               <a:extLst>
                 <a:ext uri="{96DAC541-7B7A-43D3-8B79-37D633B846F1}">
-                  <asvg:svgBlip xmlns:asvg="http://schemas.microsoft.com/office/drawing/2016/SVG/main" xmlns="" r:embed="rId5"/>
+                  <asvg:svgBlip xmlns:asvg="http://schemas.microsoft.com/office/drawing/2016/SVG/main" r:embed="rId5"/>
                 </a:ext>
               </a:extLst>
             </a:blip>
@@ -4535,7 +4535,7 @@
           <p:cNvPr id="32" name="Group 31">
             <a:extLst>
               <a:ext uri="{FF2B5EF4-FFF2-40B4-BE49-F238E27FC236}">
-                <a16:creationId xmlns:a16="http://schemas.microsoft.com/office/drawing/2014/main" xmlns="" id="{DE567354-8BE1-494A-84B5-51FF580E39FA}"/>
+                <a16:creationId xmlns:a16="http://schemas.microsoft.com/office/drawing/2014/main" id="{DE567354-8BE1-494A-84B5-51FF580E39FA}"/>
               </a:ext>
             </a:extLst>
           </p:cNvPr>
@@ -4555,7 +4555,7 @@
             <p:cNvPr id="13" name="Picture 12">
               <a:extLst>
                 <a:ext uri="{FF2B5EF4-FFF2-40B4-BE49-F238E27FC236}">
-                  <a16:creationId xmlns:a16="http://schemas.microsoft.com/office/drawing/2014/main" xmlns="" id="{776395B6-F895-1D40-9A72-25DEA79932BF}"/>
+                  <a16:creationId xmlns:a16="http://schemas.microsoft.com/office/drawing/2014/main" id="{776395B6-F895-1D40-9A72-25DEA79932BF}"/>
                 </a:ext>
               </a:extLst>
             </p:cNvPr>
@@ -4584,7 +4584,7 @@
             <p:cNvPr id="27" name="Picture 26" descr="A picture containing food&#10;&#10;Description automatically generated">
               <a:extLst>
                 <a:ext uri="{FF2B5EF4-FFF2-40B4-BE49-F238E27FC236}">
-                  <a16:creationId xmlns:a16="http://schemas.microsoft.com/office/drawing/2014/main" xmlns="" id="{2225B208-87C2-E04A-B85C-8E3009682660}"/>
+                  <a16:creationId xmlns:a16="http://schemas.microsoft.com/office/drawing/2014/main" id="{2225B208-87C2-E04A-B85C-8E3009682660}"/>
                 </a:ext>
               </a:extLst>
             </p:cNvPr>
@@ -4615,7 +4615,7 @@
           <p:cNvPr id="31" name="Group 30">
             <a:extLst>
               <a:ext uri="{FF2B5EF4-FFF2-40B4-BE49-F238E27FC236}">
-                <a16:creationId xmlns:a16="http://schemas.microsoft.com/office/drawing/2014/main" xmlns="" id="{B140EA06-C085-7E41-B264-05EEF62A006E}"/>
+                <a16:creationId xmlns:a16="http://schemas.microsoft.com/office/drawing/2014/main" id="{B140EA06-C085-7E41-B264-05EEF62A006E}"/>
               </a:ext>
             </a:extLst>
           </p:cNvPr>
@@ -4635,7 +4635,7 @@
             <p:cNvPr id="12" name="Picture 11">
               <a:extLst>
                 <a:ext uri="{FF2B5EF4-FFF2-40B4-BE49-F238E27FC236}">
-                  <a16:creationId xmlns:a16="http://schemas.microsoft.com/office/drawing/2014/main" xmlns="" id="{825B0B4F-8B29-F444-8176-4E47A248A66E}"/>
+                  <a16:creationId xmlns:a16="http://schemas.microsoft.com/office/drawing/2014/main" id="{825B0B4F-8B29-F444-8176-4E47A248A66E}"/>
                 </a:ext>
               </a:extLst>
             </p:cNvPr>
@@ -4664,7 +4664,7 @@
             <p:cNvPr id="23" name="Picture 22" descr="A close up of a sign&#10;&#10;Description automatically generated">
               <a:extLst>
                 <a:ext uri="{FF2B5EF4-FFF2-40B4-BE49-F238E27FC236}">
-                  <a16:creationId xmlns:a16="http://schemas.microsoft.com/office/drawing/2014/main" xmlns="" id="{BF85C593-FB8F-0E4F-8050-4BFD6F988F9E}"/>
+                  <a16:creationId xmlns:a16="http://schemas.microsoft.com/office/drawing/2014/main" id="{BF85C593-FB8F-0E4F-8050-4BFD6F988F9E}"/>
                 </a:ext>
               </a:extLst>
             </p:cNvPr>
@@ -4694,7 +4694,7 @@
             <p:cNvPr id="30" name="Picture 29" descr="A picture containing drawing&#10;&#10;Description automatically generated">
               <a:extLst>
                 <a:ext uri="{FF2B5EF4-FFF2-40B4-BE49-F238E27FC236}">
-                  <a16:creationId xmlns:a16="http://schemas.microsoft.com/office/drawing/2014/main" xmlns="" id="{0585BE38-7EE1-A54F-831E-4DE0169B7D3C}"/>
+                  <a16:creationId xmlns:a16="http://schemas.microsoft.com/office/drawing/2014/main" id="{0585BE38-7EE1-A54F-831E-4DE0169B7D3C}"/>
                 </a:ext>
               </a:extLst>
             </p:cNvPr>
@@ -5014,7 +5014,7 @@
           <p:cNvPr id="2" name="Title 1">
             <a:extLst>
               <a:ext uri="{FF2B5EF4-FFF2-40B4-BE49-F238E27FC236}">
-                <a16:creationId xmlns:a16="http://schemas.microsoft.com/office/drawing/2014/main" xmlns="" id="{14BB26A9-F1B6-FB46-8486-2718F871DA9F}"/>
+                <a16:creationId xmlns:a16="http://schemas.microsoft.com/office/drawing/2014/main" id="{14BB26A9-F1B6-FB46-8486-2718F871DA9F}"/>
               </a:ext>
             </a:extLst>
           </p:cNvPr>
@@ -5042,7 +5042,7 @@
           <p:cNvPr id="15" name="Picture 14" descr="A screenshot of a cell phone&#10;&#10;Description automatically generated">
             <a:extLst>
               <a:ext uri="{FF2B5EF4-FFF2-40B4-BE49-F238E27FC236}">
-                <a16:creationId xmlns:a16="http://schemas.microsoft.com/office/drawing/2014/main" xmlns="" id="{7B9824A7-7DAA-3C42-88A7-A81C0C4FC6A1}"/>
+                <a16:creationId xmlns:a16="http://schemas.microsoft.com/office/drawing/2014/main" id="{7B9824A7-7DAA-3C42-88A7-A81C0C4FC6A1}"/>
               </a:ext>
             </a:extLst>
           </p:cNvPr>
@@ -5072,7 +5072,7 @@
           <p:cNvPr id="16" name="Rectangle 15">
             <a:extLst>
               <a:ext uri="{FF2B5EF4-FFF2-40B4-BE49-F238E27FC236}">
-                <a16:creationId xmlns:a16="http://schemas.microsoft.com/office/drawing/2014/main" xmlns="" id="{015F3742-CE40-2049-BF43-741ABA6DB166}"/>
+                <a16:creationId xmlns:a16="http://schemas.microsoft.com/office/drawing/2014/main" id="{015F3742-CE40-2049-BF43-741ABA6DB166}"/>
               </a:ext>
             </a:extLst>
           </p:cNvPr>
@@ -5124,7 +5124,7 @@
           <p:cNvPr id="17" name="Title 1">
             <a:extLst>
               <a:ext uri="{FF2B5EF4-FFF2-40B4-BE49-F238E27FC236}">
-                <a16:creationId xmlns:a16="http://schemas.microsoft.com/office/drawing/2014/main" xmlns="" id="{72A9C31B-351F-3B41-A668-76B6C28EB75A}"/>
+                <a16:creationId xmlns:a16="http://schemas.microsoft.com/office/drawing/2014/main" id="{72A9C31B-351F-3B41-A668-76B6C28EB75A}"/>
               </a:ext>
             </a:extLst>
           </p:cNvPr>
@@ -5187,13 +5187,6 @@
   <p:clrMapOvr>
     <a:masterClrMapping/>
   </p:clrMapOvr>
-  <p:timing>
-    <p:tnLst>
-      <p:par>
-        <p:cTn id="1" dur="indefinite" restart="never" nodeType="tmRoot"/>
-      </p:par>
-    </p:tnLst>
-  </p:timing>
 </p:sld>
 </file>
 
@@ -5219,7 +5212,7 @@
           <p:cNvPr id="2" name="Title 1">
             <a:extLst>
               <a:ext uri="{FF2B5EF4-FFF2-40B4-BE49-F238E27FC236}">
-                <a16:creationId xmlns:a16="http://schemas.microsoft.com/office/drawing/2014/main" xmlns="" id="{14BB26A9-F1B6-FB46-8486-2718F871DA9F}"/>
+                <a16:creationId xmlns:a16="http://schemas.microsoft.com/office/drawing/2014/main" id="{14BB26A9-F1B6-FB46-8486-2718F871DA9F}"/>
               </a:ext>
             </a:extLst>
           </p:cNvPr>
@@ -5247,7 +5240,7 @@
           <p:cNvPr id="4" name="Picture 3" descr="A screenshot of a cell phone&#10;&#10;Description automatically generated">
             <a:extLst>
               <a:ext uri="{FF2B5EF4-FFF2-40B4-BE49-F238E27FC236}">
-                <a16:creationId xmlns:a16="http://schemas.microsoft.com/office/drawing/2014/main" xmlns="" id="{A9E9CD81-5508-D64A-8E38-DC4EF6DE3320}"/>
+                <a16:creationId xmlns:a16="http://schemas.microsoft.com/office/drawing/2014/main" id="{A9E9CD81-5508-D64A-8E38-DC4EF6DE3320}"/>
               </a:ext>
             </a:extLst>
           </p:cNvPr>
@@ -5277,7 +5270,7 @@
           <p:cNvPr id="6" name="Rectangle 5">
             <a:extLst>
               <a:ext uri="{FF2B5EF4-FFF2-40B4-BE49-F238E27FC236}">
-                <a16:creationId xmlns:a16="http://schemas.microsoft.com/office/drawing/2014/main" xmlns="" id="{85BC34CC-7E49-C242-8ECE-9880297D2998}"/>
+                <a16:creationId xmlns:a16="http://schemas.microsoft.com/office/drawing/2014/main" id="{85BC34CC-7E49-C242-8ECE-9880297D2998}"/>
               </a:ext>
             </a:extLst>
           </p:cNvPr>
@@ -5329,7 +5322,7 @@
           <p:cNvPr id="7" name="Title 1">
             <a:extLst>
               <a:ext uri="{FF2B5EF4-FFF2-40B4-BE49-F238E27FC236}">
-                <a16:creationId xmlns:a16="http://schemas.microsoft.com/office/drawing/2014/main" xmlns="" id="{A1DFBAC2-657F-8746-9F98-3FABC49E4EE7}"/>
+                <a16:creationId xmlns:a16="http://schemas.microsoft.com/office/drawing/2014/main" id="{A1DFBAC2-657F-8746-9F98-3FABC49E4EE7}"/>
               </a:ext>
             </a:extLst>
           </p:cNvPr>
@@ -5397,13 +5390,6 @@
   <p:clrMapOvr>
     <a:masterClrMapping/>
   </p:clrMapOvr>
-  <p:timing>
-    <p:tnLst>
-      <p:par>
-        <p:cTn id="1" dur="indefinite" restart="never" nodeType="tmRoot"/>
-      </p:par>
-    </p:tnLst>
-  </p:timing>
 </p:sld>
 </file>
 
@@ -5429,7 +5415,7 @@
           <p:cNvPr id="2" name="Title 1">
             <a:extLst>
               <a:ext uri="{FF2B5EF4-FFF2-40B4-BE49-F238E27FC236}">
-                <a16:creationId xmlns:a16="http://schemas.microsoft.com/office/drawing/2014/main" xmlns="" id="{276FA0D4-C954-984C-9472-2285DDA32842}"/>
+                <a16:creationId xmlns:a16="http://schemas.microsoft.com/office/drawing/2014/main" id="{276FA0D4-C954-984C-9472-2285DDA32842}"/>
               </a:ext>
             </a:extLst>
           </p:cNvPr>
@@ -5457,7 +5443,7 @@
           <p:cNvPr id="5" name="Picture 4" descr="A picture containing text, map&#10;&#10;Description automatically generated">
             <a:extLst>
               <a:ext uri="{FF2B5EF4-FFF2-40B4-BE49-F238E27FC236}">
-                <a16:creationId xmlns:a16="http://schemas.microsoft.com/office/drawing/2014/main" xmlns="" id="{D60205EE-4646-3B46-8932-AE42D7FCEFDE}"/>
+                <a16:creationId xmlns:a16="http://schemas.microsoft.com/office/drawing/2014/main" id="{D60205EE-4646-3B46-8932-AE42D7FCEFDE}"/>
               </a:ext>
             </a:extLst>
           </p:cNvPr>
@@ -5487,7 +5473,7 @@
           <p:cNvPr id="6" name="Rectangle 5">
             <a:extLst>
               <a:ext uri="{FF2B5EF4-FFF2-40B4-BE49-F238E27FC236}">
-                <a16:creationId xmlns:a16="http://schemas.microsoft.com/office/drawing/2014/main" xmlns="" id="{C1DD5CDD-B43C-F746-A4D9-8E7588D26370}"/>
+                <a16:creationId xmlns:a16="http://schemas.microsoft.com/office/drawing/2014/main" id="{C1DD5CDD-B43C-F746-A4D9-8E7588D26370}"/>
               </a:ext>
             </a:extLst>
           </p:cNvPr>
@@ -5539,7 +5525,7 @@
           <p:cNvPr id="7" name="Title 1">
             <a:extLst>
               <a:ext uri="{FF2B5EF4-FFF2-40B4-BE49-F238E27FC236}">
-                <a16:creationId xmlns:a16="http://schemas.microsoft.com/office/drawing/2014/main" xmlns="" id="{998287BD-0D49-5948-AB02-29F63E0691ED}"/>
+                <a16:creationId xmlns:a16="http://schemas.microsoft.com/office/drawing/2014/main" id="{998287BD-0D49-5948-AB02-29F63E0691ED}"/>
               </a:ext>
             </a:extLst>
           </p:cNvPr>
@@ -5607,13 +5593,6 @@
   <p:clrMapOvr>
     <a:masterClrMapping/>
   </p:clrMapOvr>
-  <p:timing>
-    <p:tnLst>
-      <p:par>
-        <p:cTn id="1" dur="indefinite" restart="never" nodeType="tmRoot"/>
-      </p:par>
-    </p:tnLst>
-  </p:timing>
 </p:sld>
 </file>
 
@@ -5639,7 +5618,7 @@
           <p:cNvPr id="9" name="Rectangle 8">
             <a:extLst>
               <a:ext uri="{FF2B5EF4-FFF2-40B4-BE49-F238E27FC236}">
-                <a16:creationId xmlns:a16="http://schemas.microsoft.com/office/drawing/2014/main" xmlns="" id="{94788CB8-F337-3D4A-96A2-15975A9682C1}"/>
+                <a16:creationId xmlns:a16="http://schemas.microsoft.com/office/drawing/2014/main" id="{94788CB8-F337-3D4A-96A2-15975A9682C1}"/>
               </a:ext>
             </a:extLst>
           </p:cNvPr>
@@ -5691,7 +5670,7 @@
           <p:cNvPr id="6" name="Title 1">
             <a:extLst>
               <a:ext uri="{FF2B5EF4-FFF2-40B4-BE49-F238E27FC236}">
-                <a16:creationId xmlns:a16="http://schemas.microsoft.com/office/drawing/2014/main" xmlns="" id="{FE570DEB-EC52-0942-858A-C58059A724DE}"/>
+                <a16:creationId xmlns:a16="http://schemas.microsoft.com/office/drawing/2014/main" id="{FE570DEB-EC52-0942-858A-C58059A724DE}"/>
               </a:ext>
             </a:extLst>
           </p:cNvPr>
@@ -5807,7 +5786,7 @@
           <p:cNvPr id="10" name="Rectangle 9">
             <a:extLst>
               <a:ext uri="{FF2B5EF4-FFF2-40B4-BE49-F238E27FC236}">
-                <a16:creationId xmlns:a16="http://schemas.microsoft.com/office/drawing/2014/main" xmlns="" id="{E5A0BE87-8DCB-E844-B7E2-69EB4215E06D}"/>
+                <a16:creationId xmlns:a16="http://schemas.microsoft.com/office/drawing/2014/main" id="{E5A0BE87-8DCB-E844-B7E2-69EB4215E06D}"/>
               </a:ext>
             </a:extLst>
           </p:cNvPr>
@@ -5859,7 +5838,7 @@
           <p:cNvPr id="2" name="Title 1">
             <a:extLst>
               <a:ext uri="{FF2B5EF4-FFF2-40B4-BE49-F238E27FC236}">
-                <a16:creationId xmlns:a16="http://schemas.microsoft.com/office/drawing/2014/main" xmlns="" id="{842B374F-7FD0-004B-BE04-564927B941ED}"/>
+                <a16:creationId xmlns:a16="http://schemas.microsoft.com/office/drawing/2014/main" id="{842B374F-7FD0-004B-BE04-564927B941ED}"/>
               </a:ext>
             </a:extLst>
           </p:cNvPr>
@@ -5878,7 +5857,7 @@
         </p:spPr>
         <p:txBody>
           <a:bodyPr>
-            <a:normAutofit fontScale="90000"/>
+            <a:normAutofit/>
           </a:bodyPr>
           <a:lstStyle/>
           <a:p>
@@ -5903,7 +5882,7 @@
           <p:cNvPr id="5" name="Content Placeholder 4">
             <a:extLst>
               <a:ext uri="{FF2B5EF4-FFF2-40B4-BE49-F238E27FC236}">
-                <a16:creationId xmlns:a16="http://schemas.microsoft.com/office/drawing/2014/main" xmlns="" id="{E0184F76-F400-2E46-8FCA-67D26AAF9722}"/>
+                <a16:creationId xmlns:a16="http://schemas.microsoft.com/office/drawing/2014/main" id="{E0184F76-F400-2E46-8FCA-67D26AAF9722}"/>
               </a:ext>
             </a:extLst>
           </p:cNvPr>
@@ -5974,7 +5953,7 @@
           <p:cNvPr id="8" name="Content Placeholder 4">
             <a:extLst>
               <a:ext uri="{FF2B5EF4-FFF2-40B4-BE49-F238E27FC236}">
-                <a16:creationId xmlns:a16="http://schemas.microsoft.com/office/drawing/2014/main" xmlns="" id="{A93FF91E-546F-6048-8911-B6C418986BB5}"/>
+                <a16:creationId xmlns:a16="http://schemas.microsoft.com/office/drawing/2014/main" id="{A93FF91E-546F-6048-8911-B6C418986BB5}"/>
               </a:ext>
             </a:extLst>
           </p:cNvPr>
@@ -6205,7 +6184,7 @@
           <p:cNvPr id="9" name="Content Placeholder 4">
             <a:extLst>
               <a:ext uri="{FF2B5EF4-FFF2-40B4-BE49-F238E27FC236}">
-                <a16:creationId xmlns:a16="http://schemas.microsoft.com/office/drawing/2014/main" xmlns="" id="{1A371AB5-CD42-E54B-9EDC-D6D8D0560D7B}"/>
+                <a16:creationId xmlns:a16="http://schemas.microsoft.com/office/drawing/2014/main" id="{1A371AB5-CD42-E54B-9EDC-D6D8D0560D7B}"/>
               </a:ext>
             </a:extLst>
           </p:cNvPr>
@@ -6991,7 +6970,7 @@
           <p:cNvPr id="2" name="Title 1">
             <a:extLst>
               <a:ext uri="{FF2B5EF4-FFF2-40B4-BE49-F238E27FC236}">
-                <a16:creationId xmlns:a16="http://schemas.microsoft.com/office/drawing/2014/main" xmlns="" id="{7C639A83-1180-5A4A-95BC-FD482325E4BC}"/>
+                <a16:creationId xmlns:a16="http://schemas.microsoft.com/office/drawing/2014/main" id="{7C639A83-1180-5A4A-95BC-FD482325E4BC}"/>
               </a:ext>
             </a:extLst>
           </p:cNvPr>
@@ -7019,7 +6998,7 @@
           <p:cNvPr id="6" name="TextBox 5">
             <a:extLst>
               <a:ext uri="{FF2B5EF4-FFF2-40B4-BE49-F238E27FC236}">
-                <a16:creationId xmlns:a16="http://schemas.microsoft.com/office/drawing/2014/main" xmlns="" id="{0A603039-250E-C24F-8B5D-DE811957F9B4}"/>
+                <a16:creationId xmlns:a16="http://schemas.microsoft.com/office/drawing/2014/main" id="{0A603039-250E-C24F-8B5D-DE811957F9B4}"/>
               </a:ext>
             </a:extLst>
           </p:cNvPr>
@@ -7095,12 +7074,6 @@
               <a:buChar char="•"/>
             </a:pPr>
             <a:r>
-              <a:rPr lang="en-US" sz="2400" b="1" dirty="0">
-                <a:latin typeface="Futura Light" pitchFamily="2" charset="77"/>
-              </a:rPr>
-              <a:t>Brush tool: </a:t>
-            </a:r>
-            <a:r>
               <a:rPr lang="en-GB" sz="2400" b="1" dirty="0">
                 <a:latin typeface="Futura Light" pitchFamily="2" charset="77"/>
               </a:rPr>
@@ -7146,7 +7119,7 @@
               <a:rPr lang="en-GB" sz="2400" b="1" dirty="0">
                 <a:latin typeface="Futura Light" pitchFamily="2" charset="77"/>
               </a:rPr>
-              <a:t>Application must be able to read every violation stored and automatically generate a ticket </a:t>
+              <a:t>Application must be able to automatically generate a ticket and let policemen approve them</a:t>
             </a:r>
             <a:endParaRPr lang="en-US" sz="2400" b="1" dirty="0">
               <a:latin typeface="Futura Light" pitchFamily="2" charset="77"/>
@@ -7159,7 +7132,7 @@
           <p:cNvPr id="7" name="Rectangle 6">
             <a:extLst>
               <a:ext uri="{FF2B5EF4-FFF2-40B4-BE49-F238E27FC236}">
-                <a16:creationId xmlns:a16="http://schemas.microsoft.com/office/drawing/2014/main" xmlns="" id="{E2DEF711-8E90-FB47-81CA-6D660297A9A2}"/>
+                <a16:creationId xmlns:a16="http://schemas.microsoft.com/office/drawing/2014/main" id="{E2DEF711-8E90-FB47-81CA-6D660297A9A2}"/>
               </a:ext>
             </a:extLst>
           </p:cNvPr>
@@ -7211,7 +7184,7 @@
           <p:cNvPr id="8" name="Title 1">
             <a:extLst>
               <a:ext uri="{FF2B5EF4-FFF2-40B4-BE49-F238E27FC236}">
-                <a16:creationId xmlns:a16="http://schemas.microsoft.com/office/drawing/2014/main" xmlns="" id="{20F53E0E-0012-7545-B2B8-E4DAF303F34B}"/>
+                <a16:creationId xmlns:a16="http://schemas.microsoft.com/office/drawing/2014/main" id="{20F53E0E-0012-7545-B2B8-E4DAF303F34B}"/>
               </a:ext>
             </a:extLst>
           </p:cNvPr>
@@ -7279,6 +7252,284 @@
   <p:clrMapOvr>
     <a:masterClrMapping/>
   </p:clrMapOvr>
+  <p:timing>
+    <p:tnLst>
+      <p:par>
+        <p:cTn id="1" dur="indefinite" restart="never" nodeType="tmRoot">
+          <p:childTnLst>
+            <p:seq concurrent="1" nextAc="seek">
+              <p:cTn id="2" dur="indefinite" nodeType="mainSeq">
+                <p:childTnLst>
+                  <p:par>
+                    <p:cTn id="3" fill="hold">
+                      <p:stCondLst>
+                        <p:cond delay="indefinite"/>
+                      </p:stCondLst>
+                      <p:childTnLst>
+                        <p:par>
+                          <p:cTn id="4" fill="hold">
+                            <p:stCondLst>
+                              <p:cond delay="0"/>
+                            </p:stCondLst>
+                            <p:childTnLst>
+                              <p:par>
+                                <p:cTn id="5" presetID="1" presetClass="entr" presetSubtype="0" fill="hold" grpId="0" nodeType="clickEffect">
+                                  <p:stCondLst>
+                                    <p:cond delay="0"/>
+                                  </p:stCondLst>
+                                  <p:childTnLst>
+                                    <p:set>
+                                      <p:cBhvr>
+                                        <p:cTn id="6" dur="1" fill="hold">
+                                          <p:stCondLst>
+                                            <p:cond delay="0"/>
+                                          </p:stCondLst>
+                                        </p:cTn>
+                                        <p:tgtEl>
+                                          <p:spTgt spid="6">
+                                            <p:txEl>
+                                              <p:pRg st="0" end="0"/>
+                                            </p:txEl>
+                                          </p:spTgt>
+                                        </p:tgtEl>
+                                        <p:attrNameLst>
+                                          <p:attrName>style.visibility</p:attrName>
+                                        </p:attrNameLst>
+                                      </p:cBhvr>
+                                      <p:to>
+                                        <p:strVal val="visible"/>
+                                      </p:to>
+                                    </p:set>
+                                  </p:childTnLst>
+                                </p:cTn>
+                              </p:par>
+                            </p:childTnLst>
+                          </p:cTn>
+                        </p:par>
+                      </p:childTnLst>
+                    </p:cTn>
+                  </p:par>
+                  <p:par>
+                    <p:cTn id="7" fill="hold">
+                      <p:stCondLst>
+                        <p:cond delay="indefinite"/>
+                      </p:stCondLst>
+                      <p:childTnLst>
+                        <p:par>
+                          <p:cTn id="8" fill="hold">
+                            <p:stCondLst>
+                              <p:cond delay="0"/>
+                            </p:stCondLst>
+                            <p:childTnLst>
+                              <p:par>
+                                <p:cTn id="9" presetID="1" presetClass="entr" presetSubtype="0" fill="hold" grpId="0" nodeType="clickEffect">
+                                  <p:stCondLst>
+                                    <p:cond delay="0"/>
+                                  </p:stCondLst>
+                                  <p:childTnLst>
+                                    <p:set>
+                                      <p:cBhvr>
+                                        <p:cTn id="10" dur="1" fill="hold">
+                                          <p:stCondLst>
+                                            <p:cond delay="0"/>
+                                          </p:stCondLst>
+                                        </p:cTn>
+                                        <p:tgtEl>
+                                          <p:spTgt spid="6">
+                                            <p:txEl>
+                                              <p:pRg st="2" end="2"/>
+                                            </p:txEl>
+                                          </p:spTgt>
+                                        </p:tgtEl>
+                                        <p:attrNameLst>
+                                          <p:attrName>style.visibility</p:attrName>
+                                        </p:attrNameLst>
+                                      </p:cBhvr>
+                                      <p:to>
+                                        <p:strVal val="visible"/>
+                                      </p:to>
+                                    </p:set>
+                                  </p:childTnLst>
+                                </p:cTn>
+                              </p:par>
+                            </p:childTnLst>
+                          </p:cTn>
+                        </p:par>
+                      </p:childTnLst>
+                    </p:cTn>
+                  </p:par>
+                  <p:par>
+                    <p:cTn id="11" fill="hold">
+                      <p:stCondLst>
+                        <p:cond delay="indefinite"/>
+                      </p:stCondLst>
+                      <p:childTnLst>
+                        <p:par>
+                          <p:cTn id="12" fill="hold">
+                            <p:stCondLst>
+                              <p:cond delay="0"/>
+                            </p:stCondLst>
+                            <p:childTnLst>
+                              <p:par>
+                                <p:cTn id="13" presetID="1" presetClass="entr" presetSubtype="0" fill="hold" grpId="0" nodeType="clickEffect">
+                                  <p:stCondLst>
+                                    <p:cond delay="0"/>
+                                  </p:stCondLst>
+                                  <p:childTnLst>
+                                    <p:set>
+                                      <p:cBhvr>
+                                        <p:cTn id="14" dur="1" fill="hold">
+                                          <p:stCondLst>
+                                            <p:cond delay="0"/>
+                                          </p:stCondLst>
+                                        </p:cTn>
+                                        <p:tgtEl>
+                                          <p:spTgt spid="6">
+                                            <p:txEl>
+                                              <p:pRg st="4" end="4"/>
+                                            </p:txEl>
+                                          </p:spTgt>
+                                        </p:tgtEl>
+                                        <p:attrNameLst>
+                                          <p:attrName>style.visibility</p:attrName>
+                                        </p:attrNameLst>
+                                      </p:cBhvr>
+                                      <p:to>
+                                        <p:strVal val="visible"/>
+                                      </p:to>
+                                    </p:set>
+                                  </p:childTnLst>
+                                </p:cTn>
+                              </p:par>
+                            </p:childTnLst>
+                          </p:cTn>
+                        </p:par>
+                      </p:childTnLst>
+                    </p:cTn>
+                  </p:par>
+                  <p:par>
+                    <p:cTn id="15" fill="hold">
+                      <p:stCondLst>
+                        <p:cond delay="indefinite"/>
+                      </p:stCondLst>
+                      <p:childTnLst>
+                        <p:par>
+                          <p:cTn id="16" fill="hold">
+                            <p:stCondLst>
+                              <p:cond delay="0"/>
+                            </p:stCondLst>
+                            <p:childTnLst>
+                              <p:par>
+                                <p:cTn id="17" presetID="1" presetClass="entr" presetSubtype="0" fill="hold" grpId="0" nodeType="clickEffect">
+                                  <p:stCondLst>
+                                    <p:cond delay="0"/>
+                                  </p:stCondLst>
+                                  <p:childTnLst>
+                                    <p:set>
+                                      <p:cBhvr>
+                                        <p:cTn id="18" dur="1" fill="hold">
+                                          <p:stCondLst>
+                                            <p:cond delay="0"/>
+                                          </p:stCondLst>
+                                        </p:cTn>
+                                        <p:tgtEl>
+                                          <p:spTgt spid="6">
+                                            <p:txEl>
+                                              <p:pRg st="6" end="6"/>
+                                            </p:txEl>
+                                          </p:spTgt>
+                                        </p:tgtEl>
+                                        <p:attrNameLst>
+                                          <p:attrName>style.visibility</p:attrName>
+                                        </p:attrNameLst>
+                                      </p:cBhvr>
+                                      <p:to>
+                                        <p:strVal val="visible"/>
+                                      </p:to>
+                                    </p:set>
+                                  </p:childTnLst>
+                                </p:cTn>
+                              </p:par>
+                            </p:childTnLst>
+                          </p:cTn>
+                        </p:par>
+                      </p:childTnLst>
+                    </p:cTn>
+                  </p:par>
+                  <p:par>
+                    <p:cTn id="19" fill="hold">
+                      <p:stCondLst>
+                        <p:cond delay="indefinite"/>
+                      </p:stCondLst>
+                      <p:childTnLst>
+                        <p:par>
+                          <p:cTn id="20" fill="hold">
+                            <p:stCondLst>
+                              <p:cond delay="0"/>
+                            </p:stCondLst>
+                            <p:childTnLst>
+                              <p:par>
+                                <p:cTn id="21" presetID="1" presetClass="entr" presetSubtype="0" fill="hold" grpId="0" nodeType="clickEffect">
+                                  <p:stCondLst>
+                                    <p:cond delay="0"/>
+                                  </p:stCondLst>
+                                  <p:childTnLst>
+                                    <p:set>
+                                      <p:cBhvr>
+                                        <p:cTn id="22" dur="1" fill="hold">
+                                          <p:stCondLst>
+                                            <p:cond delay="0"/>
+                                          </p:stCondLst>
+                                        </p:cTn>
+                                        <p:tgtEl>
+                                          <p:spTgt spid="6">
+                                            <p:txEl>
+                                              <p:pRg st="8" end="8"/>
+                                            </p:txEl>
+                                          </p:spTgt>
+                                        </p:tgtEl>
+                                        <p:attrNameLst>
+                                          <p:attrName>style.visibility</p:attrName>
+                                        </p:attrNameLst>
+                                      </p:cBhvr>
+                                      <p:to>
+                                        <p:strVal val="visible"/>
+                                      </p:to>
+                                    </p:set>
+                                  </p:childTnLst>
+                                </p:cTn>
+                              </p:par>
+                            </p:childTnLst>
+                          </p:cTn>
+                        </p:par>
+                      </p:childTnLst>
+                    </p:cTn>
+                  </p:par>
+                </p:childTnLst>
+              </p:cTn>
+              <p:prevCondLst>
+                <p:cond evt="onPrev" delay="0">
+                  <p:tgtEl>
+                    <p:sldTgt/>
+                  </p:tgtEl>
+                </p:cond>
+              </p:prevCondLst>
+              <p:nextCondLst>
+                <p:cond evt="onNext" delay="0">
+                  <p:tgtEl>
+                    <p:sldTgt/>
+                  </p:tgtEl>
+                </p:cond>
+              </p:nextCondLst>
+            </p:seq>
+          </p:childTnLst>
+        </p:cTn>
+      </p:par>
+    </p:tnLst>
+    <p:bldLst>
+      <p:bldP spid="6" grpId="0" build="p"/>
+    </p:bldLst>
+  </p:timing>
 </p:sld>
 </file>
 
@@ -7304,7 +7555,7 @@
           <p:cNvPr id="9" name="Content Placeholder 4">
             <a:extLst>
               <a:ext uri="{FF2B5EF4-FFF2-40B4-BE49-F238E27FC236}">
-                <a16:creationId xmlns:a16="http://schemas.microsoft.com/office/drawing/2014/main" xmlns="" id="{56648882-2D44-454E-BCE5-4FD5652709A6}"/>
+                <a16:creationId xmlns:a16="http://schemas.microsoft.com/office/drawing/2014/main" id="{56648882-2D44-454E-BCE5-4FD5652709A6}"/>
               </a:ext>
             </a:extLst>
           </p:cNvPr>
@@ -7365,7 +7616,7 @@
           <p:cNvPr id="14" name="Rectangle 13">
             <a:extLst>
               <a:ext uri="{FF2B5EF4-FFF2-40B4-BE49-F238E27FC236}">
-                <a16:creationId xmlns:a16="http://schemas.microsoft.com/office/drawing/2014/main" xmlns="" id="{E1C28852-F50A-304D-9116-69BE19298436}"/>
+                <a16:creationId xmlns:a16="http://schemas.microsoft.com/office/drawing/2014/main" id="{E1C28852-F50A-304D-9116-69BE19298436}"/>
               </a:ext>
             </a:extLst>
           </p:cNvPr>
@@ -7417,7 +7668,7 @@
           <p:cNvPr id="15" name="Title 1">
             <a:extLst>
               <a:ext uri="{FF2B5EF4-FFF2-40B4-BE49-F238E27FC236}">
-                <a16:creationId xmlns:a16="http://schemas.microsoft.com/office/drawing/2014/main" xmlns="" id="{042BB011-C93E-7448-8782-9779E905AD0D}"/>
+                <a16:creationId xmlns:a16="http://schemas.microsoft.com/office/drawing/2014/main" id="{042BB011-C93E-7448-8782-9779E905AD0D}"/>
               </a:ext>
             </a:extLst>
           </p:cNvPr>
@@ -7480,7 +7731,7 @@
           <p:cNvPr id="16" name="Content Placeholder 4">
             <a:extLst>
               <a:ext uri="{FF2B5EF4-FFF2-40B4-BE49-F238E27FC236}">
-                <a16:creationId xmlns:a16="http://schemas.microsoft.com/office/drawing/2014/main" xmlns="" id="{B883DD24-8D71-4E41-83A8-DFBF7E314925}"/>
+                <a16:creationId xmlns:a16="http://schemas.microsoft.com/office/drawing/2014/main" id="{B883DD24-8D71-4E41-83A8-DFBF7E314925}"/>
               </a:ext>
             </a:extLst>
           </p:cNvPr>
@@ -7707,7 +7958,7 @@
           <p:cNvPr id="17" name="Content Placeholder 4">
             <a:extLst>
               <a:ext uri="{FF2B5EF4-FFF2-40B4-BE49-F238E27FC236}">
-                <a16:creationId xmlns:a16="http://schemas.microsoft.com/office/drawing/2014/main" xmlns="" id="{2A038D9F-F595-B840-AABB-25A2CB9FE815}"/>
+                <a16:creationId xmlns:a16="http://schemas.microsoft.com/office/drawing/2014/main" id="{2A038D9F-F595-B840-AABB-25A2CB9FE815}"/>
               </a:ext>
             </a:extLst>
           </p:cNvPr>
@@ -8236,7 +8487,7 @@
           <p:cNvPr id="9" name="Rectangle 8">
             <a:extLst>
               <a:ext uri="{FF2B5EF4-FFF2-40B4-BE49-F238E27FC236}">
-                <a16:creationId xmlns:a16="http://schemas.microsoft.com/office/drawing/2014/main" xmlns="" id="{94788CB8-F337-3D4A-96A2-15975A9682C1}"/>
+                <a16:creationId xmlns:a16="http://schemas.microsoft.com/office/drawing/2014/main" id="{94788CB8-F337-3D4A-96A2-15975A9682C1}"/>
               </a:ext>
             </a:extLst>
           </p:cNvPr>
@@ -8288,7 +8539,7 @@
           <p:cNvPr id="6" name="Title 1">
             <a:extLst>
               <a:ext uri="{FF2B5EF4-FFF2-40B4-BE49-F238E27FC236}">
-                <a16:creationId xmlns:a16="http://schemas.microsoft.com/office/drawing/2014/main" xmlns="" id="{FE570DEB-EC52-0942-858A-C58059A724DE}"/>
+                <a16:creationId xmlns:a16="http://schemas.microsoft.com/office/drawing/2014/main" id="{FE570DEB-EC52-0942-858A-C58059A724DE}"/>
               </a:ext>
             </a:extLst>
           </p:cNvPr>
@@ -8381,7 +8632,7 @@
           <p:cNvPr id="7" name="TextBox 6">
             <a:extLst>
               <a:ext uri="{FF2B5EF4-FFF2-40B4-BE49-F238E27FC236}">
-                <a16:creationId xmlns:a16="http://schemas.microsoft.com/office/drawing/2014/main" xmlns="" id="{AE49466C-B5AE-4B6B-8916-DFAB777A37B0}"/>
+                <a16:creationId xmlns:a16="http://schemas.microsoft.com/office/drawing/2014/main" id="{AE49466C-B5AE-4B6B-8916-DFAB777A37B0}"/>
               </a:ext>
             </a:extLst>
           </p:cNvPr>
@@ -8405,14 +8656,14 @@
           <a:lstStyle/>
           <a:p>
             <a:r>
-              <a:rPr lang="en-US" sz="1400" dirty="0" smtClean="0">
+              <a:rPr lang="en-US" sz="1400" dirty="0">
                 <a:latin typeface="Futura Light"/>
                 <a:cs typeface="Arial" panose="020B0604020202020204" pitchFamily="34" charset="0"/>
               </a:rPr>
               <a:t>abstract sig </a:t>
             </a:r>
             <a:r>
-              <a:rPr lang="en-US" sz="1400" dirty="0" smtClean="0">
+              <a:rPr lang="en-US" sz="1400" dirty="0">
                 <a:solidFill>
                   <a:schemeClr val="accent6"/>
                 </a:solidFill>
@@ -8422,163 +8673,159 @@
               <a:t>User</a:t>
             </a:r>
             <a:r>
-              <a:rPr lang="en-US" sz="1400" dirty="0" smtClean="0">
+              <a:rPr lang="en-US" sz="1400" dirty="0">
                 <a:latin typeface="Futura Light"/>
                 <a:cs typeface="Arial" panose="020B0604020202020204" pitchFamily="34" charset="0"/>
               </a:rPr>
               <a:t> {</a:t>
             </a:r>
             <a:br>
-              <a:rPr lang="en-US" sz="1400" dirty="0" smtClean="0">
+              <a:rPr lang="en-US" sz="1400" dirty="0">
                 <a:latin typeface="Futura Light"/>
                 <a:cs typeface="Arial" panose="020B0604020202020204" pitchFamily="34" charset="0"/>
               </a:rPr>
             </a:br>
             <a:r>
-              <a:rPr lang="en-US" sz="1400" dirty="0" smtClean="0">
+              <a:rPr lang="en-US" sz="1400" dirty="0">
                 <a:latin typeface="Futura Light"/>
                 <a:cs typeface="Arial" panose="020B0604020202020204" pitchFamily="34" charset="0"/>
               </a:rPr>
               <a:t>   name: one Name,</a:t>
             </a:r>
             <a:br>
-              <a:rPr lang="en-US" sz="1400" dirty="0" smtClean="0">
+              <a:rPr lang="en-US" sz="1400" dirty="0">
                 <a:latin typeface="Futura Light"/>
                 <a:cs typeface="Arial" panose="020B0604020202020204" pitchFamily="34" charset="0"/>
               </a:rPr>
             </a:br>
             <a:r>
-              <a:rPr lang="en-US" sz="1400" dirty="0" smtClean="0">
+              <a:rPr lang="en-US" sz="1400" dirty="0">
                 <a:latin typeface="Futura Light"/>
                 <a:cs typeface="Arial" panose="020B0604020202020204" pitchFamily="34" charset="0"/>
               </a:rPr>
               <a:t>   surname: one Surname,</a:t>
             </a:r>
             <a:br>
-              <a:rPr lang="en-US" sz="1400" dirty="0" smtClean="0">
+              <a:rPr lang="en-US" sz="1400" dirty="0">
                 <a:latin typeface="Futura Light"/>
                 <a:cs typeface="Arial" panose="020B0604020202020204" pitchFamily="34" charset="0"/>
               </a:rPr>
             </a:br>
             <a:r>
-              <a:rPr lang="en-US" sz="1400" dirty="0" smtClean="0">
+              <a:rPr lang="en-US" sz="1400" dirty="0">
                 <a:latin typeface="Futura Light"/>
                 <a:cs typeface="Arial" panose="020B0604020202020204" pitchFamily="34" charset="0"/>
               </a:rPr>
               <a:t>   email: one Email,</a:t>
             </a:r>
             <a:br>
-              <a:rPr lang="en-US" sz="1400" dirty="0" smtClean="0">
+              <a:rPr lang="en-US" sz="1400" dirty="0">
                 <a:latin typeface="Futura Light"/>
                 <a:cs typeface="Arial" panose="020B0604020202020204" pitchFamily="34" charset="0"/>
               </a:rPr>
             </a:br>
             <a:r>
-              <a:rPr lang="en-US" sz="1400" dirty="0" smtClean="0">
+              <a:rPr lang="en-US" sz="1400" dirty="0">
                 <a:latin typeface="Futura Light"/>
                 <a:cs typeface="Arial" panose="020B0604020202020204" pitchFamily="34" charset="0"/>
               </a:rPr>
               <a:t>   password: one Password,</a:t>
             </a:r>
             <a:br>
-              <a:rPr lang="en-US" sz="1400" dirty="0" smtClean="0">
+              <a:rPr lang="en-US" sz="1400" dirty="0">
                 <a:latin typeface="Futura Light"/>
                 <a:cs typeface="Arial" panose="020B0604020202020204" pitchFamily="34" charset="0"/>
               </a:rPr>
             </a:br>
             <a:r>
-              <a:rPr lang="en-US" sz="1400" dirty="0" smtClean="0">
+              <a:rPr lang="en-US" sz="1400" dirty="0">
                 <a:latin typeface="Futura Light"/>
                 <a:cs typeface="Arial" panose="020B0604020202020204" pitchFamily="34" charset="0"/>
               </a:rPr>
               <a:t>   </a:t>
             </a:r>
             <a:r>
-              <a:rPr lang="en-US" sz="1400" dirty="0" err="1" smtClean="0">
+              <a:rPr lang="en-US" sz="1400" dirty="0" err="1">
                 <a:latin typeface="Futura Light"/>
                 <a:cs typeface="Arial" panose="020B0604020202020204" pitchFamily="34" charset="0"/>
               </a:rPr>
               <a:t>accessLevel</a:t>
             </a:r>
             <a:r>
-              <a:rPr lang="en-US" sz="1400" dirty="0" smtClean="0">
+              <a:rPr lang="en-US" sz="1400" dirty="0">
                 <a:latin typeface="Futura Light"/>
                 <a:cs typeface="Arial" panose="020B0604020202020204" pitchFamily="34" charset="0"/>
               </a:rPr>
               <a:t>: one </a:t>
             </a:r>
             <a:r>
-              <a:rPr lang="en-US" sz="1400" dirty="0" err="1" smtClean="0">
+              <a:rPr lang="en-US" sz="1400" dirty="0" err="1">
                 <a:latin typeface="Futura Light"/>
                 <a:cs typeface="Arial" panose="020B0604020202020204" pitchFamily="34" charset="0"/>
               </a:rPr>
               <a:t>Bool</a:t>
             </a:r>
             <a:r>
-              <a:rPr lang="en-US" sz="1400" dirty="0" smtClean="0">
+              <a:rPr lang="en-US" sz="1400" dirty="0">
                 <a:latin typeface="Futura Light"/>
                 <a:cs typeface="Arial" panose="020B0604020202020204" pitchFamily="34" charset="0"/>
               </a:rPr>
               <a:t>,</a:t>
             </a:r>
             <a:br>
-              <a:rPr lang="en-US" sz="1400" dirty="0" smtClean="0">
+              <a:rPr lang="en-US" sz="1400" dirty="0">
                 <a:latin typeface="Futura Light"/>
                 <a:cs typeface="Arial" panose="020B0604020202020204" pitchFamily="34" charset="0"/>
               </a:rPr>
             </a:br>
             <a:r>
-              <a:rPr lang="en-US" sz="1400" dirty="0" smtClean="0">
+              <a:rPr lang="en-US" sz="1400" dirty="0">
                 <a:latin typeface="Futura Light"/>
                 <a:cs typeface="Arial" panose="020B0604020202020204" pitchFamily="34" charset="0"/>
               </a:rPr>
               <a:t>   </a:t>
             </a:r>
             <a:r>
-              <a:rPr lang="en-US" sz="1400" dirty="0" err="1" smtClean="0">
+              <a:rPr lang="en-US" sz="1400" dirty="0" err="1">
                 <a:latin typeface="Futura Light"/>
                 <a:cs typeface="Arial" panose="020B0604020202020204" pitchFamily="34" charset="0"/>
               </a:rPr>
               <a:t>minedInfo</a:t>
             </a:r>
             <a:r>
-              <a:rPr lang="en-US" sz="1400" dirty="0" smtClean="0">
+              <a:rPr lang="en-US" sz="1400" dirty="0">
                 <a:latin typeface="Futura Light"/>
                 <a:cs typeface="Arial" panose="020B0604020202020204" pitchFamily="34" charset="0"/>
               </a:rPr>
               <a:t>: some </a:t>
             </a:r>
             <a:r>
-              <a:rPr lang="en-US" sz="1400" dirty="0" err="1" smtClean="0">
+              <a:rPr lang="en-US" sz="1400" dirty="0" err="1">
                 <a:latin typeface="Futura Light"/>
                 <a:cs typeface="Arial" panose="020B0604020202020204" pitchFamily="34" charset="0"/>
               </a:rPr>
               <a:t>MiningModule</a:t>
             </a:r>
             <a:r>
-              <a:rPr lang="en-US" sz="1400" dirty="0" smtClean="0">
+              <a:rPr lang="en-US" sz="1400" dirty="0">
                 <a:latin typeface="Futura Light"/>
                 <a:cs typeface="Arial" panose="020B0604020202020204" pitchFamily="34" charset="0"/>
               </a:rPr>
               <a:t>, </a:t>
             </a:r>
             <a:br>
-              <a:rPr lang="en-US" sz="1400" dirty="0" smtClean="0">
+              <a:rPr lang="en-US" sz="1400" dirty="0">
                 <a:latin typeface="Futura Light"/>
                 <a:cs typeface="Arial" panose="020B0604020202020204" pitchFamily="34" charset="0"/>
               </a:rPr>
             </a:br>
             <a:r>
-              <a:rPr lang="en-US" sz="1400" dirty="0" smtClean="0">
+              <a:rPr lang="en-US" sz="1400" dirty="0">
                 <a:latin typeface="Futura Light"/>
                 <a:cs typeface="Arial" panose="020B0604020202020204" pitchFamily="34" charset="0"/>
               </a:rPr>
               <a:t>}</a:t>
             </a:r>
-            <a:endParaRPr lang="en-US" sz="1400" dirty="0">
-              <a:latin typeface="Futura Light"/>
-              <a:cs typeface="Arial" panose="020B0604020202020204" pitchFamily="34" charset="0"/>
-            </a:endParaRPr>
           </a:p>
         </p:txBody>
       </p:sp>
@@ -8587,7 +8834,7 @@
           <p:cNvPr id="8" name="TextBox 7">
             <a:extLst>
               <a:ext uri="{FF2B5EF4-FFF2-40B4-BE49-F238E27FC236}">
-                <a16:creationId xmlns:a16="http://schemas.microsoft.com/office/drawing/2014/main" xmlns="" id="{AE334569-08BD-4002-82CA-D9D76BFF18C3}"/>
+                <a16:creationId xmlns:a16="http://schemas.microsoft.com/office/drawing/2014/main" id="{AE334569-08BD-4002-82CA-D9D76BFF18C3}"/>
               </a:ext>
             </a:extLst>
           </p:cNvPr>
@@ -8697,13 +8944,6 @@
               </a:rPr>
               <a:t>}</a:t>
             </a:r>
-            <a:r>
-              <a:rPr lang="en-US" sz="1400" dirty="0">
-                <a:latin typeface="Arial" panose="020B0604020202020204" pitchFamily="34" charset="0"/>
-                <a:cs typeface="Arial" panose="020B0604020202020204" pitchFamily="34" charset="0"/>
-              </a:rPr>
-              <a:t/>
-            </a:r>
             <a:br>
               <a:rPr lang="en-US" sz="1400" dirty="0">
                 <a:latin typeface="Arial" panose="020B0604020202020204" pitchFamily="34" charset="0"/>
@@ -8722,7 +8962,7 @@
           <p:cNvPr id="9" name="Rectangle 8">
             <a:extLst>
               <a:ext uri="{FF2B5EF4-FFF2-40B4-BE49-F238E27FC236}">
-                <a16:creationId xmlns:a16="http://schemas.microsoft.com/office/drawing/2014/main" xmlns="" id="{65FF3B07-6D30-430E-8342-FF910AE28FE1}"/>
+                <a16:creationId xmlns:a16="http://schemas.microsoft.com/office/drawing/2014/main" id="{65FF3B07-6D30-430E-8342-FF910AE28FE1}"/>
               </a:ext>
             </a:extLst>
           </p:cNvPr>
@@ -8852,7 +9092,7 @@
           <p:cNvPr id="10" name="TextBox 9">
             <a:extLst>
               <a:ext uri="{FF2B5EF4-FFF2-40B4-BE49-F238E27FC236}">
-                <a16:creationId xmlns:a16="http://schemas.microsoft.com/office/drawing/2014/main" xmlns="" id="{A9761976-A3BE-4009-96A3-CFD8078F5894}"/>
+                <a16:creationId xmlns:a16="http://schemas.microsoft.com/office/drawing/2014/main" id="{A9761976-A3BE-4009-96A3-CFD8078F5894}"/>
               </a:ext>
             </a:extLst>
           </p:cNvPr>
@@ -8933,13 +9173,6 @@
             </a:r>
           </a:p>
           <a:p>
-            <a:r>
-              <a:rPr lang="en-US" sz="1400" dirty="0">
-                <a:latin typeface="Futura Light"/>
-                <a:cs typeface="Arial" panose="020B0604020202020204" pitchFamily="34" charset="0"/>
-              </a:rPr>
-              <a:t/>
-            </a:r>
             <a:br>
               <a:rPr lang="en-US" sz="1400" dirty="0">
                 <a:latin typeface="Futura Light"/>
@@ -8996,13 +9229,6 @@
             </a:r>
           </a:p>
           <a:p>
-            <a:r>
-              <a:rPr lang="en-US" sz="1400" dirty="0">
-                <a:latin typeface="Futura Light"/>
-                <a:cs typeface="Arial" panose="020B0604020202020204" pitchFamily="34" charset="0"/>
-              </a:rPr>
-              <a:t/>
-            </a:r>
             <a:br>
               <a:rPr lang="en-US" sz="1400" dirty="0">
                 <a:latin typeface="Futura Light"/>
@@ -9056,13 +9282,6 @@
                 <a:cs typeface="Arial" panose="020B0604020202020204" pitchFamily="34" charset="0"/>
               </a:rPr>
               <a:t> {}</a:t>
-            </a:r>
-            <a:r>
-              <a:rPr lang="en-US" sz="1400" dirty="0">
-                <a:latin typeface="Arial" panose="020B0604020202020204" pitchFamily="34" charset="0"/>
-                <a:cs typeface="Arial" panose="020B0604020202020204" pitchFamily="34" charset="0"/>
-              </a:rPr>
-              <a:t/>
             </a:r>
             <a:br>
               <a:rPr lang="en-US" sz="1400" dirty="0">
@@ -9082,7 +9301,7 @@
           <p:cNvPr id="11" name="TextBox 10">
             <a:extLst>
               <a:ext uri="{FF2B5EF4-FFF2-40B4-BE49-F238E27FC236}">
-                <a16:creationId xmlns:a16="http://schemas.microsoft.com/office/drawing/2014/main" xmlns="" id="{4C96BA33-2B0B-4165-B3E3-4D22882BF0D4}"/>
+                <a16:creationId xmlns:a16="http://schemas.microsoft.com/office/drawing/2014/main" id="{4C96BA33-2B0B-4165-B3E3-4D22882BF0D4}"/>
               </a:ext>
             </a:extLst>
           </p:cNvPr>
@@ -9270,7 +9489,7 @@
           <p:cNvPr id="12" name="Rectangle 11">
             <a:extLst>
               <a:ext uri="{FF2B5EF4-FFF2-40B4-BE49-F238E27FC236}">
-                <a16:creationId xmlns:a16="http://schemas.microsoft.com/office/drawing/2014/main" xmlns="" id="{C7D23CF7-D101-3348-AE4F-72B5A5615745}"/>
+                <a16:creationId xmlns:a16="http://schemas.microsoft.com/office/drawing/2014/main" id="{C7D23CF7-D101-3348-AE4F-72B5A5615745}"/>
               </a:ext>
             </a:extLst>
           </p:cNvPr>
@@ -9322,7 +9541,7 @@
           <p:cNvPr id="13" name="Title 1">
             <a:extLst>
               <a:ext uri="{FF2B5EF4-FFF2-40B4-BE49-F238E27FC236}">
-                <a16:creationId xmlns:a16="http://schemas.microsoft.com/office/drawing/2014/main" xmlns="" id="{B718AFBD-10B5-CD45-B75D-4F5327853E96}"/>
+                <a16:creationId xmlns:a16="http://schemas.microsoft.com/office/drawing/2014/main" id="{B718AFBD-10B5-CD45-B75D-4F5327853E96}"/>
               </a:ext>
             </a:extLst>
           </p:cNvPr>
@@ -9365,7 +9584,7 @@
           </a:lstStyle>
           <a:p>
             <a:r>
-              <a:rPr lang="en-GB" sz="5400" b="1" dirty="0" smtClean="0">
+              <a:rPr lang="en-GB" sz="5400" b="1" dirty="0">
                 <a:solidFill>
                   <a:schemeClr val="bg1"/>
                 </a:solidFill>
@@ -9415,7 +9634,7 @@
           <p:cNvPr id="12" name="Rectangle 11">
             <a:extLst>
               <a:ext uri="{FF2B5EF4-FFF2-40B4-BE49-F238E27FC236}">
-                <a16:creationId xmlns:a16="http://schemas.microsoft.com/office/drawing/2014/main" xmlns="" id="{B43AD4F0-D322-4438-B65A-591365D3C586}"/>
+                <a16:creationId xmlns:a16="http://schemas.microsoft.com/office/drawing/2014/main" id="{B43AD4F0-D322-4438-B65A-591365D3C586}"/>
               </a:ext>
             </a:extLst>
           </p:cNvPr>
@@ -9442,30 +9661,9 @@
                 <a:latin typeface="Futura Light"/>
                 <a:cs typeface="Arial" panose="020B0604020202020204" pitchFamily="34" charset="0"/>
               </a:rPr>
-              <a:t>// </a:t>
-            </a:r>
-            <a:r>
-              <a:rPr lang="en-US" sz="1400" dirty="0" smtClean="0">
-                <a:latin typeface="Futura Light"/>
-                <a:cs typeface="Arial" panose="020B0604020202020204" pitchFamily="34" charset="0"/>
-              </a:rPr>
-              <a:t>Each violation has only </a:t>
-            </a:r>
-            <a:r>
-              <a:rPr lang="en-US" sz="1400" dirty="0">
-                <a:latin typeface="Futura Light"/>
-                <a:cs typeface="Arial" panose="020B0604020202020204" pitchFamily="34" charset="0"/>
-              </a:rPr>
-              <a:t>one corresponding </a:t>
-            </a:r>
-            <a:r>
-              <a:rPr lang="en-US" sz="1400" dirty="0" smtClean="0">
-                <a:latin typeface="Futura Light"/>
-                <a:cs typeface="Arial" panose="020B0604020202020204" pitchFamily="34" charset="0"/>
-              </a:rPr>
-              <a:t>ticket</a:t>
-            </a:r>
-            <a:endParaRPr lang="fa-IR" sz="1400" dirty="0" smtClean="0">
+              <a:t>// Each violation has only one corresponding ticket</a:t>
+            </a:r>
+            <a:endParaRPr lang="fa-IR" sz="1400" dirty="0">
               <a:latin typeface="Futura Light"/>
               <a:cs typeface="Arial" panose="020B0604020202020204" pitchFamily="34" charset="0"/>
             </a:endParaRPr>
@@ -9521,16 +9719,9 @@
                 <a:latin typeface="Futura Light"/>
                 <a:cs typeface="Arial" panose="020B0604020202020204" pitchFamily="34" charset="0"/>
               </a:rPr>
-              <a:t> = </a:t>
-            </a:r>
-            <a:r>
-              <a:rPr lang="en-US" sz="1400" dirty="0" smtClean="0">
-                <a:latin typeface="Futura Light"/>
-                <a:cs typeface="Arial" panose="020B0604020202020204" pitchFamily="34" charset="0"/>
-              </a:rPr>
-              <a:t>v</a:t>
-            </a:r>
-            <a:endParaRPr lang="fa-IR" sz="1400" dirty="0" smtClean="0">
+              <a:t> = v</a:t>
+            </a:r>
+            <a:endParaRPr lang="fa-IR" sz="1400" dirty="0">
               <a:latin typeface="Futura Light"/>
               <a:cs typeface="Arial" panose="020B0604020202020204" pitchFamily="34" charset="0"/>
             </a:endParaRPr>
@@ -9561,7 +9752,7 @@
           <p:cNvPr id="13" name="Rectangle 12">
             <a:extLst>
               <a:ext uri="{FF2B5EF4-FFF2-40B4-BE49-F238E27FC236}">
-                <a16:creationId xmlns:a16="http://schemas.microsoft.com/office/drawing/2014/main" xmlns="" id="{A7FB5CA4-B2E5-455A-AFEE-82507FE9222D}"/>
+                <a16:creationId xmlns:a16="http://schemas.microsoft.com/office/drawing/2014/main" id="{A7FB5CA4-B2E5-455A-AFEE-82507FE9222D}"/>
               </a:ext>
             </a:extLst>
           </p:cNvPr>
@@ -9749,10 +9940,6 @@
               </a:rPr>
               <a:t>}</a:t>
             </a:r>
-            <a:r>
-              <a:rPr lang="en-US" sz="1400" dirty="0"/>
-              <a:t/>
-            </a:r>
             <a:br>
               <a:rPr lang="en-US" sz="1400" dirty="0"/>
             </a:br>
@@ -9768,7 +9955,7 @@
           <p:cNvPr id="8" name="Rectangle 7">
             <a:extLst>
               <a:ext uri="{FF2B5EF4-FFF2-40B4-BE49-F238E27FC236}">
-                <a16:creationId xmlns:a16="http://schemas.microsoft.com/office/drawing/2014/main" xmlns="" id="{9E85C601-3A4A-734A-8B1E-63D6E2B47DC2}"/>
+                <a16:creationId xmlns:a16="http://schemas.microsoft.com/office/drawing/2014/main" id="{9E85C601-3A4A-734A-8B1E-63D6E2B47DC2}"/>
               </a:ext>
             </a:extLst>
           </p:cNvPr>
@@ -9820,7 +10007,7 @@
           <p:cNvPr id="9" name="Title 1">
             <a:extLst>
               <a:ext uri="{FF2B5EF4-FFF2-40B4-BE49-F238E27FC236}">
-                <a16:creationId xmlns:a16="http://schemas.microsoft.com/office/drawing/2014/main" xmlns="" id="{798E0B7F-4C42-3F4E-B623-C026859C2B43}"/>
+                <a16:creationId xmlns:a16="http://schemas.microsoft.com/office/drawing/2014/main" id="{798E0B7F-4C42-3F4E-B623-C026859C2B43}"/>
               </a:ext>
             </a:extLst>
           </p:cNvPr>
@@ -9863,7 +10050,7 @@
           </a:lstStyle>
           <a:p>
             <a:r>
-              <a:rPr lang="en-GB" sz="5400" b="1" dirty="0" smtClean="0">
+              <a:rPr lang="en-GB" sz="5400" b="1" dirty="0">
                 <a:solidFill>
                   <a:schemeClr val="bg1"/>
                 </a:solidFill>
@@ -9883,7 +10070,7 @@
           <p:cNvPr id="7" name="Rectangle 6">
             <a:extLst>
               <a:ext uri="{FF2B5EF4-FFF2-40B4-BE49-F238E27FC236}">
-                <a16:creationId xmlns:a16="http://schemas.microsoft.com/office/drawing/2014/main" xmlns="" id="{B43AD4F0-D322-4438-B65A-591365D3C586}"/>
+                <a16:creationId xmlns:a16="http://schemas.microsoft.com/office/drawing/2014/main" id="{B43AD4F0-D322-4438-B65A-591365D3C586}"/>
               </a:ext>
             </a:extLst>
           </p:cNvPr>
@@ -9920,13 +10107,6 @@
             </a:r>
           </a:p>
           <a:p>
-            <a:r>
-              <a:rPr lang="en-US" sz="1400" dirty="0">
-                <a:latin typeface="Futura Light"/>
-                <a:cs typeface="Arial" panose="020B0604020202020204" pitchFamily="34" charset="0"/>
-              </a:rPr>
-              <a:t/>
-            </a:r>
             <a:br>
               <a:rPr lang="en-US" sz="1400" dirty="0">
                 <a:latin typeface="Futura Light"/>

--- a/Presentation1.pptx
+++ b/Presentation1.pptx
@@ -609,7 +609,28 @@
           <a:bodyPr/>
           <a:lstStyle/>
           <a:p>
-            <a:endParaRPr lang="en-US" dirty="0"/>
+            <a:r>
+              <a:rPr lang="en-US" dirty="0"/>
+              <a:t>3 tier architecture</a:t>
+            </a:r>
+          </a:p>
+          <a:p>
+            <a:r>
+              <a:rPr lang="en-US" dirty="0"/>
+              <a:t>Mobile app for both platforms mainly just for presentation </a:t>
+            </a:r>
+          </a:p>
+          <a:p>
+            <a:r>
+              <a:rPr lang="en-US" dirty="0"/>
+              <a:t>Our App server for main logic </a:t>
+            </a:r>
+          </a:p>
+          <a:p>
+            <a:r>
+              <a:rPr lang="en-US" dirty="0"/>
+              <a:t>External database to increase and scalability</a:t>
+            </a:r>
           </a:p>
         </p:txBody>
       </p:sp>
@@ -640,6 +661,93 @@
     <p:extLst>
       <p:ext uri="{BB962C8B-B14F-4D97-AF65-F5344CB8AC3E}">
         <p14:creationId xmlns:p14="http://schemas.microsoft.com/office/powerpoint/2010/main" val="3141071023"/>
+      </p:ext>
+    </p:extLst>
+  </p:cSld>
+  <p:clrMapOvr>
+    <a:masterClrMapping/>
+  </p:clrMapOvr>
+</p:notes>
+</file>
+
+<file path=ppt/notesSlides/notesSlide3.xml><?xml version="1.0" encoding="utf-8"?>
+<p:notes xmlns:a="http://schemas.openxmlformats.org/drawingml/2006/main" xmlns:r="http://schemas.openxmlformats.org/officeDocument/2006/relationships" xmlns:p="http://schemas.openxmlformats.org/presentationml/2006/main">
+  <p:cSld>
+    <p:spTree>
+      <p:nvGrpSpPr>
+        <p:cNvPr id="1" name=""/>
+        <p:cNvGrpSpPr/>
+        <p:nvPr/>
+      </p:nvGrpSpPr>
+      <p:grpSpPr>
+        <a:xfrm>
+          <a:off x="0" y="0"/>
+          <a:ext cx="0" cy="0"/>
+          <a:chOff x="0" y="0"/>
+          <a:chExt cx="0" cy="0"/>
+        </a:xfrm>
+      </p:grpSpPr>
+      <p:sp>
+        <p:nvSpPr>
+          <p:cNvPr id="2" name="Slide Image Placeholder 1"/>
+          <p:cNvSpPr>
+            <a:spLocks noGrp="1" noRot="1" noChangeAspect="1"/>
+          </p:cNvSpPr>
+          <p:nvPr>
+            <p:ph type="sldImg"/>
+          </p:nvPr>
+        </p:nvSpPr>
+        <p:spPr/>
+      </p:sp>
+      <p:sp>
+        <p:nvSpPr>
+          <p:cNvPr id="3" name="Notes Placeholder 2"/>
+          <p:cNvSpPr>
+            <a:spLocks noGrp="1"/>
+          </p:cNvSpPr>
+          <p:nvPr>
+            <p:ph type="body" idx="1"/>
+          </p:nvPr>
+        </p:nvSpPr>
+        <p:spPr/>
+        <p:txBody>
+          <a:bodyPr/>
+          <a:lstStyle/>
+          <a:p>
+            <a:r>
+              <a:rPr lang="en-US" dirty="0"/>
+              <a:t>The core are use cases: clean architecture means having one component for each use case. Two interfaces . In and out </a:t>
+            </a:r>
+          </a:p>
+        </p:txBody>
+      </p:sp>
+      <p:sp>
+        <p:nvSpPr>
+          <p:cNvPr id="4" name="Slide Number Placeholder 3"/>
+          <p:cNvSpPr>
+            <a:spLocks noGrp="1"/>
+          </p:cNvSpPr>
+          <p:nvPr>
+            <p:ph type="sldNum" sz="quarter" idx="5"/>
+          </p:nvPr>
+        </p:nvSpPr>
+        <p:spPr/>
+        <p:txBody>
+          <a:bodyPr/>
+          <a:lstStyle/>
+          <a:p>
+            <a:fld id="{65B24ED1-CF1D-8B45-A933-F8F043BDFA80}" type="slidenum">
+              <a:rPr lang="en-US" smtClean="0"/>
+              <a:t>12</a:t>
+            </a:fld>
+            <a:endParaRPr lang="en-US"/>
+          </a:p>
+        </p:txBody>
+      </p:sp>
+    </p:spTree>
+    <p:extLst>
+      <p:ext uri="{BB962C8B-B14F-4D97-AF65-F5344CB8AC3E}">
+        <p14:creationId xmlns:p14="http://schemas.microsoft.com/office/powerpoint/2010/main" val="638791856"/>
       </p:ext>
     </p:extLst>
   </p:cSld>
@@ -5052,7 +5160,7 @@
           <p:nvPr/>
         </p:nvPicPr>
         <p:blipFill>
-          <a:blip r:embed="rId2"/>
+          <a:blip r:embed="rId3"/>
           <a:stretch>
             <a:fillRect/>
           </a:stretch>
@@ -5144,7 +5252,7 @@
         </p:spPr>
         <p:txBody>
           <a:bodyPr vert="horz" lIns="91440" tIns="45720" rIns="91440" bIns="45720" rtlCol="0" anchor="ctr">
-            <a:normAutofit/>
+            <a:normAutofit fontScale="92500"/>
           </a:bodyPr>
           <a:lstStyle>
             <a:lvl1pPr algn="l" defTabSz="914400" rtl="0" eaLnBrk="1" latinLnBrk="0" hangingPunct="1">
@@ -5172,7 +5280,7 @@
                   <a:schemeClr val="bg1"/>
                 </a:solidFill>
               </a:rPr>
-              <a:t>Mobile App components</a:t>
+              <a:t>Mobile App components architecture</a:t>
             </a:r>
           </a:p>
         </p:txBody>
@@ -5370,7 +5478,7 @@
                   <a:schemeClr val="bg1"/>
                 </a:solidFill>
               </a:rPr>
-              <a:t>Server Components</a:t>
+              <a:t>Server Components architecture</a:t>
             </a:r>
             <a:endParaRPr lang="en-US" sz="5400" b="1" dirty="0">
               <a:solidFill>
@@ -8224,11 +8332,7 @@
                                           </p:stCondLst>
                                         </p:cTn>
                                         <p:tgtEl>
-                                          <p:spTgt spid="9">
-                                            <p:txEl>
-                                              <p:pRg st="0" end="0"/>
-                                            </p:txEl>
-                                          </p:spTgt>
+                                          <p:spTgt spid="9"/>
                                         </p:tgtEl>
                                         <p:attrNameLst>
                                           <p:attrName>style.visibility</p:attrName>
@@ -8273,11 +8377,7 @@
                                           </p:stCondLst>
                                         </p:cTn>
                                         <p:tgtEl>
-                                          <p:spTgt spid="9">
-                                            <p:txEl>
-                                              <p:pRg st="2" end="2"/>
-                                            </p:txEl>
-                                          </p:spTgt>
+                                          <p:spTgt spid="16"/>
                                         </p:tgtEl>
                                         <p:attrNameLst>
                                           <p:attrName>style.visibility</p:attrName>
@@ -8317,100 +8417,6 @@
                                     <p:set>
                                       <p:cBhvr>
                                         <p:cTn id="14" dur="1" fill="hold">
-                                          <p:stCondLst>
-                                            <p:cond delay="0"/>
-                                          </p:stCondLst>
-                                        </p:cTn>
-                                        <p:tgtEl>
-                                          <p:spTgt spid="9">
-                                            <p:txEl>
-                                              <p:pRg st="3" end="3"/>
-                                            </p:txEl>
-                                          </p:spTgt>
-                                        </p:tgtEl>
-                                        <p:attrNameLst>
-                                          <p:attrName>style.visibility</p:attrName>
-                                        </p:attrNameLst>
-                                      </p:cBhvr>
-                                      <p:to>
-                                        <p:strVal val="visible"/>
-                                      </p:to>
-                                    </p:set>
-                                  </p:childTnLst>
-                                </p:cTn>
-                              </p:par>
-                            </p:childTnLst>
-                          </p:cTn>
-                        </p:par>
-                      </p:childTnLst>
-                    </p:cTn>
-                  </p:par>
-                  <p:par>
-                    <p:cTn id="15" fill="hold">
-                      <p:stCondLst>
-                        <p:cond delay="indefinite"/>
-                      </p:stCondLst>
-                      <p:childTnLst>
-                        <p:par>
-                          <p:cTn id="16" fill="hold">
-                            <p:stCondLst>
-                              <p:cond delay="0"/>
-                            </p:stCondLst>
-                            <p:childTnLst>
-                              <p:par>
-                                <p:cTn id="17" presetID="1" presetClass="entr" presetSubtype="0" fill="hold" grpId="0" nodeType="clickEffect">
-                                  <p:stCondLst>
-                                    <p:cond delay="0"/>
-                                  </p:stCondLst>
-                                  <p:childTnLst>
-                                    <p:set>
-                                      <p:cBhvr>
-                                        <p:cTn id="18" dur="1" fill="hold">
-                                          <p:stCondLst>
-                                            <p:cond delay="0"/>
-                                          </p:stCondLst>
-                                        </p:cTn>
-                                        <p:tgtEl>
-                                          <p:spTgt spid="16"/>
-                                        </p:tgtEl>
-                                        <p:attrNameLst>
-                                          <p:attrName>style.visibility</p:attrName>
-                                        </p:attrNameLst>
-                                      </p:cBhvr>
-                                      <p:to>
-                                        <p:strVal val="visible"/>
-                                      </p:to>
-                                    </p:set>
-                                  </p:childTnLst>
-                                </p:cTn>
-                              </p:par>
-                            </p:childTnLst>
-                          </p:cTn>
-                        </p:par>
-                      </p:childTnLst>
-                    </p:cTn>
-                  </p:par>
-                  <p:par>
-                    <p:cTn id="19" fill="hold">
-                      <p:stCondLst>
-                        <p:cond delay="indefinite"/>
-                      </p:stCondLst>
-                      <p:childTnLst>
-                        <p:par>
-                          <p:cTn id="20" fill="hold">
-                            <p:stCondLst>
-                              <p:cond delay="0"/>
-                            </p:stCondLst>
-                            <p:childTnLst>
-                              <p:par>
-                                <p:cTn id="21" presetID="1" presetClass="entr" presetSubtype="0" fill="hold" grpId="0" nodeType="clickEffect">
-                                  <p:stCondLst>
-                                    <p:cond delay="0"/>
-                                  </p:stCondLst>
-                                  <p:childTnLst>
-                                    <p:set>
-                                      <p:cBhvr>
-                                        <p:cTn id="22" dur="1" fill="hold">
                                           <p:stCondLst>
                                             <p:cond delay="0"/>
                                           </p:stCondLst>
@@ -8457,7 +8463,7 @@
       </p:par>
     </p:tnLst>
     <p:bldLst>
-      <p:bldP spid="9" grpId="0" build="p"/>
+      <p:bldP spid="9" grpId="0"/>
       <p:bldP spid="16" grpId="0"/>
       <p:bldP spid="17" grpId="0"/>
     </p:bldLst>
@@ -8641,7 +8647,7 @@
         </p:nvSpPr>
         <p:spPr>
           <a:xfrm>
-            <a:off x="3369662" y="1817591"/>
+            <a:off x="1714598" y="1817591"/>
             <a:ext cx="3756102" cy="1815882"/>
           </a:xfrm>
           <a:prstGeom prst="rect">
@@ -8843,8 +8849,8 @@
         </p:nvSpPr>
         <p:spPr>
           <a:xfrm>
-            <a:off x="3369662" y="3895934"/>
-            <a:ext cx="2919389" cy="1169551"/>
+            <a:off x="1714598" y="3898229"/>
+            <a:ext cx="2770310" cy="1169551"/>
           </a:xfrm>
           <a:prstGeom prst="rect">
             <a:avLst/>
@@ -8872,7 +8878,7 @@
                 <a:latin typeface="Futura Light"/>
                 <a:cs typeface="Arial" panose="020B0604020202020204" pitchFamily="34" charset="0"/>
               </a:rPr>
-              <a:t>Costumer</a:t>
+              <a:t>Customer</a:t>
             </a:r>
             <a:r>
               <a:rPr lang="en-US" sz="1400" dirty="0">
@@ -8971,7 +8977,7 @@
         </p:nvSpPr>
         <p:spPr>
           <a:xfrm>
-            <a:off x="3369661" y="5065485"/>
+            <a:off x="1714598" y="5129335"/>
             <a:ext cx="2919389" cy="1169551"/>
           </a:xfrm>
           <a:prstGeom prst="rect">
@@ -9643,8 +9649,8 @@
         </p:nvSpPr>
         <p:spPr>
           <a:xfrm>
-            <a:off x="473741" y="2347217"/>
-            <a:ext cx="3096344" cy="1815882"/>
+            <a:off x="505969" y="2715057"/>
+            <a:ext cx="3495637" cy="3139321"/>
           </a:xfrm>
           <a:prstGeom prst="rect">
             <a:avLst/>
@@ -9657,94 +9663,100 @@
           <a:lstStyle/>
           <a:p>
             <a:r>
-              <a:rPr lang="en-US" sz="1400" dirty="0">
+              <a:rPr lang="en-US" dirty="0">
                 <a:latin typeface="Futura Light"/>
                 <a:cs typeface="Arial" panose="020B0604020202020204" pitchFamily="34" charset="0"/>
               </a:rPr>
               <a:t>// Each violation has only one corresponding ticket</a:t>
             </a:r>
-            <a:endParaRPr lang="fa-IR" sz="1400" dirty="0">
+            <a:endParaRPr lang="fa-IR" dirty="0">
               <a:latin typeface="Futura Light"/>
               <a:cs typeface="Arial" panose="020B0604020202020204" pitchFamily="34" charset="0"/>
             </a:endParaRPr>
           </a:p>
           <a:p>
-            <a:endParaRPr lang="en-US" sz="1400" dirty="0">
+            <a:endParaRPr lang="en-US" dirty="0">
               <a:latin typeface="Futura Light"/>
               <a:cs typeface="Arial" panose="020B0604020202020204" pitchFamily="34" charset="0"/>
             </a:endParaRPr>
           </a:p>
           <a:p>
-            <a:r>
-              <a:rPr lang="en-US" sz="1400" dirty="0">
-                <a:latin typeface="Futura Light"/>
-                <a:cs typeface="Arial" panose="020B0604020202020204" pitchFamily="34" charset="0"/>
-              </a:rPr>
-              <a:t>fact </a:t>
-            </a:r>
-            <a:r>
-              <a:rPr lang="en-US" sz="1400" dirty="0" err="1">
-                <a:latin typeface="Futura Light"/>
-                <a:cs typeface="Arial" panose="020B0604020202020204" pitchFamily="34" charset="0"/>
-              </a:rPr>
-              <a:t>EachViolatioContainsOneTicket</a:t>
-            </a:r>
-            <a:r>
-              <a:rPr lang="en-US" sz="1400" dirty="0">
-                <a:latin typeface="Futura Light"/>
-                <a:cs typeface="Arial" panose="020B0604020202020204" pitchFamily="34" charset="0"/>
-              </a:rPr>
-              <a:t> {</a:t>
-            </a:r>
-          </a:p>
-          <a:p>
-            <a:r>
-              <a:rPr lang="en-US" sz="1400" dirty="0">
-                <a:latin typeface="Futura Light"/>
-                <a:cs typeface="Arial" panose="020B0604020202020204" pitchFamily="34" charset="0"/>
-              </a:rPr>
-              <a:t>one t : Ticket , v : Violation |</a:t>
-            </a:r>
-          </a:p>
-          <a:p>
-            <a:r>
-              <a:rPr lang="en-US" sz="1400" dirty="0" err="1">
-                <a:latin typeface="Futura Light"/>
-                <a:cs typeface="Arial" panose="020B0604020202020204" pitchFamily="34" charset="0"/>
-              </a:rPr>
-              <a:t>t.violations</a:t>
-            </a:r>
-            <a:r>
-              <a:rPr lang="en-US" sz="1400" dirty="0">
-                <a:latin typeface="Futura Light"/>
-                <a:cs typeface="Arial" panose="020B0604020202020204" pitchFamily="34" charset="0"/>
-              </a:rPr>
-              <a:t> = v</a:t>
-            </a:r>
-            <a:endParaRPr lang="fa-IR" sz="1400" dirty="0">
+            <a:endParaRPr lang="en-US" dirty="0">
               <a:latin typeface="Futura Light"/>
               <a:cs typeface="Arial" panose="020B0604020202020204" pitchFamily="34" charset="0"/>
             </a:endParaRPr>
           </a:p>
           <a:p>
             <a:r>
-              <a:rPr lang="fa-IR" sz="1400" dirty="0">
-                <a:latin typeface="Futura Light"/>
-                <a:cs typeface="Arial" panose="020B0604020202020204" pitchFamily="34" charset="0"/>
-              </a:rPr>
-              <a:t>{</a:t>
-            </a:r>
-            <a:endParaRPr lang="en-US" sz="1400" dirty="0">
+              <a:rPr lang="en-US" dirty="0">
+                <a:latin typeface="Futura Light"/>
+                <a:cs typeface="Arial" panose="020B0604020202020204" pitchFamily="34" charset="0"/>
+              </a:rPr>
+              <a:t>fact </a:t>
+            </a:r>
+            <a:r>
+              <a:rPr lang="en-US" b="1" dirty="0" err="1">
+                <a:latin typeface="Futura Light"/>
+                <a:cs typeface="Arial" panose="020B0604020202020204" pitchFamily="34" charset="0"/>
+              </a:rPr>
+              <a:t>EachViolatioContainsOneTicket</a:t>
+            </a:r>
+            <a:r>
+              <a:rPr lang="en-US" dirty="0">
+                <a:latin typeface="Futura Light"/>
+                <a:cs typeface="Arial" panose="020B0604020202020204" pitchFamily="34" charset="0"/>
+              </a:rPr>
+              <a:t> {</a:t>
+            </a:r>
+          </a:p>
+          <a:p>
+            <a:r>
+              <a:rPr lang="en-US" dirty="0">
+                <a:latin typeface="Futura Light"/>
+                <a:cs typeface="Arial" panose="020B0604020202020204" pitchFamily="34" charset="0"/>
+              </a:rPr>
+              <a:t>one t : Ticket , v : Violation |</a:t>
+            </a:r>
+          </a:p>
+          <a:p>
+            <a:r>
+              <a:rPr lang="en-US" dirty="0" err="1">
+                <a:latin typeface="Futura Light"/>
+                <a:cs typeface="Arial" panose="020B0604020202020204" pitchFamily="34" charset="0"/>
+              </a:rPr>
+              <a:t>t.violations</a:t>
+            </a:r>
+            <a:r>
+              <a:rPr lang="en-US" dirty="0">
+                <a:latin typeface="Futura Light"/>
+                <a:cs typeface="Arial" panose="020B0604020202020204" pitchFamily="34" charset="0"/>
+              </a:rPr>
+              <a:t> = v</a:t>
+            </a:r>
+            <a:endParaRPr lang="fa-IR" dirty="0">
               <a:latin typeface="Futura Light"/>
               <a:cs typeface="Arial" panose="020B0604020202020204" pitchFamily="34" charset="0"/>
             </a:endParaRPr>
           </a:p>
           <a:p>
-            <a:endParaRPr lang="en-US" sz="1400" dirty="0">
+            <a:r>
+              <a:rPr lang="fa-IR" dirty="0">
+                <a:latin typeface="Futura Light"/>
+                <a:cs typeface="Arial" panose="020B0604020202020204" pitchFamily="34" charset="0"/>
+              </a:rPr>
+              <a:t>{</a:t>
+            </a:r>
+            <a:endParaRPr lang="en-US" dirty="0">
               <a:latin typeface="Futura Light"/>
               <a:cs typeface="Arial" panose="020B0604020202020204" pitchFamily="34" charset="0"/>
             </a:endParaRPr>
           </a:p>
+          <a:p>
+            <a:endParaRPr lang="en-US" dirty="0">
+              <a:latin typeface="Futura Light"/>
+              <a:cs typeface="Arial" panose="020B0604020202020204" pitchFamily="34" charset="0"/>
+            </a:endParaRPr>
+          </a:p>
         </p:txBody>
       </p:sp>
       <p:sp>
@@ -9761,8 +9773,8 @@
         </p:nvSpPr>
         <p:spPr>
           <a:xfrm>
-            <a:off x="7417163" y="2119358"/>
-            <a:ext cx="3384376" cy="2246769"/>
+            <a:off x="8038954" y="2438058"/>
+            <a:ext cx="3820813" cy="3693319"/>
           </a:xfrm>
           <a:prstGeom prst="rect">
             <a:avLst/>
@@ -9774,176 +9786,168 @@
           </a:bodyPr>
           <a:lstStyle/>
           <a:p>
-            <a:endParaRPr lang="en-US" sz="1400" dirty="0">
+            <a:endParaRPr lang="en-US" dirty="0">
               <a:latin typeface="Futura Light"/>
               <a:cs typeface="Arial" panose="020B0604020202020204" pitchFamily="34" charset="0"/>
             </a:endParaRPr>
           </a:p>
           <a:p>
             <a:r>
-              <a:rPr lang="en-US" sz="1400" dirty="0">
+              <a:rPr lang="en-US" dirty="0">
                 <a:latin typeface="Futura Light"/>
                 <a:cs typeface="Arial" panose="020B0604020202020204" pitchFamily="34" charset="0"/>
               </a:rPr>
               <a:t>// location of an </a:t>
             </a:r>
             <a:r>
-              <a:rPr lang="en-US" sz="1400" dirty="0" err="1">
-                <a:latin typeface="Futura Light"/>
-                <a:cs typeface="Arial" panose="020B0604020202020204" pitchFamily="34" charset="0"/>
-              </a:rPr>
-              <a:t>EndUSers</a:t>
-            </a:r>
-            <a:r>
-              <a:rPr lang="en-US" sz="1400" dirty="0">
-                <a:latin typeface="Futura Light"/>
-                <a:cs typeface="Arial" panose="020B0604020202020204" pitchFamily="34" charset="0"/>
-              </a:rPr>
-              <a:t> should be equal to reverse </a:t>
-            </a:r>
-            <a:r>
-              <a:rPr lang="en-US" sz="1400" dirty="0" err="1">
-                <a:latin typeface="Futura Light"/>
-                <a:cs typeface="Arial" panose="020B0604020202020204" pitchFamily="34" charset="0"/>
-              </a:rPr>
-              <a:t>giocodding</a:t>
-            </a:r>
-            <a:r>
-              <a:rPr lang="en-US" sz="1400" dirty="0">
-                <a:latin typeface="Futura Light"/>
-                <a:cs typeface="Arial" panose="020B0604020202020204" pitchFamily="34" charset="0"/>
-              </a:rPr>
-              <a:t> address</a:t>
-            </a:r>
-          </a:p>
-          <a:p>
-            <a:endParaRPr lang="en-US" sz="1400" dirty="0">
+              <a:rPr lang="en-US" dirty="0" err="1">
+                <a:latin typeface="Futura Light"/>
+                <a:cs typeface="Arial" panose="020B0604020202020204" pitchFamily="34" charset="0"/>
+              </a:rPr>
+              <a:t>EndUser</a:t>
+            </a:r>
+            <a:r>
+              <a:rPr lang="en-US" dirty="0">
+                <a:latin typeface="Futura Light"/>
+                <a:cs typeface="Arial" panose="020B0604020202020204" pitchFamily="34" charset="0"/>
+              </a:rPr>
+              <a:t> should be equal to the reverse geocoding address</a:t>
+            </a:r>
+          </a:p>
+          <a:p>
+            <a:endParaRPr lang="en-US" dirty="0">
               <a:latin typeface="Futura Light"/>
               <a:cs typeface="Arial" panose="020B0604020202020204" pitchFamily="34" charset="0"/>
             </a:endParaRPr>
           </a:p>
           <a:p>
-            <a:r>
-              <a:rPr lang="en-US" sz="1400" dirty="0">
-                <a:latin typeface="Futura Light"/>
-                <a:cs typeface="Arial" panose="020B0604020202020204" pitchFamily="34" charset="0"/>
-              </a:rPr>
-              <a:t>fact </a:t>
-            </a:r>
-            <a:r>
-              <a:rPr lang="en-US" sz="1400" dirty="0" err="1">
-                <a:latin typeface="Futura Light"/>
-                <a:cs typeface="Arial" panose="020B0604020202020204" pitchFamily="34" charset="0"/>
-              </a:rPr>
-              <a:t>EqualLocationForEndUserAndGio</a:t>
-            </a:r>
-            <a:r>
-              <a:rPr lang="en-US" sz="1400" dirty="0">
-                <a:latin typeface="Futura Light"/>
-                <a:cs typeface="Arial" panose="020B0604020202020204" pitchFamily="34" charset="0"/>
-              </a:rPr>
-              <a:t> {</a:t>
-            </a:r>
-          </a:p>
-          <a:p>
-            <a:r>
-              <a:rPr lang="en-US" sz="1400" dirty="0">
-                <a:latin typeface="Futura Light"/>
-                <a:cs typeface="Arial" panose="020B0604020202020204" pitchFamily="34" charset="0"/>
-              </a:rPr>
-              <a:t>one </a:t>
-            </a:r>
-            <a:r>
-              <a:rPr lang="en-US" sz="1400" dirty="0" err="1">
-                <a:latin typeface="Futura Light"/>
-                <a:cs typeface="Arial" panose="020B0604020202020204" pitchFamily="34" charset="0"/>
-              </a:rPr>
-              <a:t>revGio</a:t>
-            </a:r>
-            <a:r>
-              <a:rPr lang="en-US" sz="1400" dirty="0">
-                <a:latin typeface="Futura Light"/>
-                <a:cs typeface="Arial" panose="020B0604020202020204" pitchFamily="34" charset="0"/>
-              </a:rPr>
-              <a:t> : </a:t>
-            </a:r>
-            <a:r>
-              <a:rPr lang="en-US" sz="1400" dirty="0" err="1">
-                <a:latin typeface="Futura Light"/>
-                <a:cs typeface="Arial" panose="020B0604020202020204" pitchFamily="34" charset="0"/>
-              </a:rPr>
-              <a:t>ReverseGioCoding</a:t>
-            </a:r>
-            <a:r>
-              <a:rPr lang="en-US" sz="1400" dirty="0">
-                <a:latin typeface="Futura Light"/>
-                <a:cs typeface="Arial" panose="020B0604020202020204" pitchFamily="34" charset="0"/>
-              </a:rPr>
-              <a:t>|</a:t>
-            </a:r>
-          </a:p>
-          <a:p>
-            <a:r>
-              <a:rPr lang="en-US" sz="1400" dirty="0">
-                <a:latin typeface="Futura Light"/>
-                <a:cs typeface="Arial" panose="020B0604020202020204" pitchFamily="34" charset="0"/>
-              </a:rPr>
-              <a:t>one u : </a:t>
-            </a:r>
-            <a:r>
-              <a:rPr lang="en-US" sz="1400" dirty="0" err="1">
-                <a:latin typeface="Futura Light"/>
-                <a:cs typeface="Arial" panose="020B0604020202020204" pitchFamily="34" charset="0"/>
-              </a:rPr>
-              <a:t>EndUser</a:t>
-            </a:r>
-            <a:r>
-              <a:rPr lang="en-US" sz="1400" dirty="0">
-                <a:latin typeface="Futura Light"/>
-                <a:cs typeface="Arial" panose="020B0604020202020204" pitchFamily="34" charset="0"/>
-              </a:rPr>
-              <a:t> |</a:t>
-            </a:r>
-          </a:p>
-          <a:p>
-            <a:r>
-              <a:rPr lang="en-US" sz="1400" dirty="0" err="1">
-                <a:latin typeface="Futura Light"/>
-                <a:cs typeface="Arial" panose="020B0604020202020204" pitchFamily="34" charset="0"/>
-              </a:rPr>
-              <a:t>revGio.loc</a:t>
-            </a:r>
-            <a:r>
-              <a:rPr lang="en-US" sz="1400" dirty="0">
-                <a:latin typeface="Futura Light"/>
-                <a:cs typeface="Arial" panose="020B0604020202020204" pitchFamily="34" charset="0"/>
-              </a:rPr>
-              <a:t> = </a:t>
-            </a:r>
-            <a:r>
-              <a:rPr lang="en-US" sz="1400" dirty="0" err="1">
-                <a:latin typeface="Futura Light"/>
-                <a:cs typeface="Arial" panose="020B0604020202020204" pitchFamily="34" charset="0"/>
-              </a:rPr>
-              <a:t>u.userLocation</a:t>
-            </a:r>
-            <a:endParaRPr lang="en-US" sz="1400" dirty="0">
+            <a:endParaRPr lang="en-US" dirty="0">
               <a:latin typeface="Futura Light"/>
               <a:cs typeface="Arial" panose="020B0604020202020204" pitchFamily="34" charset="0"/>
             </a:endParaRPr>
           </a:p>
           <a:p>
             <a:r>
-              <a:rPr lang="en-US" sz="1400" dirty="0">
+              <a:rPr lang="en-US" dirty="0">
+                <a:latin typeface="Futura Light"/>
+                <a:cs typeface="Arial" panose="020B0604020202020204" pitchFamily="34" charset="0"/>
+              </a:rPr>
+              <a:t>fact </a:t>
+            </a:r>
+            <a:r>
+              <a:rPr lang="en-US" b="1" dirty="0" err="1">
+                <a:latin typeface="Futura Light"/>
+                <a:cs typeface="Arial" panose="020B0604020202020204" pitchFamily="34" charset="0"/>
+              </a:rPr>
+              <a:t>EqualLocationForEndUserAndGeo</a:t>
+            </a:r>
+            <a:r>
+              <a:rPr lang="en-US" dirty="0">
+                <a:latin typeface="Futura Light"/>
+                <a:cs typeface="Arial" panose="020B0604020202020204" pitchFamily="34" charset="0"/>
+              </a:rPr>
+              <a:t> {</a:t>
+            </a:r>
+          </a:p>
+          <a:p>
+            <a:r>
+              <a:rPr lang="en-US" dirty="0">
+                <a:latin typeface="Futura Light"/>
+                <a:cs typeface="Arial" panose="020B0604020202020204" pitchFamily="34" charset="0"/>
+              </a:rPr>
+              <a:t>one </a:t>
+            </a:r>
+            <a:r>
+              <a:rPr lang="en-US" dirty="0" err="1">
+                <a:latin typeface="Futura Light"/>
+                <a:cs typeface="Arial" panose="020B0604020202020204" pitchFamily="34" charset="0"/>
+              </a:rPr>
+              <a:t>revGeo</a:t>
+            </a:r>
+            <a:r>
+              <a:rPr lang="en-US" dirty="0">
+                <a:latin typeface="Futura Light"/>
+                <a:cs typeface="Arial" panose="020B0604020202020204" pitchFamily="34" charset="0"/>
+              </a:rPr>
+              <a:t> : </a:t>
+            </a:r>
+            <a:r>
+              <a:rPr lang="en-US" dirty="0" err="1">
+                <a:latin typeface="Futura Light"/>
+                <a:cs typeface="Arial" panose="020B0604020202020204" pitchFamily="34" charset="0"/>
+              </a:rPr>
+              <a:t>ReverseGeoCoding</a:t>
+            </a:r>
+            <a:r>
+              <a:rPr lang="en-US" dirty="0">
+                <a:latin typeface="Futura Light"/>
+                <a:cs typeface="Arial" panose="020B0604020202020204" pitchFamily="34" charset="0"/>
+              </a:rPr>
+              <a:t>|</a:t>
+            </a:r>
+          </a:p>
+          <a:p>
+            <a:r>
+              <a:rPr lang="en-US" dirty="0">
+                <a:latin typeface="Futura Light"/>
+                <a:cs typeface="Arial" panose="020B0604020202020204" pitchFamily="34" charset="0"/>
+              </a:rPr>
+              <a:t>one u : </a:t>
+            </a:r>
+            <a:r>
+              <a:rPr lang="en-US" dirty="0" err="1">
+                <a:latin typeface="Futura Light"/>
+                <a:cs typeface="Arial" panose="020B0604020202020204" pitchFamily="34" charset="0"/>
+              </a:rPr>
+              <a:t>EndUser</a:t>
+            </a:r>
+            <a:r>
+              <a:rPr lang="en-US" dirty="0">
+                <a:latin typeface="Futura Light"/>
+                <a:cs typeface="Arial" panose="020B0604020202020204" pitchFamily="34" charset="0"/>
+              </a:rPr>
+              <a:t> |</a:t>
+            </a:r>
+          </a:p>
+          <a:p>
+            <a:r>
+              <a:rPr lang="en-US" dirty="0" err="1">
+                <a:latin typeface="Futura Light"/>
+                <a:cs typeface="Arial" panose="020B0604020202020204" pitchFamily="34" charset="0"/>
+              </a:rPr>
+              <a:t>revGeo.loc</a:t>
+            </a:r>
+            <a:r>
+              <a:rPr lang="en-US" dirty="0">
+                <a:latin typeface="Futura Light"/>
+                <a:cs typeface="Arial" panose="020B0604020202020204" pitchFamily="34" charset="0"/>
+              </a:rPr>
+              <a:t> = </a:t>
+            </a:r>
+            <a:r>
+              <a:rPr lang="en-US" dirty="0" err="1">
+                <a:latin typeface="Futura Light"/>
+                <a:cs typeface="Arial" panose="020B0604020202020204" pitchFamily="34" charset="0"/>
+              </a:rPr>
+              <a:t>u.userLocation</a:t>
+            </a:r>
+            <a:endParaRPr lang="en-US" dirty="0">
+              <a:latin typeface="Futura Light"/>
+              <a:cs typeface="Arial" panose="020B0604020202020204" pitchFamily="34" charset="0"/>
+            </a:endParaRPr>
+          </a:p>
+          <a:p>
+            <a:r>
+              <a:rPr lang="en-US" dirty="0">
                 <a:latin typeface="Futura Light"/>
                 <a:cs typeface="Arial" panose="020B0604020202020204" pitchFamily="34" charset="0"/>
               </a:rPr>
               <a:t>}</a:t>
             </a:r>
             <a:br>
-              <a:rPr lang="en-US" sz="1400" dirty="0"/>
+              <a:rPr lang="en-US" dirty="0"/>
             </a:br>
-            <a:endParaRPr lang="en-US" sz="1400" dirty="0">
+            <a:endParaRPr lang="en-US" dirty="0">
               <a:latin typeface="Arial" panose="020B0604020202020204" pitchFamily="34" charset="0"/>
               <a:cs typeface="Arial" panose="020B0604020202020204" pitchFamily="34" charset="0"/>
             </a:endParaRPr>
@@ -10079,8 +10083,8 @@
         </p:nvSpPr>
         <p:spPr>
           <a:xfrm>
-            <a:off x="3945452" y="2119358"/>
-            <a:ext cx="3096344" cy="2246769"/>
+            <a:off x="4348181" y="2545736"/>
+            <a:ext cx="3495637" cy="2862322"/>
           </a:xfrm>
           <a:prstGeom prst="rect">
             <a:avLst/>
@@ -10092,131 +10096,86 @@
           </a:bodyPr>
           <a:lstStyle/>
           <a:p>
-            <a:endParaRPr lang="en-US" sz="1400" dirty="0">
+            <a:endParaRPr lang="en-US" dirty="0">
               <a:latin typeface="Arial" panose="020B0604020202020204" pitchFamily="34" charset="0"/>
               <a:cs typeface="Arial" panose="020B0604020202020204" pitchFamily="34" charset="0"/>
             </a:endParaRPr>
           </a:p>
           <a:p>
             <a:r>
-              <a:rPr lang="en-US" sz="1400" dirty="0">
-                <a:latin typeface="Futura Light"/>
-                <a:cs typeface="Arial" panose="020B0604020202020204" pitchFamily="34" charset="0"/>
-              </a:rPr>
-              <a:t>// Each Ticket Issued by One Third Party</a:t>
-            </a:r>
+              <a:rPr lang="en-US" dirty="0">
+                <a:latin typeface="Futura Light"/>
+                <a:cs typeface="Arial" panose="020B0604020202020204" pitchFamily="34" charset="0"/>
+              </a:rPr>
+              <a:t>// Each Ticket Issued by one Authority</a:t>
+            </a:r>
+          </a:p>
+          <a:p>
+            <a:endParaRPr lang="en-US" dirty="0">
+              <a:latin typeface="Futura Light"/>
+              <a:cs typeface="Arial" panose="020B0604020202020204" pitchFamily="34" charset="0"/>
+            </a:endParaRPr>
           </a:p>
           <a:p>
             <a:br>
-              <a:rPr lang="en-US" sz="1400" dirty="0">
+              <a:rPr lang="en-US" dirty="0">
                 <a:latin typeface="Futura Light"/>
                 <a:cs typeface="Arial" panose="020B0604020202020204" pitchFamily="34" charset="0"/>
               </a:rPr>
             </a:br>
             <a:r>
-              <a:rPr lang="en-US" sz="1400" dirty="0">
-                <a:latin typeface="Futura Light"/>
-                <a:cs typeface="Arial" panose="020B0604020202020204" pitchFamily="34" charset="0"/>
-              </a:rPr>
-              <a:t>Fact {</a:t>
+              <a:rPr lang="en-US" dirty="0">
+                <a:latin typeface="Futura Light"/>
+                <a:cs typeface="Arial" panose="020B0604020202020204" pitchFamily="34" charset="0"/>
+              </a:rPr>
+              <a:t>fact </a:t>
+            </a:r>
+          </a:p>
+          <a:p>
+            <a:r>
+              <a:rPr lang="en-US" b="1" dirty="0" err="1">
+                <a:latin typeface="Futura Light"/>
+                <a:cs typeface="Arial" panose="020B0604020202020204" pitchFamily="34" charset="0"/>
+              </a:rPr>
+              <a:t>EachTicketOneAuthority</a:t>
+            </a:r>
+            <a:r>
+              <a:rPr lang="en-US" dirty="0">
+                <a:latin typeface="Futura Light"/>
+                <a:cs typeface="Arial" panose="020B0604020202020204" pitchFamily="34" charset="0"/>
+              </a:rPr>
+              <a:t> {</a:t>
             </a:r>
             <a:br>
-              <a:rPr lang="en-US" sz="1400" dirty="0">
+              <a:rPr lang="en-US" dirty="0">
                 <a:latin typeface="Futura Light"/>
                 <a:cs typeface="Arial" panose="020B0604020202020204" pitchFamily="34" charset="0"/>
               </a:rPr>
             </a:br>
             <a:r>
-              <a:rPr lang="en-US" sz="1400" dirty="0">
-                <a:latin typeface="Futura Light"/>
-                <a:cs typeface="Arial" panose="020B0604020202020204" pitchFamily="34" charset="0"/>
-              </a:rPr>
-              <a:t>   all t: Ticket |</a:t>
-            </a:r>
-            <a:br>
-              <a:rPr lang="en-US" sz="1400" dirty="0">
-                <a:latin typeface="Futura Light"/>
-                <a:cs typeface="Arial" panose="020B0604020202020204" pitchFamily="34" charset="0"/>
-              </a:rPr>
-            </a:br>
-            <a:r>
-              <a:rPr lang="en-US" sz="1400" dirty="0">
-                <a:latin typeface="Futura Light"/>
-                <a:cs typeface="Arial" panose="020B0604020202020204" pitchFamily="34" charset="0"/>
-              </a:rPr>
-              <a:t>   one </a:t>
-            </a:r>
-            <a:r>
-              <a:rPr lang="en-US" sz="1400" dirty="0" err="1">
-                <a:latin typeface="Futura Light"/>
-                <a:cs typeface="Arial" panose="020B0604020202020204" pitchFamily="34" charset="0"/>
-              </a:rPr>
-              <a:t>tp</a:t>
-            </a:r>
-            <a:r>
-              <a:rPr lang="en-US" sz="1400" dirty="0">
-                <a:latin typeface="Futura Light"/>
-                <a:cs typeface="Arial" panose="020B0604020202020204" pitchFamily="34" charset="0"/>
-              </a:rPr>
-              <a:t>: </a:t>
-            </a:r>
-            <a:r>
-              <a:rPr lang="en-US" sz="1400" dirty="0" err="1">
-                <a:latin typeface="Futura Light"/>
-                <a:cs typeface="Arial" panose="020B0604020202020204" pitchFamily="34" charset="0"/>
-              </a:rPr>
-              <a:t>ThirdParty</a:t>
-            </a:r>
-            <a:r>
-              <a:rPr lang="en-US" sz="1400" dirty="0">
-                <a:latin typeface="Futura Light"/>
-                <a:cs typeface="Arial" panose="020B0604020202020204" pitchFamily="34" charset="0"/>
-              </a:rPr>
-              <a:t> |</a:t>
-            </a:r>
-            <a:br>
-              <a:rPr lang="en-US" sz="1400" dirty="0">
-                <a:latin typeface="Futura Light"/>
-                <a:cs typeface="Arial" panose="020B0604020202020204" pitchFamily="34" charset="0"/>
-              </a:rPr>
-            </a:br>
-            <a:r>
-              <a:rPr lang="en-US" sz="1400" dirty="0">
-                <a:latin typeface="Futura Light"/>
-                <a:cs typeface="Arial" panose="020B0604020202020204" pitchFamily="34" charset="0"/>
-              </a:rPr>
-              <a:t>   </a:t>
-            </a:r>
-            <a:r>
-              <a:rPr lang="en-US" sz="1400" dirty="0" err="1">
-                <a:latin typeface="Futura Light"/>
-                <a:cs typeface="Arial" panose="020B0604020202020204" pitchFamily="34" charset="0"/>
-              </a:rPr>
-              <a:t>tp.tickets</a:t>
-            </a:r>
-            <a:r>
-              <a:rPr lang="en-US" sz="1400" dirty="0">
+              <a:rPr lang="en-US" dirty="0">
+                <a:latin typeface="Futura Light"/>
+                <a:cs typeface="Arial" panose="020B0604020202020204" pitchFamily="34" charset="0"/>
+              </a:rPr>
+              <a:t>all t: Ticket | one au: Authority | </a:t>
+            </a:r>
+            <a:r>
+              <a:rPr lang="en-US" dirty="0" err="1">
+                <a:latin typeface="Futura Light"/>
+                <a:cs typeface="Arial" panose="020B0604020202020204" pitchFamily="34" charset="0"/>
+              </a:rPr>
+              <a:t>au.tickets</a:t>
+            </a:r>
+            <a:r>
+              <a:rPr lang="en-US" dirty="0">
                 <a:latin typeface="Futura Light"/>
                 <a:cs typeface="Arial" panose="020B0604020202020204" pitchFamily="34" charset="0"/>
               </a:rPr>
               <a:t> = t </a:t>
             </a:r>
-            <a:br>
-              <a:rPr lang="en-US" sz="1400" dirty="0">
-                <a:latin typeface="Futura Light"/>
-                <a:cs typeface="Arial" panose="020B0604020202020204" pitchFamily="34" charset="0"/>
-              </a:rPr>
-            </a:br>
-            <a:r>
-              <a:rPr lang="en-US" sz="1400" dirty="0">
-                <a:latin typeface="Futura Light"/>
-                <a:cs typeface="Arial" panose="020B0604020202020204" pitchFamily="34" charset="0"/>
-              </a:rPr>
-              <a:t>}</a:t>
-            </a:r>
-          </a:p>
-          <a:p>
-            <a:endParaRPr lang="en-US" sz="1400" dirty="0">
+          </a:p>
+          <a:p>
+            <a:endParaRPr lang="en-US" dirty="0">
               <a:latin typeface="Arial" panose="020B0604020202020204" pitchFamily="34" charset="0"/>
               <a:cs typeface="Arial" panose="020B0604020202020204" pitchFamily="34" charset="0"/>
             </a:endParaRPr>
